--- a/MyBDAThesis/Akubue Simon - Thesis Presentation.pptx
+++ b/MyBDAThesis/Akubue Simon - Thesis Presentation.pptx
@@ -22,19 +22,16 @@
     <p:sldId id="303" r:id="rId16"/>
     <p:sldId id="304" r:id="rId17"/>
     <p:sldId id="305" r:id="rId18"/>
-    <p:sldId id="306" r:id="rId19"/>
-    <p:sldId id="290" r:id="rId20"/>
-    <p:sldId id="289" r:id="rId21"/>
-    <p:sldId id="260" r:id="rId22"/>
-    <p:sldId id="295" r:id="rId23"/>
-    <p:sldId id="294" r:id="rId24"/>
-    <p:sldId id="272" r:id="rId25"/>
-    <p:sldId id="286" r:id="rId26"/>
-    <p:sldId id="307" r:id="rId27"/>
-    <p:sldId id="308" r:id="rId28"/>
-    <p:sldId id="309" r:id="rId29"/>
-    <p:sldId id="288" r:id="rId30"/>
-    <p:sldId id="268" r:id="rId31"/>
+    <p:sldId id="290" r:id="rId19"/>
+    <p:sldId id="289" r:id="rId20"/>
+    <p:sldId id="260" r:id="rId21"/>
+    <p:sldId id="295" r:id="rId22"/>
+    <p:sldId id="294" r:id="rId23"/>
+    <p:sldId id="272" r:id="rId24"/>
+    <p:sldId id="286" r:id="rId25"/>
+    <p:sldId id="307" r:id="rId26"/>
+    <p:sldId id="288" r:id="rId27"/>
+    <p:sldId id="268" r:id="rId28"/>
   </p:sldIdLst>
   <p:sldSz cx="12192000" cy="6858000"/>
   <p:notesSz cx="6858000" cy="9144000"/>
@@ -272,7 +269,7 @@
           <a:p>
             <a:fld id="{AC9F1F34-0473-412F-A52A-8045292EA46A}" type="datetimeFigureOut">
               <a:rPr lang="en-US" smtClean="0"/>
-              <a:t>10/1/2024</a:t>
+              <a:t>10/29/2024</a:t>
             </a:fld>
             <a:endParaRPr lang="en-US"/>
           </a:p>
@@ -442,7 +439,7 @@
           <a:p>
             <a:fld id="{AC9F1F34-0473-412F-A52A-8045292EA46A}" type="datetimeFigureOut">
               <a:rPr lang="en-US" smtClean="0"/>
-              <a:t>10/1/2024</a:t>
+              <a:t>10/29/2024</a:t>
             </a:fld>
             <a:endParaRPr lang="en-US"/>
           </a:p>
@@ -622,7 +619,7 @@
           <a:p>
             <a:fld id="{AC9F1F34-0473-412F-A52A-8045292EA46A}" type="datetimeFigureOut">
               <a:rPr lang="en-US" smtClean="0"/>
-              <a:t>10/1/2024</a:t>
+              <a:t>10/29/2024</a:t>
             </a:fld>
             <a:endParaRPr lang="en-US"/>
           </a:p>
@@ -792,7 +789,7 @@
           <a:p>
             <a:fld id="{AC9F1F34-0473-412F-A52A-8045292EA46A}" type="datetimeFigureOut">
               <a:rPr lang="en-US" smtClean="0"/>
-              <a:t>10/1/2024</a:t>
+              <a:t>10/29/2024</a:t>
             </a:fld>
             <a:endParaRPr lang="en-US"/>
           </a:p>
@@ -1038,7 +1035,7 @@
           <a:p>
             <a:fld id="{AC9F1F34-0473-412F-A52A-8045292EA46A}" type="datetimeFigureOut">
               <a:rPr lang="en-US" smtClean="0"/>
-              <a:t>10/1/2024</a:t>
+              <a:t>10/29/2024</a:t>
             </a:fld>
             <a:endParaRPr lang="en-US"/>
           </a:p>
@@ -1270,7 +1267,7 @@
           <a:p>
             <a:fld id="{AC9F1F34-0473-412F-A52A-8045292EA46A}" type="datetimeFigureOut">
               <a:rPr lang="en-US" smtClean="0"/>
-              <a:t>10/1/2024</a:t>
+              <a:t>10/29/2024</a:t>
             </a:fld>
             <a:endParaRPr lang="en-US"/>
           </a:p>
@@ -1637,7 +1634,7 @@
           <a:p>
             <a:fld id="{AC9F1F34-0473-412F-A52A-8045292EA46A}" type="datetimeFigureOut">
               <a:rPr lang="en-US" smtClean="0"/>
-              <a:t>10/1/2024</a:t>
+              <a:t>10/29/2024</a:t>
             </a:fld>
             <a:endParaRPr lang="en-US"/>
           </a:p>
@@ -1755,7 +1752,7 @@
           <a:p>
             <a:fld id="{AC9F1F34-0473-412F-A52A-8045292EA46A}" type="datetimeFigureOut">
               <a:rPr lang="en-US" smtClean="0"/>
-              <a:t>10/1/2024</a:t>
+              <a:t>10/29/2024</a:t>
             </a:fld>
             <a:endParaRPr lang="en-US"/>
           </a:p>
@@ -1850,7 +1847,7 @@
           <a:p>
             <a:fld id="{AC9F1F34-0473-412F-A52A-8045292EA46A}" type="datetimeFigureOut">
               <a:rPr lang="en-US" smtClean="0"/>
-              <a:t>10/1/2024</a:t>
+              <a:t>10/29/2024</a:t>
             </a:fld>
             <a:endParaRPr lang="en-US"/>
           </a:p>
@@ -2127,7 +2124,7 @@
           <a:p>
             <a:fld id="{AC9F1F34-0473-412F-A52A-8045292EA46A}" type="datetimeFigureOut">
               <a:rPr lang="en-US" smtClean="0"/>
-              <a:t>10/1/2024</a:t>
+              <a:t>10/29/2024</a:t>
             </a:fld>
             <a:endParaRPr lang="en-US"/>
           </a:p>
@@ -2380,7 +2377,7 @@
           <a:p>
             <a:fld id="{AC9F1F34-0473-412F-A52A-8045292EA46A}" type="datetimeFigureOut">
               <a:rPr lang="en-US" smtClean="0"/>
-              <a:t>10/1/2024</a:t>
+              <a:t>10/29/2024</a:t>
             </a:fld>
             <a:endParaRPr lang="en-US"/>
           </a:p>
@@ -2593,7 +2590,7 @@
           <a:p>
             <a:fld id="{AC9F1F34-0473-412F-A52A-8045292EA46A}" type="datetimeFigureOut">
               <a:rPr lang="en-US" smtClean="0"/>
-              <a:t>10/1/2024</a:t>
+              <a:t>10/29/2024</a:t>
             </a:fld>
             <a:endParaRPr lang="en-US"/>
           </a:p>
@@ -3091,7 +3088,7 @@
             </a:r>
             <a:r>
               <a:rPr lang="en-US" i="1" dirty="0" smtClean="0"/>
-              <a:t>01-Oct-2024</a:t>
+              <a:t>29-Oct-2024</a:t>
             </a:r>
             <a:endParaRPr lang="en-US" i="1" dirty="0"/>
           </a:p>
@@ -3780,18 +3777,26 @@
           </a:p>
           <a:p>
             <a:r>
+              <a:rPr lang="en-US" sz="3200" b="1" dirty="0"/>
+              <a:t>Ridge Regression</a:t>
+            </a:r>
+            <a:r>
               <a:rPr lang="en-US" sz="3200" dirty="0"/>
-              <a:t>Ridge Regression model</a:t>
-            </a:r>
-          </a:p>
-          <a:p>
-            <a:r>
-              <a:rPr lang="en-US" sz="3200" dirty="0" smtClean="0"/>
+              <a:t> model</a:t>
+            </a:r>
+          </a:p>
+          <a:p>
+            <a:r>
+              <a:rPr lang="en-US" sz="3200" b="1" dirty="0" smtClean="0"/>
               <a:t>Linear </a:t>
             </a:r>
             <a:r>
+              <a:rPr lang="en-US" sz="3200" b="1" dirty="0"/>
+              <a:t>Regression</a:t>
+            </a:r>
+            <a:r>
               <a:rPr lang="en-US" sz="3200" dirty="0"/>
-              <a:t>Regression </a:t>
+              <a:t> </a:t>
             </a:r>
             <a:r>
               <a:rPr lang="en-US" sz="3200" dirty="0" smtClean="0"/>
@@ -3814,16 +3819,20 @@
           </a:p>
           <a:p>
             <a:r>
+              <a:rPr lang="en-US" sz="3200" b="1" dirty="0" smtClean="0"/>
+              <a:t>Random </a:t>
+            </a:r>
+            <a:r>
+              <a:rPr lang="en-US" sz="3200" b="1" dirty="0"/>
+              <a:t>Forest </a:t>
+            </a:r>
+            <a:r>
+              <a:rPr lang="en-US" sz="3200" b="1" dirty="0" smtClean="0"/>
+              <a:t>Regressor</a:t>
+            </a:r>
+            <a:r>
               <a:rPr lang="en-US" sz="3200" dirty="0" smtClean="0"/>
-              <a:t>Random </a:t>
-            </a:r>
-            <a:r>
-              <a:rPr lang="en-US" sz="3200" dirty="0"/>
-              <a:t>Forest </a:t>
-            </a:r>
-            <a:r>
-              <a:rPr lang="en-US" sz="3200" dirty="0" smtClean="0"/>
-              <a:t>Regressor model</a:t>
+              <a:t> model</a:t>
             </a:r>
           </a:p>
           <a:p>
@@ -4052,7 +4061,7 @@
           <p:spPr>
             <a:xfrm>
               <a:off x="876300" y="5556250"/>
-              <a:ext cx="1803400" cy="369332"/>
+              <a:ext cx="1803400" cy="646331"/>
             </a:xfrm>
             <a:prstGeom prst="rect">
               <a:avLst/>
@@ -4068,7 +4077,7 @@
               <a:pPr algn="ctr"/>
               <a:r>
                 <a:rPr lang="en-US" dirty="0" smtClean="0"/>
-                <a:t>Investing.Com</a:t>
+                <a:t>Tick Data Suite (TDS)</a:t>
               </a:r>
               <a:endParaRPr lang="en-US" dirty="0"/>
             </a:p>
@@ -4951,7 +4960,7 @@
               <a:pPr algn="ctr"/>
               <a:r>
                 <a:rPr lang="en-US" b="1" dirty="0" smtClean="0"/>
-                <a:t>World Bank</a:t>
+                <a:t>FRED</a:t>
               </a:r>
               <a:endParaRPr lang="en-US" b="1" dirty="0"/>
             </a:p>
@@ -5061,7 +5070,7 @@
       </p:sp>
       <p:pic>
         <p:nvPicPr>
-          <p:cNvPr id="3" name="Picture 2"/>
+          <p:cNvPr id="4" name="Picture 3"/>
           <p:cNvPicPr>
             <a:picLocks noChangeAspect="1"/>
           </p:cNvPicPr>
@@ -5075,8 +5084,8 @@
         </p:blipFill>
         <p:spPr>
           <a:xfrm>
-            <a:off x="1181893" y="925512"/>
-            <a:ext cx="9701213" cy="5289885"/>
+            <a:off x="1917700" y="812237"/>
+            <a:ext cx="8178800" cy="5644224"/>
           </a:xfrm>
           <a:prstGeom prst="rect">
             <a:avLst/>
@@ -5150,7 +5159,7 @@
       </p:sp>
       <p:pic>
         <p:nvPicPr>
-          <p:cNvPr id="3" name="Picture 2"/>
+          <p:cNvPr id="5" name="Picture 4"/>
           <p:cNvPicPr>
             <a:picLocks noChangeAspect="1"/>
           </p:cNvPicPr>
@@ -5164,87 +5173,14 @@
         </p:blipFill>
         <p:spPr>
           <a:xfrm>
-            <a:off x="1028006" y="800100"/>
-            <a:ext cx="10008987" cy="4756150"/>
+            <a:off x="228600" y="767695"/>
+            <a:ext cx="11506200" cy="5683365"/>
           </a:xfrm>
           <a:prstGeom prst="rect">
             <a:avLst/>
           </a:prstGeom>
         </p:spPr>
       </p:pic>
-      <p:sp>
-        <p:nvSpPr>
-          <p:cNvPr id="4" name="TextBox 3"/>
-          <p:cNvSpPr txBox="1"/>
-          <p:nvPr/>
-        </p:nvSpPr>
-        <p:spPr>
-          <a:xfrm>
-            <a:off x="1104900" y="5829300"/>
-            <a:ext cx="9893993" cy="369332"/>
-          </a:xfrm>
-          <a:prstGeom prst="rect">
-            <a:avLst/>
-          </a:prstGeom>
-          <a:noFill/>
-        </p:spPr>
-        <p:txBody>
-          <a:bodyPr wrap="square" rtlCol="0">
-            <a:spAutoFit/>
-          </a:bodyPr>
-          <a:lstStyle/>
-          <a:p>
-            <a:r>
-              <a:rPr lang="en-US" dirty="0"/>
-              <a:t> </a:t>
-            </a:r>
-            <a:r>
-              <a:rPr lang="en-US" dirty="0" err="1"/>
-              <a:t>url</a:t>
-            </a:r>
-            <a:r>
-              <a:rPr lang="en-US" dirty="0"/>
-              <a:t> = '</a:t>
-            </a:r>
-            <a:r>
-              <a:rPr lang="en-US" dirty="0">
-                <a:solidFill>
-                  <a:srgbClr val="0070C0"/>
-                </a:solidFill>
-              </a:rPr>
-              <a:t>http://api.worldbank.org/v2/country/</a:t>
-            </a:r>
-            <a:r>
-              <a:rPr lang="en-US" dirty="0"/>
-              <a:t>' + </a:t>
-            </a:r>
-            <a:r>
-              <a:rPr lang="en-US" dirty="0" err="1">
-                <a:solidFill>
-                  <a:srgbClr val="FF0000"/>
-                </a:solidFill>
-              </a:rPr>
-              <a:t>Cntry</a:t>
-            </a:r>
-            <a:r>
-              <a:rPr lang="en-US" dirty="0"/>
-              <a:t> + '</a:t>
-            </a:r>
-            <a:r>
-              <a:rPr lang="en-US" dirty="0">
-                <a:solidFill>
-                  <a:srgbClr val="0070C0"/>
-                </a:solidFill>
-              </a:rPr>
-              <a:t>/indicator/FP.CPI.TOTL</a:t>
-            </a:r>
-            <a:r>
-              <a:rPr lang="en-US" dirty="0"/>
-              <a:t>'</a:t>
-            </a:r>
-          </a:p>
-        </p:txBody>
-      </p:sp>
     </p:spTree>
     <p:extLst>
       <p:ext uri="{BB962C8B-B14F-4D97-AF65-F5344CB8AC3E}">
@@ -6184,7 +6120,7 @@
       </p:sp>
       <p:pic>
         <p:nvPicPr>
-          <p:cNvPr id="4" name="Picture 3"/>
+          <p:cNvPr id="5" name="Picture 4"/>
           <p:cNvPicPr>
             <a:picLocks noChangeAspect="1"/>
           </p:cNvPicPr>
@@ -6198,8 +6134,8 @@
         </p:blipFill>
         <p:spPr>
           <a:xfrm>
-            <a:off x="1109662" y="787400"/>
-            <a:ext cx="9621838" cy="5576879"/>
+            <a:off x="406399" y="785144"/>
+            <a:ext cx="11329647" cy="5641056"/>
           </a:xfrm>
           <a:prstGeom prst="rect">
             <a:avLst/>
@@ -6238,14 +6174,14 @@
       </p:grpSpPr>
       <p:sp>
         <p:nvSpPr>
-          <p:cNvPr id="2" name="TextBox 1"/>
+          <p:cNvPr id="3" name="TextBox 2"/>
           <p:cNvSpPr txBox="1"/>
           <p:nvPr/>
         </p:nvSpPr>
         <p:spPr>
           <a:xfrm>
-            <a:off x="330200" y="-30897"/>
-            <a:ext cx="11404600" cy="830997"/>
+            <a:off x="1397000" y="12700"/>
+            <a:ext cx="8928100" cy="830997"/>
           </a:xfrm>
           <a:prstGeom prst="rect">
             <a:avLst/>
@@ -6263,7 +6199,7 @@
               <a:rPr lang="en-US" sz="4800" dirty="0" smtClean="0">
                 <a:latin typeface="Bahnschrift Light" panose="020B0502040204020203" pitchFamily="34" charset="0"/>
               </a:rPr>
-              <a:t>Macroeconomic Data</a:t>
+              <a:t>Models Comparison</a:t>
             </a:r>
             <a:endParaRPr lang="en-US" sz="4800" dirty="0">
               <a:latin typeface="Bahnschrift Light" panose="020B0502040204020203" pitchFamily="34" charset="0"/>
@@ -6271,9 +6207,50 @@
           </a:p>
         </p:txBody>
       </p:sp>
+      <p:sp>
+        <p:nvSpPr>
+          <p:cNvPr id="4" name="TextBox 3"/>
+          <p:cNvSpPr txBox="1"/>
+          <p:nvPr/>
+        </p:nvSpPr>
+        <p:spPr>
+          <a:xfrm>
+            <a:off x="1409700" y="647700"/>
+            <a:ext cx="8928100" cy="523220"/>
+          </a:xfrm>
+          <a:prstGeom prst="rect">
+            <a:avLst/>
+          </a:prstGeom>
+          <a:noFill/>
+        </p:spPr>
+        <p:txBody>
+          <a:bodyPr wrap="square" rtlCol="0">
+            <a:spAutoFit/>
+          </a:bodyPr>
+          <a:lstStyle/>
+          <a:p>
+            <a:pPr algn="ctr"/>
+            <a:r>
+              <a:rPr lang="en-US" sz="2800" dirty="0">
+                <a:latin typeface="Bahnschrift Light" panose="020B0502040204020203" pitchFamily="34" charset="0"/>
+              </a:rPr>
+              <a:t>8</a:t>
+            </a:r>
+            <a:r>
+              <a:rPr lang="en-US" sz="2800" dirty="0" smtClean="0">
+                <a:latin typeface="Bahnschrift Light" panose="020B0502040204020203" pitchFamily="34" charset="0"/>
+              </a:rPr>
+              <a:t>5% Train – 15% Test Splitting</a:t>
+            </a:r>
+            <a:endParaRPr lang="en-US" sz="2800" dirty="0">
+              <a:latin typeface="Bahnschrift Light" panose="020B0502040204020203" pitchFamily="34" charset="0"/>
+            </a:endParaRPr>
+          </a:p>
+        </p:txBody>
+      </p:sp>
       <p:pic>
         <p:nvPicPr>
-          <p:cNvPr id="4" name="Picture 3"/>
+          <p:cNvPr id="2" name="Picture 1"/>
           <p:cNvPicPr>
             <a:picLocks noChangeAspect="1"/>
           </p:cNvPicPr>
@@ -6287,8 +6264,8 @@
         </p:blipFill>
         <p:spPr>
           <a:xfrm>
-            <a:off x="1128712" y="800100"/>
-            <a:ext cx="9424988" cy="5530934"/>
+            <a:off x="546100" y="1127161"/>
+            <a:ext cx="11010900" cy="5569219"/>
           </a:xfrm>
           <a:prstGeom prst="rect">
             <a:avLst/>
@@ -6298,7 +6275,7 @@
     </p:spTree>
     <p:extLst>
       <p:ext uri="{BB962C8B-B14F-4D97-AF65-F5344CB8AC3E}">
-        <p14:creationId xmlns:p14="http://schemas.microsoft.com/office/powerpoint/2010/main" val="1676152595"/>
+        <p14:creationId xmlns:p14="http://schemas.microsoft.com/office/powerpoint/2010/main" val="98876993"/>
       </p:ext>
     </p:extLst>
   </p:cSld>
@@ -6327,14 +6304,14 @@
       </p:grpSpPr>
       <p:sp>
         <p:nvSpPr>
-          <p:cNvPr id="3" name="TextBox 2"/>
+          <p:cNvPr id="2" name="TextBox 1"/>
           <p:cNvSpPr txBox="1"/>
           <p:nvPr/>
         </p:nvSpPr>
         <p:spPr>
           <a:xfrm>
-            <a:off x="1397000" y="12700"/>
-            <a:ext cx="8928100" cy="830997"/>
+            <a:off x="609599" y="-92765"/>
+            <a:ext cx="10174287" cy="830997"/>
           </a:xfrm>
           <a:prstGeom prst="rect">
             <a:avLst/>
@@ -6352,7 +6329,7 @@
               <a:rPr lang="en-US" sz="4800" dirty="0" smtClean="0">
                 <a:latin typeface="Bahnschrift Light" panose="020B0502040204020203" pitchFamily="34" charset="0"/>
               </a:rPr>
-              <a:t>Models Comparison</a:t>
+              <a:t>Visualization (85% - 15%)</a:t>
             </a:r>
             <a:endParaRPr lang="en-US" sz="4800" dirty="0">
               <a:latin typeface="Bahnschrift Light" panose="020B0502040204020203" pitchFamily="34" charset="0"/>
@@ -6360,50 +6337,9 @@
           </a:p>
         </p:txBody>
       </p:sp>
-      <p:sp>
-        <p:nvSpPr>
-          <p:cNvPr id="4" name="TextBox 3"/>
-          <p:cNvSpPr txBox="1"/>
-          <p:nvPr/>
-        </p:nvSpPr>
-        <p:spPr>
-          <a:xfrm>
-            <a:off x="1409700" y="647700"/>
-            <a:ext cx="8928100" cy="523220"/>
-          </a:xfrm>
-          <a:prstGeom prst="rect">
-            <a:avLst/>
-          </a:prstGeom>
-          <a:noFill/>
-        </p:spPr>
-        <p:txBody>
-          <a:bodyPr wrap="square" rtlCol="0">
-            <a:spAutoFit/>
-          </a:bodyPr>
-          <a:lstStyle/>
-          <a:p>
-            <a:pPr algn="ctr"/>
-            <a:r>
-              <a:rPr lang="en-US" sz="2800" dirty="0">
-                <a:latin typeface="Bahnschrift Light" panose="020B0502040204020203" pitchFamily="34" charset="0"/>
-              </a:rPr>
-              <a:t>8</a:t>
-            </a:r>
-            <a:r>
-              <a:rPr lang="en-US" sz="2800" dirty="0" smtClean="0">
-                <a:latin typeface="Bahnschrift Light" panose="020B0502040204020203" pitchFamily="34" charset="0"/>
-              </a:rPr>
-              <a:t>5% Train – 15% Test Splitting</a:t>
-            </a:r>
-            <a:endParaRPr lang="en-US" sz="2800" dirty="0">
-              <a:latin typeface="Bahnschrift Light" panose="020B0502040204020203" pitchFamily="34" charset="0"/>
-            </a:endParaRPr>
-          </a:p>
-        </p:txBody>
-      </p:sp>
       <p:pic>
         <p:nvPicPr>
-          <p:cNvPr id="5" name="Picture 4"/>
+          <p:cNvPr id="3" name="Picture 2"/>
           <p:cNvPicPr>
             <a:picLocks noChangeAspect="1"/>
           </p:cNvPicPr>
@@ -6417,8 +6353,80 @@
         </p:blipFill>
         <p:spPr>
           <a:xfrm>
-            <a:off x="733197" y="1259820"/>
-            <a:ext cx="10473020" cy="4632980"/>
+            <a:off x="457199" y="673100"/>
+            <a:ext cx="5511227" cy="2971800"/>
+          </a:xfrm>
+          <a:prstGeom prst="rect">
+            <a:avLst/>
+          </a:prstGeom>
+        </p:spPr>
+      </p:pic>
+      <p:pic>
+        <p:nvPicPr>
+          <p:cNvPr id="4" name="Picture 3"/>
+          <p:cNvPicPr>
+            <a:picLocks noChangeAspect="1"/>
+          </p:cNvPicPr>
+          <p:nvPr/>
+        </p:nvPicPr>
+        <p:blipFill>
+          <a:blip r:embed="rId3"/>
+          <a:stretch>
+            <a:fillRect/>
+          </a:stretch>
+        </p:blipFill>
+        <p:spPr>
+          <a:xfrm>
+            <a:off x="6248399" y="673100"/>
+            <a:ext cx="5432425" cy="2878106"/>
+          </a:xfrm>
+          <a:prstGeom prst="rect">
+            <a:avLst/>
+          </a:prstGeom>
+        </p:spPr>
+      </p:pic>
+      <p:pic>
+        <p:nvPicPr>
+          <p:cNvPr id="5" name="Picture 4"/>
+          <p:cNvPicPr>
+            <a:picLocks noChangeAspect="1"/>
+          </p:cNvPicPr>
+          <p:nvPr/>
+        </p:nvPicPr>
+        <p:blipFill>
+          <a:blip r:embed="rId4"/>
+          <a:stretch>
+            <a:fillRect/>
+          </a:stretch>
+        </p:blipFill>
+        <p:spPr>
+          <a:xfrm>
+            <a:off x="420469" y="3822700"/>
+            <a:ext cx="5557768" cy="2931906"/>
+          </a:xfrm>
+          <a:prstGeom prst="rect">
+            <a:avLst/>
+          </a:prstGeom>
+        </p:spPr>
+      </p:pic>
+      <p:pic>
+        <p:nvPicPr>
+          <p:cNvPr id="6" name="Picture 5"/>
+          <p:cNvPicPr>
+            <a:picLocks noChangeAspect="1"/>
+          </p:cNvPicPr>
+          <p:nvPr/>
+        </p:nvPicPr>
+        <p:blipFill>
+          <a:blip r:embed="rId5"/>
+          <a:stretch>
+            <a:fillRect/>
+          </a:stretch>
+        </p:blipFill>
+        <p:spPr>
+          <a:xfrm>
+            <a:off x="6248398" y="3822700"/>
+            <a:ext cx="5432425" cy="2894871"/>
           </a:xfrm>
           <a:prstGeom prst="rect">
             <a:avLst/>
@@ -6428,7 +6436,7 @@
     </p:spTree>
     <p:extLst>
       <p:ext uri="{BB962C8B-B14F-4D97-AF65-F5344CB8AC3E}">
-        <p14:creationId xmlns:p14="http://schemas.microsoft.com/office/powerpoint/2010/main" val="98876993"/>
+        <p14:creationId xmlns:p14="http://schemas.microsoft.com/office/powerpoint/2010/main" val="917617399"/>
       </p:ext>
     </p:extLst>
   </p:cSld>
@@ -6484,12 +6492,16 @@
           </a:p>
           <a:p>
             <a:r>
-              <a:rPr lang="en-US" sz="4400" dirty="0"/>
+              <a:rPr lang="en-US" sz="4400" b="1" dirty="0"/>
               <a:t>M</a:t>
             </a:r>
             <a:r>
+              <a:rPr lang="en-US" sz="4400" b="1" dirty="0" smtClean="0"/>
+              <a:t>itigating</a:t>
+            </a:r>
+            <a:r>
               <a:rPr lang="en-US" sz="4400" dirty="0" smtClean="0"/>
-              <a:t>itigating against this high rate of losses formed the basis of my research dream on “</a:t>
+              <a:t> against this high rate of losses formed the basis of my research dream on “</a:t>
             </a:r>
             <a:r>
               <a:rPr lang="en-US" sz="4400" b="1" dirty="0" smtClean="0"/>
@@ -6586,8 +6598,8 @@
         </p:nvSpPr>
         <p:spPr>
           <a:xfrm>
-            <a:off x="609599" y="-92765"/>
-            <a:ext cx="10174287" cy="830997"/>
+            <a:off x="1549952" y="-3865"/>
+            <a:ext cx="8680174" cy="830997"/>
           </a:xfrm>
           <a:prstGeom prst="rect">
             <a:avLst/>
@@ -6605,7 +6617,7 @@
               <a:rPr lang="en-US" sz="4800" dirty="0" smtClean="0">
                 <a:latin typeface="Bahnschrift Light" panose="020B0502040204020203" pitchFamily="34" charset="0"/>
               </a:rPr>
-              <a:t>Visualization (85% - 15%)</a:t>
+              <a:t>Result</a:t>
             </a:r>
             <a:endParaRPr lang="en-US" sz="4800" dirty="0">
               <a:latin typeface="Bahnschrift Light" panose="020B0502040204020203" pitchFamily="34" charset="0"/>
@@ -6613,202 +6625,100 @@
           </a:p>
         </p:txBody>
       </p:sp>
-      <p:pic>
-        <p:nvPicPr>
-          <p:cNvPr id="11" name="Picture 10"/>
-          <p:cNvPicPr>
-            <a:picLocks noChangeAspect="1"/>
-          </p:cNvPicPr>
+      <p:sp>
+        <p:nvSpPr>
+          <p:cNvPr id="3" name="TextBox 2"/>
+          <p:cNvSpPr txBox="1"/>
           <p:nvPr/>
-        </p:nvPicPr>
-        <p:blipFill>
-          <a:blip r:embed="rId2"/>
-          <a:stretch>
-            <a:fillRect/>
-          </a:stretch>
-        </p:blipFill>
+        </p:nvSpPr>
         <p:spPr>
           <a:xfrm>
-            <a:off x="711199" y="871537"/>
-            <a:ext cx="2779543" cy="1477963"/>
+            <a:off x="909429" y="725557"/>
+            <a:ext cx="10257183" cy="6001643"/>
           </a:xfrm>
           <a:prstGeom prst="rect">
             <a:avLst/>
           </a:prstGeom>
+          <a:noFill/>
         </p:spPr>
-      </p:pic>
-      <p:pic>
-        <p:nvPicPr>
-          <p:cNvPr id="12" name="Picture 11"/>
-          <p:cNvPicPr>
-            <a:picLocks noChangeAspect="1"/>
-          </p:cNvPicPr>
-          <p:nvPr/>
-        </p:nvPicPr>
-        <p:blipFill>
-          <a:blip r:embed="rId3"/>
-          <a:stretch>
-            <a:fillRect/>
-          </a:stretch>
-        </p:blipFill>
-        <p:spPr>
-          <a:xfrm>
-            <a:off x="609600" y="2749506"/>
-            <a:ext cx="2919242" cy="1547166"/>
-          </a:xfrm>
-          <a:prstGeom prst="rect">
-            <a:avLst/>
-          </a:prstGeom>
-        </p:spPr>
-      </p:pic>
-      <p:pic>
-        <p:nvPicPr>
-          <p:cNvPr id="13" name="Picture 12"/>
-          <p:cNvPicPr>
-            <a:picLocks noChangeAspect="1"/>
-          </p:cNvPicPr>
-          <p:nvPr/>
-        </p:nvPicPr>
-        <p:blipFill>
-          <a:blip r:embed="rId4"/>
-          <a:stretch>
-            <a:fillRect/>
-          </a:stretch>
-        </p:blipFill>
-        <p:spPr>
-          <a:xfrm>
-            <a:off x="609599" y="4747433"/>
-            <a:ext cx="2914762" cy="1551767"/>
-          </a:xfrm>
-          <a:prstGeom prst="rect">
-            <a:avLst/>
-          </a:prstGeom>
-        </p:spPr>
-      </p:pic>
-      <p:pic>
-        <p:nvPicPr>
-          <p:cNvPr id="14" name="Picture 13"/>
-          <p:cNvPicPr>
-            <a:picLocks noChangeAspect="1"/>
-          </p:cNvPicPr>
-          <p:nvPr/>
-        </p:nvPicPr>
-        <p:blipFill>
-          <a:blip r:embed="rId5"/>
-          <a:stretch>
-            <a:fillRect/>
-          </a:stretch>
-        </p:blipFill>
-        <p:spPr>
-          <a:xfrm>
-            <a:off x="7645399" y="871537"/>
-            <a:ext cx="2794001" cy="1479899"/>
-          </a:xfrm>
-          <a:prstGeom prst="rect">
-            <a:avLst/>
-          </a:prstGeom>
-        </p:spPr>
-      </p:pic>
-      <p:pic>
-        <p:nvPicPr>
-          <p:cNvPr id="15" name="Picture 14"/>
-          <p:cNvPicPr>
-            <a:picLocks noChangeAspect="1"/>
-          </p:cNvPicPr>
-          <p:nvPr/>
-        </p:nvPicPr>
-        <p:blipFill>
-          <a:blip r:embed="rId6"/>
-          <a:stretch>
-            <a:fillRect/>
-          </a:stretch>
-        </p:blipFill>
-        <p:spPr>
-          <a:xfrm>
-            <a:off x="7645398" y="2749506"/>
-            <a:ext cx="2794001" cy="1494466"/>
-          </a:xfrm>
-          <a:prstGeom prst="rect">
-            <a:avLst/>
-          </a:prstGeom>
-        </p:spPr>
-      </p:pic>
-      <p:pic>
-        <p:nvPicPr>
-          <p:cNvPr id="16" name="Picture 15"/>
-          <p:cNvPicPr>
-            <a:picLocks noChangeAspect="1"/>
-          </p:cNvPicPr>
-          <p:nvPr/>
-        </p:nvPicPr>
-        <p:blipFill>
-          <a:blip r:embed="rId7"/>
-          <a:stretch>
-            <a:fillRect/>
-          </a:stretch>
-        </p:blipFill>
-        <p:spPr>
-          <a:xfrm>
-            <a:off x="7645398" y="4747433"/>
-            <a:ext cx="2798003" cy="1507813"/>
-          </a:xfrm>
-          <a:prstGeom prst="rect">
-            <a:avLst/>
-          </a:prstGeom>
-        </p:spPr>
-      </p:pic>
-      <p:pic>
-        <p:nvPicPr>
-          <p:cNvPr id="17" name="Picture 16"/>
-          <p:cNvPicPr>
-            <a:picLocks noChangeAspect="1"/>
-          </p:cNvPicPr>
-          <p:nvPr/>
-        </p:nvPicPr>
-        <p:blipFill>
-          <a:blip r:embed="rId8"/>
-          <a:stretch>
-            <a:fillRect/>
-          </a:stretch>
-        </p:blipFill>
-        <p:spPr>
-          <a:xfrm>
-            <a:off x="4146550" y="871537"/>
-            <a:ext cx="2772479" cy="1474788"/>
-          </a:xfrm>
-          <a:prstGeom prst="rect">
-            <a:avLst/>
-          </a:prstGeom>
-        </p:spPr>
-      </p:pic>
-      <p:pic>
-        <p:nvPicPr>
-          <p:cNvPr id="19" name="Picture 18"/>
-          <p:cNvPicPr>
-            <a:picLocks noChangeAspect="1"/>
-          </p:cNvPicPr>
-          <p:nvPr/>
-        </p:nvPicPr>
-        <p:blipFill>
-          <a:blip r:embed="rId9"/>
-          <a:stretch>
-            <a:fillRect/>
-          </a:stretch>
-        </p:blipFill>
-        <p:spPr>
-          <a:xfrm>
-            <a:off x="4146550" y="2749506"/>
-            <a:ext cx="2772479" cy="1474788"/>
-          </a:xfrm>
-          <a:prstGeom prst="rect">
-            <a:avLst/>
-          </a:prstGeom>
-        </p:spPr>
-      </p:pic>
+        <p:txBody>
+          <a:bodyPr wrap="square" rtlCol="0">
+            <a:spAutoFit/>
+          </a:bodyPr>
+          <a:lstStyle/>
+          <a:p>
+            <a:pPr algn="ctr"/>
+            <a:r>
+              <a:rPr lang="en-US" sz="3200" dirty="0" smtClean="0"/>
+              <a:t>From the above analysis, on reviewing the MAE and MSE, and RMSE values from all the models considered, it is apparently clear that “</a:t>
+            </a:r>
+            <a:r>
+              <a:rPr lang="en-US" sz="3200" b="1" dirty="0" smtClean="0"/>
+              <a:t>Linear Regression</a:t>
+            </a:r>
+            <a:r>
+              <a:rPr lang="en-US" sz="3200" dirty="0" smtClean="0"/>
+              <a:t>”, “</a:t>
+            </a:r>
+            <a:r>
+              <a:rPr lang="en-US" sz="3200" b="1" dirty="0" smtClean="0"/>
+              <a:t>Random Forest Regressor (RFR)</a:t>
+            </a:r>
+            <a:r>
+              <a:rPr lang="en-US" sz="3200" dirty="0" smtClean="0"/>
+              <a:t>” and “</a:t>
+            </a:r>
+            <a:r>
+              <a:rPr lang="en-US" sz="3200" b="1" dirty="0" smtClean="0"/>
+              <a:t>Ridge Regression</a:t>
+            </a:r>
+            <a:r>
+              <a:rPr lang="en-US" sz="3200" dirty="0" smtClean="0"/>
+              <a:t>” displayed wonderful results. However, I will be relying </a:t>
+            </a:r>
+            <a:r>
+              <a:rPr lang="en-US" sz="3200" dirty="0"/>
+              <a:t>more on “</a:t>
+            </a:r>
+            <a:r>
+              <a:rPr lang="en-US" sz="3200" b="1" dirty="0"/>
+              <a:t>Random Forest Regressor (RFR)</a:t>
+            </a:r>
+            <a:r>
+              <a:rPr lang="en-US" sz="3200" dirty="0"/>
+              <a:t>” </a:t>
+            </a:r>
+            <a:r>
+              <a:rPr lang="en-US" sz="3200" dirty="0" smtClean="0"/>
+              <a:t>due to its robustness about accepting as many features as I wish.</a:t>
+            </a:r>
+          </a:p>
+          <a:p>
+            <a:pPr algn="ctr"/>
+            <a:endParaRPr lang="en-US" sz="3200" dirty="0"/>
+          </a:p>
+          <a:p>
+            <a:pPr algn="ctr"/>
+            <a:r>
+              <a:rPr lang="en-US" sz="3200" dirty="0" smtClean="0"/>
+              <a:t>RFR model is exposed to un-exhaustible features. This makes is possible to incorporate lots of Indicators which of course is the bedrock of Technical (</a:t>
+            </a:r>
+            <a:r>
+              <a:rPr lang="en-US" sz="3200" i="1" dirty="0" smtClean="0"/>
+              <a:t>Non-Fundamental</a:t>
+            </a:r>
+            <a:r>
+              <a:rPr lang="en-US" sz="3200" dirty="0" smtClean="0"/>
+              <a:t>) analysis in predicting Forex trends.</a:t>
+            </a:r>
+            <a:endParaRPr lang="en-US" sz="3200" dirty="0"/>
+          </a:p>
+        </p:txBody>
+      </p:sp>
     </p:spTree>
     <p:extLst>
       <p:ext uri="{BB962C8B-B14F-4D97-AF65-F5344CB8AC3E}">
-        <p14:creationId xmlns:p14="http://schemas.microsoft.com/office/powerpoint/2010/main" val="917617399"/>
+        <p14:creationId xmlns:p14="http://schemas.microsoft.com/office/powerpoint/2010/main" val="375198924"/>
       </p:ext>
     </p:extLst>
   </p:cSld>
@@ -6843,7 +6753,7 @@
         </p:nvSpPr>
         <p:spPr>
           <a:xfrm>
-            <a:off x="1549952" y="-3865"/>
+            <a:off x="1549952" y="-16565"/>
             <a:ext cx="8680174" cy="830997"/>
           </a:xfrm>
           <a:prstGeom prst="rect">
@@ -6862,7 +6772,7 @@
               <a:rPr lang="en-US" sz="4800" dirty="0" smtClean="0">
                 <a:latin typeface="Bahnschrift Light" panose="020B0502040204020203" pitchFamily="34" charset="0"/>
               </a:rPr>
-              <a:t>Result</a:t>
+              <a:t>Raw data from YFinance</a:t>
             </a:r>
             <a:endParaRPr lang="en-US" sz="4800" dirty="0">
               <a:latin typeface="Bahnschrift Light" panose="020B0502040204020203" pitchFamily="34" charset="0"/>
@@ -6870,100 +6780,34 @@
           </a:p>
         </p:txBody>
       </p:sp>
-      <p:sp>
-        <p:nvSpPr>
-          <p:cNvPr id="3" name="TextBox 2"/>
-          <p:cNvSpPr txBox="1"/>
+      <p:pic>
+        <p:nvPicPr>
+          <p:cNvPr id="4" name="Picture 3"/>
+          <p:cNvPicPr>
+            <a:picLocks noChangeAspect="1"/>
+          </p:cNvPicPr>
           <p:nvPr/>
-        </p:nvSpPr>
+        </p:nvPicPr>
+        <p:blipFill>
+          <a:blip r:embed="rId2"/>
+          <a:stretch>
+            <a:fillRect/>
+          </a:stretch>
+        </p:blipFill>
         <p:spPr>
           <a:xfrm>
-            <a:off x="909429" y="725557"/>
-            <a:ext cx="10257183" cy="6001643"/>
+            <a:off x="1309687" y="814431"/>
+            <a:ext cx="8920439" cy="5691641"/>
           </a:xfrm>
           <a:prstGeom prst="rect">
             <a:avLst/>
           </a:prstGeom>
-          <a:noFill/>
         </p:spPr>
-        <p:txBody>
-          <a:bodyPr wrap="square" rtlCol="0">
-            <a:spAutoFit/>
-          </a:bodyPr>
-          <a:lstStyle/>
-          <a:p>
-            <a:pPr algn="ctr"/>
-            <a:r>
-              <a:rPr lang="en-US" sz="3200" dirty="0" smtClean="0"/>
-              <a:t>From the above analysis, on reviewing the MAE and MSE, and RMSE values from all the models considered, it is apparently clear that “</a:t>
-            </a:r>
-            <a:r>
-              <a:rPr lang="en-US" sz="3200" b="1" dirty="0" smtClean="0"/>
-              <a:t>Linear Regression</a:t>
-            </a:r>
-            <a:r>
-              <a:rPr lang="en-US" sz="3200" dirty="0" smtClean="0"/>
-              <a:t>”, “</a:t>
-            </a:r>
-            <a:r>
-              <a:rPr lang="en-US" sz="3200" b="1" dirty="0" smtClean="0"/>
-              <a:t>Random Forest Regressor (RFR)</a:t>
-            </a:r>
-            <a:r>
-              <a:rPr lang="en-US" sz="3200" dirty="0" smtClean="0"/>
-              <a:t>” and “</a:t>
-            </a:r>
-            <a:r>
-              <a:rPr lang="en-US" sz="3200" b="1" dirty="0" smtClean="0"/>
-              <a:t>Ridge Regression</a:t>
-            </a:r>
-            <a:r>
-              <a:rPr lang="en-US" sz="3200" dirty="0" smtClean="0"/>
-              <a:t>” displayed wonderful results. However, I will be relying </a:t>
-            </a:r>
-            <a:r>
-              <a:rPr lang="en-US" sz="3200" dirty="0"/>
-              <a:t>more on “</a:t>
-            </a:r>
-            <a:r>
-              <a:rPr lang="en-US" sz="3200" b="1" dirty="0"/>
-              <a:t>Random Forest Regressor (RFR)</a:t>
-            </a:r>
-            <a:r>
-              <a:rPr lang="en-US" sz="3200" dirty="0"/>
-              <a:t>” </a:t>
-            </a:r>
-            <a:r>
-              <a:rPr lang="en-US" sz="3200" dirty="0" smtClean="0"/>
-              <a:t>due to its robustness about accepting as many features as I wish.</a:t>
-            </a:r>
-          </a:p>
-          <a:p>
-            <a:pPr algn="ctr"/>
-            <a:endParaRPr lang="en-US" sz="3200" dirty="0"/>
-          </a:p>
-          <a:p>
-            <a:pPr algn="ctr"/>
-            <a:r>
-              <a:rPr lang="en-US" sz="3200" dirty="0" smtClean="0"/>
-              <a:t>RFR model is exposed to un-exhaustible features. This makes is possible to incorporate lots of Indicators which of course is the bedrock of Technical (</a:t>
-            </a:r>
-            <a:r>
-              <a:rPr lang="en-US" sz="3200" i="1" dirty="0" smtClean="0"/>
-              <a:t>Non-Fundamental</a:t>
-            </a:r>
-            <a:r>
-              <a:rPr lang="en-US" sz="3200" dirty="0" smtClean="0"/>
-              <a:t>) analysis in predicting Forex trends.</a:t>
-            </a:r>
-            <a:endParaRPr lang="en-US" sz="3200" dirty="0"/>
-          </a:p>
-        </p:txBody>
-      </p:sp>
+      </p:pic>
     </p:spTree>
     <p:extLst>
       <p:ext uri="{BB962C8B-B14F-4D97-AF65-F5344CB8AC3E}">
-        <p14:creationId xmlns:p14="http://schemas.microsoft.com/office/powerpoint/2010/main" val="375198924"/>
+        <p14:creationId xmlns:p14="http://schemas.microsoft.com/office/powerpoint/2010/main" val="54420954"/>
       </p:ext>
     </p:extLst>
   </p:cSld>
@@ -6998,8 +6842,8 @@
         </p:nvSpPr>
         <p:spPr>
           <a:xfrm>
-            <a:off x="1549952" y="-16565"/>
-            <a:ext cx="8680174" cy="830997"/>
+            <a:off x="495300" y="-16565"/>
+            <a:ext cx="11150600" cy="830997"/>
           </a:xfrm>
           <a:prstGeom prst="rect">
             <a:avLst/>
@@ -7017,7 +6861,13 @@
               <a:rPr lang="en-US" sz="4800" dirty="0" smtClean="0">
                 <a:latin typeface="Bahnschrift Light" panose="020B0502040204020203" pitchFamily="34" charset="0"/>
               </a:rPr>
-              <a:t>Raw data from YFinance</a:t>
+              <a:t>Raw data </a:t>
+            </a:r>
+            <a:r>
+              <a:rPr lang="en-US" sz="4800" dirty="0" smtClean="0">
+                <a:latin typeface="Bahnschrift Light" panose="020B0502040204020203" pitchFamily="34" charset="0"/>
+              </a:rPr>
+              <a:t>from Tick Data Suite (TDS) </a:t>
             </a:r>
             <a:endParaRPr lang="en-US" sz="4800" dirty="0">
               <a:latin typeface="Bahnschrift Light" panose="020B0502040204020203" pitchFamily="34" charset="0"/>
@@ -7027,7 +6877,7 @@
       </p:sp>
       <p:pic>
         <p:nvPicPr>
-          <p:cNvPr id="4" name="Picture 3"/>
+          <p:cNvPr id="3" name="Picture 2"/>
           <p:cNvPicPr>
             <a:picLocks noChangeAspect="1"/>
           </p:cNvPicPr>
@@ -7041,8 +6891,8 @@
         </p:blipFill>
         <p:spPr>
           <a:xfrm>
-            <a:off x="1309687" y="814431"/>
-            <a:ext cx="8920439" cy="5691641"/>
+            <a:off x="1327150" y="763632"/>
+            <a:ext cx="9175750" cy="5860950"/>
           </a:xfrm>
           <a:prstGeom prst="rect">
             <a:avLst/>
@@ -7052,7 +6902,7 @@
     </p:spTree>
     <p:extLst>
       <p:ext uri="{BB962C8B-B14F-4D97-AF65-F5344CB8AC3E}">
-        <p14:creationId xmlns:p14="http://schemas.microsoft.com/office/powerpoint/2010/main" val="54420954"/>
+        <p14:creationId xmlns:p14="http://schemas.microsoft.com/office/powerpoint/2010/main" val="129645341"/>
       </p:ext>
     </p:extLst>
   </p:cSld>
@@ -7087,8 +6937,8 @@
         </p:nvSpPr>
         <p:spPr>
           <a:xfrm>
-            <a:off x="1549952" y="-16565"/>
-            <a:ext cx="8680174" cy="830997"/>
+            <a:off x="622852" y="275535"/>
+            <a:ext cx="10527748" cy="830997"/>
           </a:xfrm>
           <a:prstGeom prst="rect">
             <a:avLst/>
@@ -7103,75 +6953,72 @@
           <a:p>
             <a:pPr algn="ctr"/>
             <a:r>
-              <a:rPr lang="en-US" sz="4800" dirty="0" smtClean="0">
+              <a:rPr lang="en-US" sz="4800" dirty="0">
                 <a:latin typeface="Bahnschrift Light" panose="020B0502040204020203" pitchFamily="34" charset="0"/>
               </a:rPr>
-              <a:t>Raw data from Investing.Com</a:t>
-            </a:r>
-            <a:endParaRPr lang="en-US" sz="4800" dirty="0">
-              <a:latin typeface="Bahnschrift Light" panose="020B0502040204020203" pitchFamily="34" charset="0"/>
-            </a:endParaRPr>
-          </a:p>
-        </p:txBody>
-      </p:sp>
-      <p:pic>
-        <p:nvPicPr>
-          <p:cNvPr id="4" name="Picture 3"/>
-          <p:cNvPicPr>
-            <a:picLocks noChangeAspect="1"/>
-          </p:cNvPicPr>
+              <a:t>Random Forest Regressor (RFR)</a:t>
+            </a:r>
+          </a:p>
+        </p:txBody>
+      </p:sp>
+      <p:sp>
+        <p:nvSpPr>
+          <p:cNvPr id="3" name="TextBox 2"/>
+          <p:cNvSpPr txBox="1"/>
           <p:nvPr/>
-        </p:nvPicPr>
-        <p:blipFill>
-          <a:blip r:embed="rId2"/>
-          <a:stretch>
-            <a:fillRect/>
-          </a:stretch>
-        </p:blipFill>
+        </p:nvSpPr>
         <p:spPr>
           <a:xfrm>
-            <a:off x="1212850" y="814432"/>
-            <a:ext cx="8909050" cy="5680109"/>
+            <a:off x="622852" y="1320800"/>
+            <a:ext cx="10718248" cy="5016758"/>
           </a:xfrm>
           <a:prstGeom prst="rect">
             <a:avLst/>
           </a:prstGeom>
+          <a:noFill/>
         </p:spPr>
-      </p:pic>
-      <p:cxnSp>
-        <p:nvCxnSpPr>
-          <p:cNvPr id="5" name="Straight Connector 4"/>
-          <p:cNvCxnSpPr/>
-          <p:nvPr/>
-        </p:nvCxnSpPr>
-        <p:spPr>
-          <a:xfrm>
-            <a:off x="5791200" y="1130300"/>
-            <a:ext cx="127000" cy="4864100"/>
-          </a:xfrm>
-          <a:prstGeom prst="line">
-            <a:avLst/>
-          </a:prstGeom>
-        </p:spPr>
-        <p:style>
-          <a:lnRef idx="1">
-            <a:schemeClr val="accent1"/>
-          </a:lnRef>
-          <a:fillRef idx="0">
-            <a:schemeClr val="accent1"/>
-          </a:fillRef>
-          <a:effectRef idx="0">
-            <a:schemeClr val="accent1"/>
-          </a:effectRef>
-          <a:fontRef idx="minor">
-            <a:schemeClr val="tx1"/>
-          </a:fontRef>
-        </p:style>
-      </p:cxnSp>
+        <p:txBody>
+          <a:bodyPr wrap="square" rtlCol="0">
+            <a:spAutoFit/>
+          </a:bodyPr>
+          <a:lstStyle/>
+          <a:p>
+            <a:pPr algn="just"/>
+            <a:r>
+              <a:rPr lang="en-US" sz="3200" dirty="0"/>
+              <a:t>Random Forest Regressor (RFR) is a supervised learning algorithm belonging to the ensemble learning family, specifically the random forest method, used for regression tasks. It's an extension of the Random Forest algorithm for classification</a:t>
+            </a:r>
+            <a:r>
+              <a:rPr lang="en-US" sz="3200" dirty="0" smtClean="0"/>
+              <a:t>.</a:t>
+            </a:r>
+          </a:p>
+          <a:p>
+            <a:pPr algn="just"/>
+            <a:r>
+              <a:rPr lang="en-US" sz="3200" dirty="0"/>
+              <a:t>Random Forest Regressor is known for its robustness, scalability, and ability to handle </a:t>
+            </a:r>
+            <a:r>
+              <a:rPr lang="en-US" sz="3200" b="1" i="1" dirty="0"/>
+              <a:t>high-dimensional data with a large number of features</a:t>
+            </a:r>
+            <a:r>
+              <a:rPr lang="en-US" sz="3200" dirty="0"/>
+              <a:t>. It often performs well across a wide range of regression problems and is less prone to overfitting compared to individual decision trees</a:t>
+            </a:r>
+            <a:r>
+              <a:rPr lang="en-US" sz="3200" dirty="0" smtClean="0"/>
+              <a:t>.</a:t>
+            </a:r>
+            <a:endParaRPr lang="en-US" dirty="0"/>
+          </a:p>
+        </p:txBody>
+      </p:sp>
     </p:spTree>
     <p:extLst>
       <p:ext uri="{BB962C8B-B14F-4D97-AF65-F5344CB8AC3E}">
-        <p14:creationId xmlns:p14="http://schemas.microsoft.com/office/powerpoint/2010/main" val="129645341"/>
+        <p14:creationId xmlns:p14="http://schemas.microsoft.com/office/powerpoint/2010/main" val="4247388192"/>
       </p:ext>
     </p:extLst>
   </p:cSld>
@@ -7206,8 +7053,8 @@
         </p:nvSpPr>
         <p:spPr>
           <a:xfrm>
-            <a:off x="622852" y="275535"/>
-            <a:ext cx="10527748" cy="830997"/>
+            <a:off x="1308100" y="88900"/>
+            <a:ext cx="9271000" cy="707886"/>
           </a:xfrm>
           <a:prstGeom prst="rect">
             <a:avLst/>
@@ -7222,11 +7069,14 @@
           <a:p>
             <a:pPr algn="ctr"/>
             <a:r>
-              <a:rPr lang="en-US" sz="4800" dirty="0">
+              <a:rPr lang="en-US" sz="4000" dirty="0" smtClean="0">
                 <a:latin typeface="Bahnschrift Light" panose="020B0502040204020203" pitchFamily="34" charset="0"/>
               </a:rPr>
-              <a:t>Random Forest Regressor (RFR)</a:t>
-            </a:r>
+              <a:t>…Flexibility and Robustness of RFR</a:t>
+            </a:r>
+            <a:endParaRPr lang="en-US" sz="4400" dirty="0">
+              <a:latin typeface="Bahnschrift Light" panose="020B0502040204020203" pitchFamily="34" charset="0"/>
+            </a:endParaRPr>
           </a:p>
         </p:txBody>
       </p:sp>
@@ -7238,8 +7088,8 @@
         </p:nvSpPr>
         <p:spPr>
           <a:xfrm>
-            <a:off x="622852" y="1320800"/>
-            <a:ext cx="10718248" cy="5016758"/>
+            <a:off x="901700" y="939800"/>
+            <a:ext cx="10185400" cy="5016758"/>
           </a:xfrm>
           <a:prstGeom prst="rect">
             <a:avLst/>
@@ -7252,42 +7102,71 @@
           </a:bodyPr>
           <a:lstStyle/>
           <a:p>
-            <a:pPr algn="just"/>
             <a:r>
               <a:rPr lang="en-US" sz="3200" dirty="0"/>
-              <a:t>Random Forest Regressor (RFR) is a supervised learning algorithm belonging to the ensemble learning family, specifically the random forest method, used for regression tasks. It's an extension of the Random Forest algorithm for classification</a:t>
+              <a:t>This model offered me the opportunity of adding as many features as I can in order to improve on my Predictions.</a:t>
+            </a:r>
+          </a:p>
+          <a:p>
+            <a:r>
+              <a:rPr lang="en-US" sz="3200" dirty="0"/>
+              <a:t>Here I employed the standard indicators </a:t>
             </a:r>
             <a:r>
               <a:rPr lang="en-US" sz="3200" dirty="0" smtClean="0"/>
-              <a:t>.</a:t>
-            </a:r>
-          </a:p>
-          <a:p>
-            <a:pPr algn="just"/>
+              <a:t>like:</a:t>
+            </a:r>
+          </a:p>
+          <a:p>
             <a:r>
               <a:rPr lang="en-US" sz="3200" dirty="0"/>
-              <a:t>Random Forest Regressor is known for its robustness, scalability, and ability to handle </a:t>
-            </a:r>
-            <a:r>
-              <a:rPr lang="en-US" sz="3200" b="1" i="1" dirty="0"/>
-              <a:t>high-dimensional data with a large number of features</a:t>
-            </a:r>
+              <a:t>RSI (Relative Strength </a:t>
+            </a:r>
+            <a:r>
+              <a:rPr lang="en-US" sz="3200" dirty="0" smtClean="0"/>
+              <a:t>Index)</a:t>
+            </a:r>
+          </a:p>
+          <a:p>
             <a:r>
               <a:rPr lang="en-US" sz="3200" dirty="0"/>
-              <a:t>. It often performs well across a wide range of regression problems and is less prone to overfitting compared to individual decision trees</a:t>
+              <a:t>SMA (Simple Moving Average)</a:t>
+            </a:r>
+            <a:endParaRPr lang="en-US" sz="3200" dirty="0" smtClean="0"/>
+          </a:p>
+          <a:p>
+            <a:r>
+              <a:rPr lang="en-US" sz="3200" dirty="0"/>
+              <a:t>EMA (Exponential Moving Average)</a:t>
+            </a:r>
+            <a:endParaRPr lang="en-US" sz="3200" dirty="0" smtClean="0"/>
+          </a:p>
+          <a:p>
+            <a:r>
+              <a:rPr lang="en-US" sz="3200" dirty="0"/>
+              <a:t>MACD (Moving Average Convergence/Divergence</a:t>
             </a:r>
             <a:r>
               <a:rPr lang="en-US" sz="3200" dirty="0" smtClean="0"/>
-              <a:t>.</a:t>
-            </a:r>
-            <a:endParaRPr lang="en-US" dirty="0"/>
+              <a:t>)</a:t>
+            </a:r>
+          </a:p>
+          <a:p>
+            <a:endParaRPr lang="en-US" sz="3200" dirty="0"/>
+          </a:p>
+          <a:p>
+            <a:r>
+              <a:rPr lang="en-US" sz="3200" dirty="0" smtClean="0"/>
+              <a:t>I can add as many more indicators in order to strengthen the quality of my predictions.</a:t>
+            </a:r>
+            <a:endParaRPr lang="en-US" sz="3200" dirty="0"/>
           </a:p>
         </p:txBody>
       </p:sp>
     </p:spTree>
     <p:extLst>
       <p:ext uri="{BB962C8B-B14F-4D97-AF65-F5344CB8AC3E}">
-        <p14:creationId xmlns:p14="http://schemas.microsoft.com/office/powerpoint/2010/main" val="4247388192"/>
+        <p14:creationId xmlns:p14="http://schemas.microsoft.com/office/powerpoint/2010/main" val="3814462460"/>
       </p:ext>
     </p:extLst>
   </p:cSld>
@@ -7341,101 +7220,39 @@
               <a:rPr lang="en-US" sz="4000" dirty="0" smtClean="0">
                 <a:latin typeface="Bahnschrift Light" panose="020B0502040204020203" pitchFamily="34" charset="0"/>
               </a:rPr>
-              <a:t>…Flexibility and Robustness of RFR</a:t>
-            </a:r>
-            <a:endParaRPr lang="en-US" sz="4400" dirty="0">
+              <a:t>My Codes </a:t>
+            </a:r>
+            <a:r>
+              <a:rPr lang="en-US" sz="2400" dirty="0" smtClean="0">
+                <a:latin typeface="Bahnschrift Light" panose="020B0502040204020203" pitchFamily="34" charset="0"/>
+              </a:rPr>
+              <a:t>(</a:t>
+            </a:r>
+            <a:r>
+              <a:rPr lang="en-US" sz="2400" i="1" dirty="0" smtClean="0">
+                <a:solidFill>
+                  <a:srgbClr val="0070C0"/>
+                </a:solidFill>
+                <a:latin typeface="Bahnschrift Light" panose="020B0502040204020203" pitchFamily="34" charset="0"/>
+              </a:rPr>
+              <a:t>Interesting Parts</a:t>
+            </a:r>
+            <a:r>
+              <a:rPr lang="en-US" sz="2400" dirty="0" smtClean="0">
+                <a:latin typeface="Bahnschrift Light" panose="020B0502040204020203" pitchFamily="34" charset="0"/>
+              </a:rPr>
+              <a:t>)</a:t>
+            </a:r>
+            <a:endParaRPr lang="en-US" sz="5400" dirty="0">
               <a:latin typeface="Bahnschrift Light" panose="020B0502040204020203" pitchFamily="34" charset="0"/>
             </a:endParaRPr>
-          </a:p>
-        </p:txBody>
-      </p:sp>
-      <p:sp>
-        <p:nvSpPr>
-          <p:cNvPr id="3" name="TextBox 2"/>
-          <p:cNvSpPr txBox="1"/>
-          <p:nvPr/>
-        </p:nvSpPr>
-        <p:spPr>
-          <a:xfrm>
-            <a:off x="901700" y="939800"/>
-            <a:ext cx="10185400" cy="5016758"/>
-          </a:xfrm>
-          <a:prstGeom prst="rect">
-            <a:avLst/>
-          </a:prstGeom>
-          <a:noFill/>
-        </p:spPr>
-        <p:txBody>
-          <a:bodyPr wrap="square" rtlCol="0">
-            <a:spAutoFit/>
-          </a:bodyPr>
-          <a:lstStyle/>
-          <a:p>
-            <a:r>
-              <a:rPr lang="en-US" sz="3200" dirty="0"/>
-              <a:t>This model offered me the opportunity of adding as many features as I can in order to improve on my Predictions.</a:t>
-            </a:r>
-          </a:p>
-          <a:p>
-            <a:r>
-              <a:rPr lang="en-US" sz="3200" dirty="0"/>
-              <a:t>Here I employed the standard indicators </a:t>
-            </a:r>
-            <a:r>
-              <a:rPr lang="en-US" sz="3200" dirty="0" smtClean="0"/>
-              <a:t>like:</a:t>
-            </a:r>
-          </a:p>
-          <a:p>
-            <a:r>
-              <a:rPr lang="en-US" sz="3200" dirty="0"/>
-              <a:t>RSI (Relative Strength </a:t>
-            </a:r>
-            <a:r>
-              <a:rPr lang="en-US" sz="3200" dirty="0" smtClean="0"/>
-              <a:t>Index)</a:t>
-            </a:r>
-          </a:p>
-          <a:p>
-            <a:r>
-              <a:rPr lang="en-US" sz="3200" dirty="0"/>
-              <a:t>SMA (Simple Moving Average)</a:t>
-            </a:r>
-            <a:endParaRPr lang="en-US" sz="3200" dirty="0" smtClean="0"/>
-          </a:p>
-          <a:p>
-            <a:r>
-              <a:rPr lang="en-US" sz="3200" dirty="0"/>
-              <a:t>EMA (Exponential Moving Average)</a:t>
-            </a:r>
-            <a:endParaRPr lang="en-US" sz="3200" dirty="0" smtClean="0"/>
-          </a:p>
-          <a:p>
-            <a:r>
-              <a:rPr lang="en-US" sz="3200" dirty="0"/>
-              <a:t>MACD (Moving Average Convergence/Divergence</a:t>
-            </a:r>
-            <a:r>
-              <a:rPr lang="en-US" sz="3200" dirty="0" smtClean="0"/>
-              <a:t>)</a:t>
-            </a:r>
-          </a:p>
-          <a:p>
-            <a:endParaRPr lang="en-US" sz="3200" dirty="0"/>
-          </a:p>
-          <a:p>
-            <a:r>
-              <a:rPr lang="en-US" sz="3200" dirty="0" smtClean="0"/>
-              <a:t>I can add as many more indicators in order to strengthen the quality of my predictions.</a:t>
-            </a:r>
-            <a:endParaRPr lang="en-US" sz="3200" dirty="0"/>
           </a:p>
         </p:txBody>
       </p:sp>
     </p:spTree>
     <p:extLst>
       <p:ext uri="{BB962C8B-B14F-4D97-AF65-F5344CB8AC3E}">
-        <p14:creationId xmlns:p14="http://schemas.microsoft.com/office/powerpoint/2010/main" val="3814462460"/>
+        <p14:creationId xmlns:p14="http://schemas.microsoft.com/office/powerpoint/2010/main" val="681915984"/>
       </p:ext>
     </p:extLst>
   </p:cSld>
@@ -7489,155 +7306,105 @@
               <a:rPr lang="en-US" sz="4000" dirty="0" smtClean="0">
                 <a:latin typeface="Bahnschrift Light" panose="020B0502040204020203" pitchFamily="34" charset="0"/>
               </a:rPr>
-              <a:t>My Codes </a:t>
-            </a:r>
-            <a:r>
-              <a:rPr lang="en-US" sz="2400" dirty="0" smtClean="0">
-                <a:latin typeface="Bahnschrift Light" panose="020B0502040204020203" pitchFamily="34" charset="0"/>
-              </a:rPr>
-              <a:t>(</a:t>
-            </a:r>
-            <a:r>
-              <a:rPr lang="en-US" sz="2400" i="1" dirty="0" smtClean="0">
-                <a:solidFill>
-                  <a:srgbClr val="0070C0"/>
-                </a:solidFill>
-                <a:latin typeface="Bahnschrift Light" panose="020B0502040204020203" pitchFamily="34" charset="0"/>
-              </a:rPr>
-              <a:t>Interesting Parts</a:t>
-            </a:r>
-            <a:r>
-              <a:rPr lang="en-US" sz="2400" dirty="0" smtClean="0">
-                <a:latin typeface="Bahnschrift Light" panose="020B0502040204020203" pitchFamily="34" charset="0"/>
-              </a:rPr>
-              <a:t>)</a:t>
-            </a:r>
-            <a:endParaRPr lang="en-US" sz="5400" dirty="0">
+              <a:t>Future Plans</a:t>
+            </a:r>
+            <a:endParaRPr lang="en-US" sz="4400" dirty="0">
               <a:latin typeface="Bahnschrift Light" panose="020B0502040204020203" pitchFamily="34" charset="0"/>
             </a:endParaRPr>
           </a:p>
         </p:txBody>
       </p:sp>
-      <p:pic>
-        <p:nvPicPr>
-          <p:cNvPr id="3" name="Picture 2"/>
-          <p:cNvPicPr>
-            <a:picLocks noChangeAspect="1"/>
-          </p:cNvPicPr>
+      <p:sp>
+        <p:nvSpPr>
+          <p:cNvPr id="3" name="TextBox 2"/>
+          <p:cNvSpPr txBox="1"/>
           <p:nvPr/>
-        </p:nvPicPr>
-        <p:blipFill>
-          <a:blip r:embed="rId2"/>
-          <a:stretch>
-            <a:fillRect/>
-          </a:stretch>
-        </p:blipFill>
+        </p:nvSpPr>
         <p:spPr>
           <a:xfrm>
-            <a:off x="1412875" y="811212"/>
-            <a:ext cx="9407525" cy="5616692"/>
-          </a:xfrm>
-          <a:prstGeom prst="rect">
-            <a:avLst/>
-          </a:prstGeom>
-        </p:spPr>
-      </p:pic>
-      <p:sp>
-        <p:nvSpPr>
-          <p:cNvPr id="4" name="Rectangle 3"/>
-          <p:cNvSpPr/>
-          <p:nvPr/>
-        </p:nvSpPr>
-        <p:spPr>
-          <a:xfrm>
-            <a:off x="1511300" y="1219200"/>
-            <a:ext cx="2387600" cy="292100"/>
+            <a:off x="825500" y="927100"/>
+            <a:ext cx="10210800" cy="3539430"/>
           </a:xfrm>
           <a:prstGeom prst="rect">
             <a:avLst/>
           </a:prstGeom>
           <a:noFill/>
-          <a:ln>
-            <a:solidFill>
-              <a:srgbClr val="FF0000"/>
-            </a:solidFill>
-          </a:ln>
         </p:spPr>
-        <p:style>
-          <a:lnRef idx="2">
-            <a:schemeClr val="accent1">
-              <a:shade val="50000"/>
-            </a:schemeClr>
-          </a:lnRef>
-          <a:fillRef idx="1">
-            <a:schemeClr val="accent1"/>
-          </a:fillRef>
-          <a:effectRef idx="0">
-            <a:schemeClr val="accent1"/>
-          </a:effectRef>
-          <a:fontRef idx="minor">
-            <a:schemeClr val="lt1"/>
-          </a:fontRef>
-        </p:style>
-        <p:txBody>
-          <a:bodyPr rtlCol="0" anchor="ctr"/>
-          <a:lstStyle/>
-          <a:p>
-            <a:pPr algn="ctr"/>
-            <a:endParaRPr lang="en-US"/>
-          </a:p>
-        </p:txBody>
-      </p:sp>
-      <p:sp>
-        <p:nvSpPr>
-          <p:cNvPr id="5" name="Rectangle 4"/>
-          <p:cNvSpPr/>
-          <p:nvPr/>
-        </p:nvSpPr>
-        <p:spPr>
-          <a:xfrm>
-            <a:off x="1511300" y="5029200"/>
-            <a:ext cx="3556000" cy="596900"/>
-          </a:xfrm>
-          <a:prstGeom prst="rect">
-            <a:avLst/>
-          </a:prstGeom>
-          <a:noFill/>
-          <a:ln>
-            <a:solidFill>
-              <a:srgbClr val="FF0000"/>
-            </a:solidFill>
-          </a:ln>
-        </p:spPr>
-        <p:style>
-          <a:lnRef idx="2">
-            <a:schemeClr val="accent1">
-              <a:shade val="50000"/>
-            </a:schemeClr>
-          </a:lnRef>
-          <a:fillRef idx="1">
-            <a:schemeClr val="accent1"/>
-          </a:fillRef>
-          <a:effectRef idx="0">
-            <a:schemeClr val="accent1"/>
-          </a:effectRef>
-          <a:fontRef idx="minor">
-            <a:schemeClr val="lt1"/>
-          </a:fontRef>
-        </p:style>
-        <p:txBody>
-          <a:bodyPr rtlCol="0" anchor="ctr"/>
-          <a:lstStyle/>
-          <a:p>
-            <a:pPr algn="ctr"/>
-            <a:endParaRPr lang="en-US"/>
+        <p:txBody>
+          <a:bodyPr wrap="square" rtlCol="0">
+            <a:spAutoFit/>
+          </a:bodyPr>
+          <a:lstStyle/>
+          <a:p>
+            <a:r>
+              <a:rPr lang="en-US" sz="3200" dirty="0" smtClean="0"/>
+              <a:t>I </a:t>
+            </a:r>
+            <a:r>
+              <a:rPr lang="en-US" sz="3200" dirty="0"/>
+              <a:t>plan to improve on my model by adding more </a:t>
+            </a:r>
+            <a:r>
+              <a:rPr lang="en-US" sz="3200" dirty="0"/>
+              <a:t>Technical and </a:t>
+            </a:r>
+            <a:r>
+              <a:rPr lang="en-US" sz="3200" dirty="0" smtClean="0"/>
+              <a:t>Macroeconomics </a:t>
+            </a:r>
+            <a:r>
+              <a:rPr lang="en-US" sz="3200" dirty="0" smtClean="0"/>
+              <a:t>features</a:t>
+            </a:r>
+            <a:r>
+              <a:rPr lang="en-US" sz="3200" dirty="0"/>
+              <a:t>.</a:t>
+            </a:r>
+          </a:p>
+          <a:p>
+            <a:endParaRPr lang="en-US" sz="3200" dirty="0" smtClean="0"/>
+          </a:p>
+          <a:p>
+            <a:r>
+              <a:rPr lang="en-US" sz="3200" dirty="0" smtClean="0"/>
+              <a:t>I will explore a way of automatically accessing the </a:t>
+            </a:r>
+            <a:r>
+              <a:rPr lang="en-US" sz="3200" dirty="0"/>
+              <a:t>Statistical </a:t>
+            </a:r>
+            <a:r>
+              <a:rPr lang="en-US" sz="3200" dirty="0" smtClean="0"/>
+              <a:t>data </a:t>
+            </a:r>
+            <a:r>
+              <a:rPr lang="en-US" sz="3200" dirty="0" smtClean="0"/>
+              <a:t>like </a:t>
+            </a:r>
+            <a:r>
+              <a:rPr lang="en-US" sz="3200" dirty="0" smtClean="0"/>
+              <a:t>Tick Data Suite(TDS</a:t>
+            </a:r>
+            <a:r>
+              <a:rPr lang="en-US" sz="3200" dirty="0"/>
+              <a:t>) from a </a:t>
+            </a:r>
+            <a:r>
+              <a:rPr lang="en-US" sz="3200" dirty="0" smtClean="0"/>
+              <a:t>source against my current approach where I need to download and upload to my GitHub</a:t>
+            </a:r>
+            <a:r>
+              <a:rPr lang="en-US" sz="3200" dirty="0" smtClean="0"/>
+              <a:t>.</a:t>
+            </a:r>
+            <a:endParaRPr lang="en-US" sz="3200" dirty="0"/>
           </a:p>
         </p:txBody>
       </p:sp>
     </p:spTree>
     <p:extLst>
       <p:ext uri="{BB962C8B-B14F-4D97-AF65-F5344CB8AC3E}">
-        <p14:creationId xmlns:p14="http://schemas.microsoft.com/office/powerpoint/2010/main" val="681915984"/>
+        <p14:creationId xmlns:p14="http://schemas.microsoft.com/office/powerpoint/2010/main" val="685488599"/>
       </p:ext>
     </p:extLst>
   </p:cSld>
@@ -7664,86 +7431,16 @@
           <a:chExt cx="0" cy="0"/>
         </a:xfrm>
       </p:grpSpPr>
-      <p:pic>
-        <p:nvPicPr>
-          <p:cNvPr id="2" name="Picture 1"/>
-          <p:cNvPicPr>
-            <a:picLocks noChangeAspect="1"/>
-          </p:cNvPicPr>
+      <p:sp>
+        <p:nvSpPr>
+          <p:cNvPr id="2" name="TextBox 1"/>
+          <p:cNvSpPr txBox="1"/>
           <p:nvPr/>
-        </p:nvPicPr>
-        <p:blipFill>
-          <a:blip r:embed="rId2"/>
-          <a:stretch>
-            <a:fillRect/>
-          </a:stretch>
-        </p:blipFill>
+        </p:nvSpPr>
         <p:spPr>
           <a:xfrm>
-            <a:off x="1219200" y="1365250"/>
-            <a:ext cx="9680388" cy="3981450"/>
-          </a:xfrm>
-          <a:prstGeom prst="rect">
-            <a:avLst/>
-          </a:prstGeom>
-        </p:spPr>
-      </p:pic>
-      <p:sp>
-        <p:nvSpPr>
-          <p:cNvPr id="5" name="Rectangle 4"/>
-          <p:cNvSpPr/>
-          <p:nvPr/>
-        </p:nvSpPr>
-        <p:spPr>
-          <a:xfrm>
-            <a:off x="1727200" y="2565400"/>
-            <a:ext cx="4025900" cy="292100"/>
-          </a:xfrm>
-          <a:prstGeom prst="rect">
-            <a:avLst/>
-          </a:prstGeom>
-          <a:noFill/>
-          <a:ln>
-            <a:solidFill>
-              <a:srgbClr val="FF0000"/>
-            </a:solidFill>
-          </a:ln>
-        </p:spPr>
-        <p:style>
-          <a:lnRef idx="2">
-            <a:schemeClr val="accent1">
-              <a:shade val="50000"/>
-            </a:schemeClr>
-          </a:lnRef>
-          <a:fillRef idx="1">
-            <a:schemeClr val="accent1"/>
-          </a:fillRef>
-          <a:effectRef idx="0">
-            <a:schemeClr val="accent1"/>
-          </a:effectRef>
-          <a:fontRef idx="minor">
-            <a:schemeClr val="lt1"/>
-          </a:fontRef>
-        </p:style>
-        <p:txBody>
-          <a:bodyPr rtlCol="0" anchor="ctr"/>
-          <a:lstStyle/>
-          <a:p>
-            <a:pPr algn="ctr"/>
-            <a:endParaRPr lang="en-US"/>
-          </a:p>
-        </p:txBody>
-      </p:sp>
-      <p:sp>
-        <p:nvSpPr>
-          <p:cNvPr id="6" name="TextBox 5"/>
-          <p:cNvSpPr txBox="1"/>
-          <p:nvPr/>
-        </p:nvSpPr>
-        <p:spPr>
-          <a:xfrm>
-            <a:off x="1308100" y="88900"/>
-            <a:ext cx="9271000" cy="707886"/>
+            <a:off x="1143552" y="3120335"/>
+            <a:ext cx="8680174" cy="830997"/>
           </a:xfrm>
           <a:prstGeom prst="rect">
             <a:avLst/>
@@ -7758,45 +7455,12 @@
           <a:p>
             <a:pPr algn="ctr"/>
             <a:r>
-              <a:rPr lang="en-US" sz="4000" i="1" dirty="0" smtClean="0">
-                <a:solidFill>
-                  <a:srgbClr val="0070C0"/>
-                </a:solidFill>
+              <a:rPr lang="en-US" sz="4800" dirty="0" smtClean="0">
                 <a:latin typeface="Bahnschrift Light" panose="020B0502040204020203" pitchFamily="34" charset="0"/>
               </a:rPr>
-              <a:t>My Codes </a:t>
-            </a:r>
-            <a:r>
-              <a:rPr lang="en-US" sz="2400" i="1" dirty="0" smtClean="0">
-                <a:solidFill>
-                  <a:srgbClr val="0070C0"/>
-                </a:solidFill>
-                <a:latin typeface="Bahnschrift Light" panose="020B0502040204020203" pitchFamily="34" charset="0"/>
-              </a:rPr>
-              <a:t>(</a:t>
-            </a:r>
-            <a:r>
-              <a:rPr lang="en-US" sz="2400" i="1" dirty="0">
-                <a:solidFill>
-                  <a:srgbClr val="0070C0"/>
-                </a:solidFill>
-                <a:latin typeface="Bahnschrift Light" panose="020B0502040204020203" pitchFamily="34" charset="0"/>
-              </a:rPr>
-              <a:t>Interesting </a:t>
-            </a:r>
-            <a:r>
-              <a:rPr lang="en-US" sz="2400" i="1" dirty="0" smtClean="0">
-                <a:solidFill>
-                  <a:srgbClr val="0070C0"/>
-                </a:solidFill>
-                <a:latin typeface="Bahnschrift Light" panose="020B0502040204020203" pitchFamily="34" charset="0"/>
-              </a:rPr>
-              <a:t>Parts)</a:t>
-            </a:r>
-            <a:endParaRPr lang="en-US" sz="5400" i="1" dirty="0">
-              <a:solidFill>
-                <a:srgbClr val="0070C0"/>
-              </a:solidFill>
+              <a:t>Thank you</a:t>
+            </a:r>
+            <a:endParaRPr lang="en-US" sz="4800" dirty="0">
               <a:latin typeface="Bahnschrift Light" panose="020B0502040204020203" pitchFamily="34" charset="0"/>
             </a:endParaRPr>
           </a:p>
@@ -7805,247 +7469,7 @@
     </p:spTree>
     <p:extLst>
       <p:ext uri="{BB962C8B-B14F-4D97-AF65-F5344CB8AC3E}">
-        <p14:creationId xmlns:p14="http://schemas.microsoft.com/office/powerpoint/2010/main" val="3886886488"/>
-      </p:ext>
-    </p:extLst>
-  </p:cSld>
-  <p:clrMapOvr>
-    <a:masterClrMapping/>
-  </p:clrMapOvr>
-</p:sld>
-</file>
-
-<file path=ppt/slides/slide28.xml><?xml version="1.0" encoding="utf-8"?>
-<p:sld xmlns:a="http://schemas.openxmlformats.org/drawingml/2006/main" xmlns:r="http://schemas.openxmlformats.org/officeDocument/2006/relationships" xmlns:p="http://schemas.openxmlformats.org/presentationml/2006/main">
-  <p:cSld>
-    <p:spTree>
-      <p:nvGrpSpPr>
-        <p:cNvPr id="1" name=""/>
-        <p:cNvGrpSpPr/>
-        <p:nvPr/>
-      </p:nvGrpSpPr>
-      <p:grpSpPr>
-        <a:xfrm>
-          <a:off x="0" y="0"/>
-          <a:ext cx="0" cy="0"/>
-          <a:chOff x="0" y="0"/>
-          <a:chExt cx="0" cy="0"/>
-        </a:xfrm>
-      </p:grpSpPr>
-      <p:pic>
-        <p:nvPicPr>
-          <p:cNvPr id="2" name="Picture 1"/>
-          <p:cNvPicPr>
-            <a:picLocks noChangeAspect="1"/>
-          </p:cNvPicPr>
-          <p:nvPr/>
-        </p:nvPicPr>
-        <p:blipFill>
-          <a:blip r:embed="rId2"/>
-          <a:stretch>
-            <a:fillRect/>
-          </a:stretch>
-        </p:blipFill>
-        <p:spPr>
-          <a:xfrm>
-            <a:off x="581369" y="1143000"/>
-            <a:ext cx="10943397" cy="4445000"/>
-          </a:xfrm>
-          <a:prstGeom prst="rect">
-            <a:avLst/>
-          </a:prstGeom>
-        </p:spPr>
-      </p:pic>
-      <p:sp>
-        <p:nvSpPr>
-          <p:cNvPr id="3" name="TextBox 2"/>
-          <p:cNvSpPr txBox="1"/>
-          <p:nvPr/>
-        </p:nvSpPr>
-        <p:spPr>
-          <a:xfrm>
-            <a:off x="1308100" y="88900"/>
-            <a:ext cx="9271000" cy="707886"/>
-          </a:xfrm>
-          <a:prstGeom prst="rect">
-            <a:avLst/>
-          </a:prstGeom>
-          <a:noFill/>
-        </p:spPr>
-        <p:txBody>
-          <a:bodyPr wrap="square" rtlCol="0">
-            <a:spAutoFit/>
-          </a:bodyPr>
-          <a:lstStyle/>
-          <a:p>
-            <a:pPr algn="ctr"/>
-            <a:r>
-              <a:rPr lang="en-US" sz="4000" dirty="0" smtClean="0">
-                <a:latin typeface="Bahnschrift Light" panose="020B0502040204020203" pitchFamily="34" charset="0"/>
-              </a:rPr>
-              <a:t>My Codes </a:t>
-            </a:r>
-            <a:r>
-              <a:rPr lang="en-US" sz="2400" dirty="0" smtClean="0">
-                <a:latin typeface="Bahnschrift Light" panose="020B0502040204020203" pitchFamily="34" charset="0"/>
-              </a:rPr>
-              <a:t>(</a:t>
-            </a:r>
-            <a:r>
-              <a:rPr lang="en-US" sz="2400" i="1" dirty="0">
-                <a:solidFill>
-                  <a:srgbClr val="0070C0"/>
-                </a:solidFill>
-                <a:latin typeface="Bahnschrift Light" panose="020B0502040204020203" pitchFamily="34" charset="0"/>
-              </a:rPr>
-              <a:t>Interesting </a:t>
-            </a:r>
-            <a:r>
-              <a:rPr lang="en-US" sz="2400" i="1" dirty="0" smtClean="0">
-                <a:solidFill>
-                  <a:srgbClr val="0070C0"/>
-                </a:solidFill>
-                <a:latin typeface="Bahnschrift Light" panose="020B0502040204020203" pitchFamily="34" charset="0"/>
-              </a:rPr>
-              <a:t>Parts</a:t>
-            </a:r>
-            <a:r>
-              <a:rPr lang="en-US" sz="2400" dirty="0" smtClean="0">
-                <a:latin typeface="Bahnschrift Light" panose="020B0502040204020203" pitchFamily="34" charset="0"/>
-              </a:rPr>
-              <a:t>)</a:t>
-            </a:r>
-            <a:endParaRPr lang="en-US" sz="5400" dirty="0">
-              <a:latin typeface="Bahnschrift Light" panose="020B0502040204020203" pitchFamily="34" charset="0"/>
-            </a:endParaRPr>
-          </a:p>
-        </p:txBody>
-      </p:sp>
-    </p:spTree>
-    <p:extLst>
-      <p:ext uri="{BB962C8B-B14F-4D97-AF65-F5344CB8AC3E}">
-        <p14:creationId xmlns:p14="http://schemas.microsoft.com/office/powerpoint/2010/main" val="507415628"/>
-      </p:ext>
-    </p:extLst>
-  </p:cSld>
-  <p:clrMapOvr>
-    <a:masterClrMapping/>
-  </p:clrMapOvr>
-</p:sld>
-</file>
-
-<file path=ppt/slides/slide29.xml><?xml version="1.0" encoding="utf-8"?>
-<p:sld xmlns:a="http://schemas.openxmlformats.org/drawingml/2006/main" xmlns:r="http://schemas.openxmlformats.org/officeDocument/2006/relationships" xmlns:p="http://schemas.openxmlformats.org/presentationml/2006/main">
-  <p:cSld>
-    <p:spTree>
-      <p:nvGrpSpPr>
-        <p:cNvPr id="1" name=""/>
-        <p:cNvGrpSpPr/>
-        <p:nvPr/>
-      </p:nvGrpSpPr>
-      <p:grpSpPr>
-        <a:xfrm>
-          <a:off x="0" y="0"/>
-          <a:ext cx="0" cy="0"/>
-          <a:chOff x="0" y="0"/>
-          <a:chExt cx="0" cy="0"/>
-        </a:xfrm>
-      </p:grpSpPr>
-      <p:sp>
-        <p:nvSpPr>
-          <p:cNvPr id="2" name="TextBox 1"/>
-          <p:cNvSpPr txBox="1"/>
-          <p:nvPr/>
-        </p:nvSpPr>
-        <p:spPr>
-          <a:xfrm>
-            <a:off x="1308100" y="88900"/>
-            <a:ext cx="9271000" cy="707886"/>
-          </a:xfrm>
-          <a:prstGeom prst="rect">
-            <a:avLst/>
-          </a:prstGeom>
-          <a:noFill/>
-        </p:spPr>
-        <p:txBody>
-          <a:bodyPr wrap="square" rtlCol="0">
-            <a:spAutoFit/>
-          </a:bodyPr>
-          <a:lstStyle/>
-          <a:p>
-            <a:pPr algn="ctr"/>
-            <a:r>
-              <a:rPr lang="en-US" sz="4000" dirty="0" smtClean="0">
-                <a:latin typeface="Bahnschrift Light" panose="020B0502040204020203" pitchFamily="34" charset="0"/>
-              </a:rPr>
-              <a:t>Future Plans</a:t>
-            </a:r>
-            <a:endParaRPr lang="en-US" sz="4400" dirty="0">
-              <a:latin typeface="Bahnschrift Light" panose="020B0502040204020203" pitchFamily="34" charset="0"/>
-            </a:endParaRPr>
-          </a:p>
-        </p:txBody>
-      </p:sp>
-      <p:sp>
-        <p:nvSpPr>
-          <p:cNvPr id="3" name="TextBox 2"/>
-          <p:cNvSpPr txBox="1"/>
-          <p:nvPr/>
-        </p:nvSpPr>
-        <p:spPr>
-          <a:xfrm>
-            <a:off x="825500" y="927100"/>
-            <a:ext cx="10210800" cy="5016758"/>
-          </a:xfrm>
-          <a:prstGeom prst="rect">
-            <a:avLst/>
-          </a:prstGeom>
-          <a:noFill/>
-        </p:spPr>
-        <p:txBody>
-          <a:bodyPr wrap="square" rtlCol="0">
-            <a:spAutoFit/>
-          </a:bodyPr>
-          <a:lstStyle/>
-          <a:p>
-            <a:r>
-              <a:rPr lang="en-US" sz="3200" dirty="0" smtClean="0"/>
-              <a:t>I will also explore alternative source where I can access the Macroeconomics indices maintained at bi-Annual, Quarterly, or Monthly levels.</a:t>
-            </a:r>
-          </a:p>
-          <a:p>
-            <a:endParaRPr lang="en-US" sz="3200" dirty="0"/>
-          </a:p>
-          <a:p>
-            <a:r>
-              <a:rPr lang="en-US" sz="3200" dirty="0"/>
-              <a:t>I plan to improve on my model by adding more Statistical and Technical features.</a:t>
-            </a:r>
-          </a:p>
-          <a:p>
-            <a:endParaRPr lang="en-US" sz="3200" dirty="0" smtClean="0"/>
-          </a:p>
-          <a:p>
-            <a:r>
-              <a:rPr lang="en-US" sz="3200" dirty="0" smtClean="0"/>
-              <a:t>I will explore a way of automatically accessing the </a:t>
-            </a:r>
-            <a:r>
-              <a:rPr lang="en-US" sz="3200" dirty="0"/>
-              <a:t>Statistical </a:t>
-            </a:r>
-            <a:r>
-              <a:rPr lang="en-US" sz="3200" dirty="0" smtClean="0"/>
-              <a:t>data from a source like Tick Data Suite(TDS) whose data is as close as the live data.</a:t>
-            </a:r>
-            <a:endParaRPr lang="en-US" sz="3200" dirty="0"/>
-          </a:p>
-        </p:txBody>
-      </p:sp>
-    </p:spTree>
-    <p:extLst>
-      <p:ext uri="{BB962C8B-B14F-4D97-AF65-F5344CB8AC3E}">
-        <p14:creationId xmlns:p14="http://schemas.microsoft.com/office/powerpoint/2010/main" val="685488599"/>
+        <p14:creationId xmlns:p14="http://schemas.microsoft.com/office/powerpoint/2010/main" val="372485860"/>
       </p:ext>
     </p:extLst>
   </p:cSld>
@@ -8275,71 +7699,6 @@
 </p:sld>
 </file>
 
-<file path=ppt/slides/slide30.xml><?xml version="1.0" encoding="utf-8"?>
-<p:sld xmlns:a="http://schemas.openxmlformats.org/drawingml/2006/main" xmlns:r="http://schemas.openxmlformats.org/officeDocument/2006/relationships" xmlns:p="http://schemas.openxmlformats.org/presentationml/2006/main">
-  <p:cSld>
-    <p:spTree>
-      <p:nvGrpSpPr>
-        <p:cNvPr id="1" name=""/>
-        <p:cNvGrpSpPr/>
-        <p:nvPr/>
-      </p:nvGrpSpPr>
-      <p:grpSpPr>
-        <a:xfrm>
-          <a:off x="0" y="0"/>
-          <a:ext cx="0" cy="0"/>
-          <a:chOff x="0" y="0"/>
-          <a:chExt cx="0" cy="0"/>
-        </a:xfrm>
-      </p:grpSpPr>
-      <p:sp>
-        <p:nvSpPr>
-          <p:cNvPr id="2" name="TextBox 1"/>
-          <p:cNvSpPr txBox="1"/>
-          <p:nvPr/>
-        </p:nvSpPr>
-        <p:spPr>
-          <a:xfrm>
-            <a:off x="1143552" y="3120335"/>
-            <a:ext cx="8680174" cy="830997"/>
-          </a:xfrm>
-          <a:prstGeom prst="rect">
-            <a:avLst/>
-          </a:prstGeom>
-          <a:noFill/>
-        </p:spPr>
-        <p:txBody>
-          <a:bodyPr wrap="square" rtlCol="0">
-            <a:spAutoFit/>
-          </a:bodyPr>
-          <a:lstStyle/>
-          <a:p>
-            <a:pPr algn="ctr"/>
-            <a:r>
-              <a:rPr lang="en-US" sz="4800" dirty="0" smtClean="0">
-                <a:latin typeface="Bahnschrift Light" panose="020B0502040204020203" pitchFamily="34" charset="0"/>
-              </a:rPr>
-              <a:t>Thank you</a:t>
-            </a:r>
-            <a:endParaRPr lang="en-US" sz="4800" dirty="0">
-              <a:latin typeface="Bahnschrift Light" panose="020B0502040204020203" pitchFamily="34" charset="0"/>
-            </a:endParaRPr>
-          </a:p>
-        </p:txBody>
-      </p:sp>
-    </p:spTree>
-    <p:extLst>
-      <p:ext uri="{BB962C8B-B14F-4D97-AF65-F5344CB8AC3E}">
-        <p14:creationId xmlns:p14="http://schemas.microsoft.com/office/powerpoint/2010/main" val="372485860"/>
-      </p:ext>
-    </p:extLst>
-  </p:cSld>
-  <p:clrMapOvr>
-    <a:masterClrMapping/>
-  </p:clrMapOvr>
-</p:sld>
-</file>
-
 <file path=ppt/slides/slide4.xml><?xml version="1.0" encoding="utf-8"?>
 <p:sld xmlns:a="http://schemas.openxmlformats.org/drawingml/2006/main" xmlns:r="http://schemas.openxmlformats.org/officeDocument/2006/relationships" xmlns:p="http://schemas.openxmlformats.org/presentationml/2006/main">
   <p:cSld>
@@ -8389,7 +7748,15 @@
             </a:r>
             <a:r>
               <a:rPr lang="en-US" sz="4400" dirty="0"/>
-              <a:t> and influential financial markets globally, facilitating the exchange of currencies and shaping international trade and investment. Among the myriad currency pairs traded in this market, the USD/CAD pair occupies a significant position due to its prominence in North American trade and its influence on the economies of the United States and Canada.</a:t>
+              <a:t> and influential financial markets globally, facilitating the exchange of currencies and shaping international trade and investment. Among the myriad currency pairs traded in this market, the </a:t>
+            </a:r>
+            <a:r>
+              <a:rPr lang="en-US" sz="4400" b="1" dirty="0"/>
+              <a:t>USD/CAD</a:t>
+            </a:r>
+            <a:r>
+              <a:rPr lang="en-US" sz="4400" dirty="0"/>
+              <a:t> pair occupies a significant position due to its prominence in North American trade and its influence on the economies of the United States and Canada.</a:t>
             </a:r>
           </a:p>
         </p:txBody>
@@ -8526,7 +7893,7 @@
       </p:sp>
       <p:pic>
         <p:nvPicPr>
-          <p:cNvPr id="2" name="Picture 1"/>
+          <p:cNvPr id="4" name="Picture 3"/>
           <p:cNvPicPr>
             <a:picLocks noChangeAspect="1"/>
           </p:cNvPicPr>
@@ -8540,8 +7907,8 @@
         </p:blipFill>
         <p:spPr>
           <a:xfrm>
-            <a:off x="841374" y="355600"/>
-            <a:ext cx="10116784" cy="5354430"/>
+            <a:off x="685800" y="81863"/>
+            <a:ext cx="10685158" cy="5628167"/>
           </a:xfrm>
           <a:prstGeom prst="rect">
             <a:avLst/>
@@ -8655,8 +8022,10 @@
       </p:sp>
       <p:pic>
         <p:nvPicPr>
-          <p:cNvPr id="4" name="Picture 3"/>
-          <p:cNvPicPr/>
+          <p:cNvPr id="2" name="Picture 1"/>
+          <p:cNvPicPr>
+            <a:picLocks noChangeAspect="1"/>
+          </p:cNvPicPr>
           <p:nvPr/>
         </p:nvPicPr>
         <p:blipFill>
@@ -8667,8 +8036,8 @@
         </p:blipFill>
         <p:spPr>
           <a:xfrm>
-            <a:off x="728344" y="593724"/>
-            <a:ext cx="9812656" cy="5340946"/>
+            <a:off x="782504" y="101600"/>
+            <a:ext cx="10291895" cy="5764017"/>
           </a:xfrm>
           <a:prstGeom prst="rect">
             <a:avLst/>
@@ -9002,7 +8371,7 @@
               <a:pPr algn="ctr"/>
               <a:r>
                 <a:rPr lang="en-US" sz="2000" b="1" dirty="0" smtClean="0"/>
-                <a:t>World Bank</a:t>
+                <a:t>FRED</a:t>
               </a:r>
               <a:endParaRPr lang="en-US" sz="2000" b="1" dirty="0"/>
             </a:p>
@@ -9061,7 +8430,7 @@
           <p:spPr>
             <a:xfrm>
               <a:off x="1524000" y="3200400"/>
-              <a:ext cx="2095500" cy="400110"/>
+              <a:ext cx="2413000" cy="400110"/>
             </a:xfrm>
             <a:prstGeom prst="rect">
               <a:avLst/>
@@ -9077,7 +8446,7 @@
               <a:pPr algn="ctr"/>
               <a:r>
                 <a:rPr lang="en-US" sz="2000" b="1" dirty="0" smtClean="0"/>
-                <a:t>Forex Market</a:t>
+                <a:t>Forex Market(TDS)</a:t>
               </a:r>
               <a:endParaRPr lang="en-US" sz="2000" b="1" dirty="0"/>
             </a:p>
@@ -9475,7 +8844,7 @@
         <p:spPr>
           <a:xfrm>
             <a:off x="434594" y="955100"/>
-            <a:ext cx="11025808" cy="5632311"/>
+            <a:ext cx="11025808" cy="5078313"/>
           </a:xfrm>
           <a:prstGeom prst="rect">
             <a:avLst/>
@@ -9509,7 +8878,7 @@
             </a:r>
             <a:r>
               <a:rPr lang="en-US" sz="3600" dirty="0" smtClean="0"/>
-              <a:t> year 2003 to Sep-2024 {with over 5,385 records}</a:t>
+              <a:t> year 2003 to Oct-2024 {Daily time frame}</a:t>
             </a:r>
           </a:p>
           <a:p>
@@ -9518,13 +8887,13 @@
           <a:p>
             <a:r>
               <a:rPr lang="en-US" sz="3600" dirty="0" smtClean="0"/>
-              <a:t>(b) Investing.Com </a:t>
+              <a:t>(b) Tick Data Suite (TDS) </a:t>
             </a:r>
             <a:r>
               <a:rPr lang="en-US" sz="3600" dirty="0" smtClean="0">
                 <a:sym typeface="Wingdings" panose="05000000000000000000" pitchFamily="2" charset="2"/>
               </a:rPr>
-              <a:t> From 1982 to Sep-2024 {with over 	11,000 records}</a:t>
+              <a:t> From 2003 to Oct-2024 {Minute time frame}</a:t>
             </a:r>
             <a:endParaRPr lang="en-US" sz="3600" dirty="0" smtClean="0"/>
           </a:p>
@@ -9532,10 +8901,7 @@
             <a:endParaRPr lang="en-US" sz="3600" dirty="0" smtClean="0"/>
           </a:p>
           <a:p>
-            <a:r>
-              <a:rPr lang="en-US" sz="3600" dirty="0" smtClean="0"/>
-              <a:t>The data in either of these two cases is maintained on a daily bases.</a:t>
-            </a:r>
+            <a:endParaRPr lang="en-US" sz="3600" dirty="0" smtClean="0"/>
           </a:p>
           <a:p>
             <a:endParaRPr lang="en-US" sz="3600" dirty="0"/>
@@ -9693,7 +9059,7 @@
         <p:spPr>
           <a:xfrm>
             <a:off x="469900" y="812800"/>
-            <a:ext cx="11087100" cy="4893647"/>
+            <a:ext cx="11087100" cy="3416320"/>
           </a:xfrm>
           <a:prstGeom prst="rect">
             <a:avLst/>
@@ -9712,7 +9078,11 @@
             </a:r>
             <a:r>
               <a:rPr lang="en-US" sz="2400" dirty="0"/>
-              <a:t>sourced from the World Bank’s(</a:t>
+              <a:t>sourced from the Federal Reserve Economic Data (FRED)</a:t>
+            </a:r>
+            <a:r>
+              <a:rPr lang="en-US" sz="2400" dirty="0" smtClean="0"/>
+              <a:t>’s(</a:t>
             </a:r>
             <a:r>
               <a:rPr lang="en-US" sz="2400" dirty="0">
@@ -9720,15 +9090,19 @@
                   <a:srgbClr val="0070C0"/>
                 </a:solidFill>
               </a:rPr>
-              <a:t>http://api.worldbank.org/</a:t>
+              <a:t>https://fred.stlouisfed.org/</a:t>
+            </a:r>
+            <a:r>
+              <a:rPr lang="en-US" sz="2400" dirty="0" smtClean="0"/>
+              <a:t>) </a:t>
             </a:r>
             <a:r>
               <a:rPr lang="en-US" sz="2400" dirty="0"/>
-              <a:t>) database through an API that was exposed as XMLs</a:t>
+              <a:t>database through an </a:t>
             </a:r>
             <a:r>
               <a:rPr lang="en-US" sz="2400" dirty="0" smtClean="0"/>
-              <a:t>.</a:t>
+              <a:t>API.</a:t>
             </a:r>
           </a:p>
           <a:p>
@@ -9781,62 +9155,12 @@
           </a:p>
           <a:p>
             <a:r>
+              <a:rPr lang="en-US" sz="2400" dirty="0" smtClean="0"/>
+              <a:t>Imports </a:t>
+            </a:r>
+            <a:r>
               <a:rPr lang="en-US" sz="2400" dirty="0"/>
-              <a:t>The Inflation Rates of </a:t>
-            </a:r>
-            <a:r>
-              <a:rPr lang="en-US" sz="2400" dirty="0" smtClean="0"/>
-              <a:t>USA			The </a:t>
-            </a:r>
-            <a:r>
-              <a:rPr lang="en-US" sz="2400" dirty="0"/>
-              <a:t>Inflation Rates of Canada</a:t>
-            </a:r>
-          </a:p>
-          <a:p>
-            <a:r>
-              <a:rPr lang="en-US" sz="2400" dirty="0"/>
-              <a:t>GDP Ratios of </a:t>
-            </a:r>
-            <a:r>
-              <a:rPr lang="en-US" sz="2400" dirty="0" smtClean="0"/>
-              <a:t>USA			</a:t>
-            </a:r>
-            <a:r>
-              <a:rPr lang="en-US" sz="2400" dirty="0"/>
-              <a:t> </a:t>
-            </a:r>
-            <a:r>
-              <a:rPr lang="en-US" sz="2400" dirty="0" smtClean="0"/>
-              <a:t>	GDP </a:t>
-            </a:r>
-            <a:r>
-              <a:rPr lang="en-US" sz="2400" dirty="0"/>
-              <a:t>Ratios of Canada</a:t>
-            </a:r>
-          </a:p>
-          <a:p>
-            <a:r>
-              <a:rPr lang="en-US" sz="2400" dirty="0" smtClean="0"/>
-              <a:t>GDP </a:t>
-            </a:r>
-            <a:r>
-              <a:rPr lang="en-US" sz="2400" dirty="0"/>
-              <a:t>Growths of </a:t>
-            </a:r>
-            <a:r>
-              <a:rPr lang="en-US" sz="2400" dirty="0" smtClean="0"/>
-              <a:t>USA				GDP </a:t>
-            </a:r>
-            <a:r>
-              <a:rPr lang="en-US" sz="2400" dirty="0"/>
-              <a:t>Growths of Canada</a:t>
-            </a:r>
-          </a:p>
-          <a:p>
-            <a:r>
-              <a:rPr lang="en-US" sz="2400" dirty="0"/>
-              <a:t>Imports of </a:t>
+              <a:t>of </a:t>
             </a:r>
             <a:r>
               <a:rPr lang="en-US" sz="2400" dirty="0" smtClean="0"/>
@@ -9863,22 +9187,12 @@
           </a:p>
           <a:p>
             <a:r>
+              <a:rPr lang="en-US" sz="2400" dirty="0" smtClean="0"/>
+              <a:t>Un-Employment </a:t>
+            </a:r>
+            <a:r>
               <a:rPr lang="en-US" sz="2400" dirty="0"/>
-              <a:t>Government revenue of </a:t>
-            </a:r>
-            <a:r>
-              <a:rPr lang="en-US" sz="2400" dirty="0" smtClean="0"/>
-              <a:t>USA			Government </a:t>
-            </a:r>
-            <a:r>
-              <a:rPr lang="en-US" sz="2400" dirty="0"/>
-              <a:t>revenue of Canada</a:t>
-            </a:r>
-          </a:p>
-          <a:p>
-            <a:r>
-              <a:rPr lang="en-US" sz="2400" dirty="0"/>
-              <a:t>Un-Employment Rates of </a:t>
+              <a:t>Rates of </a:t>
             </a:r>
             <a:r>
               <a:rPr lang="en-US" sz="2400" dirty="0" smtClean="0"/>

--- a/MyBDAThesis/Akubue Simon - Thesis Presentation.pptx
+++ b/MyBDAThesis/Akubue Simon - Thesis Presentation.pptx
@@ -19,19 +19,21 @@
     <p:sldId id="259" r:id="rId13"/>
     <p:sldId id="287" r:id="rId14"/>
     <p:sldId id="302" r:id="rId15"/>
-    <p:sldId id="303" r:id="rId16"/>
-    <p:sldId id="304" r:id="rId17"/>
-    <p:sldId id="305" r:id="rId18"/>
-    <p:sldId id="290" r:id="rId19"/>
-    <p:sldId id="289" r:id="rId20"/>
-    <p:sldId id="260" r:id="rId21"/>
-    <p:sldId id="295" r:id="rId22"/>
-    <p:sldId id="294" r:id="rId23"/>
-    <p:sldId id="272" r:id="rId24"/>
-    <p:sldId id="286" r:id="rId25"/>
-    <p:sldId id="307" r:id="rId26"/>
-    <p:sldId id="288" r:id="rId27"/>
-    <p:sldId id="268" r:id="rId28"/>
+    <p:sldId id="310" r:id="rId16"/>
+    <p:sldId id="303" r:id="rId17"/>
+    <p:sldId id="304" r:id="rId18"/>
+    <p:sldId id="305" r:id="rId19"/>
+    <p:sldId id="290" r:id="rId20"/>
+    <p:sldId id="289" r:id="rId21"/>
+    <p:sldId id="311" r:id="rId22"/>
+    <p:sldId id="260" r:id="rId23"/>
+    <p:sldId id="295" r:id="rId24"/>
+    <p:sldId id="294" r:id="rId25"/>
+    <p:sldId id="272" r:id="rId26"/>
+    <p:sldId id="286" r:id="rId27"/>
+    <p:sldId id="307" r:id="rId28"/>
+    <p:sldId id="288" r:id="rId29"/>
+    <p:sldId id="268" r:id="rId30"/>
   </p:sldIdLst>
   <p:sldSz cx="12192000" cy="6858000"/>
   <p:notesSz cx="6858000" cy="9144000"/>
@@ -269,7 +271,7 @@
           <a:p>
             <a:fld id="{AC9F1F34-0473-412F-A52A-8045292EA46A}" type="datetimeFigureOut">
               <a:rPr lang="en-US" smtClean="0"/>
-              <a:t>10/29/2024</a:t>
+              <a:t>11/3/2024</a:t>
             </a:fld>
             <a:endParaRPr lang="en-US"/>
           </a:p>
@@ -439,7 +441,7 @@
           <a:p>
             <a:fld id="{AC9F1F34-0473-412F-A52A-8045292EA46A}" type="datetimeFigureOut">
               <a:rPr lang="en-US" smtClean="0"/>
-              <a:t>10/29/2024</a:t>
+              <a:t>11/3/2024</a:t>
             </a:fld>
             <a:endParaRPr lang="en-US"/>
           </a:p>
@@ -619,7 +621,7 @@
           <a:p>
             <a:fld id="{AC9F1F34-0473-412F-A52A-8045292EA46A}" type="datetimeFigureOut">
               <a:rPr lang="en-US" smtClean="0"/>
-              <a:t>10/29/2024</a:t>
+              <a:t>11/3/2024</a:t>
             </a:fld>
             <a:endParaRPr lang="en-US"/>
           </a:p>
@@ -789,7 +791,7 @@
           <a:p>
             <a:fld id="{AC9F1F34-0473-412F-A52A-8045292EA46A}" type="datetimeFigureOut">
               <a:rPr lang="en-US" smtClean="0"/>
-              <a:t>10/29/2024</a:t>
+              <a:t>11/3/2024</a:t>
             </a:fld>
             <a:endParaRPr lang="en-US"/>
           </a:p>
@@ -1035,7 +1037,7 @@
           <a:p>
             <a:fld id="{AC9F1F34-0473-412F-A52A-8045292EA46A}" type="datetimeFigureOut">
               <a:rPr lang="en-US" smtClean="0"/>
-              <a:t>10/29/2024</a:t>
+              <a:t>11/3/2024</a:t>
             </a:fld>
             <a:endParaRPr lang="en-US"/>
           </a:p>
@@ -1267,7 +1269,7 @@
           <a:p>
             <a:fld id="{AC9F1F34-0473-412F-A52A-8045292EA46A}" type="datetimeFigureOut">
               <a:rPr lang="en-US" smtClean="0"/>
-              <a:t>10/29/2024</a:t>
+              <a:t>11/3/2024</a:t>
             </a:fld>
             <a:endParaRPr lang="en-US"/>
           </a:p>
@@ -1634,7 +1636,7 @@
           <a:p>
             <a:fld id="{AC9F1F34-0473-412F-A52A-8045292EA46A}" type="datetimeFigureOut">
               <a:rPr lang="en-US" smtClean="0"/>
-              <a:t>10/29/2024</a:t>
+              <a:t>11/3/2024</a:t>
             </a:fld>
             <a:endParaRPr lang="en-US"/>
           </a:p>
@@ -1752,7 +1754,7 @@
           <a:p>
             <a:fld id="{AC9F1F34-0473-412F-A52A-8045292EA46A}" type="datetimeFigureOut">
               <a:rPr lang="en-US" smtClean="0"/>
-              <a:t>10/29/2024</a:t>
+              <a:t>11/3/2024</a:t>
             </a:fld>
             <a:endParaRPr lang="en-US"/>
           </a:p>
@@ -1847,7 +1849,7 @@
           <a:p>
             <a:fld id="{AC9F1F34-0473-412F-A52A-8045292EA46A}" type="datetimeFigureOut">
               <a:rPr lang="en-US" smtClean="0"/>
-              <a:t>10/29/2024</a:t>
+              <a:t>11/3/2024</a:t>
             </a:fld>
             <a:endParaRPr lang="en-US"/>
           </a:p>
@@ -2124,7 +2126,7 @@
           <a:p>
             <a:fld id="{AC9F1F34-0473-412F-A52A-8045292EA46A}" type="datetimeFigureOut">
               <a:rPr lang="en-US" smtClean="0"/>
-              <a:t>10/29/2024</a:t>
+              <a:t>11/3/2024</a:t>
             </a:fld>
             <a:endParaRPr lang="en-US"/>
           </a:p>
@@ -2377,7 +2379,7 @@
           <a:p>
             <a:fld id="{AC9F1F34-0473-412F-A52A-8045292EA46A}" type="datetimeFigureOut">
               <a:rPr lang="en-US" smtClean="0"/>
-              <a:t>10/29/2024</a:t>
+              <a:t>11/3/2024</a:t>
             </a:fld>
             <a:endParaRPr lang="en-US"/>
           </a:p>
@@ -2590,7 +2592,7 @@
           <a:p>
             <a:fld id="{AC9F1F34-0473-412F-A52A-8045292EA46A}" type="datetimeFigureOut">
               <a:rPr lang="en-US" smtClean="0"/>
-              <a:t>10/29/2024</a:t>
+              <a:t>11/3/2024</a:t>
             </a:fld>
             <a:endParaRPr lang="en-US"/>
           </a:p>
@@ -3088,7 +3090,11 @@
             </a:r>
             <a:r>
               <a:rPr lang="en-US" i="1" dirty="0" smtClean="0"/>
-              <a:t>29-Oct-2024</a:t>
+              <a:t>26</a:t>
+            </a:r>
+            <a:r>
+              <a:rPr lang="en-US" i="1" dirty="0" smtClean="0"/>
+              <a:t>-Nov-2024</a:t>
             </a:r>
             <a:endParaRPr lang="en-US" i="1" dirty="0"/>
           </a:p>
@@ -3777,22 +3783,28 @@
           </a:p>
           <a:p>
             <a:r>
-              <a:rPr lang="en-US" sz="3200" b="1" dirty="0"/>
-              <a:t>Ridge Regression</a:t>
-            </a:r>
-            <a:r>
               <a:rPr lang="en-US" sz="3200" dirty="0"/>
-              <a:t> model</a:t>
-            </a:r>
-          </a:p>
-          <a:p>
-            <a:r>
-              <a:rPr lang="en-US" sz="3200" b="1" dirty="0" smtClean="0"/>
+              <a:t>Ridge Regression model</a:t>
+            </a:r>
+          </a:p>
+          <a:p>
+            <a:r>
+              <a:rPr lang="en-US" sz="3200" dirty="0" smtClean="0"/>
               <a:t>Linear </a:t>
             </a:r>
             <a:r>
-              <a:rPr lang="en-US" sz="3200" b="1" dirty="0"/>
-              <a:t>Regression</a:t>
+              <a:rPr lang="en-US" sz="3200" dirty="0"/>
+              <a:t>Regression </a:t>
+            </a:r>
+            <a:r>
+              <a:rPr lang="en-US" sz="3200" dirty="0" smtClean="0"/>
+              <a:t>model</a:t>
+            </a:r>
+          </a:p>
+          <a:p>
+            <a:r>
+              <a:rPr lang="en-US" sz="3200" dirty="0" err="1"/>
+              <a:t>AdaBoost</a:t>
             </a:r>
             <a:r>
               <a:rPr lang="en-US" sz="3200" dirty="0"/>
@@ -3800,39 +3812,21 @@
             </a:r>
             <a:r>
               <a:rPr lang="en-US" sz="3200" dirty="0" smtClean="0"/>
-              <a:t>model</a:t>
-            </a:r>
-          </a:p>
-          <a:p>
-            <a:r>
-              <a:rPr lang="en-US" sz="3200" dirty="0" err="1"/>
-              <a:t>AdaBoost</a:t>
+              <a:t>Regression model</a:t>
+            </a:r>
+          </a:p>
+          <a:p>
+            <a:r>
+              <a:rPr lang="en-US" sz="3200" dirty="0" smtClean="0"/>
+              <a:t>Random </a:t>
             </a:r>
             <a:r>
               <a:rPr lang="en-US" sz="3200" dirty="0"/>
-              <a:t> </a:t>
+              <a:t>Forest </a:t>
             </a:r>
             <a:r>
               <a:rPr lang="en-US" sz="3200" dirty="0" smtClean="0"/>
-              <a:t>Regression model</a:t>
-            </a:r>
-          </a:p>
-          <a:p>
-            <a:r>
-              <a:rPr lang="en-US" sz="3200" b="1" dirty="0" smtClean="0"/>
-              <a:t>Random </a:t>
-            </a:r>
-            <a:r>
-              <a:rPr lang="en-US" sz="3200" b="1" dirty="0"/>
-              <a:t>Forest </a:t>
-            </a:r>
-            <a:r>
-              <a:rPr lang="en-US" sz="3200" b="1" dirty="0" smtClean="0"/>
-              <a:t>Regressor</a:t>
-            </a:r>
-            <a:r>
-              <a:rPr lang="en-US" sz="3200" dirty="0" smtClean="0"/>
-              <a:t> model</a:t>
+              <a:t>Regressor model</a:t>
             </a:r>
           </a:p>
           <a:p>
@@ -4045,8 +4039,8 @@
             <a:p>
               <a:pPr algn="ctr"/>
               <a:r>
-                <a:rPr lang="en-US" dirty="0" smtClean="0"/>
-                <a:t>YFinance</a:t>
+                <a:rPr lang="en-US" dirty="0" err="1" smtClean="0"/>
+                <a:t>Investing.Com</a:t>
               </a:r>
               <a:endParaRPr lang="en-US" dirty="0"/>
             </a:p>
@@ -4966,43 +4960,40 @@
             </a:p>
           </p:txBody>
         </p:sp>
+        <p:cxnSp>
+          <p:nvCxnSpPr>
+            <p:cNvPr id="36" name="Straight Arrow Connector 35"/>
+            <p:cNvCxnSpPr/>
+            <p:nvPr/>
+          </p:nvCxnSpPr>
+          <p:spPr>
+            <a:xfrm>
+              <a:off x="4508500" y="2307984"/>
+              <a:ext cx="190500" cy="469902"/>
+            </a:xfrm>
+            <a:prstGeom prst="straightConnector1">
+              <a:avLst/>
+            </a:prstGeom>
+            <a:ln>
+              <a:tailEnd type="triangle"/>
+            </a:ln>
+          </p:spPr>
+          <p:style>
+            <a:lnRef idx="1">
+              <a:schemeClr val="accent1"/>
+            </a:lnRef>
+            <a:fillRef idx="0">
+              <a:schemeClr val="accent1"/>
+            </a:fillRef>
+            <a:effectRef idx="0">
+              <a:schemeClr val="accent1"/>
+            </a:effectRef>
+            <a:fontRef idx="minor">
+              <a:schemeClr val="tx1"/>
+            </a:fontRef>
+          </p:style>
+        </p:cxnSp>
       </p:grpSp>
-      <p:cxnSp>
-        <p:nvCxnSpPr>
-          <p:cNvPr id="17" name="Straight Arrow Connector 16"/>
-          <p:cNvCxnSpPr>
-            <a:stCxn id="8" idx="3"/>
-            <a:endCxn id="7" idx="1"/>
-          </p:cNvCxnSpPr>
-          <p:nvPr/>
-        </p:nvCxnSpPr>
-        <p:spPr>
-          <a:xfrm>
-            <a:off x="4794250" y="2425186"/>
-            <a:ext cx="266700" cy="356114"/>
-          </a:xfrm>
-          <a:prstGeom prst="straightConnector1">
-            <a:avLst/>
-          </a:prstGeom>
-          <a:ln>
-            <a:tailEnd type="triangle"/>
-          </a:ln>
-        </p:spPr>
-        <p:style>
-          <a:lnRef idx="1">
-            <a:schemeClr val="accent1"/>
-          </a:lnRef>
-          <a:fillRef idx="0">
-            <a:schemeClr val="accent1"/>
-          </a:fillRef>
-          <a:effectRef idx="0">
-            <a:schemeClr val="accent1"/>
-          </a:effectRef>
-          <a:fontRef idx="minor">
-            <a:schemeClr val="tx1"/>
-          </a:fontRef>
-        </p:style>
-      </p:cxnSp>
     </p:spTree>
     <p:extLst>
       <p:ext uri="{BB962C8B-B14F-4D97-AF65-F5344CB8AC3E}">
@@ -5060,9 +5051,21 @@
               <a:rPr lang="en-US" sz="4800" dirty="0" smtClean="0">
                 <a:latin typeface="Bahnschrift Light" panose="020B0502040204020203" pitchFamily="34" charset="0"/>
               </a:rPr>
-              <a:t>Statistical Data</a:t>
-            </a:r>
-            <a:endParaRPr lang="en-US" sz="4800" dirty="0">
+              <a:t>Statistical </a:t>
+            </a:r>
+            <a:r>
+              <a:rPr lang="en-US" sz="4800" dirty="0" smtClean="0">
+                <a:latin typeface="Bahnschrift Light" panose="020B0502040204020203" pitchFamily="34" charset="0"/>
+              </a:rPr>
+              <a:t>Data </a:t>
+            </a:r>
+            <a:r>
+              <a:rPr lang="en-US" sz="3200" dirty="0" smtClean="0">
+                <a:latin typeface="Bahnschrift Light" panose="020B0502040204020203" pitchFamily="34" charset="0"/>
+              </a:rPr>
+              <a:t>{Without Label}</a:t>
+            </a:r>
+            <a:endParaRPr lang="en-US" sz="3200" dirty="0">
               <a:latin typeface="Bahnschrift Light" panose="020B0502040204020203" pitchFamily="34" charset="0"/>
             </a:endParaRPr>
           </a:p>
@@ -5070,7 +5073,7 @@
       </p:sp>
       <p:pic>
         <p:nvPicPr>
-          <p:cNvPr id="4" name="Picture 3"/>
+          <p:cNvPr id="5" name="Picture 4"/>
           <p:cNvPicPr>
             <a:picLocks noChangeAspect="1"/>
           </p:cNvPicPr>
@@ -5084,8 +5087,8 @@
         </p:blipFill>
         <p:spPr>
           <a:xfrm>
-            <a:off x="1917700" y="812237"/>
-            <a:ext cx="8178800" cy="5644224"/>
+            <a:off x="2705100" y="995363"/>
+            <a:ext cx="6083300" cy="5679331"/>
           </a:xfrm>
           <a:prstGeom prst="rect">
             <a:avLst/>
@@ -5149,9 +5152,21 @@
               <a:rPr lang="en-US" sz="4800" dirty="0" smtClean="0">
                 <a:latin typeface="Bahnschrift Light" panose="020B0502040204020203" pitchFamily="34" charset="0"/>
               </a:rPr>
-              <a:t>Macroeconomic Data</a:t>
-            </a:r>
-            <a:endParaRPr lang="en-US" sz="4800" dirty="0">
+              <a:t>Statistical </a:t>
+            </a:r>
+            <a:r>
+              <a:rPr lang="en-US" sz="4800" dirty="0" smtClean="0">
+                <a:latin typeface="Bahnschrift Light" panose="020B0502040204020203" pitchFamily="34" charset="0"/>
+              </a:rPr>
+              <a:t>Data </a:t>
+            </a:r>
+            <a:r>
+              <a:rPr lang="en-US" sz="3200" dirty="0" smtClean="0">
+                <a:latin typeface="Bahnschrift Light" panose="020B0502040204020203" pitchFamily="34" charset="0"/>
+              </a:rPr>
+              <a:t>{with Label}</a:t>
+            </a:r>
+            <a:endParaRPr lang="en-US" sz="3200" dirty="0">
               <a:latin typeface="Bahnschrift Light" panose="020B0502040204020203" pitchFamily="34" charset="0"/>
             </a:endParaRPr>
           </a:p>
@@ -5173,8 +5188,167 @@
         </p:blipFill>
         <p:spPr>
           <a:xfrm>
-            <a:off x="228600" y="767695"/>
-            <a:ext cx="11506200" cy="5683365"/>
+            <a:off x="2514600" y="800099"/>
+            <a:ext cx="6705600" cy="5960533"/>
+          </a:xfrm>
+          <a:prstGeom prst="rect">
+            <a:avLst/>
+          </a:prstGeom>
+        </p:spPr>
+      </p:pic>
+    </p:spTree>
+    <p:extLst>
+      <p:ext uri="{BB962C8B-B14F-4D97-AF65-F5344CB8AC3E}">
+        <p14:creationId xmlns:p14="http://schemas.microsoft.com/office/powerpoint/2010/main" val="2040652345"/>
+      </p:ext>
+    </p:extLst>
+  </p:cSld>
+  <p:clrMapOvr>
+    <a:masterClrMapping/>
+  </p:clrMapOvr>
+</p:sld>
+</file>
+
+<file path=ppt/slides/slide16.xml><?xml version="1.0" encoding="utf-8"?>
+<p:sld xmlns:a="http://schemas.openxmlformats.org/drawingml/2006/main" xmlns:r="http://schemas.openxmlformats.org/officeDocument/2006/relationships" xmlns:p="http://schemas.openxmlformats.org/presentationml/2006/main">
+  <p:cSld>
+    <p:spTree>
+      <p:nvGrpSpPr>
+        <p:cNvPr id="1" name=""/>
+        <p:cNvGrpSpPr/>
+        <p:nvPr/>
+      </p:nvGrpSpPr>
+      <p:grpSpPr>
+        <a:xfrm>
+          <a:off x="0" y="0"/>
+          <a:ext cx="0" cy="0"/>
+          <a:chOff x="0" y="0"/>
+          <a:chExt cx="0" cy="0"/>
+        </a:xfrm>
+      </p:grpSpPr>
+      <p:sp>
+        <p:nvSpPr>
+          <p:cNvPr id="2" name="TextBox 1"/>
+          <p:cNvSpPr txBox="1"/>
+          <p:nvPr/>
+        </p:nvSpPr>
+        <p:spPr>
+          <a:xfrm>
+            <a:off x="330200" y="-30897"/>
+            <a:ext cx="11404600" cy="830997"/>
+          </a:xfrm>
+          <a:prstGeom prst="rect">
+            <a:avLst/>
+          </a:prstGeom>
+          <a:noFill/>
+        </p:spPr>
+        <p:txBody>
+          <a:bodyPr wrap="square" rtlCol="0">
+            <a:spAutoFit/>
+          </a:bodyPr>
+          <a:lstStyle/>
+          <a:p>
+            <a:pPr algn="ctr"/>
+            <a:r>
+              <a:rPr lang="en-US" sz="4800" dirty="0" smtClean="0">
+                <a:latin typeface="Bahnschrift Light" panose="020B0502040204020203" pitchFamily="34" charset="0"/>
+              </a:rPr>
+              <a:t>Macroeconomic </a:t>
+            </a:r>
+            <a:r>
+              <a:rPr lang="en-US" sz="4800" dirty="0" smtClean="0">
+                <a:latin typeface="Bahnschrift Light" panose="020B0502040204020203" pitchFamily="34" charset="0"/>
+              </a:rPr>
+              <a:t>Data </a:t>
+            </a:r>
+            <a:r>
+              <a:rPr lang="en-US" sz="3200" dirty="0" smtClean="0">
+                <a:latin typeface="Bahnschrift Light" panose="020B0502040204020203" pitchFamily="34" charset="0"/>
+              </a:rPr>
+              <a:t>{Raw}</a:t>
+            </a:r>
+            <a:endParaRPr lang="en-US" sz="4800" dirty="0">
+              <a:latin typeface="Bahnschrift Light" panose="020B0502040204020203" pitchFamily="34" charset="0"/>
+            </a:endParaRPr>
+          </a:p>
+        </p:txBody>
+      </p:sp>
+      <p:sp>
+        <p:nvSpPr>
+          <p:cNvPr id="4" name="TextBox 3"/>
+          <p:cNvSpPr txBox="1"/>
+          <p:nvPr/>
+        </p:nvSpPr>
+        <p:spPr>
+          <a:xfrm>
+            <a:off x="1104900" y="5829300"/>
+            <a:ext cx="9893993" cy="369332"/>
+          </a:xfrm>
+          <a:prstGeom prst="rect">
+            <a:avLst/>
+          </a:prstGeom>
+          <a:noFill/>
+        </p:spPr>
+        <p:txBody>
+          <a:bodyPr wrap="square" rtlCol="0">
+            <a:spAutoFit/>
+          </a:bodyPr>
+          <a:lstStyle/>
+          <a:p>
+            <a:r>
+              <a:rPr lang="en-US" dirty="0"/>
+              <a:t> </a:t>
+            </a:r>
+            <a:r>
+              <a:rPr lang="en-US" dirty="0" smtClean="0"/>
+              <a:t>Source</a:t>
+            </a:r>
+            <a:r>
+              <a:rPr lang="en-US" dirty="0" smtClean="0"/>
+              <a:t> </a:t>
+            </a:r>
+            <a:r>
+              <a:rPr lang="en-US" dirty="0"/>
+              <a:t>= </a:t>
+            </a:r>
+            <a:r>
+              <a:rPr lang="en-US" dirty="0" smtClean="0"/>
+              <a:t>'</a:t>
+            </a:r>
+            <a:r>
+              <a:rPr lang="en-US" dirty="0">
+                <a:solidFill>
+                  <a:srgbClr val="0070C0"/>
+                </a:solidFill>
+              </a:rPr>
+              <a:t>https://fred.stlouisfed.org/</a:t>
+            </a:r>
+            <a:r>
+              <a:rPr lang="en-US" dirty="0" smtClean="0"/>
+              <a:t>'</a:t>
+            </a:r>
+            <a:endParaRPr lang="en-US" dirty="0"/>
+          </a:p>
+        </p:txBody>
+      </p:sp>
+      <p:pic>
+        <p:nvPicPr>
+          <p:cNvPr id="5" name="Picture 4"/>
+          <p:cNvPicPr>
+            <a:picLocks noChangeAspect="1"/>
+          </p:cNvPicPr>
+          <p:nvPr/>
+        </p:nvPicPr>
+        <p:blipFill>
+          <a:blip r:embed="rId2"/>
+          <a:stretch>
+            <a:fillRect/>
+          </a:stretch>
+        </p:blipFill>
+        <p:spPr>
+          <a:xfrm>
+            <a:off x="542925" y="800100"/>
+            <a:ext cx="11053876" cy="3822700"/>
           </a:xfrm>
           <a:prstGeom prst="rect">
             <a:avLst/>
@@ -5194,7 +5368,7 @@
 </p:sld>
 </file>
 
-<file path=ppt/slides/slide16.xml><?xml version="1.0" encoding="utf-8"?>
+<file path=ppt/slides/slide17.xml><?xml version="1.0" encoding="utf-8"?>
 <p:sld xmlns:a="http://schemas.openxmlformats.org/drawingml/2006/main" xmlns:r="http://schemas.openxmlformats.org/officeDocument/2006/relationships" xmlns:p="http://schemas.openxmlformats.org/presentationml/2006/main">
   <p:cSld>
     <p:spTree>
@@ -5325,7 +5499,7 @@
               <a:pPr algn="ctr"/>
               <a:r>
                 <a:rPr lang="en-US" sz="3600" dirty="0" smtClean="0"/>
-                <a:t>2022</a:t>
+                <a:t>01.11.2024</a:t>
               </a:r>
               <a:endParaRPr lang="en-US" sz="3600" dirty="0"/>
             </a:p>
@@ -5411,7 +5585,7 @@
               <a:pPr algn="ctr"/>
               <a:r>
                 <a:rPr lang="en-US" sz="3600" dirty="0" smtClean="0"/>
-                <a:t>2021</a:t>
+                <a:t>01.10.2024</a:t>
               </a:r>
               <a:endParaRPr lang="en-US" sz="3600" dirty="0"/>
             </a:p>
@@ -5443,7 +5617,11 @@
             <a:pPr algn="ctr"/>
             <a:r>
               <a:rPr lang="en-US" sz="3200" dirty="0" smtClean="0"/>
-              <a:t>Years</a:t>
+              <a:t>Date</a:t>
+            </a:r>
+            <a:r>
+              <a:rPr lang="en-US" sz="3200" dirty="0" smtClean="0"/>
+              <a:t>s</a:t>
             </a:r>
             <a:endParaRPr lang="en-US" sz="3200" dirty="0"/>
           </a:p>
@@ -5558,9 +5736,10 @@
             <a:p>
               <a:pPr algn="ctr"/>
               <a:r>
-                <a:rPr lang="en-US" sz="3600" dirty="0"/>
-                <a:t>134.211206</a:t>
+                <a:rPr lang="en-US" sz="3600" dirty="0" smtClean="0"/>
+                <a:t>134.26</a:t>
               </a:r>
+              <a:endParaRPr lang="en-US" sz="3600" dirty="0"/>
             </a:p>
           </p:txBody>
         </p:sp>
@@ -5643,9 +5822,10 @@
             <a:p>
               <a:pPr algn="ctr"/>
               <a:r>
-                <a:rPr lang="en-US" sz="3600" dirty="0"/>
-                <a:t>124.266414</a:t>
+                <a:rPr lang="en-US" sz="3600" dirty="0" smtClean="0"/>
+                <a:t>124.0</a:t>
               </a:r>
+              <a:endParaRPr lang="en-US" sz="3600" dirty="0"/>
             </a:p>
           </p:txBody>
         </p:sp>
@@ -5806,7 +5986,7 @@
               </a:r>
               <a:r>
                 <a:rPr lang="en-US" sz="3200" dirty="0" smtClean="0"/>
-                <a:t>260</a:t>
+                <a:t>23</a:t>
               </a:r>
               <a:endParaRPr lang="en-US" dirty="0"/>
             </a:p>
@@ -5902,8 +6082,8 @@
                 <a:t> </a:t>
               </a:r>
               <a:r>
-                <a:rPr lang="en-US" sz="3200" dirty="0"/>
-                <a:t>9.944792</a:t>
+                <a:rPr lang="en-US" sz="3200" dirty="0" smtClean="0"/>
+                <a:t>0.019395</a:t>
               </a:r>
               <a:endParaRPr lang="en-US" dirty="0"/>
             </a:p>
@@ -6066,95 +6246,6 @@
 </p:sld>
 </file>
 
-<file path=ppt/slides/slide17.xml><?xml version="1.0" encoding="utf-8"?>
-<p:sld xmlns:a="http://schemas.openxmlformats.org/drawingml/2006/main" xmlns:r="http://schemas.openxmlformats.org/officeDocument/2006/relationships" xmlns:p="http://schemas.openxmlformats.org/presentationml/2006/main">
-  <p:cSld>
-    <p:spTree>
-      <p:nvGrpSpPr>
-        <p:cNvPr id="1" name=""/>
-        <p:cNvGrpSpPr/>
-        <p:nvPr/>
-      </p:nvGrpSpPr>
-      <p:grpSpPr>
-        <a:xfrm>
-          <a:off x="0" y="0"/>
-          <a:ext cx="0" cy="0"/>
-          <a:chOff x="0" y="0"/>
-          <a:chExt cx="0" cy="0"/>
-        </a:xfrm>
-      </p:grpSpPr>
-      <p:sp>
-        <p:nvSpPr>
-          <p:cNvPr id="2" name="TextBox 1"/>
-          <p:cNvSpPr txBox="1"/>
-          <p:nvPr/>
-        </p:nvSpPr>
-        <p:spPr>
-          <a:xfrm>
-            <a:off x="330200" y="-30897"/>
-            <a:ext cx="11404600" cy="830997"/>
-          </a:xfrm>
-          <a:prstGeom prst="rect">
-            <a:avLst/>
-          </a:prstGeom>
-          <a:noFill/>
-        </p:spPr>
-        <p:txBody>
-          <a:bodyPr wrap="square" rtlCol="0">
-            <a:spAutoFit/>
-          </a:bodyPr>
-          <a:lstStyle/>
-          <a:p>
-            <a:pPr algn="ctr"/>
-            <a:r>
-              <a:rPr lang="en-US" sz="4800" dirty="0" smtClean="0">
-                <a:latin typeface="Bahnschrift Light" panose="020B0502040204020203" pitchFamily="34" charset="0"/>
-              </a:rPr>
-              <a:t>Macroeconomic Data</a:t>
-            </a:r>
-            <a:endParaRPr lang="en-US" sz="4800" dirty="0">
-              <a:latin typeface="Bahnschrift Light" panose="020B0502040204020203" pitchFamily="34" charset="0"/>
-            </a:endParaRPr>
-          </a:p>
-        </p:txBody>
-      </p:sp>
-      <p:pic>
-        <p:nvPicPr>
-          <p:cNvPr id="5" name="Picture 4"/>
-          <p:cNvPicPr>
-            <a:picLocks noChangeAspect="1"/>
-          </p:cNvPicPr>
-          <p:nvPr/>
-        </p:nvPicPr>
-        <p:blipFill>
-          <a:blip r:embed="rId2"/>
-          <a:stretch>
-            <a:fillRect/>
-          </a:stretch>
-        </p:blipFill>
-        <p:spPr>
-          <a:xfrm>
-            <a:off x="406399" y="785144"/>
-            <a:ext cx="11329647" cy="5641056"/>
-          </a:xfrm>
-          <a:prstGeom prst="rect">
-            <a:avLst/>
-          </a:prstGeom>
-        </p:spPr>
-      </p:pic>
-    </p:spTree>
-    <p:extLst>
-      <p:ext uri="{BB962C8B-B14F-4D97-AF65-F5344CB8AC3E}">
-        <p14:creationId xmlns:p14="http://schemas.microsoft.com/office/powerpoint/2010/main" val="638018926"/>
-      </p:ext>
-    </p:extLst>
-  </p:cSld>
-  <p:clrMapOvr>
-    <a:masterClrMapping/>
-  </p:clrMapOvr>
-</p:sld>
-</file>
-
 <file path=ppt/slides/slide18.xml><?xml version="1.0" encoding="utf-8"?>
 <p:sld xmlns:a="http://schemas.openxmlformats.org/drawingml/2006/main" xmlns:r="http://schemas.openxmlformats.org/officeDocument/2006/relationships" xmlns:p="http://schemas.openxmlformats.org/presentationml/2006/main">
   <p:cSld>
@@ -6174,14 +6265,14 @@
       </p:grpSpPr>
       <p:sp>
         <p:nvSpPr>
-          <p:cNvPr id="3" name="TextBox 2"/>
+          <p:cNvPr id="2" name="TextBox 1"/>
           <p:cNvSpPr txBox="1"/>
           <p:nvPr/>
         </p:nvSpPr>
         <p:spPr>
           <a:xfrm>
-            <a:off x="1397000" y="12700"/>
-            <a:ext cx="8928100" cy="830997"/>
+            <a:off x="330200" y="-30897"/>
+            <a:ext cx="11404600" cy="830997"/>
           </a:xfrm>
           <a:prstGeom prst="rect">
             <a:avLst/>
@@ -6199,7 +6290,19 @@
               <a:rPr lang="en-US" sz="4800" dirty="0" smtClean="0">
                 <a:latin typeface="Bahnschrift Light" panose="020B0502040204020203" pitchFamily="34" charset="0"/>
               </a:rPr>
-              <a:t>Models Comparison</a:t>
+              <a:t>Macroeconomic </a:t>
+            </a:r>
+            <a:r>
+              <a:rPr lang="en-US" sz="4800" dirty="0" smtClean="0">
+                <a:latin typeface="Bahnschrift Light" panose="020B0502040204020203" pitchFamily="34" charset="0"/>
+              </a:rPr>
+              <a:t>Data </a:t>
+            </a:r>
+            <a:r>
+              <a:rPr lang="en-US" sz="3200" dirty="0" smtClean="0">
+                <a:latin typeface="Bahnschrift Light" panose="020B0502040204020203" pitchFamily="34" charset="0"/>
+              </a:rPr>
+              <a:t>{Calibrated/Filled}</a:t>
             </a:r>
             <a:endParaRPr lang="en-US" sz="4800" dirty="0">
               <a:latin typeface="Bahnschrift Light" panose="020B0502040204020203" pitchFamily="34" charset="0"/>
@@ -6207,50 +6310,9 @@
           </a:p>
         </p:txBody>
       </p:sp>
-      <p:sp>
-        <p:nvSpPr>
-          <p:cNvPr id="4" name="TextBox 3"/>
-          <p:cNvSpPr txBox="1"/>
-          <p:nvPr/>
-        </p:nvSpPr>
-        <p:spPr>
-          <a:xfrm>
-            <a:off x="1409700" y="647700"/>
-            <a:ext cx="8928100" cy="523220"/>
-          </a:xfrm>
-          <a:prstGeom prst="rect">
-            <a:avLst/>
-          </a:prstGeom>
-          <a:noFill/>
-        </p:spPr>
-        <p:txBody>
-          <a:bodyPr wrap="square" rtlCol="0">
-            <a:spAutoFit/>
-          </a:bodyPr>
-          <a:lstStyle/>
-          <a:p>
-            <a:pPr algn="ctr"/>
-            <a:r>
-              <a:rPr lang="en-US" sz="2800" dirty="0">
-                <a:latin typeface="Bahnschrift Light" panose="020B0502040204020203" pitchFamily="34" charset="0"/>
-              </a:rPr>
-              <a:t>8</a:t>
-            </a:r>
-            <a:r>
-              <a:rPr lang="en-US" sz="2800" dirty="0" smtClean="0">
-                <a:latin typeface="Bahnschrift Light" panose="020B0502040204020203" pitchFamily="34" charset="0"/>
-              </a:rPr>
-              <a:t>5% Train – 15% Test Splitting</a:t>
-            </a:r>
-            <a:endParaRPr lang="en-US" sz="2800" dirty="0">
-              <a:latin typeface="Bahnschrift Light" panose="020B0502040204020203" pitchFamily="34" charset="0"/>
-            </a:endParaRPr>
-          </a:p>
-        </p:txBody>
-      </p:sp>
       <p:pic>
         <p:nvPicPr>
-          <p:cNvPr id="2" name="Picture 1"/>
+          <p:cNvPr id="3" name="Picture 2"/>
           <p:cNvPicPr>
             <a:picLocks noChangeAspect="1"/>
           </p:cNvPicPr>
@@ -6264,8 +6326,8 @@
         </p:blipFill>
         <p:spPr>
           <a:xfrm>
-            <a:off x="546100" y="1127161"/>
-            <a:ext cx="11010900" cy="5569219"/>
+            <a:off x="494453" y="1511300"/>
+            <a:ext cx="11277288" cy="3860799"/>
           </a:xfrm>
           <a:prstGeom prst="rect">
             <a:avLst/>
@@ -6275,7 +6337,7 @@
     </p:spTree>
     <p:extLst>
       <p:ext uri="{BB962C8B-B14F-4D97-AF65-F5344CB8AC3E}">
-        <p14:creationId xmlns:p14="http://schemas.microsoft.com/office/powerpoint/2010/main" val="98876993"/>
+        <p14:creationId xmlns:p14="http://schemas.microsoft.com/office/powerpoint/2010/main" val="638018926"/>
       </p:ext>
     </p:extLst>
   </p:cSld>
@@ -6304,14 +6366,14 @@
       </p:grpSpPr>
       <p:sp>
         <p:nvSpPr>
-          <p:cNvPr id="2" name="TextBox 1"/>
+          <p:cNvPr id="3" name="TextBox 2"/>
           <p:cNvSpPr txBox="1"/>
           <p:nvPr/>
         </p:nvSpPr>
         <p:spPr>
           <a:xfrm>
-            <a:off x="609599" y="-92765"/>
-            <a:ext cx="10174287" cy="830997"/>
+            <a:off x="1397000" y="12700"/>
+            <a:ext cx="8928100" cy="830997"/>
           </a:xfrm>
           <a:prstGeom prst="rect">
             <a:avLst/>
@@ -6329,7 +6391,7 @@
               <a:rPr lang="en-US" sz="4800" dirty="0" smtClean="0">
                 <a:latin typeface="Bahnschrift Light" panose="020B0502040204020203" pitchFamily="34" charset="0"/>
               </a:rPr>
-              <a:t>Visualization (85% - 15%)</a:t>
+              <a:t>Models Comparison</a:t>
             </a:r>
             <a:endParaRPr lang="en-US" sz="4800" dirty="0">
               <a:latin typeface="Bahnschrift Light" panose="020B0502040204020203" pitchFamily="34" charset="0"/>
@@ -6337,9 +6399,50 @@
           </a:p>
         </p:txBody>
       </p:sp>
+      <p:sp>
+        <p:nvSpPr>
+          <p:cNvPr id="4" name="TextBox 3"/>
+          <p:cNvSpPr txBox="1"/>
+          <p:nvPr/>
+        </p:nvSpPr>
+        <p:spPr>
+          <a:xfrm>
+            <a:off x="1409700" y="647700"/>
+            <a:ext cx="8928100" cy="523220"/>
+          </a:xfrm>
+          <a:prstGeom prst="rect">
+            <a:avLst/>
+          </a:prstGeom>
+          <a:noFill/>
+        </p:spPr>
+        <p:txBody>
+          <a:bodyPr wrap="square" rtlCol="0">
+            <a:spAutoFit/>
+          </a:bodyPr>
+          <a:lstStyle/>
+          <a:p>
+            <a:pPr algn="ctr"/>
+            <a:r>
+              <a:rPr lang="en-US" sz="2800" dirty="0">
+                <a:latin typeface="Bahnschrift Light" panose="020B0502040204020203" pitchFamily="34" charset="0"/>
+              </a:rPr>
+              <a:t>8</a:t>
+            </a:r>
+            <a:r>
+              <a:rPr lang="en-US" sz="2800" dirty="0" smtClean="0">
+                <a:latin typeface="Bahnschrift Light" panose="020B0502040204020203" pitchFamily="34" charset="0"/>
+              </a:rPr>
+              <a:t>5% Train – 15% Test Splitting</a:t>
+            </a:r>
+            <a:endParaRPr lang="en-US" sz="2800" dirty="0">
+              <a:latin typeface="Bahnschrift Light" panose="020B0502040204020203" pitchFamily="34" charset="0"/>
+            </a:endParaRPr>
+          </a:p>
+        </p:txBody>
+      </p:sp>
       <p:pic>
         <p:nvPicPr>
-          <p:cNvPr id="3" name="Picture 2"/>
+          <p:cNvPr id="2" name="Picture 1"/>
           <p:cNvPicPr>
             <a:picLocks noChangeAspect="1"/>
           </p:cNvPicPr>
@@ -6353,80 +6456,8 @@
         </p:blipFill>
         <p:spPr>
           <a:xfrm>
-            <a:off x="457199" y="673100"/>
-            <a:ext cx="5511227" cy="2971800"/>
-          </a:xfrm>
-          <a:prstGeom prst="rect">
-            <a:avLst/>
-          </a:prstGeom>
-        </p:spPr>
-      </p:pic>
-      <p:pic>
-        <p:nvPicPr>
-          <p:cNvPr id="4" name="Picture 3"/>
-          <p:cNvPicPr>
-            <a:picLocks noChangeAspect="1"/>
-          </p:cNvPicPr>
-          <p:nvPr/>
-        </p:nvPicPr>
-        <p:blipFill>
-          <a:blip r:embed="rId3"/>
-          <a:stretch>
-            <a:fillRect/>
-          </a:stretch>
-        </p:blipFill>
-        <p:spPr>
-          <a:xfrm>
-            <a:off x="6248399" y="673100"/>
-            <a:ext cx="5432425" cy="2878106"/>
-          </a:xfrm>
-          <a:prstGeom prst="rect">
-            <a:avLst/>
-          </a:prstGeom>
-        </p:spPr>
-      </p:pic>
-      <p:pic>
-        <p:nvPicPr>
-          <p:cNvPr id="5" name="Picture 4"/>
-          <p:cNvPicPr>
-            <a:picLocks noChangeAspect="1"/>
-          </p:cNvPicPr>
-          <p:nvPr/>
-        </p:nvPicPr>
-        <p:blipFill>
-          <a:blip r:embed="rId4"/>
-          <a:stretch>
-            <a:fillRect/>
-          </a:stretch>
-        </p:blipFill>
-        <p:spPr>
-          <a:xfrm>
-            <a:off x="420469" y="3822700"/>
-            <a:ext cx="5557768" cy="2931906"/>
-          </a:xfrm>
-          <a:prstGeom prst="rect">
-            <a:avLst/>
-          </a:prstGeom>
-        </p:spPr>
-      </p:pic>
-      <p:pic>
-        <p:nvPicPr>
-          <p:cNvPr id="6" name="Picture 5"/>
-          <p:cNvPicPr>
-            <a:picLocks noChangeAspect="1"/>
-          </p:cNvPicPr>
-          <p:nvPr/>
-        </p:nvPicPr>
-        <p:blipFill>
-          <a:blip r:embed="rId5"/>
-          <a:stretch>
-            <a:fillRect/>
-          </a:stretch>
-        </p:blipFill>
-        <p:spPr>
-          <a:xfrm>
-            <a:off x="6248398" y="3822700"/>
-            <a:ext cx="5432425" cy="2894871"/>
+            <a:off x="276712" y="1326296"/>
+            <a:ext cx="11345246" cy="4464904"/>
           </a:xfrm>
           <a:prstGeom prst="rect">
             <a:avLst/>
@@ -6436,7 +6467,7 @@
     </p:spTree>
     <p:extLst>
       <p:ext uri="{BB962C8B-B14F-4D97-AF65-F5344CB8AC3E}">
-        <p14:creationId xmlns:p14="http://schemas.microsoft.com/office/powerpoint/2010/main" val="917617399"/>
+        <p14:creationId xmlns:p14="http://schemas.microsoft.com/office/powerpoint/2010/main" val="98876993"/>
       </p:ext>
     </p:extLst>
   </p:cSld>
@@ -6492,16 +6523,12 @@
           </a:p>
           <a:p>
             <a:r>
-              <a:rPr lang="en-US" sz="4400" b="1" dirty="0"/>
+              <a:rPr lang="en-US" sz="4400" dirty="0"/>
               <a:t>M</a:t>
             </a:r>
             <a:r>
-              <a:rPr lang="en-US" sz="4400" b="1" dirty="0" smtClean="0"/>
-              <a:t>itigating</a:t>
-            </a:r>
-            <a:r>
               <a:rPr lang="en-US" sz="4400" dirty="0" smtClean="0"/>
-              <a:t> against this high rate of losses formed the basis of my research dream on “</a:t>
+              <a:t>itigating against this high rate of losses formed the basis of my research dream on “</a:t>
             </a:r>
             <a:r>
               <a:rPr lang="en-US" sz="4400" b="1" dirty="0" smtClean="0"/>
@@ -6598,8 +6625,8 @@
         </p:nvSpPr>
         <p:spPr>
           <a:xfrm>
-            <a:off x="1549952" y="-3865"/>
-            <a:ext cx="8680174" cy="830997"/>
+            <a:off x="609599" y="-92765"/>
+            <a:ext cx="10174287" cy="830997"/>
           </a:xfrm>
           <a:prstGeom prst="rect">
             <a:avLst/>
@@ -6617,7 +6644,7 @@
               <a:rPr lang="en-US" sz="4800" dirty="0" smtClean="0">
                 <a:latin typeface="Bahnschrift Light" panose="020B0502040204020203" pitchFamily="34" charset="0"/>
               </a:rPr>
-              <a:t>Result</a:t>
+              <a:t>Visualization (85% - 15%)</a:t>
             </a:r>
             <a:endParaRPr lang="en-US" sz="4800" dirty="0">
               <a:latin typeface="Bahnschrift Light" panose="020B0502040204020203" pitchFamily="34" charset="0"/>
@@ -6625,100 +6652,106 @@
           </a:p>
         </p:txBody>
       </p:sp>
-      <p:sp>
-        <p:nvSpPr>
-          <p:cNvPr id="3" name="TextBox 2"/>
-          <p:cNvSpPr txBox="1"/>
+      <p:pic>
+        <p:nvPicPr>
+          <p:cNvPr id="3" name="Picture 2"/>
+          <p:cNvPicPr>
+            <a:picLocks noChangeAspect="1"/>
+          </p:cNvPicPr>
           <p:nvPr/>
-        </p:nvSpPr>
+        </p:nvPicPr>
+        <p:blipFill>
+          <a:blip r:embed="rId2"/>
+          <a:stretch>
+            <a:fillRect/>
+          </a:stretch>
+        </p:blipFill>
         <p:spPr>
           <a:xfrm>
-            <a:off x="909429" y="725557"/>
-            <a:ext cx="10257183" cy="6001643"/>
+            <a:off x="6217409" y="738231"/>
+            <a:ext cx="5268576" cy="2779669"/>
           </a:xfrm>
           <a:prstGeom prst="rect">
             <a:avLst/>
           </a:prstGeom>
-          <a:noFill/>
         </p:spPr>
-        <p:txBody>
-          <a:bodyPr wrap="square" rtlCol="0">
-            <a:spAutoFit/>
-          </a:bodyPr>
-          <a:lstStyle/>
-          <a:p>
-            <a:pPr algn="ctr"/>
-            <a:r>
-              <a:rPr lang="en-US" sz="3200" dirty="0" smtClean="0"/>
-              <a:t>From the above analysis, on reviewing the MAE and MSE, and RMSE values from all the models considered, it is apparently clear that “</a:t>
-            </a:r>
-            <a:r>
-              <a:rPr lang="en-US" sz="3200" b="1" dirty="0" smtClean="0"/>
-              <a:t>Linear Regression</a:t>
-            </a:r>
-            <a:r>
-              <a:rPr lang="en-US" sz="3200" dirty="0" smtClean="0"/>
-              <a:t>”, “</a:t>
-            </a:r>
-            <a:r>
-              <a:rPr lang="en-US" sz="3200" b="1" dirty="0" smtClean="0"/>
-              <a:t>Random Forest Regressor (RFR)</a:t>
-            </a:r>
-            <a:r>
-              <a:rPr lang="en-US" sz="3200" dirty="0" smtClean="0"/>
-              <a:t>” and “</a:t>
-            </a:r>
-            <a:r>
-              <a:rPr lang="en-US" sz="3200" b="1" dirty="0" smtClean="0"/>
-              <a:t>Ridge Regression</a:t>
-            </a:r>
-            <a:r>
-              <a:rPr lang="en-US" sz="3200" dirty="0" smtClean="0"/>
-              <a:t>” displayed wonderful results. However, I will be relying </a:t>
-            </a:r>
-            <a:r>
-              <a:rPr lang="en-US" sz="3200" dirty="0"/>
-              <a:t>more on “</a:t>
-            </a:r>
-            <a:r>
-              <a:rPr lang="en-US" sz="3200" b="1" dirty="0"/>
-              <a:t>Random Forest Regressor (RFR)</a:t>
-            </a:r>
-            <a:r>
-              <a:rPr lang="en-US" sz="3200" dirty="0"/>
-              <a:t>” </a:t>
-            </a:r>
-            <a:r>
-              <a:rPr lang="en-US" sz="3200" dirty="0" smtClean="0"/>
-              <a:t>due to its robustness about accepting as many features as I wish.</a:t>
-            </a:r>
-          </a:p>
-          <a:p>
-            <a:pPr algn="ctr"/>
-            <a:endParaRPr lang="en-US" sz="3200" dirty="0"/>
-          </a:p>
-          <a:p>
-            <a:pPr algn="ctr"/>
-            <a:r>
-              <a:rPr lang="en-US" sz="3200" dirty="0" smtClean="0"/>
-              <a:t>RFR model is exposed to un-exhaustible features. This makes is possible to incorporate lots of Indicators which of course is the bedrock of Technical (</a:t>
-            </a:r>
-            <a:r>
-              <a:rPr lang="en-US" sz="3200" i="1" dirty="0" smtClean="0"/>
-              <a:t>Non-Fundamental</a:t>
-            </a:r>
-            <a:r>
-              <a:rPr lang="en-US" sz="3200" dirty="0" smtClean="0"/>
-              <a:t>) analysis in predicting Forex trends.</a:t>
-            </a:r>
-            <a:endParaRPr lang="en-US" sz="3200" dirty="0"/>
-          </a:p>
-        </p:txBody>
-      </p:sp>
+      </p:pic>
+      <p:pic>
+        <p:nvPicPr>
+          <p:cNvPr id="4" name="Picture 3"/>
+          <p:cNvPicPr>
+            <a:picLocks noChangeAspect="1"/>
+          </p:cNvPicPr>
+          <p:nvPr/>
+        </p:nvPicPr>
+        <p:blipFill>
+          <a:blip r:embed="rId3"/>
+          <a:stretch>
+            <a:fillRect/>
+          </a:stretch>
+        </p:blipFill>
+        <p:spPr>
+          <a:xfrm>
+            <a:off x="403804" y="738232"/>
+            <a:ext cx="5280205" cy="2779668"/>
+          </a:xfrm>
+          <a:prstGeom prst="rect">
+            <a:avLst/>
+          </a:prstGeom>
+        </p:spPr>
+      </p:pic>
+      <p:pic>
+        <p:nvPicPr>
+          <p:cNvPr id="5" name="Picture 4"/>
+          <p:cNvPicPr>
+            <a:picLocks noChangeAspect="1"/>
+          </p:cNvPicPr>
+          <p:nvPr/>
+        </p:nvPicPr>
+        <p:blipFill>
+          <a:blip r:embed="rId4"/>
+          <a:stretch>
+            <a:fillRect/>
+          </a:stretch>
+        </p:blipFill>
+        <p:spPr>
+          <a:xfrm>
+            <a:off x="409818" y="3779142"/>
+            <a:ext cx="5274191" cy="2791193"/>
+          </a:xfrm>
+          <a:prstGeom prst="rect">
+            <a:avLst/>
+          </a:prstGeom>
+        </p:spPr>
+      </p:pic>
+      <p:pic>
+        <p:nvPicPr>
+          <p:cNvPr id="6" name="Picture 5"/>
+          <p:cNvPicPr>
+            <a:picLocks noChangeAspect="1"/>
+          </p:cNvPicPr>
+          <p:nvPr/>
+        </p:nvPicPr>
+        <p:blipFill>
+          <a:blip r:embed="rId5"/>
+          <a:stretch>
+            <a:fillRect/>
+          </a:stretch>
+        </p:blipFill>
+        <p:spPr>
+          <a:xfrm>
+            <a:off x="6217408" y="3779141"/>
+            <a:ext cx="5269031" cy="2791193"/>
+          </a:xfrm>
+          <a:prstGeom prst="rect">
+            <a:avLst/>
+          </a:prstGeom>
+        </p:spPr>
+      </p:pic>
     </p:spTree>
     <p:extLst>
       <p:ext uri="{BB962C8B-B14F-4D97-AF65-F5344CB8AC3E}">
-        <p14:creationId xmlns:p14="http://schemas.microsoft.com/office/powerpoint/2010/main" val="375198924"/>
+        <p14:creationId xmlns:p14="http://schemas.microsoft.com/office/powerpoint/2010/main" val="917617399"/>
       </p:ext>
     </p:extLst>
   </p:cSld>
@@ -6753,8 +6786,8 @@
         </p:nvSpPr>
         <p:spPr>
           <a:xfrm>
-            <a:off x="1549952" y="-16565"/>
-            <a:ext cx="8680174" cy="830997"/>
+            <a:off x="609599" y="-92765"/>
+            <a:ext cx="10174287" cy="830997"/>
           </a:xfrm>
           <a:prstGeom prst="rect">
             <a:avLst/>
@@ -6772,7 +6805,7 @@
               <a:rPr lang="en-US" sz="4800" dirty="0" smtClean="0">
                 <a:latin typeface="Bahnschrift Light" panose="020B0502040204020203" pitchFamily="34" charset="0"/>
               </a:rPr>
-              <a:t>Raw data from YFinance</a:t>
+              <a:t>Visualization (85% - 15%)</a:t>
             </a:r>
             <a:endParaRPr lang="en-US" sz="4800" dirty="0">
               <a:latin typeface="Bahnschrift Light" panose="020B0502040204020203" pitchFamily="34" charset="0"/>
@@ -6782,7 +6815,7 @@
       </p:sp>
       <p:pic>
         <p:nvPicPr>
-          <p:cNvPr id="4" name="Picture 3"/>
+          <p:cNvPr id="18" name="Picture 17"/>
           <p:cNvPicPr>
             <a:picLocks noChangeAspect="1"/>
           </p:cNvPicPr>
@@ -6796,8 +6829,80 @@
         </p:blipFill>
         <p:spPr>
           <a:xfrm>
-            <a:off x="1309687" y="814431"/>
-            <a:ext cx="8920439" cy="5691641"/>
+            <a:off x="319999" y="684861"/>
+            <a:ext cx="5364011" cy="2870373"/>
+          </a:xfrm>
+          <a:prstGeom prst="rect">
+            <a:avLst/>
+          </a:prstGeom>
+        </p:spPr>
+      </p:pic>
+      <p:pic>
+        <p:nvPicPr>
+          <p:cNvPr id="3" name="Picture 2"/>
+          <p:cNvPicPr>
+            <a:picLocks noChangeAspect="1"/>
+          </p:cNvPicPr>
+          <p:nvPr/>
+        </p:nvPicPr>
+        <p:blipFill>
+          <a:blip r:embed="rId3"/>
+          <a:stretch>
+            <a:fillRect/>
+          </a:stretch>
+        </p:blipFill>
+        <p:spPr>
+          <a:xfrm>
+            <a:off x="6150979" y="729706"/>
+            <a:ext cx="5374031" cy="2854208"/>
+          </a:xfrm>
+          <a:prstGeom prst="rect">
+            <a:avLst/>
+          </a:prstGeom>
+        </p:spPr>
+      </p:pic>
+      <p:pic>
+        <p:nvPicPr>
+          <p:cNvPr id="4" name="Picture 3"/>
+          <p:cNvPicPr>
+            <a:picLocks noChangeAspect="1"/>
+          </p:cNvPicPr>
+          <p:nvPr/>
+        </p:nvPicPr>
+        <p:blipFill>
+          <a:blip r:embed="rId4"/>
+          <a:stretch>
+            <a:fillRect/>
+          </a:stretch>
+        </p:blipFill>
+        <p:spPr>
+          <a:xfrm>
+            <a:off x="319999" y="3692597"/>
+            <a:ext cx="5379210" cy="2852701"/>
+          </a:xfrm>
+          <a:prstGeom prst="rect">
+            <a:avLst/>
+          </a:prstGeom>
+        </p:spPr>
+      </p:pic>
+      <p:pic>
+        <p:nvPicPr>
+          <p:cNvPr id="5" name="Picture 4"/>
+          <p:cNvPicPr>
+            <a:picLocks noChangeAspect="1"/>
+          </p:cNvPicPr>
+          <p:nvPr/>
+        </p:nvPicPr>
+        <p:blipFill>
+          <a:blip r:embed="rId5"/>
+          <a:stretch>
+            <a:fillRect/>
+          </a:stretch>
+        </p:blipFill>
+        <p:spPr>
+          <a:xfrm>
+            <a:off x="6152424" y="3692596"/>
+            <a:ext cx="5372587" cy="2852701"/>
           </a:xfrm>
           <a:prstGeom prst="rect">
             <a:avLst/>
@@ -6807,7 +6912,7 @@
     </p:spTree>
     <p:extLst>
       <p:ext uri="{BB962C8B-B14F-4D97-AF65-F5344CB8AC3E}">
-        <p14:creationId xmlns:p14="http://schemas.microsoft.com/office/powerpoint/2010/main" val="54420954"/>
+        <p14:creationId xmlns:p14="http://schemas.microsoft.com/office/powerpoint/2010/main" val="3252056857"/>
       </p:ext>
     </p:extLst>
   </p:cSld>
@@ -6842,8 +6947,8 @@
         </p:nvSpPr>
         <p:spPr>
           <a:xfrm>
-            <a:off x="495300" y="-16565"/>
-            <a:ext cx="11150600" cy="830997"/>
+            <a:off x="1549952" y="-3865"/>
+            <a:ext cx="8680174" cy="830997"/>
           </a:xfrm>
           <a:prstGeom prst="rect">
             <a:avLst/>
@@ -6861,13 +6966,7 @@
               <a:rPr lang="en-US" sz="4800" dirty="0" smtClean="0">
                 <a:latin typeface="Bahnschrift Light" panose="020B0502040204020203" pitchFamily="34" charset="0"/>
               </a:rPr>
-              <a:t>Raw data </a:t>
-            </a:r>
-            <a:r>
-              <a:rPr lang="en-US" sz="4800" dirty="0" smtClean="0">
-                <a:latin typeface="Bahnschrift Light" panose="020B0502040204020203" pitchFamily="34" charset="0"/>
-              </a:rPr>
-              <a:t>from Tick Data Suite (TDS) </a:t>
+              <a:t>Result</a:t>
             </a:r>
             <a:endParaRPr lang="en-US" sz="4800" dirty="0">
               <a:latin typeface="Bahnschrift Light" panose="020B0502040204020203" pitchFamily="34" charset="0"/>
@@ -6875,34 +6974,100 @@
           </a:p>
         </p:txBody>
       </p:sp>
-      <p:pic>
-        <p:nvPicPr>
-          <p:cNvPr id="3" name="Picture 2"/>
-          <p:cNvPicPr>
-            <a:picLocks noChangeAspect="1"/>
-          </p:cNvPicPr>
+      <p:sp>
+        <p:nvSpPr>
+          <p:cNvPr id="3" name="TextBox 2"/>
+          <p:cNvSpPr txBox="1"/>
           <p:nvPr/>
-        </p:nvPicPr>
-        <p:blipFill>
-          <a:blip r:embed="rId2"/>
-          <a:stretch>
-            <a:fillRect/>
-          </a:stretch>
-        </p:blipFill>
+        </p:nvSpPr>
         <p:spPr>
           <a:xfrm>
-            <a:off x="1327150" y="763632"/>
-            <a:ext cx="9175750" cy="5860950"/>
+            <a:off x="909429" y="725557"/>
+            <a:ext cx="10257183" cy="6001643"/>
           </a:xfrm>
           <a:prstGeom prst="rect">
             <a:avLst/>
           </a:prstGeom>
+          <a:noFill/>
         </p:spPr>
-      </p:pic>
+        <p:txBody>
+          <a:bodyPr wrap="square" rtlCol="0">
+            <a:spAutoFit/>
+          </a:bodyPr>
+          <a:lstStyle/>
+          <a:p>
+            <a:pPr algn="ctr"/>
+            <a:r>
+              <a:rPr lang="en-US" sz="3200" dirty="0" smtClean="0"/>
+              <a:t>From the above analysis, on reviewing the MAE and MSE, and RMSE values from all the models considered, it is apparently clear that “</a:t>
+            </a:r>
+            <a:r>
+              <a:rPr lang="en-US" sz="3200" b="1" dirty="0" smtClean="0"/>
+              <a:t>Linear Regression</a:t>
+            </a:r>
+            <a:r>
+              <a:rPr lang="en-US" sz="3200" dirty="0" smtClean="0"/>
+              <a:t>”, “</a:t>
+            </a:r>
+            <a:r>
+              <a:rPr lang="en-US" sz="3200" b="1" dirty="0" smtClean="0"/>
+              <a:t>Random Forest Regressor (RFR)</a:t>
+            </a:r>
+            <a:r>
+              <a:rPr lang="en-US" sz="3200" dirty="0" smtClean="0"/>
+              <a:t>” and “</a:t>
+            </a:r>
+            <a:r>
+              <a:rPr lang="en-US" sz="3200" b="1" dirty="0" smtClean="0"/>
+              <a:t>Ridge Regression</a:t>
+            </a:r>
+            <a:r>
+              <a:rPr lang="en-US" sz="3200" dirty="0" smtClean="0"/>
+              <a:t>” displayed wonderful results. However, I will be relying </a:t>
+            </a:r>
+            <a:r>
+              <a:rPr lang="en-US" sz="3200" dirty="0"/>
+              <a:t>more on “</a:t>
+            </a:r>
+            <a:r>
+              <a:rPr lang="en-US" sz="3200" b="1" dirty="0"/>
+              <a:t>Random Forest Regressor (RFR)</a:t>
+            </a:r>
+            <a:r>
+              <a:rPr lang="en-US" sz="3200" dirty="0"/>
+              <a:t>” </a:t>
+            </a:r>
+            <a:r>
+              <a:rPr lang="en-US" sz="3200" dirty="0" smtClean="0"/>
+              <a:t>due to its robustness about accepting as many features as I wish.</a:t>
+            </a:r>
+          </a:p>
+          <a:p>
+            <a:pPr algn="ctr"/>
+            <a:endParaRPr lang="en-US" sz="3200" dirty="0"/>
+          </a:p>
+          <a:p>
+            <a:pPr algn="ctr"/>
+            <a:r>
+              <a:rPr lang="en-US" sz="3200" dirty="0" smtClean="0"/>
+              <a:t>RFR model is exposed to un-exhaustible features. This makes is possible to incorporate lots of Indicators which of course is the bedrock of Technical (</a:t>
+            </a:r>
+            <a:r>
+              <a:rPr lang="en-US" sz="3200" i="1" dirty="0" smtClean="0"/>
+              <a:t>Non-Fundamental</a:t>
+            </a:r>
+            <a:r>
+              <a:rPr lang="en-US" sz="3200" dirty="0" smtClean="0"/>
+              <a:t>) analysis in predicting Forex trends.</a:t>
+            </a:r>
+            <a:endParaRPr lang="en-US" sz="3200" dirty="0"/>
+          </a:p>
+        </p:txBody>
+      </p:sp>
     </p:spTree>
     <p:extLst>
       <p:ext uri="{BB962C8B-B14F-4D97-AF65-F5344CB8AC3E}">
-        <p14:creationId xmlns:p14="http://schemas.microsoft.com/office/powerpoint/2010/main" val="129645341"/>
+        <p14:creationId xmlns:p14="http://schemas.microsoft.com/office/powerpoint/2010/main" val="375198924"/>
       </p:ext>
     </p:extLst>
   </p:cSld>
@@ -6937,8 +7102,8 @@
         </p:nvSpPr>
         <p:spPr>
           <a:xfrm>
-            <a:off x="622852" y="275535"/>
-            <a:ext cx="10527748" cy="830997"/>
+            <a:off x="1549952" y="-16565"/>
+            <a:ext cx="8680174" cy="830997"/>
           </a:xfrm>
           <a:prstGeom prst="rect">
             <a:avLst/>
@@ -6953,72 +7118,51 @@
           <a:p>
             <a:pPr algn="ctr"/>
             <a:r>
-              <a:rPr lang="en-US" sz="4800" dirty="0">
+              <a:rPr lang="en-US" sz="4800" dirty="0" smtClean="0">
                 <a:latin typeface="Bahnschrift Light" panose="020B0502040204020203" pitchFamily="34" charset="0"/>
               </a:rPr>
-              <a:t>Random Forest Regressor (RFR)</a:t>
-            </a:r>
-          </a:p>
-        </p:txBody>
-      </p:sp>
-      <p:sp>
-        <p:nvSpPr>
-          <p:cNvPr id="3" name="TextBox 2"/>
-          <p:cNvSpPr txBox="1"/>
+              <a:t>Raw data from </a:t>
+            </a:r>
+            <a:r>
+              <a:rPr lang="en-US" sz="4800" dirty="0" smtClean="0">
+                <a:latin typeface="Bahnschrift Light" panose="020B0502040204020203" pitchFamily="34" charset="0"/>
+              </a:rPr>
+              <a:t>TDS</a:t>
+            </a:r>
+            <a:endParaRPr lang="en-US" sz="4800" dirty="0">
+              <a:latin typeface="Bahnschrift Light" panose="020B0502040204020203" pitchFamily="34" charset="0"/>
+            </a:endParaRPr>
+          </a:p>
+        </p:txBody>
+      </p:sp>
+      <p:pic>
+        <p:nvPicPr>
+          <p:cNvPr id="4" name="Picture 3"/>
+          <p:cNvPicPr>
+            <a:picLocks noChangeAspect="1"/>
+          </p:cNvPicPr>
           <p:nvPr/>
-        </p:nvSpPr>
+        </p:nvPicPr>
+        <p:blipFill>
+          <a:blip r:embed="rId2"/>
+          <a:stretch>
+            <a:fillRect/>
+          </a:stretch>
+        </p:blipFill>
         <p:spPr>
           <a:xfrm>
-            <a:off x="622852" y="1320800"/>
-            <a:ext cx="10718248" cy="5016758"/>
+            <a:off x="1309687" y="827131"/>
+            <a:ext cx="8920439" cy="5691641"/>
           </a:xfrm>
           <a:prstGeom prst="rect">
             <a:avLst/>
           </a:prstGeom>
-          <a:noFill/>
         </p:spPr>
-        <p:txBody>
-          <a:bodyPr wrap="square" rtlCol="0">
-            <a:spAutoFit/>
-          </a:bodyPr>
-          <a:lstStyle/>
-          <a:p>
-            <a:pPr algn="just"/>
-            <a:r>
-              <a:rPr lang="en-US" sz="3200" dirty="0"/>
-              <a:t>Random Forest Regressor (RFR) is a supervised learning algorithm belonging to the ensemble learning family, specifically the random forest method, used for regression tasks. It's an extension of the Random Forest algorithm for classification</a:t>
-            </a:r>
-            <a:r>
-              <a:rPr lang="en-US" sz="3200" dirty="0" smtClean="0"/>
-              <a:t>.</a:t>
-            </a:r>
-          </a:p>
-          <a:p>
-            <a:pPr algn="just"/>
-            <a:r>
-              <a:rPr lang="en-US" sz="3200" dirty="0"/>
-              <a:t>Random Forest Regressor is known for its robustness, scalability, and ability to handle </a:t>
-            </a:r>
-            <a:r>
-              <a:rPr lang="en-US" sz="3200" b="1" i="1" dirty="0"/>
-              <a:t>high-dimensional data with a large number of features</a:t>
-            </a:r>
-            <a:r>
-              <a:rPr lang="en-US" sz="3200" dirty="0"/>
-              <a:t>. It often performs well across a wide range of regression problems and is less prone to overfitting compared to individual decision trees</a:t>
-            </a:r>
-            <a:r>
-              <a:rPr lang="en-US" sz="3200" dirty="0" smtClean="0"/>
-              <a:t>.</a:t>
-            </a:r>
-            <a:endParaRPr lang="en-US" dirty="0"/>
-          </a:p>
-        </p:txBody>
-      </p:sp>
+      </p:pic>
     </p:spTree>
     <p:extLst>
       <p:ext uri="{BB962C8B-B14F-4D97-AF65-F5344CB8AC3E}">
-        <p14:creationId xmlns:p14="http://schemas.microsoft.com/office/powerpoint/2010/main" val="4247388192"/>
+        <p14:creationId xmlns:p14="http://schemas.microsoft.com/office/powerpoint/2010/main" val="54420954"/>
       </p:ext>
     </p:extLst>
   </p:cSld>
@@ -7053,8 +7197,8 @@
         </p:nvSpPr>
         <p:spPr>
           <a:xfrm>
-            <a:off x="1308100" y="88900"/>
-            <a:ext cx="9271000" cy="707886"/>
+            <a:off x="1549952" y="-16565"/>
+            <a:ext cx="8680174" cy="830997"/>
           </a:xfrm>
           <a:prstGeom prst="rect">
             <a:avLst/>
@@ -7069,104 +7213,75 @@
           <a:p>
             <a:pPr algn="ctr"/>
             <a:r>
-              <a:rPr lang="en-US" sz="4000" dirty="0" smtClean="0">
+              <a:rPr lang="en-US" sz="4800" dirty="0" smtClean="0">
                 <a:latin typeface="Bahnschrift Light" panose="020B0502040204020203" pitchFamily="34" charset="0"/>
               </a:rPr>
-              <a:t>…Flexibility and Robustness of RFR</a:t>
-            </a:r>
-            <a:endParaRPr lang="en-US" sz="4400" dirty="0">
+              <a:t>Raw data from Investing.Com</a:t>
+            </a:r>
+            <a:endParaRPr lang="en-US" sz="4800" dirty="0">
               <a:latin typeface="Bahnschrift Light" panose="020B0502040204020203" pitchFamily="34" charset="0"/>
             </a:endParaRPr>
           </a:p>
         </p:txBody>
       </p:sp>
-      <p:sp>
-        <p:nvSpPr>
-          <p:cNvPr id="3" name="TextBox 2"/>
-          <p:cNvSpPr txBox="1"/>
+      <p:pic>
+        <p:nvPicPr>
+          <p:cNvPr id="4" name="Picture 3"/>
+          <p:cNvPicPr>
+            <a:picLocks noChangeAspect="1"/>
+          </p:cNvPicPr>
           <p:nvPr/>
-        </p:nvSpPr>
+        </p:nvPicPr>
+        <p:blipFill>
+          <a:blip r:embed="rId2"/>
+          <a:stretch>
+            <a:fillRect/>
+          </a:stretch>
+        </p:blipFill>
         <p:spPr>
           <a:xfrm>
-            <a:off x="901700" y="939800"/>
-            <a:ext cx="10185400" cy="5016758"/>
+            <a:off x="1212850" y="814432"/>
+            <a:ext cx="8909050" cy="5680109"/>
           </a:xfrm>
           <a:prstGeom prst="rect">
             <a:avLst/>
           </a:prstGeom>
-          <a:noFill/>
         </p:spPr>
-        <p:txBody>
-          <a:bodyPr wrap="square" rtlCol="0">
-            <a:spAutoFit/>
-          </a:bodyPr>
-          <a:lstStyle/>
-          <a:p>
-            <a:r>
-              <a:rPr lang="en-US" sz="3200" dirty="0"/>
-              <a:t>This model offered me the opportunity of adding as many features as I can in order to improve on my Predictions.</a:t>
-            </a:r>
-          </a:p>
-          <a:p>
-            <a:r>
-              <a:rPr lang="en-US" sz="3200" dirty="0"/>
-              <a:t>Here I employed the standard indicators </a:t>
-            </a:r>
-            <a:r>
-              <a:rPr lang="en-US" sz="3200" dirty="0" smtClean="0"/>
-              <a:t>like:</a:t>
-            </a:r>
-          </a:p>
-          <a:p>
-            <a:r>
-              <a:rPr lang="en-US" sz="3200" dirty="0"/>
-              <a:t>RSI (Relative Strength </a:t>
-            </a:r>
-            <a:r>
-              <a:rPr lang="en-US" sz="3200" dirty="0" smtClean="0"/>
-              <a:t>Index)</a:t>
-            </a:r>
-          </a:p>
-          <a:p>
-            <a:r>
-              <a:rPr lang="en-US" sz="3200" dirty="0"/>
-              <a:t>SMA (Simple Moving Average)</a:t>
-            </a:r>
-            <a:endParaRPr lang="en-US" sz="3200" dirty="0" smtClean="0"/>
-          </a:p>
-          <a:p>
-            <a:r>
-              <a:rPr lang="en-US" sz="3200" dirty="0"/>
-              <a:t>EMA (Exponential Moving Average)</a:t>
-            </a:r>
-            <a:endParaRPr lang="en-US" sz="3200" dirty="0" smtClean="0"/>
-          </a:p>
-          <a:p>
-            <a:r>
-              <a:rPr lang="en-US" sz="3200" dirty="0"/>
-              <a:t>MACD (Moving Average Convergence/Divergence</a:t>
-            </a:r>
-            <a:r>
-              <a:rPr lang="en-US" sz="3200" dirty="0" smtClean="0"/>
-              <a:t>)</a:t>
-            </a:r>
-          </a:p>
-          <a:p>
-            <a:endParaRPr lang="en-US" sz="3200" dirty="0"/>
-          </a:p>
-          <a:p>
-            <a:r>
-              <a:rPr lang="en-US" sz="3200" dirty="0" smtClean="0"/>
-              <a:t>I can add as many more indicators in order to strengthen the quality of my predictions.</a:t>
-            </a:r>
-            <a:endParaRPr lang="en-US" sz="3200" dirty="0"/>
-          </a:p>
-        </p:txBody>
-      </p:sp>
+      </p:pic>
+      <p:cxnSp>
+        <p:nvCxnSpPr>
+          <p:cNvPr id="5" name="Straight Connector 4"/>
+          <p:cNvCxnSpPr/>
+          <p:nvPr/>
+        </p:nvCxnSpPr>
+        <p:spPr>
+          <a:xfrm>
+            <a:off x="5791200" y="1130300"/>
+            <a:ext cx="127000" cy="4864100"/>
+          </a:xfrm>
+          <a:prstGeom prst="line">
+            <a:avLst/>
+          </a:prstGeom>
+        </p:spPr>
+        <p:style>
+          <a:lnRef idx="1">
+            <a:schemeClr val="accent1"/>
+          </a:lnRef>
+          <a:fillRef idx="0">
+            <a:schemeClr val="accent1"/>
+          </a:fillRef>
+          <a:effectRef idx="0">
+            <a:schemeClr val="accent1"/>
+          </a:effectRef>
+          <a:fontRef idx="minor">
+            <a:schemeClr val="tx1"/>
+          </a:fontRef>
+        </p:style>
+      </p:cxnSp>
     </p:spTree>
     <p:extLst>
       <p:ext uri="{BB962C8B-B14F-4D97-AF65-F5344CB8AC3E}">
-        <p14:creationId xmlns:p14="http://schemas.microsoft.com/office/powerpoint/2010/main" val="3814462460"/>
+        <p14:creationId xmlns:p14="http://schemas.microsoft.com/office/powerpoint/2010/main" val="129645341"/>
       </p:ext>
     </p:extLst>
   </p:cSld>
@@ -7201,8 +7316,8 @@
         </p:nvSpPr>
         <p:spPr>
           <a:xfrm>
-            <a:off x="1308100" y="88900"/>
-            <a:ext cx="9271000" cy="707886"/>
+            <a:off x="622852" y="275535"/>
+            <a:ext cx="10527748" cy="830997"/>
           </a:xfrm>
           <a:prstGeom prst="rect">
             <a:avLst/>
@@ -7217,42 +7332,72 @@
           <a:p>
             <a:pPr algn="ctr"/>
             <a:r>
-              <a:rPr lang="en-US" sz="4000" dirty="0" smtClean="0">
+              <a:rPr lang="en-US" sz="4800" dirty="0">
                 <a:latin typeface="Bahnschrift Light" panose="020B0502040204020203" pitchFamily="34" charset="0"/>
               </a:rPr>
-              <a:t>My Codes </a:t>
-            </a:r>
-            <a:r>
-              <a:rPr lang="en-US" sz="2400" dirty="0" smtClean="0">
-                <a:latin typeface="Bahnschrift Light" panose="020B0502040204020203" pitchFamily="34" charset="0"/>
-              </a:rPr>
-              <a:t>(</a:t>
-            </a:r>
-            <a:r>
-              <a:rPr lang="en-US" sz="2400" i="1" dirty="0" smtClean="0">
-                <a:solidFill>
-                  <a:srgbClr val="0070C0"/>
-                </a:solidFill>
-                <a:latin typeface="Bahnschrift Light" panose="020B0502040204020203" pitchFamily="34" charset="0"/>
-              </a:rPr>
-              <a:t>Interesting Parts</a:t>
-            </a:r>
-            <a:r>
-              <a:rPr lang="en-US" sz="2400" dirty="0" smtClean="0">
-                <a:latin typeface="Bahnschrift Light" panose="020B0502040204020203" pitchFamily="34" charset="0"/>
-              </a:rPr>
-              <a:t>)</a:t>
-            </a:r>
-            <a:endParaRPr lang="en-US" sz="5400" dirty="0">
-              <a:latin typeface="Bahnschrift Light" panose="020B0502040204020203" pitchFamily="34" charset="0"/>
-            </a:endParaRPr>
+              <a:t>Random Forest Regressor (RFR)</a:t>
+            </a:r>
+          </a:p>
+        </p:txBody>
+      </p:sp>
+      <p:sp>
+        <p:nvSpPr>
+          <p:cNvPr id="3" name="TextBox 2"/>
+          <p:cNvSpPr txBox="1"/>
+          <p:nvPr/>
+        </p:nvSpPr>
+        <p:spPr>
+          <a:xfrm>
+            <a:off x="622852" y="1320800"/>
+            <a:ext cx="10718248" cy="5016758"/>
+          </a:xfrm>
+          <a:prstGeom prst="rect">
+            <a:avLst/>
+          </a:prstGeom>
+          <a:noFill/>
+        </p:spPr>
+        <p:txBody>
+          <a:bodyPr wrap="square" rtlCol="0">
+            <a:spAutoFit/>
+          </a:bodyPr>
+          <a:lstStyle/>
+          <a:p>
+            <a:pPr algn="just"/>
+            <a:r>
+              <a:rPr lang="en-US" sz="3200" dirty="0"/>
+              <a:t>Random Forest Regressor (RFR) is a supervised learning algorithm belonging to the ensemble learning family, specifically the random forest method, used for regression tasks. It's an extension of the Random Forest algorithm for classification</a:t>
+            </a:r>
+            <a:r>
+              <a:rPr lang="en-US" sz="3200" dirty="0" smtClean="0"/>
+              <a:t>.</a:t>
+            </a:r>
+          </a:p>
+          <a:p>
+            <a:pPr algn="just"/>
+            <a:r>
+              <a:rPr lang="en-US" sz="3200" dirty="0"/>
+              <a:t>Random Forest Regressor is known for its robustness, scalability, and ability to handle </a:t>
+            </a:r>
+            <a:r>
+              <a:rPr lang="en-US" sz="3200" b="1" i="1" dirty="0"/>
+              <a:t>high-dimensional data with a large number of features</a:t>
+            </a:r>
+            <a:r>
+              <a:rPr lang="en-US" sz="3200" dirty="0"/>
+              <a:t>. It often performs well across a wide range of regression problems and is less prone to overfitting compared to individual decision trees</a:t>
+            </a:r>
+            <a:r>
+              <a:rPr lang="en-US" sz="3200" dirty="0" smtClean="0"/>
+              <a:t>.</a:t>
+            </a:r>
+            <a:endParaRPr lang="en-US" dirty="0"/>
           </a:p>
         </p:txBody>
       </p:sp>
     </p:spTree>
     <p:extLst>
       <p:ext uri="{BB962C8B-B14F-4D97-AF65-F5344CB8AC3E}">
-        <p14:creationId xmlns:p14="http://schemas.microsoft.com/office/powerpoint/2010/main" val="681915984"/>
+        <p14:creationId xmlns:p14="http://schemas.microsoft.com/office/powerpoint/2010/main" val="4247388192"/>
       </p:ext>
     </p:extLst>
   </p:cSld>
@@ -7306,7 +7451,7 @@
               <a:rPr lang="en-US" sz="4000" dirty="0" smtClean="0">
                 <a:latin typeface="Bahnschrift Light" panose="020B0502040204020203" pitchFamily="34" charset="0"/>
               </a:rPr>
-              <a:t>Future Plans</a:t>
+              <a:t>…Flexibility and Robustness of RFR</a:t>
             </a:r>
             <a:endParaRPr lang="en-US" sz="4400" dirty="0">
               <a:latin typeface="Bahnschrift Light" panose="020B0502040204020203" pitchFamily="34" charset="0"/>
@@ -7322,8 +7467,8 @@
         </p:nvSpPr>
         <p:spPr>
           <a:xfrm>
-            <a:off x="825500" y="927100"/>
-            <a:ext cx="10210800" cy="3539430"/>
+            <a:off x="901700" y="939800"/>
+            <a:ext cx="10185400" cy="5016758"/>
           </a:xfrm>
           <a:prstGeom prst="rect">
             <a:avLst/>
@@ -7337,28 +7482,251 @@
           <a:lstStyle/>
           <a:p>
             <a:r>
+              <a:rPr lang="en-US" sz="3200" dirty="0"/>
+              <a:t>This model offered me the opportunity of adding as many features as I can in order to improve on my Predictions.</a:t>
+            </a:r>
+          </a:p>
+          <a:p>
+            <a:r>
+              <a:rPr lang="en-US" sz="3200" dirty="0"/>
+              <a:t>Here I employed the standard indicators </a:t>
+            </a:r>
+            <a:r>
               <a:rPr lang="en-US" sz="3200" dirty="0" smtClean="0"/>
-              <a:t>I </a:t>
-            </a:r>
+              <a:t>like:</a:t>
+            </a:r>
+          </a:p>
+          <a:p>
             <a:r>
               <a:rPr lang="en-US" sz="3200" dirty="0"/>
-              <a:t>plan to improve on my model by adding more </a:t>
-            </a:r>
+              <a:t>RSI (Relative Strength </a:t>
+            </a:r>
+            <a:r>
+              <a:rPr lang="en-US" sz="3200" dirty="0" smtClean="0"/>
+              <a:t>Index)</a:t>
+            </a:r>
+          </a:p>
+          <a:p>
             <a:r>
               <a:rPr lang="en-US" sz="3200" dirty="0"/>
-              <a:t>Technical and </a:t>
+              <a:t>SMA (Simple Moving Average)</a:t>
+            </a:r>
+            <a:endParaRPr lang="en-US" sz="3200" dirty="0" smtClean="0"/>
+          </a:p>
+          <a:p>
+            <a:r>
+              <a:rPr lang="en-US" sz="3200" dirty="0"/>
+              <a:t>EMA (Exponential Moving Average)</a:t>
+            </a:r>
+            <a:endParaRPr lang="en-US" sz="3200" dirty="0" smtClean="0"/>
+          </a:p>
+          <a:p>
+            <a:r>
+              <a:rPr lang="en-US" sz="3200" dirty="0"/>
+              <a:t>MACD (Moving Average Convergence/Divergence</a:t>
             </a:r>
             <a:r>
               <a:rPr lang="en-US" sz="3200" dirty="0" smtClean="0"/>
-              <a:t>Macroeconomics </a:t>
-            </a:r>
+              <a:t>)</a:t>
+            </a:r>
+          </a:p>
+          <a:p>
+            <a:endParaRPr lang="en-US" sz="3200" dirty="0"/>
+          </a:p>
+          <a:p>
             <a:r>
               <a:rPr lang="en-US" sz="3200" dirty="0" smtClean="0"/>
-              <a:t>features</a:t>
-            </a:r>
+              <a:t>I can add as many more indicators in order to strengthen the quality of my predictions.</a:t>
+            </a:r>
+            <a:endParaRPr lang="en-US" sz="3200" dirty="0"/>
+          </a:p>
+        </p:txBody>
+      </p:sp>
+    </p:spTree>
+    <p:extLst>
+      <p:ext uri="{BB962C8B-B14F-4D97-AF65-F5344CB8AC3E}">
+        <p14:creationId xmlns:p14="http://schemas.microsoft.com/office/powerpoint/2010/main" val="3814462460"/>
+      </p:ext>
+    </p:extLst>
+  </p:cSld>
+  <p:clrMapOvr>
+    <a:masterClrMapping/>
+  </p:clrMapOvr>
+</p:sld>
+</file>
+
+<file path=ppt/slides/slide27.xml><?xml version="1.0" encoding="utf-8"?>
+<p:sld xmlns:a="http://schemas.openxmlformats.org/drawingml/2006/main" xmlns:r="http://schemas.openxmlformats.org/officeDocument/2006/relationships" xmlns:p="http://schemas.openxmlformats.org/presentationml/2006/main">
+  <p:cSld>
+    <p:spTree>
+      <p:nvGrpSpPr>
+        <p:cNvPr id="1" name=""/>
+        <p:cNvGrpSpPr/>
+        <p:nvPr/>
+      </p:nvGrpSpPr>
+      <p:grpSpPr>
+        <a:xfrm>
+          <a:off x="0" y="0"/>
+          <a:ext cx="0" cy="0"/>
+          <a:chOff x="0" y="0"/>
+          <a:chExt cx="0" cy="0"/>
+        </a:xfrm>
+      </p:grpSpPr>
+      <p:sp>
+        <p:nvSpPr>
+          <p:cNvPr id="2" name="TextBox 1"/>
+          <p:cNvSpPr txBox="1"/>
+          <p:nvPr/>
+        </p:nvSpPr>
+        <p:spPr>
+          <a:xfrm>
+            <a:off x="1308100" y="88900"/>
+            <a:ext cx="9271000" cy="707886"/>
+          </a:xfrm>
+          <a:prstGeom prst="rect">
+            <a:avLst/>
+          </a:prstGeom>
+          <a:noFill/>
+        </p:spPr>
+        <p:txBody>
+          <a:bodyPr wrap="square" rtlCol="0">
+            <a:spAutoFit/>
+          </a:bodyPr>
+          <a:lstStyle/>
+          <a:p>
+            <a:pPr algn="ctr"/>
+            <a:r>
+              <a:rPr lang="en-US" sz="4000" dirty="0" smtClean="0">
+                <a:latin typeface="Bahnschrift Light" panose="020B0502040204020203" pitchFamily="34" charset="0"/>
+              </a:rPr>
+              <a:t>My Codes </a:t>
+            </a:r>
+            <a:r>
+              <a:rPr lang="en-US" sz="2400" dirty="0" smtClean="0">
+                <a:latin typeface="Bahnschrift Light" panose="020B0502040204020203" pitchFamily="34" charset="0"/>
+              </a:rPr>
+              <a:t>(</a:t>
+            </a:r>
+            <a:r>
+              <a:rPr lang="en-US" sz="2400" i="1" dirty="0" smtClean="0">
+                <a:solidFill>
+                  <a:srgbClr val="0070C0"/>
+                </a:solidFill>
+                <a:latin typeface="Bahnschrift Light" panose="020B0502040204020203" pitchFamily="34" charset="0"/>
+              </a:rPr>
+              <a:t>Interesting Parts</a:t>
+            </a:r>
+            <a:r>
+              <a:rPr lang="en-US" sz="2400" dirty="0" smtClean="0">
+                <a:latin typeface="Bahnschrift Light" panose="020B0502040204020203" pitchFamily="34" charset="0"/>
+              </a:rPr>
+              <a:t>)</a:t>
+            </a:r>
+            <a:endParaRPr lang="en-US" sz="5400" dirty="0">
+              <a:latin typeface="Bahnschrift Light" panose="020B0502040204020203" pitchFamily="34" charset="0"/>
+            </a:endParaRPr>
+          </a:p>
+        </p:txBody>
+      </p:sp>
+    </p:spTree>
+    <p:extLst>
+      <p:ext uri="{BB962C8B-B14F-4D97-AF65-F5344CB8AC3E}">
+        <p14:creationId xmlns:p14="http://schemas.microsoft.com/office/powerpoint/2010/main" val="681915984"/>
+      </p:ext>
+    </p:extLst>
+  </p:cSld>
+  <p:clrMapOvr>
+    <a:masterClrMapping/>
+  </p:clrMapOvr>
+</p:sld>
+</file>
+
+<file path=ppt/slides/slide28.xml><?xml version="1.0" encoding="utf-8"?>
+<p:sld xmlns:a="http://schemas.openxmlformats.org/drawingml/2006/main" xmlns:r="http://schemas.openxmlformats.org/officeDocument/2006/relationships" xmlns:p="http://schemas.openxmlformats.org/presentationml/2006/main">
+  <p:cSld>
+    <p:spTree>
+      <p:nvGrpSpPr>
+        <p:cNvPr id="1" name=""/>
+        <p:cNvGrpSpPr/>
+        <p:nvPr/>
+      </p:nvGrpSpPr>
+      <p:grpSpPr>
+        <a:xfrm>
+          <a:off x="0" y="0"/>
+          <a:ext cx="0" cy="0"/>
+          <a:chOff x="0" y="0"/>
+          <a:chExt cx="0" cy="0"/>
+        </a:xfrm>
+      </p:grpSpPr>
+      <p:sp>
+        <p:nvSpPr>
+          <p:cNvPr id="2" name="TextBox 1"/>
+          <p:cNvSpPr txBox="1"/>
+          <p:nvPr/>
+        </p:nvSpPr>
+        <p:spPr>
+          <a:xfrm>
+            <a:off x="1308100" y="88900"/>
+            <a:ext cx="9271000" cy="707886"/>
+          </a:xfrm>
+          <a:prstGeom prst="rect">
+            <a:avLst/>
+          </a:prstGeom>
+          <a:noFill/>
+        </p:spPr>
+        <p:txBody>
+          <a:bodyPr wrap="square" rtlCol="0">
+            <a:spAutoFit/>
+          </a:bodyPr>
+          <a:lstStyle/>
+          <a:p>
+            <a:pPr algn="ctr"/>
+            <a:r>
+              <a:rPr lang="en-US" sz="4000" dirty="0" smtClean="0">
+                <a:latin typeface="Bahnschrift Light" panose="020B0502040204020203" pitchFamily="34" charset="0"/>
+              </a:rPr>
+              <a:t>Future Plans</a:t>
+            </a:r>
+            <a:endParaRPr lang="en-US" sz="4400" dirty="0">
+              <a:latin typeface="Bahnschrift Light" panose="020B0502040204020203" pitchFamily="34" charset="0"/>
+            </a:endParaRPr>
+          </a:p>
+        </p:txBody>
+      </p:sp>
+      <p:sp>
+        <p:nvSpPr>
+          <p:cNvPr id="3" name="TextBox 2"/>
+          <p:cNvSpPr txBox="1"/>
+          <p:nvPr/>
+        </p:nvSpPr>
+        <p:spPr>
+          <a:xfrm>
+            <a:off x="825500" y="927100"/>
+            <a:ext cx="10210800" cy="5016758"/>
+          </a:xfrm>
+          <a:prstGeom prst="rect">
+            <a:avLst/>
+          </a:prstGeom>
+          <a:noFill/>
+        </p:spPr>
+        <p:txBody>
+          <a:bodyPr wrap="square" rtlCol="0">
+            <a:spAutoFit/>
+          </a:bodyPr>
+          <a:lstStyle/>
+          <a:p>
+            <a:r>
+              <a:rPr lang="en-US" sz="3200" dirty="0" smtClean="0"/>
+              <a:t>I will also explore alternative source where I can access the Macroeconomics indices maintained at bi-Annual, Quarterly, or Monthly levels.</a:t>
+            </a:r>
+          </a:p>
+          <a:p>
+            <a:endParaRPr lang="en-US" sz="3200" dirty="0"/>
+          </a:p>
+          <a:p>
             <a:r>
               <a:rPr lang="en-US" sz="3200" dirty="0"/>
-              <a:t>.</a:t>
+              <a:t>I plan to improve on my model by adding more Statistical and Technical features.</a:t>
             </a:r>
           </a:p>
           <a:p>
@@ -7375,27 +7743,7 @@
             </a:r>
             <a:r>
               <a:rPr lang="en-US" sz="3200" dirty="0" smtClean="0"/>
-              <a:t>data </a:t>
-            </a:r>
-            <a:r>
-              <a:rPr lang="en-US" sz="3200" dirty="0" smtClean="0"/>
-              <a:t>like </a:t>
-            </a:r>
-            <a:r>
-              <a:rPr lang="en-US" sz="3200" dirty="0" smtClean="0"/>
-              <a:t>Tick Data Suite(TDS</a:t>
-            </a:r>
-            <a:r>
-              <a:rPr lang="en-US" sz="3200" dirty="0"/>
-              <a:t>) from a </a:t>
-            </a:r>
-            <a:r>
-              <a:rPr lang="en-US" sz="3200" dirty="0" smtClean="0"/>
-              <a:t>source against my current approach where I need to download and upload to my GitHub</a:t>
-            </a:r>
-            <a:r>
-              <a:rPr lang="en-US" sz="3200" dirty="0" smtClean="0"/>
-              <a:t>.</a:t>
+              <a:t>data from a source like Tick Data Suite(TDS) whose data is as close as the live data.</a:t>
             </a:r>
             <a:endParaRPr lang="en-US" sz="3200" dirty="0"/>
           </a:p>
@@ -7414,7 +7762,7 @@
 </p:sld>
 </file>
 
-<file path=ppt/slides/slide27.xml><?xml version="1.0" encoding="utf-8"?>
+<file path=ppt/slides/slide29.xml><?xml version="1.0" encoding="utf-8"?>
 <p:sld xmlns:a="http://schemas.openxmlformats.org/drawingml/2006/main" xmlns:r="http://schemas.openxmlformats.org/officeDocument/2006/relationships" xmlns:p="http://schemas.openxmlformats.org/presentationml/2006/main">
   <p:cSld>
     <p:spTree>
@@ -7748,15 +8096,7 @@
             </a:r>
             <a:r>
               <a:rPr lang="en-US" sz="4400" dirty="0"/>
-              <a:t> and influential financial markets globally, facilitating the exchange of currencies and shaping international trade and investment. Among the myriad currency pairs traded in this market, the </a:t>
-            </a:r>
-            <a:r>
-              <a:rPr lang="en-US" sz="4400" b="1" dirty="0"/>
-              <a:t>USD/CAD</a:t>
-            </a:r>
-            <a:r>
-              <a:rPr lang="en-US" sz="4400" dirty="0"/>
-              <a:t> pair occupies a significant position due to its prominence in North American trade and its influence on the economies of the United States and Canada.</a:t>
+              <a:t> and influential financial markets globally, facilitating the exchange of currencies and shaping international trade and investment. Among the myriad currency pairs traded in this market, the USD/CAD pair occupies a significant position due to its prominence in North American trade and its influence on the economies of the United States and Canada.</a:t>
             </a:r>
           </a:p>
         </p:txBody>
@@ -7844,8 +8184,8 @@
         </p:nvSpPr>
         <p:spPr>
           <a:xfrm>
-            <a:off x="1162114" y="5710030"/>
-            <a:ext cx="9475304" cy="923330"/>
+            <a:off x="1162114" y="5896142"/>
+            <a:ext cx="9475304" cy="274107"/>
           </a:xfrm>
           <a:prstGeom prst="rect">
             <a:avLst/>
@@ -7873,10 +8213,16 @@
               <a:rPr lang="en-US" b="1" u="sng" dirty="0">
                 <a:hlinkClick r:id="rId2"/>
               </a:rPr>
-              <a:t>https://markets.ft.com/data/currencies/tearsheet/summary?s=USD</a:t>
-            </a:r>
-            <a:r>
-              <a:rPr lang="en-US" b="1" u="sng" dirty="0">
+              <a:t>https://</a:t>
+            </a:r>
+            <a:r>
+              <a:rPr lang="en-US" b="1" u="sng" dirty="0" smtClean="0">
+                <a:hlinkClick r:id="rId2"/>
+              </a:rPr>
+              <a:t>markets.ft.com/data/currencies/tearsheet/summary?s=USD</a:t>
+            </a:r>
+            <a:r>
+              <a:rPr lang="en-US" b="1" u="sng" dirty="0" smtClean="0">
                 <a:solidFill>
                   <a:schemeClr val="accent1">
                     <a:lumMod val="75000"/>
@@ -7885,9 +8231,13 @@
               </a:rPr>
               <a:t>CAD</a:t>
             </a:r>
-          </a:p>
-          <a:p>
-            <a:endParaRPr lang="en-US" dirty="0"/>
+            <a:endParaRPr lang="en-US" b="1" u="sng" dirty="0">
+              <a:solidFill>
+                <a:schemeClr val="accent1">
+                  <a:lumMod val="75000"/>
+                </a:schemeClr>
+              </a:solidFill>
+            </a:endParaRPr>
           </a:p>
         </p:txBody>
       </p:sp>
@@ -7907,8 +8257,8 @@
         </p:blipFill>
         <p:spPr>
           <a:xfrm>
-            <a:off x="685800" y="81863"/>
-            <a:ext cx="10685158" cy="5628167"/>
+            <a:off x="520172" y="139700"/>
+            <a:ext cx="10983417" cy="5803899"/>
           </a:xfrm>
           <a:prstGeom prst="rect">
             <a:avLst/>
@@ -7960,8 +8310,8 @@
         </p:nvSpPr>
         <p:spPr>
           <a:xfrm>
-            <a:off x="911087" y="5934670"/>
-            <a:ext cx="10340008" cy="923330"/>
+            <a:off x="733287" y="6163270"/>
+            <a:ext cx="10340008" cy="646331"/>
           </a:xfrm>
           <a:prstGeom prst="rect">
             <a:avLst/>
@@ -8014,9 +8364,6 @@
                 <a:srgbClr val="0070C0"/>
               </a:solidFill>
             </a:endParaRPr>
-          </a:p>
-          <a:p>
-            <a:endParaRPr lang="en-US" dirty="0"/>
           </a:p>
         </p:txBody>
       </p:sp>
@@ -8036,8 +8383,8 @@
         </p:blipFill>
         <p:spPr>
           <a:xfrm>
-            <a:off x="782504" y="101600"/>
-            <a:ext cx="10291895" cy="5764017"/>
+            <a:off x="268716" y="330200"/>
+            <a:ext cx="11707384" cy="5664354"/>
           </a:xfrm>
           <a:prstGeom prst="rect">
             <a:avLst/>
@@ -8430,7 +8777,7 @@
           <p:spPr>
             <a:xfrm>
               <a:off x="1524000" y="3200400"/>
-              <a:ext cx="2413000" cy="400110"/>
+              <a:ext cx="2095500" cy="400110"/>
             </a:xfrm>
             <a:prstGeom prst="rect">
               <a:avLst/>
@@ -8446,7 +8793,7 @@
               <a:pPr algn="ctr"/>
               <a:r>
                 <a:rPr lang="en-US" sz="2000" b="1" dirty="0" smtClean="0"/>
-                <a:t>Forex Market(TDS)</a:t>
+                <a:t>Forex Market</a:t>
               </a:r>
               <a:endParaRPr lang="en-US" sz="2000" b="1" dirty="0"/>
             </a:p>
@@ -8844,7 +9191,7 @@
         <p:spPr>
           <a:xfrm>
             <a:off x="434594" y="955100"/>
-            <a:ext cx="11025808" cy="5078313"/>
+            <a:ext cx="11025808" cy="5632311"/>
           </a:xfrm>
           <a:prstGeom prst="rect">
             <a:avLst/>
@@ -8868,40 +9215,69 @@
             </a:pPr>
             <a:r>
               <a:rPr lang="en-US" sz="3600" dirty="0" smtClean="0"/>
-              <a:t>YFinance </a:t>
+              <a:t>Tick Data Suite (TDS) </a:t>
             </a:r>
             <a:r>
               <a:rPr lang="en-US" sz="3600" dirty="0" smtClean="0">
                 <a:sym typeface="Wingdings" panose="05000000000000000000" pitchFamily="2" charset="2"/>
               </a:rPr>
-              <a:t> From</a:t>
-            </a:r>
-            <a:r>
-              <a:rPr lang="en-US" sz="3600" dirty="0" smtClean="0"/>
-              <a:t> year 2003 to Oct-2024 {Daily time frame}</a:t>
-            </a:r>
-          </a:p>
-          <a:p>
-            <a:endParaRPr lang="en-US" sz="3600" dirty="0" smtClean="0"/>
-          </a:p>
-          <a:p>
-            <a:r>
-              <a:rPr lang="en-US" sz="3600" dirty="0" smtClean="0"/>
-              <a:t>(b) Tick Data Suite (TDS) </a:t>
+              <a:t> </a:t>
             </a:r>
             <a:r>
               <a:rPr lang="en-US" sz="3600" dirty="0" smtClean="0">
                 <a:sym typeface="Wingdings" panose="05000000000000000000" pitchFamily="2" charset="2"/>
               </a:rPr>
-              <a:t> From 2003 to Oct-2024 {Minute time frame}</a:t>
-            </a:r>
+              <a:t>From</a:t>
+            </a:r>
+            <a:r>
+              <a:rPr lang="en-US" sz="3600" dirty="0" smtClean="0"/>
+              <a:t> year 2003 to May-2024 {with over </a:t>
+            </a:r>
+            <a:r>
+              <a:rPr lang="en-US" sz="3600" dirty="0" smtClean="0"/>
+              <a:t>5,500 </a:t>
+            </a:r>
+            <a:r>
+              <a:rPr lang="en-US" sz="3600" dirty="0" smtClean="0"/>
+              <a:t>records}</a:t>
+            </a:r>
+          </a:p>
+          <a:p>
             <a:endParaRPr lang="en-US" sz="3600" dirty="0" smtClean="0"/>
           </a:p>
           <a:p>
+            <a:r>
+              <a:rPr lang="en-US" sz="3600" dirty="0" smtClean="0"/>
+              <a:t>(b) Investing.Com </a:t>
+            </a:r>
+            <a:r>
+              <a:rPr lang="en-US" sz="3600" dirty="0" smtClean="0">
+                <a:sym typeface="Wingdings" panose="05000000000000000000" pitchFamily="2" charset="2"/>
+              </a:rPr>
+              <a:t> From 1982 to May-2024 {with over 	</a:t>
+            </a:r>
+            <a:r>
+              <a:rPr lang="en-US" sz="3600" dirty="0" smtClean="0">
+                <a:sym typeface="Wingdings" panose="05000000000000000000" pitchFamily="2" charset="2"/>
+              </a:rPr>
+              <a:t>11,100 </a:t>
+            </a:r>
+            <a:r>
+              <a:rPr lang="en-US" sz="3600" dirty="0" smtClean="0">
+                <a:sym typeface="Wingdings" panose="05000000000000000000" pitchFamily="2" charset="2"/>
+              </a:rPr>
+              <a:t>records}</a:t>
+            </a:r>
             <a:endParaRPr lang="en-US" sz="3600" dirty="0" smtClean="0"/>
           </a:p>
           <a:p>
             <a:endParaRPr lang="en-US" sz="3600" dirty="0" smtClean="0"/>
+          </a:p>
+          <a:p>
+            <a:r>
+              <a:rPr lang="en-US" sz="3600" dirty="0" smtClean="0"/>
+              <a:t>The data in either of these two cases is maintained on a daily bases.</a:t>
+            </a:r>
           </a:p>
           <a:p>
             <a:endParaRPr lang="en-US" sz="3600" dirty="0"/>
@@ -9078,7 +9454,11 @@
             </a:r>
             <a:r>
               <a:rPr lang="en-US" sz="2400" dirty="0"/>
-              <a:t>sourced from the Federal Reserve Economic Data (FRED)</a:t>
+              <a:t>sourced from the </a:t>
+            </a:r>
+            <a:r>
+              <a:rPr lang="en-US" sz="2400" dirty="0"/>
+              <a:t>Federal Reserve Economic Data (FRED)</a:t>
             </a:r>
             <a:r>
               <a:rPr lang="en-US" sz="2400" dirty="0" smtClean="0"/>
@@ -9098,11 +9478,11 @@
             </a:r>
             <a:r>
               <a:rPr lang="en-US" sz="2400" dirty="0"/>
-              <a:t>database through an </a:t>
+              <a:t>database through an API that was exposed as XMLs</a:t>
             </a:r>
             <a:r>
               <a:rPr lang="en-US" sz="2400" dirty="0" smtClean="0"/>
-              <a:t>API.</a:t>
+              <a:t>.</a:t>
             </a:r>
           </a:p>
           <a:p>

--- a/MyBDAThesis/Akubue Simon - Thesis Presentation.pptx
+++ b/MyBDAThesis/Akubue Simon - Thesis Presentation.pptx
@@ -25,15 +25,16 @@
     <p:sldId id="305" r:id="rId19"/>
     <p:sldId id="290" r:id="rId20"/>
     <p:sldId id="289" r:id="rId21"/>
-    <p:sldId id="311" r:id="rId22"/>
-    <p:sldId id="260" r:id="rId23"/>
-    <p:sldId id="295" r:id="rId24"/>
-    <p:sldId id="294" r:id="rId25"/>
-    <p:sldId id="272" r:id="rId26"/>
-    <p:sldId id="286" r:id="rId27"/>
-    <p:sldId id="307" r:id="rId28"/>
-    <p:sldId id="288" r:id="rId29"/>
-    <p:sldId id="268" r:id="rId30"/>
+    <p:sldId id="312" r:id="rId22"/>
+    <p:sldId id="311" r:id="rId23"/>
+    <p:sldId id="260" r:id="rId24"/>
+    <p:sldId id="295" r:id="rId25"/>
+    <p:sldId id="294" r:id="rId26"/>
+    <p:sldId id="272" r:id="rId27"/>
+    <p:sldId id="286" r:id="rId28"/>
+    <p:sldId id="307" r:id="rId29"/>
+    <p:sldId id="288" r:id="rId30"/>
+    <p:sldId id="268" r:id="rId31"/>
   </p:sldIdLst>
   <p:sldSz cx="12192000" cy="6858000"/>
   <p:notesSz cx="6858000" cy="9144000"/>
@@ -271,7 +272,7 @@
           <a:p>
             <a:fld id="{AC9F1F34-0473-412F-A52A-8045292EA46A}" type="datetimeFigureOut">
               <a:rPr lang="en-US" smtClean="0"/>
-              <a:t>11/3/2024</a:t>
+              <a:t>11/4/2024</a:t>
             </a:fld>
             <a:endParaRPr lang="en-US"/>
           </a:p>
@@ -441,7 +442,7 @@
           <a:p>
             <a:fld id="{AC9F1F34-0473-412F-A52A-8045292EA46A}" type="datetimeFigureOut">
               <a:rPr lang="en-US" smtClean="0"/>
-              <a:t>11/3/2024</a:t>
+              <a:t>11/4/2024</a:t>
             </a:fld>
             <a:endParaRPr lang="en-US"/>
           </a:p>
@@ -621,7 +622,7 @@
           <a:p>
             <a:fld id="{AC9F1F34-0473-412F-A52A-8045292EA46A}" type="datetimeFigureOut">
               <a:rPr lang="en-US" smtClean="0"/>
-              <a:t>11/3/2024</a:t>
+              <a:t>11/4/2024</a:t>
             </a:fld>
             <a:endParaRPr lang="en-US"/>
           </a:p>
@@ -791,7 +792,7 @@
           <a:p>
             <a:fld id="{AC9F1F34-0473-412F-A52A-8045292EA46A}" type="datetimeFigureOut">
               <a:rPr lang="en-US" smtClean="0"/>
-              <a:t>11/3/2024</a:t>
+              <a:t>11/4/2024</a:t>
             </a:fld>
             <a:endParaRPr lang="en-US"/>
           </a:p>
@@ -1037,7 +1038,7 @@
           <a:p>
             <a:fld id="{AC9F1F34-0473-412F-A52A-8045292EA46A}" type="datetimeFigureOut">
               <a:rPr lang="en-US" smtClean="0"/>
-              <a:t>11/3/2024</a:t>
+              <a:t>11/4/2024</a:t>
             </a:fld>
             <a:endParaRPr lang="en-US"/>
           </a:p>
@@ -1269,7 +1270,7 @@
           <a:p>
             <a:fld id="{AC9F1F34-0473-412F-A52A-8045292EA46A}" type="datetimeFigureOut">
               <a:rPr lang="en-US" smtClean="0"/>
-              <a:t>11/3/2024</a:t>
+              <a:t>11/4/2024</a:t>
             </a:fld>
             <a:endParaRPr lang="en-US"/>
           </a:p>
@@ -1636,7 +1637,7 @@
           <a:p>
             <a:fld id="{AC9F1F34-0473-412F-A52A-8045292EA46A}" type="datetimeFigureOut">
               <a:rPr lang="en-US" smtClean="0"/>
-              <a:t>11/3/2024</a:t>
+              <a:t>11/4/2024</a:t>
             </a:fld>
             <a:endParaRPr lang="en-US"/>
           </a:p>
@@ -1754,7 +1755,7 @@
           <a:p>
             <a:fld id="{AC9F1F34-0473-412F-A52A-8045292EA46A}" type="datetimeFigureOut">
               <a:rPr lang="en-US" smtClean="0"/>
-              <a:t>11/3/2024</a:t>
+              <a:t>11/4/2024</a:t>
             </a:fld>
             <a:endParaRPr lang="en-US"/>
           </a:p>
@@ -1849,7 +1850,7 @@
           <a:p>
             <a:fld id="{AC9F1F34-0473-412F-A52A-8045292EA46A}" type="datetimeFigureOut">
               <a:rPr lang="en-US" smtClean="0"/>
-              <a:t>11/3/2024</a:t>
+              <a:t>11/4/2024</a:t>
             </a:fld>
             <a:endParaRPr lang="en-US"/>
           </a:p>
@@ -2126,7 +2127,7 @@
           <a:p>
             <a:fld id="{AC9F1F34-0473-412F-A52A-8045292EA46A}" type="datetimeFigureOut">
               <a:rPr lang="en-US" smtClean="0"/>
-              <a:t>11/3/2024</a:t>
+              <a:t>11/4/2024</a:t>
             </a:fld>
             <a:endParaRPr lang="en-US"/>
           </a:p>
@@ -2379,7 +2380,7 @@
           <a:p>
             <a:fld id="{AC9F1F34-0473-412F-A52A-8045292EA46A}" type="datetimeFigureOut">
               <a:rPr lang="en-US" smtClean="0"/>
-              <a:t>11/3/2024</a:t>
+              <a:t>11/4/2024</a:t>
             </a:fld>
             <a:endParaRPr lang="en-US"/>
           </a:p>
@@ -2592,7 +2593,7 @@
           <a:p>
             <a:fld id="{AC9F1F34-0473-412F-A52A-8045292EA46A}" type="datetimeFigureOut">
               <a:rPr lang="en-US" smtClean="0"/>
-              <a:t>11/3/2024</a:t>
+              <a:t>11/4/2024</a:t>
             </a:fld>
             <a:endParaRPr lang="en-US"/>
           </a:p>
@@ -3090,11 +3091,7 @@
             </a:r>
             <a:r>
               <a:rPr lang="en-US" i="1" dirty="0" smtClean="0"/>
-              <a:t>26</a:t>
-            </a:r>
-            <a:r>
-              <a:rPr lang="en-US" i="1" dirty="0" smtClean="0"/>
-              <a:t>-Nov-2024</a:t>
+              <a:t>26-Nov-2024</a:t>
             </a:r>
             <a:endParaRPr lang="en-US" i="1" dirty="0"/>
           </a:p>
@@ -4397,7 +4394,11 @@
                 <a:pPr algn="ctr"/>
                 <a:r>
                   <a:rPr lang="en-US" dirty="0" smtClean="0"/>
-                  <a:t>Split the Data</a:t>
+                  <a:t>Split &amp; Scale </a:t>
+                </a:r>
+                <a:r>
+                  <a:rPr lang="en-US" dirty="0" smtClean="0"/>
+                  <a:t>the Data</a:t>
                 </a:r>
                 <a:endParaRPr lang="en-US" dirty="0"/>
               </a:p>
@@ -5051,13 +5052,7 @@
               <a:rPr lang="en-US" sz="4800" dirty="0" smtClean="0">
                 <a:latin typeface="Bahnschrift Light" panose="020B0502040204020203" pitchFamily="34" charset="0"/>
               </a:rPr>
-              <a:t>Statistical </a:t>
-            </a:r>
-            <a:r>
-              <a:rPr lang="en-US" sz="4800" dirty="0" smtClean="0">
-                <a:latin typeface="Bahnschrift Light" panose="020B0502040204020203" pitchFamily="34" charset="0"/>
-              </a:rPr>
-              <a:t>Data </a:t>
+              <a:t>Statistical Data </a:t>
             </a:r>
             <a:r>
               <a:rPr lang="en-US" sz="3200" dirty="0" smtClean="0">
@@ -5095,6 +5090,45 @@
           </a:prstGeom>
         </p:spPr>
       </p:pic>
+      <p:sp>
+        <p:nvSpPr>
+          <p:cNvPr id="3" name="Rectangle 2"/>
+          <p:cNvSpPr/>
+          <p:nvPr/>
+        </p:nvSpPr>
+        <p:spPr>
+          <a:xfrm>
+            <a:off x="7823200" y="2311400"/>
+            <a:ext cx="914400" cy="4267200"/>
+          </a:xfrm>
+          <a:prstGeom prst="rect">
+            <a:avLst/>
+          </a:prstGeom>
+          <a:noFill/>
+        </p:spPr>
+        <p:style>
+          <a:lnRef idx="2">
+            <a:schemeClr val="accent2"/>
+          </a:lnRef>
+          <a:fillRef idx="1">
+            <a:schemeClr val="lt1"/>
+          </a:fillRef>
+          <a:effectRef idx="0">
+            <a:schemeClr val="accent2"/>
+          </a:effectRef>
+          <a:fontRef idx="minor">
+            <a:schemeClr val="dk1"/>
+          </a:fontRef>
+        </p:style>
+        <p:txBody>
+          <a:bodyPr rtlCol="0" anchor="ctr"/>
+          <a:lstStyle/>
+          <a:p>
+            <a:pPr algn="ctr"/>
+            <a:endParaRPr lang="en-US"/>
+          </a:p>
+        </p:txBody>
+      </p:sp>
     </p:spTree>
     <p:extLst>
       <p:ext uri="{BB962C8B-B14F-4D97-AF65-F5344CB8AC3E}">
@@ -5152,13 +5186,7 @@
               <a:rPr lang="en-US" sz="4800" dirty="0" smtClean="0">
                 <a:latin typeface="Bahnschrift Light" panose="020B0502040204020203" pitchFamily="34" charset="0"/>
               </a:rPr>
-              <a:t>Statistical </a:t>
-            </a:r>
-            <a:r>
-              <a:rPr lang="en-US" sz="4800" dirty="0" smtClean="0">
-                <a:latin typeface="Bahnschrift Light" panose="020B0502040204020203" pitchFamily="34" charset="0"/>
-              </a:rPr>
-              <a:t>Data </a:t>
+              <a:t>Statistical Data </a:t>
             </a:r>
             <a:r>
               <a:rPr lang="en-US" sz="3200" dirty="0" smtClean="0">
@@ -5196,6 +5224,84 @@
           </a:prstGeom>
         </p:spPr>
       </p:pic>
+      <p:sp>
+        <p:nvSpPr>
+          <p:cNvPr id="3" name="Rectangle 2"/>
+          <p:cNvSpPr/>
+          <p:nvPr/>
+        </p:nvSpPr>
+        <p:spPr>
+          <a:xfrm>
+            <a:off x="7289800" y="2006600"/>
+            <a:ext cx="838200" cy="1651000"/>
+          </a:xfrm>
+          <a:prstGeom prst="rect">
+            <a:avLst/>
+          </a:prstGeom>
+          <a:noFill/>
+        </p:spPr>
+        <p:style>
+          <a:lnRef idx="2">
+            <a:schemeClr val="accent2"/>
+          </a:lnRef>
+          <a:fillRef idx="1">
+            <a:schemeClr val="lt1"/>
+          </a:fillRef>
+          <a:effectRef idx="0">
+            <a:schemeClr val="accent2"/>
+          </a:effectRef>
+          <a:fontRef idx="minor">
+            <a:schemeClr val="dk1"/>
+          </a:fontRef>
+        </p:style>
+        <p:txBody>
+          <a:bodyPr rtlCol="0" anchor="ctr"/>
+          <a:lstStyle/>
+          <a:p>
+            <a:pPr algn="ctr"/>
+            <a:endParaRPr lang="en-US"/>
+          </a:p>
+        </p:txBody>
+      </p:sp>
+      <p:sp>
+        <p:nvSpPr>
+          <p:cNvPr id="6" name="Rectangle 5"/>
+          <p:cNvSpPr/>
+          <p:nvPr/>
+        </p:nvSpPr>
+        <p:spPr>
+          <a:xfrm>
+            <a:off x="8318500" y="4965700"/>
+            <a:ext cx="838200" cy="1651000"/>
+          </a:xfrm>
+          <a:prstGeom prst="rect">
+            <a:avLst/>
+          </a:prstGeom>
+          <a:noFill/>
+        </p:spPr>
+        <p:style>
+          <a:lnRef idx="2">
+            <a:schemeClr val="accent2"/>
+          </a:lnRef>
+          <a:fillRef idx="1">
+            <a:schemeClr val="lt1"/>
+          </a:fillRef>
+          <a:effectRef idx="0">
+            <a:schemeClr val="accent2"/>
+          </a:effectRef>
+          <a:fontRef idx="minor">
+            <a:schemeClr val="dk1"/>
+          </a:fontRef>
+        </p:style>
+        <p:txBody>
+          <a:bodyPr rtlCol="0" anchor="ctr"/>
+          <a:lstStyle/>
+          <a:p>
+            <a:pPr algn="ctr"/>
+            <a:endParaRPr lang="en-US"/>
+          </a:p>
+        </p:txBody>
+      </p:sp>
     </p:spTree>
     <p:extLst>
       <p:ext uri="{BB962C8B-B14F-4D97-AF65-F5344CB8AC3E}">
@@ -5253,13 +5359,7 @@
               <a:rPr lang="en-US" sz="4800" dirty="0" smtClean="0">
                 <a:latin typeface="Bahnschrift Light" panose="020B0502040204020203" pitchFamily="34" charset="0"/>
               </a:rPr>
-              <a:t>Macroeconomic </a:t>
-            </a:r>
-            <a:r>
-              <a:rPr lang="en-US" sz="4800" dirty="0" smtClean="0">
-                <a:latin typeface="Bahnschrift Light" panose="020B0502040204020203" pitchFamily="34" charset="0"/>
-              </a:rPr>
-              <a:t>Data </a:t>
+              <a:t>Macroeconomic Data </a:t>
             </a:r>
             <a:r>
               <a:rPr lang="en-US" sz="3200" dirty="0" smtClean="0">
@@ -5301,11 +5401,7 @@
             </a:r>
             <a:r>
               <a:rPr lang="en-US" dirty="0" smtClean="0"/>
-              <a:t>Source</a:t>
-            </a:r>
-            <a:r>
-              <a:rPr lang="en-US" dirty="0" smtClean="0"/>
-              <a:t> </a:t>
+              <a:t>Source </a:t>
             </a:r>
             <a:r>
               <a:rPr lang="en-US" dirty="0"/>
@@ -5617,11 +5713,7 @@
             <a:pPr algn="ctr"/>
             <a:r>
               <a:rPr lang="en-US" sz="3200" dirty="0" smtClean="0"/>
-              <a:t>Date</a:t>
-            </a:r>
-            <a:r>
-              <a:rPr lang="en-US" sz="3200" dirty="0" smtClean="0"/>
-              <a:t>s</a:t>
+              <a:t>Dates</a:t>
             </a:r>
             <a:endParaRPr lang="en-US" sz="3200" dirty="0"/>
           </a:p>
@@ -6290,13 +6382,7 @@
               <a:rPr lang="en-US" sz="4800" dirty="0" smtClean="0">
                 <a:latin typeface="Bahnschrift Light" panose="020B0502040204020203" pitchFamily="34" charset="0"/>
               </a:rPr>
-              <a:t>Macroeconomic </a:t>
-            </a:r>
-            <a:r>
-              <a:rPr lang="en-US" sz="4800" dirty="0" smtClean="0">
-                <a:latin typeface="Bahnschrift Light" panose="020B0502040204020203" pitchFamily="34" charset="0"/>
-              </a:rPr>
-              <a:t>Data </a:t>
+              <a:t>Macroeconomic Data </a:t>
             </a:r>
             <a:r>
               <a:rPr lang="en-US" sz="3200" dirty="0" smtClean="0">
@@ -6474,6 +6560,13 @@
   <p:clrMapOvr>
     <a:masterClrMapping/>
   </p:clrMapOvr>
+  <p:timing>
+    <p:tnLst>
+      <p:par>
+        <p:cTn id="1" dur="indefinite" restart="never" nodeType="tmRoot"/>
+      </p:par>
+    </p:tnLst>
+  </p:timing>
 </p:sld>
 </file>
 
@@ -6654,7 +6747,7 @@
       </p:sp>
       <p:pic>
         <p:nvPicPr>
-          <p:cNvPr id="3" name="Picture 2"/>
+          <p:cNvPr id="8" name="Picture 7"/>
           <p:cNvPicPr>
             <a:picLocks noChangeAspect="1"/>
           </p:cNvPicPr>
@@ -6668,80 +6761,8 @@
         </p:blipFill>
         <p:spPr>
           <a:xfrm>
-            <a:off x="6217409" y="738231"/>
-            <a:ext cx="5268576" cy="2779669"/>
-          </a:xfrm>
-          <a:prstGeom prst="rect">
-            <a:avLst/>
-          </a:prstGeom>
-        </p:spPr>
-      </p:pic>
-      <p:pic>
-        <p:nvPicPr>
-          <p:cNvPr id="4" name="Picture 3"/>
-          <p:cNvPicPr>
-            <a:picLocks noChangeAspect="1"/>
-          </p:cNvPicPr>
-          <p:nvPr/>
-        </p:nvPicPr>
-        <p:blipFill>
-          <a:blip r:embed="rId3"/>
-          <a:stretch>
-            <a:fillRect/>
-          </a:stretch>
-        </p:blipFill>
-        <p:spPr>
-          <a:xfrm>
-            <a:off x="403804" y="738232"/>
-            <a:ext cx="5280205" cy="2779668"/>
-          </a:xfrm>
-          <a:prstGeom prst="rect">
-            <a:avLst/>
-          </a:prstGeom>
-        </p:spPr>
-      </p:pic>
-      <p:pic>
-        <p:nvPicPr>
-          <p:cNvPr id="5" name="Picture 4"/>
-          <p:cNvPicPr>
-            <a:picLocks noChangeAspect="1"/>
-          </p:cNvPicPr>
-          <p:nvPr/>
-        </p:nvPicPr>
-        <p:blipFill>
-          <a:blip r:embed="rId4"/>
-          <a:stretch>
-            <a:fillRect/>
-          </a:stretch>
-        </p:blipFill>
-        <p:spPr>
-          <a:xfrm>
-            <a:off x="409818" y="3779142"/>
-            <a:ext cx="5274191" cy="2791193"/>
-          </a:xfrm>
-          <a:prstGeom prst="rect">
-            <a:avLst/>
-          </a:prstGeom>
-        </p:spPr>
-      </p:pic>
-      <p:pic>
-        <p:nvPicPr>
-          <p:cNvPr id="6" name="Picture 5"/>
-          <p:cNvPicPr>
-            <a:picLocks noChangeAspect="1"/>
-          </p:cNvPicPr>
-          <p:nvPr/>
-        </p:nvPicPr>
-        <p:blipFill>
-          <a:blip r:embed="rId5"/>
-          <a:stretch>
-            <a:fillRect/>
-          </a:stretch>
-        </p:blipFill>
-        <p:spPr>
-          <a:xfrm>
-            <a:off x="6217408" y="3779141"/>
-            <a:ext cx="5269031" cy="2791193"/>
+            <a:off x="609599" y="687432"/>
+            <a:ext cx="11252201" cy="6029294"/>
           </a:xfrm>
           <a:prstGeom prst="rect">
             <a:avLst/>
@@ -6758,6 +6779,13 @@
   <p:clrMapOvr>
     <a:masterClrMapping/>
   </p:clrMapOvr>
+  <p:timing>
+    <p:tnLst>
+      <p:par>
+        <p:cTn id="1" dur="indefinite" restart="never" nodeType="tmRoot"/>
+      </p:par>
+    </p:tnLst>
+  </p:timing>
 </p:sld>
 </file>
 
@@ -6815,7 +6843,7 @@
       </p:sp>
       <p:pic>
         <p:nvPicPr>
-          <p:cNvPr id="18" name="Picture 17"/>
+          <p:cNvPr id="3" name="Picture 2"/>
           <p:cNvPicPr>
             <a:picLocks noChangeAspect="1"/>
           </p:cNvPicPr>
@@ -6829,8 +6857,8 @@
         </p:blipFill>
         <p:spPr>
           <a:xfrm>
-            <a:off x="319999" y="684861"/>
-            <a:ext cx="5364011" cy="2870373"/>
+            <a:off x="6217409" y="738231"/>
+            <a:ext cx="5268576" cy="2779669"/>
           </a:xfrm>
           <a:prstGeom prst="rect">
             <a:avLst/>
@@ -6839,7 +6867,7 @@
       </p:pic>
       <p:pic>
         <p:nvPicPr>
-          <p:cNvPr id="3" name="Picture 2"/>
+          <p:cNvPr id="4" name="Picture 3"/>
           <p:cNvPicPr>
             <a:picLocks noChangeAspect="1"/>
           </p:cNvPicPr>
@@ -6853,8 +6881,8 @@
         </p:blipFill>
         <p:spPr>
           <a:xfrm>
-            <a:off x="6150979" y="729706"/>
-            <a:ext cx="5374031" cy="2854208"/>
+            <a:off x="403804" y="738232"/>
+            <a:ext cx="5280205" cy="2779668"/>
           </a:xfrm>
           <a:prstGeom prst="rect">
             <a:avLst/>
@@ -6863,7 +6891,7 @@
       </p:pic>
       <p:pic>
         <p:nvPicPr>
-          <p:cNvPr id="4" name="Picture 3"/>
+          <p:cNvPr id="5" name="Picture 4"/>
           <p:cNvPicPr>
             <a:picLocks noChangeAspect="1"/>
           </p:cNvPicPr>
@@ -6877,8 +6905,8 @@
         </p:blipFill>
         <p:spPr>
           <a:xfrm>
-            <a:off x="319999" y="3692597"/>
-            <a:ext cx="5379210" cy="2852701"/>
+            <a:off x="409818" y="3779142"/>
+            <a:ext cx="5274191" cy="2791193"/>
           </a:xfrm>
           <a:prstGeom prst="rect">
             <a:avLst/>
@@ -6887,7 +6915,7 @@
       </p:pic>
       <p:pic>
         <p:nvPicPr>
-          <p:cNvPr id="5" name="Picture 4"/>
+          <p:cNvPr id="6" name="Picture 5"/>
           <p:cNvPicPr>
             <a:picLocks noChangeAspect="1"/>
           </p:cNvPicPr>
@@ -6901,8 +6929,8 @@
         </p:blipFill>
         <p:spPr>
           <a:xfrm>
-            <a:off x="6152424" y="3692596"/>
-            <a:ext cx="5372587" cy="2852701"/>
+            <a:off x="6217408" y="3779141"/>
+            <a:ext cx="5269031" cy="2791193"/>
           </a:xfrm>
           <a:prstGeom prst="rect">
             <a:avLst/>
@@ -6912,13 +6940,20 @@
     </p:spTree>
     <p:extLst>
       <p:ext uri="{BB962C8B-B14F-4D97-AF65-F5344CB8AC3E}">
-        <p14:creationId xmlns:p14="http://schemas.microsoft.com/office/powerpoint/2010/main" val="3252056857"/>
+        <p14:creationId xmlns:p14="http://schemas.microsoft.com/office/powerpoint/2010/main" val="962758992"/>
       </p:ext>
     </p:extLst>
   </p:cSld>
   <p:clrMapOvr>
     <a:masterClrMapping/>
   </p:clrMapOvr>
+  <p:timing>
+    <p:tnLst>
+      <p:par>
+        <p:cTn id="1" dur="indefinite" restart="never" nodeType="tmRoot"/>
+      </p:par>
+    </p:tnLst>
+  </p:timing>
 </p:sld>
 </file>
 
@@ -6947,8 +6982,8 @@
         </p:nvSpPr>
         <p:spPr>
           <a:xfrm>
-            <a:off x="1549952" y="-3865"/>
-            <a:ext cx="8680174" cy="830997"/>
+            <a:off x="609599" y="-92765"/>
+            <a:ext cx="10174287" cy="830997"/>
           </a:xfrm>
           <a:prstGeom prst="rect">
             <a:avLst/>
@@ -6966,7 +7001,7 @@
               <a:rPr lang="en-US" sz="4800" dirty="0" smtClean="0">
                 <a:latin typeface="Bahnschrift Light" panose="020B0502040204020203" pitchFamily="34" charset="0"/>
               </a:rPr>
-              <a:t>Result</a:t>
+              <a:t>Visualization (85% - 15%)</a:t>
             </a:r>
             <a:endParaRPr lang="en-US" sz="4800" dirty="0">
               <a:latin typeface="Bahnschrift Light" panose="020B0502040204020203" pitchFamily="34" charset="0"/>
@@ -6974,106 +7009,119 @@
           </a:p>
         </p:txBody>
       </p:sp>
-      <p:sp>
-        <p:nvSpPr>
-          <p:cNvPr id="3" name="TextBox 2"/>
-          <p:cNvSpPr txBox="1"/>
+      <p:pic>
+        <p:nvPicPr>
+          <p:cNvPr id="18" name="Picture 17"/>
+          <p:cNvPicPr>
+            <a:picLocks noChangeAspect="1"/>
+          </p:cNvPicPr>
           <p:nvPr/>
-        </p:nvSpPr>
-        <p:spPr>
-          <a:xfrm>
-            <a:off x="909429" y="725557"/>
-            <a:ext cx="10257183" cy="6001643"/>
+        </p:nvPicPr>
+        <p:blipFill>
+          <a:blip r:embed="rId2"/>
+          <a:stretch>
+            <a:fillRect/>
+          </a:stretch>
+        </p:blipFill>
+        <p:spPr>
+          <a:xfrm>
+            <a:off x="319999" y="684861"/>
+            <a:ext cx="5364011" cy="2870373"/>
           </a:xfrm>
           <a:prstGeom prst="rect">
             <a:avLst/>
           </a:prstGeom>
-          <a:noFill/>
-        </p:spPr>
-        <p:txBody>
-          <a:bodyPr wrap="square" rtlCol="0">
-            <a:spAutoFit/>
-          </a:bodyPr>
-          <a:lstStyle/>
-          <a:p>
-            <a:pPr algn="ctr"/>
-            <a:r>
-              <a:rPr lang="en-US" sz="3200" dirty="0" smtClean="0"/>
-              <a:t>From the above analysis, on reviewing the MAE and MSE, and RMSE values from all the models considered, it is apparently clear that “</a:t>
-            </a:r>
-            <a:r>
-              <a:rPr lang="en-US" sz="3200" b="1" dirty="0" smtClean="0"/>
-              <a:t>Linear Regression</a:t>
-            </a:r>
-            <a:r>
-              <a:rPr lang="en-US" sz="3200" dirty="0" smtClean="0"/>
-              <a:t>”, “</a:t>
-            </a:r>
-            <a:r>
-              <a:rPr lang="en-US" sz="3200" b="1" dirty="0" smtClean="0"/>
-              <a:t>Random Forest Regressor (RFR)</a:t>
-            </a:r>
-            <a:r>
-              <a:rPr lang="en-US" sz="3200" dirty="0" smtClean="0"/>
-              <a:t>” and “</a:t>
-            </a:r>
-            <a:r>
-              <a:rPr lang="en-US" sz="3200" b="1" dirty="0" smtClean="0"/>
-              <a:t>Ridge Regression</a:t>
-            </a:r>
-            <a:r>
-              <a:rPr lang="en-US" sz="3200" dirty="0" smtClean="0"/>
-              <a:t>” displayed wonderful results. However, I will be relying </a:t>
-            </a:r>
-            <a:r>
-              <a:rPr lang="en-US" sz="3200" dirty="0"/>
-              <a:t>more on “</a:t>
-            </a:r>
-            <a:r>
-              <a:rPr lang="en-US" sz="3200" b="1" dirty="0"/>
-              <a:t>Random Forest Regressor (RFR)</a:t>
-            </a:r>
-            <a:r>
-              <a:rPr lang="en-US" sz="3200" dirty="0"/>
-              <a:t>” </a:t>
-            </a:r>
-            <a:r>
-              <a:rPr lang="en-US" sz="3200" dirty="0" smtClean="0"/>
-              <a:t>due to its robustness about accepting as many features as I wish.</a:t>
-            </a:r>
-          </a:p>
-          <a:p>
-            <a:pPr algn="ctr"/>
-            <a:endParaRPr lang="en-US" sz="3200" dirty="0"/>
-          </a:p>
-          <a:p>
-            <a:pPr algn="ctr"/>
-            <a:r>
-              <a:rPr lang="en-US" sz="3200" dirty="0" smtClean="0"/>
-              <a:t>RFR model is exposed to un-exhaustible features. This makes is possible to incorporate lots of Indicators which of course is the bedrock of Technical (</a:t>
-            </a:r>
-            <a:r>
-              <a:rPr lang="en-US" sz="3200" i="1" dirty="0" smtClean="0"/>
-              <a:t>Non-Fundamental</a:t>
-            </a:r>
-            <a:r>
-              <a:rPr lang="en-US" sz="3200" dirty="0" smtClean="0"/>
-              <a:t>) analysis in predicting Forex trends.</a:t>
-            </a:r>
-            <a:endParaRPr lang="en-US" sz="3200" dirty="0"/>
-          </a:p>
-        </p:txBody>
-      </p:sp>
+        </p:spPr>
+      </p:pic>
+      <p:pic>
+        <p:nvPicPr>
+          <p:cNvPr id="3" name="Picture 2"/>
+          <p:cNvPicPr>
+            <a:picLocks noChangeAspect="1"/>
+          </p:cNvPicPr>
+          <p:nvPr/>
+        </p:nvPicPr>
+        <p:blipFill>
+          <a:blip r:embed="rId3"/>
+          <a:stretch>
+            <a:fillRect/>
+          </a:stretch>
+        </p:blipFill>
+        <p:spPr>
+          <a:xfrm>
+            <a:off x="6150979" y="729706"/>
+            <a:ext cx="5374031" cy="2854208"/>
+          </a:xfrm>
+          <a:prstGeom prst="rect">
+            <a:avLst/>
+          </a:prstGeom>
+        </p:spPr>
+      </p:pic>
+      <p:pic>
+        <p:nvPicPr>
+          <p:cNvPr id="4" name="Picture 3"/>
+          <p:cNvPicPr>
+            <a:picLocks noChangeAspect="1"/>
+          </p:cNvPicPr>
+          <p:nvPr/>
+        </p:nvPicPr>
+        <p:blipFill>
+          <a:blip r:embed="rId4"/>
+          <a:stretch>
+            <a:fillRect/>
+          </a:stretch>
+        </p:blipFill>
+        <p:spPr>
+          <a:xfrm>
+            <a:off x="319999" y="3692597"/>
+            <a:ext cx="5379210" cy="2852701"/>
+          </a:xfrm>
+          <a:prstGeom prst="rect">
+            <a:avLst/>
+          </a:prstGeom>
+        </p:spPr>
+      </p:pic>
+      <p:pic>
+        <p:nvPicPr>
+          <p:cNvPr id="6" name="Picture 5"/>
+          <p:cNvPicPr>
+            <a:picLocks noChangeAspect="1"/>
+          </p:cNvPicPr>
+          <p:nvPr/>
+        </p:nvPicPr>
+        <p:blipFill>
+          <a:blip r:embed="rId5"/>
+          <a:stretch>
+            <a:fillRect/>
+          </a:stretch>
+        </p:blipFill>
+        <p:spPr>
+          <a:xfrm>
+            <a:off x="6160546" y="3692597"/>
+            <a:ext cx="5356936" cy="2852701"/>
+          </a:xfrm>
+          <a:prstGeom prst="rect">
+            <a:avLst/>
+          </a:prstGeom>
+        </p:spPr>
+      </p:pic>
     </p:spTree>
     <p:extLst>
       <p:ext uri="{BB962C8B-B14F-4D97-AF65-F5344CB8AC3E}">
-        <p14:creationId xmlns:p14="http://schemas.microsoft.com/office/powerpoint/2010/main" val="375198924"/>
+        <p14:creationId xmlns:p14="http://schemas.microsoft.com/office/powerpoint/2010/main" val="3252056857"/>
       </p:ext>
     </p:extLst>
   </p:cSld>
   <p:clrMapOvr>
     <a:masterClrMapping/>
   </p:clrMapOvr>
+  <p:timing>
+    <p:tnLst>
+      <p:par>
+        <p:cTn id="1" dur="indefinite" restart="never" nodeType="tmRoot"/>
+      </p:par>
+    </p:tnLst>
+  </p:timing>
 </p:sld>
 </file>
 
@@ -7102,7 +7150,7 @@
         </p:nvSpPr>
         <p:spPr>
           <a:xfrm>
-            <a:off x="1549952" y="-16565"/>
+            <a:off x="1549952" y="-3865"/>
             <a:ext cx="8680174" cy="830997"/>
           </a:xfrm>
           <a:prstGeom prst="rect">
@@ -7121,13 +7169,169 @@
               <a:rPr lang="en-US" sz="4800" dirty="0" smtClean="0">
                 <a:latin typeface="Bahnschrift Light" panose="020B0502040204020203" pitchFamily="34" charset="0"/>
               </a:rPr>
-              <a:t>Raw data from </a:t>
-            </a:r>
+              <a:t>Result</a:t>
+            </a:r>
+            <a:endParaRPr lang="en-US" sz="4800" dirty="0">
+              <a:latin typeface="Bahnschrift Light" panose="020B0502040204020203" pitchFamily="34" charset="0"/>
+            </a:endParaRPr>
+          </a:p>
+        </p:txBody>
+      </p:sp>
+      <p:sp>
+        <p:nvSpPr>
+          <p:cNvPr id="3" name="TextBox 2"/>
+          <p:cNvSpPr txBox="1"/>
+          <p:nvPr/>
+        </p:nvSpPr>
+        <p:spPr>
+          <a:xfrm>
+            <a:off x="909429" y="725557"/>
+            <a:ext cx="10257183" cy="6001643"/>
+          </a:xfrm>
+          <a:prstGeom prst="rect">
+            <a:avLst/>
+          </a:prstGeom>
+          <a:noFill/>
+        </p:spPr>
+        <p:txBody>
+          <a:bodyPr wrap="square" rtlCol="0">
+            <a:spAutoFit/>
+          </a:bodyPr>
+          <a:lstStyle/>
+          <a:p>
+            <a:pPr algn="ctr"/>
+            <a:r>
+              <a:rPr lang="en-US" sz="3200" dirty="0" smtClean="0"/>
+              <a:t>From the above analysis, on reviewing the MAE and MSE, and RMSE values from all the models considered, it is apparently clear that “</a:t>
+            </a:r>
+            <a:r>
+              <a:rPr lang="en-US" sz="3200" b="1" dirty="0" smtClean="0"/>
+              <a:t>Linear Regression</a:t>
+            </a:r>
+            <a:r>
+              <a:rPr lang="en-US" sz="3200" dirty="0" smtClean="0"/>
+              <a:t>”, “</a:t>
+            </a:r>
+            <a:r>
+              <a:rPr lang="en-US" sz="3200" b="1" dirty="0" smtClean="0"/>
+              <a:t>Random Forest Regressor (RFR)</a:t>
+            </a:r>
+            <a:r>
+              <a:rPr lang="en-US" sz="3200" dirty="0" smtClean="0"/>
+              <a:t>” and “</a:t>
+            </a:r>
+            <a:r>
+              <a:rPr lang="en-US" sz="3200" b="1" dirty="0" smtClean="0"/>
+              <a:t>Ridge Regression</a:t>
+            </a:r>
+            <a:r>
+              <a:rPr lang="en-US" sz="3200" dirty="0" smtClean="0"/>
+              <a:t>” displayed wonderful results. However, I will be relying </a:t>
+            </a:r>
+            <a:r>
+              <a:rPr lang="en-US" sz="3200" dirty="0"/>
+              <a:t>more on “</a:t>
+            </a:r>
+            <a:r>
+              <a:rPr lang="en-US" sz="3200" b="1" dirty="0"/>
+              <a:t>Random Forest Regressor (RFR)</a:t>
+            </a:r>
+            <a:r>
+              <a:rPr lang="en-US" sz="3200" dirty="0"/>
+              <a:t>” </a:t>
+            </a:r>
+            <a:r>
+              <a:rPr lang="en-US" sz="3200" dirty="0" smtClean="0"/>
+              <a:t>due to its robustness about accepting as many features as I wish.</a:t>
+            </a:r>
+          </a:p>
+          <a:p>
+            <a:pPr algn="ctr"/>
+            <a:endParaRPr lang="en-US" sz="3200" dirty="0"/>
+          </a:p>
+          <a:p>
+            <a:pPr algn="ctr"/>
+            <a:r>
+              <a:rPr lang="en-US" sz="3200" dirty="0" smtClean="0"/>
+              <a:t>RFR model is exposed to un-exhaustible features. This makes is possible to incorporate lots of Indicators which of course is the bedrock of Technical (</a:t>
+            </a:r>
+            <a:r>
+              <a:rPr lang="en-US" sz="3200" i="1" dirty="0" smtClean="0"/>
+              <a:t>Non-Fundamental</a:t>
+            </a:r>
+            <a:r>
+              <a:rPr lang="en-US" sz="3200" dirty="0" smtClean="0"/>
+              <a:t>) analysis in predicting Forex trends.</a:t>
+            </a:r>
+            <a:endParaRPr lang="en-US" sz="3200" dirty="0"/>
+          </a:p>
+        </p:txBody>
+      </p:sp>
+    </p:spTree>
+    <p:extLst>
+      <p:ext uri="{BB962C8B-B14F-4D97-AF65-F5344CB8AC3E}">
+        <p14:creationId xmlns:p14="http://schemas.microsoft.com/office/powerpoint/2010/main" val="375198924"/>
+      </p:ext>
+    </p:extLst>
+  </p:cSld>
+  <p:clrMapOvr>
+    <a:masterClrMapping/>
+  </p:clrMapOvr>
+  <p:timing>
+    <p:tnLst>
+      <p:par>
+        <p:cTn id="1" dur="indefinite" restart="never" nodeType="tmRoot"/>
+      </p:par>
+    </p:tnLst>
+  </p:timing>
+</p:sld>
+</file>
+
+<file path=ppt/slides/slide24.xml><?xml version="1.0" encoding="utf-8"?>
+<p:sld xmlns:a="http://schemas.openxmlformats.org/drawingml/2006/main" xmlns:r="http://schemas.openxmlformats.org/officeDocument/2006/relationships" xmlns:p="http://schemas.openxmlformats.org/presentationml/2006/main">
+  <p:cSld>
+    <p:spTree>
+      <p:nvGrpSpPr>
+        <p:cNvPr id="1" name=""/>
+        <p:cNvGrpSpPr/>
+        <p:nvPr/>
+      </p:nvGrpSpPr>
+      <p:grpSpPr>
+        <a:xfrm>
+          <a:off x="0" y="0"/>
+          <a:ext cx="0" cy="0"/>
+          <a:chOff x="0" y="0"/>
+          <a:chExt cx="0" cy="0"/>
+        </a:xfrm>
+      </p:grpSpPr>
+      <p:sp>
+        <p:nvSpPr>
+          <p:cNvPr id="2" name="TextBox 1"/>
+          <p:cNvSpPr txBox="1"/>
+          <p:nvPr/>
+        </p:nvSpPr>
+        <p:spPr>
+          <a:xfrm>
+            <a:off x="1549952" y="-16565"/>
+            <a:ext cx="8680174" cy="830997"/>
+          </a:xfrm>
+          <a:prstGeom prst="rect">
+            <a:avLst/>
+          </a:prstGeom>
+          <a:noFill/>
+        </p:spPr>
+        <p:txBody>
+          <a:bodyPr wrap="square" rtlCol="0">
+            <a:spAutoFit/>
+          </a:bodyPr>
+          <a:lstStyle/>
+          <a:p>
+            <a:pPr algn="ctr"/>
             <a:r>
               <a:rPr lang="en-US" sz="4800" dirty="0" smtClean="0">
                 <a:latin typeface="Bahnschrift Light" panose="020B0502040204020203" pitchFamily="34" charset="0"/>
               </a:rPr>
-              <a:t>TDS</a:t>
+              <a:t>Raw data from TDS</a:t>
             </a:r>
             <a:endParaRPr lang="en-US" sz="4800" dirty="0">
               <a:latin typeface="Bahnschrift Light" panose="020B0502040204020203" pitchFamily="34" charset="0"/>
@@ -7169,10 +7373,17 @@
   <p:clrMapOvr>
     <a:masterClrMapping/>
   </p:clrMapOvr>
+  <p:timing>
+    <p:tnLst>
+      <p:par>
+        <p:cTn id="1" dur="indefinite" restart="never" nodeType="tmRoot"/>
+      </p:par>
+    </p:tnLst>
+  </p:timing>
 </p:sld>
 </file>
 
-<file path=ppt/slides/slide24.xml><?xml version="1.0" encoding="utf-8"?>
+<file path=ppt/slides/slide25.xml><?xml version="1.0" encoding="utf-8"?>
 <p:sld xmlns:a="http://schemas.openxmlformats.org/drawingml/2006/main" xmlns:r="http://schemas.openxmlformats.org/officeDocument/2006/relationships" xmlns:p="http://schemas.openxmlformats.org/presentationml/2006/main">
   <p:cSld>
     <p:spTree>
@@ -7288,122 +7499,13 @@
   <p:clrMapOvr>
     <a:masterClrMapping/>
   </p:clrMapOvr>
-</p:sld>
-</file>
-
-<file path=ppt/slides/slide25.xml><?xml version="1.0" encoding="utf-8"?>
-<p:sld xmlns:a="http://schemas.openxmlformats.org/drawingml/2006/main" xmlns:r="http://schemas.openxmlformats.org/officeDocument/2006/relationships" xmlns:p="http://schemas.openxmlformats.org/presentationml/2006/main">
-  <p:cSld>
-    <p:spTree>
-      <p:nvGrpSpPr>
-        <p:cNvPr id="1" name=""/>
-        <p:cNvGrpSpPr/>
-        <p:nvPr/>
-      </p:nvGrpSpPr>
-      <p:grpSpPr>
-        <a:xfrm>
-          <a:off x="0" y="0"/>
-          <a:ext cx="0" cy="0"/>
-          <a:chOff x="0" y="0"/>
-          <a:chExt cx="0" cy="0"/>
-        </a:xfrm>
-      </p:grpSpPr>
-      <p:sp>
-        <p:nvSpPr>
-          <p:cNvPr id="2" name="TextBox 1"/>
-          <p:cNvSpPr txBox="1"/>
-          <p:nvPr/>
-        </p:nvSpPr>
-        <p:spPr>
-          <a:xfrm>
-            <a:off x="622852" y="275535"/>
-            <a:ext cx="10527748" cy="830997"/>
-          </a:xfrm>
-          <a:prstGeom prst="rect">
-            <a:avLst/>
-          </a:prstGeom>
-          <a:noFill/>
-        </p:spPr>
-        <p:txBody>
-          <a:bodyPr wrap="square" rtlCol="0">
-            <a:spAutoFit/>
-          </a:bodyPr>
-          <a:lstStyle/>
-          <a:p>
-            <a:pPr algn="ctr"/>
-            <a:r>
-              <a:rPr lang="en-US" sz="4800" dirty="0">
-                <a:latin typeface="Bahnschrift Light" panose="020B0502040204020203" pitchFamily="34" charset="0"/>
-              </a:rPr>
-              <a:t>Random Forest Regressor (RFR)</a:t>
-            </a:r>
-          </a:p>
-        </p:txBody>
-      </p:sp>
-      <p:sp>
-        <p:nvSpPr>
-          <p:cNvPr id="3" name="TextBox 2"/>
-          <p:cNvSpPr txBox="1"/>
-          <p:nvPr/>
-        </p:nvSpPr>
-        <p:spPr>
-          <a:xfrm>
-            <a:off x="622852" y="1320800"/>
-            <a:ext cx="10718248" cy="5016758"/>
-          </a:xfrm>
-          <a:prstGeom prst="rect">
-            <a:avLst/>
-          </a:prstGeom>
-          <a:noFill/>
-        </p:spPr>
-        <p:txBody>
-          <a:bodyPr wrap="square" rtlCol="0">
-            <a:spAutoFit/>
-          </a:bodyPr>
-          <a:lstStyle/>
-          <a:p>
-            <a:pPr algn="just"/>
-            <a:r>
-              <a:rPr lang="en-US" sz="3200" dirty="0"/>
-              <a:t>Random Forest Regressor (RFR) is a supervised learning algorithm belonging to the ensemble learning family, specifically the random forest method, used for regression tasks. It's an extension of the Random Forest algorithm for classification</a:t>
-            </a:r>
-            <a:r>
-              <a:rPr lang="en-US" sz="3200" dirty="0" smtClean="0"/>
-              <a:t>.</a:t>
-            </a:r>
-          </a:p>
-          <a:p>
-            <a:pPr algn="just"/>
-            <a:r>
-              <a:rPr lang="en-US" sz="3200" dirty="0"/>
-              <a:t>Random Forest Regressor is known for its robustness, scalability, and ability to handle </a:t>
-            </a:r>
-            <a:r>
-              <a:rPr lang="en-US" sz="3200" b="1" i="1" dirty="0"/>
-              <a:t>high-dimensional data with a large number of features</a:t>
-            </a:r>
-            <a:r>
-              <a:rPr lang="en-US" sz="3200" dirty="0"/>
-              <a:t>. It often performs well across a wide range of regression problems and is less prone to overfitting compared to individual decision trees</a:t>
-            </a:r>
-            <a:r>
-              <a:rPr lang="en-US" sz="3200" dirty="0" smtClean="0"/>
-              <a:t>.</a:t>
-            </a:r>
-            <a:endParaRPr lang="en-US" dirty="0"/>
-          </a:p>
-        </p:txBody>
-      </p:sp>
-    </p:spTree>
-    <p:extLst>
-      <p:ext uri="{BB962C8B-B14F-4D97-AF65-F5344CB8AC3E}">
-        <p14:creationId xmlns:p14="http://schemas.microsoft.com/office/powerpoint/2010/main" val="4247388192"/>
-      </p:ext>
-    </p:extLst>
-  </p:cSld>
-  <p:clrMapOvr>
-    <a:masterClrMapping/>
-  </p:clrMapOvr>
+  <p:timing>
+    <p:tnLst>
+      <p:par>
+        <p:cTn id="1" dur="indefinite" restart="never" nodeType="tmRoot"/>
+      </p:par>
+    </p:tnLst>
+  </p:timing>
 </p:sld>
 </file>
 
@@ -7432,8 +7534,8 @@
         </p:nvSpPr>
         <p:spPr>
           <a:xfrm>
-            <a:off x="1308100" y="88900"/>
-            <a:ext cx="9271000" cy="707886"/>
+            <a:off x="622852" y="275535"/>
+            <a:ext cx="10527748" cy="830997"/>
           </a:xfrm>
           <a:prstGeom prst="rect">
             <a:avLst/>
@@ -7448,14 +7550,11 @@
           <a:p>
             <a:pPr algn="ctr"/>
             <a:r>
-              <a:rPr lang="en-US" sz="4000" dirty="0" smtClean="0">
+              <a:rPr lang="en-US" sz="4800" dirty="0">
                 <a:latin typeface="Bahnschrift Light" panose="020B0502040204020203" pitchFamily="34" charset="0"/>
               </a:rPr>
-              <a:t>…Flexibility and Robustness of RFR</a:t>
-            </a:r>
-            <a:endParaRPr lang="en-US" sz="4400" dirty="0">
-              <a:latin typeface="Bahnschrift Light" panose="020B0502040204020203" pitchFamily="34" charset="0"/>
-            </a:endParaRPr>
+              <a:t>Random Forest Regressor (RFR)</a:t>
+            </a:r>
           </a:p>
         </p:txBody>
       </p:sp>
@@ -7467,8 +7566,8 @@
         </p:nvSpPr>
         <p:spPr>
           <a:xfrm>
-            <a:off x="901700" y="939800"/>
-            <a:ext cx="10185400" cy="5016758"/>
+            <a:off x="622852" y="1320800"/>
+            <a:ext cx="10718248" cy="5016758"/>
           </a:xfrm>
           <a:prstGeom prst="rect">
             <a:avLst/>
@@ -7481,77 +7580,55 @@
           </a:bodyPr>
           <a:lstStyle/>
           <a:p>
+            <a:pPr algn="just"/>
             <a:r>
               <a:rPr lang="en-US" sz="3200" dirty="0"/>
-              <a:t>This model offered me the opportunity of adding as many features as I can in order to improve on my Predictions.</a:t>
-            </a:r>
-          </a:p>
-          <a:p>
+              <a:t>Random Forest Regressor (RFR) is a supervised learning algorithm belonging to the ensemble learning family, specifically the random forest method, used for regression tasks. It's an extension of the Random Forest algorithm for classification</a:t>
+            </a:r>
+            <a:r>
+              <a:rPr lang="en-US" sz="3200" dirty="0" smtClean="0"/>
+              <a:t>.</a:t>
+            </a:r>
+          </a:p>
+          <a:p>
+            <a:pPr algn="just"/>
             <a:r>
               <a:rPr lang="en-US" sz="3200" dirty="0"/>
-              <a:t>Here I employed the standard indicators </a:t>
+              <a:t>Random Forest Regressor is known for its robustness, scalability, and ability to handle </a:t>
+            </a:r>
+            <a:r>
+              <a:rPr lang="en-US" sz="3200" b="1" i="1" dirty="0"/>
+              <a:t>high-dimensional data with a large number of features</a:t>
+            </a:r>
+            <a:r>
+              <a:rPr lang="en-US" sz="3200" dirty="0"/>
+              <a:t>. It often performs well across a wide range of regression problems and is less prone to overfitting compared to individual decision trees</a:t>
             </a:r>
             <a:r>
               <a:rPr lang="en-US" sz="3200" dirty="0" smtClean="0"/>
-              <a:t>like:</a:t>
-            </a:r>
-          </a:p>
-          <a:p>
-            <a:r>
-              <a:rPr lang="en-US" sz="3200" dirty="0"/>
-              <a:t>RSI (Relative Strength </a:t>
-            </a:r>
-            <a:r>
-              <a:rPr lang="en-US" sz="3200" dirty="0" smtClean="0"/>
-              <a:t>Index)</a:t>
-            </a:r>
-          </a:p>
-          <a:p>
-            <a:r>
-              <a:rPr lang="en-US" sz="3200" dirty="0"/>
-              <a:t>SMA (Simple Moving Average)</a:t>
-            </a:r>
-            <a:endParaRPr lang="en-US" sz="3200" dirty="0" smtClean="0"/>
-          </a:p>
-          <a:p>
-            <a:r>
-              <a:rPr lang="en-US" sz="3200" dirty="0"/>
-              <a:t>EMA (Exponential Moving Average)</a:t>
-            </a:r>
-            <a:endParaRPr lang="en-US" sz="3200" dirty="0" smtClean="0"/>
-          </a:p>
-          <a:p>
-            <a:r>
-              <a:rPr lang="en-US" sz="3200" dirty="0"/>
-              <a:t>MACD (Moving Average Convergence/Divergence</a:t>
-            </a:r>
-            <a:r>
-              <a:rPr lang="en-US" sz="3200" dirty="0" smtClean="0"/>
-              <a:t>)</a:t>
-            </a:r>
-          </a:p>
-          <a:p>
-            <a:endParaRPr lang="en-US" sz="3200" dirty="0"/>
-          </a:p>
-          <a:p>
-            <a:r>
-              <a:rPr lang="en-US" sz="3200" dirty="0" smtClean="0"/>
-              <a:t>I can add as many more indicators in order to strengthen the quality of my predictions.</a:t>
-            </a:r>
-            <a:endParaRPr lang="en-US" sz="3200" dirty="0"/>
+              <a:t>.</a:t>
+            </a:r>
+            <a:endParaRPr lang="en-US" dirty="0"/>
           </a:p>
         </p:txBody>
       </p:sp>
     </p:spTree>
     <p:extLst>
       <p:ext uri="{BB962C8B-B14F-4D97-AF65-F5344CB8AC3E}">
-        <p14:creationId xmlns:p14="http://schemas.microsoft.com/office/powerpoint/2010/main" val="3814462460"/>
+        <p14:creationId xmlns:p14="http://schemas.microsoft.com/office/powerpoint/2010/main" val="4247388192"/>
       </p:ext>
     </p:extLst>
   </p:cSld>
   <p:clrMapOvr>
     <a:masterClrMapping/>
   </p:clrMapOvr>
+  <p:timing>
+    <p:tnLst>
+      <p:par>
+        <p:cTn id="1" dur="indefinite" restart="never" nodeType="tmRoot"/>
+      </p:par>
+    </p:tnLst>
+  </p:timing>
 </p:sld>
 </file>
 
@@ -7599,45 +7676,114 @@
               <a:rPr lang="en-US" sz="4000" dirty="0" smtClean="0">
                 <a:latin typeface="Bahnschrift Light" panose="020B0502040204020203" pitchFamily="34" charset="0"/>
               </a:rPr>
-              <a:t>My Codes </a:t>
-            </a:r>
-            <a:r>
-              <a:rPr lang="en-US" sz="2400" dirty="0" smtClean="0">
-                <a:latin typeface="Bahnschrift Light" panose="020B0502040204020203" pitchFamily="34" charset="0"/>
-              </a:rPr>
-              <a:t>(</a:t>
-            </a:r>
-            <a:r>
-              <a:rPr lang="en-US" sz="2400" i="1" dirty="0" smtClean="0">
-                <a:solidFill>
-                  <a:srgbClr val="0070C0"/>
-                </a:solidFill>
-                <a:latin typeface="Bahnschrift Light" panose="020B0502040204020203" pitchFamily="34" charset="0"/>
-              </a:rPr>
-              <a:t>Interesting Parts</a:t>
-            </a:r>
-            <a:r>
-              <a:rPr lang="en-US" sz="2400" dirty="0" smtClean="0">
-                <a:latin typeface="Bahnschrift Light" panose="020B0502040204020203" pitchFamily="34" charset="0"/>
-              </a:rPr>
-              <a:t>)</a:t>
-            </a:r>
-            <a:endParaRPr lang="en-US" sz="5400" dirty="0">
+              <a:t>…Flexibility and Robustness of RFR</a:t>
+            </a:r>
+            <a:endParaRPr lang="en-US" sz="4400" dirty="0">
               <a:latin typeface="Bahnschrift Light" panose="020B0502040204020203" pitchFamily="34" charset="0"/>
             </a:endParaRPr>
+          </a:p>
+        </p:txBody>
+      </p:sp>
+      <p:sp>
+        <p:nvSpPr>
+          <p:cNvPr id="3" name="TextBox 2"/>
+          <p:cNvSpPr txBox="1"/>
+          <p:nvPr/>
+        </p:nvSpPr>
+        <p:spPr>
+          <a:xfrm>
+            <a:off x="901700" y="939800"/>
+            <a:ext cx="10185400" cy="5016758"/>
+          </a:xfrm>
+          <a:prstGeom prst="rect">
+            <a:avLst/>
+          </a:prstGeom>
+          <a:noFill/>
+        </p:spPr>
+        <p:txBody>
+          <a:bodyPr wrap="square" rtlCol="0">
+            <a:spAutoFit/>
+          </a:bodyPr>
+          <a:lstStyle/>
+          <a:p>
+            <a:r>
+              <a:rPr lang="en-US" sz="3200" dirty="0"/>
+              <a:t>This model offered me the opportunity of adding as many features as I can in order to improve on my Predictions.</a:t>
+            </a:r>
+          </a:p>
+          <a:p>
+            <a:r>
+              <a:rPr lang="en-US" sz="3200" dirty="0"/>
+              <a:t>Here I employed the standard indicators </a:t>
+            </a:r>
+            <a:r>
+              <a:rPr lang="en-US" sz="3200" dirty="0" smtClean="0"/>
+              <a:t>like:</a:t>
+            </a:r>
+          </a:p>
+          <a:p>
+            <a:r>
+              <a:rPr lang="en-US" sz="3200" dirty="0"/>
+              <a:t>RSI (Relative Strength </a:t>
+            </a:r>
+            <a:r>
+              <a:rPr lang="en-US" sz="3200" dirty="0" smtClean="0"/>
+              <a:t>Index)</a:t>
+            </a:r>
+          </a:p>
+          <a:p>
+            <a:r>
+              <a:rPr lang="en-US" sz="3200" dirty="0"/>
+              <a:t>SMA (Simple Moving Average)</a:t>
+            </a:r>
+            <a:endParaRPr lang="en-US" sz="3200" dirty="0" smtClean="0"/>
+          </a:p>
+          <a:p>
+            <a:r>
+              <a:rPr lang="en-US" sz="3200" dirty="0"/>
+              <a:t>EMA (Exponential Moving Average)</a:t>
+            </a:r>
+            <a:endParaRPr lang="en-US" sz="3200" dirty="0" smtClean="0"/>
+          </a:p>
+          <a:p>
+            <a:r>
+              <a:rPr lang="en-US" sz="3200" dirty="0"/>
+              <a:t>MACD (Moving Average Convergence/Divergence</a:t>
+            </a:r>
+            <a:r>
+              <a:rPr lang="en-US" sz="3200" dirty="0" smtClean="0"/>
+              <a:t>)</a:t>
+            </a:r>
+          </a:p>
+          <a:p>
+            <a:endParaRPr lang="en-US" sz="3200" dirty="0"/>
+          </a:p>
+          <a:p>
+            <a:r>
+              <a:rPr lang="en-US" sz="3200" dirty="0" smtClean="0"/>
+              <a:t>I can add as many more indicators in order to strengthen the quality of my predictions.</a:t>
+            </a:r>
+            <a:endParaRPr lang="en-US" sz="3200" dirty="0"/>
           </a:p>
         </p:txBody>
       </p:sp>
     </p:spTree>
     <p:extLst>
       <p:ext uri="{BB962C8B-B14F-4D97-AF65-F5344CB8AC3E}">
-        <p14:creationId xmlns:p14="http://schemas.microsoft.com/office/powerpoint/2010/main" val="681915984"/>
+        <p14:creationId xmlns:p14="http://schemas.microsoft.com/office/powerpoint/2010/main" val="3814462460"/>
       </p:ext>
     </p:extLst>
   </p:cSld>
   <p:clrMapOvr>
     <a:masterClrMapping/>
   </p:clrMapOvr>
+  <p:timing>
+    <p:tnLst>
+      <p:par>
+        <p:cTn id="1" dur="indefinite" restart="never" nodeType="tmRoot"/>
+      </p:par>
+    </p:tnLst>
+  </p:timing>
 </p:sld>
 </file>
 
@@ -7685,80 +7831,52 @@
               <a:rPr lang="en-US" sz="4000" dirty="0" smtClean="0">
                 <a:latin typeface="Bahnschrift Light" panose="020B0502040204020203" pitchFamily="34" charset="0"/>
               </a:rPr>
-              <a:t>Future Plans</a:t>
-            </a:r>
-            <a:endParaRPr lang="en-US" sz="4400" dirty="0">
+              <a:t>My Codes </a:t>
+            </a:r>
+            <a:r>
+              <a:rPr lang="en-US" sz="2400" dirty="0" smtClean="0">
+                <a:latin typeface="Bahnschrift Light" panose="020B0502040204020203" pitchFamily="34" charset="0"/>
+              </a:rPr>
+              <a:t>(</a:t>
+            </a:r>
+            <a:r>
+              <a:rPr lang="en-US" sz="2400" i="1" dirty="0" smtClean="0">
+                <a:solidFill>
+                  <a:srgbClr val="0070C0"/>
+                </a:solidFill>
+                <a:latin typeface="Bahnschrift Light" panose="020B0502040204020203" pitchFamily="34" charset="0"/>
+              </a:rPr>
+              <a:t>Interesting Parts</a:t>
+            </a:r>
+            <a:r>
+              <a:rPr lang="en-US" sz="2400" dirty="0" smtClean="0">
+                <a:latin typeface="Bahnschrift Light" panose="020B0502040204020203" pitchFamily="34" charset="0"/>
+              </a:rPr>
+              <a:t>)</a:t>
+            </a:r>
+            <a:endParaRPr lang="en-US" sz="5400" dirty="0">
               <a:latin typeface="Bahnschrift Light" panose="020B0502040204020203" pitchFamily="34" charset="0"/>
             </a:endParaRPr>
-          </a:p>
-        </p:txBody>
-      </p:sp>
-      <p:sp>
-        <p:nvSpPr>
-          <p:cNvPr id="3" name="TextBox 2"/>
-          <p:cNvSpPr txBox="1"/>
-          <p:nvPr/>
-        </p:nvSpPr>
-        <p:spPr>
-          <a:xfrm>
-            <a:off x="825500" y="927100"/>
-            <a:ext cx="10210800" cy="5016758"/>
-          </a:xfrm>
-          <a:prstGeom prst="rect">
-            <a:avLst/>
-          </a:prstGeom>
-          <a:noFill/>
-        </p:spPr>
-        <p:txBody>
-          <a:bodyPr wrap="square" rtlCol="0">
-            <a:spAutoFit/>
-          </a:bodyPr>
-          <a:lstStyle/>
-          <a:p>
-            <a:r>
-              <a:rPr lang="en-US" sz="3200" dirty="0" smtClean="0"/>
-              <a:t>I will also explore alternative source where I can access the Macroeconomics indices maintained at bi-Annual, Quarterly, or Monthly levels.</a:t>
-            </a:r>
-          </a:p>
-          <a:p>
-            <a:endParaRPr lang="en-US" sz="3200" dirty="0"/>
-          </a:p>
-          <a:p>
-            <a:r>
-              <a:rPr lang="en-US" sz="3200" dirty="0"/>
-              <a:t>I plan to improve on my model by adding more Statistical and Technical features.</a:t>
-            </a:r>
-          </a:p>
-          <a:p>
-            <a:endParaRPr lang="en-US" sz="3200" dirty="0" smtClean="0"/>
-          </a:p>
-          <a:p>
-            <a:r>
-              <a:rPr lang="en-US" sz="3200" dirty="0" smtClean="0"/>
-              <a:t>I will explore a way of automatically accessing the </a:t>
-            </a:r>
-            <a:r>
-              <a:rPr lang="en-US" sz="3200" dirty="0"/>
-              <a:t>Statistical </a:t>
-            </a:r>
-            <a:r>
-              <a:rPr lang="en-US" sz="3200" dirty="0" smtClean="0"/>
-              <a:t>data from a source like Tick Data Suite(TDS) whose data is as close as the live data.</a:t>
-            </a:r>
-            <a:endParaRPr lang="en-US" sz="3200" dirty="0"/>
           </a:p>
         </p:txBody>
       </p:sp>
     </p:spTree>
     <p:extLst>
       <p:ext uri="{BB962C8B-B14F-4D97-AF65-F5344CB8AC3E}">
-        <p14:creationId xmlns:p14="http://schemas.microsoft.com/office/powerpoint/2010/main" val="685488599"/>
+        <p14:creationId xmlns:p14="http://schemas.microsoft.com/office/powerpoint/2010/main" val="681915984"/>
       </p:ext>
     </p:extLst>
   </p:cSld>
   <p:clrMapOvr>
     <a:masterClrMapping/>
   </p:clrMapOvr>
+  <p:timing>
+    <p:tnLst>
+      <p:par>
+        <p:cTn id="1" dur="indefinite" restart="never" nodeType="tmRoot"/>
+      </p:par>
+    </p:tnLst>
+  </p:timing>
 </p:sld>
 </file>
 
@@ -7787,8 +7905,8 @@
         </p:nvSpPr>
         <p:spPr>
           <a:xfrm>
-            <a:off x="1143552" y="3120335"/>
-            <a:ext cx="8680174" cy="830997"/>
+            <a:off x="1308100" y="88900"/>
+            <a:ext cx="9271000" cy="707886"/>
           </a:xfrm>
           <a:prstGeom prst="rect">
             <a:avLst/>
@@ -7803,27 +7921,90 @@
           <a:p>
             <a:pPr algn="ctr"/>
             <a:r>
-              <a:rPr lang="en-US" sz="4800" dirty="0" smtClean="0">
+              <a:rPr lang="en-US" sz="4000" dirty="0" smtClean="0">
                 <a:latin typeface="Bahnschrift Light" panose="020B0502040204020203" pitchFamily="34" charset="0"/>
               </a:rPr>
-              <a:t>Thank you</a:t>
-            </a:r>
-            <a:endParaRPr lang="en-US" sz="4800" dirty="0">
+              <a:t>Future Plans</a:t>
+            </a:r>
+            <a:endParaRPr lang="en-US" sz="4400" dirty="0">
               <a:latin typeface="Bahnschrift Light" panose="020B0502040204020203" pitchFamily="34" charset="0"/>
             </a:endParaRPr>
+          </a:p>
+        </p:txBody>
+      </p:sp>
+      <p:sp>
+        <p:nvSpPr>
+          <p:cNvPr id="3" name="TextBox 2"/>
+          <p:cNvSpPr txBox="1"/>
+          <p:nvPr/>
+        </p:nvSpPr>
+        <p:spPr>
+          <a:xfrm>
+            <a:off x="825500" y="927100"/>
+            <a:ext cx="10210800" cy="5016758"/>
+          </a:xfrm>
+          <a:prstGeom prst="rect">
+            <a:avLst/>
+          </a:prstGeom>
+          <a:noFill/>
+        </p:spPr>
+        <p:txBody>
+          <a:bodyPr wrap="square" rtlCol="0">
+            <a:spAutoFit/>
+          </a:bodyPr>
+          <a:lstStyle/>
+          <a:p>
+            <a:r>
+              <a:rPr lang="en-US" sz="3200" dirty="0" smtClean="0"/>
+              <a:t>I will also explore alternative source where I can access the Macroeconomics indices maintained at bi-Annual, Quarterly, or Monthly levels.</a:t>
+            </a:r>
+          </a:p>
+          <a:p>
+            <a:endParaRPr lang="en-US" sz="3200" dirty="0"/>
+          </a:p>
+          <a:p>
+            <a:r>
+              <a:rPr lang="en-US" sz="3200" dirty="0"/>
+              <a:t>I plan to improve on my model by adding more Statistical and Technical features.</a:t>
+            </a:r>
+          </a:p>
+          <a:p>
+            <a:endParaRPr lang="en-US" sz="3200" dirty="0" smtClean="0"/>
+          </a:p>
+          <a:p>
+            <a:r>
+              <a:rPr lang="en-US" sz="3200" dirty="0" smtClean="0"/>
+              <a:t>I will explore a way of automatically accessing the </a:t>
+            </a:r>
+            <a:r>
+              <a:rPr lang="en-US" sz="3200" dirty="0"/>
+              <a:t>Statistical </a:t>
+            </a:r>
+            <a:r>
+              <a:rPr lang="en-US" sz="3200" dirty="0" smtClean="0"/>
+              <a:t>data from a source like Tick Data Suite(TDS) whose data is as close as the live data.</a:t>
+            </a:r>
+            <a:endParaRPr lang="en-US" sz="3200" dirty="0"/>
           </a:p>
         </p:txBody>
       </p:sp>
     </p:spTree>
     <p:extLst>
       <p:ext uri="{BB962C8B-B14F-4D97-AF65-F5344CB8AC3E}">
-        <p14:creationId xmlns:p14="http://schemas.microsoft.com/office/powerpoint/2010/main" val="372485860"/>
+        <p14:creationId xmlns:p14="http://schemas.microsoft.com/office/powerpoint/2010/main" val="685488599"/>
       </p:ext>
     </p:extLst>
   </p:cSld>
   <p:clrMapOvr>
     <a:masterClrMapping/>
   </p:clrMapOvr>
+  <p:timing>
+    <p:tnLst>
+      <p:par>
+        <p:cTn id="1" dur="indefinite" restart="never" nodeType="tmRoot"/>
+      </p:par>
+    </p:tnLst>
+  </p:timing>
 </p:sld>
 </file>
 
@@ -8044,6 +8225,78 @@
   <p:clrMapOvr>
     <a:masterClrMapping/>
   </p:clrMapOvr>
+</p:sld>
+</file>
+
+<file path=ppt/slides/slide30.xml><?xml version="1.0" encoding="utf-8"?>
+<p:sld xmlns:a="http://schemas.openxmlformats.org/drawingml/2006/main" xmlns:r="http://schemas.openxmlformats.org/officeDocument/2006/relationships" xmlns:p="http://schemas.openxmlformats.org/presentationml/2006/main">
+  <p:cSld>
+    <p:spTree>
+      <p:nvGrpSpPr>
+        <p:cNvPr id="1" name=""/>
+        <p:cNvGrpSpPr/>
+        <p:nvPr/>
+      </p:nvGrpSpPr>
+      <p:grpSpPr>
+        <a:xfrm>
+          <a:off x="0" y="0"/>
+          <a:ext cx="0" cy="0"/>
+          <a:chOff x="0" y="0"/>
+          <a:chExt cx="0" cy="0"/>
+        </a:xfrm>
+      </p:grpSpPr>
+      <p:sp>
+        <p:nvSpPr>
+          <p:cNvPr id="2" name="TextBox 1"/>
+          <p:cNvSpPr txBox="1"/>
+          <p:nvPr/>
+        </p:nvSpPr>
+        <p:spPr>
+          <a:xfrm>
+            <a:off x="1143552" y="3120335"/>
+            <a:ext cx="8680174" cy="830997"/>
+          </a:xfrm>
+          <a:prstGeom prst="rect">
+            <a:avLst/>
+          </a:prstGeom>
+          <a:noFill/>
+        </p:spPr>
+        <p:txBody>
+          <a:bodyPr wrap="square" rtlCol="0">
+            <a:spAutoFit/>
+          </a:bodyPr>
+          <a:lstStyle/>
+          <a:p>
+            <a:pPr algn="ctr"/>
+            <a:r>
+              <a:rPr lang="en-US" sz="4800" dirty="0" smtClean="0">
+                <a:latin typeface="Bahnschrift Light" panose="020B0502040204020203" pitchFamily="34" charset="0"/>
+              </a:rPr>
+              <a:t>Thank you</a:t>
+            </a:r>
+            <a:endParaRPr lang="en-US" sz="4800" dirty="0">
+              <a:latin typeface="Bahnschrift Light" panose="020B0502040204020203" pitchFamily="34" charset="0"/>
+            </a:endParaRPr>
+          </a:p>
+        </p:txBody>
+      </p:sp>
+    </p:spTree>
+    <p:extLst>
+      <p:ext uri="{BB962C8B-B14F-4D97-AF65-F5344CB8AC3E}">
+        <p14:creationId xmlns:p14="http://schemas.microsoft.com/office/powerpoint/2010/main" val="372485860"/>
+      </p:ext>
+    </p:extLst>
+  </p:cSld>
+  <p:clrMapOvr>
+    <a:masterClrMapping/>
+  </p:clrMapOvr>
+  <p:timing>
+    <p:tnLst>
+      <p:par>
+        <p:cTn id="1" dur="indefinite" restart="never" nodeType="tmRoot"/>
+      </p:par>
+    </p:tnLst>
+  </p:timing>
 </p:sld>
 </file>
 
@@ -8890,7 +9143,7 @@
           <p:spPr>
             <a:xfrm>
               <a:off x="8940800" y="2933700"/>
-              <a:ext cx="1181100" cy="1200329"/>
+              <a:ext cx="1181100" cy="1477328"/>
             </a:xfrm>
             <a:prstGeom prst="rect">
               <a:avLst/>
@@ -8921,6 +9174,14 @@
                 <a:rPr lang="en-US" dirty="0" smtClean="0"/>
                 <a:t>Split</a:t>
               </a:r>
+            </a:p>
+            <a:p>
+              <a:pPr algn="ctr"/>
+              <a:r>
+                <a:rPr lang="en-US" dirty="0" smtClean="0"/>
+                <a:t>Scale</a:t>
+              </a:r>
+              <a:endParaRPr lang="en-US" dirty="0" smtClean="0"/>
             </a:p>
             <a:p>
               <a:pPr algn="ctr"/>
@@ -9221,52 +9482,26 @@
               <a:rPr lang="en-US" sz="3600" dirty="0" smtClean="0">
                 <a:sym typeface="Wingdings" panose="05000000000000000000" pitchFamily="2" charset="2"/>
               </a:rPr>
-              <a:t> </a:t>
+              <a:t> From</a:t>
+            </a:r>
+            <a:r>
+              <a:rPr lang="en-US" sz="3600" dirty="0" smtClean="0"/>
+              <a:t> year 2003 to May-2024 {with over 5,500 records}</a:t>
+            </a:r>
+          </a:p>
+          <a:p>
+            <a:endParaRPr lang="en-US" sz="3600" dirty="0" smtClean="0"/>
+          </a:p>
+          <a:p>
+            <a:r>
+              <a:rPr lang="en-US" sz="3600" dirty="0" smtClean="0"/>
+              <a:t>(b) Investing.Com </a:t>
             </a:r>
             <a:r>
               <a:rPr lang="en-US" sz="3600" dirty="0" smtClean="0">
                 <a:sym typeface="Wingdings" panose="05000000000000000000" pitchFamily="2" charset="2"/>
               </a:rPr>
-              <a:t>From</a:t>
-            </a:r>
-            <a:r>
-              <a:rPr lang="en-US" sz="3600" dirty="0" smtClean="0"/>
-              <a:t> year 2003 to May-2024 {with over </a:t>
-            </a:r>
-            <a:r>
-              <a:rPr lang="en-US" sz="3600" dirty="0" smtClean="0"/>
-              <a:t>5,500 </a:t>
-            </a:r>
-            <a:r>
-              <a:rPr lang="en-US" sz="3600" dirty="0" smtClean="0"/>
-              <a:t>records}</a:t>
-            </a:r>
-          </a:p>
-          <a:p>
-            <a:endParaRPr lang="en-US" sz="3600" dirty="0" smtClean="0"/>
-          </a:p>
-          <a:p>
-            <a:r>
-              <a:rPr lang="en-US" sz="3600" dirty="0" smtClean="0"/>
-              <a:t>(b) Investing.Com </a:t>
-            </a:r>
-            <a:r>
-              <a:rPr lang="en-US" sz="3600" dirty="0" smtClean="0">
-                <a:sym typeface="Wingdings" panose="05000000000000000000" pitchFamily="2" charset="2"/>
-              </a:rPr>
-              <a:t> From 1982 to May-2024 {with over 	</a:t>
-            </a:r>
-            <a:r>
-              <a:rPr lang="en-US" sz="3600" dirty="0" smtClean="0">
-                <a:sym typeface="Wingdings" panose="05000000000000000000" pitchFamily="2" charset="2"/>
-              </a:rPr>
-              <a:t>11,100 </a:t>
-            </a:r>
-            <a:r>
-              <a:rPr lang="en-US" sz="3600" dirty="0" smtClean="0">
-                <a:sym typeface="Wingdings" panose="05000000000000000000" pitchFamily="2" charset="2"/>
-              </a:rPr>
-              <a:t>records}</a:t>
+              <a:t> From 1982 to May-2024 {with over 	11,100 records}</a:t>
             </a:r>
             <a:endParaRPr lang="en-US" sz="3600" dirty="0" smtClean="0"/>
           </a:p>
@@ -9454,11 +9689,7 @@
             </a:r>
             <a:r>
               <a:rPr lang="en-US" sz="2400" dirty="0"/>
-              <a:t>sourced from the </a:t>
-            </a:r>
-            <a:r>
-              <a:rPr lang="en-US" sz="2400" dirty="0"/>
-              <a:t>Federal Reserve Economic Data (FRED)</a:t>
+              <a:t>sourced from the Federal Reserve Economic Data (FRED)</a:t>
             </a:r>
             <a:r>
               <a:rPr lang="en-US" sz="2400" dirty="0" smtClean="0"/>

--- a/MyBDAThesis/Akubue Simon - Thesis Presentation.pptx
+++ b/MyBDAThesis/Akubue Simon - Thesis Presentation.pptx
@@ -31,10 +31,8 @@
     <p:sldId id="295" r:id="rId25"/>
     <p:sldId id="294" r:id="rId26"/>
     <p:sldId id="272" r:id="rId27"/>
-    <p:sldId id="286" r:id="rId28"/>
-    <p:sldId id="307" r:id="rId29"/>
-    <p:sldId id="288" r:id="rId30"/>
-    <p:sldId id="268" r:id="rId31"/>
+    <p:sldId id="288" r:id="rId28"/>
+    <p:sldId id="268" r:id="rId29"/>
   </p:sldIdLst>
   <p:sldSz cx="12192000" cy="6858000"/>
   <p:notesSz cx="6858000" cy="9144000"/>
@@ -4394,11 +4392,7 @@
                 <a:pPr algn="ctr"/>
                 <a:r>
                   <a:rPr lang="en-US" dirty="0" smtClean="0"/>
-                  <a:t>Split &amp; Scale </a:t>
-                </a:r>
-                <a:r>
-                  <a:rPr lang="en-US" dirty="0" smtClean="0"/>
-                  <a:t>the Data</a:t>
+                  <a:t>Split &amp; Scale the Data</a:t>
                 </a:r>
                 <a:endParaRPr lang="en-US" dirty="0"/>
               </a:p>
@@ -5058,7 +5052,13 @@
               <a:rPr lang="en-US" sz="3200" dirty="0" smtClean="0">
                 <a:latin typeface="Bahnschrift Light" panose="020B0502040204020203" pitchFamily="34" charset="0"/>
               </a:rPr>
-              <a:t>{Without Label}</a:t>
+              <a:t>{Before </a:t>
+            </a:r>
+            <a:r>
+              <a:rPr lang="en-US" sz="3200" dirty="0" smtClean="0">
+                <a:latin typeface="Bahnschrift Light" panose="020B0502040204020203" pitchFamily="34" charset="0"/>
+              </a:rPr>
+              <a:t>Label}</a:t>
             </a:r>
             <a:endParaRPr lang="en-US" sz="3200" dirty="0">
               <a:latin typeface="Bahnschrift Light" panose="020B0502040204020203" pitchFamily="34" charset="0"/>
@@ -5098,13 +5098,18 @@
         </p:nvSpPr>
         <p:spPr>
           <a:xfrm>
-            <a:off x="7823200" y="2311400"/>
-            <a:ext cx="914400" cy="4267200"/>
+            <a:off x="7823200" y="2260600"/>
+            <a:ext cx="914400" cy="3111500"/>
           </a:xfrm>
           <a:prstGeom prst="rect">
             <a:avLst/>
           </a:prstGeom>
           <a:noFill/>
+          <a:ln w="38100">
+            <a:solidFill>
+              <a:srgbClr val="00B050"/>
+            </a:solidFill>
+          </a:ln>
         </p:spPr>
         <p:style>
           <a:lnRef idx="2">
@@ -5125,7 +5130,11 @@
           <a:lstStyle/>
           <a:p>
             <a:pPr algn="ctr"/>
-            <a:endParaRPr lang="en-US"/>
+            <a:endParaRPr lang="en-US">
+              <a:solidFill>
+                <a:srgbClr val="00B050"/>
+              </a:solidFill>
+            </a:endParaRPr>
           </a:p>
         </p:txBody>
       </p:sp>
@@ -5239,6 +5248,7 @@
             <a:avLst/>
           </a:prstGeom>
           <a:noFill/>
+          <a:ln w="28575"/>
         </p:spPr>
         <p:style>
           <a:lnRef idx="2">
@@ -5278,6 +5288,7 @@
             <a:avLst/>
           </a:prstGeom>
           <a:noFill/>
+          <a:ln w="28575"/>
         </p:spPr>
         <p:style>
           <a:lnRef idx="2">
@@ -6528,7 +6539,7 @@
       </p:sp>
       <p:pic>
         <p:nvPicPr>
-          <p:cNvPr id="2" name="Picture 1"/>
+          <p:cNvPr id="5" name="Picture 4"/>
           <p:cNvPicPr>
             <a:picLocks noChangeAspect="1"/>
           </p:cNvPicPr>
@@ -6542,8 +6553,8 @@
         </p:blipFill>
         <p:spPr>
           <a:xfrm>
-            <a:off x="276712" y="1326296"/>
-            <a:ext cx="11345246" cy="4464904"/>
+            <a:off x="84791" y="1415197"/>
+            <a:ext cx="11996865" cy="4744303"/>
           </a:xfrm>
           <a:prstGeom prst="rect">
             <a:avLst/>
@@ -7186,7 +7197,7 @@
         <p:spPr>
           <a:xfrm>
             <a:off x="909429" y="725557"/>
-            <a:ext cx="10257183" cy="6001643"/>
+            <a:ext cx="10257183" cy="4031873"/>
           </a:xfrm>
           <a:prstGeom prst="rect">
             <a:avLst/>
@@ -7202,7 +7213,19 @@
             <a:pPr algn="ctr"/>
             <a:r>
               <a:rPr lang="en-US" sz="3200" dirty="0" smtClean="0"/>
-              <a:t>From the above analysis, on reviewing the MAE and MSE, and RMSE values from all the models considered, it is apparently clear that “</a:t>
+              <a:t>From the above analysis, on reviewing the MAE and MSE, </a:t>
+            </a:r>
+            <a:r>
+              <a:rPr lang="en-US" sz="3200" dirty="0" smtClean="0"/>
+              <a:t>RMSE, and </a:t>
+            </a:r>
+            <a:r>
+              <a:rPr lang="en-US" sz="3200" dirty="0" smtClean="0"/>
+              <a:t>R² values </a:t>
+            </a:r>
+            <a:r>
+              <a:rPr lang="en-US" sz="3200" dirty="0" smtClean="0"/>
+              <a:t>from all the models considered, it is apparently clear that “</a:t>
             </a:r>
             <a:r>
               <a:rPr lang="en-US" sz="3200" b="1" dirty="0" smtClean="0"/>
@@ -7218,11 +7241,19 @@
             </a:r>
             <a:r>
               <a:rPr lang="en-US" sz="3200" dirty="0" smtClean="0"/>
-              <a:t>” and “</a:t>
+              <a:t>” and </a:t>
+            </a:r>
+            <a:r>
+              <a:rPr lang="en-US" sz="3200" dirty="0" smtClean="0"/>
+              <a:t>“</a:t>
             </a:r>
             <a:r>
               <a:rPr lang="en-US" sz="3200" b="1" dirty="0" smtClean="0"/>
-              <a:t>Ridge Regression</a:t>
+              <a:t>Bayesian Ridge </a:t>
+            </a:r>
+            <a:r>
+              <a:rPr lang="en-US" sz="3200" b="1" dirty="0" smtClean="0"/>
+              <a:t>Regression</a:t>
             </a:r>
             <a:r>
               <a:rPr lang="en-US" sz="3200" dirty="0" smtClean="0"/>
@@ -7242,27 +7273,27 @@
             </a:r>
             <a:r>
               <a:rPr lang="en-US" sz="3200" dirty="0" smtClean="0"/>
-              <a:t>due to its robustness about accepting as many features as I wish.</a:t>
+              <a:t>due to its robustness about </a:t>
+            </a:r>
+            <a:r>
+              <a:rPr lang="en-US" sz="3200" dirty="0" smtClean="0"/>
+              <a:t>being exposed to many parameters for </a:t>
+            </a:r>
+            <a:r>
+              <a:rPr lang="en-US" sz="3200" dirty="0" err="1" smtClean="0"/>
+              <a:t>tning</a:t>
+            </a:r>
+            <a:r>
+              <a:rPr lang="en-US" sz="3200" dirty="0" smtClean="0"/>
+              <a:t> </a:t>
+            </a:r>
+            <a:r>
+              <a:rPr lang="en-US" sz="3200" dirty="0" smtClean="0"/>
+              <a:t>as I wish.</a:t>
             </a:r>
           </a:p>
           <a:p>
             <a:pPr algn="ctr"/>
-            <a:endParaRPr lang="en-US" sz="3200" dirty="0"/>
-          </a:p>
-          <a:p>
-            <a:pPr algn="ctr"/>
-            <a:r>
-              <a:rPr lang="en-US" sz="3200" dirty="0" smtClean="0"/>
-              <a:t>RFR model is exposed to un-exhaustible features. This makes is possible to incorporate lots of Indicators which of course is the bedrock of Technical (</a:t>
-            </a:r>
-            <a:r>
-              <a:rPr lang="en-US" sz="3200" i="1" dirty="0" smtClean="0"/>
-              <a:t>Non-Fundamental</a:t>
-            </a:r>
-            <a:r>
-              <a:rPr lang="en-US" sz="3200" dirty="0" smtClean="0"/>
-              <a:t>) analysis in predicting Forex trends.</a:t>
-            </a:r>
             <a:endParaRPr lang="en-US" sz="3200" dirty="0"/>
           </a:p>
         </p:txBody>
@@ -7676,7 +7707,7 @@
               <a:rPr lang="en-US" sz="4000" dirty="0" smtClean="0">
                 <a:latin typeface="Bahnschrift Light" panose="020B0502040204020203" pitchFamily="34" charset="0"/>
               </a:rPr>
-              <a:t>…Flexibility and Robustness of RFR</a:t>
+              <a:t>Future Plans</a:t>
             </a:r>
             <a:endParaRPr lang="en-US" sz="4400" dirty="0">
               <a:latin typeface="Bahnschrift Light" panose="020B0502040204020203" pitchFamily="34" charset="0"/>
@@ -7692,8 +7723,8 @@
         </p:nvSpPr>
         <p:spPr>
           <a:xfrm>
-            <a:off x="901700" y="939800"/>
-            <a:ext cx="10185400" cy="5016758"/>
+            <a:off x="825500" y="927100"/>
+            <a:ext cx="10210800" cy="5016758"/>
           </a:xfrm>
           <a:prstGeom prst="rect">
             <a:avLst/>
@@ -7707,61 +7738,62 @@
           <a:lstStyle/>
           <a:p>
             <a:r>
+              <a:rPr lang="en-US" sz="3200" dirty="0" smtClean="0"/>
+              <a:t>I will also explore alternative source where I can access the Macroeconomics indices maintained at </a:t>
+            </a:r>
+            <a:r>
+              <a:rPr lang="en-US" sz="3200" dirty="0" smtClean="0"/>
+              <a:t>more frequent basis; possibly weekly</a:t>
+            </a:r>
+            <a:r>
+              <a:rPr lang="en-US" sz="3200" dirty="0" smtClean="0"/>
+              <a:t>, </a:t>
+            </a:r>
+            <a:r>
+              <a:rPr lang="en-US" sz="3200" dirty="0" smtClean="0"/>
+              <a:t>or </a:t>
+            </a:r>
+            <a:r>
+              <a:rPr lang="en-US" sz="3200" dirty="0" smtClean="0"/>
+              <a:t>even daily </a:t>
+            </a:r>
+            <a:r>
+              <a:rPr lang="en-US" sz="3200" dirty="0" smtClean="0"/>
+              <a:t>levels.</a:t>
+            </a:r>
+          </a:p>
+          <a:p>
+            <a:endParaRPr lang="en-US" sz="3200" dirty="0"/>
+          </a:p>
+          <a:p>
+            <a:r>
               <a:rPr lang="en-US" sz="3200" dirty="0"/>
-              <a:t>This model offered me the opportunity of adding as many features as I can in order to improve on my Predictions.</a:t>
-            </a:r>
-          </a:p>
-          <a:p>
+              <a:t>I plan to improve on my model by adding more </a:t>
+            </a:r>
+            <a:r>
+              <a:rPr lang="en-US" sz="3200" dirty="0" smtClean="0"/>
+              <a:t>Technical </a:t>
+            </a:r>
             <a:r>
               <a:rPr lang="en-US" sz="3200" dirty="0"/>
-              <a:t>Here I employed the standard indicators </a:t>
-            </a:r>
+              <a:t>features.</a:t>
+            </a:r>
+          </a:p>
+          <a:p>
+            <a:endParaRPr lang="en-US" sz="3200" dirty="0" smtClean="0"/>
+          </a:p>
+          <a:p>
             <a:r>
               <a:rPr lang="en-US" sz="3200" dirty="0" smtClean="0"/>
-              <a:t>like:</a:t>
-            </a:r>
-          </a:p>
-          <a:p>
+              <a:t>I will explore a way of automatically accessing the </a:t>
+            </a:r>
             <a:r>
               <a:rPr lang="en-US" sz="3200" dirty="0"/>
-              <a:t>RSI (Relative Strength </a:t>
+              <a:t>Statistical </a:t>
             </a:r>
             <a:r>
               <a:rPr lang="en-US" sz="3200" dirty="0" smtClean="0"/>
-              <a:t>Index)</a:t>
-            </a:r>
-          </a:p>
-          <a:p>
-            <a:r>
-              <a:rPr lang="en-US" sz="3200" dirty="0"/>
-              <a:t>SMA (Simple Moving Average)</a:t>
-            </a:r>
-            <a:endParaRPr lang="en-US" sz="3200" dirty="0" smtClean="0"/>
-          </a:p>
-          <a:p>
-            <a:r>
-              <a:rPr lang="en-US" sz="3200" dirty="0"/>
-              <a:t>EMA (Exponential Moving Average)</a:t>
-            </a:r>
-            <a:endParaRPr lang="en-US" sz="3200" dirty="0" smtClean="0"/>
-          </a:p>
-          <a:p>
-            <a:r>
-              <a:rPr lang="en-US" sz="3200" dirty="0"/>
-              <a:t>MACD (Moving Average Convergence/Divergence</a:t>
-            </a:r>
-            <a:r>
-              <a:rPr lang="en-US" sz="3200" dirty="0" smtClean="0"/>
-              <a:t>)</a:t>
-            </a:r>
-          </a:p>
-          <a:p>
-            <a:endParaRPr lang="en-US" sz="3200" dirty="0"/>
-          </a:p>
-          <a:p>
-            <a:r>
-              <a:rPr lang="en-US" sz="3200" dirty="0" smtClean="0"/>
-              <a:t>I can add as many more indicators in order to strengthen the quality of my predictions.</a:t>
+              <a:t>data from a source like Tick Data Suite(TDS) whose data is as close as the live data.</a:t>
             </a:r>
             <a:endParaRPr lang="en-US" sz="3200" dirty="0"/>
           </a:p>
@@ -7770,7 +7802,7 @@
     </p:spTree>
     <p:extLst>
       <p:ext uri="{BB962C8B-B14F-4D97-AF65-F5344CB8AC3E}">
-        <p14:creationId xmlns:p14="http://schemas.microsoft.com/office/powerpoint/2010/main" val="3814462460"/>
+        <p14:creationId xmlns:p14="http://schemas.microsoft.com/office/powerpoint/2010/main" val="685488599"/>
       </p:ext>
     </p:extLst>
   </p:cSld>
@@ -7812,8 +7844,8 @@
         </p:nvSpPr>
         <p:spPr>
           <a:xfrm>
-            <a:off x="1308100" y="88900"/>
-            <a:ext cx="9271000" cy="707886"/>
+            <a:off x="1143552" y="3120335"/>
+            <a:ext cx="8680174" cy="830997"/>
           </a:xfrm>
           <a:prstGeom prst="rect">
             <a:avLst/>
@@ -7828,33 +7860,12 @@
           <a:p>
             <a:pPr algn="ctr"/>
             <a:r>
-              <a:rPr lang="en-US" sz="4000" dirty="0" smtClean="0">
+              <a:rPr lang="en-US" sz="4800" dirty="0" smtClean="0">
                 <a:latin typeface="Bahnschrift Light" panose="020B0502040204020203" pitchFamily="34" charset="0"/>
               </a:rPr>
-              <a:t>My Codes </a:t>
-            </a:r>
-            <a:r>
-              <a:rPr lang="en-US" sz="2400" dirty="0" smtClean="0">
-                <a:latin typeface="Bahnschrift Light" panose="020B0502040204020203" pitchFamily="34" charset="0"/>
-              </a:rPr>
-              <a:t>(</a:t>
-            </a:r>
-            <a:r>
-              <a:rPr lang="en-US" sz="2400" i="1" dirty="0" smtClean="0">
-                <a:solidFill>
-                  <a:srgbClr val="0070C0"/>
-                </a:solidFill>
-                <a:latin typeface="Bahnschrift Light" panose="020B0502040204020203" pitchFamily="34" charset="0"/>
-              </a:rPr>
-              <a:t>Interesting Parts</a:t>
-            </a:r>
-            <a:r>
-              <a:rPr lang="en-US" sz="2400" dirty="0" smtClean="0">
-                <a:latin typeface="Bahnschrift Light" panose="020B0502040204020203" pitchFamily="34" charset="0"/>
-              </a:rPr>
-              <a:t>)</a:t>
-            </a:r>
-            <a:endParaRPr lang="en-US" sz="5400" dirty="0">
+              <a:t>Thank you</a:t>
+            </a:r>
+            <a:endParaRPr lang="en-US" sz="4800" dirty="0">
               <a:latin typeface="Bahnschrift Light" panose="020B0502040204020203" pitchFamily="34" charset="0"/>
             </a:endParaRPr>
           </a:p>
@@ -7863,135 +7874,7 @@
     </p:spTree>
     <p:extLst>
       <p:ext uri="{BB962C8B-B14F-4D97-AF65-F5344CB8AC3E}">
-        <p14:creationId xmlns:p14="http://schemas.microsoft.com/office/powerpoint/2010/main" val="681915984"/>
-      </p:ext>
-    </p:extLst>
-  </p:cSld>
-  <p:clrMapOvr>
-    <a:masterClrMapping/>
-  </p:clrMapOvr>
-  <p:timing>
-    <p:tnLst>
-      <p:par>
-        <p:cTn id="1" dur="indefinite" restart="never" nodeType="tmRoot"/>
-      </p:par>
-    </p:tnLst>
-  </p:timing>
-</p:sld>
-</file>
-
-<file path=ppt/slides/slide29.xml><?xml version="1.0" encoding="utf-8"?>
-<p:sld xmlns:a="http://schemas.openxmlformats.org/drawingml/2006/main" xmlns:r="http://schemas.openxmlformats.org/officeDocument/2006/relationships" xmlns:p="http://schemas.openxmlformats.org/presentationml/2006/main">
-  <p:cSld>
-    <p:spTree>
-      <p:nvGrpSpPr>
-        <p:cNvPr id="1" name=""/>
-        <p:cNvGrpSpPr/>
-        <p:nvPr/>
-      </p:nvGrpSpPr>
-      <p:grpSpPr>
-        <a:xfrm>
-          <a:off x="0" y="0"/>
-          <a:ext cx="0" cy="0"/>
-          <a:chOff x="0" y="0"/>
-          <a:chExt cx="0" cy="0"/>
-        </a:xfrm>
-      </p:grpSpPr>
-      <p:sp>
-        <p:nvSpPr>
-          <p:cNvPr id="2" name="TextBox 1"/>
-          <p:cNvSpPr txBox="1"/>
-          <p:nvPr/>
-        </p:nvSpPr>
-        <p:spPr>
-          <a:xfrm>
-            <a:off x="1308100" y="88900"/>
-            <a:ext cx="9271000" cy="707886"/>
-          </a:xfrm>
-          <a:prstGeom prst="rect">
-            <a:avLst/>
-          </a:prstGeom>
-          <a:noFill/>
-        </p:spPr>
-        <p:txBody>
-          <a:bodyPr wrap="square" rtlCol="0">
-            <a:spAutoFit/>
-          </a:bodyPr>
-          <a:lstStyle/>
-          <a:p>
-            <a:pPr algn="ctr"/>
-            <a:r>
-              <a:rPr lang="en-US" sz="4000" dirty="0" smtClean="0">
-                <a:latin typeface="Bahnschrift Light" panose="020B0502040204020203" pitchFamily="34" charset="0"/>
-              </a:rPr>
-              <a:t>Future Plans</a:t>
-            </a:r>
-            <a:endParaRPr lang="en-US" sz="4400" dirty="0">
-              <a:latin typeface="Bahnschrift Light" panose="020B0502040204020203" pitchFamily="34" charset="0"/>
-            </a:endParaRPr>
-          </a:p>
-        </p:txBody>
-      </p:sp>
-      <p:sp>
-        <p:nvSpPr>
-          <p:cNvPr id="3" name="TextBox 2"/>
-          <p:cNvSpPr txBox="1"/>
-          <p:nvPr/>
-        </p:nvSpPr>
-        <p:spPr>
-          <a:xfrm>
-            <a:off x="825500" y="927100"/>
-            <a:ext cx="10210800" cy="5016758"/>
-          </a:xfrm>
-          <a:prstGeom prst="rect">
-            <a:avLst/>
-          </a:prstGeom>
-          <a:noFill/>
-        </p:spPr>
-        <p:txBody>
-          <a:bodyPr wrap="square" rtlCol="0">
-            <a:spAutoFit/>
-          </a:bodyPr>
-          <a:lstStyle/>
-          <a:p>
-            <a:r>
-              <a:rPr lang="en-US" sz="3200" dirty="0" smtClean="0"/>
-              <a:t>I will also explore alternative source where I can access the Macroeconomics indices maintained at bi-Annual, Quarterly, or Monthly levels.</a:t>
-            </a:r>
-          </a:p>
-          <a:p>
-            <a:endParaRPr lang="en-US" sz="3200" dirty="0"/>
-          </a:p>
-          <a:p>
-            <a:r>
-              <a:rPr lang="en-US" sz="3200" dirty="0"/>
-              <a:t>I plan to improve on my model by adding more Statistical and Technical features.</a:t>
-            </a:r>
-          </a:p>
-          <a:p>
-            <a:endParaRPr lang="en-US" sz="3200" dirty="0" smtClean="0"/>
-          </a:p>
-          <a:p>
-            <a:r>
-              <a:rPr lang="en-US" sz="3200" dirty="0" smtClean="0"/>
-              <a:t>I will explore a way of automatically accessing the </a:t>
-            </a:r>
-            <a:r>
-              <a:rPr lang="en-US" sz="3200" dirty="0"/>
-              <a:t>Statistical </a:t>
-            </a:r>
-            <a:r>
-              <a:rPr lang="en-US" sz="3200" dirty="0" smtClean="0"/>
-              <a:t>data from a source like Tick Data Suite(TDS) whose data is as close as the live data.</a:t>
-            </a:r>
-            <a:endParaRPr lang="en-US" sz="3200" dirty="0"/>
-          </a:p>
-        </p:txBody>
-      </p:sp>
-    </p:spTree>
-    <p:extLst>
-      <p:ext uri="{BB962C8B-B14F-4D97-AF65-F5344CB8AC3E}">
-        <p14:creationId xmlns:p14="http://schemas.microsoft.com/office/powerpoint/2010/main" val="685488599"/>
+        <p14:creationId xmlns:p14="http://schemas.microsoft.com/office/powerpoint/2010/main" val="372485860"/>
       </p:ext>
     </p:extLst>
   </p:cSld>
@@ -8225,78 +8108,6 @@
   <p:clrMapOvr>
     <a:masterClrMapping/>
   </p:clrMapOvr>
-</p:sld>
-</file>
-
-<file path=ppt/slides/slide30.xml><?xml version="1.0" encoding="utf-8"?>
-<p:sld xmlns:a="http://schemas.openxmlformats.org/drawingml/2006/main" xmlns:r="http://schemas.openxmlformats.org/officeDocument/2006/relationships" xmlns:p="http://schemas.openxmlformats.org/presentationml/2006/main">
-  <p:cSld>
-    <p:spTree>
-      <p:nvGrpSpPr>
-        <p:cNvPr id="1" name=""/>
-        <p:cNvGrpSpPr/>
-        <p:nvPr/>
-      </p:nvGrpSpPr>
-      <p:grpSpPr>
-        <a:xfrm>
-          <a:off x="0" y="0"/>
-          <a:ext cx="0" cy="0"/>
-          <a:chOff x="0" y="0"/>
-          <a:chExt cx="0" cy="0"/>
-        </a:xfrm>
-      </p:grpSpPr>
-      <p:sp>
-        <p:nvSpPr>
-          <p:cNvPr id="2" name="TextBox 1"/>
-          <p:cNvSpPr txBox="1"/>
-          <p:nvPr/>
-        </p:nvSpPr>
-        <p:spPr>
-          <a:xfrm>
-            <a:off x="1143552" y="3120335"/>
-            <a:ext cx="8680174" cy="830997"/>
-          </a:xfrm>
-          <a:prstGeom prst="rect">
-            <a:avLst/>
-          </a:prstGeom>
-          <a:noFill/>
-        </p:spPr>
-        <p:txBody>
-          <a:bodyPr wrap="square" rtlCol="0">
-            <a:spAutoFit/>
-          </a:bodyPr>
-          <a:lstStyle/>
-          <a:p>
-            <a:pPr algn="ctr"/>
-            <a:r>
-              <a:rPr lang="en-US" sz="4800" dirty="0" smtClean="0">
-                <a:latin typeface="Bahnschrift Light" panose="020B0502040204020203" pitchFamily="34" charset="0"/>
-              </a:rPr>
-              <a:t>Thank you</a:t>
-            </a:r>
-            <a:endParaRPr lang="en-US" sz="4800" dirty="0">
-              <a:latin typeface="Bahnschrift Light" panose="020B0502040204020203" pitchFamily="34" charset="0"/>
-            </a:endParaRPr>
-          </a:p>
-        </p:txBody>
-      </p:sp>
-    </p:spTree>
-    <p:extLst>
-      <p:ext uri="{BB962C8B-B14F-4D97-AF65-F5344CB8AC3E}">
-        <p14:creationId xmlns:p14="http://schemas.microsoft.com/office/powerpoint/2010/main" val="372485860"/>
-      </p:ext>
-    </p:extLst>
-  </p:cSld>
-  <p:clrMapOvr>
-    <a:masterClrMapping/>
-  </p:clrMapOvr>
-  <p:timing>
-    <p:tnLst>
-      <p:par>
-        <p:cTn id="1" dur="indefinite" restart="never" nodeType="tmRoot"/>
-      </p:par>
-    </p:tnLst>
-  </p:timing>
 </p:sld>
 </file>
 
@@ -9181,7 +8992,6 @@
                 <a:rPr lang="en-US" dirty="0" smtClean="0"/>
                 <a:t>Scale</a:t>
               </a:r>
-              <a:endParaRPr lang="en-US" dirty="0" smtClean="0"/>
             </a:p>
             <a:p>
               <a:pPr algn="ctr"/>

--- a/MyBDAThesis/Akubue Simon - Thesis Presentation.pptx
+++ b/MyBDAThesis/Akubue Simon - Thesis Presentation.pptx
@@ -270,7 +270,7 @@
           <a:p>
             <a:fld id="{AC9F1F34-0473-412F-A52A-8045292EA46A}" type="datetimeFigureOut">
               <a:rPr lang="en-US" smtClean="0"/>
-              <a:t>11/4/2024</a:t>
+              <a:t>11/8/2024</a:t>
             </a:fld>
             <a:endParaRPr lang="en-US"/>
           </a:p>
@@ -440,7 +440,7 @@
           <a:p>
             <a:fld id="{AC9F1F34-0473-412F-A52A-8045292EA46A}" type="datetimeFigureOut">
               <a:rPr lang="en-US" smtClean="0"/>
-              <a:t>11/4/2024</a:t>
+              <a:t>11/8/2024</a:t>
             </a:fld>
             <a:endParaRPr lang="en-US"/>
           </a:p>
@@ -620,7 +620,7 @@
           <a:p>
             <a:fld id="{AC9F1F34-0473-412F-A52A-8045292EA46A}" type="datetimeFigureOut">
               <a:rPr lang="en-US" smtClean="0"/>
-              <a:t>11/4/2024</a:t>
+              <a:t>11/8/2024</a:t>
             </a:fld>
             <a:endParaRPr lang="en-US"/>
           </a:p>
@@ -790,7 +790,7 @@
           <a:p>
             <a:fld id="{AC9F1F34-0473-412F-A52A-8045292EA46A}" type="datetimeFigureOut">
               <a:rPr lang="en-US" smtClean="0"/>
-              <a:t>11/4/2024</a:t>
+              <a:t>11/8/2024</a:t>
             </a:fld>
             <a:endParaRPr lang="en-US"/>
           </a:p>
@@ -1036,7 +1036,7 @@
           <a:p>
             <a:fld id="{AC9F1F34-0473-412F-A52A-8045292EA46A}" type="datetimeFigureOut">
               <a:rPr lang="en-US" smtClean="0"/>
-              <a:t>11/4/2024</a:t>
+              <a:t>11/8/2024</a:t>
             </a:fld>
             <a:endParaRPr lang="en-US"/>
           </a:p>
@@ -1268,7 +1268,7 @@
           <a:p>
             <a:fld id="{AC9F1F34-0473-412F-A52A-8045292EA46A}" type="datetimeFigureOut">
               <a:rPr lang="en-US" smtClean="0"/>
-              <a:t>11/4/2024</a:t>
+              <a:t>11/8/2024</a:t>
             </a:fld>
             <a:endParaRPr lang="en-US"/>
           </a:p>
@@ -1635,7 +1635,7 @@
           <a:p>
             <a:fld id="{AC9F1F34-0473-412F-A52A-8045292EA46A}" type="datetimeFigureOut">
               <a:rPr lang="en-US" smtClean="0"/>
-              <a:t>11/4/2024</a:t>
+              <a:t>11/8/2024</a:t>
             </a:fld>
             <a:endParaRPr lang="en-US"/>
           </a:p>
@@ -1753,7 +1753,7 @@
           <a:p>
             <a:fld id="{AC9F1F34-0473-412F-A52A-8045292EA46A}" type="datetimeFigureOut">
               <a:rPr lang="en-US" smtClean="0"/>
-              <a:t>11/4/2024</a:t>
+              <a:t>11/8/2024</a:t>
             </a:fld>
             <a:endParaRPr lang="en-US"/>
           </a:p>
@@ -1848,7 +1848,7 @@
           <a:p>
             <a:fld id="{AC9F1F34-0473-412F-A52A-8045292EA46A}" type="datetimeFigureOut">
               <a:rPr lang="en-US" smtClean="0"/>
-              <a:t>11/4/2024</a:t>
+              <a:t>11/8/2024</a:t>
             </a:fld>
             <a:endParaRPr lang="en-US"/>
           </a:p>
@@ -2125,7 +2125,7 @@
           <a:p>
             <a:fld id="{AC9F1F34-0473-412F-A52A-8045292EA46A}" type="datetimeFigureOut">
               <a:rPr lang="en-US" smtClean="0"/>
-              <a:t>11/4/2024</a:t>
+              <a:t>11/8/2024</a:t>
             </a:fld>
             <a:endParaRPr lang="en-US"/>
           </a:p>
@@ -2378,7 +2378,7 @@
           <a:p>
             <a:fld id="{AC9F1F34-0473-412F-A52A-8045292EA46A}" type="datetimeFigureOut">
               <a:rPr lang="en-US" smtClean="0"/>
-              <a:t>11/4/2024</a:t>
+              <a:t>11/8/2024</a:t>
             </a:fld>
             <a:endParaRPr lang="en-US"/>
           </a:p>
@@ -2591,7 +2591,7 @@
           <a:p>
             <a:fld id="{AC9F1F34-0473-412F-A52A-8045292EA46A}" type="datetimeFigureOut">
               <a:rPr lang="en-US" smtClean="0"/>
-              <a:t>11/4/2024</a:t>
+              <a:t>11/8/2024</a:t>
             </a:fld>
             <a:endParaRPr lang="en-US"/>
           </a:p>
@@ -5052,13 +5052,7 @@
               <a:rPr lang="en-US" sz="3200" dirty="0" smtClean="0">
                 <a:latin typeface="Bahnschrift Light" panose="020B0502040204020203" pitchFamily="34" charset="0"/>
               </a:rPr>
-              <a:t>{Before </a:t>
-            </a:r>
-            <a:r>
-              <a:rPr lang="en-US" sz="3200" dirty="0" smtClean="0">
-                <a:latin typeface="Bahnschrift Light" panose="020B0502040204020203" pitchFamily="34" charset="0"/>
-              </a:rPr>
-              <a:t>Label}</a:t>
+              <a:t>{Before Label}</a:t>
             </a:r>
             <a:endParaRPr lang="en-US" sz="3200" dirty="0">
               <a:latin typeface="Bahnschrift Light" panose="020B0502040204020203" pitchFamily="34" charset="0"/>
@@ -7213,19 +7207,7 @@
             <a:pPr algn="ctr"/>
             <a:r>
               <a:rPr lang="en-US" sz="3200" dirty="0" smtClean="0"/>
-              <a:t>From the above analysis, on reviewing the MAE and MSE, </a:t>
-            </a:r>
-            <a:r>
-              <a:rPr lang="en-US" sz="3200" dirty="0" smtClean="0"/>
-              <a:t>RMSE, and </a:t>
-            </a:r>
-            <a:r>
-              <a:rPr lang="en-US" sz="3200" dirty="0" smtClean="0"/>
-              <a:t>R² values </a:t>
-            </a:r>
-            <a:r>
-              <a:rPr lang="en-US" sz="3200" dirty="0" smtClean="0"/>
-              <a:t>from all the models considered, it is apparently clear that “</a:t>
+              <a:t>From the above analysis, on reviewing the MAE and MSE, RMSE, and R² values from all the models considered, it is apparently clear that “</a:t>
             </a:r>
             <a:r>
               <a:rPr lang="en-US" sz="3200" b="1" dirty="0" smtClean="0"/>
@@ -7241,19 +7223,11 @@
             </a:r>
             <a:r>
               <a:rPr lang="en-US" sz="3200" dirty="0" smtClean="0"/>
-              <a:t>” and </a:t>
-            </a:r>
-            <a:r>
-              <a:rPr lang="en-US" sz="3200" dirty="0" smtClean="0"/>
-              <a:t>“</a:t>
+              <a:t>” and “</a:t>
             </a:r>
             <a:r>
               <a:rPr lang="en-US" sz="3200" b="1" dirty="0" smtClean="0"/>
-              <a:t>Bayesian Ridge </a:t>
-            </a:r>
-            <a:r>
-              <a:rPr lang="en-US" sz="3200" b="1" dirty="0" smtClean="0"/>
-              <a:t>Regression</a:t>
+              <a:t>Bayesian Ridge Regression</a:t>
             </a:r>
             <a:r>
               <a:rPr lang="en-US" sz="3200" dirty="0" smtClean="0"/>
@@ -7273,11 +7247,7 @@
             </a:r>
             <a:r>
               <a:rPr lang="en-US" sz="3200" dirty="0" smtClean="0"/>
-              <a:t>due to its robustness about </a:t>
-            </a:r>
-            <a:r>
-              <a:rPr lang="en-US" sz="3200" dirty="0" smtClean="0"/>
-              <a:t>being exposed to many parameters for </a:t>
+              <a:t>due to its robustness about being exposed to many parameters for </a:t>
             </a:r>
             <a:r>
               <a:rPr lang="en-US" sz="3200" dirty="0" err="1" smtClean="0"/>
@@ -7285,11 +7255,7 @@
             </a:r>
             <a:r>
               <a:rPr lang="en-US" sz="3200" dirty="0" smtClean="0"/>
-              <a:t> </a:t>
-            </a:r>
-            <a:r>
-              <a:rPr lang="en-US" sz="3200" dirty="0" smtClean="0"/>
-              <a:t>as I wish.</a:t>
+              <a:t> as I wish.</a:t>
             </a:r>
           </a:p>
           <a:p>
@@ -7739,27 +7705,7 @@
           <a:p>
             <a:r>
               <a:rPr lang="en-US" sz="3200" dirty="0" smtClean="0"/>
-              <a:t>I will also explore alternative source where I can access the Macroeconomics indices maintained at </a:t>
-            </a:r>
-            <a:r>
-              <a:rPr lang="en-US" sz="3200" dirty="0" smtClean="0"/>
-              <a:t>more frequent basis; possibly weekly</a:t>
-            </a:r>
-            <a:r>
-              <a:rPr lang="en-US" sz="3200" dirty="0" smtClean="0"/>
-              <a:t>, </a:t>
-            </a:r>
-            <a:r>
-              <a:rPr lang="en-US" sz="3200" dirty="0" smtClean="0"/>
-              <a:t>or </a:t>
-            </a:r>
-            <a:r>
-              <a:rPr lang="en-US" sz="3200" dirty="0" smtClean="0"/>
-              <a:t>even daily </a:t>
-            </a:r>
-            <a:r>
-              <a:rPr lang="en-US" sz="3200" dirty="0" smtClean="0"/>
-              <a:t>levels.</a:t>
+              <a:t>I will also explore alternative source where I can access the Macroeconomics indices maintained at more frequent basis; possibly weekly, or even daily levels.</a:t>
             </a:r>
           </a:p>
           <a:p>

--- a/MyBDAThesis/Akubue Simon - Thesis Presentation.pptx
+++ b/MyBDAThesis/Akubue Simon - Thesis Presentation.pptx
@@ -13,26 +13,20 @@
     <p:sldId id="262" r:id="rId7"/>
     <p:sldId id="299" r:id="rId8"/>
     <p:sldId id="258" r:id="rId9"/>
-    <p:sldId id="298" r:id="rId10"/>
-    <p:sldId id="296" r:id="rId11"/>
-    <p:sldId id="297" r:id="rId12"/>
-    <p:sldId id="259" r:id="rId13"/>
-    <p:sldId id="287" r:id="rId14"/>
-    <p:sldId id="302" r:id="rId15"/>
-    <p:sldId id="310" r:id="rId16"/>
-    <p:sldId id="303" r:id="rId17"/>
-    <p:sldId id="304" r:id="rId18"/>
-    <p:sldId id="305" r:id="rId19"/>
-    <p:sldId id="290" r:id="rId20"/>
-    <p:sldId id="289" r:id="rId21"/>
-    <p:sldId id="312" r:id="rId22"/>
-    <p:sldId id="311" r:id="rId23"/>
-    <p:sldId id="260" r:id="rId24"/>
-    <p:sldId id="295" r:id="rId25"/>
-    <p:sldId id="294" r:id="rId26"/>
-    <p:sldId id="272" r:id="rId27"/>
-    <p:sldId id="288" r:id="rId28"/>
-    <p:sldId id="268" r:id="rId29"/>
+    <p:sldId id="295" r:id="rId10"/>
+    <p:sldId id="294" r:id="rId11"/>
+    <p:sldId id="298" r:id="rId12"/>
+    <p:sldId id="296" r:id="rId13"/>
+    <p:sldId id="297" r:id="rId14"/>
+    <p:sldId id="259" r:id="rId15"/>
+    <p:sldId id="287" r:id="rId16"/>
+    <p:sldId id="302" r:id="rId17"/>
+    <p:sldId id="290" r:id="rId18"/>
+    <p:sldId id="289" r:id="rId19"/>
+    <p:sldId id="260" r:id="rId20"/>
+    <p:sldId id="272" r:id="rId21"/>
+    <p:sldId id="288" r:id="rId22"/>
+    <p:sldId id="268" r:id="rId23"/>
   </p:sldIdLst>
   <p:sldSz cx="12192000" cy="6858000"/>
   <p:notesSz cx="6858000" cy="9144000"/>
@@ -270,7 +264,7 @@
           <a:p>
             <a:fld id="{AC9F1F34-0473-412F-A52A-8045292EA46A}" type="datetimeFigureOut">
               <a:rPr lang="en-US" smtClean="0"/>
-              <a:t>11/8/2024</a:t>
+              <a:t>11/26/2024</a:t>
             </a:fld>
             <a:endParaRPr lang="en-US"/>
           </a:p>
@@ -440,7 +434,7 @@
           <a:p>
             <a:fld id="{AC9F1F34-0473-412F-A52A-8045292EA46A}" type="datetimeFigureOut">
               <a:rPr lang="en-US" smtClean="0"/>
-              <a:t>11/8/2024</a:t>
+              <a:t>11/26/2024</a:t>
             </a:fld>
             <a:endParaRPr lang="en-US"/>
           </a:p>
@@ -620,7 +614,7 @@
           <a:p>
             <a:fld id="{AC9F1F34-0473-412F-A52A-8045292EA46A}" type="datetimeFigureOut">
               <a:rPr lang="en-US" smtClean="0"/>
-              <a:t>11/8/2024</a:t>
+              <a:t>11/26/2024</a:t>
             </a:fld>
             <a:endParaRPr lang="en-US"/>
           </a:p>
@@ -790,7 +784,7 @@
           <a:p>
             <a:fld id="{AC9F1F34-0473-412F-A52A-8045292EA46A}" type="datetimeFigureOut">
               <a:rPr lang="en-US" smtClean="0"/>
-              <a:t>11/8/2024</a:t>
+              <a:t>11/26/2024</a:t>
             </a:fld>
             <a:endParaRPr lang="en-US"/>
           </a:p>
@@ -1036,7 +1030,7 @@
           <a:p>
             <a:fld id="{AC9F1F34-0473-412F-A52A-8045292EA46A}" type="datetimeFigureOut">
               <a:rPr lang="en-US" smtClean="0"/>
-              <a:t>11/8/2024</a:t>
+              <a:t>11/26/2024</a:t>
             </a:fld>
             <a:endParaRPr lang="en-US"/>
           </a:p>
@@ -1268,7 +1262,7 @@
           <a:p>
             <a:fld id="{AC9F1F34-0473-412F-A52A-8045292EA46A}" type="datetimeFigureOut">
               <a:rPr lang="en-US" smtClean="0"/>
-              <a:t>11/8/2024</a:t>
+              <a:t>11/26/2024</a:t>
             </a:fld>
             <a:endParaRPr lang="en-US"/>
           </a:p>
@@ -1635,7 +1629,7 @@
           <a:p>
             <a:fld id="{AC9F1F34-0473-412F-A52A-8045292EA46A}" type="datetimeFigureOut">
               <a:rPr lang="en-US" smtClean="0"/>
-              <a:t>11/8/2024</a:t>
+              <a:t>11/26/2024</a:t>
             </a:fld>
             <a:endParaRPr lang="en-US"/>
           </a:p>
@@ -1753,7 +1747,7 @@
           <a:p>
             <a:fld id="{AC9F1F34-0473-412F-A52A-8045292EA46A}" type="datetimeFigureOut">
               <a:rPr lang="en-US" smtClean="0"/>
-              <a:t>11/8/2024</a:t>
+              <a:t>11/26/2024</a:t>
             </a:fld>
             <a:endParaRPr lang="en-US"/>
           </a:p>
@@ -1848,7 +1842,7 @@
           <a:p>
             <a:fld id="{AC9F1F34-0473-412F-A52A-8045292EA46A}" type="datetimeFigureOut">
               <a:rPr lang="en-US" smtClean="0"/>
-              <a:t>11/8/2024</a:t>
+              <a:t>11/26/2024</a:t>
             </a:fld>
             <a:endParaRPr lang="en-US"/>
           </a:p>
@@ -2125,7 +2119,7 @@
           <a:p>
             <a:fld id="{AC9F1F34-0473-412F-A52A-8045292EA46A}" type="datetimeFigureOut">
               <a:rPr lang="en-US" smtClean="0"/>
-              <a:t>11/8/2024</a:t>
+              <a:t>11/26/2024</a:t>
             </a:fld>
             <a:endParaRPr lang="en-US"/>
           </a:p>
@@ -2378,7 +2372,7 @@
           <a:p>
             <a:fld id="{AC9F1F34-0473-412F-A52A-8045292EA46A}" type="datetimeFigureOut">
               <a:rPr lang="en-US" smtClean="0"/>
-              <a:t>11/8/2024</a:t>
+              <a:t>11/26/2024</a:t>
             </a:fld>
             <a:endParaRPr lang="en-US"/>
           </a:p>
@@ -2591,7 +2585,7 @@
           <a:p>
             <a:fld id="{AC9F1F34-0473-412F-A52A-8045292EA46A}" type="datetimeFigureOut">
               <a:rPr lang="en-US" smtClean="0"/>
-              <a:t>11/8/2024</a:t>
+              <a:t>11/26/2024</a:t>
             </a:fld>
             <a:endParaRPr lang="en-US"/>
           </a:p>
@@ -3201,124 +3195,7 @@
         </p:nvSpPr>
         <p:spPr>
           <a:xfrm>
-            <a:off x="434594" y="828100"/>
-            <a:ext cx="11025808" cy="5632311"/>
-          </a:xfrm>
-          <a:prstGeom prst="rect">
-            <a:avLst/>
-          </a:prstGeom>
-          <a:noFill/>
-        </p:spPr>
-        <p:txBody>
-          <a:bodyPr wrap="square" rtlCol="0">
-            <a:spAutoFit/>
-          </a:bodyPr>
-          <a:lstStyle/>
-          <a:p>
-            <a:r>
-              <a:rPr lang="en-US" sz="3600" dirty="0" smtClean="0"/>
-              <a:t>The following technical indicators were integrated:</a:t>
-            </a:r>
-          </a:p>
-          <a:p>
-            <a:pPr marL="742950" indent="-742950">
-              <a:buAutoNum type="alphaLcParenBoth"/>
-            </a:pPr>
-            <a:r>
-              <a:rPr lang="en-US" sz="3600" dirty="0" smtClean="0"/>
-              <a:t>RSI – Relative Strength Index</a:t>
-            </a:r>
-          </a:p>
-          <a:p>
-            <a:r>
-              <a:rPr lang="en-US" sz="3600" dirty="0" smtClean="0"/>
-              <a:t>	This is </a:t>
-            </a:r>
-            <a:r>
-              <a:rPr lang="en-US" sz="3600" dirty="0"/>
-              <a:t>a momentum indicator that measures the </a:t>
-            </a:r>
-            <a:r>
-              <a:rPr lang="en-US" sz="3600" dirty="0" smtClean="0"/>
-              <a:t>	magnitude </a:t>
-            </a:r>
-            <a:r>
-              <a:rPr lang="en-US" sz="3600" dirty="0"/>
-              <a:t>of recent price changes to analyze </a:t>
-            </a:r>
-            <a:r>
-              <a:rPr lang="en-US" sz="3600" dirty="0" smtClean="0"/>
-              <a:t>	overbought </a:t>
-            </a:r>
-            <a:r>
-              <a:rPr lang="en-US" sz="3600" dirty="0"/>
-              <a:t>or oversold conditions</a:t>
-            </a:r>
-            <a:endParaRPr lang="en-US" sz="3600" dirty="0" smtClean="0"/>
-          </a:p>
-          <a:p>
-            <a:endParaRPr lang="en-US" sz="3600" dirty="0" smtClean="0"/>
-          </a:p>
-          <a:p>
-            <a:r>
-              <a:rPr lang="en-US" sz="3600" dirty="0" smtClean="0"/>
-              <a:t>(b) </a:t>
-            </a:r>
-            <a:r>
-              <a:rPr lang="en-US" sz="3600" dirty="0"/>
-              <a:t>SMA - Simple Moving </a:t>
-            </a:r>
-            <a:r>
-              <a:rPr lang="en-US" sz="3600" dirty="0" smtClean="0"/>
-              <a:t>Average</a:t>
-            </a:r>
-          </a:p>
-          <a:p>
-            <a:r>
-              <a:rPr lang="en-US" sz="3600" dirty="0" smtClean="0"/>
-              <a:t>	This is</a:t>
-            </a:r>
-            <a:r>
-              <a:rPr lang="en-US" sz="3600" dirty="0"/>
-              <a:t> the average price over the specified period</a:t>
-            </a:r>
-            <a:r>
-              <a:rPr lang="en-US" sz="3600" dirty="0" smtClean="0"/>
-              <a:t>. It 	is calculated </a:t>
-            </a:r>
-            <a:r>
-              <a:rPr lang="en-US" sz="3600" dirty="0"/>
-              <a:t>by adding up the last "X" period's closing </a:t>
-            </a:r>
-            <a:r>
-              <a:rPr lang="en-US" sz="3600" dirty="0" smtClean="0"/>
-              <a:t>	prices </a:t>
-            </a:r>
-            <a:r>
-              <a:rPr lang="en-US" sz="3600" dirty="0"/>
-              <a:t>and then dividing that number by </a:t>
-            </a:r>
-            <a:r>
-              <a:rPr lang="en-US" sz="3600" dirty="0" smtClean="0"/>
-              <a:t>of </a:t>
-            </a:r>
-            <a:r>
-              <a:rPr lang="en-US" sz="3600" dirty="0" err="1" smtClean="0"/>
-              <a:t>Xs</a:t>
-            </a:r>
-            <a:endParaRPr lang="en-US" sz="3600" dirty="0"/>
-          </a:p>
-        </p:txBody>
-      </p:sp>
-      <p:sp>
-        <p:nvSpPr>
-          <p:cNvPr id="3" name="TextBox 2"/>
-          <p:cNvSpPr txBox="1"/>
-          <p:nvPr/>
-        </p:nvSpPr>
-        <p:spPr>
-          <a:xfrm>
-            <a:off x="1356464" y="-2897"/>
+            <a:off x="1549952" y="-16565"/>
             <a:ext cx="8680174" cy="830997"/>
           </a:xfrm>
           <a:prstGeom prst="rect">
@@ -3337,45 +3214,85 @@
               <a:rPr lang="en-US" sz="4800" dirty="0" smtClean="0">
                 <a:latin typeface="Bahnschrift Light" panose="020B0502040204020203" pitchFamily="34" charset="0"/>
               </a:rPr>
-              <a:t>Data Source </a:t>
-            </a:r>
-            <a:r>
-              <a:rPr lang="en-US" sz="3200" dirty="0" smtClean="0">
-                <a:latin typeface="Bahnschrift Light" panose="020B0502040204020203" pitchFamily="34" charset="0"/>
-              </a:rPr>
-              <a:t>{</a:t>
-            </a:r>
-            <a:r>
-              <a:rPr lang="en-US" sz="3200" b="1" i="1" dirty="0" smtClean="0">
-                <a:solidFill>
-                  <a:srgbClr val="0070C0"/>
-                </a:solidFill>
-                <a:latin typeface="Bahnschrift Light" panose="020B0502040204020203" pitchFamily="34" charset="0"/>
-              </a:rPr>
-              <a:t>Technical</a:t>
-            </a:r>
-            <a:r>
-              <a:rPr lang="en-US" sz="3200" dirty="0" smtClean="0">
-                <a:latin typeface="Bahnschrift Light" panose="020B0502040204020203" pitchFamily="34" charset="0"/>
-              </a:rPr>
-              <a:t>}</a:t>
-            </a:r>
-            <a:endParaRPr lang="en-US" sz="3200" dirty="0">
+              <a:t>Raw data from Investing.Com</a:t>
+            </a:r>
+            <a:endParaRPr lang="en-US" sz="4800" dirty="0">
               <a:latin typeface="Bahnschrift Light" panose="020B0502040204020203" pitchFamily="34" charset="0"/>
             </a:endParaRPr>
           </a:p>
         </p:txBody>
       </p:sp>
+      <p:pic>
+        <p:nvPicPr>
+          <p:cNvPr id="4" name="Picture 3"/>
+          <p:cNvPicPr>
+            <a:picLocks noChangeAspect="1"/>
+          </p:cNvPicPr>
+          <p:nvPr/>
+        </p:nvPicPr>
+        <p:blipFill>
+          <a:blip r:embed="rId2"/>
+          <a:stretch>
+            <a:fillRect/>
+          </a:stretch>
+        </p:blipFill>
+        <p:spPr>
+          <a:xfrm>
+            <a:off x="1212850" y="814432"/>
+            <a:ext cx="8909050" cy="5680109"/>
+          </a:xfrm>
+          <a:prstGeom prst="rect">
+            <a:avLst/>
+          </a:prstGeom>
+        </p:spPr>
+      </p:pic>
+      <p:cxnSp>
+        <p:nvCxnSpPr>
+          <p:cNvPr id="5" name="Straight Connector 4"/>
+          <p:cNvCxnSpPr/>
+          <p:nvPr/>
+        </p:nvCxnSpPr>
+        <p:spPr>
+          <a:xfrm>
+            <a:off x="5791200" y="1130300"/>
+            <a:ext cx="127000" cy="4864100"/>
+          </a:xfrm>
+          <a:prstGeom prst="line">
+            <a:avLst/>
+          </a:prstGeom>
+        </p:spPr>
+        <p:style>
+          <a:lnRef idx="1">
+            <a:schemeClr val="accent1"/>
+          </a:lnRef>
+          <a:fillRef idx="0">
+            <a:schemeClr val="accent1"/>
+          </a:fillRef>
+          <a:effectRef idx="0">
+            <a:schemeClr val="accent1"/>
+          </a:effectRef>
+          <a:fontRef idx="minor">
+            <a:schemeClr val="tx1"/>
+          </a:fontRef>
+        </p:style>
+      </p:cxnSp>
     </p:spTree>
     <p:extLst>
       <p:ext uri="{BB962C8B-B14F-4D97-AF65-F5344CB8AC3E}">
-        <p14:creationId xmlns:p14="http://schemas.microsoft.com/office/powerpoint/2010/main" val="381889741"/>
+        <p14:creationId xmlns:p14="http://schemas.microsoft.com/office/powerpoint/2010/main" val="129645341"/>
       </p:ext>
     </p:extLst>
   </p:cSld>
   <p:clrMapOvr>
     <a:masterClrMapping/>
   </p:clrMapOvr>
+  <p:timing>
+    <p:tnLst>
+      <p:par>
+        <p:cTn id="1" dur="indefinite" restart="never" nodeType="tmRoot"/>
+      </p:par>
+    </p:tnLst>
+  </p:timing>
 </p:sld>
 </file>
 
@@ -3404,195 +3321,6 @@
         </p:nvSpPr>
         <p:spPr>
           <a:xfrm>
-            <a:off x="434594" y="688400"/>
-            <a:ext cx="11025808" cy="6186309"/>
-          </a:xfrm>
-          <a:prstGeom prst="rect">
-            <a:avLst/>
-          </a:prstGeom>
-          <a:noFill/>
-        </p:spPr>
-        <p:txBody>
-          <a:bodyPr wrap="square" rtlCol="0">
-            <a:spAutoFit/>
-          </a:bodyPr>
-          <a:lstStyle/>
-          <a:p>
-            <a:r>
-              <a:rPr lang="en-US" sz="3600" dirty="0" smtClean="0"/>
-              <a:t>(c) EMA – Exponential Moving Average</a:t>
-            </a:r>
-          </a:p>
-          <a:p>
-            <a:r>
-              <a:rPr lang="en-US" sz="3600" dirty="0" smtClean="0"/>
-              <a:t>	This is </a:t>
-            </a:r>
-            <a:r>
-              <a:rPr lang="en-US" sz="3600" dirty="0"/>
-              <a:t>a type of moving average that gives more </a:t>
-            </a:r>
-            <a:r>
-              <a:rPr lang="en-US" sz="3600" dirty="0" smtClean="0"/>
-              <a:t>	weight </a:t>
-            </a:r>
-            <a:r>
-              <a:rPr lang="en-US" sz="3600" dirty="0"/>
-              <a:t>to recent data points compared to older </a:t>
-            </a:r>
-            <a:r>
-              <a:rPr lang="en-US" sz="3600" dirty="0" smtClean="0"/>
-              <a:t>data 	points</a:t>
-            </a:r>
-            <a:r>
-              <a:rPr lang="en-US" sz="3600" dirty="0"/>
-              <a:t>. It is calculated by applying a </a:t>
-            </a:r>
-            <a:r>
-              <a:rPr lang="en-US" sz="3600" dirty="0" smtClean="0"/>
-              <a:t>smoothing </a:t>
-            </a:r>
-            <a:r>
-              <a:rPr lang="en-US" sz="3600" dirty="0"/>
-              <a:t>factor </a:t>
-            </a:r>
-            <a:r>
-              <a:rPr lang="en-US" sz="3600" dirty="0" smtClean="0"/>
-              <a:t>	to </a:t>
-            </a:r>
-            <a:r>
-              <a:rPr lang="en-US" sz="3600" dirty="0"/>
-              <a:t>the previous EMA value and </a:t>
-            </a:r>
-            <a:r>
-              <a:rPr lang="en-US" sz="3600" dirty="0" smtClean="0"/>
-              <a:t>the </a:t>
-            </a:r>
-            <a:r>
-              <a:rPr lang="en-US" sz="3600" dirty="0"/>
-              <a:t>current price.</a:t>
-            </a:r>
-            <a:endParaRPr lang="en-US" sz="3600" dirty="0" smtClean="0"/>
-          </a:p>
-          <a:p>
-            <a:r>
-              <a:rPr lang="en-US" sz="3600" dirty="0" smtClean="0"/>
-              <a:t>(</a:t>
-            </a:r>
-            <a:r>
-              <a:rPr lang="en-US" sz="3600" dirty="0"/>
-              <a:t>d</a:t>
-            </a:r>
-            <a:r>
-              <a:rPr lang="en-US" sz="3600" dirty="0" smtClean="0"/>
-              <a:t>) MACD </a:t>
-            </a:r>
-            <a:r>
-              <a:rPr lang="en-US" sz="3600" dirty="0"/>
-              <a:t>- Moving Average Convergence </a:t>
-            </a:r>
-            <a:r>
-              <a:rPr lang="en-US" sz="3600" dirty="0" smtClean="0"/>
-              <a:t>Divergence</a:t>
-            </a:r>
-          </a:p>
-          <a:p>
-            <a:r>
-              <a:rPr lang="en-US" sz="3600" dirty="0" smtClean="0"/>
-              <a:t>	This </a:t>
-            </a:r>
-            <a:r>
-              <a:rPr lang="en-US" sz="3600" dirty="0"/>
-              <a:t>is a popular technical analysis indicator </a:t>
-            </a:r>
-            <a:r>
-              <a:rPr lang="en-US" sz="3600" dirty="0" smtClean="0"/>
-              <a:t>	used </a:t>
-            </a:r>
-            <a:r>
-              <a:rPr lang="en-US" sz="3600" dirty="0"/>
-              <a:t>to </a:t>
-            </a:r>
-            <a:r>
-              <a:rPr lang="en-US" sz="3600" dirty="0" smtClean="0"/>
-              <a:t>	identify </a:t>
-            </a:r>
-            <a:r>
-              <a:rPr lang="en-US" sz="3600" dirty="0"/>
-              <a:t>trend reversals and momentum </a:t>
-            </a:r>
-            <a:r>
-              <a:rPr lang="en-US" sz="3600" dirty="0" smtClean="0"/>
-              <a:t>changes </a:t>
-            </a:r>
-            <a:r>
-              <a:rPr lang="en-US" sz="3600" dirty="0"/>
-              <a:t>in </a:t>
-            </a:r>
-            <a:r>
-              <a:rPr lang="en-US" sz="3600" dirty="0" smtClean="0"/>
-              <a:t>	financial </a:t>
-            </a:r>
-            <a:r>
-              <a:rPr lang="en-US" sz="3600" dirty="0"/>
-              <a:t>markets, including stocks, </a:t>
-            </a:r>
-            <a:r>
-              <a:rPr lang="en-US" sz="3600" dirty="0" smtClean="0"/>
-              <a:t>currencies</a:t>
-            </a:r>
-            <a:r>
-              <a:rPr lang="en-US" sz="3600" dirty="0"/>
-              <a:t>, and </a:t>
-            </a:r>
-            <a:r>
-              <a:rPr lang="en-US" sz="3600" dirty="0" smtClean="0"/>
-              <a:t>	commodities</a:t>
-            </a:r>
-            <a:r>
-              <a:rPr lang="en-US" sz="3600" dirty="0"/>
-              <a:t>. It consists of three </a:t>
-            </a:r>
-            <a:r>
-              <a:rPr lang="en-US" sz="3600" dirty="0" smtClean="0"/>
-              <a:t>components</a:t>
-            </a:r>
-            <a:r>
-              <a:rPr lang="en-US" sz="3600" dirty="0"/>
-              <a:t>: the </a:t>
-            </a:r>
-            <a:r>
-              <a:rPr lang="en-US" sz="3600" dirty="0" smtClean="0"/>
-              <a:t>	MACD </a:t>
-            </a:r>
-            <a:r>
-              <a:rPr lang="en-US" sz="3600" dirty="0"/>
-              <a:t>line, the signal line, and </a:t>
-            </a:r>
-            <a:r>
-              <a:rPr lang="en-US" sz="3600" dirty="0" smtClean="0"/>
-              <a:t>the </a:t>
-            </a:r>
-            <a:r>
-              <a:rPr lang="en-US" sz="3600" dirty="0"/>
-              <a:t>histogram</a:t>
-            </a:r>
-            <a:r>
-              <a:rPr lang="en-US" sz="3600" dirty="0" smtClean="0"/>
-              <a:t>.</a:t>
-            </a:r>
-            <a:endParaRPr lang="en-US" sz="3600" dirty="0"/>
-          </a:p>
-        </p:txBody>
-      </p:sp>
-      <p:sp>
-        <p:nvSpPr>
-          <p:cNvPr id="3" name="TextBox 2"/>
-          <p:cNvSpPr txBox="1"/>
-          <p:nvPr/>
-        </p:nvSpPr>
-        <p:spPr>
-          <a:xfrm>
             <a:off x="1356464" y="-53697"/>
             <a:ext cx="8680174" cy="830997"/>
           </a:xfrm>
@@ -3627,7 +3355,7 @@
                 </a:solidFill>
                 <a:latin typeface="Bahnschrift Light" panose="020B0502040204020203" pitchFamily="34" charset="0"/>
               </a:rPr>
-              <a:t>…..Technical</a:t>
+              <a:t>Macroeconomics</a:t>
             </a:r>
             <a:r>
               <a:rPr lang="en-US" sz="3200" dirty="0" smtClean="0">
@@ -3641,10 +3369,170 @@
           </a:p>
         </p:txBody>
       </p:sp>
+      <p:sp>
+        <p:nvSpPr>
+          <p:cNvPr id="3" name="TextBox 2"/>
+          <p:cNvSpPr txBox="1"/>
+          <p:nvPr/>
+        </p:nvSpPr>
+        <p:spPr>
+          <a:xfrm>
+            <a:off x="469900" y="812800"/>
+            <a:ext cx="11087100" cy="3416320"/>
+          </a:xfrm>
+          <a:prstGeom prst="rect">
+            <a:avLst/>
+          </a:prstGeom>
+          <a:noFill/>
+        </p:spPr>
+        <p:txBody>
+          <a:bodyPr wrap="square" rtlCol="0">
+            <a:spAutoFit/>
+          </a:bodyPr>
+          <a:lstStyle/>
+          <a:p>
+            <a:r>
+              <a:rPr lang="en-US" sz="2400" dirty="0" smtClean="0"/>
+              <a:t>The following Macroeconomics data played a strong role in my model. They were </a:t>
+            </a:r>
+            <a:r>
+              <a:rPr lang="en-US" sz="2400" dirty="0"/>
+              <a:t>sourced from the Federal Reserve Economic Data (FRED)</a:t>
+            </a:r>
+            <a:r>
+              <a:rPr lang="en-US" sz="2400" dirty="0" smtClean="0"/>
+              <a:t>’s(</a:t>
+            </a:r>
+            <a:r>
+              <a:rPr lang="en-US" sz="2400" dirty="0">
+                <a:solidFill>
+                  <a:srgbClr val="0070C0"/>
+                </a:solidFill>
+              </a:rPr>
+              <a:t>https://fred.stlouisfed.org/</a:t>
+            </a:r>
+            <a:r>
+              <a:rPr lang="en-US" sz="2400" dirty="0" smtClean="0"/>
+              <a:t>) </a:t>
+            </a:r>
+            <a:r>
+              <a:rPr lang="en-US" sz="2400" dirty="0"/>
+              <a:t>database through an API that was exposed as XMLs</a:t>
+            </a:r>
+            <a:r>
+              <a:rPr lang="en-US" sz="2400" dirty="0" smtClean="0"/>
+              <a:t>.</a:t>
+            </a:r>
+          </a:p>
+          <a:p>
+            <a:endParaRPr lang="en-US" sz="2400" dirty="0" smtClean="0"/>
+          </a:p>
+          <a:p>
+            <a:r>
+              <a:rPr lang="en-US" sz="2400" dirty="0" smtClean="0"/>
+              <a:t>Consumer </a:t>
+            </a:r>
+            <a:r>
+              <a:rPr lang="en-US" sz="2400" dirty="0"/>
+              <a:t>Price </a:t>
+            </a:r>
+            <a:r>
+              <a:rPr lang="en-US" sz="2400" dirty="0" smtClean="0"/>
+              <a:t>Index </a:t>
+            </a:r>
+            <a:r>
+              <a:rPr lang="en-US" sz="2400" dirty="0"/>
+              <a:t>(CPI) of </a:t>
+            </a:r>
+            <a:r>
+              <a:rPr lang="en-US" sz="2400" dirty="0" smtClean="0"/>
+              <a:t>USA		Consumer </a:t>
+            </a:r>
+            <a:r>
+              <a:rPr lang="en-US" sz="2400" dirty="0"/>
+              <a:t>Price Index (CPI) of </a:t>
+            </a:r>
+            <a:r>
+              <a:rPr lang="en-US" sz="2400" dirty="0" smtClean="0"/>
+              <a:t>Canada</a:t>
+            </a:r>
+            <a:endParaRPr lang="en-US" sz="2400" dirty="0"/>
+          </a:p>
+          <a:p>
+            <a:r>
+              <a:rPr lang="en-US" sz="2400" dirty="0"/>
+              <a:t>The Interest Rates of </a:t>
+            </a:r>
+            <a:r>
+              <a:rPr lang="en-US" sz="2400" dirty="0" smtClean="0"/>
+              <a:t>USA			The </a:t>
+            </a:r>
+            <a:r>
+              <a:rPr lang="en-US" sz="2400" dirty="0"/>
+              <a:t>Interest Rates of Canada</a:t>
+            </a:r>
+          </a:p>
+          <a:p>
+            <a:r>
+              <a:rPr lang="en-US" sz="2400" dirty="0" smtClean="0"/>
+              <a:t>Imports </a:t>
+            </a:r>
+            <a:r>
+              <a:rPr lang="en-US" sz="2400" dirty="0"/>
+              <a:t>of </a:t>
+            </a:r>
+            <a:r>
+              <a:rPr lang="en-US" sz="2400" dirty="0" smtClean="0"/>
+              <a:t>USA				Imports </a:t>
+            </a:r>
+            <a:r>
+              <a:rPr lang="en-US" sz="2400" dirty="0"/>
+              <a:t>of Canada</a:t>
+            </a:r>
+          </a:p>
+          <a:p>
+            <a:r>
+              <a:rPr lang="en-US" sz="2400" dirty="0"/>
+              <a:t>Exports of </a:t>
+            </a:r>
+            <a:r>
+              <a:rPr lang="en-US" sz="2400" dirty="0" smtClean="0"/>
+              <a:t>USA					Exports </a:t>
+            </a:r>
+            <a:r>
+              <a:rPr lang="en-US" sz="2400" dirty="0"/>
+              <a:t>of Canada</a:t>
+            </a:r>
+          </a:p>
+          <a:p>
+            <a:r>
+              <a:rPr lang="en-US" sz="2400" dirty="0" smtClean="0"/>
+              <a:t>Un-Employment </a:t>
+            </a:r>
+            <a:r>
+              <a:rPr lang="en-US" sz="2400" dirty="0"/>
+              <a:t>Rates of </a:t>
+            </a:r>
+            <a:r>
+              <a:rPr lang="en-US" sz="2400" dirty="0" smtClean="0"/>
+              <a:t>USA		Un-Employment </a:t>
+            </a:r>
+            <a:r>
+              <a:rPr lang="en-US" sz="2400" dirty="0"/>
+              <a:t>Rates of </a:t>
+            </a:r>
+            <a:r>
+              <a:rPr lang="en-US" sz="2400" dirty="0" smtClean="0"/>
+              <a:t>Canada</a:t>
+            </a:r>
+            <a:endParaRPr lang="en-US" sz="2400" dirty="0"/>
+          </a:p>
+        </p:txBody>
+      </p:sp>
     </p:spTree>
     <p:extLst>
       <p:ext uri="{BB962C8B-B14F-4D97-AF65-F5344CB8AC3E}">
-        <p14:creationId xmlns:p14="http://schemas.microsoft.com/office/powerpoint/2010/main" val="2820263338"/>
+        <p14:creationId xmlns:p14="http://schemas.microsoft.com/office/powerpoint/2010/main" val="1900217176"/>
       </p:ext>
     </p:extLst>
   </p:cSld>
@@ -3679,6 +3567,484 @@
         </p:nvSpPr>
         <p:spPr>
           <a:xfrm>
+            <a:off x="434594" y="828100"/>
+            <a:ext cx="11025808" cy="5632311"/>
+          </a:xfrm>
+          <a:prstGeom prst="rect">
+            <a:avLst/>
+          </a:prstGeom>
+          <a:noFill/>
+        </p:spPr>
+        <p:txBody>
+          <a:bodyPr wrap="square" rtlCol="0">
+            <a:spAutoFit/>
+          </a:bodyPr>
+          <a:lstStyle/>
+          <a:p>
+            <a:r>
+              <a:rPr lang="en-US" sz="3600" dirty="0" smtClean="0"/>
+              <a:t>The following technical indicators were integrated:</a:t>
+            </a:r>
+          </a:p>
+          <a:p>
+            <a:pPr marL="742950" indent="-742950">
+              <a:buAutoNum type="alphaLcParenBoth"/>
+            </a:pPr>
+            <a:r>
+              <a:rPr lang="en-US" sz="3600" dirty="0" smtClean="0"/>
+              <a:t>RSI – Relative Strength Index</a:t>
+            </a:r>
+          </a:p>
+          <a:p>
+            <a:r>
+              <a:rPr lang="en-US" sz="3600" dirty="0" smtClean="0"/>
+              <a:t>	This is </a:t>
+            </a:r>
+            <a:r>
+              <a:rPr lang="en-US" sz="3600" dirty="0"/>
+              <a:t>a momentum indicator that measures the </a:t>
+            </a:r>
+            <a:r>
+              <a:rPr lang="en-US" sz="3600" dirty="0" smtClean="0"/>
+              <a:t>	magnitude </a:t>
+            </a:r>
+            <a:r>
+              <a:rPr lang="en-US" sz="3600" dirty="0"/>
+              <a:t>of recent price changes to analyze </a:t>
+            </a:r>
+            <a:r>
+              <a:rPr lang="en-US" sz="3600" dirty="0" smtClean="0"/>
+              <a:t>	overbought </a:t>
+            </a:r>
+            <a:r>
+              <a:rPr lang="en-US" sz="3600" dirty="0"/>
+              <a:t>or oversold conditions</a:t>
+            </a:r>
+            <a:endParaRPr lang="en-US" sz="3600" dirty="0" smtClean="0"/>
+          </a:p>
+          <a:p>
+            <a:endParaRPr lang="en-US" sz="3600" dirty="0" smtClean="0"/>
+          </a:p>
+          <a:p>
+            <a:r>
+              <a:rPr lang="en-US" sz="3600" dirty="0" smtClean="0"/>
+              <a:t>(b) </a:t>
+            </a:r>
+            <a:r>
+              <a:rPr lang="en-US" sz="3600" dirty="0"/>
+              <a:t>SMA - Simple Moving </a:t>
+            </a:r>
+            <a:r>
+              <a:rPr lang="en-US" sz="3600" dirty="0" smtClean="0"/>
+              <a:t>Average</a:t>
+            </a:r>
+          </a:p>
+          <a:p>
+            <a:r>
+              <a:rPr lang="en-US" sz="3600" dirty="0" smtClean="0"/>
+              <a:t>	This is</a:t>
+            </a:r>
+            <a:r>
+              <a:rPr lang="en-US" sz="3600" dirty="0"/>
+              <a:t> the average price over the specified period</a:t>
+            </a:r>
+            <a:r>
+              <a:rPr lang="en-US" sz="3600" dirty="0" smtClean="0"/>
+              <a:t>. It 	is calculated </a:t>
+            </a:r>
+            <a:r>
+              <a:rPr lang="en-US" sz="3600" dirty="0"/>
+              <a:t>by adding up the last "X" period's closing </a:t>
+            </a:r>
+            <a:r>
+              <a:rPr lang="en-US" sz="3600" dirty="0" smtClean="0"/>
+              <a:t>	prices </a:t>
+            </a:r>
+            <a:r>
+              <a:rPr lang="en-US" sz="3600" dirty="0"/>
+              <a:t>and then dividing that number by </a:t>
+            </a:r>
+            <a:r>
+              <a:rPr lang="en-US" sz="3600" dirty="0" smtClean="0"/>
+              <a:t>of </a:t>
+            </a:r>
+            <a:r>
+              <a:rPr lang="en-US" sz="3600" dirty="0" err="1" smtClean="0"/>
+              <a:t>Xs</a:t>
+            </a:r>
+            <a:endParaRPr lang="en-US" sz="3600" dirty="0"/>
+          </a:p>
+        </p:txBody>
+      </p:sp>
+      <p:sp>
+        <p:nvSpPr>
+          <p:cNvPr id="3" name="TextBox 2"/>
+          <p:cNvSpPr txBox="1"/>
+          <p:nvPr/>
+        </p:nvSpPr>
+        <p:spPr>
+          <a:xfrm>
+            <a:off x="1356464" y="-2897"/>
+            <a:ext cx="8680174" cy="830997"/>
+          </a:xfrm>
+          <a:prstGeom prst="rect">
+            <a:avLst/>
+          </a:prstGeom>
+          <a:noFill/>
+        </p:spPr>
+        <p:txBody>
+          <a:bodyPr wrap="square" rtlCol="0">
+            <a:spAutoFit/>
+          </a:bodyPr>
+          <a:lstStyle/>
+          <a:p>
+            <a:pPr algn="ctr"/>
+            <a:r>
+              <a:rPr lang="en-US" sz="4800" dirty="0" smtClean="0">
+                <a:latin typeface="Bahnschrift Light" panose="020B0502040204020203" pitchFamily="34" charset="0"/>
+              </a:rPr>
+              <a:t>Data Source </a:t>
+            </a:r>
+            <a:r>
+              <a:rPr lang="en-US" sz="3200" dirty="0" smtClean="0">
+                <a:latin typeface="Bahnschrift Light" panose="020B0502040204020203" pitchFamily="34" charset="0"/>
+              </a:rPr>
+              <a:t>{</a:t>
+            </a:r>
+            <a:r>
+              <a:rPr lang="en-US" sz="3200" b="1" i="1" dirty="0" smtClean="0">
+                <a:solidFill>
+                  <a:srgbClr val="0070C0"/>
+                </a:solidFill>
+                <a:latin typeface="Bahnschrift Light" panose="020B0502040204020203" pitchFamily="34" charset="0"/>
+              </a:rPr>
+              <a:t>Technical</a:t>
+            </a:r>
+            <a:r>
+              <a:rPr lang="en-US" sz="3200" dirty="0" smtClean="0">
+                <a:latin typeface="Bahnschrift Light" panose="020B0502040204020203" pitchFamily="34" charset="0"/>
+              </a:rPr>
+              <a:t>}</a:t>
+            </a:r>
+            <a:endParaRPr lang="en-US" sz="3200" dirty="0">
+              <a:latin typeface="Bahnschrift Light" panose="020B0502040204020203" pitchFamily="34" charset="0"/>
+            </a:endParaRPr>
+          </a:p>
+        </p:txBody>
+      </p:sp>
+    </p:spTree>
+    <p:extLst>
+      <p:ext uri="{BB962C8B-B14F-4D97-AF65-F5344CB8AC3E}">
+        <p14:creationId xmlns:p14="http://schemas.microsoft.com/office/powerpoint/2010/main" val="381889741"/>
+      </p:ext>
+    </p:extLst>
+  </p:cSld>
+  <p:clrMapOvr>
+    <a:masterClrMapping/>
+  </p:clrMapOvr>
+</p:sld>
+</file>
+
+<file path=ppt/slides/slide13.xml><?xml version="1.0" encoding="utf-8"?>
+<p:sld xmlns:a="http://schemas.openxmlformats.org/drawingml/2006/main" xmlns:r="http://schemas.openxmlformats.org/officeDocument/2006/relationships" xmlns:p="http://schemas.openxmlformats.org/presentationml/2006/main">
+  <p:cSld>
+    <p:spTree>
+      <p:nvGrpSpPr>
+        <p:cNvPr id="1" name=""/>
+        <p:cNvGrpSpPr/>
+        <p:nvPr/>
+      </p:nvGrpSpPr>
+      <p:grpSpPr>
+        <a:xfrm>
+          <a:off x="0" y="0"/>
+          <a:ext cx="0" cy="0"/>
+          <a:chOff x="0" y="0"/>
+          <a:chExt cx="0" cy="0"/>
+        </a:xfrm>
+      </p:grpSpPr>
+      <p:sp>
+        <p:nvSpPr>
+          <p:cNvPr id="2" name="TextBox 1"/>
+          <p:cNvSpPr txBox="1"/>
+          <p:nvPr/>
+        </p:nvSpPr>
+        <p:spPr>
+          <a:xfrm>
+            <a:off x="434594" y="688400"/>
+            <a:ext cx="11025808" cy="6186309"/>
+          </a:xfrm>
+          <a:prstGeom prst="rect">
+            <a:avLst/>
+          </a:prstGeom>
+          <a:noFill/>
+        </p:spPr>
+        <p:txBody>
+          <a:bodyPr wrap="square" rtlCol="0">
+            <a:spAutoFit/>
+          </a:bodyPr>
+          <a:lstStyle/>
+          <a:p>
+            <a:r>
+              <a:rPr lang="en-US" sz="3600" dirty="0" smtClean="0"/>
+              <a:t>(c) EMA – Exponential Moving Average</a:t>
+            </a:r>
+          </a:p>
+          <a:p>
+            <a:r>
+              <a:rPr lang="en-US" sz="3600" dirty="0" smtClean="0"/>
+              <a:t>	This is </a:t>
+            </a:r>
+            <a:r>
+              <a:rPr lang="en-US" sz="3600" dirty="0"/>
+              <a:t>a type of moving average that gives more </a:t>
+            </a:r>
+            <a:r>
+              <a:rPr lang="en-US" sz="3600" dirty="0" smtClean="0"/>
+              <a:t>	weight </a:t>
+            </a:r>
+            <a:r>
+              <a:rPr lang="en-US" sz="3600" dirty="0"/>
+              <a:t>to recent data points compared to older </a:t>
+            </a:r>
+            <a:r>
+              <a:rPr lang="en-US" sz="3600" dirty="0" smtClean="0"/>
+              <a:t>data 	points</a:t>
+            </a:r>
+            <a:r>
+              <a:rPr lang="en-US" sz="3600" dirty="0"/>
+              <a:t>. It is calculated by applying a </a:t>
+            </a:r>
+            <a:r>
+              <a:rPr lang="en-US" sz="3600" dirty="0" smtClean="0"/>
+              <a:t>smoothing </a:t>
+            </a:r>
+            <a:r>
+              <a:rPr lang="en-US" sz="3600" dirty="0"/>
+              <a:t>factor </a:t>
+            </a:r>
+            <a:r>
+              <a:rPr lang="en-US" sz="3600" dirty="0" smtClean="0"/>
+              <a:t>	to </a:t>
+            </a:r>
+            <a:r>
+              <a:rPr lang="en-US" sz="3600" dirty="0"/>
+              <a:t>the previous EMA value and </a:t>
+            </a:r>
+            <a:r>
+              <a:rPr lang="en-US" sz="3600" dirty="0" smtClean="0"/>
+              <a:t>the </a:t>
+            </a:r>
+            <a:r>
+              <a:rPr lang="en-US" sz="3600" dirty="0"/>
+              <a:t>current price.</a:t>
+            </a:r>
+            <a:endParaRPr lang="en-US" sz="3600" dirty="0" smtClean="0"/>
+          </a:p>
+          <a:p>
+            <a:r>
+              <a:rPr lang="en-US" sz="3600" dirty="0" smtClean="0"/>
+              <a:t>(</a:t>
+            </a:r>
+            <a:r>
+              <a:rPr lang="en-US" sz="3600" dirty="0"/>
+              <a:t>d</a:t>
+            </a:r>
+            <a:r>
+              <a:rPr lang="en-US" sz="3600" dirty="0" smtClean="0"/>
+              <a:t>) MACD </a:t>
+            </a:r>
+            <a:r>
+              <a:rPr lang="en-US" sz="3600" dirty="0"/>
+              <a:t>- Moving Average Convergence </a:t>
+            </a:r>
+            <a:r>
+              <a:rPr lang="en-US" sz="3600" dirty="0" smtClean="0"/>
+              <a:t>Divergence</a:t>
+            </a:r>
+          </a:p>
+          <a:p>
+            <a:r>
+              <a:rPr lang="en-US" sz="3600" dirty="0" smtClean="0"/>
+              <a:t>	This </a:t>
+            </a:r>
+            <a:r>
+              <a:rPr lang="en-US" sz="3600" dirty="0"/>
+              <a:t>is a popular technical analysis indicator </a:t>
+            </a:r>
+            <a:r>
+              <a:rPr lang="en-US" sz="3600" dirty="0" smtClean="0"/>
+              <a:t>	used </a:t>
+            </a:r>
+            <a:r>
+              <a:rPr lang="en-US" sz="3600" dirty="0"/>
+              <a:t>to </a:t>
+            </a:r>
+            <a:r>
+              <a:rPr lang="en-US" sz="3600" dirty="0" smtClean="0"/>
+              <a:t>	identify </a:t>
+            </a:r>
+            <a:r>
+              <a:rPr lang="en-US" sz="3600" dirty="0"/>
+              <a:t>trend reversals and momentum </a:t>
+            </a:r>
+            <a:r>
+              <a:rPr lang="en-US" sz="3600" dirty="0" smtClean="0"/>
+              <a:t>changes </a:t>
+            </a:r>
+            <a:r>
+              <a:rPr lang="en-US" sz="3600" dirty="0"/>
+              <a:t>in </a:t>
+            </a:r>
+            <a:r>
+              <a:rPr lang="en-US" sz="3600" dirty="0" smtClean="0"/>
+              <a:t>	financial </a:t>
+            </a:r>
+            <a:r>
+              <a:rPr lang="en-US" sz="3600" dirty="0"/>
+              <a:t>markets, including stocks, </a:t>
+            </a:r>
+            <a:r>
+              <a:rPr lang="en-US" sz="3600" dirty="0" smtClean="0"/>
+              <a:t>currencies</a:t>
+            </a:r>
+            <a:r>
+              <a:rPr lang="en-US" sz="3600" dirty="0"/>
+              <a:t>, and </a:t>
+            </a:r>
+            <a:r>
+              <a:rPr lang="en-US" sz="3600" dirty="0" smtClean="0"/>
+              <a:t>	commodities</a:t>
+            </a:r>
+            <a:r>
+              <a:rPr lang="en-US" sz="3600" dirty="0"/>
+              <a:t>. It consists of three </a:t>
+            </a:r>
+            <a:r>
+              <a:rPr lang="en-US" sz="3600" dirty="0" smtClean="0"/>
+              <a:t>components</a:t>
+            </a:r>
+            <a:r>
+              <a:rPr lang="en-US" sz="3600" dirty="0"/>
+              <a:t>: the </a:t>
+            </a:r>
+            <a:r>
+              <a:rPr lang="en-US" sz="3600" dirty="0" smtClean="0"/>
+              <a:t>	MACD </a:t>
+            </a:r>
+            <a:r>
+              <a:rPr lang="en-US" sz="3600" dirty="0"/>
+              <a:t>line, the signal line, and </a:t>
+            </a:r>
+            <a:r>
+              <a:rPr lang="en-US" sz="3600" dirty="0" smtClean="0"/>
+              <a:t>the </a:t>
+            </a:r>
+            <a:r>
+              <a:rPr lang="en-US" sz="3600" dirty="0"/>
+              <a:t>histogram</a:t>
+            </a:r>
+            <a:r>
+              <a:rPr lang="en-US" sz="3600" dirty="0" smtClean="0"/>
+              <a:t>.</a:t>
+            </a:r>
+            <a:endParaRPr lang="en-US" sz="3600" dirty="0"/>
+          </a:p>
+        </p:txBody>
+      </p:sp>
+      <p:sp>
+        <p:nvSpPr>
+          <p:cNvPr id="3" name="TextBox 2"/>
+          <p:cNvSpPr txBox="1"/>
+          <p:nvPr/>
+        </p:nvSpPr>
+        <p:spPr>
+          <a:xfrm>
+            <a:off x="1356464" y="-53697"/>
+            <a:ext cx="8680174" cy="830997"/>
+          </a:xfrm>
+          <a:prstGeom prst="rect">
+            <a:avLst/>
+          </a:prstGeom>
+          <a:noFill/>
+        </p:spPr>
+        <p:txBody>
+          <a:bodyPr wrap="square" rtlCol="0">
+            <a:spAutoFit/>
+          </a:bodyPr>
+          <a:lstStyle/>
+          <a:p>
+            <a:pPr algn="ctr"/>
+            <a:r>
+              <a:rPr lang="en-US" sz="4800" dirty="0" smtClean="0">
+                <a:latin typeface="Bahnschrift Light" panose="020B0502040204020203" pitchFamily="34" charset="0"/>
+              </a:rPr>
+              <a:t>Data Source </a:t>
+            </a:r>
+            <a:r>
+              <a:rPr lang="en-US" sz="3200" dirty="0" smtClean="0">
+                <a:latin typeface="Bahnschrift Light" panose="020B0502040204020203" pitchFamily="34" charset="0"/>
+              </a:rPr>
+              <a:t>{</a:t>
+            </a:r>
+            <a:r>
+              <a:rPr lang="en-US" sz="3200" b="1" i="1" dirty="0" smtClean="0">
+                <a:solidFill>
+                  <a:srgbClr val="0070C0"/>
+                </a:solidFill>
+                <a:latin typeface="Bahnschrift Light" panose="020B0502040204020203" pitchFamily="34" charset="0"/>
+              </a:rPr>
+              <a:t>…..Technical</a:t>
+            </a:r>
+            <a:r>
+              <a:rPr lang="en-US" sz="3200" dirty="0" smtClean="0">
+                <a:latin typeface="Bahnschrift Light" panose="020B0502040204020203" pitchFamily="34" charset="0"/>
+              </a:rPr>
+              <a:t>}</a:t>
+            </a:r>
+            <a:endParaRPr lang="en-US" sz="3200" dirty="0">
+              <a:latin typeface="Bahnschrift Light" panose="020B0502040204020203" pitchFamily="34" charset="0"/>
+            </a:endParaRPr>
+          </a:p>
+        </p:txBody>
+      </p:sp>
+    </p:spTree>
+    <p:extLst>
+      <p:ext uri="{BB962C8B-B14F-4D97-AF65-F5344CB8AC3E}">
+        <p14:creationId xmlns:p14="http://schemas.microsoft.com/office/powerpoint/2010/main" val="2820263338"/>
+      </p:ext>
+    </p:extLst>
+  </p:cSld>
+  <p:clrMapOvr>
+    <a:masterClrMapping/>
+  </p:clrMapOvr>
+</p:sld>
+</file>
+
+<file path=ppt/slides/slide14.xml><?xml version="1.0" encoding="utf-8"?>
+<p:sld xmlns:a="http://schemas.openxmlformats.org/drawingml/2006/main" xmlns:r="http://schemas.openxmlformats.org/officeDocument/2006/relationships" xmlns:p="http://schemas.openxmlformats.org/presentationml/2006/main">
+  <p:cSld>
+    <p:spTree>
+      <p:nvGrpSpPr>
+        <p:cNvPr id="1" name=""/>
+        <p:cNvGrpSpPr/>
+        <p:nvPr/>
+      </p:nvGrpSpPr>
+      <p:grpSpPr>
+        <a:xfrm>
+          <a:off x="0" y="0"/>
+          <a:ext cx="0" cy="0"/>
+          <a:chOff x="0" y="0"/>
+          <a:chExt cx="0" cy="0"/>
+        </a:xfrm>
+      </p:grpSpPr>
+      <p:sp>
+        <p:nvSpPr>
+          <p:cNvPr id="2" name="TextBox 1"/>
+          <p:cNvSpPr txBox="1"/>
+          <p:nvPr/>
+        </p:nvSpPr>
+        <p:spPr>
+          <a:xfrm>
             <a:off x="1435652" y="351735"/>
             <a:ext cx="8680174" cy="830997"/>
           </a:xfrm>
@@ -3864,7 +4230,7 @@
 </p:sld>
 </file>
 
-<file path=ppt/slides/slide13.xml><?xml version="1.0" encoding="utf-8"?>
+<file path=ppt/slides/slide15.xml><?xml version="1.0" encoding="utf-8"?>
 <p:sld xmlns:a="http://schemas.openxmlformats.org/drawingml/2006/main" xmlns:r="http://schemas.openxmlformats.org/officeDocument/2006/relationships" xmlns:p="http://schemas.openxmlformats.org/presentationml/2006/main">
   <p:cSld>
     <p:spTree>
@@ -5002,324 +5368,6 @@
 </p:sld>
 </file>
 
-<file path=ppt/slides/slide14.xml><?xml version="1.0" encoding="utf-8"?>
-<p:sld xmlns:a="http://schemas.openxmlformats.org/drawingml/2006/main" xmlns:r="http://schemas.openxmlformats.org/officeDocument/2006/relationships" xmlns:p="http://schemas.openxmlformats.org/presentationml/2006/main">
-  <p:cSld>
-    <p:spTree>
-      <p:nvGrpSpPr>
-        <p:cNvPr id="1" name=""/>
-        <p:cNvGrpSpPr/>
-        <p:nvPr/>
-      </p:nvGrpSpPr>
-      <p:grpSpPr>
-        <a:xfrm>
-          <a:off x="0" y="0"/>
-          <a:ext cx="0" cy="0"/>
-          <a:chOff x="0" y="0"/>
-          <a:chExt cx="0" cy="0"/>
-        </a:xfrm>
-      </p:grpSpPr>
-      <p:sp>
-        <p:nvSpPr>
-          <p:cNvPr id="2" name="TextBox 1"/>
-          <p:cNvSpPr txBox="1"/>
-          <p:nvPr/>
-        </p:nvSpPr>
-        <p:spPr>
-          <a:xfrm>
-            <a:off x="330200" y="-30897"/>
-            <a:ext cx="11404600" cy="830997"/>
-          </a:xfrm>
-          <a:prstGeom prst="rect">
-            <a:avLst/>
-          </a:prstGeom>
-          <a:noFill/>
-        </p:spPr>
-        <p:txBody>
-          <a:bodyPr wrap="square" rtlCol="0">
-            <a:spAutoFit/>
-          </a:bodyPr>
-          <a:lstStyle/>
-          <a:p>
-            <a:pPr algn="ctr"/>
-            <a:r>
-              <a:rPr lang="en-US" sz="4800" dirty="0" smtClean="0">
-                <a:latin typeface="Bahnschrift Light" panose="020B0502040204020203" pitchFamily="34" charset="0"/>
-              </a:rPr>
-              <a:t>Statistical Data </a:t>
-            </a:r>
-            <a:r>
-              <a:rPr lang="en-US" sz="3200" dirty="0" smtClean="0">
-                <a:latin typeface="Bahnschrift Light" panose="020B0502040204020203" pitchFamily="34" charset="0"/>
-              </a:rPr>
-              <a:t>{Before Label}</a:t>
-            </a:r>
-            <a:endParaRPr lang="en-US" sz="3200" dirty="0">
-              <a:latin typeface="Bahnschrift Light" panose="020B0502040204020203" pitchFamily="34" charset="0"/>
-            </a:endParaRPr>
-          </a:p>
-        </p:txBody>
-      </p:sp>
-      <p:pic>
-        <p:nvPicPr>
-          <p:cNvPr id="5" name="Picture 4"/>
-          <p:cNvPicPr>
-            <a:picLocks noChangeAspect="1"/>
-          </p:cNvPicPr>
-          <p:nvPr/>
-        </p:nvPicPr>
-        <p:blipFill>
-          <a:blip r:embed="rId2"/>
-          <a:stretch>
-            <a:fillRect/>
-          </a:stretch>
-        </p:blipFill>
-        <p:spPr>
-          <a:xfrm>
-            <a:off x="2705100" y="995363"/>
-            <a:ext cx="6083300" cy="5679331"/>
-          </a:xfrm>
-          <a:prstGeom prst="rect">
-            <a:avLst/>
-          </a:prstGeom>
-        </p:spPr>
-      </p:pic>
-      <p:sp>
-        <p:nvSpPr>
-          <p:cNvPr id="3" name="Rectangle 2"/>
-          <p:cNvSpPr/>
-          <p:nvPr/>
-        </p:nvSpPr>
-        <p:spPr>
-          <a:xfrm>
-            <a:off x="7823200" y="2260600"/>
-            <a:ext cx="914400" cy="3111500"/>
-          </a:xfrm>
-          <a:prstGeom prst="rect">
-            <a:avLst/>
-          </a:prstGeom>
-          <a:noFill/>
-          <a:ln w="38100">
-            <a:solidFill>
-              <a:srgbClr val="00B050"/>
-            </a:solidFill>
-          </a:ln>
-        </p:spPr>
-        <p:style>
-          <a:lnRef idx="2">
-            <a:schemeClr val="accent2"/>
-          </a:lnRef>
-          <a:fillRef idx="1">
-            <a:schemeClr val="lt1"/>
-          </a:fillRef>
-          <a:effectRef idx="0">
-            <a:schemeClr val="accent2"/>
-          </a:effectRef>
-          <a:fontRef idx="minor">
-            <a:schemeClr val="dk1"/>
-          </a:fontRef>
-        </p:style>
-        <p:txBody>
-          <a:bodyPr rtlCol="0" anchor="ctr"/>
-          <a:lstStyle/>
-          <a:p>
-            <a:pPr algn="ctr"/>
-            <a:endParaRPr lang="en-US">
-              <a:solidFill>
-                <a:srgbClr val="00B050"/>
-              </a:solidFill>
-            </a:endParaRPr>
-          </a:p>
-        </p:txBody>
-      </p:sp>
-    </p:spTree>
-    <p:extLst>
-      <p:ext uri="{BB962C8B-B14F-4D97-AF65-F5344CB8AC3E}">
-        <p14:creationId xmlns:p14="http://schemas.microsoft.com/office/powerpoint/2010/main" val="1151955983"/>
-      </p:ext>
-    </p:extLst>
-  </p:cSld>
-  <p:clrMapOvr>
-    <a:masterClrMapping/>
-  </p:clrMapOvr>
-</p:sld>
-</file>
-
-<file path=ppt/slides/slide15.xml><?xml version="1.0" encoding="utf-8"?>
-<p:sld xmlns:a="http://schemas.openxmlformats.org/drawingml/2006/main" xmlns:r="http://schemas.openxmlformats.org/officeDocument/2006/relationships" xmlns:p="http://schemas.openxmlformats.org/presentationml/2006/main">
-  <p:cSld>
-    <p:spTree>
-      <p:nvGrpSpPr>
-        <p:cNvPr id="1" name=""/>
-        <p:cNvGrpSpPr/>
-        <p:nvPr/>
-      </p:nvGrpSpPr>
-      <p:grpSpPr>
-        <a:xfrm>
-          <a:off x="0" y="0"/>
-          <a:ext cx="0" cy="0"/>
-          <a:chOff x="0" y="0"/>
-          <a:chExt cx="0" cy="0"/>
-        </a:xfrm>
-      </p:grpSpPr>
-      <p:sp>
-        <p:nvSpPr>
-          <p:cNvPr id="2" name="TextBox 1"/>
-          <p:cNvSpPr txBox="1"/>
-          <p:nvPr/>
-        </p:nvSpPr>
-        <p:spPr>
-          <a:xfrm>
-            <a:off x="330200" y="-30897"/>
-            <a:ext cx="11404600" cy="830997"/>
-          </a:xfrm>
-          <a:prstGeom prst="rect">
-            <a:avLst/>
-          </a:prstGeom>
-          <a:noFill/>
-        </p:spPr>
-        <p:txBody>
-          <a:bodyPr wrap="square" rtlCol="0">
-            <a:spAutoFit/>
-          </a:bodyPr>
-          <a:lstStyle/>
-          <a:p>
-            <a:pPr algn="ctr"/>
-            <a:r>
-              <a:rPr lang="en-US" sz="4800" dirty="0" smtClean="0">
-                <a:latin typeface="Bahnschrift Light" panose="020B0502040204020203" pitchFamily="34" charset="0"/>
-              </a:rPr>
-              <a:t>Statistical Data </a:t>
-            </a:r>
-            <a:r>
-              <a:rPr lang="en-US" sz="3200" dirty="0" smtClean="0">
-                <a:latin typeface="Bahnschrift Light" panose="020B0502040204020203" pitchFamily="34" charset="0"/>
-              </a:rPr>
-              <a:t>{with Label}</a:t>
-            </a:r>
-            <a:endParaRPr lang="en-US" sz="3200" dirty="0">
-              <a:latin typeface="Bahnschrift Light" panose="020B0502040204020203" pitchFamily="34" charset="0"/>
-            </a:endParaRPr>
-          </a:p>
-        </p:txBody>
-      </p:sp>
-      <p:pic>
-        <p:nvPicPr>
-          <p:cNvPr id="5" name="Picture 4"/>
-          <p:cNvPicPr>
-            <a:picLocks noChangeAspect="1"/>
-          </p:cNvPicPr>
-          <p:nvPr/>
-        </p:nvPicPr>
-        <p:blipFill>
-          <a:blip r:embed="rId2"/>
-          <a:stretch>
-            <a:fillRect/>
-          </a:stretch>
-        </p:blipFill>
-        <p:spPr>
-          <a:xfrm>
-            <a:off x="2514600" y="800099"/>
-            <a:ext cx="6705600" cy="5960533"/>
-          </a:xfrm>
-          <a:prstGeom prst="rect">
-            <a:avLst/>
-          </a:prstGeom>
-        </p:spPr>
-      </p:pic>
-      <p:sp>
-        <p:nvSpPr>
-          <p:cNvPr id="3" name="Rectangle 2"/>
-          <p:cNvSpPr/>
-          <p:nvPr/>
-        </p:nvSpPr>
-        <p:spPr>
-          <a:xfrm>
-            <a:off x="7289800" y="2006600"/>
-            <a:ext cx="838200" cy="1651000"/>
-          </a:xfrm>
-          <a:prstGeom prst="rect">
-            <a:avLst/>
-          </a:prstGeom>
-          <a:noFill/>
-          <a:ln w="28575"/>
-        </p:spPr>
-        <p:style>
-          <a:lnRef idx="2">
-            <a:schemeClr val="accent2"/>
-          </a:lnRef>
-          <a:fillRef idx="1">
-            <a:schemeClr val="lt1"/>
-          </a:fillRef>
-          <a:effectRef idx="0">
-            <a:schemeClr val="accent2"/>
-          </a:effectRef>
-          <a:fontRef idx="minor">
-            <a:schemeClr val="dk1"/>
-          </a:fontRef>
-        </p:style>
-        <p:txBody>
-          <a:bodyPr rtlCol="0" anchor="ctr"/>
-          <a:lstStyle/>
-          <a:p>
-            <a:pPr algn="ctr"/>
-            <a:endParaRPr lang="en-US"/>
-          </a:p>
-        </p:txBody>
-      </p:sp>
-      <p:sp>
-        <p:nvSpPr>
-          <p:cNvPr id="6" name="Rectangle 5"/>
-          <p:cNvSpPr/>
-          <p:nvPr/>
-        </p:nvSpPr>
-        <p:spPr>
-          <a:xfrm>
-            <a:off x="8318500" y="4965700"/>
-            <a:ext cx="838200" cy="1651000"/>
-          </a:xfrm>
-          <a:prstGeom prst="rect">
-            <a:avLst/>
-          </a:prstGeom>
-          <a:noFill/>
-          <a:ln w="28575"/>
-        </p:spPr>
-        <p:style>
-          <a:lnRef idx="2">
-            <a:schemeClr val="accent2"/>
-          </a:lnRef>
-          <a:fillRef idx="1">
-            <a:schemeClr val="lt1"/>
-          </a:fillRef>
-          <a:effectRef idx="0">
-            <a:schemeClr val="accent2"/>
-          </a:effectRef>
-          <a:fontRef idx="minor">
-            <a:schemeClr val="dk1"/>
-          </a:fontRef>
-        </p:style>
-        <p:txBody>
-          <a:bodyPr rtlCol="0" anchor="ctr"/>
-          <a:lstStyle/>
-          <a:p>
-            <a:pPr algn="ctr"/>
-            <a:endParaRPr lang="en-US"/>
-          </a:p>
-        </p:txBody>
-      </p:sp>
-    </p:spTree>
-    <p:extLst>
-      <p:ext uri="{BB962C8B-B14F-4D97-AF65-F5344CB8AC3E}">
-        <p14:creationId xmlns:p14="http://schemas.microsoft.com/office/powerpoint/2010/main" val="2040652345"/>
-      </p:ext>
-    </p:extLst>
-  </p:cSld>
-  <p:clrMapOvr>
-    <a:masterClrMapping/>
-  </p:clrMapOvr>
-</p:sld>
-</file>
-
 <file path=ppt/slides/slide16.xml><?xml version="1.0" encoding="utf-8"?>
 <p:sld xmlns:a="http://schemas.openxmlformats.org/drawingml/2006/main" xmlns:r="http://schemas.openxmlformats.org/officeDocument/2006/relationships" xmlns:p="http://schemas.openxmlformats.org/presentationml/2006/main">
   <p:cSld>
@@ -5364,77 +5412,23 @@
               <a:rPr lang="en-US" sz="4800" dirty="0" smtClean="0">
                 <a:latin typeface="Bahnschrift Light" panose="020B0502040204020203" pitchFamily="34" charset="0"/>
               </a:rPr>
-              <a:t>Macroeconomic Data </a:t>
-            </a:r>
-            <a:r>
-              <a:rPr lang="en-US" sz="3200" dirty="0" smtClean="0">
+              <a:t>Statistical </a:t>
+            </a:r>
+            <a:r>
+              <a:rPr lang="en-US" sz="4800" dirty="0" smtClean="0">
                 <a:latin typeface="Bahnschrift Light" panose="020B0502040204020203" pitchFamily="34" charset="0"/>
               </a:rPr>
-              <a:t>{Raw}</a:t>
-            </a:r>
-            <a:endParaRPr lang="en-US" sz="4800" dirty="0">
+              <a:t>Data</a:t>
+            </a:r>
+            <a:endParaRPr lang="en-US" sz="3200" dirty="0">
               <a:latin typeface="Bahnschrift Light" panose="020B0502040204020203" pitchFamily="34" charset="0"/>
             </a:endParaRPr>
           </a:p>
         </p:txBody>
       </p:sp>
-      <p:sp>
-        <p:nvSpPr>
-          <p:cNvPr id="4" name="TextBox 3"/>
-          <p:cNvSpPr txBox="1"/>
-          <p:nvPr/>
-        </p:nvSpPr>
-        <p:spPr>
-          <a:xfrm>
-            <a:off x="1104900" y="5829300"/>
-            <a:ext cx="9893993" cy="369332"/>
-          </a:xfrm>
-          <a:prstGeom prst="rect">
-            <a:avLst/>
-          </a:prstGeom>
-          <a:noFill/>
-        </p:spPr>
-        <p:txBody>
-          <a:bodyPr wrap="square" rtlCol="0">
-            <a:spAutoFit/>
-          </a:bodyPr>
-          <a:lstStyle/>
-          <a:p>
-            <a:r>
-              <a:rPr lang="en-US" dirty="0"/>
-              <a:t> </a:t>
-            </a:r>
-            <a:r>
-              <a:rPr lang="en-US" dirty="0" smtClean="0"/>
-              <a:t>Source </a:t>
-            </a:r>
-            <a:r>
-              <a:rPr lang="en-US" dirty="0"/>
-              <a:t>= </a:t>
-            </a:r>
-            <a:r>
-              <a:rPr lang="en-US" dirty="0" smtClean="0"/>
-              <a:t>'</a:t>
-            </a:r>
-            <a:r>
-              <a:rPr lang="en-US" dirty="0">
-                <a:solidFill>
-                  <a:srgbClr val="0070C0"/>
-                </a:solidFill>
-              </a:rPr>
-              <a:t>https://fred.stlouisfed.org/</a:t>
-            </a:r>
-            <a:r>
-              <a:rPr lang="en-US" dirty="0" smtClean="0"/>
-              <a:t>'</a:t>
-            </a:r>
-            <a:endParaRPr lang="en-US" dirty="0"/>
-          </a:p>
-        </p:txBody>
-      </p:sp>
       <p:pic>
         <p:nvPicPr>
-          <p:cNvPr id="5" name="Picture 4"/>
+          <p:cNvPr id="4" name="Picture 3"/>
           <p:cNvPicPr>
             <a:picLocks noChangeAspect="1"/>
           </p:cNvPicPr>
@@ -5448,8 +5442,8 @@
         </p:blipFill>
         <p:spPr>
           <a:xfrm>
-            <a:off x="542925" y="800100"/>
-            <a:ext cx="11053876" cy="3822700"/>
+            <a:off x="2609226" y="688975"/>
+            <a:ext cx="6375816" cy="6076950"/>
           </a:xfrm>
           <a:prstGeom prst="rect">
             <a:avLst/>
@@ -5459,7 +5453,7 @@
     </p:spTree>
     <p:extLst>
       <p:ext uri="{BB962C8B-B14F-4D97-AF65-F5344CB8AC3E}">
-        <p14:creationId xmlns:p14="http://schemas.microsoft.com/office/powerpoint/2010/main" val="4289815015"/>
+        <p14:creationId xmlns:p14="http://schemas.microsoft.com/office/powerpoint/2010/main" val="1151955983"/>
       </p:ext>
     </p:extLst>
   </p:cSld>
@@ -5488,14 +5482,14 @@
       </p:grpSpPr>
       <p:sp>
         <p:nvSpPr>
-          <p:cNvPr id="2" name="TextBox 1"/>
+          <p:cNvPr id="3" name="TextBox 2"/>
           <p:cNvSpPr txBox="1"/>
           <p:nvPr/>
         </p:nvSpPr>
         <p:spPr>
           <a:xfrm>
-            <a:off x="330200" y="-30897"/>
-            <a:ext cx="11404600" cy="830997"/>
+            <a:off x="1397000" y="12700"/>
+            <a:ext cx="8928100" cy="830997"/>
           </a:xfrm>
           <a:prstGeom prst="rect">
             <a:avLst/>
@@ -5513,7 +5507,7 @@
               <a:rPr lang="en-US" sz="4800" dirty="0" smtClean="0">
                 <a:latin typeface="Bahnschrift Light" panose="020B0502040204020203" pitchFamily="34" charset="0"/>
               </a:rPr>
-              <a:t>Macroeconomic Data</a:t>
+              <a:t>Models Comparison</a:t>
             </a:r>
             <a:endParaRPr lang="en-US" sz="4800" dirty="0">
               <a:latin typeface="Bahnschrift Light" panose="020B0502040204020203" pitchFamily="34" charset="0"/>
@@ -5521,188 +5515,16 @@
           </a:p>
         </p:txBody>
       </p:sp>
-      <p:grpSp>
-        <p:nvGrpSpPr>
-          <p:cNvPr id="7" name="Group 6"/>
-          <p:cNvGrpSpPr/>
-          <p:nvPr/>
-        </p:nvGrpSpPr>
-        <p:grpSpPr>
-          <a:xfrm>
-            <a:off x="1409700" y="1612900"/>
-            <a:ext cx="2565400" cy="646331"/>
-            <a:chOff x="1409700" y="1790700"/>
-            <a:chExt cx="2565400" cy="646331"/>
-          </a:xfrm>
-        </p:grpSpPr>
-        <p:sp>
-          <p:nvSpPr>
-            <p:cNvPr id="5" name="Rectangle 4"/>
-            <p:cNvSpPr/>
-            <p:nvPr/>
-          </p:nvSpPr>
-          <p:spPr>
-            <a:xfrm>
-              <a:off x="1409700" y="1790700"/>
-              <a:ext cx="2565400" cy="622300"/>
-            </a:xfrm>
-            <a:prstGeom prst="rect">
-              <a:avLst/>
-            </a:prstGeom>
-          </p:spPr>
-          <p:style>
-            <a:lnRef idx="2">
-              <a:schemeClr val="accent1">
-                <a:shade val="50000"/>
-              </a:schemeClr>
-            </a:lnRef>
-            <a:fillRef idx="1">
-              <a:schemeClr val="accent1"/>
-            </a:fillRef>
-            <a:effectRef idx="0">
-              <a:schemeClr val="accent1"/>
-            </a:effectRef>
-            <a:fontRef idx="minor">
-              <a:schemeClr val="lt1"/>
-            </a:fontRef>
-          </p:style>
-          <p:txBody>
-            <a:bodyPr rtlCol="0" anchor="ctr"/>
-            <a:lstStyle/>
-            <a:p>
-              <a:pPr algn="ctr"/>
-              <a:endParaRPr lang="en-US"/>
-            </a:p>
-          </p:txBody>
-        </p:sp>
-        <p:sp>
-          <p:nvSpPr>
-            <p:cNvPr id="6" name="TextBox 5"/>
-            <p:cNvSpPr txBox="1"/>
-            <p:nvPr/>
-          </p:nvSpPr>
-          <p:spPr>
-            <a:xfrm>
-              <a:off x="1409700" y="1790700"/>
-              <a:ext cx="2565400" cy="646331"/>
-            </a:xfrm>
-            <a:prstGeom prst="rect">
-              <a:avLst/>
-            </a:prstGeom>
-            <a:noFill/>
-          </p:spPr>
-          <p:txBody>
-            <a:bodyPr wrap="square" rtlCol="0">
-              <a:spAutoFit/>
-            </a:bodyPr>
-            <a:lstStyle/>
-            <a:p>
-              <a:pPr algn="ctr"/>
-              <a:r>
-                <a:rPr lang="en-US" sz="3600" dirty="0" smtClean="0"/>
-                <a:t>01.11.2024</a:t>
-              </a:r>
-              <a:endParaRPr lang="en-US" sz="3600" dirty="0"/>
-            </a:p>
-          </p:txBody>
-        </p:sp>
-      </p:grpSp>
-      <p:grpSp>
-        <p:nvGrpSpPr>
-          <p:cNvPr id="8" name="Group 7"/>
-          <p:cNvGrpSpPr/>
-          <p:nvPr/>
-        </p:nvGrpSpPr>
-        <p:grpSpPr>
-          <a:xfrm>
-            <a:off x="1409700" y="5156200"/>
-            <a:ext cx="2565400" cy="646331"/>
-            <a:chOff x="1409700" y="1790700"/>
-            <a:chExt cx="2565400" cy="646331"/>
-          </a:xfrm>
-        </p:grpSpPr>
-        <p:sp>
-          <p:nvSpPr>
-            <p:cNvPr id="9" name="Rectangle 8"/>
-            <p:cNvSpPr/>
-            <p:nvPr/>
-          </p:nvSpPr>
-          <p:spPr>
-            <a:xfrm>
-              <a:off x="1409700" y="1790700"/>
-              <a:ext cx="2565400" cy="622300"/>
-            </a:xfrm>
-            <a:prstGeom prst="rect">
-              <a:avLst/>
-            </a:prstGeom>
-          </p:spPr>
-          <p:style>
-            <a:lnRef idx="2">
-              <a:schemeClr val="accent1">
-                <a:shade val="50000"/>
-              </a:schemeClr>
-            </a:lnRef>
-            <a:fillRef idx="1">
-              <a:schemeClr val="accent1"/>
-            </a:fillRef>
-            <a:effectRef idx="0">
-              <a:schemeClr val="accent1"/>
-            </a:effectRef>
-            <a:fontRef idx="minor">
-              <a:schemeClr val="lt1"/>
-            </a:fontRef>
-          </p:style>
-          <p:txBody>
-            <a:bodyPr rtlCol="0" anchor="ctr"/>
-            <a:lstStyle/>
-            <a:p>
-              <a:pPr algn="ctr"/>
-              <a:endParaRPr lang="en-US"/>
-            </a:p>
-          </p:txBody>
-        </p:sp>
-        <p:sp>
-          <p:nvSpPr>
-            <p:cNvPr id="10" name="TextBox 9"/>
-            <p:cNvSpPr txBox="1"/>
-            <p:nvPr/>
-          </p:nvSpPr>
-          <p:spPr>
-            <a:xfrm>
-              <a:off x="1409700" y="1790700"/>
-              <a:ext cx="2565400" cy="646331"/>
-            </a:xfrm>
-            <a:prstGeom prst="rect">
-              <a:avLst/>
-            </a:prstGeom>
-            <a:noFill/>
-          </p:spPr>
-          <p:txBody>
-            <a:bodyPr wrap="square" rtlCol="0">
-              <a:spAutoFit/>
-            </a:bodyPr>
-            <a:lstStyle/>
-            <a:p>
-              <a:pPr algn="ctr"/>
-              <a:r>
-                <a:rPr lang="en-US" sz="3600" dirty="0" smtClean="0"/>
-                <a:t>01.10.2024</a:t>
-              </a:r>
-              <a:endParaRPr lang="en-US" sz="3600" dirty="0"/>
-            </a:p>
-          </p:txBody>
-        </p:sp>
-      </p:grpSp>
-      <p:sp>
-        <p:nvSpPr>
-          <p:cNvPr id="11" name="TextBox 10"/>
+      <p:sp>
+        <p:nvSpPr>
+          <p:cNvPr id="4" name="TextBox 3"/>
           <p:cNvSpPr txBox="1"/>
           <p:nvPr/>
         </p:nvSpPr>
         <p:spPr>
           <a:xfrm>
-            <a:off x="2222500" y="990600"/>
-            <a:ext cx="1181100" cy="584775"/>
+            <a:off x="1409700" y="647700"/>
+            <a:ext cx="8928100" cy="523220"/>
           </a:xfrm>
           <a:prstGeom prst="rect">
             <a:avLst/>
@@ -5717,629 +5539,58 @@
           <a:p>
             <a:pPr algn="ctr"/>
             <a:r>
-              <a:rPr lang="en-US" sz="3200" dirty="0" smtClean="0"/>
-              <a:t>Dates</a:t>
-            </a:r>
-            <a:endParaRPr lang="en-US" sz="3200" dirty="0"/>
-          </a:p>
-        </p:txBody>
-      </p:sp>
-      <p:sp>
-        <p:nvSpPr>
-          <p:cNvPr id="12" name="TextBox 11"/>
-          <p:cNvSpPr txBox="1"/>
+              <a:rPr lang="en-US" sz="2800" dirty="0" smtClean="0">
+                <a:latin typeface="Bahnschrift Light" panose="020B0502040204020203" pitchFamily="34" charset="0"/>
+              </a:rPr>
+              <a:t>90% Train – 10% Test Splitting</a:t>
+            </a:r>
+            <a:endParaRPr lang="en-US" sz="2800" dirty="0">
+              <a:latin typeface="Bahnschrift Light" panose="020B0502040204020203" pitchFamily="34" charset="0"/>
+            </a:endParaRPr>
+          </a:p>
+        </p:txBody>
+      </p:sp>
+      <p:pic>
+        <p:nvPicPr>
+          <p:cNvPr id="6" name="Picture 5"/>
+          <p:cNvPicPr>
+            <a:picLocks noChangeAspect="1"/>
+          </p:cNvPicPr>
           <p:nvPr/>
-        </p:nvSpPr>
+        </p:nvPicPr>
+        <p:blipFill>
+          <a:blip r:embed="rId2"/>
+          <a:stretch>
+            <a:fillRect/>
+          </a:stretch>
+        </p:blipFill>
         <p:spPr>
           <a:xfrm>
-            <a:off x="6756400" y="990600"/>
-            <a:ext cx="2501900" cy="584775"/>
+            <a:off x="342900" y="1270000"/>
+            <a:ext cx="11557000" cy="5334000"/>
           </a:xfrm>
           <a:prstGeom prst="rect">
             <a:avLst/>
           </a:prstGeom>
-          <a:noFill/>
         </p:spPr>
-        <p:txBody>
-          <a:bodyPr wrap="square" rtlCol="0">
-            <a:spAutoFit/>
-          </a:bodyPr>
-          <a:lstStyle/>
-          <a:p>
-            <a:pPr algn="ctr"/>
-            <a:r>
-              <a:rPr lang="en-US" sz="3200" dirty="0" smtClean="0"/>
-              <a:t>Index Values</a:t>
-            </a:r>
-            <a:endParaRPr lang="en-US" sz="3200" dirty="0"/>
-          </a:p>
-        </p:txBody>
-      </p:sp>
-      <p:grpSp>
-        <p:nvGrpSpPr>
-          <p:cNvPr id="13" name="Group 12"/>
-          <p:cNvGrpSpPr/>
-          <p:nvPr/>
-        </p:nvGrpSpPr>
-        <p:grpSpPr>
-          <a:xfrm>
-            <a:off x="6781800" y="1612900"/>
-            <a:ext cx="2565400" cy="646331"/>
-            <a:chOff x="1409700" y="1790700"/>
-            <a:chExt cx="2565400" cy="646331"/>
-          </a:xfrm>
-        </p:grpSpPr>
-        <p:sp>
-          <p:nvSpPr>
-            <p:cNvPr id="14" name="Rectangle 13"/>
-            <p:cNvSpPr/>
-            <p:nvPr/>
-          </p:nvSpPr>
-          <p:spPr>
-            <a:xfrm>
-              <a:off x="1409700" y="1790700"/>
-              <a:ext cx="2565400" cy="622300"/>
-            </a:xfrm>
-            <a:prstGeom prst="rect">
-              <a:avLst/>
-            </a:prstGeom>
-          </p:spPr>
-          <p:style>
-            <a:lnRef idx="2">
-              <a:schemeClr val="accent1">
-                <a:shade val="50000"/>
-              </a:schemeClr>
-            </a:lnRef>
-            <a:fillRef idx="1">
-              <a:schemeClr val="accent1"/>
-            </a:fillRef>
-            <a:effectRef idx="0">
-              <a:schemeClr val="accent1"/>
-            </a:effectRef>
-            <a:fontRef idx="minor">
-              <a:schemeClr val="lt1"/>
-            </a:fontRef>
-          </p:style>
-          <p:txBody>
-            <a:bodyPr rtlCol="0" anchor="ctr"/>
-            <a:lstStyle/>
-            <a:p>
-              <a:pPr algn="ctr"/>
-              <a:endParaRPr lang="en-US"/>
-            </a:p>
-          </p:txBody>
-        </p:sp>
-        <p:sp>
-          <p:nvSpPr>
-            <p:cNvPr id="15" name="TextBox 14"/>
-            <p:cNvSpPr txBox="1"/>
-            <p:nvPr/>
-          </p:nvSpPr>
-          <p:spPr>
-            <a:xfrm>
-              <a:off x="1409700" y="1790700"/>
-              <a:ext cx="2565400" cy="646331"/>
-            </a:xfrm>
-            <a:prstGeom prst="rect">
-              <a:avLst/>
-            </a:prstGeom>
-            <a:noFill/>
-          </p:spPr>
-          <p:txBody>
-            <a:bodyPr wrap="square" rtlCol="0">
-              <a:spAutoFit/>
-            </a:bodyPr>
-            <a:lstStyle/>
-            <a:p>
-              <a:pPr algn="ctr"/>
-              <a:r>
-                <a:rPr lang="en-US" sz="3600" dirty="0" smtClean="0"/>
-                <a:t>134.26</a:t>
-              </a:r>
-              <a:endParaRPr lang="en-US" sz="3600" dirty="0"/>
-            </a:p>
-          </p:txBody>
-        </p:sp>
-      </p:grpSp>
-      <p:grpSp>
-        <p:nvGrpSpPr>
-          <p:cNvPr id="16" name="Group 15"/>
-          <p:cNvGrpSpPr/>
-          <p:nvPr/>
-        </p:nvGrpSpPr>
-        <p:grpSpPr>
-          <a:xfrm>
-            <a:off x="6781800" y="5156200"/>
-            <a:ext cx="2565400" cy="646331"/>
-            <a:chOff x="1409700" y="1790700"/>
-            <a:chExt cx="2565400" cy="646331"/>
-          </a:xfrm>
-        </p:grpSpPr>
-        <p:sp>
-          <p:nvSpPr>
-            <p:cNvPr id="17" name="Rectangle 16"/>
-            <p:cNvSpPr/>
-            <p:nvPr/>
-          </p:nvSpPr>
-          <p:spPr>
-            <a:xfrm>
-              <a:off x="1409700" y="1790700"/>
-              <a:ext cx="2565400" cy="622300"/>
-            </a:xfrm>
-            <a:prstGeom prst="rect">
-              <a:avLst/>
-            </a:prstGeom>
-          </p:spPr>
-          <p:style>
-            <a:lnRef idx="2">
-              <a:schemeClr val="accent1">
-                <a:shade val="50000"/>
-              </a:schemeClr>
-            </a:lnRef>
-            <a:fillRef idx="1">
-              <a:schemeClr val="accent1"/>
-            </a:fillRef>
-            <a:effectRef idx="0">
-              <a:schemeClr val="accent1"/>
-            </a:effectRef>
-            <a:fontRef idx="minor">
-              <a:schemeClr val="lt1"/>
-            </a:fontRef>
-          </p:style>
-          <p:txBody>
-            <a:bodyPr rtlCol="0" anchor="ctr"/>
-            <a:lstStyle/>
-            <a:p>
-              <a:pPr algn="ctr"/>
-              <a:endParaRPr lang="en-US"/>
-            </a:p>
-          </p:txBody>
-        </p:sp>
-        <p:sp>
-          <p:nvSpPr>
-            <p:cNvPr id="18" name="TextBox 17"/>
-            <p:cNvSpPr txBox="1"/>
-            <p:nvPr/>
-          </p:nvSpPr>
-          <p:spPr>
-            <a:xfrm>
-              <a:off x="1409700" y="1790700"/>
-              <a:ext cx="2565400" cy="646331"/>
-            </a:xfrm>
-            <a:prstGeom prst="rect">
-              <a:avLst/>
-            </a:prstGeom>
-            <a:noFill/>
-          </p:spPr>
-          <p:txBody>
-            <a:bodyPr wrap="square" rtlCol="0">
-              <a:spAutoFit/>
-            </a:bodyPr>
-            <a:lstStyle/>
-            <a:p>
-              <a:pPr algn="ctr"/>
-              <a:r>
-                <a:rPr lang="en-US" sz="3600" dirty="0" smtClean="0"/>
-                <a:t>124.0</a:t>
-              </a:r>
-              <a:endParaRPr lang="en-US" sz="3600" dirty="0"/>
-            </a:p>
-          </p:txBody>
-        </p:sp>
-      </p:grpSp>
-      <p:cxnSp>
-        <p:nvCxnSpPr>
-          <p:cNvPr id="21" name="Straight Arrow Connector 20"/>
-          <p:cNvCxnSpPr/>
-          <p:nvPr/>
-        </p:nvCxnSpPr>
-        <p:spPr>
-          <a:xfrm>
-            <a:off x="2654300" y="4038600"/>
-            <a:ext cx="12700" cy="1003300"/>
-          </a:xfrm>
-          <a:prstGeom prst="straightConnector1">
-            <a:avLst/>
-          </a:prstGeom>
-          <a:ln>
-            <a:tailEnd type="triangle"/>
-          </a:ln>
-        </p:spPr>
-        <p:style>
-          <a:lnRef idx="1">
-            <a:schemeClr val="accent1"/>
-          </a:lnRef>
-          <a:fillRef idx="0">
-            <a:schemeClr val="accent1"/>
-          </a:fillRef>
-          <a:effectRef idx="0">
-            <a:schemeClr val="accent1"/>
-          </a:effectRef>
-          <a:fontRef idx="minor">
-            <a:schemeClr val="tx1"/>
-          </a:fontRef>
-        </p:style>
-      </p:cxnSp>
-      <p:cxnSp>
-        <p:nvCxnSpPr>
-          <p:cNvPr id="23" name="Straight Arrow Connector 22"/>
-          <p:cNvCxnSpPr/>
-          <p:nvPr/>
-        </p:nvCxnSpPr>
-        <p:spPr>
-          <a:xfrm flipV="1">
-            <a:off x="2667000" y="2362200"/>
-            <a:ext cx="12700" cy="787400"/>
-          </a:xfrm>
-          <a:prstGeom prst="straightConnector1">
-            <a:avLst/>
-          </a:prstGeom>
-          <a:ln>
-            <a:tailEnd type="triangle"/>
-          </a:ln>
-        </p:spPr>
-        <p:style>
-          <a:lnRef idx="1">
-            <a:schemeClr val="accent1"/>
-          </a:lnRef>
-          <a:fillRef idx="0">
-            <a:schemeClr val="accent1"/>
-          </a:fillRef>
-          <a:effectRef idx="0">
-            <a:schemeClr val="accent1"/>
-          </a:effectRef>
-          <a:fontRef idx="minor">
-            <a:schemeClr val="tx1"/>
-          </a:fontRef>
-        </p:style>
-      </p:cxnSp>
-      <p:grpSp>
-        <p:nvGrpSpPr>
-          <p:cNvPr id="25" name="Group 24"/>
-          <p:cNvGrpSpPr/>
-          <p:nvPr/>
-        </p:nvGrpSpPr>
-        <p:grpSpPr>
-          <a:xfrm>
-            <a:off x="800100" y="3289300"/>
-            <a:ext cx="3759200" cy="635575"/>
-            <a:chOff x="800100" y="3467100"/>
-            <a:chExt cx="3759200" cy="635575"/>
-          </a:xfrm>
-        </p:grpSpPr>
-        <p:sp>
-          <p:nvSpPr>
-            <p:cNvPr id="19" name="Rectangle 18"/>
-            <p:cNvSpPr/>
-            <p:nvPr/>
-          </p:nvSpPr>
-          <p:spPr>
-            <a:xfrm>
-              <a:off x="800100" y="3467100"/>
-              <a:ext cx="3759200" cy="635000"/>
-            </a:xfrm>
-            <a:prstGeom prst="rect">
-              <a:avLst/>
-            </a:prstGeom>
-            <a:solidFill>
-              <a:srgbClr val="92D050"/>
-            </a:solidFill>
-          </p:spPr>
-          <p:style>
-            <a:lnRef idx="2">
-              <a:schemeClr val="accent1">
-                <a:shade val="50000"/>
-              </a:schemeClr>
-            </a:lnRef>
-            <a:fillRef idx="1">
-              <a:schemeClr val="accent1"/>
-            </a:fillRef>
-            <a:effectRef idx="0">
-              <a:schemeClr val="accent1"/>
-            </a:effectRef>
-            <a:fontRef idx="minor">
-              <a:schemeClr val="lt1"/>
-            </a:fontRef>
-          </p:style>
-          <p:txBody>
-            <a:bodyPr rtlCol="0" anchor="ctr"/>
-            <a:lstStyle/>
-            <a:p>
-              <a:pPr algn="ctr"/>
-              <a:endParaRPr lang="en-US"/>
-            </a:p>
-          </p:txBody>
-        </p:sp>
-        <p:sp>
-          <p:nvSpPr>
-            <p:cNvPr id="24" name="TextBox 23"/>
-            <p:cNvSpPr txBox="1"/>
-            <p:nvPr/>
-          </p:nvSpPr>
-          <p:spPr>
-            <a:xfrm>
-              <a:off x="800100" y="3517900"/>
-              <a:ext cx="3759200" cy="584775"/>
-            </a:xfrm>
-            <a:prstGeom prst="rect">
-              <a:avLst/>
-            </a:prstGeom>
-            <a:noFill/>
-          </p:spPr>
-          <p:txBody>
-            <a:bodyPr wrap="square" rtlCol="0">
-              <a:spAutoFit/>
-            </a:bodyPr>
-            <a:lstStyle/>
-            <a:p>
-              <a:pPr algn="ctr"/>
-              <a:r>
-                <a:rPr lang="en-US" sz="2000" dirty="0" smtClean="0"/>
-                <a:t>No of Business Days =</a:t>
-              </a:r>
-              <a:r>
-                <a:rPr lang="en-US" dirty="0" smtClean="0"/>
-                <a:t> </a:t>
-              </a:r>
-              <a:r>
-                <a:rPr lang="en-US" sz="3200" dirty="0" smtClean="0"/>
-                <a:t>23</a:t>
-              </a:r>
-              <a:endParaRPr lang="en-US" dirty="0"/>
-            </a:p>
-          </p:txBody>
-        </p:sp>
-      </p:grpSp>
-      <p:grpSp>
-        <p:nvGrpSpPr>
-          <p:cNvPr id="26" name="Group 25"/>
-          <p:cNvGrpSpPr/>
-          <p:nvPr/>
-        </p:nvGrpSpPr>
-        <p:grpSpPr>
-          <a:xfrm>
-            <a:off x="6159500" y="3289300"/>
-            <a:ext cx="3759200" cy="635575"/>
-            <a:chOff x="800100" y="3467100"/>
-            <a:chExt cx="3759200" cy="635575"/>
-          </a:xfrm>
-        </p:grpSpPr>
-        <p:sp>
-          <p:nvSpPr>
-            <p:cNvPr id="27" name="Rectangle 26"/>
-            <p:cNvSpPr/>
-            <p:nvPr/>
-          </p:nvSpPr>
-          <p:spPr>
-            <a:xfrm>
-              <a:off x="800100" y="3467100"/>
-              <a:ext cx="3759200" cy="635000"/>
-            </a:xfrm>
-            <a:prstGeom prst="rect">
-              <a:avLst/>
-            </a:prstGeom>
-            <a:solidFill>
-              <a:srgbClr val="92D050"/>
-            </a:solidFill>
-          </p:spPr>
-          <p:style>
-            <a:lnRef idx="2">
-              <a:schemeClr val="accent1">
-                <a:shade val="50000"/>
-              </a:schemeClr>
-            </a:lnRef>
-            <a:fillRef idx="1">
-              <a:schemeClr val="accent1"/>
-            </a:fillRef>
-            <a:effectRef idx="0">
-              <a:schemeClr val="accent1"/>
-            </a:effectRef>
-            <a:fontRef idx="minor">
-              <a:schemeClr val="lt1"/>
-            </a:fontRef>
-          </p:style>
-          <p:txBody>
-            <a:bodyPr rtlCol="0" anchor="ctr"/>
-            <a:lstStyle/>
-            <a:p>
-              <a:pPr algn="ctr"/>
-              <a:endParaRPr lang="en-US"/>
-            </a:p>
-          </p:txBody>
-        </p:sp>
-        <p:sp>
-          <p:nvSpPr>
-            <p:cNvPr id="28" name="TextBox 27"/>
-            <p:cNvSpPr txBox="1"/>
-            <p:nvPr/>
-          </p:nvSpPr>
-          <p:spPr>
-            <a:xfrm>
-              <a:off x="800100" y="3517900"/>
-              <a:ext cx="3759200" cy="584775"/>
-            </a:xfrm>
-            <a:prstGeom prst="rect">
-              <a:avLst/>
-            </a:prstGeom>
-            <a:noFill/>
-          </p:spPr>
-          <p:txBody>
-            <a:bodyPr wrap="square" rtlCol="0">
-              <a:spAutoFit/>
-            </a:bodyPr>
-            <a:lstStyle/>
-            <a:p>
-              <a:pPr algn="ctr"/>
-              <a:r>
-                <a:rPr lang="en-US" sz="2000" dirty="0" smtClean="0"/>
-                <a:t>Diff =</a:t>
-              </a:r>
-              <a:r>
-                <a:rPr lang="en-US" dirty="0" smtClean="0"/>
-                <a:t> </a:t>
-              </a:r>
-              <a:r>
-                <a:rPr lang="en-US" sz="3200" dirty="0" smtClean="0"/>
-                <a:t>0.019395</a:t>
-              </a:r>
-              <a:endParaRPr lang="en-US" dirty="0"/>
-            </a:p>
-          </p:txBody>
-        </p:sp>
-      </p:grpSp>
-      <p:cxnSp>
-        <p:nvCxnSpPr>
-          <p:cNvPr id="29" name="Straight Arrow Connector 28"/>
-          <p:cNvCxnSpPr/>
-          <p:nvPr/>
-        </p:nvCxnSpPr>
-        <p:spPr>
-          <a:xfrm>
-            <a:off x="8128000" y="4038600"/>
-            <a:ext cx="12700" cy="1003300"/>
-          </a:xfrm>
-          <a:prstGeom prst="straightConnector1">
-            <a:avLst/>
-          </a:prstGeom>
-          <a:ln>
-            <a:tailEnd type="triangle"/>
-          </a:ln>
-        </p:spPr>
-        <p:style>
-          <a:lnRef idx="1">
-            <a:schemeClr val="accent1"/>
-          </a:lnRef>
-          <a:fillRef idx="0">
-            <a:schemeClr val="accent1"/>
-          </a:fillRef>
-          <a:effectRef idx="0">
-            <a:schemeClr val="accent1"/>
-          </a:effectRef>
-          <a:fontRef idx="minor">
-            <a:schemeClr val="tx1"/>
-          </a:fontRef>
-        </p:style>
-      </p:cxnSp>
-      <p:cxnSp>
-        <p:nvCxnSpPr>
-          <p:cNvPr id="30" name="Straight Arrow Connector 29"/>
-          <p:cNvCxnSpPr/>
-          <p:nvPr/>
-        </p:nvCxnSpPr>
-        <p:spPr>
-          <a:xfrm flipV="1">
-            <a:off x="8140700" y="2362200"/>
-            <a:ext cx="12700" cy="787400"/>
-          </a:xfrm>
-          <a:prstGeom prst="straightConnector1">
-            <a:avLst/>
-          </a:prstGeom>
-          <a:ln>
-            <a:tailEnd type="triangle"/>
-          </a:ln>
-        </p:spPr>
-        <p:style>
-          <a:lnRef idx="1">
-            <a:schemeClr val="accent1"/>
-          </a:lnRef>
-          <a:fillRef idx="0">
-            <a:schemeClr val="accent1"/>
-          </a:fillRef>
-          <a:effectRef idx="0">
-            <a:schemeClr val="accent1"/>
-          </a:effectRef>
-          <a:fontRef idx="minor">
-            <a:schemeClr val="tx1"/>
-          </a:fontRef>
-        </p:style>
-      </p:cxnSp>
-      <p:sp>
-        <p:nvSpPr>
-          <p:cNvPr id="31" name="Rectangle 30"/>
-          <p:cNvSpPr/>
-          <p:nvPr/>
-        </p:nvSpPr>
-        <p:spPr>
-          <a:xfrm>
-            <a:off x="1409700" y="6140450"/>
-            <a:ext cx="7937500" cy="546100"/>
-          </a:xfrm>
-          <a:prstGeom prst="rect">
-            <a:avLst/>
-          </a:prstGeom>
-          <a:solidFill>
-            <a:schemeClr val="accent4">
-              <a:lumMod val="60000"/>
-              <a:lumOff val="40000"/>
-            </a:schemeClr>
-          </a:solidFill>
-        </p:spPr>
-        <p:style>
-          <a:lnRef idx="2">
-            <a:schemeClr val="accent1">
-              <a:shade val="50000"/>
-            </a:schemeClr>
-          </a:lnRef>
-          <a:fillRef idx="1">
-            <a:schemeClr val="accent1"/>
-          </a:fillRef>
-          <a:effectRef idx="0">
-            <a:schemeClr val="accent1"/>
-          </a:effectRef>
-          <a:fontRef idx="minor">
-            <a:schemeClr val="lt1"/>
-          </a:fontRef>
-        </p:style>
-        <p:txBody>
-          <a:bodyPr rtlCol="0" anchor="ctr"/>
-          <a:lstStyle/>
-          <a:p>
-            <a:pPr algn="ctr"/>
-            <a:endParaRPr lang="en-US"/>
-          </a:p>
-        </p:txBody>
-      </p:sp>
-      <p:sp>
-        <p:nvSpPr>
-          <p:cNvPr id="33" name="TextBox 32"/>
-          <p:cNvSpPr txBox="1"/>
-          <p:nvPr/>
-        </p:nvSpPr>
-        <p:spPr>
-          <a:xfrm>
-            <a:off x="1524000" y="6229350"/>
-            <a:ext cx="7734300" cy="461665"/>
-          </a:xfrm>
-          <a:prstGeom prst="rect">
-            <a:avLst/>
-          </a:prstGeom>
-          <a:noFill/>
-        </p:spPr>
-        <p:txBody>
-          <a:bodyPr wrap="square" rtlCol="0">
-            <a:spAutoFit/>
-          </a:bodyPr>
-          <a:lstStyle/>
-          <a:p>
-            <a:pPr algn="ctr"/>
-            <a:r>
-              <a:rPr lang="en-US" sz="2400" dirty="0" smtClean="0"/>
-              <a:t>Incremental Value = Diff/No of Business Days</a:t>
-            </a:r>
-            <a:endParaRPr lang="en-US" sz="2400" dirty="0"/>
-          </a:p>
-        </p:txBody>
-      </p:sp>
+      </p:pic>
     </p:spTree>
     <p:extLst>
       <p:ext uri="{BB962C8B-B14F-4D97-AF65-F5344CB8AC3E}">
-        <p14:creationId xmlns:p14="http://schemas.microsoft.com/office/powerpoint/2010/main" val="1415209387"/>
+        <p14:creationId xmlns:p14="http://schemas.microsoft.com/office/powerpoint/2010/main" val="98876993"/>
       </p:ext>
     </p:extLst>
   </p:cSld>
   <p:clrMapOvr>
     <a:masterClrMapping/>
   </p:clrMapOvr>
+  <p:timing>
+    <p:tnLst>
+      <p:par>
+        <p:cTn id="1" dur="indefinite" restart="never" nodeType="tmRoot"/>
+      </p:par>
+    </p:tnLst>
+  </p:timing>
 </p:sld>
 </file>
 
@@ -6368,8 +5619,8 @@
         </p:nvSpPr>
         <p:spPr>
           <a:xfrm>
-            <a:off x="330200" y="-30897"/>
-            <a:ext cx="11404600" cy="830997"/>
+            <a:off x="609599" y="-92765"/>
+            <a:ext cx="10174287" cy="830997"/>
           </a:xfrm>
           <a:prstGeom prst="rect">
             <a:avLst/>
@@ -6387,13 +5638,7 @@
               <a:rPr lang="en-US" sz="4800" dirty="0" smtClean="0">
                 <a:latin typeface="Bahnschrift Light" panose="020B0502040204020203" pitchFamily="34" charset="0"/>
               </a:rPr>
-              <a:t>Macroeconomic Data </a:t>
-            </a:r>
-            <a:r>
-              <a:rPr lang="en-US" sz="3200" dirty="0" smtClean="0">
-                <a:latin typeface="Bahnschrift Light" panose="020B0502040204020203" pitchFamily="34" charset="0"/>
-              </a:rPr>
-              <a:t>{Calibrated/Filled}</a:t>
+              <a:t>Visualization (90% - 10%)</a:t>
             </a:r>
             <a:endParaRPr lang="en-US" sz="4800" dirty="0">
               <a:latin typeface="Bahnschrift Light" panose="020B0502040204020203" pitchFamily="34" charset="0"/>
@@ -6403,7 +5648,7 @@
       </p:sp>
       <p:pic>
         <p:nvPicPr>
-          <p:cNvPr id="3" name="Picture 2"/>
+          <p:cNvPr id="4" name="Picture 3"/>
           <p:cNvPicPr>
             <a:picLocks noChangeAspect="1"/>
           </p:cNvPicPr>
@@ -6417,8 +5662,8 @@
         </p:blipFill>
         <p:spPr>
           <a:xfrm>
-            <a:off x="494453" y="1511300"/>
-            <a:ext cx="11277288" cy="3860799"/>
+            <a:off x="381000" y="738232"/>
+            <a:ext cx="11353800" cy="5996545"/>
           </a:xfrm>
           <a:prstGeom prst="rect">
             <a:avLst/>
@@ -6428,13 +5673,20 @@
     </p:spTree>
     <p:extLst>
       <p:ext uri="{BB962C8B-B14F-4D97-AF65-F5344CB8AC3E}">
-        <p14:creationId xmlns:p14="http://schemas.microsoft.com/office/powerpoint/2010/main" val="638018926"/>
+        <p14:creationId xmlns:p14="http://schemas.microsoft.com/office/powerpoint/2010/main" val="917617399"/>
       </p:ext>
     </p:extLst>
   </p:cSld>
   <p:clrMapOvr>
     <a:masterClrMapping/>
   </p:clrMapOvr>
+  <p:timing>
+    <p:tnLst>
+      <p:par>
+        <p:cTn id="1" dur="indefinite" restart="never" nodeType="tmRoot"/>
+      </p:par>
+    </p:tnLst>
+  </p:timing>
 </p:sld>
 </file>
 
@@ -6457,14 +5709,14 @@
       </p:grpSpPr>
       <p:sp>
         <p:nvSpPr>
-          <p:cNvPr id="3" name="TextBox 2"/>
+          <p:cNvPr id="2" name="TextBox 1"/>
           <p:cNvSpPr txBox="1"/>
           <p:nvPr/>
         </p:nvSpPr>
         <p:spPr>
           <a:xfrm>
-            <a:off x="1397000" y="12700"/>
-            <a:ext cx="8928100" cy="830997"/>
+            <a:off x="1549952" y="-3865"/>
+            <a:ext cx="8680174" cy="830997"/>
           </a:xfrm>
           <a:prstGeom prst="rect">
             <a:avLst/>
@@ -6482,7 +5734,7 @@
               <a:rPr lang="en-US" sz="4800" dirty="0" smtClean="0">
                 <a:latin typeface="Bahnschrift Light" panose="020B0502040204020203" pitchFamily="34" charset="0"/>
               </a:rPr>
-              <a:t>Models Comparison</a:t>
+              <a:t>Result</a:t>
             </a:r>
             <a:endParaRPr lang="en-US" sz="4800" dirty="0">
               <a:latin typeface="Bahnschrift Light" panose="020B0502040204020203" pitchFamily="34" charset="0"/>
@@ -6492,14 +5744,14 @@
       </p:sp>
       <p:sp>
         <p:nvSpPr>
-          <p:cNvPr id="4" name="TextBox 3"/>
+          <p:cNvPr id="3" name="TextBox 2"/>
           <p:cNvSpPr txBox="1"/>
           <p:nvPr/>
         </p:nvSpPr>
         <p:spPr>
           <a:xfrm>
-            <a:off x="1409700" y="647700"/>
-            <a:ext cx="8928100" cy="523220"/>
+            <a:off x="909429" y="725557"/>
+            <a:ext cx="10257183" cy="4031873"/>
           </a:xfrm>
           <a:prstGeom prst="rect">
             <a:avLst/>
@@ -6514,51 +5766,65 @@
           <a:p>
             <a:pPr algn="ctr"/>
             <a:r>
-              <a:rPr lang="en-US" sz="2800" dirty="0">
-                <a:latin typeface="Bahnschrift Light" panose="020B0502040204020203" pitchFamily="34" charset="0"/>
-              </a:rPr>
-              <a:t>8</a:t>
-            </a:r>
-            <a:r>
-              <a:rPr lang="en-US" sz="2800" dirty="0" smtClean="0">
-                <a:latin typeface="Bahnschrift Light" panose="020B0502040204020203" pitchFamily="34" charset="0"/>
-              </a:rPr>
-              <a:t>5% Train – 15% Test Splitting</a:t>
-            </a:r>
-            <a:endParaRPr lang="en-US" sz="2800" dirty="0">
-              <a:latin typeface="Bahnschrift Light" panose="020B0502040204020203" pitchFamily="34" charset="0"/>
-            </a:endParaRPr>
-          </a:p>
-        </p:txBody>
-      </p:sp>
-      <p:pic>
-        <p:nvPicPr>
-          <p:cNvPr id="5" name="Picture 4"/>
-          <p:cNvPicPr>
-            <a:picLocks noChangeAspect="1"/>
-          </p:cNvPicPr>
-          <p:nvPr/>
-        </p:nvPicPr>
-        <p:blipFill>
-          <a:blip r:embed="rId2"/>
-          <a:stretch>
-            <a:fillRect/>
-          </a:stretch>
-        </p:blipFill>
-        <p:spPr>
-          <a:xfrm>
-            <a:off x="84791" y="1415197"/>
-            <a:ext cx="11996865" cy="4744303"/>
-          </a:xfrm>
-          <a:prstGeom prst="rect">
-            <a:avLst/>
-          </a:prstGeom>
-        </p:spPr>
-      </p:pic>
+              <a:rPr lang="en-US" sz="3200" dirty="0" smtClean="0"/>
+              <a:t>From the above analysis, on reviewing the MAE and MSE, RMSE, and R² values from all the models considered, it is apparently clear that “</a:t>
+            </a:r>
+            <a:r>
+              <a:rPr lang="en-US" sz="3200" b="1" dirty="0" smtClean="0"/>
+              <a:t>Linear Regression</a:t>
+            </a:r>
+            <a:r>
+              <a:rPr lang="en-US" sz="3200" dirty="0" smtClean="0"/>
+              <a:t>”, “</a:t>
+            </a:r>
+            <a:r>
+              <a:rPr lang="en-US" sz="3200" b="1" dirty="0" smtClean="0"/>
+              <a:t>Random Forest Regressor (RFR)</a:t>
+            </a:r>
+            <a:r>
+              <a:rPr lang="en-US" sz="3200" dirty="0" smtClean="0"/>
+              <a:t>” and “</a:t>
+            </a:r>
+            <a:r>
+              <a:rPr lang="en-US" sz="3200" b="1" dirty="0" smtClean="0"/>
+              <a:t>Bayesian Ridge Regression</a:t>
+            </a:r>
+            <a:r>
+              <a:rPr lang="en-US" sz="3200" dirty="0" smtClean="0"/>
+              <a:t>” displayed wonderful results. However, I will be relying </a:t>
+            </a:r>
+            <a:r>
+              <a:rPr lang="en-US" sz="3200" dirty="0"/>
+              <a:t>more on “</a:t>
+            </a:r>
+            <a:r>
+              <a:rPr lang="en-US" sz="3200" b="1" dirty="0"/>
+              <a:t>Random Forest Regressor (RFR)</a:t>
+            </a:r>
+            <a:r>
+              <a:rPr lang="en-US" sz="3200" dirty="0"/>
+              <a:t>” </a:t>
+            </a:r>
+            <a:r>
+              <a:rPr lang="en-US" sz="3200" dirty="0" smtClean="0"/>
+              <a:t>due to its robustness about being exposed to many parameters for </a:t>
+            </a:r>
+            <a:r>
+              <a:rPr lang="en-US" sz="3200" dirty="0" smtClean="0"/>
+              <a:t>tuning.</a:t>
+            </a:r>
+            <a:endParaRPr lang="en-US" sz="3200" dirty="0" smtClean="0"/>
+          </a:p>
+          <a:p>
+            <a:pPr algn="ctr"/>
+            <a:endParaRPr lang="en-US" sz="3200" dirty="0"/>
+          </a:p>
+        </p:txBody>
+      </p:sp>
     </p:spTree>
     <p:extLst>
       <p:ext uri="{BB962C8B-B14F-4D97-AF65-F5344CB8AC3E}">
-        <p14:creationId xmlns:p14="http://schemas.microsoft.com/office/powerpoint/2010/main" val="98876993"/>
+        <p14:creationId xmlns:p14="http://schemas.microsoft.com/office/powerpoint/2010/main" val="375198924"/>
       </p:ext>
     </p:extLst>
   </p:cSld>
@@ -6723,8 +5989,8 @@
         </p:nvSpPr>
         <p:spPr>
           <a:xfrm>
-            <a:off x="609599" y="-92765"/>
-            <a:ext cx="10174287" cy="830997"/>
+            <a:off x="622852" y="275535"/>
+            <a:ext cx="10527748" cy="830997"/>
           </a:xfrm>
           <a:prstGeom prst="rect">
             <a:avLst/>
@@ -6739,45 +6005,72 @@
           <a:p>
             <a:pPr algn="ctr"/>
             <a:r>
-              <a:rPr lang="en-US" sz="4800" dirty="0" smtClean="0">
+              <a:rPr lang="en-US" sz="4800" dirty="0">
                 <a:latin typeface="Bahnschrift Light" panose="020B0502040204020203" pitchFamily="34" charset="0"/>
               </a:rPr>
-              <a:t>Visualization (85% - 15%)</a:t>
-            </a:r>
-            <a:endParaRPr lang="en-US" sz="4800" dirty="0">
-              <a:latin typeface="Bahnschrift Light" panose="020B0502040204020203" pitchFamily="34" charset="0"/>
-            </a:endParaRPr>
-          </a:p>
-        </p:txBody>
-      </p:sp>
-      <p:pic>
-        <p:nvPicPr>
-          <p:cNvPr id="8" name="Picture 7"/>
-          <p:cNvPicPr>
-            <a:picLocks noChangeAspect="1"/>
-          </p:cNvPicPr>
+              <a:t>Random Forest Regressor (RFR)</a:t>
+            </a:r>
+          </a:p>
+        </p:txBody>
+      </p:sp>
+      <p:sp>
+        <p:nvSpPr>
+          <p:cNvPr id="3" name="TextBox 2"/>
+          <p:cNvSpPr txBox="1"/>
           <p:nvPr/>
-        </p:nvPicPr>
-        <p:blipFill>
-          <a:blip r:embed="rId2"/>
-          <a:stretch>
-            <a:fillRect/>
-          </a:stretch>
-        </p:blipFill>
+        </p:nvSpPr>
         <p:spPr>
           <a:xfrm>
-            <a:off x="609599" y="687432"/>
-            <a:ext cx="11252201" cy="6029294"/>
+            <a:off x="622852" y="1320800"/>
+            <a:ext cx="10718248" cy="5016758"/>
           </a:xfrm>
           <a:prstGeom prst="rect">
             <a:avLst/>
           </a:prstGeom>
+          <a:noFill/>
         </p:spPr>
-      </p:pic>
+        <p:txBody>
+          <a:bodyPr wrap="square" rtlCol="0">
+            <a:spAutoFit/>
+          </a:bodyPr>
+          <a:lstStyle/>
+          <a:p>
+            <a:pPr algn="just"/>
+            <a:r>
+              <a:rPr lang="en-US" sz="3200" dirty="0"/>
+              <a:t>Random Forest Regressor (RFR) is a supervised learning algorithm belonging to the ensemble learning family, specifically the random forest method, used for regression tasks. It's an extension of the Random Forest algorithm for classification</a:t>
+            </a:r>
+            <a:r>
+              <a:rPr lang="en-US" sz="3200" dirty="0" smtClean="0"/>
+              <a:t>.</a:t>
+            </a:r>
+          </a:p>
+          <a:p>
+            <a:pPr algn="just"/>
+            <a:r>
+              <a:rPr lang="en-US" sz="3200" dirty="0"/>
+              <a:t>Random Forest Regressor is known for its robustness, scalability, and ability to handle </a:t>
+            </a:r>
+            <a:r>
+              <a:rPr lang="en-US" sz="3200" b="1" i="1" dirty="0"/>
+              <a:t>high-dimensional data with a large number of features</a:t>
+            </a:r>
+            <a:r>
+              <a:rPr lang="en-US" sz="3200" dirty="0"/>
+              <a:t>. It often performs well across a wide range of regression problems and is less prone to overfitting compared to individual decision trees</a:t>
+            </a:r>
+            <a:r>
+              <a:rPr lang="en-US" sz="3200" dirty="0" smtClean="0"/>
+              <a:t>.</a:t>
+            </a:r>
+            <a:endParaRPr lang="en-US" dirty="0"/>
+          </a:p>
+        </p:txBody>
+      </p:sp>
     </p:spTree>
     <p:extLst>
       <p:ext uri="{BB962C8B-B14F-4D97-AF65-F5344CB8AC3E}">
-        <p14:creationId xmlns:p14="http://schemas.microsoft.com/office/powerpoint/2010/main" val="917617399"/>
+        <p14:creationId xmlns:p14="http://schemas.microsoft.com/office/powerpoint/2010/main" val="4247388192"/>
       </p:ext>
     </p:extLst>
   </p:cSld>
@@ -6819,841 +6112,6 @@
         </p:nvSpPr>
         <p:spPr>
           <a:xfrm>
-            <a:off x="609599" y="-92765"/>
-            <a:ext cx="10174287" cy="830997"/>
-          </a:xfrm>
-          <a:prstGeom prst="rect">
-            <a:avLst/>
-          </a:prstGeom>
-          <a:noFill/>
-        </p:spPr>
-        <p:txBody>
-          <a:bodyPr wrap="square" rtlCol="0">
-            <a:spAutoFit/>
-          </a:bodyPr>
-          <a:lstStyle/>
-          <a:p>
-            <a:pPr algn="ctr"/>
-            <a:r>
-              <a:rPr lang="en-US" sz="4800" dirty="0" smtClean="0">
-                <a:latin typeface="Bahnschrift Light" panose="020B0502040204020203" pitchFamily="34" charset="0"/>
-              </a:rPr>
-              <a:t>Visualization (85% - 15%)</a:t>
-            </a:r>
-            <a:endParaRPr lang="en-US" sz="4800" dirty="0">
-              <a:latin typeface="Bahnschrift Light" panose="020B0502040204020203" pitchFamily="34" charset="0"/>
-            </a:endParaRPr>
-          </a:p>
-        </p:txBody>
-      </p:sp>
-      <p:pic>
-        <p:nvPicPr>
-          <p:cNvPr id="3" name="Picture 2"/>
-          <p:cNvPicPr>
-            <a:picLocks noChangeAspect="1"/>
-          </p:cNvPicPr>
-          <p:nvPr/>
-        </p:nvPicPr>
-        <p:blipFill>
-          <a:blip r:embed="rId2"/>
-          <a:stretch>
-            <a:fillRect/>
-          </a:stretch>
-        </p:blipFill>
-        <p:spPr>
-          <a:xfrm>
-            <a:off x="6217409" y="738231"/>
-            <a:ext cx="5268576" cy="2779669"/>
-          </a:xfrm>
-          <a:prstGeom prst="rect">
-            <a:avLst/>
-          </a:prstGeom>
-        </p:spPr>
-      </p:pic>
-      <p:pic>
-        <p:nvPicPr>
-          <p:cNvPr id="4" name="Picture 3"/>
-          <p:cNvPicPr>
-            <a:picLocks noChangeAspect="1"/>
-          </p:cNvPicPr>
-          <p:nvPr/>
-        </p:nvPicPr>
-        <p:blipFill>
-          <a:blip r:embed="rId3"/>
-          <a:stretch>
-            <a:fillRect/>
-          </a:stretch>
-        </p:blipFill>
-        <p:spPr>
-          <a:xfrm>
-            <a:off x="403804" y="738232"/>
-            <a:ext cx="5280205" cy="2779668"/>
-          </a:xfrm>
-          <a:prstGeom prst="rect">
-            <a:avLst/>
-          </a:prstGeom>
-        </p:spPr>
-      </p:pic>
-      <p:pic>
-        <p:nvPicPr>
-          <p:cNvPr id="5" name="Picture 4"/>
-          <p:cNvPicPr>
-            <a:picLocks noChangeAspect="1"/>
-          </p:cNvPicPr>
-          <p:nvPr/>
-        </p:nvPicPr>
-        <p:blipFill>
-          <a:blip r:embed="rId4"/>
-          <a:stretch>
-            <a:fillRect/>
-          </a:stretch>
-        </p:blipFill>
-        <p:spPr>
-          <a:xfrm>
-            <a:off x="409818" y="3779142"/>
-            <a:ext cx="5274191" cy="2791193"/>
-          </a:xfrm>
-          <a:prstGeom prst="rect">
-            <a:avLst/>
-          </a:prstGeom>
-        </p:spPr>
-      </p:pic>
-      <p:pic>
-        <p:nvPicPr>
-          <p:cNvPr id="6" name="Picture 5"/>
-          <p:cNvPicPr>
-            <a:picLocks noChangeAspect="1"/>
-          </p:cNvPicPr>
-          <p:nvPr/>
-        </p:nvPicPr>
-        <p:blipFill>
-          <a:blip r:embed="rId5"/>
-          <a:stretch>
-            <a:fillRect/>
-          </a:stretch>
-        </p:blipFill>
-        <p:spPr>
-          <a:xfrm>
-            <a:off x="6217408" y="3779141"/>
-            <a:ext cx="5269031" cy="2791193"/>
-          </a:xfrm>
-          <a:prstGeom prst="rect">
-            <a:avLst/>
-          </a:prstGeom>
-        </p:spPr>
-      </p:pic>
-    </p:spTree>
-    <p:extLst>
-      <p:ext uri="{BB962C8B-B14F-4D97-AF65-F5344CB8AC3E}">
-        <p14:creationId xmlns:p14="http://schemas.microsoft.com/office/powerpoint/2010/main" val="962758992"/>
-      </p:ext>
-    </p:extLst>
-  </p:cSld>
-  <p:clrMapOvr>
-    <a:masterClrMapping/>
-  </p:clrMapOvr>
-  <p:timing>
-    <p:tnLst>
-      <p:par>
-        <p:cTn id="1" dur="indefinite" restart="never" nodeType="tmRoot"/>
-      </p:par>
-    </p:tnLst>
-  </p:timing>
-</p:sld>
-</file>
-
-<file path=ppt/slides/slide22.xml><?xml version="1.0" encoding="utf-8"?>
-<p:sld xmlns:a="http://schemas.openxmlformats.org/drawingml/2006/main" xmlns:r="http://schemas.openxmlformats.org/officeDocument/2006/relationships" xmlns:p="http://schemas.openxmlformats.org/presentationml/2006/main">
-  <p:cSld>
-    <p:spTree>
-      <p:nvGrpSpPr>
-        <p:cNvPr id="1" name=""/>
-        <p:cNvGrpSpPr/>
-        <p:nvPr/>
-      </p:nvGrpSpPr>
-      <p:grpSpPr>
-        <a:xfrm>
-          <a:off x="0" y="0"/>
-          <a:ext cx="0" cy="0"/>
-          <a:chOff x="0" y="0"/>
-          <a:chExt cx="0" cy="0"/>
-        </a:xfrm>
-      </p:grpSpPr>
-      <p:sp>
-        <p:nvSpPr>
-          <p:cNvPr id="2" name="TextBox 1"/>
-          <p:cNvSpPr txBox="1"/>
-          <p:nvPr/>
-        </p:nvSpPr>
-        <p:spPr>
-          <a:xfrm>
-            <a:off x="609599" y="-92765"/>
-            <a:ext cx="10174287" cy="830997"/>
-          </a:xfrm>
-          <a:prstGeom prst="rect">
-            <a:avLst/>
-          </a:prstGeom>
-          <a:noFill/>
-        </p:spPr>
-        <p:txBody>
-          <a:bodyPr wrap="square" rtlCol="0">
-            <a:spAutoFit/>
-          </a:bodyPr>
-          <a:lstStyle/>
-          <a:p>
-            <a:pPr algn="ctr"/>
-            <a:r>
-              <a:rPr lang="en-US" sz="4800" dirty="0" smtClean="0">
-                <a:latin typeface="Bahnschrift Light" panose="020B0502040204020203" pitchFamily="34" charset="0"/>
-              </a:rPr>
-              <a:t>Visualization (85% - 15%)</a:t>
-            </a:r>
-            <a:endParaRPr lang="en-US" sz="4800" dirty="0">
-              <a:latin typeface="Bahnschrift Light" panose="020B0502040204020203" pitchFamily="34" charset="0"/>
-            </a:endParaRPr>
-          </a:p>
-        </p:txBody>
-      </p:sp>
-      <p:pic>
-        <p:nvPicPr>
-          <p:cNvPr id="18" name="Picture 17"/>
-          <p:cNvPicPr>
-            <a:picLocks noChangeAspect="1"/>
-          </p:cNvPicPr>
-          <p:nvPr/>
-        </p:nvPicPr>
-        <p:blipFill>
-          <a:blip r:embed="rId2"/>
-          <a:stretch>
-            <a:fillRect/>
-          </a:stretch>
-        </p:blipFill>
-        <p:spPr>
-          <a:xfrm>
-            <a:off x="319999" y="684861"/>
-            <a:ext cx="5364011" cy="2870373"/>
-          </a:xfrm>
-          <a:prstGeom prst="rect">
-            <a:avLst/>
-          </a:prstGeom>
-        </p:spPr>
-      </p:pic>
-      <p:pic>
-        <p:nvPicPr>
-          <p:cNvPr id="3" name="Picture 2"/>
-          <p:cNvPicPr>
-            <a:picLocks noChangeAspect="1"/>
-          </p:cNvPicPr>
-          <p:nvPr/>
-        </p:nvPicPr>
-        <p:blipFill>
-          <a:blip r:embed="rId3"/>
-          <a:stretch>
-            <a:fillRect/>
-          </a:stretch>
-        </p:blipFill>
-        <p:spPr>
-          <a:xfrm>
-            <a:off x="6150979" y="729706"/>
-            <a:ext cx="5374031" cy="2854208"/>
-          </a:xfrm>
-          <a:prstGeom prst="rect">
-            <a:avLst/>
-          </a:prstGeom>
-        </p:spPr>
-      </p:pic>
-      <p:pic>
-        <p:nvPicPr>
-          <p:cNvPr id="4" name="Picture 3"/>
-          <p:cNvPicPr>
-            <a:picLocks noChangeAspect="1"/>
-          </p:cNvPicPr>
-          <p:nvPr/>
-        </p:nvPicPr>
-        <p:blipFill>
-          <a:blip r:embed="rId4"/>
-          <a:stretch>
-            <a:fillRect/>
-          </a:stretch>
-        </p:blipFill>
-        <p:spPr>
-          <a:xfrm>
-            <a:off x="319999" y="3692597"/>
-            <a:ext cx="5379210" cy="2852701"/>
-          </a:xfrm>
-          <a:prstGeom prst="rect">
-            <a:avLst/>
-          </a:prstGeom>
-        </p:spPr>
-      </p:pic>
-      <p:pic>
-        <p:nvPicPr>
-          <p:cNvPr id="6" name="Picture 5"/>
-          <p:cNvPicPr>
-            <a:picLocks noChangeAspect="1"/>
-          </p:cNvPicPr>
-          <p:nvPr/>
-        </p:nvPicPr>
-        <p:blipFill>
-          <a:blip r:embed="rId5"/>
-          <a:stretch>
-            <a:fillRect/>
-          </a:stretch>
-        </p:blipFill>
-        <p:spPr>
-          <a:xfrm>
-            <a:off x="6160546" y="3692597"/>
-            <a:ext cx="5356936" cy="2852701"/>
-          </a:xfrm>
-          <a:prstGeom prst="rect">
-            <a:avLst/>
-          </a:prstGeom>
-        </p:spPr>
-      </p:pic>
-    </p:spTree>
-    <p:extLst>
-      <p:ext uri="{BB962C8B-B14F-4D97-AF65-F5344CB8AC3E}">
-        <p14:creationId xmlns:p14="http://schemas.microsoft.com/office/powerpoint/2010/main" val="3252056857"/>
-      </p:ext>
-    </p:extLst>
-  </p:cSld>
-  <p:clrMapOvr>
-    <a:masterClrMapping/>
-  </p:clrMapOvr>
-  <p:timing>
-    <p:tnLst>
-      <p:par>
-        <p:cTn id="1" dur="indefinite" restart="never" nodeType="tmRoot"/>
-      </p:par>
-    </p:tnLst>
-  </p:timing>
-</p:sld>
-</file>
-
-<file path=ppt/slides/slide23.xml><?xml version="1.0" encoding="utf-8"?>
-<p:sld xmlns:a="http://schemas.openxmlformats.org/drawingml/2006/main" xmlns:r="http://schemas.openxmlformats.org/officeDocument/2006/relationships" xmlns:p="http://schemas.openxmlformats.org/presentationml/2006/main">
-  <p:cSld>
-    <p:spTree>
-      <p:nvGrpSpPr>
-        <p:cNvPr id="1" name=""/>
-        <p:cNvGrpSpPr/>
-        <p:nvPr/>
-      </p:nvGrpSpPr>
-      <p:grpSpPr>
-        <a:xfrm>
-          <a:off x="0" y="0"/>
-          <a:ext cx="0" cy="0"/>
-          <a:chOff x="0" y="0"/>
-          <a:chExt cx="0" cy="0"/>
-        </a:xfrm>
-      </p:grpSpPr>
-      <p:sp>
-        <p:nvSpPr>
-          <p:cNvPr id="2" name="TextBox 1"/>
-          <p:cNvSpPr txBox="1"/>
-          <p:nvPr/>
-        </p:nvSpPr>
-        <p:spPr>
-          <a:xfrm>
-            <a:off x="1549952" y="-3865"/>
-            <a:ext cx="8680174" cy="830997"/>
-          </a:xfrm>
-          <a:prstGeom prst="rect">
-            <a:avLst/>
-          </a:prstGeom>
-          <a:noFill/>
-        </p:spPr>
-        <p:txBody>
-          <a:bodyPr wrap="square" rtlCol="0">
-            <a:spAutoFit/>
-          </a:bodyPr>
-          <a:lstStyle/>
-          <a:p>
-            <a:pPr algn="ctr"/>
-            <a:r>
-              <a:rPr lang="en-US" sz="4800" dirty="0" smtClean="0">
-                <a:latin typeface="Bahnschrift Light" panose="020B0502040204020203" pitchFamily="34" charset="0"/>
-              </a:rPr>
-              <a:t>Result</a:t>
-            </a:r>
-            <a:endParaRPr lang="en-US" sz="4800" dirty="0">
-              <a:latin typeface="Bahnschrift Light" panose="020B0502040204020203" pitchFamily="34" charset="0"/>
-            </a:endParaRPr>
-          </a:p>
-        </p:txBody>
-      </p:sp>
-      <p:sp>
-        <p:nvSpPr>
-          <p:cNvPr id="3" name="TextBox 2"/>
-          <p:cNvSpPr txBox="1"/>
-          <p:nvPr/>
-        </p:nvSpPr>
-        <p:spPr>
-          <a:xfrm>
-            <a:off x="909429" y="725557"/>
-            <a:ext cx="10257183" cy="4031873"/>
-          </a:xfrm>
-          <a:prstGeom prst="rect">
-            <a:avLst/>
-          </a:prstGeom>
-          <a:noFill/>
-        </p:spPr>
-        <p:txBody>
-          <a:bodyPr wrap="square" rtlCol="0">
-            <a:spAutoFit/>
-          </a:bodyPr>
-          <a:lstStyle/>
-          <a:p>
-            <a:pPr algn="ctr"/>
-            <a:r>
-              <a:rPr lang="en-US" sz="3200" dirty="0" smtClean="0"/>
-              <a:t>From the above analysis, on reviewing the MAE and MSE, RMSE, and R² values from all the models considered, it is apparently clear that “</a:t>
-            </a:r>
-            <a:r>
-              <a:rPr lang="en-US" sz="3200" b="1" dirty="0" smtClean="0"/>
-              <a:t>Linear Regression</a:t>
-            </a:r>
-            <a:r>
-              <a:rPr lang="en-US" sz="3200" dirty="0" smtClean="0"/>
-              <a:t>”, “</a:t>
-            </a:r>
-            <a:r>
-              <a:rPr lang="en-US" sz="3200" b="1" dirty="0" smtClean="0"/>
-              <a:t>Random Forest Regressor (RFR)</a:t>
-            </a:r>
-            <a:r>
-              <a:rPr lang="en-US" sz="3200" dirty="0" smtClean="0"/>
-              <a:t>” and “</a:t>
-            </a:r>
-            <a:r>
-              <a:rPr lang="en-US" sz="3200" b="1" dirty="0" smtClean="0"/>
-              <a:t>Bayesian Ridge Regression</a:t>
-            </a:r>
-            <a:r>
-              <a:rPr lang="en-US" sz="3200" dirty="0" smtClean="0"/>
-              <a:t>” displayed wonderful results. However, I will be relying </a:t>
-            </a:r>
-            <a:r>
-              <a:rPr lang="en-US" sz="3200" dirty="0"/>
-              <a:t>more on “</a:t>
-            </a:r>
-            <a:r>
-              <a:rPr lang="en-US" sz="3200" b="1" dirty="0"/>
-              <a:t>Random Forest Regressor (RFR)</a:t>
-            </a:r>
-            <a:r>
-              <a:rPr lang="en-US" sz="3200" dirty="0"/>
-              <a:t>” </a:t>
-            </a:r>
-            <a:r>
-              <a:rPr lang="en-US" sz="3200" dirty="0" smtClean="0"/>
-              <a:t>due to its robustness about being exposed to many parameters for </a:t>
-            </a:r>
-            <a:r>
-              <a:rPr lang="en-US" sz="3200" dirty="0" err="1" smtClean="0"/>
-              <a:t>tning</a:t>
-            </a:r>
-            <a:r>
-              <a:rPr lang="en-US" sz="3200" dirty="0" smtClean="0"/>
-              <a:t> as I wish.</a:t>
-            </a:r>
-          </a:p>
-          <a:p>
-            <a:pPr algn="ctr"/>
-            <a:endParaRPr lang="en-US" sz="3200" dirty="0"/>
-          </a:p>
-        </p:txBody>
-      </p:sp>
-    </p:spTree>
-    <p:extLst>
-      <p:ext uri="{BB962C8B-B14F-4D97-AF65-F5344CB8AC3E}">
-        <p14:creationId xmlns:p14="http://schemas.microsoft.com/office/powerpoint/2010/main" val="375198924"/>
-      </p:ext>
-    </p:extLst>
-  </p:cSld>
-  <p:clrMapOvr>
-    <a:masterClrMapping/>
-  </p:clrMapOvr>
-  <p:timing>
-    <p:tnLst>
-      <p:par>
-        <p:cTn id="1" dur="indefinite" restart="never" nodeType="tmRoot"/>
-      </p:par>
-    </p:tnLst>
-  </p:timing>
-</p:sld>
-</file>
-
-<file path=ppt/slides/slide24.xml><?xml version="1.0" encoding="utf-8"?>
-<p:sld xmlns:a="http://schemas.openxmlformats.org/drawingml/2006/main" xmlns:r="http://schemas.openxmlformats.org/officeDocument/2006/relationships" xmlns:p="http://schemas.openxmlformats.org/presentationml/2006/main">
-  <p:cSld>
-    <p:spTree>
-      <p:nvGrpSpPr>
-        <p:cNvPr id="1" name=""/>
-        <p:cNvGrpSpPr/>
-        <p:nvPr/>
-      </p:nvGrpSpPr>
-      <p:grpSpPr>
-        <a:xfrm>
-          <a:off x="0" y="0"/>
-          <a:ext cx="0" cy="0"/>
-          <a:chOff x="0" y="0"/>
-          <a:chExt cx="0" cy="0"/>
-        </a:xfrm>
-      </p:grpSpPr>
-      <p:sp>
-        <p:nvSpPr>
-          <p:cNvPr id="2" name="TextBox 1"/>
-          <p:cNvSpPr txBox="1"/>
-          <p:nvPr/>
-        </p:nvSpPr>
-        <p:spPr>
-          <a:xfrm>
-            <a:off x="1549952" y="-16565"/>
-            <a:ext cx="8680174" cy="830997"/>
-          </a:xfrm>
-          <a:prstGeom prst="rect">
-            <a:avLst/>
-          </a:prstGeom>
-          <a:noFill/>
-        </p:spPr>
-        <p:txBody>
-          <a:bodyPr wrap="square" rtlCol="0">
-            <a:spAutoFit/>
-          </a:bodyPr>
-          <a:lstStyle/>
-          <a:p>
-            <a:pPr algn="ctr"/>
-            <a:r>
-              <a:rPr lang="en-US" sz="4800" dirty="0" smtClean="0">
-                <a:latin typeface="Bahnschrift Light" panose="020B0502040204020203" pitchFamily="34" charset="0"/>
-              </a:rPr>
-              <a:t>Raw data from TDS</a:t>
-            </a:r>
-            <a:endParaRPr lang="en-US" sz="4800" dirty="0">
-              <a:latin typeface="Bahnschrift Light" panose="020B0502040204020203" pitchFamily="34" charset="0"/>
-            </a:endParaRPr>
-          </a:p>
-        </p:txBody>
-      </p:sp>
-      <p:pic>
-        <p:nvPicPr>
-          <p:cNvPr id="4" name="Picture 3"/>
-          <p:cNvPicPr>
-            <a:picLocks noChangeAspect="1"/>
-          </p:cNvPicPr>
-          <p:nvPr/>
-        </p:nvPicPr>
-        <p:blipFill>
-          <a:blip r:embed="rId2"/>
-          <a:stretch>
-            <a:fillRect/>
-          </a:stretch>
-        </p:blipFill>
-        <p:spPr>
-          <a:xfrm>
-            <a:off x="1309687" y="827131"/>
-            <a:ext cx="8920439" cy="5691641"/>
-          </a:xfrm>
-          <a:prstGeom prst="rect">
-            <a:avLst/>
-          </a:prstGeom>
-        </p:spPr>
-      </p:pic>
-    </p:spTree>
-    <p:extLst>
-      <p:ext uri="{BB962C8B-B14F-4D97-AF65-F5344CB8AC3E}">
-        <p14:creationId xmlns:p14="http://schemas.microsoft.com/office/powerpoint/2010/main" val="54420954"/>
-      </p:ext>
-    </p:extLst>
-  </p:cSld>
-  <p:clrMapOvr>
-    <a:masterClrMapping/>
-  </p:clrMapOvr>
-  <p:timing>
-    <p:tnLst>
-      <p:par>
-        <p:cTn id="1" dur="indefinite" restart="never" nodeType="tmRoot"/>
-      </p:par>
-    </p:tnLst>
-  </p:timing>
-</p:sld>
-</file>
-
-<file path=ppt/slides/slide25.xml><?xml version="1.0" encoding="utf-8"?>
-<p:sld xmlns:a="http://schemas.openxmlformats.org/drawingml/2006/main" xmlns:r="http://schemas.openxmlformats.org/officeDocument/2006/relationships" xmlns:p="http://schemas.openxmlformats.org/presentationml/2006/main">
-  <p:cSld>
-    <p:spTree>
-      <p:nvGrpSpPr>
-        <p:cNvPr id="1" name=""/>
-        <p:cNvGrpSpPr/>
-        <p:nvPr/>
-      </p:nvGrpSpPr>
-      <p:grpSpPr>
-        <a:xfrm>
-          <a:off x="0" y="0"/>
-          <a:ext cx="0" cy="0"/>
-          <a:chOff x="0" y="0"/>
-          <a:chExt cx="0" cy="0"/>
-        </a:xfrm>
-      </p:grpSpPr>
-      <p:sp>
-        <p:nvSpPr>
-          <p:cNvPr id="2" name="TextBox 1"/>
-          <p:cNvSpPr txBox="1"/>
-          <p:nvPr/>
-        </p:nvSpPr>
-        <p:spPr>
-          <a:xfrm>
-            <a:off x="1549952" y="-16565"/>
-            <a:ext cx="8680174" cy="830997"/>
-          </a:xfrm>
-          <a:prstGeom prst="rect">
-            <a:avLst/>
-          </a:prstGeom>
-          <a:noFill/>
-        </p:spPr>
-        <p:txBody>
-          <a:bodyPr wrap="square" rtlCol="0">
-            <a:spAutoFit/>
-          </a:bodyPr>
-          <a:lstStyle/>
-          <a:p>
-            <a:pPr algn="ctr"/>
-            <a:r>
-              <a:rPr lang="en-US" sz="4800" dirty="0" smtClean="0">
-                <a:latin typeface="Bahnschrift Light" panose="020B0502040204020203" pitchFamily="34" charset="0"/>
-              </a:rPr>
-              <a:t>Raw data from Investing.Com</a:t>
-            </a:r>
-            <a:endParaRPr lang="en-US" sz="4800" dirty="0">
-              <a:latin typeface="Bahnschrift Light" panose="020B0502040204020203" pitchFamily="34" charset="0"/>
-            </a:endParaRPr>
-          </a:p>
-        </p:txBody>
-      </p:sp>
-      <p:pic>
-        <p:nvPicPr>
-          <p:cNvPr id="4" name="Picture 3"/>
-          <p:cNvPicPr>
-            <a:picLocks noChangeAspect="1"/>
-          </p:cNvPicPr>
-          <p:nvPr/>
-        </p:nvPicPr>
-        <p:blipFill>
-          <a:blip r:embed="rId2"/>
-          <a:stretch>
-            <a:fillRect/>
-          </a:stretch>
-        </p:blipFill>
-        <p:spPr>
-          <a:xfrm>
-            <a:off x="1212850" y="814432"/>
-            <a:ext cx="8909050" cy="5680109"/>
-          </a:xfrm>
-          <a:prstGeom prst="rect">
-            <a:avLst/>
-          </a:prstGeom>
-        </p:spPr>
-      </p:pic>
-      <p:cxnSp>
-        <p:nvCxnSpPr>
-          <p:cNvPr id="5" name="Straight Connector 4"/>
-          <p:cNvCxnSpPr/>
-          <p:nvPr/>
-        </p:nvCxnSpPr>
-        <p:spPr>
-          <a:xfrm>
-            <a:off x="5791200" y="1130300"/>
-            <a:ext cx="127000" cy="4864100"/>
-          </a:xfrm>
-          <a:prstGeom prst="line">
-            <a:avLst/>
-          </a:prstGeom>
-        </p:spPr>
-        <p:style>
-          <a:lnRef idx="1">
-            <a:schemeClr val="accent1"/>
-          </a:lnRef>
-          <a:fillRef idx="0">
-            <a:schemeClr val="accent1"/>
-          </a:fillRef>
-          <a:effectRef idx="0">
-            <a:schemeClr val="accent1"/>
-          </a:effectRef>
-          <a:fontRef idx="minor">
-            <a:schemeClr val="tx1"/>
-          </a:fontRef>
-        </p:style>
-      </p:cxnSp>
-    </p:spTree>
-    <p:extLst>
-      <p:ext uri="{BB962C8B-B14F-4D97-AF65-F5344CB8AC3E}">
-        <p14:creationId xmlns:p14="http://schemas.microsoft.com/office/powerpoint/2010/main" val="129645341"/>
-      </p:ext>
-    </p:extLst>
-  </p:cSld>
-  <p:clrMapOvr>
-    <a:masterClrMapping/>
-  </p:clrMapOvr>
-  <p:timing>
-    <p:tnLst>
-      <p:par>
-        <p:cTn id="1" dur="indefinite" restart="never" nodeType="tmRoot"/>
-      </p:par>
-    </p:tnLst>
-  </p:timing>
-</p:sld>
-</file>
-
-<file path=ppt/slides/slide26.xml><?xml version="1.0" encoding="utf-8"?>
-<p:sld xmlns:a="http://schemas.openxmlformats.org/drawingml/2006/main" xmlns:r="http://schemas.openxmlformats.org/officeDocument/2006/relationships" xmlns:p="http://schemas.openxmlformats.org/presentationml/2006/main">
-  <p:cSld>
-    <p:spTree>
-      <p:nvGrpSpPr>
-        <p:cNvPr id="1" name=""/>
-        <p:cNvGrpSpPr/>
-        <p:nvPr/>
-      </p:nvGrpSpPr>
-      <p:grpSpPr>
-        <a:xfrm>
-          <a:off x="0" y="0"/>
-          <a:ext cx="0" cy="0"/>
-          <a:chOff x="0" y="0"/>
-          <a:chExt cx="0" cy="0"/>
-        </a:xfrm>
-      </p:grpSpPr>
-      <p:sp>
-        <p:nvSpPr>
-          <p:cNvPr id="2" name="TextBox 1"/>
-          <p:cNvSpPr txBox="1"/>
-          <p:nvPr/>
-        </p:nvSpPr>
-        <p:spPr>
-          <a:xfrm>
-            <a:off x="622852" y="275535"/>
-            <a:ext cx="10527748" cy="830997"/>
-          </a:xfrm>
-          <a:prstGeom prst="rect">
-            <a:avLst/>
-          </a:prstGeom>
-          <a:noFill/>
-        </p:spPr>
-        <p:txBody>
-          <a:bodyPr wrap="square" rtlCol="0">
-            <a:spAutoFit/>
-          </a:bodyPr>
-          <a:lstStyle/>
-          <a:p>
-            <a:pPr algn="ctr"/>
-            <a:r>
-              <a:rPr lang="en-US" sz="4800" dirty="0">
-                <a:latin typeface="Bahnschrift Light" panose="020B0502040204020203" pitchFamily="34" charset="0"/>
-              </a:rPr>
-              <a:t>Random Forest Regressor (RFR)</a:t>
-            </a:r>
-          </a:p>
-        </p:txBody>
-      </p:sp>
-      <p:sp>
-        <p:nvSpPr>
-          <p:cNvPr id="3" name="TextBox 2"/>
-          <p:cNvSpPr txBox="1"/>
-          <p:nvPr/>
-        </p:nvSpPr>
-        <p:spPr>
-          <a:xfrm>
-            <a:off x="622852" y="1320800"/>
-            <a:ext cx="10718248" cy="5016758"/>
-          </a:xfrm>
-          <a:prstGeom prst="rect">
-            <a:avLst/>
-          </a:prstGeom>
-          <a:noFill/>
-        </p:spPr>
-        <p:txBody>
-          <a:bodyPr wrap="square" rtlCol="0">
-            <a:spAutoFit/>
-          </a:bodyPr>
-          <a:lstStyle/>
-          <a:p>
-            <a:pPr algn="just"/>
-            <a:r>
-              <a:rPr lang="en-US" sz="3200" dirty="0"/>
-              <a:t>Random Forest Regressor (RFR) is a supervised learning algorithm belonging to the ensemble learning family, specifically the random forest method, used for regression tasks. It's an extension of the Random Forest algorithm for classification</a:t>
-            </a:r>
-            <a:r>
-              <a:rPr lang="en-US" sz="3200" dirty="0" smtClean="0"/>
-              <a:t>.</a:t>
-            </a:r>
-          </a:p>
-          <a:p>
-            <a:pPr algn="just"/>
-            <a:r>
-              <a:rPr lang="en-US" sz="3200" dirty="0"/>
-              <a:t>Random Forest Regressor is known for its robustness, scalability, and ability to handle </a:t>
-            </a:r>
-            <a:r>
-              <a:rPr lang="en-US" sz="3200" b="1" i="1" dirty="0"/>
-              <a:t>high-dimensional data with a large number of features</a:t>
-            </a:r>
-            <a:r>
-              <a:rPr lang="en-US" sz="3200" dirty="0"/>
-              <a:t>. It often performs well across a wide range of regression problems and is less prone to overfitting compared to individual decision trees</a:t>
-            </a:r>
-            <a:r>
-              <a:rPr lang="en-US" sz="3200" dirty="0" smtClean="0"/>
-              <a:t>.</a:t>
-            </a:r>
-            <a:endParaRPr lang="en-US" dirty="0"/>
-          </a:p>
-        </p:txBody>
-      </p:sp>
-    </p:spTree>
-    <p:extLst>
-      <p:ext uri="{BB962C8B-B14F-4D97-AF65-F5344CB8AC3E}">
-        <p14:creationId xmlns:p14="http://schemas.microsoft.com/office/powerpoint/2010/main" val="4247388192"/>
-      </p:ext>
-    </p:extLst>
-  </p:cSld>
-  <p:clrMapOvr>
-    <a:masterClrMapping/>
-  </p:clrMapOvr>
-  <p:timing>
-    <p:tnLst>
-      <p:par>
-        <p:cTn id="1" dur="indefinite" restart="never" nodeType="tmRoot"/>
-      </p:par>
-    </p:tnLst>
-  </p:timing>
-</p:sld>
-</file>
-
-<file path=ppt/slides/slide27.xml><?xml version="1.0" encoding="utf-8"?>
-<p:sld xmlns:a="http://schemas.openxmlformats.org/drawingml/2006/main" xmlns:r="http://schemas.openxmlformats.org/officeDocument/2006/relationships" xmlns:p="http://schemas.openxmlformats.org/presentationml/2006/main">
-  <p:cSld>
-    <p:spTree>
-      <p:nvGrpSpPr>
-        <p:cNvPr id="1" name=""/>
-        <p:cNvGrpSpPr/>
-        <p:nvPr/>
-      </p:nvGrpSpPr>
-      <p:grpSpPr>
-        <a:xfrm>
-          <a:off x="0" y="0"/>
-          <a:ext cx="0" cy="0"/>
-          <a:chOff x="0" y="0"/>
-          <a:chExt cx="0" cy="0"/>
-        </a:xfrm>
-      </p:grpSpPr>
-      <p:sp>
-        <p:nvSpPr>
-          <p:cNvPr id="2" name="TextBox 1"/>
-          <p:cNvSpPr txBox="1"/>
-          <p:nvPr/>
-        </p:nvSpPr>
-        <p:spPr>
-          <a:xfrm>
             <a:off x="1308100" y="88900"/>
             <a:ext cx="9271000" cy="707886"/>
           </a:xfrm>
@@ -7739,7 +6197,27 @@
             </a:r>
             <a:r>
               <a:rPr lang="en-US" sz="3200" dirty="0" smtClean="0"/>
-              <a:t>data from a source like Tick Data Suite(TDS) whose data is as close as the live data.</a:t>
+              <a:t>data from a </a:t>
+            </a:r>
+            <a:r>
+              <a:rPr lang="en-US" sz="3200" dirty="0" smtClean="0"/>
+              <a:t>sources </a:t>
+            </a:r>
+            <a:r>
+              <a:rPr lang="en-US" sz="3200" dirty="0" smtClean="0"/>
+              <a:t>like </a:t>
+            </a:r>
+            <a:r>
+              <a:rPr lang="en-US" sz="3200" dirty="0" err="1" smtClean="0"/>
+              <a:t>Investing.Com</a:t>
+            </a:r>
+            <a:r>
+              <a:rPr lang="en-US" sz="3200" dirty="0" smtClean="0"/>
+              <a:t> or Tick </a:t>
+            </a:r>
+            <a:r>
+              <a:rPr lang="en-US" sz="3200" dirty="0" smtClean="0"/>
+              <a:t>Data Suite(TDS) whose data is as close as the live data.</a:t>
             </a:r>
             <a:endParaRPr lang="en-US" sz="3200" dirty="0"/>
           </a:p>
@@ -7765,7 +6243,7 @@
 </p:sld>
 </file>
 
-<file path=ppt/slides/slide28.xml><?xml version="1.0" encoding="utf-8"?>
+<file path=ppt/slides/slide22.xml><?xml version="1.0" encoding="utf-8"?>
 <p:sld xmlns:a="http://schemas.openxmlformats.org/drawingml/2006/main" xmlns:r="http://schemas.openxmlformats.org/officeDocument/2006/relationships" xmlns:p="http://schemas.openxmlformats.org/presentationml/2006/main">
   <p:cSld>
     <p:spTree>
@@ -9369,7 +7847,7 @@
         </p:nvSpPr>
         <p:spPr>
           <a:xfrm>
-            <a:off x="1356464" y="-53697"/>
+            <a:off x="1549952" y="-16565"/>
             <a:ext cx="8680174" cy="830997"/>
           </a:xfrm>
           <a:prstGeom prst="rect">
@@ -9388,205 +7866,55 @@
               <a:rPr lang="en-US" sz="4800" dirty="0" smtClean="0">
                 <a:latin typeface="Bahnschrift Light" panose="020B0502040204020203" pitchFamily="34" charset="0"/>
               </a:rPr>
-              <a:t>Data Source </a:t>
-            </a:r>
-            <a:r>
-              <a:rPr lang="en-US" sz="3200" dirty="0" smtClean="0">
-                <a:latin typeface="Bahnschrift Light" panose="020B0502040204020203" pitchFamily="34" charset="0"/>
-              </a:rPr>
-              <a:t>{</a:t>
-            </a:r>
-            <a:r>
-              <a:rPr lang="en-US" sz="3200" b="1" i="1" dirty="0" smtClean="0">
-                <a:solidFill>
-                  <a:srgbClr val="0070C0"/>
-                </a:solidFill>
-                <a:latin typeface="Bahnschrift Light" panose="020B0502040204020203" pitchFamily="34" charset="0"/>
-              </a:rPr>
-              <a:t>Macroeconomics</a:t>
-            </a:r>
-            <a:r>
-              <a:rPr lang="en-US" sz="3200" dirty="0" smtClean="0">
-                <a:latin typeface="Bahnschrift Light" panose="020B0502040204020203" pitchFamily="34" charset="0"/>
-              </a:rPr>
-              <a:t>}</a:t>
-            </a:r>
-            <a:endParaRPr lang="en-US" sz="3200" dirty="0">
+              <a:t>Raw data from TDS</a:t>
+            </a:r>
+            <a:endParaRPr lang="en-US" sz="4800" dirty="0">
               <a:latin typeface="Bahnschrift Light" panose="020B0502040204020203" pitchFamily="34" charset="0"/>
             </a:endParaRPr>
           </a:p>
         </p:txBody>
       </p:sp>
-      <p:sp>
-        <p:nvSpPr>
-          <p:cNvPr id="3" name="TextBox 2"/>
-          <p:cNvSpPr txBox="1"/>
+      <p:pic>
+        <p:nvPicPr>
+          <p:cNvPr id="4" name="Picture 3"/>
+          <p:cNvPicPr>
+            <a:picLocks noChangeAspect="1"/>
+          </p:cNvPicPr>
           <p:nvPr/>
-        </p:nvSpPr>
+        </p:nvPicPr>
+        <p:blipFill>
+          <a:blip r:embed="rId2"/>
+          <a:stretch>
+            <a:fillRect/>
+          </a:stretch>
+        </p:blipFill>
         <p:spPr>
           <a:xfrm>
-            <a:off x="469900" y="812800"/>
-            <a:ext cx="11087100" cy="3416320"/>
+            <a:off x="1309687" y="827131"/>
+            <a:ext cx="8920439" cy="5691641"/>
           </a:xfrm>
           <a:prstGeom prst="rect">
             <a:avLst/>
           </a:prstGeom>
-          <a:noFill/>
         </p:spPr>
-        <p:txBody>
-          <a:bodyPr wrap="square" rtlCol="0">
-            <a:spAutoFit/>
-          </a:bodyPr>
-          <a:lstStyle/>
-          <a:p>
-            <a:r>
-              <a:rPr lang="en-US" sz="2400" dirty="0" smtClean="0"/>
-              <a:t>The following Macroeconomics data played a strong role in my model. They were </a:t>
-            </a:r>
-            <a:r>
-              <a:rPr lang="en-US" sz="2400" dirty="0"/>
-              <a:t>sourced from the Federal Reserve Economic Data (FRED)</a:t>
-            </a:r>
-            <a:r>
-              <a:rPr lang="en-US" sz="2400" dirty="0" smtClean="0"/>
-              <a:t>’s(</a:t>
-            </a:r>
-            <a:r>
-              <a:rPr lang="en-US" sz="2400" dirty="0">
-                <a:solidFill>
-                  <a:srgbClr val="0070C0"/>
-                </a:solidFill>
-              </a:rPr>
-              <a:t>https://fred.stlouisfed.org/</a:t>
-            </a:r>
-            <a:r>
-              <a:rPr lang="en-US" sz="2400" dirty="0" smtClean="0"/>
-              <a:t>) </a:t>
-            </a:r>
-            <a:r>
-              <a:rPr lang="en-US" sz="2400" dirty="0"/>
-              <a:t>database through an API that was exposed as XMLs</a:t>
-            </a:r>
-            <a:r>
-              <a:rPr lang="en-US" sz="2400" dirty="0" smtClean="0"/>
-              <a:t>.</a:t>
-            </a:r>
-          </a:p>
-          <a:p>
-            <a:endParaRPr lang="en-US" sz="2400" dirty="0" smtClean="0"/>
-          </a:p>
-          <a:p>
-            <a:r>
-              <a:rPr lang="en-US" sz="2400" dirty="0" smtClean="0"/>
-              <a:t>Consumer </a:t>
-            </a:r>
-            <a:r>
-              <a:rPr lang="en-US" sz="2400" dirty="0"/>
-              <a:t>Price </a:t>
-            </a:r>
-            <a:r>
-              <a:rPr lang="en-US" sz="2400" dirty="0" smtClean="0"/>
-              <a:t>Index </a:t>
-            </a:r>
-            <a:r>
-              <a:rPr lang="en-US" sz="2400" dirty="0"/>
-              <a:t>(CPI) of </a:t>
-            </a:r>
-            <a:r>
-              <a:rPr lang="en-US" sz="2400" dirty="0" smtClean="0"/>
-              <a:t>USA		Consumer </a:t>
-            </a:r>
-            <a:r>
-              <a:rPr lang="en-US" sz="2400" dirty="0"/>
-              <a:t>Price Index (CPI) of </a:t>
-            </a:r>
-            <a:r>
-              <a:rPr lang="en-US" sz="2400" dirty="0" smtClean="0"/>
-              <a:t>Canada</a:t>
-            </a:r>
-            <a:endParaRPr lang="en-US" sz="2400" dirty="0"/>
-          </a:p>
-          <a:p>
-            <a:r>
-              <a:rPr lang="en-US" sz="2400" dirty="0"/>
-              <a:t>The Interest Rates of </a:t>
-            </a:r>
-            <a:r>
-              <a:rPr lang="en-US" sz="2400" dirty="0" smtClean="0"/>
-              <a:t>USA			The </a:t>
-            </a:r>
-            <a:r>
-              <a:rPr lang="en-US" sz="2400" dirty="0"/>
-              <a:t>Interest Rates of Canada</a:t>
-            </a:r>
-          </a:p>
-          <a:p>
-            <a:r>
-              <a:rPr lang="en-US" sz="2400" dirty="0" smtClean="0"/>
-              <a:t>Imports </a:t>
-            </a:r>
-            <a:r>
-              <a:rPr lang="en-US" sz="2400" dirty="0"/>
-              <a:t>of </a:t>
-            </a:r>
-            <a:r>
-              <a:rPr lang="en-US" sz="2400" dirty="0" smtClean="0"/>
-              <a:t>USA				Imports </a:t>
-            </a:r>
-            <a:r>
-              <a:rPr lang="en-US" sz="2400" dirty="0"/>
-              <a:t>of Canada</a:t>
-            </a:r>
-          </a:p>
-          <a:p>
-            <a:r>
-              <a:rPr lang="en-US" sz="2400" dirty="0"/>
-              <a:t>Exports of </a:t>
-            </a:r>
-            <a:r>
-              <a:rPr lang="en-US" sz="2400" dirty="0" smtClean="0"/>
-              <a:t>USA					Exports </a:t>
-            </a:r>
-            <a:r>
-              <a:rPr lang="en-US" sz="2400" dirty="0"/>
-              <a:t>of Canada</a:t>
-            </a:r>
-          </a:p>
-          <a:p>
-            <a:r>
-              <a:rPr lang="en-US" sz="2400" dirty="0" smtClean="0"/>
-              <a:t>Un-Employment </a:t>
-            </a:r>
-            <a:r>
-              <a:rPr lang="en-US" sz="2400" dirty="0"/>
-              <a:t>Rates of </a:t>
-            </a:r>
-            <a:r>
-              <a:rPr lang="en-US" sz="2400" dirty="0" smtClean="0"/>
-              <a:t>USA		Un-Employment </a:t>
-            </a:r>
-            <a:r>
-              <a:rPr lang="en-US" sz="2400" dirty="0"/>
-              <a:t>Rates of </a:t>
-            </a:r>
-            <a:r>
-              <a:rPr lang="en-US" sz="2400" dirty="0" smtClean="0"/>
-              <a:t>Canada</a:t>
-            </a:r>
-            <a:endParaRPr lang="en-US" sz="2400" dirty="0"/>
-          </a:p>
-        </p:txBody>
-      </p:sp>
+      </p:pic>
     </p:spTree>
     <p:extLst>
       <p:ext uri="{BB962C8B-B14F-4D97-AF65-F5344CB8AC3E}">
-        <p14:creationId xmlns:p14="http://schemas.microsoft.com/office/powerpoint/2010/main" val="1900217176"/>
+        <p14:creationId xmlns:p14="http://schemas.microsoft.com/office/powerpoint/2010/main" val="54420954"/>
       </p:ext>
     </p:extLst>
   </p:cSld>
   <p:clrMapOvr>
     <a:masterClrMapping/>
   </p:clrMapOvr>
+  <p:timing>
+    <p:tnLst>
+      <p:par>
+        <p:cTn id="1" dur="indefinite" restart="never" nodeType="tmRoot"/>
+      </p:par>
+    </p:tnLst>
+  </p:timing>
 </p:sld>
 </file>
 

--- a/MyBDAThesis/Akubue Simon - Thesis Presentation.pptx
+++ b/MyBDAThesis/Akubue Simon - Thesis Presentation.pptx
@@ -21,12 +21,26 @@
     <p:sldId id="259" r:id="rId15"/>
     <p:sldId id="287" r:id="rId16"/>
     <p:sldId id="302" r:id="rId17"/>
-    <p:sldId id="290" r:id="rId18"/>
-    <p:sldId id="289" r:id="rId19"/>
-    <p:sldId id="260" r:id="rId20"/>
-    <p:sldId id="272" r:id="rId21"/>
-    <p:sldId id="288" r:id="rId22"/>
-    <p:sldId id="268" r:id="rId23"/>
+    <p:sldId id="303" r:id="rId18"/>
+    <p:sldId id="290" r:id="rId19"/>
+    <p:sldId id="305" r:id="rId20"/>
+    <p:sldId id="304" r:id="rId21"/>
+    <p:sldId id="289" r:id="rId22"/>
+    <p:sldId id="306" r:id="rId23"/>
+    <p:sldId id="309" r:id="rId24"/>
+    <p:sldId id="308" r:id="rId25"/>
+    <p:sldId id="310" r:id="rId26"/>
+    <p:sldId id="311" r:id="rId27"/>
+    <p:sldId id="312" r:id="rId28"/>
+    <p:sldId id="313" r:id="rId29"/>
+    <p:sldId id="314" r:id="rId30"/>
+    <p:sldId id="315" r:id="rId31"/>
+    <p:sldId id="316" r:id="rId32"/>
+    <p:sldId id="317" r:id="rId33"/>
+    <p:sldId id="260" r:id="rId34"/>
+    <p:sldId id="272" r:id="rId35"/>
+    <p:sldId id="288" r:id="rId36"/>
+    <p:sldId id="268" r:id="rId37"/>
   </p:sldIdLst>
   <p:sldSz cx="12192000" cy="6858000"/>
   <p:notesSz cx="6858000" cy="9144000"/>
@@ -264,7 +278,7 @@
           <a:p>
             <a:fld id="{AC9F1F34-0473-412F-A52A-8045292EA46A}" type="datetimeFigureOut">
               <a:rPr lang="en-US" smtClean="0"/>
-              <a:t>11/26/2024</a:t>
+              <a:t>11/27/2024</a:t>
             </a:fld>
             <a:endParaRPr lang="en-US"/>
           </a:p>
@@ -434,7 +448,7 @@
           <a:p>
             <a:fld id="{AC9F1F34-0473-412F-A52A-8045292EA46A}" type="datetimeFigureOut">
               <a:rPr lang="en-US" smtClean="0"/>
-              <a:t>11/26/2024</a:t>
+              <a:t>11/27/2024</a:t>
             </a:fld>
             <a:endParaRPr lang="en-US"/>
           </a:p>
@@ -614,7 +628,7 @@
           <a:p>
             <a:fld id="{AC9F1F34-0473-412F-A52A-8045292EA46A}" type="datetimeFigureOut">
               <a:rPr lang="en-US" smtClean="0"/>
-              <a:t>11/26/2024</a:t>
+              <a:t>11/27/2024</a:t>
             </a:fld>
             <a:endParaRPr lang="en-US"/>
           </a:p>
@@ -784,7 +798,7 @@
           <a:p>
             <a:fld id="{AC9F1F34-0473-412F-A52A-8045292EA46A}" type="datetimeFigureOut">
               <a:rPr lang="en-US" smtClean="0"/>
-              <a:t>11/26/2024</a:t>
+              <a:t>11/27/2024</a:t>
             </a:fld>
             <a:endParaRPr lang="en-US"/>
           </a:p>
@@ -1030,7 +1044,7 @@
           <a:p>
             <a:fld id="{AC9F1F34-0473-412F-A52A-8045292EA46A}" type="datetimeFigureOut">
               <a:rPr lang="en-US" smtClean="0"/>
-              <a:t>11/26/2024</a:t>
+              <a:t>11/27/2024</a:t>
             </a:fld>
             <a:endParaRPr lang="en-US"/>
           </a:p>
@@ -1262,7 +1276,7 @@
           <a:p>
             <a:fld id="{AC9F1F34-0473-412F-A52A-8045292EA46A}" type="datetimeFigureOut">
               <a:rPr lang="en-US" smtClean="0"/>
-              <a:t>11/26/2024</a:t>
+              <a:t>11/27/2024</a:t>
             </a:fld>
             <a:endParaRPr lang="en-US"/>
           </a:p>
@@ -1629,7 +1643,7 @@
           <a:p>
             <a:fld id="{AC9F1F34-0473-412F-A52A-8045292EA46A}" type="datetimeFigureOut">
               <a:rPr lang="en-US" smtClean="0"/>
-              <a:t>11/26/2024</a:t>
+              <a:t>11/27/2024</a:t>
             </a:fld>
             <a:endParaRPr lang="en-US"/>
           </a:p>
@@ -1747,7 +1761,7 @@
           <a:p>
             <a:fld id="{AC9F1F34-0473-412F-A52A-8045292EA46A}" type="datetimeFigureOut">
               <a:rPr lang="en-US" smtClean="0"/>
-              <a:t>11/26/2024</a:t>
+              <a:t>11/27/2024</a:t>
             </a:fld>
             <a:endParaRPr lang="en-US"/>
           </a:p>
@@ -1842,7 +1856,7 @@
           <a:p>
             <a:fld id="{AC9F1F34-0473-412F-A52A-8045292EA46A}" type="datetimeFigureOut">
               <a:rPr lang="en-US" smtClean="0"/>
-              <a:t>11/26/2024</a:t>
+              <a:t>11/27/2024</a:t>
             </a:fld>
             <a:endParaRPr lang="en-US"/>
           </a:p>
@@ -2119,7 +2133,7 @@
           <a:p>
             <a:fld id="{AC9F1F34-0473-412F-A52A-8045292EA46A}" type="datetimeFigureOut">
               <a:rPr lang="en-US" smtClean="0"/>
-              <a:t>11/26/2024</a:t>
+              <a:t>11/27/2024</a:t>
             </a:fld>
             <a:endParaRPr lang="en-US"/>
           </a:p>
@@ -2372,7 +2386,7 @@
           <a:p>
             <a:fld id="{AC9F1F34-0473-412F-A52A-8045292EA46A}" type="datetimeFigureOut">
               <a:rPr lang="en-US" smtClean="0"/>
-              <a:t>11/26/2024</a:t>
+              <a:t>11/27/2024</a:t>
             </a:fld>
             <a:endParaRPr lang="en-US"/>
           </a:p>
@@ -2585,7 +2599,7 @@
           <a:p>
             <a:fld id="{AC9F1F34-0473-412F-A52A-8045292EA46A}" type="datetimeFigureOut">
               <a:rPr lang="en-US" smtClean="0"/>
-              <a:t>11/26/2024</a:t>
+              <a:t>11/27/2024</a:t>
             </a:fld>
             <a:endParaRPr lang="en-US"/>
           </a:p>
@@ -4274,7 +4288,19 @@
               <a:rPr lang="en-US" sz="4800" dirty="0" smtClean="0">
                 <a:latin typeface="Bahnschrift Light" panose="020B0502040204020203" pitchFamily="34" charset="0"/>
               </a:rPr>
-              <a:t>Flow Diagram</a:t>
+              <a:t>The </a:t>
+            </a:r>
+            <a:r>
+              <a:rPr lang="en-US" sz="4800" dirty="0" smtClean="0">
+                <a:latin typeface="Bahnschrift Light" panose="020B0502040204020203" pitchFamily="34" charset="0"/>
+              </a:rPr>
+              <a:t>Model’s Flow </a:t>
+            </a:r>
+            <a:r>
+              <a:rPr lang="en-US" sz="4800" dirty="0" smtClean="0">
+                <a:latin typeface="Bahnschrift Light" panose="020B0502040204020203" pitchFamily="34" charset="0"/>
+              </a:rPr>
+              <a:t>Diagram</a:t>
             </a:r>
             <a:endParaRPr lang="en-US" sz="4800" dirty="0">
               <a:latin typeface="Bahnschrift Light" panose="020B0502040204020203" pitchFamily="34" charset="0"/>
@@ -4284,16 +4310,16 @@
       </p:sp>
       <p:grpSp>
         <p:nvGrpSpPr>
-          <p:cNvPr id="47" name="Group 46"/>
+          <p:cNvPr id="30" name="Group 29"/>
           <p:cNvGrpSpPr/>
           <p:nvPr/>
         </p:nvGrpSpPr>
         <p:grpSpPr>
           <a:xfrm>
-            <a:off x="749300" y="1194616"/>
-            <a:ext cx="9652000" cy="5206184"/>
+            <a:off x="749300" y="1207316"/>
+            <a:ext cx="9677400" cy="5206184"/>
             <a:chOff x="749300" y="1194616"/>
-            <a:chExt cx="9652000" cy="5206184"/>
+            <a:chExt cx="9677400" cy="5206184"/>
           </a:xfrm>
         </p:grpSpPr>
         <p:sp>
@@ -4400,7 +4426,7 @@
             <a:p>
               <a:pPr algn="ctr"/>
               <a:r>
-                <a:rPr lang="en-US" dirty="0" err="1" smtClean="0"/>
+                <a:rPr lang="en-US" dirty="0" smtClean="0"/>
                 <a:t>Investing.Com</a:t>
               </a:r>
               <a:endParaRPr lang="en-US" dirty="0"/>
@@ -4594,8 +4620,8 @@
           </p:nvSpPr>
           <p:spPr>
             <a:xfrm>
-              <a:off x="3314700" y="3422650"/>
-              <a:ext cx="825500" cy="369332"/>
+              <a:off x="3314700" y="3282950"/>
+              <a:ext cx="825500" cy="646331"/>
             </a:xfrm>
             <a:prstGeom prst="rect">
               <a:avLst/>
@@ -4608,11 +4634,12 @@
             </a:bodyPr>
             <a:lstStyle/>
             <a:p>
+              <a:pPr algn="ctr"/>
               <a:r>
-                <a:rPr lang="en-US" dirty="0" smtClean="0"/>
-                <a:t>Source</a:t>
+                <a:rPr lang="en-US" sz="1200" dirty="0" smtClean="0"/>
+                <a:t>Selected Source (01 or 02)</a:t>
               </a:r>
-              <a:endParaRPr lang="en-US" dirty="0"/>
+              <a:endParaRPr lang="en-US" sz="1200" dirty="0"/>
             </a:p>
           </p:txBody>
         </p:sp>
@@ -4773,9 +4800,9 @@
           </p:nvGrpSpPr>
           <p:grpSpPr>
             <a:xfrm>
-              <a:off x="7073900" y="2629716"/>
+              <a:off x="7073900" y="2413816"/>
               <a:ext cx="3327400" cy="838200"/>
-              <a:chOff x="7048500" y="1435916"/>
+              <a:chOff x="7048500" y="1385116"/>
               <a:chExt cx="3327400" cy="838200"/>
             </a:xfrm>
           </p:grpSpPr>
@@ -4787,7 +4814,7 @@
             </p:nvSpPr>
             <p:spPr>
               <a:xfrm>
-                <a:off x="7048500" y="1435916"/>
+                <a:off x="7048500" y="1385116"/>
                 <a:ext cx="3327400" cy="838200"/>
               </a:xfrm>
               <a:prstGeom prst="flowChartProcess">
@@ -4851,177 +4878,6 @@
             </p:txBody>
           </p:sp>
         </p:grpSp>
-        <p:grpSp>
-          <p:nvGrpSpPr>
-            <p:cNvPr id="32" name="Group 31"/>
-            <p:cNvGrpSpPr/>
-            <p:nvPr/>
-          </p:nvGrpSpPr>
-          <p:grpSpPr>
-            <a:xfrm>
-              <a:off x="7073900" y="3965318"/>
-              <a:ext cx="3327400" cy="1216282"/>
-              <a:chOff x="7073900" y="3965318"/>
-              <a:chExt cx="3441700" cy="1216282"/>
-            </a:xfrm>
-          </p:grpSpPr>
-          <p:sp>
-            <p:nvSpPr>
-              <p:cNvPr id="27" name="Flowchart: Document 26"/>
-              <p:cNvSpPr/>
-              <p:nvPr/>
-            </p:nvSpPr>
-            <p:spPr>
-              <a:xfrm>
-                <a:off x="7073900" y="3965318"/>
-                <a:ext cx="3441700" cy="1216282"/>
-              </a:xfrm>
-              <a:prstGeom prst="flowChartDocument">
-                <a:avLst/>
-              </a:prstGeom>
-            </p:spPr>
-            <p:style>
-              <a:lnRef idx="2">
-                <a:schemeClr val="accent1">
-                  <a:shade val="50000"/>
-                </a:schemeClr>
-              </a:lnRef>
-              <a:fillRef idx="1">
-                <a:schemeClr val="accent1"/>
-              </a:fillRef>
-              <a:effectRef idx="0">
-                <a:schemeClr val="accent1"/>
-              </a:effectRef>
-              <a:fontRef idx="minor">
-                <a:schemeClr val="lt1"/>
-              </a:fontRef>
-            </p:style>
-            <p:txBody>
-              <a:bodyPr rtlCol="0" anchor="ctr"/>
-              <a:lstStyle/>
-              <a:p>
-                <a:pPr algn="ctr"/>
-                <a:endParaRPr lang="en-US" dirty="0"/>
-              </a:p>
-            </p:txBody>
-          </p:sp>
-          <p:sp>
-            <p:nvSpPr>
-              <p:cNvPr id="28" name="TextBox 27"/>
-              <p:cNvSpPr txBox="1"/>
-              <p:nvPr/>
-            </p:nvSpPr>
-            <p:spPr>
-              <a:xfrm>
-                <a:off x="7277100" y="4292600"/>
-                <a:ext cx="2959100" cy="369332"/>
-              </a:xfrm>
-              <a:prstGeom prst="rect">
-                <a:avLst/>
-              </a:prstGeom>
-              <a:noFill/>
-            </p:spPr>
-            <p:txBody>
-              <a:bodyPr wrap="square" rtlCol="0">
-                <a:spAutoFit/>
-              </a:bodyPr>
-              <a:lstStyle/>
-              <a:p>
-                <a:pPr algn="ctr"/>
-                <a:r>
-                  <a:rPr lang="en-US" dirty="0" smtClean="0"/>
-                  <a:t>Evaluate the Model</a:t>
-                </a:r>
-                <a:endParaRPr lang="en-US" dirty="0"/>
-              </a:p>
-            </p:txBody>
-          </p:sp>
-        </p:grpSp>
-        <p:grpSp>
-          <p:nvGrpSpPr>
-            <p:cNvPr id="31" name="Group 30"/>
-            <p:cNvGrpSpPr/>
-            <p:nvPr/>
-          </p:nvGrpSpPr>
-          <p:grpSpPr>
-            <a:xfrm>
-              <a:off x="7429500" y="5600700"/>
-              <a:ext cx="2959100" cy="698500"/>
-              <a:chOff x="7391400" y="5803900"/>
-              <a:chExt cx="2959100" cy="698500"/>
-            </a:xfrm>
-          </p:grpSpPr>
-          <p:sp>
-            <p:nvSpPr>
-              <p:cNvPr id="29" name="Flowchart: Terminator 28"/>
-              <p:cNvSpPr/>
-              <p:nvPr/>
-            </p:nvSpPr>
-            <p:spPr>
-              <a:xfrm>
-                <a:off x="7391400" y="5803900"/>
-                <a:ext cx="2959100" cy="698500"/>
-              </a:xfrm>
-              <a:prstGeom prst="flowChartTerminator">
-                <a:avLst/>
-              </a:prstGeom>
-            </p:spPr>
-            <p:style>
-              <a:lnRef idx="2">
-                <a:schemeClr val="accent1">
-                  <a:shade val="50000"/>
-                </a:schemeClr>
-              </a:lnRef>
-              <a:fillRef idx="1">
-                <a:schemeClr val="accent1"/>
-              </a:fillRef>
-              <a:effectRef idx="0">
-                <a:schemeClr val="accent1"/>
-              </a:effectRef>
-              <a:fontRef idx="minor">
-                <a:schemeClr val="lt1"/>
-              </a:fontRef>
-            </p:style>
-            <p:txBody>
-              <a:bodyPr rtlCol="0" anchor="ctr"/>
-              <a:lstStyle/>
-              <a:p>
-                <a:pPr algn="ctr"/>
-                <a:endParaRPr lang="en-US"/>
-              </a:p>
-            </p:txBody>
-          </p:sp>
-          <p:sp>
-            <p:nvSpPr>
-              <p:cNvPr id="30" name="TextBox 29"/>
-              <p:cNvSpPr txBox="1"/>
-              <p:nvPr/>
-            </p:nvSpPr>
-            <p:spPr>
-              <a:xfrm>
-                <a:off x="7747000" y="5981700"/>
-                <a:ext cx="1981200" cy="369332"/>
-              </a:xfrm>
-              <a:prstGeom prst="rect">
-                <a:avLst/>
-              </a:prstGeom>
-              <a:noFill/>
-            </p:spPr>
-            <p:txBody>
-              <a:bodyPr wrap="square" rtlCol="0">
-                <a:spAutoFit/>
-              </a:bodyPr>
-              <a:lstStyle/>
-              <a:p>
-                <a:r>
-                  <a:rPr lang="en-US" dirty="0" smtClean="0"/>
-                  <a:t>Predict the Future</a:t>
-                </a:r>
-                <a:endParaRPr lang="en-US" dirty="0"/>
-              </a:p>
-            </p:txBody>
-          </p:sp>
-        </p:grpSp>
         <p:cxnSp>
           <p:nvCxnSpPr>
             <p:cNvPr id="34" name="Straight Arrow Connector 33"/>
@@ -5060,80 +4916,14 @@
         </p:cxnSp>
         <p:cxnSp>
           <p:nvCxnSpPr>
-            <p:cNvPr id="37" name="Straight Arrow Connector 36"/>
-            <p:cNvCxnSpPr/>
-            <p:nvPr/>
-          </p:nvCxnSpPr>
-          <p:spPr>
-            <a:xfrm>
-              <a:off x="8839200" y="3455216"/>
-              <a:ext cx="25400" cy="418284"/>
-            </a:xfrm>
-            <a:prstGeom prst="straightConnector1">
-              <a:avLst/>
-            </a:prstGeom>
-            <a:ln>
-              <a:tailEnd type="triangle"/>
-            </a:ln>
-          </p:spPr>
-          <p:style>
-            <a:lnRef idx="1">
-              <a:schemeClr val="accent1"/>
-            </a:lnRef>
-            <a:fillRef idx="0">
-              <a:schemeClr val="accent1"/>
-            </a:fillRef>
-            <a:effectRef idx="0">
-              <a:schemeClr val="accent1"/>
-            </a:effectRef>
-            <a:fontRef idx="minor">
-              <a:schemeClr val="tx1"/>
-            </a:fontRef>
-          </p:style>
-        </p:cxnSp>
-        <p:cxnSp>
-          <p:nvCxnSpPr>
-            <p:cNvPr id="42" name="Straight Arrow Connector 41"/>
-            <p:cNvCxnSpPr/>
-            <p:nvPr/>
-          </p:nvCxnSpPr>
-          <p:spPr>
-            <a:xfrm>
-              <a:off x="8940800" y="5003284"/>
-              <a:ext cx="25400" cy="553998"/>
-            </a:xfrm>
-            <a:prstGeom prst="straightConnector1">
-              <a:avLst/>
-            </a:prstGeom>
-            <a:ln>
-              <a:tailEnd type="triangle"/>
-            </a:ln>
-          </p:spPr>
-          <p:style>
-            <a:lnRef idx="1">
-              <a:schemeClr val="accent1"/>
-            </a:lnRef>
-            <a:fillRef idx="0">
-              <a:schemeClr val="accent1"/>
-            </a:fillRef>
-            <a:effectRef idx="0">
-              <a:schemeClr val="accent1"/>
-            </a:effectRef>
-            <a:fontRef idx="minor">
-              <a:schemeClr val="tx1"/>
-            </a:fontRef>
-          </p:style>
-        </p:cxnSp>
-        <p:cxnSp>
-          <p:nvCxnSpPr>
             <p:cNvPr id="43" name="Straight Arrow Connector 42"/>
             <p:cNvCxnSpPr/>
             <p:nvPr/>
           </p:nvCxnSpPr>
           <p:spPr>
             <a:xfrm>
-              <a:off x="8826500" y="2172516"/>
-              <a:ext cx="25400" cy="418284"/>
+              <a:off x="8826500" y="2013729"/>
+              <a:ext cx="12700" cy="411455"/>
             </a:xfrm>
             <a:prstGeom prst="straightConnector1">
               <a:avLst/>
@@ -5354,6 +5144,522 @@
             </a:fontRef>
           </p:style>
         </p:cxnSp>
+        <p:grpSp>
+          <p:nvGrpSpPr>
+            <p:cNvPr id="38" name="Group 37"/>
+            <p:cNvGrpSpPr/>
+            <p:nvPr/>
+          </p:nvGrpSpPr>
+          <p:grpSpPr>
+            <a:xfrm>
+              <a:off x="7061200" y="3480874"/>
+              <a:ext cx="3327400" cy="838200"/>
+              <a:chOff x="7048500" y="1435916"/>
+              <a:chExt cx="3327400" cy="838200"/>
+            </a:xfrm>
+          </p:grpSpPr>
+          <p:sp>
+            <p:nvSpPr>
+              <p:cNvPr id="39" name="Flowchart: Process 38"/>
+              <p:cNvSpPr/>
+              <p:nvPr/>
+            </p:nvSpPr>
+            <p:spPr>
+              <a:xfrm>
+                <a:off x="7048500" y="1435916"/>
+                <a:ext cx="3327400" cy="838200"/>
+              </a:xfrm>
+              <a:prstGeom prst="flowChartProcess">
+                <a:avLst/>
+              </a:prstGeom>
+            </p:spPr>
+            <p:style>
+              <a:lnRef idx="2">
+                <a:schemeClr val="accent1">
+                  <a:shade val="50000"/>
+                </a:schemeClr>
+              </a:lnRef>
+              <a:fillRef idx="1">
+                <a:schemeClr val="accent1"/>
+              </a:fillRef>
+              <a:effectRef idx="0">
+                <a:schemeClr val="accent1"/>
+              </a:effectRef>
+              <a:fontRef idx="minor">
+                <a:schemeClr val="lt1"/>
+              </a:fontRef>
+            </p:style>
+            <p:txBody>
+              <a:bodyPr rtlCol="0" anchor="ctr"/>
+              <a:lstStyle/>
+              <a:p>
+                <a:pPr algn="ctr"/>
+                <a:endParaRPr lang="en-US"/>
+              </a:p>
+            </p:txBody>
+          </p:sp>
+          <p:sp>
+            <p:nvSpPr>
+              <p:cNvPr id="40" name="TextBox 39"/>
+              <p:cNvSpPr txBox="1"/>
+              <p:nvPr/>
+            </p:nvSpPr>
+            <p:spPr>
+              <a:xfrm>
+                <a:off x="7251700" y="1663700"/>
+                <a:ext cx="2832100" cy="380484"/>
+              </a:xfrm>
+              <a:prstGeom prst="rect">
+                <a:avLst/>
+              </a:prstGeom>
+              <a:noFill/>
+            </p:spPr>
+            <p:txBody>
+              <a:bodyPr wrap="square" rtlCol="0">
+                <a:spAutoFit/>
+              </a:bodyPr>
+              <a:lstStyle/>
+              <a:p>
+                <a:pPr algn="ctr"/>
+                <a:r>
+                  <a:rPr lang="en-US" dirty="0" smtClean="0"/>
+                  <a:t>Evaluate the Model</a:t>
+                </a:r>
+                <a:endParaRPr lang="en-US" dirty="0"/>
+              </a:p>
+            </p:txBody>
+          </p:sp>
+        </p:grpSp>
+        <p:cxnSp>
+          <p:nvCxnSpPr>
+            <p:cNvPr id="44" name="Straight Arrow Connector 43"/>
+            <p:cNvCxnSpPr/>
+            <p:nvPr/>
+          </p:nvCxnSpPr>
+          <p:spPr>
+            <a:xfrm>
+              <a:off x="8851900" y="3067829"/>
+              <a:ext cx="12700" cy="411455"/>
+            </a:xfrm>
+            <a:prstGeom prst="straightConnector1">
+              <a:avLst/>
+            </a:prstGeom>
+            <a:ln>
+              <a:tailEnd type="triangle"/>
+            </a:ln>
+          </p:spPr>
+          <p:style>
+            <a:lnRef idx="1">
+              <a:schemeClr val="accent1"/>
+            </a:lnRef>
+            <a:fillRef idx="0">
+              <a:schemeClr val="accent1"/>
+            </a:fillRef>
+            <a:effectRef idx="0">
+              <a:schemeClr val="accent1"/>
+            </a:effectRef>
+            <a:fontRef idx="minor">
+              <a:schemeClr val="tx1"/>
+            </a:fontRef>
+          </p:style>
+        </p:cxnSp>
+        <p:grpSp>
+          <p:nvGrpSpPr>
+            <p:cNvPr id="51" name="Group 50"/>
+            <p:cNvGrpSpPr/>
+            <p:nvPr/>
+          </p:nvGrpSpPr>
+          <p:grpSpPr>
+            <a:xfrm>
+              <a:off x="7061200" y="4547674"/>
+              <a:ext cx="3327400" cy="838200"/>
+              <a:chOff x="7048500" y="1435916"/>
+              <a:chExt cx="3327400" cy="838200"/>
+            </a:xfrm>
+          </p:grpSpPr>
+          <p:sp>
+            <p:nvSpPr>
+              <p:cNvPr id="52" name="Flowchart: Process 51"/>
+              <p:cNvSpPr/>
+              <p:nvPr/>
+            </p:nvSpPr>
+            <p:spPr>
+              <a:xfrm>
+                <a:off x="7048500" y="1435916"/>
+                <a:ext cx="3327400" cy="838200"/>
+              </a:xfrm>
+              <a:prstGeom prst="flowChartProcess">
+                <a:avLst/>
+              </a:prstGeom>
+            </p:spPr>
+            <p:style>
+              <a:lnRef idx="2">
+                <a:schemeClr val="accent1">
+                  <a:shade val="50000"/>
+                </a:schemeClr>
+              </a:lnRef>
+              <a:fillRef idx="1">
+                <a:schemeClr val="accent1"/>
+              </a:fillRef>
+              <a:effectRef idx="0">
+                <a:schemeClr val="accent1"/>
+              </a:effectRef>
+              <a:fontRef idx="minor">
+                <a:schemeClr val="lt1"/>
+              </a:fontRef>
+            </p:style>
+            <p:txBody>
+              <a:bodyPr rtlCol="0" anchor="ctr"/>
+              <a:lstStyle/>
+              <a:p>
+                <a:pPr algn="ctr"/>
+                <a:endParaRPr lang="en-US"/>
+              </a:p>
+            </p:txBody>
+          </p:sp>
+          <p:sp>
+            <p:nvSpPr>
+              <p:cNvPr id="53" name="TextBox 52"/>
+              <p:cNvSpPr txBox="1"/>
+              <p:nvPr/>
+            </p:nvSpPr>
+            <p:spPr>
+              <a:xfrm>
+                <a:off x="7251700" y="1663700"/>
+                <a:ext cx="2832100" cy="380484"/>
+              </a:xfrm>
+              <a:prstGeom prst="rect">
+                <a:avLst/>
+              </a:prstGeom>
+              <a:noFill/>
+            </p:spPr>
+            <p:txBody>
+              <a:bodyPr wrap="square" rtlCol="0">
+                <a:spAutoFit/>
+              </a:bodyPr>
+              <a:lstStyle/>
+              <a:p>
+                <a:pPr algn="ctr"/>
+                <a:r>
+                  <a:rPr lang="en-US" dirty="0"/>
+                  <a:t>Predict the Future</a:t>
+                </a:r>
+              </a:p>
+            </p:txBody>
+          </p:sp>
+        </p:grpSp>
+        <p:cxnSp>
+          <p:nvCxnSpPr>
+            <p:cNvPr id="54" name="Straight Arrow Connector 53"/>
+            <p:cNvCxnSpPr/>
+            <p:nvPr/>
+          </p:nvCxnSpPr>
+          <p:spPr>
+            <a:xfrm>
+              <a:off x="8877300" y="4134629"/>
+              <a:ext cx="12700" cy="411455"/>
+            </a:xfrm>
+            <a:prstGeom prst="straightConnector1">
+              <a:avLst/>
+            </a:prstGeom>
+            <a:ln>
+              <a:tailEnd type="triangle"/>
+            </a:ln>
+          </p:spPr>
+          <p:style>
+            <a:lnRef idx="1">
+              <a:schemeClr val="accent1"/>
+            </a:lnRef>
+            <a:fillRef idx="0">
+              <a:schemeClr val="accent1"/>
+            </a:fillRef>
+            <a:effectRef idx="0">
+              <a:schemeClr val="accent1"/>
+            </a:effectRef>
+            <a:fontRef idx="minor">
+              <a:schemeClr val="tx1"/>
+            </a:fontRef>
+          </p:style>
+        </p:cxnSp>
+        <p:cxnSp>
+          <p:nvCxnSpPr>
+            <p:cNvPr id="55" name="Straight Arrow Connector 54"/>
+            <p:cNvCxnSpPr/>
+            <p:nvPr/>
+          </p:nvCxnSpPr>
+          <p:spPr>
+            <a:xfrm>
+              <a:off x="8877300" y="5176029"/>
+              <a:ext cx="12700" cy="411455"/>
+            </a:xfrm>
+            <a:prstGeom prst="straightConnector1">
+              <a:avLst/>
+            </a:prstGeom>
+            <a:ln>
+              <a:tailEnd type="triangle"/>
+            </a:ln>
+          </p:spPr>
+          <p:style>
+            <a:lnRef idx="1">
+              <a:schemeClr val="accent1"/>
+            </a:lnRef>
+            <a:fillRef idx="0">
+              <a:schemeClr val="accent1"/>
+            </a:fillRef>
+            <a:effectRef idx="0">
+              <a:schemeClr val="accent1"/>
+            </a:effectRef>
+            <a:fontRef idx="minor">
+              <a:schemeClr val="tx1"/>
+            </a:fontRef>
+          </p:style>
+        </p:cxnSp>
+        <p:grpSp>
+          <p:nvGrpSpPr>
+            <p:cNvPr id="33" name="Group 32"/>
+            <p:cNvGrpSpPr/>
+            <p:nvPr/>
+          </p:nvGrpSpPr>
+          <p:grpSpPr>
+            <a:xfrm>
+              <a:off x="7010400" y="5600700"/>
+              <a:ext cx="3416300" cy="698500"/>
+              <a:chOff x="8534400" y="5626100"/>
+              <a:chExt cx="876300" cy="698500"/>
+            </a:xfrm>
+          </p:grpSpPr>
+          <p:sp>
+            <p:nvSpPr>
+              <p:cNvPr id="18" name="Oval 17"/>
+              <p:cNvSpPr/>
+              <p:nvPr/>
+            </p:nvSpPr>
+            <p:spPr>
+              <a:xfrm>
+                <a:off x="8534400" y="5627174"/>
+                <a:ext cx="876300" cy="697426"/>
+              </a:xfrm>
+              <a:prstGeom prst="ellipse">
+                <a:avLst/>
+              </a:prstGeom>
+            </p:spPr>
+            <p:style>
+              <a:lnRef idx="2">
+                <a:schemeClr val="accent1">
+                  <a:shade val="50000"/>
+                </a:schemeClr>
+              </a:lnRef>
+              <a:fillRef idx="1">
+                <a:schemeClr val="accent1"/>
+              </a:fillRef>
+              <a:effectRef idx="0">
+                <a:schemeClr val="accent1"/>
+              </a:effectRef>
+              <a:fontRef idx="minor">
+                <a:schemeClr val="lt1"/>
+              </a:fontRef>
+            </p:style>
+            <p:txBody>
+              <a:bodyPr rtlCol="0" anchor="ctr"/>
+              <a:lstStyle/>
+              <a:p>
+                <a:pPr algn="ctr"/>
+                <a:endParaRPr lang="en-US"/>
+              </a:p>
+            </p:txBody>
+          </p:sp>
+          <p:sp>
+            <p:nvSpPr>
+              <p:cNvPr id="19" name="TextBox 18"/>
+              <p:cNvSpPr txBox="1"/>
+              <p:nvPr/>
+            </p:nvSpPr>
+            <p:spPr>
+              <a:xfrm>
+                <a:off x="8610932" y="5626100"/>
+                <a:ext cx="723900" cy="646331"/>
+              </a:xfrm>
+              <a:prstGeom prst="rect">
+                <a:avLst/>
+              </a:prstGeom>
+              <a:noFill/>
+            </p:spPr>
+            <p:txBody>
+              <a:bodyPr wrap="square" rtlCol="0">
+                <a:spAutoFit/>
+              </a:bodyPr>
+              <a:lstStyle/>
+              <a:p>
+                <a:pPr algn="ctr"/>
+                <a:r>
+                  <a:rPr lang="en-US" dirty="0" smtClean="0"/>
+                  <a:t>Display the </a:t>
+                </a:r>
+                <a:r>
+                  <a:rPr lang="en-US" dirty="0" smtClean="0"/>
+                  <a:t>Results graphically &amp; tabular form</a:t>
+                </a:r>
+                <a:endParaRPr lang="en-US" dirty="0"/>
+              </a:p>
+            </p:txBody>
+          </p:sp>
+        </p:grpSp>
+        <p:grpSp>
+          <p:nvGrpSpPr>
+            <p:cNvPr id="41" name="Group 40"/>
+            <p:cNvGrpSpPr/>
+            <p:nvPr/>
+          </p:nvGrpSpPr>
+          <p:grpSpPr>
+            <a:xfrm>
+              <a:off x="3035300" y="4928416"/>
+              <a:ext cx="3327400" cy="838200"/>
+              <a:chOff x="7048500" y="1435916"/>
+              <a:chExt cx="3327400" cy="838200"/>
+            </a:xfrm>
+          </p:grpSpPr>
+          <p:sp>
+            <p:nvSpPr>
+              <p:cNvPr id="42" name="Flowchart: Process 41"/>
+              <p:cNvSpPr/>
+              <p:nvPr/>
+            </p:nvSpPr>
+            <p:spPr>
+              <a:xfrm>
+                <a:off x="7048500" y="1435916"/>
+                <a:ext cx="3327400" cy="838200"/>
+              </a:xfrm>
+              <a:prstGeom prst="flowChartProcess">
+                <a:avLst/>
+              </a:prstGeom>
+            </p:spPr>
+            <p:style>
+              <a:lnRef idx="2">
+                <a:schemeClr val="accent1">
+                  <a:shade val="50000"/>
+                </a:schemeClr>
+              </a:lnRef>
+              <a:fillRef idx="1">
+                <a:schemeClr val="accent1"/>
+              </a:fillRef>
+              <a:effectRef idx="0">
+                <a:schemeClr val="accent1"/>
+              </a:effectRef>
+              <a:fontRef idx="minor">
+                <a:schemeClr val="lt1"/>
+              </a:fontRef>
+            </p:style>
+            <p:txBody>
+              <a:bodyPr rtlCol="0" anchor="ctr"/>
+              <a:lstStyle/>
+              <a:p>
+                <a:pPr algn="ctr"/>
+                <a:endParaRPr lang="en-US"/>
+              </a:p>
+            </p:txBody>
+          </p:sp>
+          <p:sp>
+            <p:nvSpPr>
+              <p:cNvPr id="47" name="TextBox 46"/>
+              <p:cNvSpPr txBox="1"/>
+              <p:nvPr/>
+            </p:nvSpPr>
+            <p:spPr>
+              <a:xfrm>
+                <a:off x="7073900" y="1549400"/>
+                <a:ext cx="3302000" cy="646331"/>
+              </a:xfrm>
+              <a:prstGeom prst="rect">
+                <a:avLst/>
+              </a:prstGeom>
+              <a:noFill/>
+            </p:spPr>
+            <p:txBody>
+              <a:bodyPr wrap="square" rtlCol="0">
+                <a:spAutoFit/>
+              </a:bodyPr>
+              <a:lstStyle/>
+              <a:p>
+                <a:pPr algn="ctr"/>
+                <a:r>
+                  <a:rPr lang="en-US" dirty="0" smtClean="0"/>
+                  <a:t>Technical data {RSI, SMA, EMA, MACD}</a:t>
+                </a:r>
+                <a:endParaRPr lang="en-US" dirty="0"/>
+              </a:p>
+            </p:txBody>
+          </p:sp>
+        </p:grpSp>
+        <p:cxnSp>
+          <p:nvCxnSpPr>
+            <p:cNvPr id="27" name="Straight Arrow Connector 26"/>
+            <p:cNvCxnSpPr>
+              <a:stCxn id="14" idx="2"/>
+            </p:cNvCxnSpPr>
+            <p:nvPr/>
+          </p:nvCxnSpPr>
+          <p:spPr>
+            <a:xfrm>
+              <a:off x="3706813" y="3965318"/>
+              <a:ext cx="58737" cy="963098"/>
+            </a:xfrm>
+            <a:prstGeom prst="straightConnector1">
+              <a:avLst/>
+            </a:prstGeom>
+            <a:ln>
+              <a:tailEnd type="triangle"/>
+            </a:ln>
+          </p:spPr>
+          <p:style>
+            <a:lnRef idx="1">
+              <a:schemeClr val="accent1"/>
+            </a:lnRef>
+            <a:fillRef idx="0">
+              <a:schemeClr val="accent1"/>
+            </a:fillRef>
+            <a:effectRef idx="0">
+              <a:schemeClr val="accent1"/>
+            </a:effectRef>
+            <a:fontRef idx="minor">
+              <a:schemeClr val="tx1"/>
+            </a:fontRef>
+          </p:style>
+        </p:cxnSp>
+        <p:cxnSp>
+          <p:nvCxnSpPr>
+            <p:cNvPr id="29" name="Straight Arrow Connector 28"/>
+            <p:cNvCxnSpPr>
+              <a:stCxn id="42" idx="0"/>
+            </p:cNvCxnSpPr>
+            <p:nvPr/>
+          </p:nvCxnSpPr>
+          <p:spPr>
+            <a:xfrm flipV="1">
+              <a:off x="4699000" y="4319074"/>
+              <a:ext cx="254000" cy="609342"/>
+            </a:xfrm>
+            <a:prstGeom prst="straightConnector1">
+              <a:avLst/>
+            </a:prstGeom>
+            <a:ln>
+              <a:tailEnd type="triangle"/>
+            </a:ln>
+          </p:spPr>
+          <p:style>
+            <a:lnRef idx="1">
+              <a:schemeClr val="accent1"/>
+            </a:lnRef>
+            <a:fillRef idx="0">
+              <a:schemeClr val="accent1"/>
+            </a:fillRef>
+            <a:effectRef idx="0">
+              <a:schemeClr val="accent1"/>
+            </a:effectRef>
+            <a:fontRef idx="minor">
+              <a:schemeClr val="tx1"/>
+            </a:fontRef>
+          </p:style>
+        </p:cxnSp>
       </p:grpSp>
     </p:spTree>
     <p:extLst>
@@ -5412,13 +5718,7 @@
               <a:rPr lang="en-US" sz="4800" dirty="0" smtClean="0">
                 <a:latin typeface="Bahnschrift Light" panose="020B0502040204020203" pitchFamily="34" charset="0"/>
               </a:rPr>
-              <a:t>Statistical </a:t>
-            </a:r>
-            <a:r>
-              <a:rPr lang="en-US" sz="4800" dirty="0" smtClean="0">
-                <a:latin typeface="Bahnschrift Light" panose="020B0502040204020203" pitchFamily="34" charset="0"/>
-              </a:rPr>
-              <a:t>Data</a:t>
+              <a:t>Statistical Data</a:t>
             </a:r>
             <a:endParaRPr lang="en-US" sz="3200" dirty="0">
               <a:latin typeface="Bahnschrift Light" panose="020B0502040204020203" pitchFamily="34" charset="0"/>
@@ -5507,9 +5807,21 @@
               <a:rPr lang="en-US" sz="4800" dirty="0" smtClean="0">
                 <a:latin typeface="Bahnschrift Light" panose="020B0502040204020203" pitchFamily="34" charset="0"/>
               </a:rPr>
-              <a:t>Models Comparison</a:t>
-            </a:r>
-            <a:endParaRPr lang="en-US" sz="4800" dirty="0">
+              <a:t>Models </a:t>
+            </a:r>
+            <a:r>
+              <a:rPr lang="en-US" sz="4800" dirty="0" smtClean="0">
+                <a:latin typeface="Bahnschrift Light" panose="020B0502040204020203" pitchFamily="34" charset="0"/>
+              </a:rPr>
+              <a:t>Comparison </a:t>
+            </a:r>
+            <a:r>
+              <a:rPr lang="en-US" sz="2800" dirty="0" smtClean="0">
+                <a:latin typeface="Bahnschrift Light" panose="020B0502040204020203" pitchFamily="34" charset="0"/>
+              </a:rPr>
+              <a:t>{Data from TDS}</a:t>
+            </a:r>
+            <a:endParaRPr lang="en-US" sz="2800" dirty="0">
               <a:latin typeface="Bahnschrift Light" panose="020B0502040204020203" pitchFamily="34" charset="0"/>
             </a:endParaRPr>
           </a:p>
@@ -5517,14 +5829,14 @@
       </p:sp>
       <p:sp>
         <p:nvSpPr>
-          <p:cNvPr id="4" name="TextBox 3"/>
+          <p:cNvPr id="5" name="TextBox 4"/>
           <p:cNvSpPr txBox="1"/>
           <p:nvPr/>
         </p:nvSpPr>
         <p:spPr>
           <a:xfrm>
-            <a:off x="1409700" y="647700"/>
-            <a:ext cx="8928100" cy="523220"/>
+            <a:off x="139700" y="647700"/>
+            <a:ext cx="11862759" cy="523220"/>
           </a:xfrm>
           <a:prstGeom prst="rect">
             <a:avLst/>
@@ -5542,7 +5854,28 @@
               <a:rPr lang="en-US" sz="2800" dirty="0" smtClean="0">
                 <a:latin typeface="Bahnschrift Light" panose="020B0502040204020203" pitchFamily="34" charset="0"/>
               </a:rPr>
-              <a:t>90% Train – 10% Test Splitting</a:t>
+              <a:t>90% Train – 10% Test </a:t>
+            </a:r>
+            <a:r>
+              <a:rPr lang="en-US" sz="2800" dirty="0" smtClean="0">
+                <a:latin typeface="Bahnschrift Light" panose="020B0502040204020203" pitchFamily="34" charset="0"/>
+              </a:rPr>
+              <a:t>Splitting, </a:t>
+            </a:r>
+            <a:r>
+              <a:rPr lang="en-US" sz="2800" b="1" dirty="0" smtClean="0">
+                <a:solidFill>
+                  <a:srgbClr val="0070C0"/>
+                </a:solidFill>
+                <a:latin typeface="Bahnschrift Light" panose="020B0502040204020203" pitchFamily="34" charset="0"/>
+              </a:rPr>
+              <a:t>with</a:t>
+            </a:r>
+            <a:r>
+              <a:rPr lang="en-US" sz="2800" dirty="0" smtClean="0">
+                <a:latin typeface="Bahnschrift Light" panose="020B0502040204020203" pitchFamily="34" charset="0"/>
+              </a:rPr>
+              <a:t> FRED’s Macroeconomics data</a:t>
             </a:r>
             <a:endParaRPr lang="en-US" sz="2800" dirty="0">
               <a:latin typeface="Bahnschrift Light" panose="020B0502040204020203" pitchFamily="34" charset="0"/>
@@ -5566,8 +5899,8 @@
         </p:blipFill>
         <p:spPr>
           <a:xfrm>
-            <a:off x="342900" y="1270000"/>
-            <a:ext cx="11557000" cy="5334000"/>
+            <a:off x="139700" y="1328737"/>
+            <a:ext cx="11885759" cy="5275263"/>
           </a:xfrm>
           <a:prstGeom prst="rect">
             <a:avLst/>
@@ -5577,20 +5910,13 @@
     </p:spTree>
     <p:extLst>
       <p:ext uri="{BB962C8B-B14F-4D97-AF65-F5344CB8AC3E}">
-        <p14:creationId xmlns:p14="http://schemas.microsoft.com/office/powerpoint/2010/main" val="98876993"/>
+        <p14:creationId xmlns:p14="http://schemas.microsoft.com/office/powerpoint/2010/main" val="3145523088"/>
       </p:ext>
     </p:extLst>
   </p:cSld>
   <p:clrMapOvr>
     <a:masterClrMapping/>
   </p:clrMapOvr>
-  <p:timing>
-    <p:tnLst>
-      <p:par>
-        <p:cTn id="1" dur="indefinite" restart="never" nodeType="tmRoot"/>
-      </p:par>
-    </p:tnLst>
-  </p:timing>
 </p:sld>
 </file>
 
@@ -5613,14 +5939,14 @@
       </p:grpSpPr>
       <p:sp>
         <p:nvSpPr>
-          <p:cNvPr id="2" name="TextBox 1"/>
+          <p:cNvPr id="3" name="TextBox 2"/>
           <p:cNvSpPr txBox="1"/>
           <p:nvPr/>
         </p:nvSpPr>
         <p:spPr>
           <a:xfrm>
-            <a:off x="609599" y="-92765"/>
-            <a:ext cx="10174287" cy="830997"/>
+            <a:off x="274637" y="12700"/>
+            <a:ext cx="11512191" cy="830997"/>
           </a:xfrm>
           <a:prstGeom prst="rect">
             <a:avLst/>
@@ -5635,20 +5961,88 @@
           <a:p>
             <a:pPr algn="ctr"/>
             <a:r>
-              <a:rPr lang="en-US" sz="4800" dirty="0" smtClean="0">
-                <a:latin typeface="Bahnschrift Light" panose="020B0502040204020203" pitchFamily="34" charset="0"/>
-              </a:rPr>
-              <a:t>Visualization (90% - 10%)</a:t>
-            </a:r>
-            <a:endParaRPr lang="en-US" sz="4800" dirty="0">
+              <a:rPr lang="en-US" sz="4800" dirty="0">
+                <a:latin typeface="Bahnschrift Light" panose="020B0502040204020203" pitchFamily="34" charset="0"/>
+              </a:rPr>
+              <a:t>Models Comparison </a:t>
+            </a:r>
+            <a:r>
+              <a:rPr lang="en-US" sz="2800" dirty="0">
+                <a:latin typeface="Bahnschrift Light" panose="020B0502040204020203" pitchFamily="34" charset="0"/>
+              </a:rPr>
+              <a:t>{Data from </a:t>
+            </a:r>
+            <a:r>
+              <a:rPr lang="en-US" sz="2800" dirty="0" smtClean="0">
+                <a:latin typeface="Bahnschrift Light" panose="020B0502040204020203" pitchFamily="34" charset="0"/>
+              </a:rPr>
+              <a:t>Investing.Com}</a:t>
+            </a:r>
+            <a:endParaRPr lang="en-US" sz="2800" dirty="0">
               <a:latin typeface="Bahnschrift Light" panose="020B0502040204020203" pitchFamily="34" charset="0"/>
             </a:endParaRPr>
           </a:p>
         </p:txBody>
       </p:sp>
+      <p:sp>
+        <p:nvSpPr>
+          <p:cNvPr id="7" name="TextBox 6"/>
+          <p:cNvSpPr txBox="1"/>
+          <p:nvPr/>
+        </p:nvSpPr>
+        <p:spPr>
+          <a:xfrm>
+            <a:off x="139700" y="647700"/>
+            <a:ext cx="11862759" cy="523220"/>
+          </a:xfrm>
+          <a:prstGeom prst="rect">
+            <a:avLst/>
+          </a:prstGeom>
+          <a:noFill/>
+        </p:spPr>
+        <p:txBody>
+          <a:bodyPr wrap="square" rtlCol="0">
+            <a:spAutoFit/>
+          </a:bodyPr>
+          <a:lstStyle/>
+          <a:p>
+            <a:pPr algn="ctr"/>
+            <a:r>
+              <a:rPr lang="en-US" sz="2800" dirty="0" smtClean="0">
+                <a:latin typeface="Bahnschrift Light" panose="020B0502040204020203" pitchFamily="34" charset="0"/>
+              </a:rPr>
+              <a:t>90% Train – 10% Test </a:t>
+            </a:r>
+            <a:r>
+              <a:rPr lang="en-US" sz="2800" dirty="0" smtClean="0">
+                <a:latin typeface="Bahnschrift Light" panose="020B0502040204020203" pitchFamily="34" charset="0"/>
+              </a:rPr>
+              <a:t>Splitting, </a:t>
+            </a:r>
+            <a:r>
+              <a:rPr lang="en-US" sz="2800" b="1" dirty="0" smtClean="0">
+                <a:solidFill>
+                  <a:srgbClr val="0070C0"/>
+                </a:solidFill>
+                <a:latin typeface="Bahnschrift Light" panose="020B0502040204020203" pitchFamily="34" charset="0"/>
+              </a:rPr>
+              <a:t>with</a:t>
+            </a:r>
+            <a:r>
+              <a:rPr lang="en-US" sz="2800" dirty="0" smtClean="0">
+                <a:latin typeface="Bahnschrift Light" panose="020B0502040204020203" pitchFamily="34" charset="0"/>
+              </a:rPr>
+              <a:t> FRED’s Macroeconomics data</a:t>
+            </a:r>
+            <a:endParaRPr lang="en-US" sz="2800" dirty="0">
+              <a:latin typeface="Bahnschrift Light" panose="020B0502040204020203" pitchFamily="34" charset="0"/>
+            </a:endParaRPr>
+          </a:p>
+        </p:txBody>
+      </p:sp>
       <p:pic>
         <p:nvPicPr>
-          <p:cNvPr id="4" name="Picture 3"/>
+          <p:cNvPr id="5" name="Picture 4"/>
           <p:cNvPicPr>
             <a:picLocks noChangeAspect="1"/>
           </p:cNvPicPr>
@@ -5662,8 +6056,8 @@
         </p:blipFill>
         <p:spPr>
           <a:xfrm>
-            <a:off x="381000" y="738232"/>
-            <a:ext cx="11353800" cy="5996545"/>
+            <a:off x="139700" y="1170920"/>
+            <a:ext cx="11845896" cy="5433080"/>
           </a:xfrm>
           <a:prstGeom prst="rect">
             <a:avLst/>
@@ -5673,7 +6067,7 @@
     </p:spTree>
     <p:extLst>
       <p:ext uri="{BB962C8B-B14F-4D97-AF65-F5344CB8AC3E}">
-        <p14:creationId xmlns:p14="http://schemas.microsoft.com/office/powerpoint/2010/main" val="917617399"/>
+        <p14:creationId xmlns:p14="http://schemas.microsoft.com/office/powerpoint/2010/main" val="98876993"/>
       </p:ext>
     </p:extLst>
   </p:cSld>
@@ -5707,16 +6101,40 @@
           <a:chExt cx="0" cy="0"/>
         </a:xfrm>
       </p:grpSpPr>
-      <p:sp>
-        <p:nvSpPr>
-          <p:cNvPr id="2" name="TextBox 1"/>
+      <p:pic>
+        <p:nvPicPr>
+          <p:cNvPr id="2" name="Picture 1"/>
+          <p:cNvPicPr>
+            <a:picLocks noChangeAspect="1"/>
+          </p:cNvPicPr>
+          <p:nvPr/>
+        </p:nvPicPr>
+        <p:blipFill>
+          <a:blip r:embed="rId2"/>
+          <a:stretch>
+            <a:fillRect/>
+          </a:stretch>
+        </p:blipFill>
+        <p:spPr>
+          <a:xfrm>
+            <a:off x="219074" y="1313596"/>
+            <a:ext cx="11648377" cy="5239604"/>
+          </a:xfrm>
+          <a:prstGeom prst="rect">
+            <a:avLst/>
+          </a:prstGeom>
+        </p:spPr>
+      </p:pic>
+      <p:sp>
+        <p:nvSpPr>
+          <p:cNvPr id="3" name="TextBox 2"/>
           <p:cNvSpPr txBox="1"/>
           <p:nvPr/>
         </p:nvSpPr>
         <p:spPr>
           <a:xfrm>
-            <a:off x="1549952" y="-3865"/>
-            <a:ext cx="8680174" cy="830997"/>
+            <a:off x="274637" y="12700"/>
+            <a:ext cx="11512191" cy="830997"/>
           </a:xfrm>
           <a:prstGeom prst="rect">
             <a:avLst/>
@@ -5731,12 +6149,24 @@
           <a:p>
             <a:pPr algn="ctr"/>
             <a:r>
-              <a:rPr lang="en-US" sz="4800" dirty="0" smtClean="0">
-                <a:latin typeface="Bahnschrift Light" panose="020B0502040204020203" pitchFamily="34" charset="0"/>
-              </a:rPr>
-              <a:t>Result</a:t>
-            </a:r>
-            <a:endParaRPr lang="en-US" sz="4800" dirty="0">
+              <a:rPr lang="en-US" sz="4800" dirty="0">
+                <a:latin typeface="Bahnschrift Light" panose="020B0502040204020203" pitchFamily="34" charset="0"/>
+              </a:rPr>
+              <a:t>Models Comparison </a:t>
+            </a:r>
+            <a:r>
+              <a:rPr lang="en-US" sz="2800" dirty="0">
+                <a:latin typeface="Bahnschrift Light" panose="020B0502040204020203" pitchFamily="34" charset="0"/>
+              </a:rPr>
+              <a:t>{Data from </a:t>
+            </a:r>
+            <a:r>
+              <a:rPr lang="en-US" sz="2800" dirty="0" smtClean="0">
+                <a:latin typeface="Bahnschrift Light" panose="020B0502040204020203" pitchFamily="34" charset="0"/>
+              </a:rPr>
+              <a:t>Investing.Com}</a:t>
+            </a:r>
+            <a:endParaRPr lang="en-US" sz="2800" dirty="0">
               <a:latin typeface="Bahnschrift Light" panose="020B0502040204020203" pitchFamily="34" charset="0"/>
             </a:endParaRPr>
           </a:p>
@@ -5744,14 +6174,14 @@
       </p:sp>
       <p:sp>
         <p:nvSpPr>
-          <p:cNvPr id="3" name="TextBox 2"/>
+          <p:cNvPr id="4" name="TextBox 3"/>
           <p:cNvSpPr txBox="1"/>
           <p:nvPr/>
         </p:nvSpPr>
         <p:spPr>
           <a:xfrm>
-            <a:off x="909429" y="725557"/>
-            <a:ext cx="10257183" cy="4031873"/>
+            <a:off x="139700" y="647700"/>
+            <a:ext cx="11862759" cy="523220"/>
           </a:xfrm>
           <a:prstGeom prst="rect">
             <a:avLst/>
@@ -5766,78 +6196,48 @@
           <a:p>
             <a:pPr algn="ctr"/>
             <a:r>
-              <a:rPr lang="en-US" sz="3200" dirty="0" smtClean="0"/>
-              <a:t>From the above analysis, on reviewing the MAE and MSE, RMSE, and R² values from all the models considered, it is apparently clear that “</a:t>
-            </a:r>
-            <a:r>
-              <a:rPr lang="en-US" sz="3200" b="1" dirty="0" smtClean="0"/>
-              <a:t>Linear Regression</a:t>
-            </a:r>
-            <a:r>
-              <a:rPr lang="en-US" sz="3200" dirty="0" smtClean="0"/>
-              <a:t>”, “</a:t>
-            </a:r>
-            <a:r>
-              <a:rPr lang="en-US" sz="3200" b="1" dirty="0" smtClean="0"/>
-              <a:t>Random Forest Regressor (RFR)</a:t>
-            </a:r>
-            <a:r>
-              <a:rPr lang="en-US" sz="3200" dirty="0" smtClean="0"/>
-              <a:t>” and “</a:t>
-            </a:r>
-            <a:r>
-              <a:rPr lang="en-US" sz="3200" b="1" dirty="0" smtClean="0"/>
-              <a:t>Bayesian Ridge Regression</a:t>
-            </a:r>
-            <a:r>
-              <a:rPr lang="en-US" sz="3200" dirty="0" smtClean="0"/>
-              <a:t>” displayed wonderful results. However, I will be relying </a:t>
-            </a:r>
-            <a:r>
-              <a:rPr lang="en-US" sz="3200" dirty="0"/>
-              <a:t>more on “</a:t>
-            </a:r>
-            <a:r>
-              <a:rPr lang="en-US" sz="3200" b="1" dirty="0"/>
-              <a:t>Random Forest Regressor (RFR)</a:t>
-            </a:r>
-            <a:r>
-              <a:rPr lang="en-US" sz="3200" dirty="0"/>
-              <a:t>” </a:t>
-            </a:r>
-            <a:r>
-              <a:rPr lang="en-US" sz="3200" dirty="0" smtClean="0"/>
-              <a:t>due to its robustness about being exposed to many parameters for </a:t>
-            </a:r>
-            <a:r>
-              <a:rPr lang="en-US" sz="3200" dirty="0" smtClean="0"/>
-              <a:t>tuning.</a:t>
-            </a:r>
-            <a:endParaRPr lang="en-US" sz="3200" dirty="0" smtClean="0"/>
-          </a:p>
-          <a:p>
-            <a:pPr algn="ctr"/>
-            <a:endParaRPr lang="en-US" sz="3200" dirty="0"/>
+              <a:rPr lang="en-US" sz="2800" dirty="0" smtClean="0">
+                <a:latin typeface="Bahnschrift Light" panose="020B0502040204020203" pitchFamily="34" charset="0"/>
+              </a:rPr>
+              <a:t>90% Train – 10% Test </a:t>
+            </a:r>
+            <a:r>
+              <a:rPr lang="en-US" sz="2800" dirty="0" smtClean="0">
+                <a:latin typeface="Bahnschrift Light" panose="020B0502040204020203" pitchFamily="34" charset="0"/>
+              </a:rPr>
+              <a:t>Splitting, </a:t>
+            </a:r>
+            <a:r>
+              <a:rPr lang="en-US" sz="2800" b="1" dirty="0" smtClean="0">
+                <a:solidFill>
+                  <a:srgbClr val="0070C0"/>
+                </a:solidFill>
+                <a:latin typeface="Bahnschrift Light" panose="020B0502040204020203" pitchFamily="34" charset="0"/>
+              </a:rPr>
+              <a:t>without</a:t>
+            </a:r>
+            <a:r>
+              <a:rPr lang="en-US" sz="2800" dirty="0" smtClean="0">
+                <a:latin typeface="Bahnschrift Light" panose="020B0502040204020203" pitchFamily="34" charset="0"/>
+              </a:rPr>
+              <a:t> FRED’s Macroeconomics data</a:t>
+            </a:r>
+            <a:endParaRPr lang="en-US" sz="2800" dirty="0">
+              <a:latin typeface="Bahnschrift Light" panose="020B0502040204020203" pitchFamily="34" charset="0"/>
+            </a:endParaRPr>
           </a:p>
         </p:txBody>
       </p:sp>
     </p:spTree>
     <p:extLst>
       <p:ext uri="{BB962C8B-B14F-4D97-AF65-F5344CB8AC3E}">
-        <p14:creationId xmlns:p14="http://schemas.microsoft.com/office/powerpoint/2010/main" val="375198924"/>
+        <p14:creationId xmlns:p14="http://schemas.microsoft.com/office/powerpoint/2010/main" val="975305666"/>
       </p:ext>
     </p:extLst>
   </p:cSld>
   <p:clrMapOvr>
     <a:masterClrMapping/>
   </p:clrMapOvr>
-  <p:timing>
-    <p:tnLst>
-      <p:par>
-        <p:cTn id="1" dur="indefinite" restart="never" nodeType="tmRoot"/>
-      </p:par>
-    </p:tnLst>
-  </p:timing>
 </p:sld>
 </file>
 
@@ -5882,7 +6282,7 @@
           <a:p>
             <a:r>
               <a:rPr lang="en-US" sz="4400" dirty="0" smtClean="0"/>
-              <a:t>Majority of the Forex traders lose their money due to inadequate knowledge on the dynamics of the market forces. 98% of the times, market forces is determined by the Macroeconomics news from the countries around the world.</a:t>
+              <a:t>Majority of the Forex traders lose their money due to inadequate knowledge on the dynamics of the market forces. Most of the times, market forces is determined by the Macroeconomics news from the countries around the world.</a:t>
             </a:r>
           </a:p>
           <a:p>
@@ -5989,8 +6389,8 @@
         </p:nvSpPr>
         <p:spPr>
           <a:xfrm>
-            <a:off x="622852" y="275535"/>
-            <a:ext cx="10527748" cy="830997"/>
+            <a:off x="1" y="-92765"/>
+            <a:ext cx="12002460" cy="830997"/>
           </a:xfrm>
           <a:prstGeom prst="rect">
             <a:avLst/>
@@ -6005,24 +6405,45 @@
           <a:p>
             <a:pPr algn="ctr"/>
             <a:r>
-              <a:rPr lang="en-US" sz="4800" dirty="0">
-                <a:latin typeface="Bahnschrift Light" panose="020B0502040204020203" pitchFamily="34" charset="0"/>
-              </a:rPr>
-              <a:t>Random Forest Regressor (RFR)</a:t>
-            </a:r>
-          </a:p>
-        </p:txBody>
-      </p:sp>
-      <p:sp>
-        <p:nvSpPr>
-          <p:cNvPr id="3" name="TextBox 2"/>
+              <a:rPr lang="en-US" sz="4800" dirty="0" smtClean="0">
+                <a:latin typeface="Bahnschrift Light" panose="020B0502040204020203" pitchFamily="34" charset="0"/>
+              </a:rPr>
+              <a:t>Visualization </a:t>
+            </a:r>
+            <a:r>
+              <a:rPr lang="en-US" sz="2800" dirty="0" smtClean="0">
+                <a:latin typeface="Bahnschrift Light" panose="020B0502040204020203" pitchFamily="34" charset="0"/>
+              </a:rPr>
+              <a:t>{</a:t>
+            </a:r>
+            <a:r>
+              <a:rPr lang="en-US" sz="2800" dirty="0">
+                <a:latin typeface="Bahnschrift Light" panose="020B0502040204020203" pitchFamily="34" charset="0"/>
+              </a:rPr>
+              <a:t>Data from </a:t>
+            </a:r>
+            <a:r>
+              <a:rPr lang="en-US" sz="2800" dirty="0" smtClean="0">
+                <a:latin typeface="Bahnschrift Light" panose="020B0502040204020203" pitchFamily="34" charset="0"/>
+              </a:rPr>
+              <a:t>TDS}</a:t>
+            </a:r>
+            <a:endParaRPr lang="en-US" sz="2800" dirty="0">
+              <a:latin typeface="Bahnschrift Light" panose="020B0502040204020203" pitchFamily="34" charset="0"/>
+            </a:endParaRPr>
+          </a:p>
+        </p:txBody>
+      </p:sp>
+      <p:sp>
+        <p:nvSpPr>
+          <p:cNvPr id="6" name="TextBox 5"/>
           <p:cNvSpPr txBox="1"/>
           <p:nvPr/>
         </p:nvSpPr>
         <p:spPr>
           <a:xfrm>
-            <a:off x="622852" y="1320800"/>
-            <a:ext cx="10718248" cy="5016758"/>
+            <a:off x="139700" y="647700"/>
+            <a:ext cx="11862759" cy="523220"/>
           </a:xfrm>
           <a:prstGeom prst="rect">
             <a:avLst/>
@@ -6035,42 +6456,68 @@
           </a:bodyPr>
           <a:lstStyle/>
           <a:p>
-            <a:pPr algn="just"/>
-            <a:r>
-              <a:rPr lang="en-US" sz="3200" dirty="0"/>
-              <a:t>Random Forest Regressor (RFR) is a supervised learning algorithm belonging to the ensemble learning family, specifically the random forest method, used for regression tasks. It's an extension of the Random Forest algorithm for classification</a:t>
-            </a:r>
-            <a:r>
-              <a:rPr lang="en-US" sz="3200" dirty="0" smtClean="0"/>
-              <a:t>.</a:t>
-            </a:r>
-          </a:p>
-          <a:p>
-            <a:pPr algn="just"/>
-            <a:r>
-              <a:rPr lang="en-US" sz="3200" dirty="0"/>
-              <a:t>Random Forest Regressor is known for its robustness, scalability, and ability to handle </a:t>
-            </a:r>
-            <a:r>
-              <a:rPr lang="en-US" sz="3200" b="1" i="1" dirty="0"/>
-              <a:t>high-dimensional data with a large number of features</a:t>
-            </a:r>
-            <a:r>
-              <a:rPr lang="en-US" sz="3200" dirty="0"/>
-              <a:t>. It often performs well across a wide range of regression problems and is less prone to overfitting compared to individual decision trees</a:t>
-            </a:r>
-            <a:r>
-              <a:rPr lang="en-US" sz="3200" dirty="0" smtClean="0"/>
-              <a:t>.</a:t>
-            </a:r>
-            <a:endParaRPr lang="en-US" dirty="0"/>
-          </a:p>
-        </p:txBody>
-      </p:sp>
+            <a:pPr algn="ctr"/>
+            <a:r>
+              <a:rPr lang="en-US" sz="2800" dirty="0" smtClean="0">
+                <a:latin typeface="Bahnschrift Light" panose="020B0502040204020203" pitchFamily="34" charset="0"/>
+              </a:rPr>
+              <a:t>90% Train – 10% Test </a:t>
+            </a:r>
+            <a:r>
+              <a:rPr lang="en-US" sz="2800" dirty="0" smtClean="0">
+                <a:latin typeface="Bahnschrift Light" panose="020B0502040204020203" pitchFamily="34" charset="0"/>
+              </a:rPr>
+              <a:t>Splitting, </a:t>
+            </a:r>
+            <a:r>
+              <a:rPr lang="en-US" sz="2800" b="1" dirty="0" smtClean="0">
+                <a:solidFill>
+                  <a:srgbClr val="0070C0"/>
+                </a:solidFill>
+                <a:latin typeface="Bahnschrift Light" panose="020B0502040204020203" pitchFamily="34" charset="0"/>
+              </a:rPr>
+              <a:t>with</a:t>
+            </a:r>
+            <a:r>
+              <a:rPr lang="en-US" sz="2800" dirty="0" smtClean="0">
+                <a:latin typeface="Bahnschrift Light" panose="020B0502040204020203" pitchFamily="34" charset="0"/>
+              </a:rPr>
+              <a:t> FRED’s Macroeconomics data</a:t>
+            </a:r>
+            <a:endParaRPr lang="en-US" sz="2800" dirty="0">
+              <a:latin typeface="Bahnschrift Light" panose="020B0502040204020203" pitchFamily="34" charset="0"/>
+            </a:endParaRPr>
+          </a:p>
+        </p:txBody>
+      </p:sp>
+      <p:pic>
+        <p:nvPicPr>
+          <p:cNvPr id="8" name="Picture 7"/>
+          <p:cNvPicPr>
+            <a:picLocks noChangeAspect="1"/>
+          </p:cNvPicPr>
+          <p:nvPr/>
+        </p:nvPicPr>
+        <p:blipFill>
+          <a:blip r:embed="rId2"/>
+          <a:stretch>
+            <a:fillRect/>
+          </a:stretch>
+        </p:blipFill>
+        <p:spPr>
+          <a:xfrm>
+            <a:off x="139697" y="1259820"/>
+            <a:ext cx="11742389" cy="5458480"/>
+          </a:xfrm>
+          <a:prstGeom prst="rect">
+            <a:avLst/>
+          </a:prstGeom>
+        </p:spPr>
+      </p:pic>
     </p:spTree>
     <p:extLst>
       <p:ext uri="{BB962C8B-B14F-4D97-AF65-F5344CB8AC3E}">
-        <p14:creationId xmlns:p14="http://schemas.microsoft.com/office/powerpoint/2010/main" val="4247388192"/>
+        <p14:creationId xmlns:p14="http://schemas.microsoft.com/office/powerpoint/2010/main" val="3217896953"/>
       </p:ext>
     </p:extLst>
   </p:cSld>
@@ -6112,8 +6559,8 @@
         </p:nvSpPr>
         <p:spPr>
           <a:xfrm>
-            <a:off x="1308100" y="88900"/>
-            <a:ext cx="9271000" cy="707886"/>
+            <a:off x="139700" y="-92765"/>
+            <a:ext cx="11862759" cy="830997"/>
           </a:xfrm>
           <a:prstGeom prst="rect">
             <a:avLst/>
@@ -6128,12 +6575,24 @@
           <a:p>
             <a:pPr algn="ctr"/>
             <a:r>
-              <a:rPr lang="en-US" sz="4000" dirty="0" smtClean="0">
-                <a:latin typeface="Bahnschrift Light" panose="020B0502040204020203" pitchFamily="34" charset="0"/>
-              </a:rPr>
-              <a:t>Future Plans</a:t>
-            </a:r>
-            <a:endParaRPr lang="en-US" sz="4400" dirty="0">
+              <a:rPr lang="en-US" sz="4800" dirty="0">
+                <a:latin typeface="Bahnschrift Light" panose="020B0502040204020203" pitchFamily="34" charset="0"/>
+              </a:rPr>
+              <a:t>Visualization </a:t>
+            </a:r>
+            <a:r>
+              <a:rPr lang="en-US" sz="2800" dirty="0" smtClean="0">
+                <a:latin typeface="Bahnschrift Light" panose="020B0502040204020203" pitchFamily="34" charset="0"/>
+              </a:rPr>
+              <a:t>{</a:t>
+            </a:r>
+            <a:r>
+              <a:rPr lang="en-US" sz="2800" dirty="0">
+                <a:latin typeface="Bahnschrift Light" panose="020B0502040204020203" pitchFamily="34" charset="0"/>
+              </a:rPr>
+              <a:t>Data from Investing.Com}</a:t>
+            </a:r>
+            <a:endParaRPr lang="en-US" sz="2800" dirty="0">
               <a:latin typeface="Bahnschrift Light" panose="020B0502040204020203" pitchFamily="34" charset="0"/>
             </a:endParaRPr>
           </a:p>
@@ -6141,14 +6600,14 @@
       </p:sp>
       <p:sp>
         <p:nvSpPr>
-          <p:cNvPr id="3" name="TextBox 2"/>
+          <p:cNvPr id="5" name="TextBox 4"/>
           <p:cNvSpPr txBox="1"/>
           <p:nvPr/>
         </p:nvSpPr>
         <p:spPr>
           <a:xfrm>
-            <a:off x="825500" y="927100"/>
-            <a:ext cx="10210800" cy="5016758"/>
+            <a:off x="139700" y="647700"/>
+            <a:ext cx="11862759" cy="523220"/>
           </a:xfrm>
           <a:prstGeom prst="rect">
             <a:avLst/>
@@ -6161,72 +6620,68 @@
           </a:bodyPr>
           <a:lstStyle/>
           <a:p>
-            <a:r>
-              <a:rPr lang="en-US" sz="3200" dirty="0" smtClean="0"/>
-              <a:t>I will also explore alternative source where I can access the Macroeconomics indices maintained at more frequent basis; possibly weekly, or even daily levels.</a:t>
-            </a:r>
-          </a:p>
-          <a:p>
-            <a:endParaRPr lang="en-US" sz="3200" dirty="0"/>
-          </a:p>
-          <a:p>
-            <a:r>
-              <a:rPr lang="en-US" sz="3200" dirty="0"/>
-              <a:t>I plan to improve on my model by adding more </a:t>
-            </a:r>
-            <a:r>
-              <a:rPr lang="en-US" sz="3200" dirty="0" smtClean="0"/>
-              <a:t>Technical </a:t>
-            </a:r>
-            <a:r>
-              <a:rPr lang="en-US" sz="3200" dirty="0"/>
-              <a:t>features.</a:t>
-            </a:r>
-          </a:p>
-          <a:p>
-            <a:endParaRPr lang="en-US" sz="3200" dirty="0" smtClean="0"/>
-          </a:p>
-          <a:p>
-            <a:r>
-              <a:rPr lang="en-US" sz="3200" dirty="0" smtClean="0"/>
-              <a:t>I will explore a way of automatically accessing the </a:t>
-            </a:r>
-            <a:r>
-              <a:rPr lang="en-US" sz="3200" dirty="0"/>
-              <a:t>Statistical </a:t>
-            </a:r>
-            <a:r>
-              <a:rPr lang="en-US" sz="3200" dirty="0" smtClean="0"/>
-              <a:t>data from a </a:t>
-            </a:r>
-            <a:r>
-              <a:rPr lang="en-US" sz="3200" dirty="0" smtClean="0"/>
-              <a:t>sources </a:t>
-            </a:r>
-            <a:r>
-              <a:rPr lang="en-US" sz="3200" dirty="0" smtClean="0"/>
-              <a:t>like </a:t>
-            </a:r>
-            <a:r>
-              <a:rPr lang="en-US" sz="3200" dirty="0" err="1" smtClean="0"/>
-              <a:t>Investing.Com</a:t>
-            </a:r>
-            <a:r>
-              <a:rPr lang="en-US" sz="3200" dirty="0" smtClean="0"/>
-              <a:t> or Tick </a:t>
-            </a:r>
-            <a:r>
-              <a:rPr lang="en-US" sz="3200" dirty="0" smtClean="0"/>
-              <a:t>Data Suite(TDS) whose data is as close as the live data.</a:t>
-            </a:r>
-            <a:endParaRPr lang="en-US" sz="3200" dirty="0"/>
-          </a:p>
-        </p:txBody>
-      </p:sp>
+            <a:pPr algn="ctr"/>
+            <a:r>
+              <a:rPr lang="en-US" sz="2800" dirty="0" smtClean="0">
+                <a:latin typeface="Bahnschrift Light" panose="020B0502040204020203" pitchFamily="34" charset="0"/>
+              </a:rPr>
+              <a:t>90% Train – 10% Test </a:t>
+            </a:r>
+            <a:r>
+              <a:rPr lang="en-US" sz="2800" dirty="0" smtClean="0">
+                <a:latin typeface="Bahnschrift Light" panose="020B0502040204020203" pitchFamily="34" charset="0"/>
+              </a:rPr>
+              <a:t>Splitting, </a:t>
+            </a:r>
+            <a:r>
+              <a:rPr lang="en-US" sz="2800" b="1" dirty="0" smtClean="0">
+                <a:solidFill>
+                  <a:srgbClr val="0070C0"/>
+                </a:solidFill>
+                <a:latin typeface="Bahnschrift Light" panose="020B0502040204020203" pitchFamily="34" charset="0"/>
+              </a:rPr>
+              <a:t>with</a:t>
+            </a:r>
+            <a:r>
+              <a:rPr lang="en-US" sz="2800" dirty="0" smtClean="0">
+                <a:latin typeface="Bahnschrift Light" panose="020B0502040204020203" pitchFamily="34" charset="0"/>
+              </a:rPr>
+              <a:t> FRED’s Macroeconomics data</a:t>
+            </a:r>
+            <a:endParaRPr lang="en-US" sz="2800" dirty="0">
+              <a:latin typeface="Bahnschrift Light" panose="020B0502040204020203" pitchFamily="34" charset="0"/>
+            </a:endParaRPr>
+          </a:p>
+        </p:txBody>
+      </p:sp>
+      <p:pic>
+        <p:nvPicPr>
+          <p:cNvPr id="8" name="Picture 7"/>
+          <p:cNvPicPr>
+            <a:picLocks noChangeAspect="1"/>
+          </p:cNvPicPr>
+          <p:nvPr/>
+        </p:nvPicPr>
+        <p:blipFill>
+          <a:blip r:embed="rId2"/>
+          <a:stretch>
+            <a:fillRect/>
+          </a:stretch>
+        </p:blipFill>
+        <p:spPr>
+          <a:xfrm>
+            <a:off x="73024" y="1170920"/>
+            <a:ext cx="12059534" cy="5560080"/>
+          </a:xfrm>
+          <a:prstGeom prst="rect">
+            <a:avLst/>
+          </a:prstGeom>
+        </p:spPr>
+      </p:pic>
     </p:spTree>
     <p:extLst>
       <p:ext uri="{BB962C8B-B14F-4D97-AF65-F5344CB8AC3E}">
-        <p14:creationId xmlns:p14="http://schemas.microsoft.com/office/powerpoint/2010/main" val="685488599"/>
+        <p14:creationId xmlns:p14="http://schemas.microsoft.com/office/powerpoint/2010/main" val="917617399"/>
       </p:ext>
     </p:extLst>
   </p:cSld>
@@ -6268,8 +6723,8 @@
         </p:nvSpPr>
         <p:spPr>
           <a:xfrm>
-            <a:off x="1143552" y="3120335"/>
-            <a:ext cx="8680174" cy="830997"/>
+            <a:off x="139700" y="-92765"/>
+            <a:ext cx="11862759" cy="830997"/>
           </a:xfrm>
           <a:prstGeom prst="rect">
             <a:avLst/>
@@ -6284,34 +6739,1757 @@
           <a:p>
             <a:pPr algn="ctr"/>
             <a:r>
-              <a:rPr lang="en-US" sz="4800" dirty="0" smtClean="0">
-                <a:latin typeface="Bahnschrift Light" panose="020B0502040204020203" pitchFamily="34" charset="0"/>
-              </a:rPr>
-              <a:t>Thank you</a:t>
-            </a:r>
-            <a:endParaRPr lang="en-US" sz="4800" dirty="0">
+              <a:rPr lang="en-US" sz="4800" dirty="0">
+                <a:latin typeface="Bahnschrift Light" panose="020B0502040204020203" pitchFamily="34" charset="0"/>
+              </a:rPr>
+              <a:t>Visualization </a:t>
+            </a:r>
+            <a:r>
+              <a:rPr lang="en-US" sz="2800" dirty="0" smtClean="0">
+                <a:latin typeface="Bahnschrift Light" panose="020B0502040204020203" pitchFamily="34" charset="0"/>
+              </a:rPr>
+              <a:t>{</a:t>
+            </a:r>
+            <a:r>
+              <a:rPr lang="en-US" sz="2800" dirty="0">
+                <a:latin typeface="Bahnschrift Light" panose="020B0502040204020203" pitchFamily="34" charset="0"/>
+              </a:rPr>
+              <a:t>Data from Investing.Com}</a:t>
+            </a:r>
+            <a:endParaRPr lang="en-US" sz="2800" dirty="0">
               <a:latin typeface="Bahnschrift Light" panose="020B0502040204020203" pitchFamily="34" charset="0"/>
             </a:endParaRPr>
           </a:p>
         </p:txBody>
       </p:sp>
+      <p:sp>
+        <p:nvSpPr>
+          <p:cNvPr id="3" name="TextBox 2"/>
+          <p:cNvSpPr txBox="1"/>
+          <p:nvPr/>
+        </p:nvSpPr>
+        <p:spPr>
+          <a:xfrm>
+            <a:off x="139700" y="647700"/>
+            <a:ext cx="11862759" cy="523220"/>
+          </a:xfrm>
+          <a:prstGeom prst="rect">
+            <a:avLst/>
+          </a:prstGeom>
+          <a:noFill/>
+        </p:spPr>
+        <p:txBody>
+          <a:bodyPr wrap="square" rtlCol="0">
+            <a:spAutoFit/>
+          </a:bodyPr>
+          <a:lstStyle/>
+          <a:p>
+            <a:pPr algn="ctr"/>
+            <a:r>
+              <a:rPr lang="en-US" sz="2800" dirty="0" smtClean="0">
+                <a:latin typeface="Bahnschrift Light" panose="020B0502040204020203" pitchFamily="34" charset="0"/>
+              </a:rPr>
+              <a:t>90% Train – 10% Test </a:t>
+            </a:r>
+            <a:r>
+              <a:rPr lang="en-US" sz="2800" dirty="0" smtClean="0">
+                <a:latin typeface="Bahnschrift Light" panose="020B0502040204020203" pitchFamily="34" charset="0"/>
+              </a:rPr>
+              <a:t>Splitting, </a:t>
+            </a:r>
+            <a:r>
+              <a:rPr lang="en-US" sz="2800" b="1" dirty="0" smtClean="0">
+                <a:solidFill>
+                  <a:srgbClr val="0070C0"/>
+                </a:solidFill>
+                <a:latin typeface="Bahnschrift Light" panose="020B0502040204020203" pitchFamily="34" charset="0"/>
+              </a:rPr>
+              <a:t>without</a:t>
+            </a:r>
+            <a:r>
+              <a:rPr lang="en-US" sz="2800" dirty="0" smtClean="0">
+                <a:latin typeface="Bahnschrift Light" panose="020B0502040204020203" pitchFamily="34" charset="0"/>
+              </a:rPr>
+              <a:t> FRED’s Macroeconomics data</a:t>
+            </a:r>
+            <a:endParaRPr lang="en-US" sz="2800" dirty="0">
+              <a:latin typeface="Bahnschrift Light" panose="020B0502040204020203" pitchFamily="34" charset="0"/>
+            </a:endParaRPr>
+          </a:p>
+        </p:txBody>
+      </p:sp>
+      <p:pic>
+        <p:nvPicPr>
+          <p:cNvPr id="5" name="Picture 4"/>
+          <p:cNvPicPr>
+            <a:picLocks noChangeAspect="1"/>
+          </p:cNvPicPr>
+          <p:nvPr/>
+        </p:nvPicPr>
+        <p:blipFill>
+          <a:blip r:embed="rId2"/>
+          <a:stretch>
+            <a:fillRect/>
+          </a:stretch>
+        </p:blipFill>
+        <p:spPr>
+          <a:xfrm>
+            <a:off x="139700" y="1297920"/>
+            <a:ext cx="11918482" cy="5521980"/>
+          </a:xfrm>
+          <a:prstGeom prst="rect">
+            <a:avLst/>
+          </a:prstGeom>
+        </p:spPr>
+      </p:pic>
     </p:spTree>
     <p:extLst>
       <p:ext uri="{BB962C8B-B14F-4D97-AF65-F5344CB8AC3E}">
-        <p14:creationId xmlns:p14="http://schemas.microsoft.com/office/powerpoint/2010/main" val="372485860"/>
+        <p14:creationId xmlns:p14="http://schemas.microsoft.com/office/powerpoint/2010/main" val="531972562"/>
       </p:ext>
     </p:extLst>
   </p:cSld>
   <p:clrMapOvr>
     <a:masterClrMapping/>
   </p:clrMapOvr>
-  <p:timing>
-    <p:tnLst>
-      <p:par>
-        <p:cTn id="1" dur="indefinite" restart="never" nodeType="tmRoot"/>
-      </p:par>
-    </p:tnLst>
-  </p:timing>
+</p:sld>
+</file>
+
+<file path=ppt/slides/slide23.xml><?xml version="1.0" encoding="utf-8"?>
+<p:sld xmlns:a="http://schemas.openxmlformats.org/drawingml/2006/main" xmlns:r="http://schemas.openxmlformats.org/officeDocument/2006/relationships" xmlns:p="http://schemas.openxmlformats.org/presentationml/2006/main">
+  <p:cSld>
+    <p:spTree>
+      <p:nvGrpSpPr>
+        <p:cNvPr id="1" name=""/>
+        <p:cNvGrpSpPr/>
+        <p:nvPr/>
+      </p:nvGrpSpPr>
+      <p:grpSpPr>
+        <a:xfrm>
+          <a:off x="0" y="0"/>
+          <a:ext cx="0" cy="0"/>
+          <a:chOff x="0" y="0"/>
+          <a:chExt cx="0" cy="0"/>
+        </a:xfrm>
+      </p:grpSpPr>
+      <p:grpSp>
+        <p:nvGrpSpPr>
+          <p:cNvPr id="27" name="Group 26"/>
+          <p:cNvGrpSpPr/>
+          <p:nvPr/>
+        </p:nvGrpSpPr>
+        <p:grpSpPr>
+          <a:xfrm>
+            <a:off x="1460500" y="990600"/>
+            <a:ext cx="9118600" cy="5700415"/>
+            <a:chOff x="800100" y="990600"/>
+            <a:chExt cx="9118600" cy="5700415"/>
+          </a:xfrm>
+        </p:grpSpPr>
+        <p:sp>
+          <p:nvSpPr>
+            <p:cNvPr id="28" name="TextBox 27"/>
+            <p:cNvSpPr txBox="1"/>
+            <p:nvPr/>
+          </p:nvSpPr>
+          <p:spPr>
+            <a:xfrm>
+              <a:off x="2222500" y="990600"/>
+              <a:ext cx="1181100" cy="584775"/>
+            </a:xfrm>
+            <a:prstGeom prst="rect">
+              <a:avLst/>
+            </a:prstGeom>
+            <a:noFill/>
+          </p:spPr>
+          <p:txBody>
+            <a:bodyPr wrap="square" rtlCol="0">
+              <a:spAutoFit/>
+            </a:bodyPr>
+            <a:lstStyle/>
+            <a:p>
+              <a:pPr algn="ctr"/>
+              <a:r>
+                <a:rPr lang="en-US" sz="3200" dirty="0" smtClean="0"/>
+                <a:t>Dates</a:t>
+              </a:r>
+              <a:endParaRPr lang="en-US" sz="3200" dirty="0"/>
+            </a:p>
+          </p:txBody>
+        </p:sp>
+        <p:sp>
+          <p:nvSpPr>
+            <p:cNvPr id="29" name="TextBox 28"/>
+            <p:cNvSpPr txBox="1"/>
+            <p:nvPr/>
+          </p:nvSpPr>
+          <p:spPr>
+            <a:xfrm>
+              <a:off x="6756400" y="990600"/>
+              <a:ext cx="2501900" cy="584775"/>
+            </a:xfrm>
+            <a:prstGeom prst="rect">
+              <a:avLst/>
+            </a:prstGeom>
+            <a:noFill/>
+          </p:spPr>
+          <p:txBody>
+            <a:bodyPr wrap="square" rtlCol="0">
+              <a:spAutoFit/>
+            </a:bodyPr>
+            <a:lstStyle/>
+            <a:p>
+              <a:pPr algn="ctr"/>
+              <a:r>
+                <a:rPr lang="en-US" sz="3200" dirty="0" smtClean="0"/>
+                <a:t>Index Values</a:t>
+              </a:r>
+              <a:endParaRPr lang="en-US" sz="3200" dirty="0"/>
+            </a:p>
+          </p:txBody>
+        </p:sp>
+        <p:grpSp>
+          <p:nvGrpSpPr>
+            <p:cNvPr id="30" name="Group 29"/>
+            <p:cNvGrpSpPr/>
+            <p:nvPr/>
+          </p:nvGrpSpPr>
+          <p:grpSpPr>
+            <a:xfrm>
+              <a:off x="1409700" y="1612900"/>
+              <a:ext cx="2565400" cy="646331"/>
+              <a:chOff x="1409700" y="1790700"/>
+              <a:chExt cx="2565400" cy="646331"/>
+            </a:xfrm>
+          </p:grpSpPr>
+          <p:sp>
+            <p:nvSpPr>
+              <p:cNvPr id="52" name="Rectangle 51"/>
+              <p:cNvSpPr/>
+              <p:nvPr/>
+            </p:nvSpPr>
+            <p:spPr>
+              <a:xfrm>
+                <a:off x="1409700" y="1790700"/>
+                <a:ext cx="2565400" cy="622300"/>
+              </a:xfrm>
+              <a:prstGeom prst="rect">
+                <a:avLst/>
+              </a:prstGeom>
+            </p:spPr>
+            <p:style>
+              <a:lnRef idx="2">
+                <a:schemeClr val="accent1">
+                  <a:shade val="50000"/>
+                </a:schemeClr>
+              </a:lnRef>
+              <a:fillRef idx="1">
+                <a:schemeClr val="accent1"/>
+              </a:fillRef>
+              <a:effectRef idx="0">
+                <a:schemeClr val="accent1"/>
+              </a:effectRef>
+              <a:fontRef idx="minor">
+                <a:schemeClr val="lt1"/>
+              </a:fontRef>
+            </p:style>
+            <p:txBody>
+              <a:bodyPr rtlCol="0" anchor="ctr"/>
+              <a:lstStyle/>
+              <a:p>
+                <a:pPr algn="ctr"/>
+                <a:endParaRPr lang="en-US"/>
+              </a:p>
+            </p:txBody>
+          </p:sp>
+          <p:sp>
+            <p:nvSpPr>
+              <p:cNvPr id="53" name="TextBox 52"/>
+              <p:cNvSpPr txBox="1"/>
+              <p:nvPr/>
+            </p:nvSpPr>
+            <p:spPr>
+              <a:xfrm>
+                <a:off x="1409700" y="1790700"/>
+                <a:ext cx="2565400" cy="646331"/>
+              </a:xfrm>
+              <a:prstGeom prst="rect">
+                <a:avLst/>
+              </a:prstGeom>
+              <a:noFill/>
+            </p:spPr>
+            <p:txBody>
+              <a:bodyPr wrap="square" rtlCol="0">
+                <a:spAutoFit/>
+              </a:bodyPr>
+              <a:lstStyle/>
+              <a:p>
+                <a:pPr algn="ctr"/>
+                <a:r>
+                  <a:rPr lang="en-US" sz="3600" dirty="0" smtClean="0"/>
+                  <a:t>01.11.2024</a:t>
+                </a:r>
+                <a:endParaRPr lang="en-US" sz="3600" dirty="0"/>
+              </a:p>
+            </p:txBody>
+          </p:sp>
+        </p:grpSp>
+        <p:grpSp>
+          <p:nvGrpSpPr>
+            <p:cNvPr id="31" name="Group 30"/>
+            <p:cNvGrpSpPr/>
+            <p:nvPr/>
+          </p:nvGrpSpPr>
+          <p:grpSpPr>
+            <a:xfrm>
+              <a:off x="1409700" y="5156200"/>
+              <a:ext cx="2565400" cy="646331"/>
+              <a:chOff x="1409700" y="1790700"/>
+              <a:chExt cx="2565400" cy="646331"/>
+            </a:xfrm>
+          </p:grpSpPr>
+          <p:sp>
+            <p:nvSpPr>
+              <p:cNvPr id="50" name="Rectangle 49"/>
+              <p:cNvSpPr/>
+              <p:nvPr/>
+            </p:nvSpPr>
+            <p:spPr>
+              <a:xfrm>
+                <a:off x="1409700" y="1790700"/>
+                <a:ext cx="2565400" cy="622300"/>
+              </a:xfrm>
+              <a:prstGeom prst="rect">
+                <a:avLst/>
+              </a:prstGeom>
+            </p:spPr>
+            <p:style>
+              <a:lnRef idx="2">
+                <a:schemeClr val="accent1">
+                  <a:shade val="50000"/>
+                </a:schemeClr>
+              </a:lnRef>
+              <a:fillRef idx="1">
+                <a:schemeClr val="accent1"/>
+              </a:fillRef>
+              <a:effectRef idx="0">
+                <a:schemeClr val="accent1"/>
+              </a:effectRef>
+              <a:fontRef idx="minor">
+                <a:schemeClr val="lt1"/>
+              </a:fontRef>
+            </p:style>
+            <p:txBody>
+              <a:bodyPr rtlCol="0" anchor="ctr"/>
+              <a:lstStyle/>
+              <a:p>
+                <a:pPr algn="ctr"/>
+                <a:endParaRPr lang="en-US"/>
+              </a:p>
+            </p:txBody>
+          </p:sp>
+          <p:sp>
+            <p:nvSpPr>
+              <p:cNvPr id="51" name="TextBox 50"/>
+              <p:cNvSpPr txBox="1"/>
+              <p:nvPr/>
+            </p:nvSpPr>
+            <p:spPr>
+              <a:xfrm>
+                <a:off x="1409700" y="1790700"/>
+                <a:ext cx="2565400" cy="646331"/>
+              </a:xfrm>
+              <a:prstGeom prst="rect">
+                <a:avLst/>
+              </a:prstGeom>
+              <a:noFill/>
+            </p:spPr>
+            <p:txBody>
+              <a:bodyPr wrap="square" rtlCol="0">
+                <a:spAutoFit/>
+              </a:bodyPr>
+              <a:lstStyle/>
+              <a:p>
+                <a:pPr algn="ctr"/>
+                <a:r>
+                  <a:rPr lang="en-US" sz="3600" dirty="0" smtClean="0"/>
+                  <a:t>01.10.2024</a:t>
+                </a:r>
+                <a:endParaRPr lang="en-US" sz="3600" dirty="0"/>
+              </a:p>
+            </p:txBody>
+          </p:sp>
+        </p:grpSp>
+        <p:grpSp>
+          <p:nvGrpSpPr>
+            <p:cNvPr id="32" name="Group 31"/>
+            <p:cNvGrpSpPr/>
+            <p:nvPr/>
+          </p:nvGrpSpPr>
+          <p:grpSpPr>
+            <a:xfrm>
+              <a:off x="6781800" y="1612900"/>
+              <a:ext cx="2565400" cy="646331"/>
+              <a:chOff x="1409700" y="1790700"/>
+              <a:chExt cx="2565400" cy="646331"/>
+            </a:xfrm>
+          </p:grpSpPr>
+          <p:sp>
+            <p:nvSpPr>
+              <p:cNvPr id="48" name="Rectangle 47"/>
+              <p:cNvSpPr/>
+              <p:nvPr/>
+            </p:nvSpPr>
+            <p:spPr>
+              <a:xfrm>
+                <a:off x="1409700" y="1790700"/>
+                <a:ext cx="2565400" cy="622300"/>
+              </a:xfrm>
+              <a:prstGeom prst="rect">
+                <a:avLst/>
+              </a:prstGeom>
+            </p:spPr>
+            <p:style>
+              <a:lnRef idx="2">
+                <a:schemeClr val="accent1">
+                  <a:shade val="50000"/>
+                </a:schemeClr>
+              </a:lnRef>
+              <a:fillRef idx="1">
+                <a:schemeClr val="accent1"/>
+              </a:fillRef>
+              <a:effectRef idx="0">
+                <a:schemeClr val="accent1"/>
+              </a:effectRef>
+              <a:fontRef idx="minor">
+                <a:schemeClr val="lt1"/>
+              </a:fontRef>
+            </p:style>
+            <p:txBody>
+              <a:bodyPr rtlCol="0" anchor="ctr"/>
+              <a:lstStyle/>
+              <a:p>
+                <a:pPr algn="ctr"/>
+                <a:endParaRPr lang="en-US"/>
+              </a:p>
+            </p:txBody>
+          </p:sp>
+          <p:sp>
+            <p:nvSpPr>
+              <p:cNvPr id="49" name="TextBox 48"/>
+              <p:cNvSpPr txBox="1"/>
+              <p:nvPr/>
+            </p:nvSpPr>
+            <p:spPr>
+              <a:xfrm>
+                <a:off x="1409700" y="1790700"/>
+                <a:ext cx="2565400" cy="646331"/>
+              </a:xfrm>
+              <a:prstGeom prst="rect">
+                <a:avLst/>
+              </a:prstGeom>
+              <a:noFill/>
+            </p:spPr>
+            <p:txBody>
+              <a:bodyPr wrap="square" rtlCol="0">
+                <a:spAutoFit/>
+              </a:bodyPr>
+              <a:lstStyle/>
+              <a:p>
+                <a:pPr algn="ctr"/>
+                <a:r>
+                  <a:rPr lang="en-US" sz="3600" dirty="0" smtClean="0"/>
+                  <a:t>134.26</a:t>
+                </a:r>
+                <a:endParaRPr lang="en-US" sz="3600" dirty="0"/>
+              </a:p>
+            </p:txBody>
+          </p:sp>
+        </p:grpSp>
+        <p:grpSp>
+          <p:nvGrpSpPr>
+            <p:cNvPr id="33" name="Group 32"/>
+            <p:cNvGrpSpPr/>
+            <p:nvPr/>
+          </p:nvGrpSpPr>
+          <p:grpSpPr>
+            <a:xfrm>
+              <a:off x="6781800" y="5156200"/>
+              <a:ext cx="2565400" cy="646331"/>
+              <a:chOff x="1409700" y="1790700"/>
+              <a:chExt cx="2565400" cy="646331"/>
+            </a:xfrm>
+          </p:grpSpPr>
+          <p:sp>
+            <p:nvSpPr>
+              <p:cNvPr id="46" name="Rectangle 45"/>
+              <p:cNvSpPr/>
+              <p:nvPr/>
+            </p:nvSpPr>
+            <p:spPr>
+              <a:xfrm>
+                <a:off x="1409700" y="1790700"/>
+                <a:ext cx="2565400" cy="622300"/>
+              </a:xfrm>
+              <a:prstGeom prst="rect">
+                <a:avLst/>
+              </a:prstGeom>
+            </p:spPr>
+            <p:style>
+              <a:lnRef idx="2">
+                <a:schemeClr val="accent1">
+                  <a:shade val="50000"/>
+                </a:schemeClr>
+              </a:lnRef>
+              <a:fillRef idx="1">
+                <a:schemeClr val="accent1"/>
+              </a:fillRef>
+              <a:effectRef idx="0">
+                <a:schemeClr val="accent1"/>
+              </a:effectRef>
+              <a:fontRef idx="minor">
+                <a:schemeClr val="lt1"/>
+              </a:fontRef>
+            </p:style>
+            <p:txBody>
+              <a:bodyPr rtlCol="0" anchor="ctr"/>
+              <a:lstStyle/>
+              <a:p>
+                <a:pPr algn="ctr"/>
+                <a:endParaRPr lang="en-US"/>
+              </a:p>
+            </p:txBody>
+          </p:sp>
+          <p:sp>
+            <p:nvSpPr>
+              <p:cNvPr id="47" name="TextBox 46"/>
+              <p:cNvSpPr txBox="1"/>
+              <p:nvPr/>
+            </p:nvSpPr>
+            <p:spPr>
+              <a:xfrm>
+                <a:off x="1409700" y="1790700"/>
+                <a:ext cx="2565400" cy="646331"/>
+              </a:xfrm>
+              <a:prstGeom prst="rect">
+                <a:avLst/>
+              </a:prstGeom>
+              <a:noFill/>
+            </p:spPr>
+            <p:txBody>
+              <a:bodyPr wrap="square" rtlCol="0">
+                <a:spAutoFit/>
+              </a:bodyPr>
+              <a:lstStyle/>
+              <a:p>
+                <a:pPr algn="ctr"/>
+                <a:r>
+                  <a:rPr lang="en-US" sz="3600" dirty="0" smtClean="0"/>
+                  <a:t>124.0</a:t>
+                </a:r>
+                <a:endParaRPr lang="en-US" sz="3600" dirty="0"/>
+              </a:p>
+            </p:txBody>
+          </p:sp>
+        </p:grpSp>
+        <p:cxnSp>
+          <p:nvCxnSpPr>
+            <p:cNvPr id="34" name="Straight Arrow Connector 33"/>
+            <p:cNvCxnSpPr/>
+            <p:nvPr/>
+          </p:nvCxnSpPr>
+          <p:spPr>
+            <a:xfrm>
+              <a:off x="2654300" y="4038600"/>
+              <a:ext cx="12700" cy="1003300"/>
+            </a:xfrm>
+            <a:prstGeom prst="straightConnector1">
+              <a:avLst/>
+            </a:prstGeom>
+            <a:ln>
+              <a:tailEnd type="triangle"/>
+            </a:ln>
+          </p:spPr>
+          <p:style>
+            <a:lnRef idx="1">
+              <a:schemeClr val="accent1"/>
+            </a:lnRef>
+            <a:fillRef idx="0">
+              <a:schemeClr val="accent1"/>
+            </a:fillRef>
+            <a:effectRef idx="0">
+              <a:schemeClr val="accent1"/>
+            </a:effectRef>
+            <a:fontRef idx="minor">
+              <a:schemeClr val="tx1"/>
+            </a:fontRef>
+          </p:style>
+        </p:cxnSp>
+        <p:cxnSp>
+          <p:nvCxnSpPr>
+            <p:cNvPr id="35" name="Straight Arrow Connector 34"/>
+            <p:cNvCxnSpPr/>
+            <p:nvPr/>
+          </p:nvCxnSpPr>
+          <p:spPr>
+            <a:xfrm flipV="1">
+              <a:off x="2667000" y="2362200"/>
+              <a:ext cx="12700" cy="787400"/>
+            </a:xfrm>
+            <a:prstGeom prst="straightConnector1">
+              <a:avLst/>
+            </a:prstGeom>
+            <a:ln>
+              <a:tailEnd type="triangle"/>
+            </a:ln>
+          </p:spPr>
+          <p:style>
+            <a:lnRef idx="1">
+              <a:schemeClr val="accent1"/>
+            </a:lnRef>
+            <a:fillRef idx="0">
+              <a:schemeClr val="accent1"/>
+            </a:fillRef>
+            <a:effectRef idx="0">
+              <a:schemeClr val="accent1"/>
+            </a:effectRef>
+            <a:fontRef idx="minor">
+              <a:schemeClr val="tx1"/>
+            </a:fontRef>
+          </p:style>
+        </p:cxnSp>
+        <p:grpSp>
+          <p:nvGrpSpPr>
+            <p:cNvPr id="36" name="Group 35"/>
+            <p:cNvGrpSpPr/>
+            <p:nvPr/>
+          </p:nvGrpSpPr>
+          <p:grpSpPr>
+            <a:xfrm>
+              <a:off x="800100" y="3289300"/>
+              <a:ext cx="3759200" cy="635575"/>
+              <a:chOff x="800100" y="3467100"/>
+              <a:chExt cx="3759200" cy="635575"/>
+            </a:xfrm>
+          </p:grpSpPr>
+          <p:sp>
+            <p:nvSpPr>
+              <p:cNvPr id="44" name="Rectangle 43"/>
+              <p:cNvSpPr/>
+              <p:nvPr/>
+            </p:nvSpPr>
+            <p:spPr>
+              <a:xfrm>
+                <a:off x="800100" y="3467100"/>
+                <a:ext cx="3759200" cy="635000"/>
+              </a:xfrm>
+              <a:prstGeom prst="rect">
+                <a:avLst/>
+              </a:prstGeom>
+              <a:solidFill>
+                <a:srgbClr val="92D050"/>
+              </a:solidFill>
+            </p:spPr>
+            <p:style>
+              <a:lnRef idx="2">
+                <a:schemeClr val="accent1">
+                  <a:shade val="50000"/>
+                </a:schemeClr>
+              </a:lnRef>
+              <a:fillRef idx="1">
+                <a:schemeClr val="accent1"/>
+              </a:fillRef>
+              <a:effectRef idx="0">
+                <a:schemeClr val="accent1"/>
+              </a:effectRef>
+              <a:fontRef idx="minor">
+                <a:schemeClr val="lt1"/>
+              </a:fontRef>
+            </p:style>
+            <p:txBody>
+              <a:bodyPr rtlCol="0" anchor="ctr"/>
+              <a:lstStyle/>
+              <a:p>
+                <a:pPr algn="ctr"/>
+                <a:endParaRPr lang="en-US"/>
+              </a:p>
+            </p:txBody>
+          </p:sp>
+          <p:sp>
+            <p:nvSpPr>
+              <p:cNvPr id="45" name="TextBox 44"/>
+              <p:cNvSpPr txBox="1"/>
+              <p:nvPr/>
+            </p:nvSpPr>
+            <p:spPr>
+              <a:xfrm>
+                <a:off x="800100" y="3517900"/>
+                <a:ext cx="3759200" cy="584775"/>
+              </a:xfrm>
+              <a:prstGeom prst="rect">
+                <a:avLst/>
+              </a:prstGeom>
+              <a:noFill/>
+            </p:spPr>
+            <p:txBody>
+              <a:bodyPr wrap="square" rtlCol="0">
+                <a:spAutoFit/>
+              </a:bodyPr>
+              <a:lstStyle/>
+              <a:p>
+                <a:pPr algn="ctr"/>
+                <a:r>
+                  <a:rPr lang="en-US" sz="2000" dirty="0" smtClean="0"/>
+                  <a:t>No of Business Days =</a:t>
+                </a:r>
+                <a:r>
+                  <a:rPr lang="en-US" dirty="0" smtClean="0"/>
+                  <a:t> </a:t>
+                </a:r>
+                <a:r>
+                  <a:rPr lang="en-US" sz="3200" dirty="0" smtClean="0"/>
+                  <a:t>23</a:t>
+                </a:r>
+                <a:endParaRPr lang="en-US" dirty="0"/>
+              </a:p>
+            </p:txBody>
+          </p:sp>
+        </p:grpSp>
+        <p:grpSp>
+          <p:nvGrpSpPr>
+            <p:cNvPr id="37" name="Group 36"/>
+            <p:cNvGrpSpPr/>
+            <p:nvPr/>
+          </p:nvGrpSpPr>
+          <p:grpSpPr>
+            <a:xfrm>
+              <a:off x="6159500" y="3289300"/>
+              <a:ext cx="3759200" cy="635575"/>
+              <a:chOff x="800100" y="3467100"/>
+              <a:chExt cx="3759200" cy="635575"/>
+            </a:xfrm>
+          </p:grpSpPr>
+          <p:sp>
+            <p:nvSpPr>
+              <p:cNvPr id="42" name="Rectangle 41"/>
+              <p:cNvSpPr/>
+              <p:nvPr/>
+            </p:nvSpPr>
+            <p:spPr>
+              <a:xfrm>
+                <a:off x="800100" y="3467100"/>
+                <a:ext cx="3759200" cy="635000"/>
+              </a:xfrm>
+              <a:prstGeom prst="rect">
+                <a:avLst/>
+              </a:prstGeom>
+              <a:solidFill>
+                <a:srgbClr val="92D050"/>
+              </a:solidFill>
+            </p:spPr>
+            <p:style>
+              <a:lnRef idx="2">
+                <a:schemeClr val="accent1">
+                  <a:shade val="50000"/>
+                </a:schemeClr>
+              </a:lnRef>
+              <a:fillRef idx="1">
+                <a:schemeClr val="accent1"/>
+              </a:fillRef>
+              <a:effectRef idx="0">
+                <a:schemeClr val="accent1"/>
+              </a:effectRef>
+              <a:fontRef idx="minor">
+                <a:schemeClr val="lt1"/>
+              </a:fontRef>
+            </p:style>
+            <p:txBody>
+              <a:bodyPr rtlCol="0" anchor="ctr"/>
+              <a:lstStyle/>
+              <a:p>
+                <a:pPr algn="ctr"/>
+                <a:endParaRPr lang="en-US"/>
+              </a:p>
+            </p:txBody>
+          </p:sp>
+          <p:sp>
+            <p:nvSpPr>
+              <p:cNvPr id="43" name="TextBox 42"/>
+              <p:cNvSpPr txBox="1"/>
+              <p:nvPr/>
+            </p:nvSpPr>
+            <p:spPr>
+              <a:xfrm>
+                <a:off x="800100" y="3517900"/>
+                <a:ext cx="3759200" cy="584775"/>
+              </a:xfrm>
+              <a:prstGeom prst="rect">
+                <a:avLst/>
+              </a:prstGeom>
+              <a:noFill/>
+            </p:spPr>
+            <p:txBody>
+              <a:bodyPr wrap="square" rtlCol="0">
+                <a:spAutoFit/>
+              </a:bodyPr>
+              <a:lstStyle/>
+              <a:p>
+                <a:pPr algn="ctr"/>
+                <a:r>
+                  <a:rPr lang="en-US" sz="2000" dirty="0" smtClean="0"/>
+                  <a:t>Diff =</a:t>
+                </a:r>
+                <a:r>
+                  <a:rPr lang="en-US" dirty="0" smtClean="0"/>
+                  <a:t> </a:t>
+                </a:r>
+                <a:r>
+                  <a:rPr lang="en-US" sz="3200" dirty="0" smtClean="0"/>
+                  <a:t>0.019395</a:t>
+                </a:r>
+                <a:endParaRPr lang="en-US" dirty="0"/>
+              </a:p>
+            </p:txBody>
+          </p:sp>
+        </p:grpSp>
+        <p:cxnSp>
+          <p:nvCxnSpPr>
+            <p:cNvPr id="38" name="Straight Arrow Connector 37"/>
+            <p:cNvCxnSpPr/>
+            <p:nvPr/>
+          </p:nvCxnSpPr>
+          <p:spPr>
+            <a:xfrm>
+              <a:off x="8128000" y="4038600"/>
+              <a:ext cx="12700" cy="1003300"/>
+            </a:xfrm>
+            <a:prstGeom prst="straightConnector1">
+              <a:avLst/>
+            </a:prstGeom>
+            <a:ln>
+              <a:tailEnd type="triangle"/>
+            </a:ln>
+          </p:spPr>
+          <p:style>
+            <a:lnRef idx="1">
+              <a:schemeClr val="accent1"/>
+            </a:lnRef>
+            <a:fillRef idx="0">
+              <a:schemeClr val="accent1"/>
+            </a:fillRef>
+            <a:effectRef idx="0">
+              <a:schemeClr val="accent1"/>
+            </a:effectRef>
+            <a:fontRef idx="minor">
+              <a:schemeClr val="tx1"/>
+            </a:fontRef>
+          </p:style>
+        </p:cxnSp>
+        <p:cxnSp>
+          <p:nvCxnSpPr>
+            <p:cNvPr id="39" name="Straight Arrow Connector 38"/>
+            <p:cNvCxnSpPr/>
+            <p:nvPr/>
+          </p:nvCxnSpPr>
+          <p:spPr>
+            <a:xfrm flipV="1">
+              <a:off x="8140700" y="2362200"/>
+              <a:ext cx="12700" cy="787400"/>
+            </a:xfrm>
+            <a:prstGeom prst="straightConnector1">
+              <a:avLst/>
+            </a:prstGeom>
+            <a:ln>
+              <a:tailEnd type="triangle"/>
+            </a:ln>
+          </p:spPr>
+          <p:style>
+            <a:lnRef idx="1">
+              <a:schemeClr val="accent1"/>
+            </a:lnRef>
+            <a:fillRef idx="0">
+              <a:schemeClr val="accent1"/>
+            </a:fillRef>
+            <a:effectRef idx="0">
+              <a:schemeClr val="accent1"/>
+            </a:effectRef>
+            <a:fontRef idx="minor">
+              <a:schemeClr val="tx1"/>
+            </a:fontRef>
+          </p:style>
+        </p:cxnSp>
+        <p:sp>
+          <p:nvSpPr>
+            <p:cNvPr id="40" name="Rectangle 39"/>
+            <p:cNvSpPr/>
+            <p:nvPr/>
+          </p:nvSpPr>
+          <p:spPr>
+            <a:xfrm>
+              <a:off x="1409700" y="6140450"/>
+              <a:ext cx="7937500" cy="546100"/>
+            </a:xfrm>
+            <a:prstGeom prst="rect">
+              <a:avLst/>
+            </a:prstGeom>
+            <a:solidFill>
+              <a:schemeClr val="accent4">
+                <a:lumMod val="60000"/>
+                <a:lumOff val="40000"/>
+              </a:schemeClr>
+            </a:solidFill>
+          </p:spPr>
+          <p:style>
+            <a:lnRef idx="2">
+              <a:schemeClr val="accent1">
+                <a:shade val="50000"/>
+              </a:schemeClr>
+            </a:lnRef>
+            <a:fillRef idx="1">
+              <a:schemeClr val="accent1"/>
+            </a:fillRef>
+            <a:effectRef idx="0">
+              <a:schemeClr val="accent1"/>
+            </a:effectRef>
+            <a:fontRef idx="minor">
+              <a:schemeClr val="lt1"/>
+            </a:fontRef>
+          </p:style>
+          <p:txBody>
+            <a:bodyPr rtlCol="0" anchor="ctr"/>
+            <a:lstStyle/>
+            <a:p>
+              <a:pPr algn="ctr"/>
+              <a:endParaRPr lang="en-US"/>
+            </a:p>
+          </p:txBody>
+        </p:sp>
+        <p:sp>
+          <p:nvSpPr>
+            <p:cNvPr id="41" name="TextBox 40"/>
+            <p:cNvSpPr txBox="1"/>
+            <p:nvPr/>
+          </p:nvSpPr>
+          <p:spPr>
+            <a:xfrm>
+              <a:off x="1524000" y="6229350"/>
+              <a:ext cx="7734300" cy="461665"/>
+            </a:xfrm>
+            <a:prstGeom prst="rect">
+              <a:avLst/>
+            </a:prstGeom>
+            <a:noFill/>
+          </p:spPr>
+          <p:txBody>
+            <a:bodyPr wrap="square" rtlCol="0">
+              <a:spAutoFit/>
+            </a:bodyPr>
+            <a:lstStyle/>
+            <a:p>
+              <a:pPr algn="ctr"/>
+              <a:r>
+                <a:rPr lang="en-US" sz="2400" dirty="0" smtClean="0"/>
+                <a:t>Incremental Value = Diff/No of Business Days</a:t>
+              </a:r>
+              <a:endParaRPr lang="en-US" sz="2400" dirty="0"/>
+            </a:p>
+          </p:txBody>
+        </p:sp>
+      </p:grpSp>
+      <p:sp>
+        <p:nvSpPr>
+          <p:cNvPr id="81" name="TextBox 80"/>
+          <p:cNvSpPr txBox="1"/>
+          <p:nvPr/>
+        </p:nvSpPr>
+        <p:spPr>
+          <a:xfrm>
+            <a:off x="139700" y="-92765"/>
+            <a:ext cx="11862759" cy="830997"/>
+          </a:xfrm>
+          <a:prstGeom prst="rect">
+            <a:avLst/>
+          </a:prstGeom>
+          <a:noFill/>
+        </p:spPr>
+        <p:txBody>
+          <a:bodyPr wrap="square" rtlCol="0">
+            <a:spAutoFit/>
+          </a:bodyPr>
+          <a:lstStyle/>
+          <a:p>
+            <a:pPr algn="ctr"/>
+            <a:r>
+              <a:rPr lang="en-US" sz="4800" dirty="0" smtClean="0">
+                <a:latin typeface="Bahnschrift Light" panose="020B0502040204020203" pitchFamily="34" charset="0"/>
+              </a:rPr>
+              <a:t>Calibration approach</a:t>
+            </a:r>
+            <a:endParaRPr lang="en-US" sz="2800" dirty="0">
+              <a:latin typeface="Bahnschrift Light" panose="020B0502040204020203" pitchFamily="34" charset="0"/>
+            </a:endParaRPr>
+          </a:p>
+        </p:txBody>
+      </p:sp>
+    </p:spTree>
+    <p:extLst>
+      <p:ext uri="{BB962C8B-B14F-4D97-AF65-F5344CB8AC3E}">
+        <p14:creationId xmlns:p14="http://schemas.microsoft.com/office/powerpoint/2010/main" val="2053692082"/>
+      </p:ext>
+    </p:extLst>
+  </p:cSld>
+  <p:clrMapOvr>
+    <a:masterClrMapping/>
+  </p:clrMapOvr>
+</p:sld>
+</file>
+
+<file path=ppt/slides/slide24.xml><?xml version="1.0" encoding="utf-8"?>
+<p:sld xmlns:a="http://schemas.openxmlformats.org/drawingml/2006/main" xmlns:r="http://schemas.openxmlformats.org/officeDocument/2006/relationships" xmlns:p="http://schemas.openxmlformats.org/presentationml/2006/main">
+  <p:cSld>
+    <p:spTree>
+      <p:nvGrpSpPr>
+        <p:cNvPr id="1" name=""/>
+        <p:cNvGrpSpPr/>
+        <p:nvPr/>
+      </p:nvGrpSpPr>
+      <p:grpSpPr>
+        <a:xfrm>
+          <a:off x="0" y="0"/>
+          <a:ext cx="0" cy="0"/>
+          <a:chOff x="0" y="0"/>
+          <a:chExt cx="0" cy="0"/>
+        </a:xfrm>
+      </p:grpSpPr>
+      <p:pic>
+        <p:nvPicPr>
+          <p:cNvPr id="2" name="Picture 1"/>
+          <p:cNvPicPr>
+            <a:picLocks noChangeAspect="1"/>
+          </p:cNvPicPr>
+          <p:nvPr/>
+        </p:nvPicPr>
+        <p:blipFill>
+          <a:blip r:embed="rId2"/>
+          <a:stretch>
+            <a:fillRect/>
+          </a:stretch>
+        </p:blipFill>
+        <p:spPr>
+          <a:xfrm>
+            <a:off x="406399" y="1618397"/>
+            <a:ext cx="11342523" cy="5099903"/>
+          </a:xfrm>
+          <a:prstGeom prst="rect">
+            <a:avLst/>
+          </a:prstGeom>
+        </p:spPr>
+      </p:pic>
+      <p:sp>
+        <p:nvSpPr>
+          <p:cNvPr id="3" name="TextBox 2"/>
+          <p:cNvSpPr txBox="1"/>
+          <p:nvPr/>
+        </p:nvSpPr>
+        <p:spPr>
+          <a:xfrm>
+            <a:off x="139700" y="-92765"/>
+            <a:ext cx="11862759" cy="830997"/>
+          </a:xfrm>
+          <a:prstGeom prst="rect">
+            <a:avLst/>
+          </a:prstGeom>
+          <a:noFill/>
+        </p:spPr>
+        <p:txBody>
+          <a:bodyPr wrap="square" rtlCol="0">
+            <a:spAutoFit/>
+          </a:bodyPr>
+          <a:lstStyle/>
+          <a:p>
+            <a:pPr algn="ctr"/>
+            <a:r>
+              <a:rPr lang="en-US" sz="4800" dirty="0">
+                <a:latin typeface="Bahnschrift Light" panose="020B0502040204020203" pitchFamily="34" charset="0"/>
+              </a:rPr>
+              <a:t>Visualization </a:t>
+            </a:r>
+            <a:r>
+              <a:rPr lang="en-US" sz="2800" dirty="0" smtClean="0">
+                <a:latin typeface="Bahnschrift Light" panose="020B0502040204020203" pitchFamily="34" charset="0"/>
+              </a:rPr>
+              <a:t>{</a:t>
+            </a:r>
+            <a:r>
+              <a:rPr lang="en-US" sz="2800" dirty="0">
+                <a:latin typeface="Bahnschrift Light" panose="020B0502040204020203" pitchFamily="34" charset="0"/>
+              </a:rPr>
+              <a:t>Data from Investing.Com}</a:t>
+            </a:r>
+            <a:endParaRPr lang="en-US" sz="2800" dirty="0">
+              <a:latin typeface="Bahnschrift Light" panose="020B0502040204020203" pitchFamily="34" charset="0"/>
+            </a:endParaRPr>
+          </a:p>
+        </p:txBody>
+      </p:sp>
+      <p:sp>
+        <p:nvSpPr>
+          <p:cNvPr id="4" name="TextBox 3"/>
+          <p:cNvSpPr txBox="1"/>
+          <p:nvPr/>
+        </p:nvSpPr>
+        <p:spPr>
+          <a:xfrm>
+            <a:off x="139700" y="647700"/>
+            <a:ext cx="11862759" cy="954107"/>
+          </a:xfrm>
+          <a:prstGeom prst="rect">
+            <a:avLst/>
+          </a:prstGeom>
+          <a:noFill/>
+        </p:spPr>
+        <p:txBody>
+          <a:bodyPr wrap="square" rtlCol="0">
+            <a:spAutoFit/>
+          </a:bodyPr>
+          <a:lstStyle/>
+          <a:p>
+            <a:pPr algn="ctr"/>
+            <a:r>
+              <a:rPr lang="en-US" sz="2800" dirty="0" smtClean="0">
+                <a:latin typeface="Bahnschrift Light" panose="020B0502040204020203" pitchFamily="34" charset="0"/>
+              </a:rPr>
+              <a:t>90% Train – 10% Test </a:t>
+            </a:r>
+            <a:r>
+              <a:rPr lang="en-US" sz="2800" dirty="0" smtClean="0">
+                <a:latin typeface="Bahnschrift Light" panose="020B0502040204020203" pitchFamily="34" charset="0"/>
+              </a:rPr>
+              <a:t>Splitting, </a:t>
+            </a:r>
+            <a:r>
+              <a:rPr lang="en-US" sz="2800" b="1" dirty="0" smtClean="0">
+                <a:solidFill>
+                  <a:srgbClr val="0070C0"/>
+                </a:solidFill>
+                <a:latin typeface="Bahnschrift Light" panose="020B0502040204020203" pitchFamily="34" charset="0"/>
+              </a:rPr>
+              <a:t>with</a:t>
+            </a:r>
+            <a:r>
+              <a:rPr lang="en-US" sz="2800" dirty="0" smtClean="0">
+                <a:latin typeface="Bahnschrift Light" panose="020B0502040204020203" pitchFamily="34" charset="0"/>
+              </a:rPr>
+              <a:t> FRED’s </a:t>
+            </a:r>
+            <a:r>
+              <a:rPr lang="en-US" sz="2800" b="1" dirty="0">
+                <a:solidFill>
+                  <a:srgbClr val="0070C0"/>
+                </a:solidFill>
+                <a:latin typeface="Bahnschrift Light" panose="020B0502040204020203" pitchFamily="34" charset="0"/>
+              </a:rPr>
+              <a:t>Calibrated</a:t>
+            </a:r>
+            <a:r>
+              <a:rPr lang="en-US" sz="2800" dirty="0" smtClean="0">
+                <a:latin typeface="Bahnschrift Light" panose="020B0502040204020203" pitchFamily="34" charset="0"/>
+              </a:rPr>
+              <a:t> Macroeconomics data values</a:t>
+            </a:r>
+            <a:endParaRPr lang="en-US" sz="2800" dirty="0">
+              <a:latin typeface="Bahnschrift Light" panose="020B0502040204020203" pitchFamily="34" charset="0"/>
+            </a:endParaRPr>
+          </a:p>
+        </p:txBody>
+      </p:sp>
+    </p:spTree>
+    <p:extLst>
+      <p:ext uri="{BB962C8B-B14F-4D97-AF65-F5344CB8AC3E}">
+        <p14:creationId xmlns:p14="http://schemas.microsoft.com/office/powerpoint/2010/main" val="3921543637"/>
+      </p:ext>
+    </p:extLst>
+  </p:cSld>
+  <p:clrMapOvr>
+    <a:masterClrMapping/>
+  </p:clrMapOvr>
+</p:sld>
+</file>
+
+<file path=ppt/slides/slide25.xml><?xml version="1.0" encoding="utf-8"?>
+<p:sld xmlns:a="http://schemas.openxmlformats.org/drawingml/2006/main" xmlns:r="http://schemas.openxmlformats.org/officeDocument/2006/relationships" xmlns:p="http://schemas.openxmlformats.org/presentationml/2006/main">
+  <p:cSld>
+    <p:spTree>
+      <p:nvGrpSpPr>
+        <p:cNvPr id="1" name=""/>
+        <p:cNvGrpSpPr/>
+        <p:nvPr/>
+      </p:nvGrpSpPr>
+      <p:grpSpPr>
+        <a:xfrm>
+          <a:off x="0" y="0"/>
+          <a:ext cx="0" cy="0"/>
+          <a:chOff x="0" y="0"/>
+          <a:chExt cx="0" cy="0"/>
+        </a:xfrm>
+      </p:grpSpPr>
+      <p:pic>
+        <p:nvPicPr>
+          <p:cNvPr id="2" name="Picture 1"/>
+          <p:cNvPicPr>
+            <a:picLocks noChangeAspect="1"/>
+          </p:cNvPicPr>
+          <p:nvPr/>
+        </p:nvPicPr>
+        <p:blipFill>
+          <a:blip r:embed="rId2"/>
+          <a:stretch>
+            <a:fillRect/>
+          </a:stretch>
+        </p:blipFill>
+        <p:spPr>
+          <a:xfrm>
+            <a:off x="19050" y="738232"/>
+            <a:ext cx="12083644" cy="5675268"/>
+          </a:xfrm>
+          <a:prstGeom prst="rect">
+            <a:avLst/>
+          </a:prstGeom>
+        </p:spPr>
+      </p:pic>
+      <p:sp>
+        <p:nvSpPr>
+          <p:cNvPr id="3" name="TextBox 2"/>
+          <p:cNvSpPr txBox="1"/>
+          <p:nvPr/>
+        </p:nvSpPr>
+        <p:spPr>
+          <a:xfrm>
+            <a:off x="139700" y="-54665"/>
+            <a:ext cx="11862759" cy="830997"/>
+          </a:xfrm>
+          <a:prstGeom prst="rect">
+            <a:avLst/>
+          </a:prstGeom>
+          <a:noFill/>
+        </p:spPr>
+        <p:txBody>
+          <a:bodyPr wrap="square" rtlCol="0">
+            <a:spAutoFit/>
+          </a:bodyPr>
+          <a:lstStyle/>
+          <a:p>
+            <a:pPr algn="ctr"/>
+            <a:r>
+              <a:rPr lang="en-US" sz="2400" dirty="0">
+                <a:latin typeface="Bahnschrift Light" panose="020B0502040204020203" pitchFamily="34" charset="0"/>
+              </a:rPr>
+              <a:t>Visualization</a:t>
+            </a:r>
+            <a:r>
+              <a:rPr lang="en-US" sz="4800" dirty="0">
+                <a:latin typeface="Bahnschrift Light" panose="020B0502040204020203" pitchFamily="34" charset="0"/>
+              </a:rPr>
+              <a:t> </a:t>
+            </a:r>
+            <a:r>
+              <a:rPr lang="en-US" sz="2800" dirty="0" smtClean="0">
+                <a:latin typeface="Bahnschrift Light" panose="020B0502040204020203" pitchFamily="34" charset="0"/>
+              </a:rPr>
+              <a:t>{</a:t>
+            </a:r>
+            <a:r>
+              <a:rPr lang="en-US" sz="2800" dirty="0">
+                <a:latin typeface="Bahnschrift Light" panose="020B0502040204020203" pitchFamily="34" charset="0"/>
+              </a:rPr>
+              <a:t>Data from </a:t>
+            </a:r>
+            <a:r>
+              <a:rPr lang="en-US" sz="2800" dirty="0" smtClean="0">
+                <a:latin typeface="Bahnschrift Light" panose="020B0502040204020203" pitchFamily="34" charset="0"/>
+              </a:rPr>
+              <a:t>Investing.Com vs Data from FRED}</a:t>
+            </a:r>
+            <a:endParaRPr lang="en-US" sz="2800" dirty="0">
+              <a:latin typeface="Bahnschrift Light" panose="020B0502040204020203" pitchFamily="34" charset="0"/>
+            </a:endParaRPr>
+          </a:p>
+        </p:txBody>
+      </p:sp>
+    </p:spTree>
+    <p:extLst>
+      <p:ext uri="{BB962C8B-B14F-4D97-AF65-F5344CB8AC3E}">
+        <p14:creationId xmlns:p14="http://schemas.microsoft.com/office/powerpoint/2010/main" val="231178457"/>
+      </p:ext>
+    </p:extLst>
+  </p:cSld>
+  <p:clrMapOvr>
+    <a:masterClrMapping/>
+  </p:clrMapOvr>
+</p:sld>
+</file>
+
+<file path=ppt/slides/slide26.xml><?xml version="1.0" encoding="utf-8"?>
+<p:sld xmlns:a="http://schemas.openxmlformats.org/drawingml/2006/main" xmlns:r="http://schemas.openxmlformats.org/officeDocument/2006/relationships" xmlns:p="http://schemas.openxmlformats.org/presentationml/2006/main">
+  <p:cSld>
+    <p:spTree>
+      <p:nvGrpSpPr>
+        <p:cNvPr id="1" name=""/>
+        <p:cNvGrpSpPr/>
+        <p:nvPr/>
+      </p:nvGrpSpPr>
+      <p:grpSpPr>
+        <a:xfrm>
+          <a:off x="0" y="0"/>
+          <a:ext cx="0" cy="0"/>
+          <a:chOff x="0" y="0"/>
+          <a:chExt cx="0" cy="0"/>
+        </a:xfrm>
+      </p:grpSpPr>
+      <p:pic>
+        <p:nvPicPr>
+          <p:cNvPr id="2" name="Picture 1"/>
+          <p:cNvPicPr>
+            <a:picLocks noChangeAspect="1"/>
+          </p:cNvPicPr>
+          <p:nvPr/>
+        </p:nvPicPr>
+        <p:blipFill>
+          <a:blip r:embed="rId2"/>
+          <a:stretch>
+            <a:fillRect/>
+          </a:stretch>
+        </p:blipFill>
+        <p:spPr>
+          <a:xfrm>
+            <a:off x="25400" y="877932"/>
+            <a:ext cx="12101195" cy="5700668"/>
+          </a:xfrm>
+          <a:prstGeom prst="rect">
+            <a:avLst/>
+          </a:prstGeom>
+        </p:spPr>
+      </p:pic>
+      <p:sp>
+        <p:nvSpPr>
+          <p:cNvPr id="3" name="TextBox 2"/>
+          <p:cNvSpPr txBox="1"/>
+          <p:nvPr/>
+        </p:nvSpPr>
+        <p:spPr>
+          <a:xfrm>
+            <a:off x="139700" y="-92765"/>
+            <a:ext cx="11862759" cy="830997"/>
+          </a:xfrm>
+          <a:prstGeom prst="rect">
+            <a:avLst/>
+          </a:prstGeom>
+          <a:noFill/>
+        </p:spPr>
+        <p:txBody>
+          <a:bodyPr wrap="square" rtlCol="0">
+            <a:spAutoFit/>
+          </a:bodyPr>
+          <a:lstStyle/>
+          <a:p>
+            <a:pPr algn="ctr"/>
+            <a:r>
+              <a:rPr lang="en-US" sz="2400" dirty="0">
+                <a:latin typeface="Bahnschrift Light" panose="020B0502040204020203" pitchFamily="34" charset="0"/>
+              </a:rPr>
+              <a:t>Visualization</a:t>
+            </a:r>
+            <a:r>
+              <a:rPr lang="en-US" sz="4800" dirty="0">
+                <a:latin typeface="Bahnschrift Light" panose="020B0502040204020203" pitchFamily="34" charset="0"/>
+              </a:rPr>
+              <a:t> </a:t>
+            </a:r>
+            <a:r>
+              <a:rPr lang="en-US" sz="2800" dirty="0" smtClean="0">
+                <a:latin typeface="Bahnschrift Light" panose="020B0502040204020203" pitchFamily="34" charset="0"/>
+              </a:rPr>
+              <a:t>{</a:t>
+            </a:r>
+            <a:r>
+              <a:rPr lang="en-US" sz="2800" dirty="0">
+                <a:latin typeface="Bahnschrift Light" panose="020B0502040204020203" pitchFamily="34" charset="0"/>
+              </a:rPr>
+              <a:t>Data from </a:t>
+            </a:r>
+            <a:r>
+              <a:rPr lang="en-US" sz="2800" dirty="0" smtClean="0">
+                <a:latin typeface="Bahnschrift Light" panose="020B0502040204020203" pitchFamily="34" charset="0"/>
+              </a:rPr>
+              <a:t>Investing.Com vs Data from FRED}</a:t>
+            </a:r>
+            <a:endParaRPr lang="en-US" sz="2800" dirty="0">
+              <a:latin typeface="Bahnschrift Light" panose="020B0502040204020203" pitchFamily="34" charset="0"/>
+            </a:endParaRPr>
+          </a:p>
+        </p:txBody>
+      </p:sp>
+    </p:spTree>
+    <p:extLst>
+      <p:ext uri="{BB962C8B-B14F-4D97-AF65-F5344CB8AC3E}">
+        <p14:creationId xmlns:p14="http://schemas.microsoft.com/office/powerpoint/2010/main" val="215015445"/>
+      </p:ext>
+    </p:extLst>
+  </p:cSld>
+  <p:clrMapOvr>
+    <a:masterClrMapping/>
+  </p:clrMapOvr>
+</p:sld>
+</file>
+
+<file path=ppt/slides/slide27.xml><?xml version="1.0" encoding="utf-8"?>
+<p:sld xmlns:a="http://schemas.openxmlformats.org/drawingml/2006/main" xmlns:r="http://schemas.openxmlformats.org/officeDocument/2006/relationships" xmlns:p="http://schemas.openxmlformats.org/presentationml/2006/main">
+  <p:cSld>
+    <p:spTree>
+      <p:nvGrpSpPr>
+        <p:cNvPr id="1" name=""/>
+        <p:cNvGrpSpPr/>
+        <p:nvPr/>
+      </p:nvGrpSpPr>
+      <p:grpSpPr>
+        <a:xfrm>
+          <a:off x="0" y="0"/>
+          <a:ext cx="0" cy="0"/>
+          <a:chOff x="0" y="0"/>
+          <a:chExt cx="0" cy="0"/>
+        </a:xfrm>
+      </p:grpSpPr>
+      <p:pic>
+        <p:nvPicPr>
+          <p:cNvPr id="2" name="Picture 1"/>
+          <p:cNvPicPr>
+            <a:picLocks noChangeAspect="1"/>
+          </p:cNvPicPr>
+          <p:nvPr/>
+        </p:nvPicPr>
+        <p:blipFill>
+          <a:blip r:embed="rId2"/>
+          <a:stretch>
+            <a:fillRect/>
+          </a:stretch>
+        </p:blipFill>
+        <p:spPr>
+          <a:xfrm>
+            <a:off x="88900" y="789032"/>
+            <a:ext cx="12008310" cy="5726068"/>
+          </a:xfrm>
+          <a:prstGeom prst="rect">
+            <a:avLst/>
+          </a:prstGeom>
+        </p:spPr>
+      </p:pic>
+      <p:sp>
+        <p:nvSpPr>
+          <p:cNvPr id="3" name="TextBox 2"/>
+          <p:cNvSpPr txBox="1"/>
+          <p:nvPr/>
+        </p:nvSpPr>
+        <p:spPr>
+          <a:xfrm>
+            <a:off x="139700" y="-92765"/>
+            <a:ext cx="11862759" cy="830997"/>
+          </a:xfrm>
+          <a:prstGeom prst="rect">
+            <a:avLst/>
+          </a:prstGeom>
+          <a:noFill/>
+        </p:spPr>
+        <p:txBody>
+          <a:bodyPr wrap="square" rtlCol="0">
+            <a:spAutoFit/>
+          </a:bodyPr>
+          <a:lstStyle/>
+          <a:p>
+            <a:pPr algn="ctr"/>
+            <a:r>
+              <a:rPr lang="en-US" sz="2400" dirty="0">
+                <a:latin typeface="Bahnschrift Light" panose="020B0502040204020203" pitchFamily="34" charset="0"/>
+              </a:rPr>
+              <a:t>Visualization</a:t>
+            </a:r>
+            <a:r>
+              <a:rPr lang="en-US" sz="4800" dirty="0">
+                <a:latin typeface="Bahnschrift Light" panose="020B0502040204020203" pitchFamily="34" charset="0"/>
+              </a:rPr>
+              <a:t> </a:t>
+            </a:r>
+            <a:r>
+              <a:rPr lang="en-US" sz="2800" dirty="0" smtClean="0">
+                <a:latin typeface="Bahnschrift Light" panose="020B0502040204020203" pitchFamily="34" charset="0"/>
+              </a:rPr>
+              <a:t>{</a:t>
+            </a:r>
+            <a:r>
+              <a:rPr lang="en-US" sz="2800" dirty="0">
+                <a:latin typeface="Bahnschrift Light" panose="020B0502040204020203" pitchFamily="34" charset="0"/>
+              </a:rPr>
+              <a:t>Data from </a:t>
+            </a:r>
+            <a:r>
+              <a:rPr lang="en-US" sz="2800" dirty="0" smtClean="0">
+                <a:latin typeface="Bahnschrift Light" panose="020B0502040204020203" pitchFamily="34" charset="0"/>
+              </a:rPr>
+              <a:t>Investing.Com vs Data from FRED}</a:t>
+            </a:r>
+            <a:endParaRPr lang="en-US" sz="2800" dirty="0">
+              <a:latin typeface="Bahnschrift Light" panose="020B0502040204020203" pitchFamily="34" charset="0"/>
+            </a:endParaRPr>
+          </a:p>
+        </p:txBody>
+      </p:sp>
+    </p:spTree>
+    <p:extLst>
+      <p:ext uri="{BB962C8B-B14F-4D97-AF65-F5344CB8AC3E}">
+        <p14:creationId xmlns:p14="http://schemas.microsoft.com/office/powerpoint/2010/main" val="4290876094"/>
+      </p:ext>
+    </p:extLst>
+  </p:cSld>
+  <p:clrMapOvr>
+    <a:masterClrMapping/>
+  </p:clrMapOvr>
+</p:sld>
+</file>
+
+<file path=ppt/slides/slide28.xml><?xml version="1.0" encoding="utf-8"?>
+<p:sld xmlns:a="http://schemas.openxmlformats.org/drawingml/2006/main" xmlns:r="http://schemas.openxmlformats.org/officeDocument/2006/relationships" xmlns:p="http://schemas.openxmlformats.org/presentationml/2006/main">
+  <p:cSld>
+    <p:spTree>
+      <p:nvGrpSpPr>
+        <p:cNvPr id="1" name=""/>
+        <p:cNvGrpSpPr/>
+        <p:nvPr/>
+      </p:nvGrpSpPr>
+      <p:grpSpPr>
+        <a:xfrm>
+          <a:off x="0" y="0"/>
+          <a:ext cx="0" cy="0"/>
+          <a:chOff x="0" y="0"/>
+          <a:chExt cx="0" cy="0"/>
+        </a:xfrm>
+      </p:grpSpPr>
+      <p:pic>
+        <p:nvPicPr>
+          <p:cNvPr id="2" name="Picture 1"/>
+          <p:cNvPicPr>
+            <a:picLocks noChangeAspect="1"/>
+          </p:cNvPicPr>
+          <p:nvPr/>
+        </p:nvPicPr>
+        <p:blipFill>
+          <a:blip r:embed="rId2"/>
+          <a:stretch>
+            <a:fillRect/>
+          </a:stretch>
+        </p:blipFill>
+        <p:spPr>
+          <a:xfrm>
+            <a:off x="-1" y="971550"/>
+            <a:ext cx="12002459" cy="5586050"/>
+          </a:xfrm>
+          <a:prstGeom prst="rect">
+            <a:avLst/>
+          </a:prstGeom>
+        </p:spPr>
+      </p:pic>
+      <p:sp>
+        <p:nvSpPr>
+          <p:cNvPr id="3" name="TextBox 2"/>
+          <p:cNvSpPr txBox="1"/>
+          <p:nvPr/>
+        </p:nvSpPr>
+        <p:spPr>
+          <a:xfrm>
+            <a:off x="139700" y="-92765"/>
+            <a:ext cx="11862759" cy="830997"/>
+          </a:xfrm>
+          <a:prstGeom prst="rect">
+            <a:avLst/>
+          </a:prstGeom>
+          <a:noFill/>
+        </p:spPr>
+        <p:txBody>
+          <a:bodyPr wrap="square" rtlCol="0">
+            <a:spAutoFit/>
+          </a:bodyPr>
+          <a:lstStyle/>
+          <a:p>
+            <a:pPr algn="ctr"/>
+            <a:r>
+              <a:rPr lang="en-US" sz="2400" dirty="0">
+                <a:latin typeface="Bahnschrift Light" panose="020B0502040204020203" pitchFamily="34" charset="0"/>
+              </a:rPr>
+              <a:t>Visualization</a:t>
+            </a:r>
+            <a:r>
+              <a:rPr lang="en-US" sz="4800" dirty="0">
+                <a:latin typeface="Bahnschrift Light" panose="020B0502040204020203" pitchFamily="34" charset="0"/>
+              </a:rPr>
+              <a:t> </a:t>
+            </a:r>
+            <a:r>
+              <a:rPr lang="en-US" sz="2800" dirty="0" smtClean="0">
+                <a:latin typeface="Bahnschrift Light" panose="020B0502040204020203" pitchFamily="34" charset="0"/>
+              </a:rPr>
+              <a:t>{</a:t>
+            </a:r>
+            <a:r>
+              <a:rPr lang="en-US" sz="2800" dirty="0">
+                <a:latin typeface="Bahnschrift Light" panose="020B0502040204020203" pitchFamily="34" charset="0"/>
+              </a:rPr>
+              <a:t>Data from </a:t>
+            </a:r>
+            <a:r>
+              <a:rPr lang="en-US" sz="2800" dirty="0" smtClean="0">
+                <a:latin typeface="Bahnschrift Light" panose="020B0502040204020203" pitchFamily="34" charset="0"/>
+              </a:rPr>
+              <a:t>Investing.Com vs Data from FRED}</a:t>
+            </a:r>
+            <a:endParaRPr lang="en-US" sz="2800" dirty="0">
+              <a:latin typeface="Bahnschrift Light" panose="020B0502040204020203" pitchFamily="34" charset="0"/>
+            </a:endParaRPr>
+          </a:p>
+        </p:txBody>
+      </p:sp>
+    </p:spTree>
+    <p:extLst>
+      <p:ext uri="{BB962C8B-B14F-4D97-AF65-F5344CB8AC3E}">
+        <p14:creationId xmlns:p14="http://schemas.microsoft.com/office/powerpoint/2010/main" val="4107495522"/>
+      </p:ext>
+    </p:extLst>
+  </p:cSld>
+  <p:clrMapOvr>
+    <a:masterClrMapping/>
+  </p:clrMapOvr>
+</p:sld>
+</file>
+
+<file path=ppt/slides/slide29.xml><?xml version="1.0" encoding="utf-8"?>
+<p:sld xmlns:a="http://schemas.openxmlformats.org/drawingml/2006/main" xmlns:r="http://schemas.openxmlformats.org/officeDocument/2006/relationships" xmlns:p="http://schemas.openxmlformats.org/presentationml/2006/main">
+  <p:cSld>
+    <p:spTree>
+      <p:nvGrpSpPr>
+        <p:cNvPr id="1" name=""/>
+        <p:cNvGrpSpPr/>
+        <p:nvPr/>
+      </p:nvGrpSpPr>
+      <p:grpSpPr>
+        <a:xfrm>
+          <a:off x="0" y="0"/>
+          <a:ext cx="0" cy="0"/>
+          <a:chOff x="0" y="0"/>
+          <a:chExt cx="0" cy="0"/>
+        </a:xfrm>
+      </p:grpSpPr>
+      <p:pic>
+        <p:nvPicPr>
+          <p:cNvPr id="2" name="Picture 1"/>
+          <p:cNvPicPr>
+            <a:picLocks noChangeAspect="1"/>
+          </p:cNvPicPr>
+          <p:nvPr/>
+        </p:nvPicPr>
+        <p:blipFill>
+          <a:blip r:embed="rId2"/>
+          <a:stretch>
+            <a:fillRect/>
+          </a:stretch>
+        </p:blipFill>
+        <p:spPr>
+          <a:xfrm>
+            <a:off x="139700" y="889000"/>
+            <a:ext cx="11857775" cy="5562600"/>
+          </a:xfrm>
+          <a:prstGeom prst="rect">
+            <a:avLst/>
+          </a:prstGeom>
+        </p:spPr>
+      </p:pic>
+      <p:sp>
+        <p:nvSpPr>
+          <p:cNvPr id="3" name="TextBox 2"/>
+          <p:cNvSpPr txBox="1"/>
+          <p:nvPr/>
+        </p:nvSpPr>
+        <p:spPr>
+          <a:xfrm>
+            <a:off x="139700" y="-92765"/>
+            <a:ext cx="11862759" cy="830997"/>
+          </a:xfrm>
+          <a:prstGeom prst="rect">
+            <a:avLst/>
+          </a:prstGeom>
+          <a:noFill/>
+        </p:spPr>
+        <p:txBody>
+          <a:bodyPr wrap="square" rtlCol="0">
+            <a:spAutoFit/>
+          </a:bodyPr>
+          <a:lstStyle/>
+          <a:p>
+            <a:pPr algn="ctr"/>
+            <a:r>
+              <a:rPr lang="en-US" sz="2400" dirty="0">
+                <a:latin typeface="Bahnschrift Light" panose="020B0502040204020203" pitchFamily="34" charset="0"/>
+              </a:rPr>
+              <a:t>Visualization</a:t>
+            </a:r>
+            <a:r>
+              <a:rPr lang="en-US" sz="4800" dirty="0">
+                <a:latin typeface="Bahnschrift Light" panose="020B0502040204020203" pitchFamily="34" charset="0"/>
+              </a:rPr>
+              <a:t> </a:t>
+            </a:r>
+            <a:r>
+              <a:rPr lang="en-US" sz="2800" dirty="0" smtClean="0">
+                <a:latin typeface="Bahnschrift Light" panose="020B0502040204020203" pitchFamily="34" charset="0"/>
+              </a:rPr>
+              <a:t>{</a:t>
+            </a:r>
+            <a:r>
+              <a:rPr lang="en-US" sz="2800" dirty="0">
+                <a:latin typeface="Bahnschrift Light" panose="020B0502040204020203" pitchFamily="34" charset="0"/>
+              </a:rPr>
+              <a:t>Data from </a:t>
+            </a:r>
+            <a:r>
+              <a:rPr lang="en-US" sz="2800" dirty="0" smtClean="0">
+                <a:latin typeface="Bahnschrift Light" panose="020B0502040204020203" pitchFamily="34" charset="0"/>
+              </a:rPr>
+              <a:t>Investing.Com vs Data from </a:t>
+            </a:r>
+            <a:r>
+              <a:rPr lang="en-US" sz="2800" dirty="0" err="1" smtClean="0">
+                <a:latin typeface="Bahnschrift Light" panose="020B0502040204020203" pitchFamily="34" charset="0"/>
+              </a:rPr>
+              <a:t>WorldBank</a:t>
+            </a:r>
+            <a:r>
+              <a:rPr lang="en-US" sz="2800" dirty="0" smtClean="0">
+                <a:latin typeface="Bahnschrift Light" panose="020B0502040204020203" pitchFamily="34" charset="0"/>
+              </a:rPr>
+              <a:t>}</a:t>
+            </a:r>
+            <a:endParaRPr lang="en-US" sz="2800" dirty="0">
+              <a:latin typeface="Bahnschrift Light" panose="020B0502040204020203" pitchFamily="34" charset="0"/>
+            </a:endParaRPr>
+          </a:p>
+        </p:txBody>
+      </p:sp>
+    </p:spTree>
+    <p:extLst>
+      <p:ext uri="{BB962C8B-B14F-4D97-AF65-F5344CB8AC3E}">
+        <p14:creationId xmlns:p14="http://schemas.microsoft.com/office/powerpoint/2010/main" val="2349401012"/>
+      </p:ext>
+    </p:extLst>
+  </p:cSld>
+  <p:clrMapOvr>
+    <a:masterClrMapping/>
+  </p:clrMapOvr>
 </p:sld>
 </file>
 
@@ -6532,6 +8710,882 @@
   <p:clrMapOvr>
     <a:masterClrMapping/>
   </p:clrMapOvr>
+</p:sld>
+</file>
+
+<file path=ppt/slides/slide30.xml><?xml version="1.0" encoding="utf-8"?>
+<p:sld xmlns:a="http://schemas.openxmlformats.org/drawingml/2006/main" xmlns:r="http://schemas.openxmlformats.org/officeDocument/2006/relationships" xmlns:p="http://schemas.openxmlformats.org/presentationml/2006/main">
+  <p:cSld>
+    <p:spTree>
+      <p:nvGrpSpPr>
+        <p:cNvPr id="1" name=""/>
+        <p:cNvGrpSpPr/>
+        <p:nvPr/>
+      </p:nvGrpSpPr>
+      <p:grpSpPr>
+        <a:xfrm>
+          <a:off x="0" y="0"/>
+          <a:ext cx="0" cy="0"/>
+          <a:chOff x="0" y="0"/>
+          <a:chExt cx="0" cy="0"/>
+        </a:xfrm>
+      </p:grpSpPr>
+      <p:sp>
+        <p:nvSpPr>
+          <p:cNvPr id="2" name="TextBox 1"/>
+          <p:cNvSpPr txBox="1"/>
+          <p:nvPr/>
+        </p:nvSpPr>
+        <p:spPr>
+          <a:xfrm>
+            <a:off x="139700" y="-92765"/>
+            <a:ext cx="11862759" cy="830997"/>
+          </a:xfrm>
+          <a:prstGeom prst="rect">
+            <a:avLst/>
+          </a:prstGeom>
+          <a:noFill/>
+        </p:spPr>
+        <p:txBody>
+          <a:bodyPr wrap="square" rtlCol="0">
+            <a:spAutoFit/>
+          </a:bodyPr>
+          <a:lstStyle/>
+          <a:p>
+            <a:pPr algn="ctr"/>
+            <a:r>
+              <a:rPr lang="en-US" sz="2400" dirty="0">
+                <a:latin typeface="Bahnschrift Light" panose="020B0502040204020203" pitchFamily="34" charset="0"/>
+              </a:rPr>
+              <a:t>Visualization</a:t>
+            </a:r>
+            <a:r>
+              <a:rPr lang="en-US" sz="4800" dirty="0">
+                <a:latin typeface="Bahnschrift Light" panose="020B0502040204020203" pitchFamily="34" charset="0"/>
+              </a:rPr>
+              <a:t> </a:t>
+            </a:r>
+            <a:r>
+              <a:rPr lang="en-US" sz="2800" dirty="0" smtClean="0">
+                <a:latin typeface="Bahnschrift Light" panose="020B0502040204020203" pitchFamily="34" charset="0"/>
+              </a:rPr>
+              <a:t>{</a:t>
+            </a:r>
+            <a:r>
+              <a:rPr lang="en-US" sz="2800" dirty="0">
+                <a:latin typeface="Bahnschrift Light" panose="020B0502040204020203" pitchFamily="34" charset="0"/>
+              </a:rPr>
+              <a:t>Data from </a:t>
+            </a:r>
+            <a:r>
+              <a:rPr lang="en-US" sz="2800" dirty="0" smtClean="0">
+                <a:latin typeface="Bahnschrift Light" panose="020B0502040204020203" pitchFamily="34" charset="0"/>
+              </a:rPr>
+              <a:t>Investing.Com vs Data from </a:t>
+            </a:r>
+            <a:r>
+              <a:rPr lang="en-US" sz="2800" dirty="0" err="1" smtClean="0">
+                <a:latin typeface="Bahnschrift Light" panose="020B0502040204020203" pitchFamily="34" charset="0"/>
+              </a:rPr>
+              <a:t>WorldBank</a:t>
+            </a:r>
+            <a:r>
+              <a:rPr lang="en-US" sz="2800" dirty="0" smtClean="0">
+                <a:latin typeface="Bahnschrift Light" panose="020B0502040204020203" pitchFamily="34" charset="0"/>
+              </a:rPr>
+              <a:t>}</a:t>
+            </a:r>
+            <a:endParaRPr lang="en-US" sz="2800" dirty="0">
+              <a:latin typeface="Bahnschrift Light" panose="020B0502040204020203" pitchFamily="34" charset="0"/>
+            </a:endParaRPr>
+          </a:p>
+        </p:txBody>
+      </p:sp>
+      <p:pic>
+        <p:nvPicPr>
+          <p:cNvPr id="3" name="Picture 2"/>
+          <p:cNvPicPr>
+            <a:picLocks noChangeAspect="1"/>
+          </p:cNvPicPr>
+          <p:nvPr/>
+        </p:nvPicPr>
+        <p:blipFill>
+          <a:blip r:embed="rId2"/>
+          <a:stretch>
+            <a:fillRect/>
+          </a:stretch>
+        </p:blipFill>
+        <p:spPr>
+          <a:xfrm>
+            <a:off x="139700" y="828674"/>
+            <a:ext cx="11904576" cy="5521325"/>
+          </a:xfrm>
+          <a:prstGeom prst="rect">
+            <a:avLst/>
+          </a:prstGeom>
+        </p:spPr>
+      </p:pic>
+    </p:spTree>
+    <p:extLst>
+      <p:ext uri="{BB962C8B-B14F-4D97-AF65-F5344CB8AC3E}">
+        <p14:creationId xmlns:p14="http://schemas.microsoft.com/office/powerpoint/2010/main" val="3094819070"/>
+      </p:ext>
+    </p:extLst>
+  </p:cSld>
+  <p:clrMapOvr>
+    <a:masterClrMapping/>
+  </p:clrMapOvr>
+</p:sld>
+</file>
+
+<file path=ppt/slides/slide31.xml><?xml version="1.0" encoding="utf-8"?>
+<p:sld xmlns:a="http://schemas.openxmlformats.org/drawingml/2006/main" xmlns:r="http://schemas.openxmlformats.org/officeDocument/2006/relationships" xmlns:p="http://schemas.openxmlformats.org/presentationml/2006/main">
+  <p:cSld>
+    <p:spTree>
+      <p:nvGrpSpPr>
+        <p:cNvPr id="1" name=""/>
+        <p:cNvGrpSpPr/>
+        <p:nvPr/>
+      </p:nvGrpSpPr>
+      <p:grpSpPr>
+        <a:xfrm>
+          <a:off x="0" y="0"/>
+          <a:ext cx="0" cy="0"/>
+          <a:chOff x="0" y="0"/>
+          <a:chExt cx="0" cy="0"/>
+        </a:xfrm>
+      </p:grpSpPr>
+      <p:sp>
+        <p:nvSpPr>
+          <p:cNvPr id="2" name="TextBox 1"/>
+          <p:cNvSpPr txBox="1"/>
+          <p:nvPr/>
+        </p:nvSpPr>
+        <p:spPr>
+          <a:xfrm>
+            <a:off x="139700" y="-92765"/>
+            <a:ext cx="11862759" cy="830997"/>
+          </a:xfrm>
+          <a:prstGeom prst="rect">
+            <a:avLst/>
+          </a:prstGeom>
+          <a:noFill/>
+        </p:spPr>
+        <p:txBody>
+          <a:bodyPr wrap="square" rtlCol="0">
+            <a:spAutoFit/>
+          </a:bodyPr>
+          <a:lstStyle/>
+          <a:p>
+            <a:pPr algn="ctr"/>
+            <a:r>
+              <a:rPr lang="en-US" sz="2400" dirty="0">
+                <a:latin typeface="Bahnschrift Light" panose="020B0502040204020203" pitchFamily="34" charset="0"/>
+              </a:rPr>
+              <a:t>Visualization</a:t>
+            </a:r>
+            <a:r>
+              <a:rPr lang="en-US" sz="4800" dirty="0">
+                <a:latin typeface="Bahnschrift Light" panose="020B0502040204020203" pitchFamily="34" charset="0"/>
+              </a:rPr>
+              <a:t> </a:t>
+            </a:r>
+            <a:r>
+              <a:rPr lang="en-US" sz="2800" dirty="0" smtClean="0">
+                <a:latin typeface="Bahnschrift Light" panose="020B0502040204020203" pitchFamily="34" charset="0"/>
+              </a:rPr>
+              <a:t>{</a:t>
+            </a:r>
+            <a:r>
+              <a:rPr lang="en-US" sz="2800" dirty="0">
+                <a:latin typeface="Bahnschrift Light" panose="020B0502040204020203" pitchFamily="34" charset="0"/>
+              </a:rPr>
+              <a:t>Data from </a:t>
+            </a:r>
+            <a:r>
+              <a:rPr lang="en-US" sz="2800" dirty="0" smtClean="0">
+                <a:latin typeface="Bahnschrift Light" panose="020B0502040204020203" pitchFamily="34" charset="0"/>
+              </a:rPr>
+              <a:t>Investing.Com vs Data from </a:t>
+            </a:r>
+            <a:r>
+              <a:rPr lang="en-US" sz="2800" dirty="0" err="1" smtClean="0">
+                <a:latin typeface="Bahnschrift Light" panose="020B0502040204020203" pitchFamily="34" charset="0"/>
+              </a:rPr>
+              <a:t>WorldBank</a:t>
+            </a:r>
+            <a:r>
+              <a:rPr lang="en-US" sz="2800" dirty="0" smtClean="0">
+                <a:latin typeface="Bahnschrift Light" panose="020B0502040204020203" pitchFamily="34" charset="0"/>
+              </a:rPr>
+              <a:t>}</a:t>
+            </a:r>
+            <a:endParaRPr lang="en-US" sz="2800" dirty="0">
+              <a:latin typeface="Bahnschrift Light" panose="020B0502040204020203" pitchFamily="34" charset="0"/>
+            </a:endParaRPr>
+          </a:p>
+        </p:txBody>
+      </p:sp>
+      <p:pic>
+        <p:nvPicPr>
+          <p:cNvPr id="4" name="Picture 3"/>
+          <p:cNvPicPr>
+            <a:picLocks noChangeAspect="1"/>
+          </p:cNvPicPr>
+          <p:nvPr/>
+        </p:nvPicPr>
+        <p:blipFill>
+          <a:blip r:embed="rId2"/>
+          <a:stretch>
+            <a:fillRect/>
+          </a:stretch>
+        </p:blipFill>
+        <p:spPr>
+          <a:xfrm>
+            <a:off x="139700" y="738232"/>
+            <a:ext cx="11936791" cy="5586368"/>
+          </a:xfrm>
+          <a:prstGeom prst="rect">
+            <a:avLst/>
+          </a:prstGeom>
+        </p:spPr>
+      </p:pic>
+    </p:spTree>
+    <p:extLst>
+      <p:ext uri="{BB962C8B-B14F-4D97-AF65-F5344CB8AC3E}">
+        <p14:creationId xmlns:p14="http://schemas.microsoft.com/office/powerpoint/2010/main" val="3119402187"/>
+      </p:ext>
+    </p:extLst>
+  </p:cSld>
+  <p:clrMapOvr>
+    <a:masterClrMapping/>
+  </p:clrMapOvr>
+</p:sld>
+</file>
+
+<file path=ppt/slides/slide32.xml><?xml version="1.0" encoding="utf-8"?>
+<p:sld xmlns:a="http://schemas.openxmlformats.org/drawingml/2006/main" xmlns:r="http://schemas.openxmlformats.org/officeDocument/2006/relationships" xmlns:p="http://schemas.openxmlformats.org/presentationml/2006/main">
+  <p:cSld>
+    <p:spTree>
+      <p:nvGrpSpPr>
+        <p:cNvPr id="1" name=""/>
+        <p:cNvGrpSpPr/>
+        <p:nvPr/>
+      </p:nvGrpSpPr>
+      <p:grpSpPr>
+        <a:xfrm>
+          <a:off x="0" y="0"/>
+          <a:ext cx="0" cy="0"/>
+          <a:chOff x="0" y="0"/>
+          <a:chExt cx="0" cy="0"/>
+        </a:xfrm>
+      </p:grpSpPr>
+      <p:sp>
+        <p:nvSpPr>
+          <p:cNvPr id="2" name="TextBox 1"/>
+          <p:cNvSpPr txBox="1"/>
+          <p:nvPr/>
+        </p:nvSpPr>
+        <p:spPr>
+          <a:xfrm>
+            <a:off x="139700" y="-92765"/>
+            <a:ext cx="11862759" cy="830997"/>
+          </a:xfrm>
+          <a:prstGeom prst="rect">
+            <a:avLst/>
+          </a:prstGeom>
+          <a:noFill/>
+        </p:spPr>
+        <p:txBody>
+          <a:bodyPr wrap="square" rtlCol="0">
+            <a:spAutoFit/>
+          </a:bodyPr>
+          <a:lstStyle/>
+          <a:p>
+            <a:pPr algn="ctr"/>
+            <a:r>
+              <a:rPr lang="en-US" sz="2400" dirty="0">
+                <a:latin typeface="Bahnschrift Light" panose="020B0502040204020203" pitchFamily="34" charset="0"/>
+              </a:rPr>
+              <a:t>Visualization</a:t>
+            </a:r>
+            <a:r>
+              <a:rPr lang="en-US" sz="4800" dirty="0">
+                <a:latin typeface="Bahnschrift Light" panose="020B0502040204020203" pitchFamily="34" charset="0"/>
+              </a:rPr>
+              <a:t> </a:t>
+            </a:r>
+            <a:r>
+              <a:rPr lang="en-US" sz="2800" dirty="0" smtClean="0">
+                <a:latin typeface="Bahnschrift Light" panose="020B0502040204020203" pitchFamily="34" charset="0"/>
+              </a:rPr>
+              <a:t>{</a:t>
+            </a:r>
+            <a:r>
+              <a:rPr lang="en-US" sz="2800" dirty="0">
+                <a:latin typeface="Bahnschrift Light" panose="020B0502040204020203" pitchFamily="34" charset="0"/>
+              </a:rPr>
+              <a:t>Data from </a:t>
+            </a:r>
+            <a:r>
+              <a:rPr lang="en-US" sz="2800" dirty="0" smtClean="0">
+                <a:latin typeface="Bahnschrift Light" panose="020B0502040204020203" pitchFamily="34" charset="0"/>
+              </a:rPr>
+              <a:t>Investing.Com vs Data from </a:t>
+            </a:r>
+            <a:r>
+              <a:rPr lang="en-US" sz="2800" dirty="0" err="1" smtClean="0">
+                <a:latin typeface="Bahnschrift Light" panose="020B0502040204020203" pitchFamily="34" charset="0"/>
+              </a:rPr>
+              <a:t>WorldBank</a:t>
+            </a:r>
+            <a:r>
+              <a:rPr lang="en-US" sz="2800" dirty="0" smtClean="0">
+                <a:latin typeface="Bahnschrift Light" panose="020B0502040204020203" pitchFamily="34" charset="0"/>
+              </a:rPr>
+              <a:t>}</a:t>
+            </a:r>
+            <a:endParaRPr lang="en-US" sz="2800" dirty="0">
+              <a:latin typeface="Bahnschrift Light" panose="020B0502040204020203" pitchFamily="34" charset="0"/>
+            </a:endParaRPr>
+          </a:p>
+        </p:txBody>
+      </p:sp>
+      <p:pic>
+        <p:nvPicPr>
+          <p:cNvPr id="3" name="Picture 2"/>
+          <p:cNvPicPr>
+            <a:picLocks noChangeAspect="1"/>
+          </p:cNvPicPr>
+          <p:nvPr/>
+        </p:nvPicPr>
+        <p:blipFill>
+          <a:blip r:embed="rId2"/>
+          <a:stretch>
+            <a:fillRect/>
+          </a:stretch>
+        </p:blipFill>
+        <p:spPr>
+          <a:xfrm>
+            <a:off x="83641" y="954132"/>
+            <a:ext cx="12061484" cy="5599068"/>
+          </a:xfrm>
+          <a:prstGeom prst="rect">
+            <a:avLst/>
+          </a:prstGeom>
+        </p:spPr>
+      </p:pic>
+    </p:spTree>
+    <p:extLst>
+      <p:ext uri="{BB962C8B-B14F-4D97-AF65-F5344CB8AC3E}">
+        <p14:creationId xmlns:p14="http://schemas.microsoft.com/office/powerpoint/2010/main" val="2187603829"/>
+      </p:ext>
+    </p:extLst>
+  </p:cSld>
+  <p:clrMapOvr>
+    <a:masterClrMapping/>
+  </p:clrMapOvr>
+</p:sld>
+</file>
+
+<file path=ppt/slides/slide33.xml><?xml version="1.0" encoding="utf-8"?>
+<p:sld xmlns:a="http://schemas.openxmlformats.org/drawingml/2006/main" xmlns:r="http://schemas.openxmlformats.org/officeDocument/2006/relationships" xmlns:p="http://schemas.openxmlformats.org/presentationml/2006/main">
+  <p:cSld>
+    <p:spTree>
+      <p:nvGrpSpPr>
+        <p:cNvPr id="1" name=""/>
+        <p:cNvGrpSpPr/>
+        <p:nvPr/>
+      </p:nvGrpSpPr>
+      <p:grpSpPr>
+        <a:xfrm>
+          <a:off x="0" y="0"/>
+          <a:ext cx="0" cy="0"/>
+          <a:chOff x="0" y="0"/>
+          <a:chExt cx="0" cy="0"/>
+        </a:xfrm>
+      </p:grpSpPr>
+      <p:sp>
+        <p:nvSpPr>
+          <p:cNvPr id="2" name="TextBox 1"/>
+          <p:cNvSpPr txBox="1"/>
+          <p:nvPr/>
+        </p:nvSpPr>
+        <p:spPr>
+          <a:xfrm>
+            <a:off x="1549952" y="-3865"/>
+            <a:ext cx="8680174" cy="830997"/>
+          </a:xfrm>
+          <a:prstGeom prst="rect">
+            <a:avLst/>
+          </a:prstGeom>
+          <a:noFill/>
+        </p:spPr>
+        <p:txBody>
+          <a:bodyPr wrap="square" rtlCol="0">
+            <a:spAutoFit/>
+          </a:bodyPr>
+          <a:lstStyle/>
+          <a:p>
+            <a:pPr algn="ctr"/>
+            <a:r>
+              <a:rPr lang="en-US" sz="4800" dirty="0" smtClean="0">
+                <a:latin typeface="Bahnschrift Light" panose="020B0502040204020203" pitchFamily="34" charset="0"/>
+              </a:rPr>
+              <a:t>Result</a:t>
+            </a:r>
+            <a:endParaRPr lang="en-US" sz="4800" dirty="0">
+              <a:latin typeface="Bahnschrift Light" panose="020B0502040204020203" pitchFamily="34" charset="0"/>
+            </a:endParaRPr>
+          </a:p>
+        </p:txBody>
+      </p:sp>
+      <p:sp>
+        <p:nvSpPr>
+          <p:cNvPr id="3" name="TextBox 2"/>
+          <p:cNvSpPr txBox="1"/>
+          <p:nvPr/>
+        </p:nvSpPr>
+        <p:spPr>
+          <a:xfrm>
+            <a:off x="909429" y="725557"/>
+            <a:ext cx="10257183" cy="4524315"/>
+          </a:xfrm>
+          <a:prstGeom prst="rect">
+            <a:avLst/>
+          </a:prstGeom>
+          <a:noFill/>
+        </p:spPr>
+        <p:txBody>
+          <a:bodyPr wrap="square" rtlCol="0">
+            <a:spAutoFit/>
+          </a:bodyPr>
+          <a:lstStyle/>
+          <a:p>
+            <a:pPr algn="ctr"/>
+            <a:r>
+              <a:rPr lang="en-US" sz="3200" dirty="0" smtClean="0"/>
+              <a:t>From the above analysis, on reviewing the MAE and MSE, RMSE, and R² values from all the models considered, it is apparently clear that “</a:t>
+            </a:r>
+            <a:r>
+              <a:rPr lang="en-US" sz="3200" b="1" dirty="0" smtClean="0"/>
+              <a:t>Linear Regression</a:t>
+            </a:r>
+            <a:r>
+              <a:rPr lang="en-US" sz="3200" dirty="0" smtClean="0"/>
+              <a:t>”, “</a:t>
+            </a:r>
+            <a:r>
+              <a:rPr lang="en-US" sz="3200" b="1" dirty="0" smtClean="0"/>
+              <a:t>Random Forest Regressor (RFR</a:t>
+            </a:r>
+            <a:r>
+              <a:rPr lang="en-US" sz="3200" b="1" dirty="0" smtClean="0"/>
+              <a:t>)</a:t>
+            </a:r>
+            <a:r>
+              <a:rPr lang="en-US" sz="3200" dirty="0" smtClean="0"/>
+              <a:t>”, “</a:t>
+            </a:r>
+            <a:r>
+              <a:rPr lang="en-US" sz="3200" b="1" dirty="0"/>
+              <a:t>Ridge Regression</a:t>
+            </a:r>
+            <a:r>
+              <a:rPr lang="en-US" sz="3200" dirty="0"/>
+              <a:t>” </a:t>
+            </a:r>
+            <a:r>
+              <a:rPr lang="en-US" sz="3200" dirty="0" smtClean="0"/>
+              <a:t>and “</a:t>
+            </a:r>
+            <a:r>
+              <a:rPr lang="en-US" sz="3200" b="1" dirty="0" smtClean="0"/>
+              <a:t>Bayesian Ridge Regression</a:t>
+            </a:r>
+            <a:r>
+              <a:rPr lang="en-US" sz="3200" dirty="0" smtClean="0"/>
+              <a:t>” displayed wonderful results. However, I will be relying </a:t>
+            </a:r>
+            <a:r>
+              <a:rPr lang="en-US" sz="3200" dirty="0"/>
+              <a:t>more on “</a:t>
+            </a:r>
+            <a:r>
+              <a:rPr lang="en-US" sz="3200" b="1" dirty="0"/>
+              <a:t>Random Forest Regressor (RFR)</a:t>
+            </a:r>
+            <a:r>
+              <a:rPr lang="en-US" sz="3200" dirty="0"/>
+              <a:t>” </a:t>
+            </a:r>
+            <a:r>
+              <a:rPr lang="en-US" sz="3200" dirty="0" smtClean="0"/>
+              <a:t>due to its robustness about being exposed to many </a:t>
+            </a:r>
+            <a:r>
+              <a:rPr lang="en-US" sz="3200" dirty="0" smtClean="0"/>
+              <a:t>hyperparameters </a:t>
+            </a:r>
+            <a:r>
+              <a:rPr lang="en-US" sz="3200" dirty="0" smtClean="0"/>
+              <a:t>for tuning.</a:t>
+            </a:r>
+          </a:p>
+          <a:p>
+            <a:pPr algn="ctr"/>
+            <a:endParaRPr lang="en-US" sz="3200" dirty="0"/>
+          </a:p>
+        </p:txBody>
+      </p:sp>
+    </p:spTree>
+    <p:extLst>
+      <p:ext uri="{BB962C8B-B14F-4D97-AF65-F5344CB8AC3E}">
+        <p14:creationId xmlns:p14="http://schemas.microsoft.com/office/powerpoint/2010/main" val="375198924"/>
+      </p:ext>
+    </p:extLst>
+  </p:cSld>
+  <p:clrMapOvr>
+    <a:masterClrMapping/>
+  </p:clrMapOvr>
+  <p:timing>
+    <p:tnLst>
+      <p:par>
+        <p:cTn id="1" dur="indefinite" restart="never" nodeType="tmRoot"/>
+      </p:par>
+    </p:tnLst>
+  </p:timing>
+</p:sld>
+</file>
+
+<file path=ppt/slides/slide34.xml><?xml version="1.0" encoding="utf-8"?>
+<p:sld xmlns:a="http://schemas.openxmlformats.org/drawingml/2006/main" xmlns:r="http://schemas.openxmlformats.org/officeDocument/2006/relationships" xmlns:p="http://schemas.openxmlformats.org/presentationml/2006/main">
+  <p:cSld>
+    <p:spTree>
+      <p:nvGrpSpPr>
+        <p:cNvPr id="1" name=""/>
+        <p:cNvGrpSpPr/>
+        <p:nvPr/>
+      </p:nvGrpSpPr>
+      <p:grpSpPr>
+        <a:xfrm>
+          <a:off x="0" y="0"/>
+          <a:ext cx="0" cy="0"/>
+          <a:chOff x="0" y="0"/>
+          <a:chExt cx="0" cy="0"/>
+        </a:xfrm>
+      </p:grpSpPr>
+      <p:sp>
+        <p:nvSpPr>
+          <p:cNvPr id="2" name="TextBox 1"/>
+          <p:cNvSpPr txBox="1"/>
+          <p:nvPr/>
+        </p:nvSpPr>
+        <p:spPr>
+          <a:xfrm>
+            <a:off x="622852" y="275535"/>
+            <a:ext cx="10527748" cy="830997"/>
+          </a:xfrm>
+          <a:prstGeom prst="rect">
+            <a:avLst/>
+          </a:prstGeom>
+          <a:noFill/>
+        </p:spPr>
+        <p:txBody>
+          <a:bodyPr wrap="square" rtlCol="0">
+            <a:spAutoFit/>
+          </a:bodyPr>
+          <a:lstStyle/>
+          <a:p>
+            <a:pPr algn="ctr"/>
+            <a:r>
+              <a:rPr lang="en-US" sz="4800" dirty="0">
+                <a:latin typeface="Bahnschrift Light" panose="020B0502040204020203" pitchFamily="34" charset="0"/>
+              </a:rPr>
+              <a:t>Random Forest Regressor (RFR)</a:t>
+            </a:r>
+          </a:p>
+        </p:txBody>
+      </p:sp>
+      <p:sp>
+        <p:nvSpPr>
+          <p:cNvPr id="3" name="TextBox 2"/>
+          <p:cNvSpPr txBox="1"/>
+          <p:nvPr/>
+        </p:nvSpPr>
+        <p:spPr>
+          <a:xfrm>
+            <a:off x="622852" y="1320800"/>
+            <a:ext cx="10718248" cy="5016758"/>
+          </a:xfrm>
+          <a:prstGeom prst="rect">
+            <a:avLst/>
+          </a:prstGeom>
+          <a:noFill/>
+        </p:spPr>
+        <p:txBody>
+          <a:bodyPr wrap="square" rtlCol="0">
+            <a:spAutoFit/>
+          </a:bodyPr>
+          <a:lstStyle/>
+          <a:p>
+            <a:pPr algn="just"/>
+            <a:r>
+              <a:rPr lang="en-US" sz="3200" dirty="0"/>
+              <a:t>Random Forest Regressor (RFR) is a supervised learning algorithm belonging to the ensemble learning family, specifically the random forest method, used for regression tasks. It's an extension of the Random Forest algorithm for classification</a:t>
+            </a:r>
+            <a:r>
+              <a:rPr lang="en-US" sz="3200" dirty="0" smtClean="0"/>
+              <a:t>.</a:t>
+            </a:r>
+          </a:p>
+          <a:p>
+            <a:pPr algn="just"/>
+            <a:r>
+              <a:rPr lang="en-US" sz="3200" dirty="0"/>
+              <a:t>Random Forest Regressor is known for its robustness, scalability, and ability to handle </a:t>
+            </a:r>
+            <a:r>
+              <a:rPr lang="en-US" sz="3200" b="1" i="1" dirty="0"/>
+              <a:t>high-dimensional data with a large number of features</a:t>
+            </a:r>
+            <a:r>
+              <a:rPr lang="en-US" sz="3200" dirty="0"/>
+              <a:t>. It often performs well across a wide range of regression problems and is less prone to overfitting compared to individual decision trees</a:t>
+            </a:r>
+            <a:r>
+              <a:rPr lang="en-US" sz="3200" dirty="0" smtClean="0"/>
+              <a:t>.</a:t>
+            </a:r>
+            <a:endParaRPr lang="en-US" dirty="0"/>
+          </a:p>
+        </p:txBody>
+      </p:sp>
+    </p:spTree>
+    <p:extLst>
+      <p:ext uri="{BB962C8B-B14F-4D97-AF65-F5344CB8AC3E}">
+        <p14:creationId xmlns:p14="http://schemas.microsoft.com/office/powerpoint/2010/main" val="4247388192"/>
+      </p:ext>
+    </p:extLst>
+  </p:cSld>
+  <p:clrMapOvr>
+    <a:masterClrMapping/>
+  </p:clrMapOvr>
+  <p:timing>
+    <p:tnLst>
+      <p:par>
+        <p:cTn id="1" dur="indefinite" restart="never" nodeType="tmRoot"/>
+      </p:par>
+    </p:tnLst>
+  </p:timing>
+</p:sld>
+</file>
+
+<file path=ppt/slides/slide35.xml><?xml version="1.0" encoding="utf-8"?>
+<p:sld xmlns:a="http://schemas.openxmlformats.org/drawingml/2006/main" xmlns:r="http://schemas.openxmlformats.org/officeDocument/2006/relationships" xmlns:p="http://schemas.openxmlformats.org/presentationml/2006/main">
+  <p:cSld>
+    <p:spTree>
+      <p:nvGrpSpPr>
+        <p:cNvPr id="1" name=""/>
+        <p:cNvGrpSpPr/>
+        <p:nvPr/>
+      </p:nvGrpSpPr>
+      <p:grpSpPr>
+        <a:xfrm>
+          <a:off x="0" y="0"/>
+          <a:ext cx="0" cy="0"/>
+          <a:chOff x="0" y="0"/>
+          <a:chExt cx="0" cy="0"/>
+        </a:xfrm>
+      </p:grpSpPr>
+      <p:sp>
+        <p:nvSpPr>
+          <p:cNvPr id="2" name="TextBox 1"/>
+          <p:cNvSpPr txBox="1"/>
+          <p:nvPr/>
+        </p:nvSpPr>
+        <p:spPr>
+          <a:xfrm>
+            <a:off x="1308100" y="88900"/>
+            <a:ext cx="9271000" cy="707886"/>
+          </a:xfrm>
+          <a:prstGeom prst="rect">
+            <a:avLst/>
+          </a:prstGeom>
+          <a:noFill/>
+        </p:spPr>
+        <p:txBody>
+          <a:bodyPr wrap="square" rtlCol="0">
+            <a:spAutoFit/>
+          </a:bodyPr>
+          <a:lstStyle/>
+          <a:p>
+            <a:pPr algn="ctr"/>
+            <a:r>
+              <a:rPr lang="en-US" sz="4000" dirty="0" smtClean="0">
+                <a:latin typeface="Bahnschrift Light" panose="020B0502040204020203" pitchFamily="34" charset="0"/>
+              </a:rPr>
+              <a:t>Future Plans</a:t>
+            </a:r>
+            <a:endParaRPr lang="en-US" sz="4400" dirty="0">
+              <a:latin typeface="Bahnschrift Light" panose="020B0502040204020203" pitchFamily="34" charset="0"/>
+            </a:endParaRPr>
+          </a:p>
+        </p:txBody>
+      </p:sp>
+      <p:sp>
+        <p:nvSpPr>
+          <p:cNvPr id="3" name="TextBox 2"/>
+          <p:cNvSpPr txBox="1"/>
+          <p:nvPr/>
+        </p:nvSpPr>
+        <p:spPr>
+          <a:xfrm>
+            <a:off x="825500" y="927100"/>
+            <a:ext cx="10210800" cy="5016758"/>
+          </a:xfrm>
+          <a:prstGeom prst="rect">
+            <a:avLst/>
+          </a:prstGeom>
+          <a:noFill/>
+        </p:spPr>
+        <p:txBody>
+          <a:bodyPr wrap="square" rtlCol="0">
+            <a:spAutoFit/>
+          </a:bodyPr>
+          <a:lstStyle/>
+          <a:p>
+            <a:r>
+              <a:rPr lang="en-US" sz="3200" dirty="0" smtClean="0"/>
+              <a:t>I will also explore alternative source where I can access the Macroeconomics indices maintained at more frequent basis; possibly weekly, or even daily levels.</a:t>
+            </a:r>
+          </a:p>
+          <a:p>
+            <a:endParaRPr lang="en-US" sz="3200" dirty="0"/>
+          </a:p>
+          <a:p>
+            <a:r>
+              <a:rPr lang="en-US" sz="3200" dirty="0"/>
+              <a:t>I plan to improve on my model by adding more </a:t>
+            </a:r>
+            <a:r>
+              <a:rPr lang="en-US" sz="3200" dirty="0" smtClean="0"/>
+              <a:t>Technical </a:t>
+            </a:r>
+            <a:r>
+              <a:rPr lang="en-US" sz="3200" dirty="0"/>
+              <a:t>features.</a:t>
+            </a:r>
+          </a:p>
+          <a:p>
+            <a:endParaRPr lang="en-US" sz="3200" dirty="0" smtClean="0"/>
+          </a:p>
+          <a:p>
+            <a:r>
+              <a:rPr lang="en-US" sz="3200" dirty="0" smtClean="0"/>
+              <a:t>I will explore a way of automatically accessing the </a:t>
+            </a:r>
+            <a:r>
+              <a:rPr lang="en-US" sz="3200" dirty="0"/>
+              <a:t>Statistical </a:t>
+            </a:r>
+            <a:r>
+              <a:rPr lang="en-US" sz="3200" dirty="0" smtClean="0"/>
+              <a:t>data from a sources like Investing.Com or Tick Data Suite(TDS) whose data is as close as the live data.</a:t>
+            </a:r>
+            <a:endParaRPr lang="en-US" sz="3200" dirty="0"/>
+          </a:p>
+        </p:txBody>
+      </p:sp>
+    </p:spTree>
+    <p:extLst>
+      <p:ext uri="{BB962C8B-B14F-4D97-AF65-F5344CB8AC3E}">
+        <p14:creationId xmlns:p14="http://schemas.microsoft.com/office/powerpoint/2010/main" val="685488599"/>
+      </p:ext>
+    </p:extLst>
+  </p:cSld>
+  <p:clrMapOvr>
+    <a:masterClrMapping/>
+  </p:clrMapOvr>
+  <p:timing>
+    <p:tnLst>
+      <p:par>
+        <p:cTn id="1" dur="indefinite" restart="never" nodeType="tmRoot"/>
+      </p:par>
+    </p:tnLst>
+  </p:timing>
+</p:sld>
+</file>
+
+<file path=ppt/slides/slide36.xml><?xml version="1.0" encoding="utf-8"?>
+<p:sld xmlns:a="http://schemas.openxmlformats.org/drawingml/2006/main" xmlns:r="http://schemas.openxmlformats.org/officeDocument/2006/relationships" xmlns:p="http://schemas.openxmlformats.org/presentationml/2006/main">
+  <p:cSld>
+    <p:spTree>
+      <p:nvGrpSpPr>
+        <p:cNvPr id="1" name=""/>
+        <p:cNvGrpSpPr/>
+        <p:nvPr/>
+      </p:nvGrpSpPr>
+      <p:grpSpPr>
+        <a:xfrm>
+          <a:off x="0" y="0"/>
+          <a:ext cx="0" cy="0"/>
+          <a:chOff x="0" y="0"/>
+          <a:chExt cx="0" cy="0"/>
+        </a:xfrm>
+      </p:grpSpPr>
+      <p:sp>
+        <p:nvSpPr>
+          <p:cNvPr id="2" name="TextBox 1"/>
+          <p:cNvSpPr txBox="1"/>
+          <p:nvPr/>
+        </p:nvSpPr>
+        <p:spPr>
+          <a:xfrm>
+            <a:off x="1143552" y="3120335"/>
+            <a:ext cx="8680174" cy="830997"/>
+          </a:xfrm>
+          <a:prstGeom prst="rect">
+            <a:avLst/>
+          </a:prstGeom>
+          <a:noFill/>
+        </p:spPr>
+        <p:txBody>
+          <a:bodyPr wrap="square" rtlCol="0">
+            <a:spAutoFit/>
+          </a:bodyPr>
+          <a:lstStyle/>
+          <a:p>
+            <a:pPr algn="ctr"/>
+            <a:r>
+              <a:rPr lang="en-US" sz="4800" dirty="0" smtClean="0">
+                <a:latin typeface="Bahnschrift Light" panose="020B0502040204020203" pitchFamily="34" charset="0"/>
+              </a:rPr>
+              <a:t>Thank you</a:t>
+            </a:r>
+            <a:endParaRPr lang="en-US" sz="4800" dirty="0">
+              <a:latin typeface="Bahnschrift Light" panose="020B0502040204020203" pitchFamily="34" charset="0"/>
+            </a:endParaRPr>
+          </a:p>
+        </p:txBody>
+      </p:sp>
+    </p:spTree>
+    <p:extLst>
+      <p:ext uri="{BB962C8B-B14F-4D97-AF65-F5344CB8AC3E}">
+        <p14:creationId xmlns:p14="http://schemas.microsoft.com/office/powerpoint/2010/main" val="372485860"/>
+      </p:ext>
+    </p:extLst>
+  </p:cSld>
+  <p:clrMapOvr>
+    <a:masterClrMapping/>
+  </p:clrMapOvr>
+  <p:timing>
+    <p:tnLst>
+      <p:par>
+        <p:cTn id="1" dur="indefinite" restart="never" nodeType="tmRoot"/>
+      </p:par>
+    </p:tnLst>
+  </p:timing>
 </p:sld>
 </file>
 
@@ -6909,62 +9963,62 @@
           <a:chExt cx="0" cy="0"/>
         </a:xfrm>
       </p:grpSpPr>
+      <p:sp>
+        <p:nvSpPr>
+          <p:cNvPr id="2" name="Flowchart: Magnetic Disk 1"/>
+          <p:cNvSpPr/>
+          <p:nvPr/>
+        </p:nvSpPr>
+        <p:spPr>
+          <a:xfrm>
+            <a:off x="1054100" y="723900"/>
+            <a:ext cx="2806700" cy="1676400"/>
+          </a:xfrm>
+          <a:prstGeom prst="flowChartMagneticDisk">
+            <a:avLst/>
+          </a:prstGeom>
+        </p:spPr>
+        <p:style>
+          <a:lnRef idx="2">
+            <a:schemeClr val="accent6"/>
+          </a:lnRef>
+          <a:fillRef idx="1">
+            <a:schemeClr val="lt1"/>
+          </a:fillRef>
+          <a:effectRef idx="0">
+            <a:schemeClr val="accent6"/>
+          </a:effectRef>
+          <a:fontRef idx="minor">
+            <a:schemeClr val="dk1"/>
+          </a:fontRef>
+        </p:style>
+        <p:txBody>
+          <a:bodyPr rtlCol="0" anchor="ctr"/>
+          <a:lstStyle/>
+          <a:p>
+            <a:pPr algn="ctr"/>
+            <a:endParaRPr lang="en-US">
+              <a:solidFill>
+                <a:srgbClr val="FFC000"/>
+              </a:solidFill>
+            </a:endParaRPr>
+          </a:p>
+        </p:txBody>
+      </p:sp>
       <p:grpSp>
         <p:nvGrpSpPr>
-          <p:cNvPr id="29" name="Group 28"/>
+          <p:cNvPr id="9" name="Group 8"/>
           <p:cNvGrpSpPr/>
           <p:nvPr/>
         </p:nvGrpSpPr>
         <p:grpSpPr>
           <a:xfrm>
-            <a:off x="1054100" y="723900"/>
-            <a:ext cx="10147300" cy="5664200"/>
-            <a:chOff x="1054100" y="723900"/>
-            <a:chExt cx="10147300" cy="5664200"/>
+            <a:off x="1054100" y="812800"/>
+            <a:ext cx="10147300" cy="5575300"/>
+            <a:chOff x="1054100" y="812800"/>
+            <a:chExt cx="10147300" cy="5575300"/>
           </a:xfrm>
         </p:grpSpPr>
-        <p:sp>
-          <p:nvSpPr>
-            <p:cNvPr id="2" name="Flowchart: Magnetic Disk 1"/>
-            <p:cNvSpPr/>
-            <p:nvPr/>
-          </p:nvSpPr>
-          <p:spPr>
-            <a:xfrm>
-              <a:off x="1054100" y="723900"/>
-              <a:ext cx="2806700" cy="1676400"/>
-            </a:xfrm>
-            <a:prstGeom prst="flowChartMagneticDisk">
-              <a:avLst/>
-            </a:prstGeom>
-          </p:spPr>
-          <p:style>
-            <a:lnRef idx="2">
-              <a:schemeClr val="accent6"/>
-            </a:lnRef>
-            <a:fillRef idx="1">
-              <a:schemeClr val="lt1"/>
-            </a:fillRef>
-            <a:effectRef idx="0">
-              <a:schemeClr val="accent6"/>
-            </a:effectRef>
-            <a:fontRef idx="minor">
-              <a:schemeClr val="dk1"/>
-            </a:fontRef>
-          </p:style>
-          <p:txBody>
-            <a:bodyPr rtlCol="0" anchor="ctr"/>
-            <a:lstStyle/>
-            <a:p>
-              <a:pPr algn="ctr"/>
-              <a:endParaRPr lang="en-US">
-                <a:solidFill>
-                  <a:srgbClr val="FFC000"/>
-                </a:solidFill>
-              </a:endParaRPr>
-            </a:p>
-          </p:txBody>
-        </p:sp>
         <p:sp>
           <p:nvSpPr>
             <p:cNvPr id="3" name="Flowchart: Magnetic Disk 2"/>
@@ -7189,8 +10243,8 @@
           </p:nvSpPr>
           <p:spPr>
             <a:xfrm>
-              <a:off x="1460500" y="850900"/>
-              <a:ext cx="2095500" cy="400110"/>
+              <a:off x="1231900" y="812800"/>
+              <a:ext cx="762000" cy="400110"/>
             </a:xfrm>
             <a:prstGeom prst="rect">
               <a:avLst/>
@@ -7647,6 +10701,35 @@
           </a:p>
         </p:txBody>
       </p:sp>
+      <p:sp>
+        <p:nvSpPr>
+          <p:cNvPr id="8" name="TextBox 7"/>
+          <p:cNvSpPr txBox="1"/>
+          <p:nvPr/>
+        </p:nvSpPr>
+        <p:spPr>
+          <a:xfrm>
+            <a:off x="1963969" y="733209"/>
+            <a:ext cx="1503131" cy="584775"/>
+          </a:xfrm>
+          <a:prstGeom prst="rect">
+            <a:avLst/>
+          </a:prstGeom>
+          <a:noFill/>
+        </p:spPr>
+        <p:txBody>
+          <a:bodyPr wrap="square" rtlCol="0">
+            <a:spAutoFit/>
+          </a:bodyPr>
+          <a:lstStyle/>
+          <a:p>
+            <a:r>
+              <a:rPr lang="en-US" sz="1600" dirty="0"/>
+              <a:t>Federal Reserve Economic Data</a:t>
+            </a:r>
+          </a:p>
+        </p:txBody>
+      </p:sp>
     </p:spTree>
     <p:extLst>
       <p:ext uri="{BB962C8B-B14F-4D97-AF65-F5344CB8AC3E}">

--- a/MyBDAThesis/Akubue Simon - Thesis Presentation.pptx
+++ b/MyBDAThesis/Akubue Simon - Thesis Presentation.pptx
@@ -21,26 +21,30 @@
     <p:sldId id="259" r:id="rId15"/>
     <p:sldId id="287" r:id="rId16"/>
     <p:sldId id="302" r:id="rId17"/>
-    <p:sldId id="303" r:id="rId18"/>
-    <p:sldId id="290" r:id="rId19"/>
-    <p:sldId id="305" r:id="rId20"/>
-    <p:sldId id="304" r:id="rId21"/>
-    <p:sldId id="289" r:id="rId22"/>
-    <p:sldId id="306" r:id="rId23"/>
-    <p:sldId id="309" r:id="rId24"/>
-    <p:sldId id="308" r:id="rId25"/>
-    <p:sldId id="310" r:id="rId26"/>
-    <p:sldId id="311" r:id="rId27"/>
-    <p:sldId id="312" r:id="rId28"/>
-    <p:sldId id="313" r:id="rId29"/>
-    <p:sldId id="314" r:id="rId30"/>
-    <p:sldId id="315" r:id="rId31"/>
-    <p:sldId id="316" r:id="rId32"/>
-    <p:sldId id="317" r:id="rId33"/>
-    <p:sldId id="260" r:id="rId34"/>
-    <p:sldId id="272" r:id="rId35"/>
-    <p:sldId id="288" r:id="rId36"/>
-    <p:sldId id="268" r:id="rId37"/>
+    <p:sldId id="318" r:id="rId18"/>
+    <p:sldId id="303" r:id="rId19"/>
+    <p:sldId id="290" r:id="rId20"/>
+    <p:sldId id="305" r:id="rId21"/>
+    <p:sldId id="319" r:id="rId22"/>
+    <p:sldId id="304" r:id="rId23"/>
+    <p:sldId id="289" r:id="rId24"/>
+    <p:sldId id="306" r:id="rId25"/>
+    <p:sldId id="309" r:id="rId26"/>
+    <p:sldId id="308" r:id="rId27"/>
+    <p:sldId id="320" r:id="rId28"/>
+    <p:sldId id="321" r:id="rId29"/>
+    <p:sldId id="310" r:id="rId30"/>
+    <p:sldId id="311" r:id="rId31"/>
+    <p:sldId id="312" r:id="rId32"/>
+    <p:sldId id="313" r:id="rId33"/>
+    <p:sldId id="314" r:id="rId34"/>
+    <p:sldId id="315" r:id="rId35"/>
+    <p:sldId id="316" r:id="rId36"/>
+    <p:sldId id="317" r:id="rId37"/>
+    <p:sldId id="260" r:id="rId38"/>
+    <p:sldId id="272" r:id="rId39"/>
+    <p:sldId id="288" r:id="rId40"/>
+    <p:sldId id="268" r:id="rId41"/>
   </p:sldIdLst>
   <p:sldSz cx="12192000" cy="6858000"/>
   <p:notesSz cx="6858000" cy="9144000"/>
@@ -278,7 +282,7 @@
           <a:p>
             <a:fld id="{AC9F1F34-0473-412F-A52A-8045292EA46A}" type="datetimeFigureOut">
               <a:rPr lang="en-US" smtClean="0"/>
-              <a:t>11/27/2024</a:t>
+              <a:t>12/12/2024</a:t>
             </a:fld>
             <a:endParaRPr lang="en-US"/>
           </a:p>
@@ -448,7 +452,7 @@
           <a:p>
             <a:fld id="{AC9F1F34-0473-412F-A52A-8045292EA46A}" type="datetimeFigureOut">
               <a:rPr lang="en-US" smtClean="0"/>
-              <a:t>11/27/2024</a:t>
+              <a:t>12/12/2024</a:t>
             </a:fld>
             <a:endParaRPr lang="en-US"/>
           </a:p>
@@ -628,7 +632,7 @@
           <a:p>
             <a:fld id="{AC9F1F34-0473-412F-A52A-8045292EA46A}" type="datetimeFigureOut">
               <a:rPr lang="en-US" smtClean="0"/>
-              <a:t>11/27/2024</a:t>
+              <a:t>12/12/2024</a:t>
             </a:fld>
             <a:endParaRPr lang="en-US"/>
           </a:p>
@@ -798,7 +802,7 @@
           <a:p>
             <a:fld id="{AC9F1F34-0473-412F-A52A-8045292EA46A}" type="datetimeFigureOut">
               <a:rPr lang="en-US" smtClean="0"/>
-              <a:t>11/27/2024</a:t>
+              <a:t>12/12/2024</a:t>
             </a:fld>
             <a:endParaRPr lang="en-US"/>
           </a:p>
@@ -1044,7 +1048,7 @@
           <a:p>
             <a:fld id="{AC9F1F34-0473-412F-A52A-8045292EA46A}" type="datetimeFigureOut">
               <a:rPr lang="en-US" smtClean="0"/>
-              <a:t>11/27/2024</a:t>
+              <a:t>12/12/2024</a:t>
             </a:fld>
             <a:endParaRPr lang="en-US"/>
           </a:p>
@@ -1276,7 +1280,7 @@
           <a:p>
             <a:fld id="{AC9F1F34-0473-412F-A52A-8045292EA46A}" type="datetimeFigureOut">
               <a:rPr lang="en-US" smtClean="0"/>
-              <a:t>11/27/2024</a:t>
+              <a:t>12/12/2024</a:t>
             </a:fld>
             <a:endParaRPr lang="en-US"/>
           </a:p>
@@ -1643,7 +1647,7 @@
           <a:p>
             <a:fld id="{AC9F1F34-0473-412F-A52A-8045292EA46A}" type="datetimeFigureOut">
               <a:rPr lang="en-US" smtClean="0"/>
-              <a:t>11/27/2024</a:t>
+              <a:t>12/12/2024</a:t>
             </a:fld>
             <a:endParaRPr lang="en-US"/>
           </a:p>
@@ -1761,7 +1765,7 @@
           <a:p>
             <a:fld id="{AC9F1F34-0473-412F-A52A-8045292EA46A}" type="datetimeFigureOut">
               <a:rPr lang="en-US" smtClean="0"/>
-              <a:t>11/27/2024</a:t>
+              <a:t>12/12/2024</a:t>
             </a:fld>
             <a:endParaRPr lang="en-US"/>
           </a:p>
@@ -1856,7 +1860,7 @@
           <a:p>
             <a:fld id="{AC9F1F34-0473-412F-A52A-8045292EA46A}" type="datetimeFigureOut">
               <a:rPr lang="en-US" smtClean="0"/>
-              <a:t>11/27/2024</a:t>
+              <a:t>12/12/2024</a:t>
             </a:fld>
             <a:endParaRPr lang="en-US"/>
           </a:p>
@@ -2133,7 +2137,7 @@
           <a:p>
             <a:fld id="{AC9F1F34-0473-412F-A52A-8045292EA46A}" type="datetimeFigureOut">
               <a:rPr lang="en-US" smtClean="0"/>
-              <a:t>11/27/2024</a:t>
+              <a:t>12/12/2024</a:t>
             </a:fld>
             <a:endParaRPr lang="en-US"/>
           </a:p>
@@ -2386,7 +2390,7 @@
           <a:p>
             <a:fld id="{AC9F1F34-0473-412F-A52A-8045292EA46A}" type="datetimeFigureOut">
               <a:rPr lang="en-US" smtClean="0"/>
-              <a:t>11/27/2024</a:t>
+              <a:t>12/12/2024</a:t>
             </a:fld>
             <a:endParaRPr lang="en-US"/>
           </a:p>
@@ -2599,7 +2603,7 @@
           <a:p>
             <a:fld id="{AC9F1F34-0473-412F-A52A-8045292EA46A}" type="datetimeFigureOut">
               <a:rPr lang="en-US" smtClean="0"/>
-              <a:t>11/27/2024</a:t>
+              <a:t>12/12/2024</a:t>
             </a:fld>
             <a:endParaRPr lang="en-US"/>
           </a:p>
@@ -3093,11 +3097,19 @@
           <a:p>
             <a:r>
               <a:rPr lang="en-US" dirty="0" smtClean="0"/>
-              <a:t>On: </a:t>
-            </a:r>
-            <a:r>
-              <a:rPr lang="en-US" i="1" dirty="0" smtClean="0"/>
-              <a:t>26-Nov-2024</a:t>
+              <a:t>On</a:t>
+            </a:r>
+            <a:r>
+              <a:rPr lang="en-US" smtClean="0"/>
+              <a:t>: </a:t>
+            </a:r>
+            <a:r>
+              <a:rPr lang="en-US" i="1" smtClean="0"/>
+              <a:t>18</a:t>
+            </a:r>
+            <a:r>
+              <a:rPr lang="en-US" i="1" smtClean="0"/>
+              <a:t>-Dec-2024</a:t>
             </a:r>
             <a:endParaRPr lang="en-US" i="1" dirty="0"/>
           </a:p>
@@ -4288,19 +4300,7 @@
               <a:rPr lang="en-US" sz="4800" dirty="0" smtClean="0">
                 <a:latin typeface="Bahnschrift Light" panose="020B0502040204020203" pitchFamily="34" charset="0"/>
               </a:rPr>
-              <a:t>The </a:t>
-            </a:r>
-            <a:r>
-              <a:rPr lang="en-US" sz="4800" dirty="0" smtClean="0">
-                <a:latin typeface="Bahnschrift Light" panose="020B0502040204020203" pitchFamily="34" charset="0"/>
-              </a:rPr>
-              <a:t>Model’s Flow </a:t>
-            </a:r>
-            <a:r>
-              <a:rPr lang="en-US" sz="4800" dirty="0" smtClean="0">
-                <a:latin typeface="Bahnschrift Light" panose="020B0502040204020203" pitchFamily="34" charset="0"/>
-              </a:rPr>
-              <a:t>Diagram</a:t>
+              <a:t>The Model’s Flow Diagram</a:t>
             </a:r>
             <a:endParaRPr lang="en-US" sz="4800" dirty="0">
               <a:latin typeface="Bahnschrift Light" panose="020B0502040204020203" pitchFamily="34" charset="0"/>
@@ -5493,11 +5493,7 @@
                 <a:pPr algn="ctr"/>
                 <a:r>
                   <a:rPr lang="en-US" dirty="0" smtClean="0"/>
-                  <a:t>Display the </a:t>
-                </a:r>
-                <a:r>
-                  <a:rPr lang="en-US" dirty="0" smtClean="0"/>
-                  <a:t>Results graphically &amp; tabular form</a:t>
+                  <a:t>Display the Results graphically &amp; tabular form</a:t>
                 </a:r>
                 <a:endParaRPr lang="en-US" dirty="0"/>
               </a:p>
@@ -5788,8 +5784,8 @@
         </p:nvSpPr>
         <p:spPr>
           <a:xfrm>
-            <a:off x="1397000" y="12700"/>
-            <a:ext cx="8928100" cy="830997"/>
+            <a:off x="274637" y="12700"/>
+            <a:ext cx="11512191" cy="830997"/>
           </a:xfrm>
           <a:prstGeom prst="rect">
             <a:avLst/>
@@ -5804,22 +5800,22 @@
           <a:p>
             <a:pPr algn="ctr"/>
             <a:r>
-              <a:rPr lang="en-US" sz="4800" dirty="0" smtClean="0">
-                <a:latin typeface="Bahnschrift Light" panose="020B0502040204020203" pitchFamily="34" charset="0"/>
-              </a:rPr>
-              <a:t>Models </a:t>
-            </a:r>
-            <a:r>
-              <a:rPr lang="en-US" sz="4800" dirty="0" smtClean="0">
-                <a:latin typeface="Bahnschrift Light" panose="020B0502040204020203" pitchFamily="34" charset="0"/>
-              </a:rPr>
-              <a:t>Comparison </a:t>
+              <a:rPr lang="en-US" sz="4800" dirty="0">
+                <a:latin typeface="Bahnschrift Light" panose="020B0502040204020203" pitchFamily="34" charset="0"/>
+              </a:rPr>
+              <a:t>Models Comparison </a:t>
+            </a:r>
+            <a:r>
+              <a:rPr lang="en-US" sz="2800" dirty="0">
+                <a:latin typeface="Bahnschrift Light" panose="020B0502040204020203" pitchFamily="34" charset="0"/>
+              </a:rPr>
+              <a:t>{Data from </a:t>
             </a:r>
             <a:r>
               <a:rPr lang="en-US" sz="2800" dirty="0" smtClean="0">
                 <a:latin typeface="Bahnschrift Light" panose="020B0502040204020203" pitchFamily="34" charset="0"/>
               </a:rPr>
-              <a:t>{Data from TDS}</a:t>
+              <a:t>Investing.Com}</a:t>
             </a:r>
             <a:endParaRPr lang="en-US" sz="2800" dirty="0">
               <a:latin typeface="Bahnschrift Light" panose="020B0502040204020203" pitchFamily="34" charset="0"/>
@@ -5829,7 +5825,7 @@
       </p:sp>
       <p:sp>
         <p:nvSpPr>
-          <p:cNvPr id="5" name="TextBox 4"/>
+          <p:cNvPr id="7" name="TextBox 6"/>
           <p:cNvSpPr txBox="1"/>
           <p:nvPr/>
         </p:nvSpPr>
@@ -5854,13 +5850,7 @@
               <a:rPr lang="en-US" sz="2800" dirty="0" smtClean="0">
                 <a:latin typeface="Bahnschrift Light" panose="020B0502040204020203" pitchFamily="34" charset="0"/>
               </a:rPr>
-              <a:t>90% Train – 10% Test </a:t>
-            </a:r>
-            <a:r>
-              <a:rPr lang="en-US" sz="2800" dirty="0" smtClean="0">
-                <a:latin typeface="Bahnschrift Light" panose="020B0502040204020203" pitchFamily="34" charset="0"/>
-              </a:rPr>
-              <a:t>Splitting, </a:t>
+              <a:t>90% Train – 10% Test Splitting, </a:t>
             </a:r>
             <a:r>
               <a:rPr lang="en-US" sz="2800" b="1" dirty="0" smtClean="0">
@@ -5885,7 +5875,7 @@
       </p:sp>
       <p:pic>
         <p:nvPicPr>
-          <p:cNvPr id="6" name="Picture 5"/>
+          <p:cNvPr id="2" name="Picture 1"/>
           <p:cNvPicPr>
             <a:picLocks noChangeAspect="1"/>
           </p:cNvPicPr>
@@ -5899,8 +5889,8 @@
         </p:blipFill>
         <p:spPr>
           <a:xfrm>
-            <a:off x="139700" y="1328737"/>
-            <a:ext cx="11885759" cy="5275263"/>
+            <a:off x="139699" y="1170920"/>
+            <a:ext cx="11862759" cy="5562762"/>
           </a:xfrm>
           <a:prstGeom prst="rect">
             <a:avLst/>
@@ -5910,13 +5900,20 @@
     </p:spTree>
     <p:extLst>
       <p:ext uri="{BB962C8B-B14F-4D97-AF65-F5344CB8AC3E}">
-        <p14:creationId xmlns:p14="http://schemas.microsoft.com/office/powerpoint/2010/main" val="3145523088"/>
+        <p14:creationId xmlns:p14="http://schemas.microsoft.com/office/powerpoint/2010/main" val="3751929403"/>
       </p:ext>
     </p:extLst>
   </p:cSld>
   <p:clrMapOvr>
     <a:masterClrMapping/>
   </p:clrMapOvr>
+  <p:timing>
+    <p:tnLst>
+      <p:par>
+        <p:cTn id="1" dur="indefinite" restart="never" nodeType="tmRoot"/>
+      </p:par>
+    </p:tnLst>
+  </p:timing>
 </p:sld>
 </file>
 
@@ -5945,8 +5942,8 @@
         </p:nvSpPr>
         <p:spPr>
           <a:xfrm>
-            <a:off x="274637" y="12700"/>
-            <a:ext cx="11512191" cy="830997"/>
+            <a:off x="1397000" y="12700"/>
+            <a:ext cx="8928100" cy="830997"/>
           </a:xfrm>
           <a:prstGeom prst="rect">
             <a:avLst/>
@@ -5961,22 +5958,16 @@
           <a:p>
             <a:pPr algn="ctr"/>
             <a:r>
-              <a:rPr lang="en-US" sz="4800" dirty="0">
+              <a:rPr lang="en-US" sz="4800" dirty="0" smtClean="0">
                 <a:latin typeface="Bahnschrift Light" panose="020B0502040204020203" pitchFamily="34" charset="0"/>
               </a:rPr>
               <a:t>Models Comparison </a:t>
             </a:r>
             <a:r>
-              <a:rPr lang="en-US" sz="2800" dirty="0">
-                <a:latin typeface="Bahnschrift Light" panose="020B0502040204020203" pitchFamily="34" charset="0"/>
-              </a:rPr>
-              <a:t>{Data from </a:t>
-            </a:r>
-            <a:r>
               <a:rPr lang="en-US" sz="2800" dirty="0" smtClean="0">
                 <a:latin typeface="Bahnschrift Light" panose="020B0502040204020203" pitchFamily="34" charset="0"/>
               </a:rPr>
-              <a:t>Investing.Com}</a:t>
+              <a:t>{Data from TDS}</a:t>
             </a:r>
             <a:endParaRPr lang="en-US" sz="2800" dirty="0">
               <a:latin typeface="Bahnschrift Light" panose="020B0502040204020203" pitchFamily="34" charset="0"/>
@@ -5986,7 +5977,7 @@
       </p:sp>
       <p:sp>
         <p:nvSpPr>
-          <p:cNvPr id="7" name="TextBox 6"/>
+          <p:cNvPr id="5" name="TextBox 4"/>
           <p:cNvSpPr txBox="1"/>
           <p:nvPr/>
         </p:nvSpPr>
@@ -6011,13 +6002,31 @@
               <a:rPr lang="en-US" sz="2800" dirty="0" smtClean="0">
                 <a:latin typeface="Bahnschrift Light" panose="020B0502040204020203" pitchFamily="34" charset="0"/>
               </a:rPr>
-              <a:t>90% Train – 10% Test </a:t>
+              <a:t>85</a:t>
             </a:r>
             <a:r>
               <a:rPr lang="en-US" sz="2800" dirty="0" smtClean="0">
                 <a:latin typeface="Bahnschrift Light" panose="020B0502040204020203" pitchFamily="34" charset="0"/>
               </a:rPr>
-              <a:t>Splitting, </a:t>
+              <a:t>% </a:t>
+            </a:r>
+            <a:r>
+              <a:rPr lang="en-US" sz="2800" dirty="0" smtClean="0">
+                <a:latin typeface="Bahnschrift Light" panose="020B0502040204020203" pitchFamily="34" charset="0"/>
+              </a:rPr>
+              <a:t>Train – </a:t>
+            </a:r>
+            <a:r>
+              <a:rPr lang="en-US" sz="2800" dirty="0" smtClean="0">
+                <a:latin typeface="Bahnschrift Light" panose="020B0502040204020203" pitchFamily="34" charset="0"/>
+              </a:rPr>
+              <a:t>15% </a:t>
+            </a:r>
+            <a:r>
+              <a:rPr lang="en-US" sz="2800" dirty="0" smtClean="0">
+                <a:latin typeface="Bahnschrift Light" panose="020B0502040204020203" pitchFamily="34" charset="0"/>
+              </a:rPr>
+              <a:t>Test Splitting, </a:t>
             </a:r>
             <a:r>
               <a:rPr lang="en-US" sz="2800" b="1" dirty="0" smtClean="0">
@@ -6042,7 +6051,7 @@
       </p:sp>
       <p:pic>
         <p:nvPicPr>
-          <p:cNvPr id="5" name="Picture 4"/>
+          <p:cNvPr id="2" name="Picture 1"/>
           <p:cNvPicPr>
             <a:picLocks noChangeAspect="1"/>
           </p:cNvPicPr>
@@ -6056,8 +6065,171 @@
         </p:blipFill>
         <p:spPr>
           <a:xfrm>
-            <a:off x="139700" y="1170920"/>
-            <a:ext cx="11845896" cy="5433080"/>
+            <a:off x="139700" y="1262796"/>
+            <a:ext cx="11862759" cy="5461675"/>
+          </a:xfrm>
+          <a:prstGeom prst="rect">
+            <a:avLst/>
+          </a:prstGeom>
+        </p:spPr>
+      </p:pic>
+    </p:spTree>
+    <p:extLst>
+      <p:ext uri="{BB962C8B-B14F-4D97-AF65-F5344CB8AC3E}">
+        <p14:creationId xmlns:p14="http://schemas.microsoft.com/office/powerpoint/2010/main" val="3145523088"/>
+      </p:ext>
+    </p:extLst>
+  </p:cSld>
+  <p:clrMapOvr>
+    <a:masterClrMapping/>
+  </p:clrMapOvr>
+</p:sld>
+</file>
+
+<file path=ppt/slides/slide19.xml><?xml version="1.0" encoding="utf-8"?>
+<p:sld xmlns:a="http://schemas.openxmlformats.org/drawingml/2006/main" xmlns:r="http://schemas.openxmlformats.org/officeDocument/2006/relationships" xmlns:p="http://schemas.openxmlformats.org/presentationml/2006/main">
+  <p:cSld>
+    <p:spTree>
+      <p:nvGrpSpPr>
+        <p:cNvPr id="1" name=""/>
+        <p:cNvGrpSpPr/>
+        <p:nvPr/>
+      </p:nvGrpSpPr>
+      <p:grpSpPr>
+        <a:xfrm>
+          <a:off x="0" y="0"/>
+          <a:ext cx="0" cy="0"/>
+          <a:chOff x="0" y="0"/>
+          <a:chExt cx="0" cy="0"/>
+        </a:xfrm>
+      </p:grpSpPr>
+      <p:sp>
+        <p:nvSpPr>
+          <p:cNvPr id="3" name="TextBox 2"/>
+          <p:cNvSpPr txBox="1"/>
+          <p:nvPr/>
+        </p:nvSpPr>
+        <p:spPr>
+          <a:xfrm>
+            <a:off x="274637" y="12700"/>
+            <a:ext cx="11512191" cy="830997"/>
+          </a:xfrm>
+          <a:prstGeom prst="rect">
+            <a:avLst/>
+          </a:prstGeom>
+          <a:noFill/>
+        </p:spPr>
+        <p:txBody>
+          <a:bodyPr wrap="square" rtlCol="0">
+            <a:spAutoFit/>
+          </a:bodyPr>
+          <a:lstStyle/>
+          <a:p>
+            <a:pPr algn="ctr"/>
+            <a:r>
+              <a:rPr lang="en-US" sz="4800" dirty="0">
+                <a:latin typeface="Bahnschrift Light" panose="020B0502040204020203" pitchFamily="34" charset="0"/>
+              </a:rPr>
+              <a:t>Models Comparison </a:t>
+            </a:r>
+            <a:r>
+              <a:rPr lang="en-US" sz="2800" dirty="0">
+                <a:latin typeface="Bahnschrift Light" panose="020B0502040204020203" pitchFamily="34" charset="0"/>
+              </a:rPr>
+              <a:t>{Data from </a:t>
+            </a:r>
+            <a:r>
+              <a:rPr lang="en-US" sz="2800" dirty="0" smtClean="0">
+                <a:latin typeface="Bahnschrift Light" panose="020B0502040204020203" pitchFamily="34" charset="0"/>
+              </a:rPr>
+              <a:t>Investing.Com}</a:t>
+            </a:r>
+            <a:endParaRPr lang="en-US" sz="2800" dirty="0">
+              <a:latin typeface="Bahnschrift Light" panose="020B0502040204020203" pitchFamily="34" charset="0"/>
+            </a:endParaRPr>
+          </a:p>
+        </p:txBody>
+      </p:sp>
+      <p:sp>
+        <p:nvSpPr>
+          <p:cNvPr id="7" name="TextBox 6"/>
+          <p:cNvSpPr txBox="1"/>
+          <p:nvPr/>
+        </p:nvSpPr>
+        <p:spPr>
+          <a:xfrm>
+            <a:off x="139700" y="647700"/>
+            <a:ext cx="11862759" cy="523220"/>
+          </a:xfrm>
+          <a:prstGeom prst="rect">
+            <a:avLst/>
+          </a:prstGeom>
+          <a:noFill/>
+        </p:spPr>
+        <p:txBody>
+          <a:bodyPr wrap="square" rtlCol="0">
+            <a:spAutoFit/>
+          </a:bodyPr>
+          <a:lstStyle/>
+          <a:p>
+            <a:pPr algn="ctr"/>
+            <a:r>
+              <a:rPr lang="en-US" sz="2800" dirty="0" smtClean="0">
+                <a:latin typeface="Bahnschrift Light" panose="020B0502040204020203" pitchFamily="34" charset="0"/>
+              </a:rPr>
+              <a:t>90% Train – 10% Test Splitting, </a:t>
+            </a:r>
+            <a:r>
+              <a:rPr lang="en-US" sz="2800" b="1" dirty="0" smtClean="0">
+                <a:solidFill>
+                  <a:srgbClr val="0070C0"/>
+                </a:solidFill>
+                <a:latin typeface="Bahnschrift Light" panose="020B0502040204020203" pitchFamily="34" charset="0"/>
+              </a:rPr>
+              <a:t>with</a:t>
+            </a:r>
+            <a:r>
+              <a:rPr lang="en-US" sz="2800" dirty="0" smtClean="0">
+                <a:latin typeface="Bahnschrift Light" panose="020B0502040204020203" pitchFamily="34" charset="0"/>
+              </a:rPr>
+              <a:t> </a:t>
+            </a:r>
+            <a:r>
+              <a:rPr lang="en-US" sz="2800" dirty="0" smtClean="0">
+                <a:latin typeface="Bahnschrift Light" panose="020B0502040204020203" pitchFamily="34" charset="0"/>
+              </a:rPr>
+              <a:t>World Bank’s </a:t>
+            </a:r>
+            <a:r>
+              <a:rPr lang="en-US" sz="2800" dirty="0" smtClean="0">
+                <a:latin typeface="Bahnschrift Light" panose="020B0502040204020203" pitchFamily="34" charset="0"/>
+              </a:rPr>
+              <a:t>Macroeconomics data</a:t>
+            </a:r>
+            <a:endParaRPr lang="en-US" sz="2800" dirty="0">
+              <a:latin typeface="Bahnschrift Light" panose="020B0502040204020203" pitchFamily="34" charset="0"/>
+            </a:endParaRPr>
+          </a:p>
+        </p:txBody>
+      </p:sp>
+      <p:pic>
+        <p:nvPicPr>
+          <p:cNvPr id="4" name="Picture 3"/>
+          <p:cNvPicPr>
+            <a:picLocks noChangeAspect="1"/>
+          </p:cNvPicPr>
+          <p:nvPr/>
+        </p:nvPicPr>
+        <p:blipFill>
+          <a:blip r:embed="rId2"/>
+          <a:stretch>
+            <a:fillRect/>
+          </a:stretch>
+        </p:blipFill>
+        <p:spPr>
+          <a:xfrm>
+            <a:off x="160337" y="1289050"/>
+            <a:ext cx="11853030" cy="5365750"/>
           </a:xfrm>
           <a:prstGeom prst="rect">
             <a:avLst/>
@@ -6081,163 +6253,6 @@
       </p:par>
     </p:tnLst>
   </p:timing>
-</p:sld>
-</file>
-
-<file path=ppt/slides/slide19.xml><?xml version="1.0" encoding="utf-8"?>
-<p:sld xmlns:a="http://schemas.openxmlformats.org/drawingml/2006/main" xmlns:r="http://schemas.openxmlformats.org/officeDocument/2006/relationships" xmlns:p="http://schemas.openxmlformats.org/presentationml/2006/main">
-  <p:cSld>
-    <p:spTree>
-      <p:nvGrpSpPr>
-        <p:cNvPr id="1" name=""/>
-        <p:cNvGrpSpPr/>
-        <p:nvPr/>
-      </p:nvGrpSpPr>
-      <p:grpSpPr>
-        <a:xfrm>
-          <a:off x="0" y="0"/>
-          <a:ext cx="0" cy="0"/>
-          <a:chOff x="0" y="0"/>
-          <a:chExt cx="0" cy="0"/>
-        </a:xfrm>
-      </p:grpSpPr>
-      <p:pic>
-        <p:nvPicPr>
-          <p:cNvPr id="2" name="Picture 1"/>
-          <p:cNvPicPr>
-            <a:picLocks noChangeAspect="1"/>
-          </p:cNvPicPr>
-          <p:nvPr/>
-        </p:nvPicPr>
-        <p:blipFill>
-          <a:blip r:embed="rId2"/>
-          <a:stretch>
-            <a:fillRect/>
-          </a:stretch>
-        </p:blipFill>
-        <p:spPr>
-          <a:xfrm>
-            <a:off x="219074" y="1313596"/>
-            <a:ext cx="11648377" cy="5239604"/>
-          </a:xfrm>
-          <a:prstGeom prst="rect">
-            <a:avLst/>
-          </a:prstGeom>
-        </p:spPr>
-      </p:pic>
-      <p:sp>
-        <p:nvSpPr>
-          <p:cNvPr id="3" name="TextBox 2"/>
-          <p:cNvSpPr txBox="1"/>
-          <p:nvPr/>
-        </p:nvSpPr>
-        <p:spPr>
-          <a:xfrm>
-            <a:off x="274637" y="12700"/>
-            <a:ext cx="11512191" cy="830997"/>
-          </a:xfrm>
-          <a:prstGeom prst="rect">
-            <a:avLst/>
-          </a:prstGeom>
-          <a:noFill/>
-        </p:spPr>
-        <p:txBody>
-          <a:bodyPr wrap="square" rtlCol="0">
-            <a:spAutoFit/>
-          </a:bodyPr>
-          <a:lstStyle/>
-          <a:p>
-            <a:pPr algn="ctr"/>
-            <a:r>
-              <a:rPr lang="en-US" sz="4800" dirty="0">
-                <a:latin typeface="Bahnschrift Light" panose="020B0502040204020203" pitchFamily="34" charset="0"/>
-              </a:rPr>
-              <a:t>Models Comparison </a:t>
-            </a:r>
-            <a:r>
-              <a:rPr lang="en-US" sz="2800" dirty="0">
-                <a:latin typeface="Bahnschrift Light" panose="020B0502040204020203" pitchFamily="34" charset="0"/>
-              </a:rPr>
-              <a:t>{Data from </a:t>
-            </a:r>
-            <a:r>
-              <a:rPr lang="en-US" sz="2800" dirty="0" smtClean="0">
-                <a:latin typeface="Bahnschrift Light" panose="020B0502040204020203" pitchFamily="34" charset="0"/>
-              </a:rPr>
-              <a:t>Investing.Com}</a:t>
-            </a:r>
-            <a:endParaRPr lang="en-US" sz="2800" dirty="0">
-              <a:latin typeface="Bahnschrift Light" panose="020B0502040204020203" pitchFamily="34" charset="0"/>
-            </a:endParaRPr>
-          </a:p>
-        </p:txBody>
-      </p:sp>
-      <p:sp>
-        <p:nvSpPr>
-          <p:cNvPr id="4" name="TextBox 3"/>
-          <p:cNvSpPr txBox="1"/>
-          <p:nvPr/>
-        </p:nvSpPr>
-        <p:spPr>
-          <a:xfrm>
-            <a:off x="139700" y="647700"/>
-            <a:ext cx="11862759" cy="523220"/>
-          </a:xfrm>
-          <a:prstGeom prst="rect">
-            <a:avLst/>
-          </a:prstGeom>
-          <a:noFill/>
-        </p:spPr>
-        <p:txBody>
-          <a:bodyPr wrap="square" rtlCol="0">
-            <a:spAutoFit/>
-          </a:bodyPr>
-          <a:lstStyle/>
-          <a:p>
-            <a:pPr algn="ctr"/>
-            <a:r>
-              <a:rPr lang="en-US" sz="2800" dirty="0" smtClean="0">
-                <a:latin typeface="Bahnschrift Light" panose="020B0502040204020203" pitchFamily="34" charset="0"/>
-              </a:rPr>
-              <a:t>90% Train – 10% Test </a:t>
-            </a:r>
-            <a:r>
-              <a:rPr lang="en-US" sz="2800" dirty="0" smtClean="0">
-                <a:latin typeface="Bahnschrift Light" panose="020B0502040204020203" pitchFamily="34" charset="0"/>
-              </a:rPr>
-              <a:t>Splitting, </a:t>
-            </a:r>
-            <a:r>
-              <a:rPr lang="en-US" sz="2800" b="1" dirty="0" smtClean="0">
-                <a:solidFill>
-                  <a:srgbClr val="0070C0"/>
-                </a:solidFill>
-                <a:latin typeface="Bahnschrift Light" panose="020B0502040204020203" pitchFamily="34" charset="0"/>
-              </a:rPr>
-              <a:t>without</a:t>
-            </a:r>
-            <a:r>
-              <a:rPr lang="en-US" sz="2800" dirty="0" smtClean="0">
-                <a:latin typeface="Bahnschrift Light" panose="020B0502040204020203" pitchFamily="34" charset="0"/>
-              </a:rPr>
-              <a:t> FRED’s Macroeconomics data</a:t>
-            </a:r>
-            <a:endParaRPr lang="en-US" sz="2800" dirty="0">
-              <a:latin typeface="Bahnschrift Light" panose="020B0502040204020203" pitchFamily="34" charset="0"/>
-            </a:endParaRPr>
-          </a:p>
-        </p:txBody>
-      </p:sp>
-    </p:spTree>
-    <p:extLst>
-      <p:ext uri="{BB962C8B-B14F-4D97-AF65-F5344CB8AC3E}">
-        <p14:creationId xmlns:p14="http://schemas.microsoft.com/office/powerpoint/2010/main" val="975305666"/>
-      </p:ext>
-    </p:extLst>
-  </p:cSld>
-  <p:clrMapOvr>
-    <a:masterClrMapping/>
-  </p:clrMapOvr>
 </p:sld>
 </file>
 
@@ -6383,14 +6398,14 @@
       </p:grpSpPr>
       <p:sp>
         <p:nvSpPr>
-          <p:cNvPr id="2" name="TextBox 1"/>
+          <p:cNvPr id="3" name="TextBox 2"/>
           <p:cNvSpPr txBox="1"/>
           <p:nvPr/>
         </p:nvSpPr>
         <p:spPr>
           <a:xfrm>
-            <a:off x="1" y="-92765"/>
-            <a:ext cx="12002460" cy="830997"/>
+            <a:off x="274637" y="12700"/>
+            <a:ext cx="11512191" cy="830997"/>
           </a:xfrm>
           <a:prstGeom prst="rect">
             <a:avLst/>
@@ -6405,28 +6420,22 @@
           <a:p>
             <a:pPr algn="ctr"/>
             <a:r>
-              <a:rPr lang="en-US" sz="4800" dirty="0" smtClean="0">
-                <a:latin typeface="Bahnschrift Light" panose="020B0502040204020203" pitchFamily="34" charset="0"/>
-              </a:rPr>
-              <a:t>Visualization </a:t>
+              <a:rPr lang="en-US" sz="4800" dirty="0">
+                <a:latin typeface="Bahnschrift Light" panose="020B0502040204020203" pitchFamily="34" charset="0"/>
+              </a:rPr>
+              <a:t>Models Comparison </a:t>
+            </a:r>
+            <a:r>
+              <a:rPr lang="en-US" sz="2800" dirty="0">
+                <a:latin typeface="Bahnschrift Light" panose="020B0502040204020203" pitchFamily="34" charset="0"/>
+              </a:rPr>
+              <a:t>{Data from </a:t>
             </a:r>
             <a:r>
               <a:rPr lang="en-US" sz="2800" dirty="0" smtClean="0">
                 <a:latin typeface="Bahnschrift Light" panose="020B0502040204020203" pitchFamily="34" charset="0"/>
               </a:rPr>
-              <a:t>{</a:t>
-            </a:r>
-            <a:r>
-              <a:rPr lang="en-US" sz="2800" dirty="0">
-                <a:latin typeface="Bahnschrift Light" panose="020B0502040204020203" pitchFamily="34" charset="0"/>
-              </a:rPr>
-              <a:t>Data from </a:t>
-            </a:r>
-            <a:r>
-              <a:rPr lang="en-US" sz="2800" dirty="0" smtClean="0">
-                <a:latin typeface="Bahnschrift Light" panose="020B0502040204020203" pitchFamily="34" charset="0"/>
-              </a:rPr>
-              <a:t>TDS}</a:t>
+              <a:t>Investing.Com}</a:t>
             </a:r>
             <a:endParaRPr lang="en-US" sz="2800" dirty="0">
               <a:latin typeface="Bahnschrift Light" panose="020B0502040204020203" pitchFamily="34" charset="0"/>
@@ -6436,7 +6445,7 @@
       </p:sp>
       <p:sp>
         <p:nvSpPr>
-          <p:cNvPr id="6" name="TextBox 5"/>
+          <p:cNvPr id="4" name="TextBox 3"/>
           <p:cNvSpPr txBox="1"/>
           <p:nvPr/>
         </p:nvSpPr>
@@ -6461,22 +6470,16 @@
               <a:rPr lang="en-US" sz="2800" dirty="0" smtClean="0">
                 <a:latin typeface="Bahnschrift Light" panose="020B0502040204020203" pitchFamily="34" charset="0"/>
               </a:rPr>
-              <a:t>90% Train – 10% Test </a:t>
-            </a:r>
-            <a:r>
-              <a:rPr lang="en-US" sz="2800" dirty="0" smtClean="0">
-                <a:latin typeface="Bahnschrift Light" panose="020B0502040204020203" pitchFamily="34" charset="0"/>
-              </a:rPr>
-              <a:t>Splitting, </a:t>
+              <a:t>90% Train – 10% Test Splitting, </a:t>
             </a:r>
             <a:r>
               <a:rPr lang="en-US" sz="2800" b="1" dirty="0" smtClean="0">
                 <a:solidFill>
-                  <a:srgbClr val="0070C0"/>
+                  <a:srgbClr val="FF0000"/>
                 </a:solidFill>
                 <a:latin typeface="Bahnschrift Light" panose="020B0502040204020203" pitchFamily="34" charset="0"/>
               </a:rPr>
-              <a:t>with</a:t>
+              <a:t>without</a:t>
             </a:r>
             <a:r>
               <a:rPr lang="en-US" sz="2800" dirty="0" smtClean="0">
@@ -6492,7 +6495,7 @@
       </p:sp>
       <p:pic>
         <p:nvPicPr>
-          <p:cNvPr id="8" name="Picture 7"/>
+          <p:cNvPr id="5" name="Picture 4"/>
           <p:cNvPicPr>
             <a:picLocks noChangeAspect="1"/>
           </p:cNvPicPr>
@@ -6506,8 +6509,8 @@
         </p:blipFill>
         <p:spPr>
           <a:xfrm>
-            <a:off x="139697" y="1259820"/>
-            <a:ext cx="11742389" cy="5458480"/>
+            <a:off x="152400" y="1209020"/>
+            <a:ext cx="11858876" cy="5572780"/>
           </a:xfrm>
           <a:prstGeom prst="rect">
             <a:avLst/>
@@ -6517,20 +6520,13 @@
     </p:spTree>
     <p:extLst>
       <p:ext uri="{BB962C8B-B14F-4D97-AF65-F5344CB8AC3E}">
-        <p14:creationId xmlns:p14="http://schemas.microsoft.com/office/powerpoint/2010/main" val="3217896953"/>
+        <p14:creationId xmlns:p14="http://schemas.microsoft.com/office/powerpoint/2010/main" val="975305666"/>
       </p:ext>
     </p:extLst>
   </p:cSld>
   <p:clrMapOvr>
     <a:masterClrMapping/>
   </p:clrMapOvr>
-  <p:timing>
-    <p:tnLst>
-      <p:par>
-        <p:cTn id="1" dur="indefinite" restart="never" nodeType="tmRoot"/>
-      </p:par>
-    </p:tnLst>
-  </p:timing>
 </p:sld>
 </file>
 
@@ -6592,9 +6588,6 @@
               </a:rPr>
               <a:t>Data from Investing.Com}</a:t>
             </a:r>
-            <a:endParaRPr lang="en-US" sz="2800" dirty="0">
-              <a:latin typeface="Bahnschrift Light" panose="020B0502040204020203" pitchFamily="34" charset="0"/>
-            </a:endParaRPr>
           </a:p>
         </p:txBody>
       </p:sp>
@@ -6625,13 +6618,7 @@
               <a:rPr lang="en-US" sz="2800" dirty="0" smtClean="0">
                 <a:latin typeface="Bahnschrift Light" panose="020B0502040204020203" pitchFamily="34" charset="0"/>
               </a:rPr>
-              <a:t>90% Train – 10% Test </a:t>
-            </a:r>
-            <a:r>
-              <a:rPr lang="en-US" sz="2800" dirty="0" smtClean="0">
-                <a:latin typeface="Bahnschrift Light" panose="020B0502040204020203" pitchFamily="34" charset="0"/>
-              </a:rPr>
-              <a:t>Splitting, </a:t>
+              <a:t>90% Train – 10% Test Splitting, </a:t>
             </a:r>
             <a:r>
               <a:rPr lang="en-US" sz="2800" b="1" dirty="0" smtClean="0">
@@ -6656,7 +6643,7 @@
       </p:sp>
       <p:pic>
         <p:nvPicPr>
-          <p:cNvPr id="8" name="Picture 7"/>
+          <p:cNvPr id="3" name="Picture 2"/>
           <p:cNvPicPr>
             <a:picLocks noChangeAspect="1"/>
           </p:cNvPicPr>
@@ -6670,8 +6657,8 @@
         </p:blipFill>
         <p:spPr>
           <a:xfrm>
-            <a:off x="73024" y="1170920"/>
-            <a:ext cx="12059534" cy="5560080"/>
+            <a:off x="139700" y="1290637"/>
+            <a:ext cx="11945873" cy="5427663"/>
           </a:xfrm>
           <a:prstGeom prst="rect">
             <a:avLst/>
@@ -6681,7 +6668,7 @@
     </p:spTree>
     <p:extLst>
       <p:ext uri="{BB962C8B-B14F-4D97-AF65-F5344CB8AC3E}">
-        <p14:creationId xmlns:p14="http://schemas.microsoft.com/office/powerpoint/2010/main" val="917617399"/>
+        <p14:creationId xmlns:p14="http://schemas.microsoft.com/office/powerpoint/2010/main" val="3934484625"/>
       </p:ext>
     </p:extLst>
   </p:cSld>
@@ -6723,8 +6710,8 @@
         </p:nvSpPr>
         <p:spPr>
           <a:xfrm>
-            <a:off x="139700" y="-92765"/>
-            <a:ext cx="11862759" cy="830997"/>
+            <a:off x="1" y="-92765"/>
+            <a:ext cx="12002460" cy="830997"/>
           </a:xfrm>
           <a:prstGeom prst="rect">
             <a:avLst/>
@@ -6739,7 +6726,7 @@
           <a:p>
             <a:pPr algn="ctr"/>
             <a:r>
-              <a:rPr lang="en-US" sz="4800" dirty="0">
+              <a:rPr lang="en-US" sz="4800" dirty="0" smtClean="0">
                 <a:latin typeface="Bahnschrift Light" panose="020B0502040204020203" pitchFamily="34" charset="0"/>
               </a:rPr>
               <a:t>Visualization </a:t>
@@ -6754,7 +6741,13 @@
               <a:rPr lang="en-US" sz="2800" dirty="0">
                 <a:latin typeface="Bahnschrift Light" panose="020B0502040204020203" pitchFamily="34" charset="0"/>
               </a:rPr>
-              <a:t>Data from Investing.Com}</a:t>
+              <a:t>Data from </a:t>
+            </a:r>
+            <a:r>
+              <a:rPr lang="en-US" sz="2800" dirty="0" smtClean="0">
+                <a:latin typeface="Bahnschrift Light" panose="020B0502040204020203" pitchFamily="34" charset="0"/>
+              </a:rPr>
+              <a:t>TDS}</a:t>
             </a:r>
             <a:endParaRPr lang="en-US" sz="2800" dirty="0">
               <a:latin typeface="Bahnschrift Light" panose="020B0502040204020203" pitchFamily="34" charset="0"/>
@@ -6764,7 +6757,7 @@
       </p:sp>
       <p:sp>
         <p:nvSpPr>
-          <p:cNvPr id="3" name="TextBox 2"/>
+          <p:cNvPr id="6" name="TextBox 5"/>
           <p:cNvSpPr txBox="1"/>
           <p:nvPr/>
         </p:nvSpPr>
@@ -6789,13 +6782,31 @@
               <a:rPr lang="en-US" sz="2800" dirty="0" smtClean="0">
                 <a:latin typeface="Bahnschrift Light" panose="020B0502040204020203" pitchFamily="34" charset="0"/>
               </a:rPr>
-              <a:t>90% Train – 10% Test </a:t>
+              <a:t>85</a:t>
             </a:r>
             <a:r>
               <a:rPr lang="en-US" sz="2800" dirty="0" smtClean="0">
                 <a:latin typeface="Bahnschrift Light" panose="020B0502040204020203" pitchFamily="34" charset="0"/>
               </a:rPr>
-              <a:t>Splitting, </a:t>
+              <a:t>% </a:t>
+            </a:r>
+            <a:r>
+              <a:rPr lang="en-US" sz="2800" dirty="0" smtClean="0">
+                <a:latin typeface="Bahnschrift Light" panose="020B0502040204020203" pitchFamily="34" charset="0"/>
+              </a:rPr>
+              <a:t>Train – </a:t>
+            </a:r>
+            <a:r>
+              <a:rPr lang="en-US" sz="2800" dirty="0" smtClean="0">
+                <a:latin typeface="Bahnschrift Light" panose="020B0502040204020203" pitchFamily="34" charset="0"/>
+              </a:rPr>
+              <a:t>15% </a:t>
+            </a:r>
+            <a:r>
+              <a:rPr lang="en-US" sz="2800" dirty="0" smtClean="0">
+                <a:latin typeface="Bahnschrift Light" panose="020B0502040204020203" pitchFamily="34" charset="0"/>
+              </a:rPr>
+              <a:t>Test Splitting, </a:t>
             </a:r>
             <a:r>
               <a:rPr lang="en-US" sz="2800" b="1" dirty="0" smtClean="0">
@@ -6804,7 +6815,7 @@
                 </a:solidFill>
                 <a:latin typeface="Bahnschrift Light" panose="020B0502040204020203" pitchFamily="34" charset="0"/>
               </a:rPr>
-              <a:t>without</a:t>
+              <a:t>with</a:t>
             </a:r>
             <a:r>
               <a:rPr lang="en-US" sz="2800" dirty="0" smtClean="0">
@@ -6820,7 +6831,7 @@
       </p:sp>
       <p:pic>
         <p:nvPicPr>
-          <p:cNvPr id="5" name="Picture 4"/>
+          <p:cNvPr id="3" name="Picture 2"/>
           <p:cNvPicPr>
             <a:picLocks noChangeAspect="1"/>
           </p:cNvPicPr>
@@ -6834,8 +6845,342 @@
         </p:blipFill>
         <p:spPr>
           <a:xfrm>
-            <a:off x="139700" y="1297920"/>
-            <a:ext cx="11918482" cy="5521980"/>
+            <a:off x="114298" y="1170920"/>
+            <a:ext cx="11959181" cy="5560080"/>
+          </a:xfrm>
+          <a:prstGeom prst="rect">
+            <a:avLst/>
+          </a:prstGeom>
+        </p:spPr>
+      </p:pic>
+    </p:spTree>
+    <p:extLst>
+      <p:ext uri="{BB962C8B-B14F-4D97-AF65-F5344CB8AC3E}">
+        <p14:creationId xmlns:p14="http://schemas.microsoft.com/office/powerpoint/2010/main" val="3217896953"/>
+      </p:ext>
+    </p:extLst>
+  </p:cSld>
+  <p:clrMapOvr>
+    <a:masterClrMapping/>
+  </p:clrMapOvr>
+  <p:timing>
+    <p:tnLst>
+      <p:par>
+        <p:cTn id="1" dur="indefinite" restart="never" nodeType="tmRoot"/>
+      </p:par>
+    </p:tnLst>
+  </p:timing>
+</p:sld>
+</file>
+
+<file path=ppt/slides/slide23.xml><?xml version="1.0" encoding="utf-8"?>
+<p:sld xmlns:a="http://schemas.openxmlformats.org/drawingml/2006/main" xmlns:r="http://schemas.openxmlformats.org/officeDocument/2006/relationships" xmlns:p="http://schemas.openxmlformats.org/presentationml/2006/main">
+  <p:cSld>
+    <p:spTree>
+      <p:nvGrpSpPr>
+        <p:cNvPr id="1" name=""/>
+        <p:cNvGrpSpPr/>
+        <p:nvPr/>
+      </p:nvGrpSpPr>
+      <p:grpSpPr>
+        <a:xfrm>
+          <a:off x="0" y="0"/>
+          <a:ext cx="0" cy="0"/>
+          <a:chOff x="0" y="0"/>
+          <a:chExt cx="0" cy="0"/>
+        </a:xfrm>
+      </p:grpSpPr>
+      <p:sp>
+        <p:nvSpPr>
+          <p:cNvPr id="2" name="TextBox 1"/>
+          <p:cNvSpPr txBox="1"/>
+          <p:nvPr/>
+        </p:nvSpPr>
+        <p:spPr>
+          <a:xfrm>
+            <a:off x="139700" y="-92765"/>
+            <a:ext cx="11862759" cy="830997"/>
+          </a:xfrm>
+          <a:prstGeom prst="rect">
+            <a:avLst/>
+          </a:prstGeom>
+          <a:noFill/>
+        </p:spPr>
+        <p:txBody>
+          <a:bodyPr wrap="square" rtlCol="0">
+            <a:spAutoFit/>
+          </a:bodyPr>
+          <a:lstStyle/>
+          <a:p>
+            <a:pPr algn="ctr"/>
+            <a:r>
+              <a:rPr lang="en-US" sz="4800" dirty="0">
+                <a:latin typeface="Bahnschrift Light" panose="020B0502040204020203" pitchFamily="34" charset="0"/>
+              </a:rPr>
+              <a:t>Visualization </a:t>
+            </a:r>
+            <a:r>
+              <a:rPr lang="en-US" sz="2800" dirty="0" smtClean="0">
+                <a:latin typeface="Bahnschrift Light" panose="020B0502040204020203" pitchFamily="34" charset="0"/>
+              </a:rPr>
+              <a:t>{</a:t>
+            </a:r>
+            <a:r>
+              <a:rPr lang="en-US" sz="2800" dirty="0">
+                <a:latin typeface="Bahnschrift Light" panose="020B0502040204020203" pitchFamily="34" charset="0"/>
+              </a:rPr>
+              <a:t>Data from Investing.Com}</a:t>
+            </a:r>
+          </a:p>
+        </p:txBody>
+      </p:sp>
+      <p:sp>
+        <p:nvSpPr>
+          <p:cNvPr id="5" name="TextBox 4"/>
+          <p:cNvSpPr txBox="1"/>
+          <p:nvPr/>
+        </p:nvSpPr>
+        <p:spPr>
+          <a:xfrm>
+            <a:off x="139700" y="647700"/>
+            <a:ext cx="11862759" cy="523220"/>
+          </a:xfrm>
+          <a:prstGeom prst="rect">
+            <a:avLst/>
+          </a:prstGeom>
+          <a:noFill/>
+        </p:spPr>
+        <p:txBody>
+          <a:bodyPr wrap="square" rtlCol="0">
+            <a:spAutoFit/>
+          </a:bodyPr>
+          <a:lstStyle/>
+          <a:p>
+            <a:pPr algn="ctr"/>
+            <a:r>
+              <a:rPr lang="en-US" sz="2800" dirty="0" smtClean="0">
+                <a:latin typeface="Bahnschrift Light" panose="020B0502040204020203" pitchFamily="34" charset="0"/>
+              </a:rPr>
+              <a:t>90% Train – 10% Test Splitting, </a:t>
+            </a:r>
+            <a:r>
+              <a:rPr lang="en-US" sz="2800" b="1" dirty="0" smtClean="0">
+                <a:solidFill>
+                  <a:srgbClr val="0070C0"/>
+                </a:solidFill>
+                <a:latin typeface="Bahnschrift Light" panose="020B0502040204020203" pitchFamily="34" charset="0"/>
+              </a:rPr>
+              <a:t>with</a:t>
+            </a:r>
+            <a:r>
+              <a:rPr lang="en-US" sz="2800" dirty="0" smtClean="0">
+                <a:latin typeface="Bahnschrift Light" panose="020B0502040204020203" pitchFamily="34" charset="0"/>
+              </a:rPr>
+              <a:t> </a:t>
+            </a:r>
+            <a:r>
+              <a:rPr lang="en-US" sz="2800" dirty="0" smtClean="0">
+                <a:latin typeface="Bahnschrift Light" panose="020B0502040204020203" pitchFamily="34" charset="0"/>
+              </a:rPr>
+              <a:t>World Bank</a:t>
+            </a:r>
+            <a:r>
+              <a:rPr lang="en-US" sz="2800" dirty="0" smtClean="0">
+                <a:latin typeface="Bahnschrift Light" panose="020B0502040204020203" pitchFamily="34" charset="0"/>
+              </a:rPr>
+              <a:t>’s </a:t>
+            </a:r>
+            <a:r>
+              <a:rPr lang="en-US" sz="2800" dirty="0" smtClean="0">
+                <a:latin typeface="Bahnschrift Light" panose="020B0502040204020203" pitchFamily="34" charset="0"/>
+              </a:rPr>
+              <a:t>Macroeconomics data</a:t>
+            </a:r>
+            <a:endParaRPr lang="en-US" sz="2800" dirty="0">
+              <a:latin typeface="Bahnschrift Light" panose="020B0502040204020203" pitchFamily="34" charset="0"/>
+            </a:endParaRPr>
+          </a:p>
+        </p:txBody>
+      </p:sp>
+      <p:pic>
+        <p:nvPicPr>
+          <p:cNvPr id="3" name="Picture 2"/>
+          <p:cNvPicPr>
+            <a:picLocks noChangeAspect="1"/>
+          </p:cNvPicPr>
+          <p:nvPr/>
+        </p:nvPicPr>
+        <p:blipFill>
+          <a:blip r:embed="rId2"/>
+          <a:stretch>
+            <a:fillRect/>
+          </a:stretch>
+        </p:blipFill>
+        <p:spPr>
+          <a:xfrm>
+            <a:off x="139700" y="1259820"/>
+            <a:ext cx="11914460" cy="5471180"/>
+          </a:xfrm>
+          <a:prstGeom prst="rect">
+            <a:avLst/>
+          </a:prstGeom>
+        </p:spPr>
+      </p:pic>
+    </p:spTree>
+    <p:extLst>
+      <p:ext uri="{BB962C8B-B14F-4D97-AF65-F5344CB8AC3E}">
+        <p14:creationId xmlns:p14="http://schemas.microsoft.com/office/powerpoint/2010/main" val="917617399"/>
+      </p:ext>
+    </p:extLst>
+  </p:cSld>
+  <p:clrMapOvr>
+    <a:masterClrMapping/>
+  </p:clrMapOvr>
+  <p:timing>
+    <p:tnLst>
+      <p:par>
+        <p:cTn id="1" dur="indefinite" restart="never" nodeType="tmRoot"/>
+      </p:par>
+    </p:tnLst>
+  </p:timing>
+</p:sld>
+</file>
+
+<file path=ppt/slides/slide24.xml><?xml version="1.0" encoding="utf-8"?>
+<p:sld xmlns:a="http://schemas.openxmlformats.org/drawingml/2006/main" xmlns:r="http://schemas.openxmlformats.org/officeDocument/2006/relationships" xmlns:p="http://schemas.openxmlformats.org/presentationml/2006/main">
+  <p:cSld>
+    <p:spTree>
+      <p:nvGrpSpPr>
+        <p:cNvPr id="1" name=""/>
+        <p:cNvGrpSpPr/>
+        <p:nvPr/>
+      </p:nvGrpSpPr>
+      <p:grpSpPr>
+        <a:xfrm>
+          <a:off x="0" y="0"/>
+          <a:ext cx="0" cy="0"/>
+          <a:chOff x="0" y="0"/>
+          <a:chExt cx="0" cy="0"/>
+        </a:xfrm>
+      </p:grpSpPr>
+      <p:sp>
+        <p:nvSpPr>
+          <p:cNvPr id="2" name="TextBox 1"/>
+          <p:cNvSpPr txBox="1"/>
+          <p:nvPr/>
+        </p:nvSpPr>
+        <p:spPr>
+          <a:xfrm>
+            <a:off x="139700" y="-92765"/>
+            <a:ext cx="11862759" cy="830997"/>
+          </a:xfrm>
+          <a:prstGeom prst="rect">
+            <a:avLst/>
+          </a:prstGeom>
+          <a:noFill/>
+        </p:spPr>
+        <p:txBody>
+          <a:bodyPr wrap="square" rtlCol="0">
+            <a:spAutoFit/>
+          </a:bodyPr>
+          <a:lstStyle/>
+          <a:p>
+            <a:pPr algn="ctr"/>
+            <a:r>
+              <a:rPr lang="en-US" sz="4800" dirty="0">
+                <a:latin typeface="Bahnschrift Light" panose="020B0502040204020203" pitchFamily="34" charset="0"/>
+              </a:rPr>
+              <a:t>Visualization </a:t>
+            </a:r>
+            <a:r>
+              <a:rPr lang="en-US" sz="2800" dirty="0" smtClean="0">
+                <a:latin typeface="Bahnschrift Light" panose="020B0502040204020203" pitchFamily="34" charset="0"/>
+              </a:rPr>
+              <a:t>{</a:t>
+            </a:r>
+            <a:r>
+              <a:rPr lang="en-US" sz="2800" dirty="0">
+                <a:latin typeface="Bahnschrift Light" panose="020B0502040204020203" pitchFamily="34" charset="0"/>
+              </a:rPr>
+              <a:t>Data from Investing.Com}</a:t>
+            </a:r>
+          </a:p>
+        </p:txBody>
+      </p:sp>
+      <p:sp>
+        <p:nvSpPr>
+          <p:cNvPr id="3" name="TextBox 2"/>
+          <p:cNvSpPr txBox="1"/>
+          <p:nvPr/>
+        </p:nvSpPr>
+        <p:spPr>
+          <a:xfrm>
+            <a:off x="139700" y="647700"/>
+            <a:ext cx="11862759" cy="523220"/>
+          </a:xfrm>
+          <a:prstGeom prst="rect">
+            <a:avLst/>
+          </a:prstGeom>
+          <a:noFill/>
+        </p:spPr>
+        <p:txBody>
+          <a:bodyPr wrap="square" rtlCol="0">
+            <a:spAutoFit/>
+          </a:bodyPr>
+          <a:lstStyle/>
+          <a:p>
+            <a:pPr algn="ctr"/>
+            <a:r>
+              <a:rPr lang="en-US" sz="2800" dirty="0" smtClean="0">
+                <a:latin typeface="Bahnschrift Light" panose="020B0502040204020203" pitchFamily="34" charset="0"/>
+              </a:rPr>
+              <a:t>90% Train – 10% Test Splitting, </a:t>
+            </a:r>
+            <a:r>
+              <a:rPr lang="en-US" sz="2800" b="1" dirty="0" smtClean="0">
+                <a:solidFill>
+                  <a:srgbClr val="FF0000"/>
+                </a:solidFill>
+                <a:latin typeface="Bahnschrift Light" panose="020B0502040204020203" pitchFamily="34" charset="0"/>
+              </a:rPr>
+              <a:t>without</a:t>
+            </a:r>
+            <a:r>
+              <a:rPr lang="en-US" sz="2800" dirty="0" smtClean="0">
+                <a:latin typeface="Bahnschrift Light" panose="020B0502040204020203" pitchFamily="34" charset="0"/>
+              </a:rPr>
+              <a:t> </a:t>
+            </a:r>
+            <a:r>
+              <a:rPr lang="en-US" sz="2800" dirty="0" smtClean="0">
+                <a:latin typeface="Bahnschrift Light" panose="020B0502040204020203" pitchFamily="34" charset="0"/>
+              </a:rPr>
+              <a:t>Macroeconomics data</a:t>
+            </a:r>
+            <a:endParaRPr lang="en-US" sz="2800" dirty="0">
+              <a:latin typeface="Bahnschrift Light" panose="020B0502040204020203" pitchFamily="34" charset="0"/>
+            </a:endParaRPr>
+          </a:p>
+        </p:txBody>
+      </p:sp>
+      <p:pic>
+        <p:nvPicPr>
+          <p:cNvPr id="4" name="Picture 3"/>
+          <p:cNvPicPr>
+            <a:picLocks noChangeAspect="1"/>
+          </p:cNvPicPr>
+          <p:nvPr/>
+        </p:nvPicPr>
+        <p:blipFill>
+          <a:blip r:embed="rId2"/>
+          <a:stretch>
+            <a:fillRect/>
+          </a:stretch>
+        </p:blipFill>
+        <p:spPr>
+          <a:xfrm>
+            <a:off x="139700" y="1170920"/>
+            <a:ext cx="11921478" cy="5483880"/>
           </a:xfrm>
           <a:prstGeom prst="rect">
             <a:avLst/>
@@ -6855,7 +7200,7 @@
 </p:sld>
 </file>
 
-<file path=ppt/slides/slide23.xml><?xml version="1.0" encoding="utf-8"?>
+<file path=ppt/slides/slide25.xml><?xml version="1.0" encoding="utf-8"?>
 <p:sld xmlns:a="http://schemas.openxmlformats.org/drawingml/2006/main" xmlns:r="http://schemas.openxmlformats.org/officeDocument/2006/relationships" xmlns:p="http://schemas.openxmlformats.org/presentationml/2006/main">
   <p:cSld>
     <p:spTree>
@@ -7744,291 +8089,6 @@
 </p:sld>
 </file>
 
-<file path=ppt/slides/slide24.xml><?xml version="1.0" encoding="utf-8"?>
-<p:sld xmlns:a="http://schemas.openxmlformats.org/drawingml/2006/main" xmlns:r="http://schemas.openxmlformats.org/officeDocument/2006/relationships" xmlns:p="http://schemas.openxmlformats.org/presentationml/2006/main">
-  <p:cSld>
-    <p:spTree>
-      <p:nvGrpSpPr>
-        <p:cNvPr id="1" name=""/>
-        <p:cNvGrpSpPr/>
-        <p:nvPr/>
-      </p:nvGrpSpPr>
-      <p:grpSpPr>
-        <a:xfrm>
-          <a:off x="0" y="0"/>
-          <a:ext cx="0" cy="0"/>
-          <a:chOff x="0" y="0"/>
-          <a:chExt cx="0" cy="0"/>
-        </a:xfrm>
-      </p:grpSpPr>
-      <p:pic>
-        <p:nvPicPr>
-          <p:cNvPr id="2" name="Picture 1"/>
-          <p:cNvPicPr>
-            <a:picLocks noChangeAspect="1"/>
-          </p:cNvPicPr>
-          <p:nvPr/>
-        </p:nvPicPr>
-        <p:blipFill>
-          <a:blip r:embed="rId2"/>
-          <a:stretch>
-            <a:fillRect/>
-          </a:stretch>
-        </p:blipFill>
-        <p:spPr>
-          <a:xfrm>
-            <a:off x="406399" y="1618397"/>
-            <a:ext cx="11342523" cy="5099903"/>
-          </a:xfrm>
-          <a:prstGeom prst="rect">
-            <a:avLst/>
-          </a:prstGeom>
-        </p:spPr>
-      </p:pic>
-      <p:sp>
-        <p:nvSpPr>
-          <p:cNvPr id="3" name="TextBox 2"/>
-          <p:cNvSpPr txBox="1"/>
-          <p:nvPr/>
-        </p:nvSpPr>
-        <p:spPr>
-          <a:xfrm>
-            <a:off x="139700" y="-92765"/>
-            <a:ext cx="11862759" cy="830997"/>
-          </a:xfrm>
-          <a:prstGeom prst="rect">
-            <a:avLst/>
-          </a:prstGeom>
-          <a:noFill/>
-        </p:spPr>
-        <p:txBody>
-          <a:bodyPr wrap="square" rtlCol="0">
-            <a:spAutoFit/>
-          </a:bodyPr>
-          <a:lstStyle/>
-          <a:p>
-            <a:pPr algn="ctr"/>
-            <a:r>
-              <a:rPr lang="en-US" sz="4800" dirty="0">
-                <a:latin typeface="Bahnschrift Light" panose="020B0502040204020203" pitchFamily="34" charset="0"/>
-              </a:rPr>
-              <a:t>Visualization </a:t>
-            </a:r>
-            <a:r>
-              <a:rPr lang="en-US" sz="2800" dirty="0" smtClean="0">
-                <a:latin typeface="Bahnschrift Light" panose="020B0502040204020203" pitchFamily="34" charset="0"/>
-              </a:rPr>
-              <a:t>{</a:t>
-            </a:r>
-            <a:r>
-              <a:rPr lang="en-US" sz="2800" dirty="0">
-                <a:latin typeface="Bahnschrift Light" panose="020B0502040204020203" pitchFamily="34" charset="0"/>
-              </a:rPr>
-              <a:t>Data from Investing.Com}</a:t>
-            </a:r>
-            <a:endParaRPr lang="en-US" sz="2800" dirty="0">
-              <a:latin typeface="Bahnschrift Light" panose="020B0502040204020203" pitchFamily="34" charset="0"/>
-            </a:endParaRPr>
-          </a:p>
-        </p:txBody>
-      </p:sp>
-      <p:sp>
-        <p:nvSpPr>
-          <p:cNvPr id="4" name="TextBox 3"/>
-          <p:cNvSpPr txBox="1"/>
-          <p:nvPr/>
-        </p:nvSpPr>
-        <p:spPr>
-          <a:xfrm>
-            <a:off x="139700" y="647700"/>
-            <a:ext cx="11862759" cy="954107"/>
-          </a:xfrm>
-          <a:prstGeom prst="rect">
-            <a:avLst/>
-          </a:prstGeom>
-          <a:noFill/>
-        </p:spPr>
-        <p:txBody>
-          <a:bodyPr wrap="square" rtlCol="0">
-            <a:spAutoFit/>
-          </a:bodyPr>
-          <a:lstStyle/>
-          <a:p>
-            <a:pPr algn="ctr"/>
-            <a:r>
-              <a:rPr lang="en-US" sz="2800" dirty="0" smtClean="0">
-                <a:latin typeface="Bahnschrift Light" panose="020B0502040204020203" pitchFamily="34" charset="0"/>
-              </a:rPr>
-              <a:t>90% Train – 10% Test </a:t>
-            </a:r>
-            <a:r>
-              <a:rPr lang="en-US" sz="2800" dirty="0" smtClean="0">
-                <a:latin typeface="Bahnschrift Light" panose="020B0502040204020203" pitchFamily="34" charset="0"/>
-              </a:rPr>
-              <a:t>Splitting, </a:t>
-            </a:r>
-            <a:r>
-              <a:rPr lang="en-US" sz="2800" b="1" dirty="0" smtClean="0">
-                <a:solidFill>
-                  <a:srgbClr val="0070C0"/>
-                </a:solidFill>
-                <a:latin typeface="Bahnschrift Light" panose="020B0502040204020203" pitchFamily="34" charset="0"/>
-              </a:rPr>
-              <a:t>with</a:t>
-            </a:r>
-            <a:r>
-              <a:rPr lang="en-US" sz="2800" dirty="0" smtClean="0">
-                <a:latin typeface="Bahnschrift Light" panose="020B0502040204020203" pitchFamily="34" charset="0"/>
-              </a:rPr>
-              <a:t> FRED’s </a:t>
-            </a:r>
-            <a:r>
-              <a:rPr lang="en-US" sz="2800" b="1" dirty="0">
-                <a:solidFill>
-                  <a:srgbClr val="0070C0"/>
-                </a:solidFill>
-                <a:latin typeface="Bahnschrift Light" panose="020B0502040204020203" pitchFamily="34" charset="0"/>
-              </a:rPr>
-              <a:t>Calibrated</a:t>
-            </a:r>
-            <a:r>
-              <a:rPr lang="en-US" sz="2800" dirty="0" smtClean="0">
-                <a:latin typeface="Bahnschrift Light" panose="020B0502040204020203" pitchFamily="34" charset="0"/>
-              </a:rPr>
-              <a:t> Macroeconomics data values</a:t>
-            </a:r>
-            <a:endParaRPr lang="en-US" sz="2800" dirty="0">
-              <a:latin typeface="Bahnschrift Light" panose="020B0502040204020203" pitchFamily="34" charset="0"/>
-            </a:endParaRPr>
-          </a:p>
-        </p:txBody>
-      </p:sp>
-    </p:spTree>
-    <p:extLst>
-      <p:ext uri="{BB962C8B-B14F-4D97-AF65-F5344CB8AC3E}">
-        <p14:creationId xmlns:p14="http://schemas.microsoft.com/office/powerpoint/2010/main" val="3921543637"/>
-      </p:ext>
-    </p:extLst>
-  </p:cSld>
-  <p:clrMapOvr>
-    <a:masterClrMapping/>
-  </p:clrMapOvr>
-</p:sld>
-</file>
-
-<file path=ppt/slides/slide25.xml><?xml version="1.0" encoding="utf-8"?>
-<p:sld xmlns:a="http://schemas.openxmlformats.org/drawingml/2006/main" xmlns:r="http://schemas.openxmlformats.org/officeDocument/2006/relationships" xmlns:p="http://schemas.openxmlformats.org/presentationml/2006/main">
-  <p:cSld>
-    <p:spTree>
-      <p:nvGrpSpPr>
-        <p:cNvPr id="1" name=""/>
-        <p:cNvGrpSpPr/>
-        <p:nvPr/>
-      </p:nvGrpSpPr>
-      <p:grpSpPr>
-        <a:xfrm>
-          <a:off x="0" y="0"/>
-          <a:ext cx="0" cy="0"/>
-          <a:chOff x="0" y="0"/>
-          <a:chExt cx="0" cy="0"/>
-        </a:xfrm>
-      </p:grpSpPr>
-      <p:pic>
-        <p:nvPicPr>
-          <p:cNvPr id="2" name="Picture 1"/>
-          <p:cNvPicPr>
-            <a:picLocks noChangeAspect="1"/>
-          </p:cNvPicPr>
-          <p:nvPr/>
-        </p:nvPicPr>
-        <p:blipFill>
-          <a:blip r:embed="rId2"/>
-          <a:stretch>
-            <a:fillRect/>
-          </a:stretch>
-        </p:blipFill>
-        <p:spPr>
-          <a:xfrm>
-            <a:off x="19050" y="738232"/>
-            <a:ext cx="12083644" cy="5675268"/>
-          </a:xfrm>
-          <a:prstGeom prst="rect">
-            <a:avLst/>
-          </a:prstGeom>
-        </p:spPr>
-      </p:pic>
-      <p:sp>
-        <p:nvSpPr>
-          <p:cNvPr id="3" name="TextBox 2"/>
-          <p:cNvSpPr txBox="1"/>
-          <p:nvPr/>
-        </p:nvSpPr>
-        <p:spPr>
-          <a:xfrm>
-            <a:off x="139700" y="-54665"/>
-            <a:ext cx="11862759" cy="830997"/>
-          </a:xfrm>
-          <a:prstGeom prst="rect">
-            <a:avLst/>
-          </a:prstGeom>
-          <a:noFill/>
-        </p:spPr>
-        <p:txBody>
-          <a:bodyPr wrap="square" rtlCol="0">
-            <a:spAutoFit/>
-          </a:bodyPr>
-          <a:lstStyle/>
-          <a:p>
-            <a:pPr algn="ctr"/>
-            <a:r>
-              <a:rPr lang="en-US" sz="2400" dirty="0">
-                <a:latin typeface="Bahnschrift Light" panose="020B0502040204020203" pitchFamily="34" charset="0"/>
-              </a:rPr>
-              <a:t>Visualization</a:t>
-            </a:r>
-            <a:r>
-              <a:rPr lang="en-US" sz="4800" dirty="0">
-                <a:latin typeface="Bahnschrift Light" panose="020B0502040204020203" pitchFamily="34" charset="0"/>
-              </a:rPr>
-              <a:t> </a:t>
-            </a:r>
-            <a:r>
-              <a:rPr lang="en-US" sz="2800" dirty="0" smtClean="0">
-                <a:latin typeface="Bahnschrift Light" panose="020B0502040204020203" pitchFamily="34" charset="0"/>
-              </a:rPr>
-              <a:t>{</a:t>
-            </a:r>
-            <a:r>
-              <a:rPr lang="en-US" sz="2800" dirty="0">
-                <a:latin typeface="Bahnschrift Light" panose="020B0502040204020203" pitchFamily="34" charset="0"/>
-              </a:rPr>
-              <a:t>Data from </a:t>
-            </a:r>
-            <a:r>
-              <a:rPr lang="en-US" sz="2800" dirty="0" smtClean="0">
-                <a:latin typeface="Bahnschrift Light" panose="020B0502040204020203" pitchFamily="34" charset="0"/>
-              </a:rPr>
-              <a:t>Investing.Com vs Data from FRED}</a:t>
-            </a:r>
-            <a:endParaRPr lang="en-US" sz="2800" dirty="0">
-              <a:latin typeface="Bahnschrift Light" panose="020B0502040204020203" pitchFamily="34" charset="0"/>
-            </a:endParaRPr>
-          </a:p>
-        </p:txBody>
-      </p:sp>
-    </p:spTree>
-    <p:extLst>
-      <p:ext uri="{BB962C8B-B14F-4D97-AF65-F5344CB8AC3E}">
-        <p14:creationId xmlns:p14="http://schemas.microsoft.com/office/powerpoint/2010/main" val="231178457"/>
-      </p:ext>
-    </p:extLst>
-  </p:cSld>
-  <p:clrMapOvr>
-    <a:masterClrMapping/>
-  </p:clrMapOvr>
-</p:sld>
-</file>
-
 <file path=ppt/slides/slide26.xml><?xml version="1.0" encoding="utf-8"?>
 <p:sld xmlns:a="http://schemas.openxmlformats.org/drawingml/2006/main" xmlns:r="http://schemas.openxmlformats.org/officeDocument/2006/relationships" xmlns:p="http://schemas.openxmlformats.org/presentationml/2006/main">
   <p:cSld>
@@ -8046,9 +8106,118 @@
           <a:chExt cx="0" cy="0"/>
         </a:xfrm>
       </p:grpSpPr>
+      <p:sp>
+        <p:nvSpPr>
+          <p:cNvPr id="3" name="TextBox 2"/>
+          <p:cNvSpPr txBox="1"/>
+          <p:nvPr/>
+        </p:nvSpPr>
+        <p:spPr>
+          <a:xfrm>
+            <a:off x="139700" y="-92765"/>
+            <a:ext cx="11862759" cy="830997"/>
+          </a:xfrm>
+          <a:prstGeom prst="rect">
+            <a:avLst/>
+          </a:prstGeom>
+          <a:noFill/>
+        </p:spPr>
+        <p:txBody>
+          <a:bodyPr wrap="square" rtlCol="0">
+            <a:spAutoFit/>
+          </a:bodyPr>
+          <a:lstStyle/>
+          <a:p>
+            <a:pPr algn="ctr"/>
+            <a:r>
+              <a:rPr lang="en-US" sz="4800" dirty="0">
+                <a:latin typeface="Bahnschrift Light" panose="020B0502040204020203" pitchFamily="34" charset="0"/>
+              </a:rPr>
+              <a:t>Visualization </a:t>
+            </a:r>
+            <a:r>
+              <a:rPr lang="en-US" sz="2800" dirty="0" smtClean="0">
+                <a:latin typeface="Bahnschrift Light" panose="020B0502040204020203" pitchFamily="34" charset="0"/>
+              </a:rPr>
+              <a:t>{</a:t>
+            </a:r>
+            <a:r>
+              <a:rPr lang="en-US" sz="2800" dirty="0">
+                <a:latin typeface="Bahnschrift Light" panose="020B0502040204020203" pitchFamily="34" charset="0"/>
+              </a:rPr>
+              <a:t>Data from Investing.Com}</a:t>
+            </a:r>
+          </a:p>
+        </p:txBody>
+      </p:sp>
+      <p:sp>
+        <p:nvSpPr>
+          <p:cNvPr id="4" name="TextBox 3"/>
+          <p:cNvSpPr txBox="1"/>
+          <p:nvPr/>
+        </p:nvSpPr>
+        <p:spPr>
+          <a:xfrm>
+            <a:off x="139700" y="647700"/>
+            <a:ext cx="11862759" cy="954107"/>
+          </a:xfrm>
+          <a:prstGeom prst="rect">
+            <a:avLst/>
+          </a:prstGeom>
+          <a:noFill/>
+        </p:spPr>
+        <p:txBody>
+          <a:bodyPr wrap="square" rtlCol="0">
+            <a:spAutoFit/>
+          </a:bodyPr>
+          <a:lstStyle/>
+          <a:p>
+            <a:pPr algn="ctr"/>
+            <a:r>
+              <a:rPr lang="en-US" sz="2800" dirty="0" smtClean="0">
+                <a:latin typeface="Bahnschrift Light" panose="020B0502040204020203" pitchFamily="34" charset="0"/>
+              </a:rPr>
+              <a:t>90% Train – 10% Test Splitting, </a:t>
+            </a:r>
+            <a:r>
+              <a:rPr lang="en-US" sz="2800" b="1" dirty="0" smtClean="0">
+                <a:solidFill>
+                  <a:srgbClr val="0070C0"/>
+                </a:solidFill>
+                <a:latin typeface="Bahnschrift Light" panose="020B0502040204020203" pitchFamily="34" charset="0"/>
+              </a:rPr>
+              <a:t>with</a:t>
+            </a:r>
+            <a:r>
+              <a:rPr lang="en-US" sz="2800" dirty="0" smtClean="0">
+                <a:latin typeface="Bahnschrift Light" panose="020B0502040204020203" pitchFamily="34" charset="0"/>
+              </a:rPr>
+              <a:t> FRED’s </a:t>
+            </a:r>
+            <a:r>
+              <a:rPr lang="en-US" sz="2800" b="1" dirty="0">
+                <a:solidFill>
+                  <a:srgbClr val="0070C0"/>
+                </a:solidFill>
+                <a:latin typeface="Bahnschrift Light" panose="020B0502040204020203" pitchFamily="34" charset="0"/>
+              </a:rPr>
+              <a:t>Calibrated</a:t>
+            </a:r>
+            <a:r>
+              <a:rPr lang="en-US" sz="2800" dirty="0" smtClean="0">
+                <a:latin typeface="Bahnschrift Light" panose="020B0502040204020203" pitchFamily="34" charset="0"/>
+              </a:rPr>
+              <a:t> Macroeconomics data values</a:t>
+            </a:r>
+            <a:endParaRPr lang="en-US" sz="2800" dirty="0">
+              <a:latin typeface="Bahnschrift Light" panose="020B0502040204020203" pitchFamily="34" charset="0"/>
+            </a:endParaRPr>
+          </a:p>
+        </p:txBody>
+      </p:sp>
       <p:pic>
         <p:nvPicPr>
-          <p:cNvPr id="2" name="Picture 1"/>
+          <p:cNvPr id="5" name="Picture 4"/>
           <p:cNvPicPr>
             <a:picLocks noChangeAspect="1"/>
           </p:cNvPicPr>
@@ -8062,77 +8231,18 @@
         </p:blipFill>
         <p:spPr>
           <a:xfrm>
-            <a:off x="25400" y="877932"/>
-            <a:ext cx="12101195" cy="5700668"/>
+            <a:off x="444499" y="1600201"/>
+            <a:ext cx="11038599" cy="5143499"/>
           </a:xfrm>
           <a:prstGeom prst="rect">
             <a:avLst/>
           </a:prstGeom>
         </p:spPr>
       </p:pic>
-      <p:sp>
-        <p:nvSpPr>
-          <p:cNvPr id="3" name="TextBox 2"/>
-          <p:cNvSpPr txBox="1"/>
-          <p:nvPr/>
-        </p:nvSpPr>
-        <p:spPr>
-          <a:xfrm>
-            <a:off x="139700" y="-92765"/>
-            <a:ext cx="11862759" cy="830997"/>
-          </a:xfrm>
-          <a:prstGeom prst="rect">
-            <a:avLst/>
-          </a:prstGeom>
-          <a:noFill/>
-        </p:spPr>
-        <p:txBody>
-          <a:bodyPr wrap="square" rtlCol="0">
-            <a:spAutoFit/>
-          </a:bodyPr>
-          <a:lstStyle/>
-          <a:p>
-            <a:pPr algn="ctr"/>
-            <a:r>
-              <a:rPr lang="en-US" sz="2400" dirty="0">
-                <a:latin typeface="Bahnschrift Light" panose="020B0502040204020203" pitchFamily="34" charset="0"/>
-              </a:rPr>
-              <a:t>Visualization</a:t>
-            </a:r>
-            <a:r>
-              <a:rPr lang="en-US" sz="4800" dirty="0">
-                <a:latin typeface="Bahnschrift Light" panose="020B0502040204020203" pitchFamily="34" charset="0"/>
-              </a:rPr>
-              <a:t> </a:t>
-            </a:r>
-            <a:r>
-              <a:rPr lang="en-US" sz="2800" dirty="0" smtClean="0">
-                <a:latin typeface="Bahnschrift Light" panose="020B0502040204020203" pitchFamily="34" charset="0"/>
-              </a:rPr>
-              <a:t>{</a:t>
-            </a:r>
-            <a:r>
-              <a:rPr lang="en-US" sz="2800" dirty="0">
-                <a:latin typeface="Bahnschrift Light" panose="020B0502040204020203" pitchFamily="34" charset="0"/>
-              </a:rPr>
-              <a:t>Data from </a:t>
-            </a:r>
-            <a:r>
-              <a:rPr lang="en-US" sz="2800" dirty="0" smtClean="0">
-                <a:latin typeface="Bahnschrift Light" panose="020B0502040204020203" pitchFamily="34" charset="0"/>
-              </a:rPr>
-              <a:t>Investing.Com vs Data from FRED}</a:t>
-            </a:r>
-            <a:endParaRPr lang="en-US" sz="2800" dirty="0">
-              <a:latin typeface="Bahnschrift Light" panose="020B0502040204020203" pitchFamily="34" charset="0"/>
-            </a:endParaRPr>
-          </a:p>
-        </p:txBody>
-      </p:sp>
     </p:spTree>
     <p:extLst>
       <p:ext uri="{BB962C8B-B14F-4D97-AF65-F5344CB8AC3E}">
-        <p14:creationId xmlns:p14="http://schemas.microsoft.com/office/powerpoint/2010/main" val="215015445"/>
+        <p14:creationId xmlns:p14="http://schemas.microsoft.com/office/powerpoint/2010/main" val="3921543637"/>
       </p:ext>
     </p:extLst>
   </p:cSld>
@@ -8159,9 +8269,97 @@
           <a:chExt cx="0" cy="0"/>
         </a:xfrm>
       </p:grpSpPr>
+      <p:sp>
+        <p:nvSpPr>
+          <p:cNvPr id="2" name="TextBox 1"/>
+          <p:cNvSpPr txBox="1"/>
+          <p:nvPr/>
+        </p:nvSpPr>
+        <p:spPr>
+          <a:xfrm>
+            <a:off x="139700" y="-92765"/>
+            <a:ext cx="11862759" cy="830997"/>
+          </a:xfrm>
+          <a:prstGeom prst="rect">
+            <a:avLst/>
+          </a:prstGeom>
+          <a:noFill/>
+        </p:spPr>
+        <p:txBody>
+          <a:bodyPr wrap="square" rtlCol="0">
+            <a:spAutoFit/>
+          </a:bodyPr>
+          <a:lstStyle/>
+          <a:p>
+            <a:pPr algn="ctr"/>
+            <a:r>
+              <a:rPr lang="en-US" sz="4800" dirty="0">
+                <a:latin typeface="Bahnschrift Light" panose="020B0502040204020203" pitchFamily="34" charset="0"/>
+              </a:rPr>
+              <a:t>Visualization </a:t>
+            </a:r>
+            <a:r>
+              <a:rPr lang="en-US" sz="2800" dirty="0">
+                <a:latin typeface="Bahnschrift Light" panose="020B0502040204020203" pitchFamily="34" charset="0"/>
+              </a:rPr>
+              <a:t>{Models with Data </a:t>
+            </a:r>
+            <a:r>
+              <a:rPr lang="en-US" sz="2800" dirty="0" err="1" smtClean="0">
+                <a:latin typeface="Bahnschrift Light" panose="020B0502040204020203" pitchFamily="34" charset="0"/>
+              </a:rPr>
+              <a:t>Comparism</a:t>
+            </a:r>
+            <a:r>
+              <a:rPr lang="en-US" sz="2800" dirty="0" smtClean="0">
+                <a:latin typeface="Bahnschrift Light" panose="020B0502040204020203" pitchFamily="34" charset="0"/>
+              </a:rPr>
+              <a:t>}</a:t>
+            </a:r>
+            <a:endParaRPr lang="en-US" sz="2800" dirty="0">
+              <a:latin typeface="Bahnschrift Light" panose="020B0502040204020203" pitchFamily="34" charset="0"/>
+            </a:endParaRPr>
+          </a:p>
+        </p:txBody>
+      </p:sp>
+      <p:sp>
+        <p:nvSpPr>
+          <p:cNvPr id="3" name="TextBox 2"/>
+          <p:cNvSpPr txBox="1"/>
+          <p:nvPr/>
+        </p:nvSpPr>
+        <p:spPr>
+          <a:xfrm>
+            <a:off x="139700" y="647700"/>
+            <a:ext cx="11862759" cy="523220"/>
+          </a:xfrm>
+          <a:prstGeom prst="rect">
+            <a:avLst/>
+          </a:prstGeom>
+          <a:noFill/>
+        </p:spPr>
+        <p:txBody>
+          <a:bodyPr wrap="square" rtlCol="0">
+            <a:spAutoFit/>
+          </a:bodyPr>
+          <a:lstStyle/>
+          <a:p>
+            <a:pPr algn="ctr"/>
+            <a:r>
+              <a:rPr lang="en-US" sz="2800" dirty="0" smtClean="0">
+                <a:latin typeface="Bahnschrift Light" panose="020B0502040204020203" pitchFamily="34" charset="0"/>
+              </a:rPr>
+              <a:t>Comparing the data from different sources.</a:t>
+            </a:r>
+            <a:endParaRPr lang="en-US" sz="2800" dirty="0">
+              <a:latin typeface="Bahnschrift Light" panose="020B0502040204020203" pitchFamily="34" charset="0"/>
+            </a:endParaRPr>
+          </a:p>
+        </p:txBody>
+      </p:sp>
       <p:pic>
         <p:nvPicPr>
-          <p:cNvPr id="2" name="Picture 1"/>
+          <p:cNvPr id="4" name="Picture 3"/>
           <p:cNvPicPr>
             <a:picLocks noChangeAspect="1"/>
           </p:cNvPicPr>
@@ -8175,77 +8373,18 @@
         </p:blipFill>
         <p:spPr>
           <a:xfrm>
-            <a:off x="88900" y="789032"/>
-            <a:ext cx="12008310" cy="5726068"/>
+            <a:off x="431800" y="1170920"/>
+            <a:ext cx="10972800" cy="5575020"/>
           </a:xfrm>
           <a:prstGeom prst="rect">
             <a:avLst/>
           </a:prstGeom>
         </p:spPr>
       </p:pic>
-      <p:sp>
-        <p:nvSpPr>
-          <p:cNvPr id="3" name="TextBox 2"/>
-          <p:cNvSpPr txBox="1"/>
-          <p:nvPr/>
-        </p:nvSpPr>
-        <p:spPr>
-          <a:xfrm>
-            <a:off x="139700" y="-92765"/>
-            <a:ext cx="11862759" cy="830997"/>
-          </a:xfrm>
-          <a:prstGeom prst="rect">
-            <a:avLst/>
-          </a:prstGeom>
-          <a:noFill/>
-        </p:spPr>
-        <p:txBody>
-          <a:bodyPr wrap="square" rtlCol="0">
-            <a:spAutoFit/>
-          </a:bodyPr>
-          <a:lstStyle/>
-          <a:p>
-            <a:pPr algn="ctr"/>
-            <a:r>
-              <a:rPr lang="en-US" sz="2400" dirty="0">
-                <a:latin typeface="Bahnschrift Light" panose="020B0502040204020203" pitchFamily="34" charset="0"/>
-              </a:rPr>
-              <a:t>Visualization</a:t>
-            </a:r>
-            <a:r>
-              <a:rPr lang="en-US" sz="4800" dirty="0">
-                <a:latin typeface="Bahnschrift Light" panose="020B0502040204020203" pitchFamily="34" charset="0"/>
-              </a:rPr>
-              <a:t> </a:t>
-            </a:r>
-            <a:r>
-              <a:rPr lang="en-US" sz="2800" dirty="0" smtClean="0">
-                <a:latin typeface="Bahnschrift Light" panose="020B0502040204020203" pitchFamily="34" charset="0"/>
-              </a:rPr>
-              <a:t>{</a:t>
-            </a:r>
-            <a:r>
-              <a:rPr lang="en-US" sz="2800" dirty="0">
-                <a:latin typeface="Bahnschrift Light" panose="020B0502040204020203" pitchFamily="34" charset="0"/>
-              </a:rPr>
-              <a:t>Data from </a:t>
-            </a:r>
-            <a:r>
-              <a:rPr lang="en-US" sz="2800" dirty="0" smtClean="0">
-                <a:latin typeface="Bahnschrift Light" panose="020B0502040204020203" pitchFamily="34" charset="0"/>
-              </a:rPr>
-              <a:t>Investing.Com vs Data from FRED}</a:t>
-            </a:r>
-            <a:endParaRPr lang="en-US" sz="2800" dirty="0">
-              <a:latin typeface="Bahnschrift Light" panose="020B0502040204020203" pitchFamily="34" charset="0"/>
-            </a:endParaRPr>
-          </a:p>
-        </p:txBody>
-      </p:sp>
     </p:spTree>
     <p:extLst>
       <p:ext uri="{BB962C8B-B14F-4D97-AF65-F5344CB8AC3E}">
-        <p14:creationId xmlns:p14="http://schemas.microsoft.com/office/powerpoint/2010/main" val="4290876094"/>
+        <p14:creationId xmlns:p14="http://schemas.microsoft.com/office/powerpoint/2010/main" val="2966760727"/>
       </p:ext>
     </p:extLst>
   </p:cSld>
@@ -8288,8 +8427,8 @@
         </p:blipFill>
         <p:spPr>
           <a:xfrm>
-            <a:off x="-1" y="971550"/>
-            <a:ext cx="12002459" cy="5586050"/>
+            <a:off x="444500" y="1170919"/>
+            <a:ext cx="10998200" cy="5571989"/>
           </a:xfrm>
           <a:prstGeom prst="rect">
             <a:avLst/>
@@ -8320,34 +8459,28 @@
           <a:p>
             <a:pPr algn="ctr"/>
             <a:r>
-              <a:rPr lang="en-US" sz="2400" dirty="0">
-                <a:latin typeface="Bahnschrift Light" panose="020B0502040204020203" pitchFamily="34" charset="0"/>
-              </a:rPr>
-              <a:t>Visualization</a:t>
-            </a:r>
-            <a:r>
               <a:rPr lang="en-US" sz="4800" dirty="0">
                 <a:latin typeface="Bahnschrift Light" panose="020B0502040204020203" pitchFamily="34" charset="0"/>
               </a:rPr>
-              <a:t> </a:t>
+              <a:t>Visualization </a:t>
             </a:r>
             <a:r>
               <a:rPr lang="en-US" sz="2800" dirty="0" smtClean="0">
                 <a:latin typeface="Bahnschrift Light" panose="020B0502040204020203" pitchFamily="34" charset="0"/>
               </a:rPr>
-              <a:t>{</a:t>
-            </a:r>
-            <a:r>
-              <a:rPr lang="en-US" sz="2800" dirty="0">
-                <a:latin typeface="Bahnschrift Light" panose="020B0502040204020203" pitchFamily="34" charset="0"/>
-              </a:rPr>
-              <a:t>Data from </a:t>
+              <a:t>{Models with Data </a:t>
+            </a:r>
+            <a:r>
+              <a:rPr lang="en-US" sz="2800" dirty="0" err="1" smtClean="0">
+                <a:latin typeface="Bahnschrift Light" panose="020B0502040204020203" pitchFamily="34" charset="0"/>
+              </a:rPr>
+              <a:t>Comparism</a:t>
             </a:r>
             <a:r>
               <a:rPr lang="en-US" sz="2800" dirty="0" smtClean="0">
                 <a:latin typeface="Bahnschrift Light" panose="020B0502040204020203" pitchFamily="34" charset="0"/>
               </a:rPr>
-              <a:t>Investing.Com vs Data from FRED}</a:t>
+              <a:t>}</a:t>
             </a:r>
             <a:endParaRPr lang="en-US" sz="2800" dirty="0">
               <a:latin typeface="Bahnschrift Light" panose="020B0502040204020203" pitchFamily="34" charset="0"/>
@@ -8355,10 +8488,45 @@
           </a:p>
         </p:txBody>
       </p:sp>
+      <p:sp>
+        <p:nvSpPr>
+          <p:cNvPr id="4" name="TextBox 3"/>
+          <p:cNvSpPr txBox="1"/>
+          <p:nvPr/>
+        </p:nvSpPr>
+        <p:spPr>
+          <a:xfrm>
+            <a:off x="139700" y="647700"/>
+            <a:ext cx="11862759" cy="523220"/>
+          </a:xfrm>
+          <a:prstGeom prst="rect">
+            <a:avLst/>
+          </a:prstGeom>
+          <a:noFill/>
+        </p:spPr>
+        <p:txBody>
+          <a:bodyPr wrap="square" rtlCol="0">
+            <a:spAutoFit/>
+          </a:bodyPr>
+          <a:lstStyle/>
+          <a:p>
+            <a:pPr algn="ctr"/>
+            <a:r>
+              <a:rPr lang="en-US" sz="2800" dirty="0" smtClean="0">
+                <a:latin typeface="Bahnschrift Light" panose="020B0502040204020203" pitchFamily="34" charset="0"/>
+              </a:rPr>
+              <a:t>Comparing the data from different sources.</a:t>
+            </a:r>
+            <a:endParaRPr lang="en-US" sz="2800" dirty="0">
+              <a:latin typeface="Bahnschrift Light" panose="020B0502040204020203" pitchFamily="34" charset="0"/>
+            </a:endParaRPr>
+          </a:p>
+        </p:txBody>
+      </p:sp>
     </p:spTree>
     <p:extLst>
       <p:ext uri="{BB962C8B-B14F-4D97-AF65-F5344CB8AC3E}">
-        <p14:creationId xmlns:p14="http://schemas.microsoft.com/office/powerpoint/2010/main" val="4107495522"/>
+        <p14:creationId xmlns:p14="http://schemas.microsoft.com/office/powerpoint/2010/main" val="2193312315"/>
       </p:ext>
     </p:extLst>
   </p:cSld>
@@ -8401,8 +8569,8 @@
         </p:blipFill>
         <p:spPr>
           <a:xfrm>
-            <a:off x="139700" y="889000"/>
-            <a:ext cx="11857775" cy="5562600"/>
+            <a:off x="19050" y="738232"/>
+            <a:ext cx="12083644" cy="5675268"/>
           </a:xfrm>
           <a:prstGeom prst="rect">
             <a:avLst/>
@@ -8417,7 +8585,7 @@
         </p:nvSpPr>
         <p:spPr>
           <a:xfrm>
-            <a:off x="139700" y="-92765"/>
+            <a:off x="139700" y="-54665"/>
             <a:ext cx="11862759" cy="830997"/>
           </a:xfrm>
           <a:prstGeom prst="rect">
@@ -8460,19 +8628,7 @@
               <a:rPr lang="en-US" sz="2800" dirty="0" smtClean="0">
                 <a:latin typeface="Bahnschrift Light" panose="020B0502040204020203" pitchFamily="34" charset="0"/>
               </a:rPr>
-              <a:t>Investing.Com vs Data from </a:t>
-            </a:r>
-            <a:r>
-              <a:rPr lang="en-US" sz="2800" dirty="0" err="1" smtClean="0">
-                <a:latin typeface="Bahnschrift Light" panose="020B0502040204020203" pitchFamily="34" charset="0"/>
-              </a:rPr>
-              <a:t>WorldBank</a:t>
-            </a:r>
-            <a:r>
-              <a:rPr lang="en-US" sz="2800" dirty="0" smtClean="0">
-                <a:latin typeface="Bahnschrift Light" panose="020B0502040204020203" pitchFamily="34" charset="0"/>
-              </a:rPr>
-              <a:t>}</a:t>
+              <a:t>Investing.Com vs Data from FRED}</a:t>
             </a:r>
             <a:endParaRPr lang="en-US" sz="2800" dirty="0">
               <a:latin typeface="Bahnschrift Light" panose="020B0502040204020203" pitchFamily="34" charset="0"/>
@@ -8483,7 +8639,7 @@
     </p:spTree>
     <p:extLst>
       <p:ext uri="{BB962C8B-B14F-4D97-AF65-F5344CB8AC3E}">
-        <p14:creationId xmlns:p14="http://schemas.microsoft.com/office/powerpoint/2010/main" val="2349401012"/>
+        <p14:creationId xmlns:p14="http://schemas.microsoft.com/office/powerpoint/2010/main" val="231178457"/>
       </p:ext>
     </p:extLst>
   </p:cSld>
@@ -8730,80 +8886,9 @@
           <a:chExt cx="0" cy="0"/>
         </a:xfrm>
       </p:grpSpPr>
-      <p:sp>
-        <p:nvSpPr>
-          <p:cNvPr id="2" name="TextBox 1"/>
-          <p:cNvSpPr txBox="1"/>
-          <p:nvPr/>
-        </p:nvSpPr>
-        <p:spPr>
-          <a:xfrm>
-            <a:off x="139700" y="-92765"/>
-            <a:ext cx="11862759" cy="830997"/>
-          </a:xfrm>
-          <a:prstGeom prst="rect">
-            <a:avLst/>
-          </a:prstGeom>
-          <a:noFill/>
-        </p:spPr>
-        <p:txBody>
-          <a:bodyPr wrap="square" rtlCol="0">
-            <a:spAutoFit/>
-          </a:bodyPr>
-          <a:lstStyle/>
-          <a:p>
-            <a:pPr algn="ctr"/>
-            <a:r>
-              <a:rPr lang="en-US" sz="2400" dirty="0">
-                <a:latin typeface="Bahnschrift Light" panose="020B0502040204020203" pitchFamily="34" charset="0"/>
-              </a:rPr>
-              <a:t>Visualization</a:t>
-            </a:r>
-            <a:r>
-              <a:rPr lang="en-US" sz="4800" dirty="0">
-                <a:latin typeface="Bahnschrift Light" panose="020B0502040204020203" pitchFamily="34" charset="0"/>
-              </a:rPr>
-              <a:t> </a:t>
-            </a:r>
-            <a:r>
-              <a:rPr lang="en-US" sz="2800" dirty="0" smtClean="0">
-                <a:latin typeface="Bahnschrift Light" panose="020B0502040204020203" pitchFamily="34" charset="0"/>
-              </a:rPr>
-              <a:t>{</a:t>
-            </a:r>
-            <a:r>
-              <a:rPr lang="en-US" sz="2800" dirty="0">
-                <a:latin typeface="Bahnschrift Light" panose="020B0502040204020203" pitchFamily="34" charset="0"/>
-              </a:rPr>
-              <a:t>Data from </a:t>
-            </a:r>
-            <a:r>
-              <a:rPr lang="en-US" sz="2800" dirty="0" smtClean="0">
-                <a:latin typeface="Bahnschrift Light" panose="020B0502040204020203" pitchFamily="34" charset="0"/>
-              </a:rPr>
-              <a:t>Investing.Com vs Data from </a:t>
-            </a:r>
-            <a:r>
-              <a:rPr lang="en-US" sz="2800" dirty="0" err="1" smtClean="0">
-                <a:latin typeface="Bahnschrift Light" panose="020B0502040204020203" pitchFamily="34" charset="0"/>
-              </a:rPr>
-              <a:t>WorldBank</a:t>
-            </a:r>
-            <a:r>
-              <a:rPr lang="en-US" sz="2800" dirty="0" smtClean="0">
-                <a:latin typeface="Bahnschrift Light" panose="020B0502040204020203" pitchFamily="34" charset="0"/>
-              </a:rPr>
-              <a:t>}</a:t>
-            </a:r>
-            <a:endParaRPr lang="en-US" sz="2800" dirty="0">
-              <a:latin typeface="Bahnschrift Light" panose="020B0502040204020203" pitchFamily="34" charset="0"/>
-            </a:endParaRPr>
-          </a:p>
-        </p:txBody>
-      </p:sp>
       <p:pic>
         <p:nvPicPr>
-          <p:cNvPr id="3" name="Picture 2"/>
+          <p:cNvPr id="2" name="Picture 1"/>
           <p:cNvPicPr>
             <a:picLocks noChangeAspect="1"/>
           </p:cNvPicPr>
@@ -8817,18 +8902,77 @@
         </p:blipFill>
         <p:spPr>
           <a:xfrm>
-            <a:off x="139700" y="828674"/>
-            <a:ext cx="11904576" cy="5521325"/>
+            <a:off x="25400" y="877932"/>
+            <a:ext cx="12101195" cy="5700668"/>
           </a:xfrm>
           <a:prstGeom prst="rect">
             <a:avLst/>
           </a:prstGeom>
         </p:spPr>
       </p:pic>
+      <p:sp>
+        <p:nvSpPr>
+          <p:cNvPr id="3" name="TextBox 2"/>
+          <p:cNvSpPr txBox="1"/>
+          <p:nvPr/>
+        </p:nvSpPr>
+        <p:spPr>
+          <a:xfrm>
+            <a:off x="139700" y="-92765"/>
+            <a:ext cx="11862759" cy="830997"/>
+          </a:xfrm>
+          <a:prstGeom prst="rect">
+            <a:avLst/>
+          </a:prstGeom>
+          <a:noFill/>
+        </p:spPr>
+        <p:txBody>
+          <a:bodyPr wrap="square" rtlCol="0">
+            <a:spAutoFit/>
+          </a:bodyPr>
+          <a:lstStyle/>
+          <a:p>
+            <a:pPr algn="ctr"/>
+            <a:r>
+              <a:rPr lang="en-US" sz="2400" dirty="0">
+                <a:latin typeface="Bahnschrift Light" panose="020B0502040204020203" pitchFamily="34" charset="0"/>
+              </a:rPr>
+              <a:t>Visualization</a:t>
+            </a:r>
+            <a:r>
+              <a:rPr lang="en-US" sz="4800" dirty="0">
+                <a:latin typeface="Bahnschrift Light" panose="020B0502040204020203" pitchFamily="34" charset="0"/>
+              </a:rPr>
+              <a:t> </a:t>
+            </a:r>
+            <a:r>
+              <a:rPr lang="en-US" sz="2800" dirty="0" smtClean="0">
+                <a:latin typeface="Bahnschrift Light" panose="020B0502040204020203" pitchFamily="34" charset="0"/>
+              </a:rPr>
+              <a:t>{</a:t>
+            </a:r>
+            <a:r>
+              <a:rPr lang="en-US" sz="2800" dirty="0">
+                <a:latin typeface="Bahnschrift Light" panose="020B0502040204020203" pitchFamily="34" charset="0"/>
+              </a:rPr>
+              <a:t>Data from </a:t>
+            </a:r>
+            <a:r>
+              <a:rPr lang="en-US" sz="2800" dirty="0" smtClean="0">
+                <a:latin typeface="Bahnschrift Light" panose="020B0502040204020203" pitchFamily="34" charset="0"/>
+              </a:rPr>
+              <a:t>Investing.Com vs Data from FRED}</a:t>
+            </a:r>
+            <a:endParaRPr lang="en-US" sz="2800" dirty="0">
+              <a:latin typeface="Bahnschrift Light" panose="020B0502040204020203" pitchFamily="34" charset="0"/>
+            </a:endParaRPr>
+          </a:p>
+        </p:txBody>
+      </p:sp>
     </p:spTree>
     <p:extLst>
       <p:ext uri="{BB962C8B-B14F-4D97-AF65-F5344CB8AC3E}">
-        <p14:creationId xmlns:p14="http://schemas.microsoft.com/office/powerpoint/2010/main" val="3094819070"/>
+        <p14:creationId xmlns:p14="http://schemas.microsoft.com/office/powerpoint/2010/main" val="215015445"/>
       </p:ext>
     </p:extLst>
   </p:cSld>
@@ -8855,80 +8999,9 @@
           <a:chExt cx="0" cy="0"/>
         </a:xfrm>
       </p:grpSpPr>
-      <p:sp>
-        <p:nvSpPr>
-          <p:cNvPr id="2" name="TextBox 1"/>
-          <p:cNvSpPr txBox="1"/>
-          <p:nvPr/>
-        </p:nvSpPr>
-        <p:spPr>
-          <a:xfrm>
-            <a:off x="139700" y="-92765"/>
-            <a:ext cx="11862759" cy="830997"/>
-          </a:xfrm>
-          <a:prstGeom prst="rect">
-            <a:avLst/>
-          </a:prstGeom>
-          <a:noFill/>
-        </p:spPr>
-        <p:txBody>
-          <a:bodyPr wrap="square" rtlCol="0">
-            <a:spAutoFit/>
-          </a:bodyPr>
-          <a:lstStyle/>
-          <a:p>
-            <a:pPr algn="ctr"/>
-            <a:r>
-              <a:rPr lang="en-US" sz="2400" dirty="0">
-                <a:latin typeface="Bahnschrift Light" panose="020B0502040204020203" pitchFamily="34" charset="0"/>
-              </a:rPr>
-              <a:t>Visualization</a:t>
-            </a:r>
-            <a:r>
-              <a:rPr lang="en-US" sz="4800" dirty="0">
-                <a:latin typeface="Bahnschrift Light" panose="020B0502040204020203" pitchFamily="34" charset="0"/>
-              </a:rPr>
-              <a:t> </a:t>
-            </a:r>
-            <a:r>
-              <a:rPr lang="en-US" sz="2800" dirty="0" smtClean="0">
-                <a:latin typeface="Bahnschrift Light" panose="020B0502040204020203" pitchFamily="34" charset="0"/>
-              </a:rPr>
-              <a:t>{</a:t>
-            </a:r>
-            <a:r>
-              <a:rPr lang="en-US" sz="2800" dirty="0">
-                <a:latin typeface="Bahnschrift Light" panose="020B0502040204020203" pitchFamily="34" charset="0"/>
-              </a:rPr>
-              <a:t>Data from </a:t>
-            </a:r>
-            <a:r>
-              <a:rPr lang="en-US" sz="2800" dirty="0" smtClean="0">
-                <a:latin typeface="Bahnschrift Light" panose="020B0502040204020203" pitchFamily="34" charset="0"/>
-              </a:rPr>
-              <a:t>Investing.Com vs Data from </a:t>
-            </a:r>
-            <a:r>
-              <a:rPr lang="en-US" sz="2800" dirty="0" err="1" smtClean="0">
-                <a:latin typeface="Bahnschrift Light" panose="020B0502040204020203" pitchFamily="34" charset="0"/>
-              </a:rPr>
-              <a:t>WorldBank</a:t>
-            </a:r>
-            <a:r>
-              <a:rPr lang="en-US" sz="2800" dirty="0" smtClean="0">
-                <a:latin typeface="Bahnschrift Light" panose="020B0502040204020203" pitchFamily="34" charset="0"/>
-              </a:rPr>
-              <a:t>}</a:t>
-            </a:r>
-            <a:endParaRPr lang="en-US" sz="2800" dirty="0">
-              <a:latin typeface="Bahnschrift Light" panose="020B0502040204020203" pitchFamily="34" charset="0"/>
-            </a:endParaRPr>
-          </a:p>
-        </p:txBody>
-      </p:sp>
       <p:pic>
         <p:nvPicPr>
-          <p:cNvPr id="4" name="Picture 3"/>
+          <p:cNvPr id="2" name="Picture 1"/>
           <p:cNvPicPr>
             <a:picLocks noChangeAspect="1"/>
           </p:cNvPicPr>
@@ -8942,18 +9015,77 @@
         </p:blipFill>
         <p:spPr>
           <a:xfrm>
-            <a:off x="139700" y="738232"/>
-            <a:ext cx="11936791" cy="5586368"/>
+            <a:off x="88900" y="789032"/>
+            <a:ext cx="12008310" cy="5726068"/>
           </a:xfrm>
           <a:prstGeom prst="rect">
             <a:avLst/>
           </a:prstGeom>
         </p:spPr>
       </p:pic>
+      <p:sp>
+        <p:nvSpPr>
+          <p:cNvPr id="3" name="TextBox 2"/>
+          <p:cNvSpPr txBox="1"/>
+          <p:nvPr/>
+        </p:nvSpPr>
+        <p:spPr>
+          <a:xfrm>
+            <a:off x="139700" y="-92765"/>
+            <a:ext cx="11862759" cy="830997"/>
+          </a:xfrm>
+          <a:prstGeom prst="rect">
+            <a:avLst/>
+          </a:prstGeom>
+          <a:noFill/>
+        </p:spPr>
+        <p:txBody>
+          <a:bodyPr wrap="square" rtlCol="0">
+            <a:spAutoFit/>
+          </a:bodyPr>
+          <a:lstStyle/>
+          <a:p>
+            <a:pPr algn="ctr"/>
+            <a:r>
+              <a:rPr lang="en-US" sz="2400" dirty="0">
+                <a:latin typeface="Bahnschrift Light" panose="020B0502040204020203" pitchFamily="34" charset="0"/>
+              </a:rPr>
+              <a:t>Visualization</a:t>
+            </a:r>
+            <a:r>
+              <a:rPr lang="en-US" sz="4800" dirty="0">
+                <a:latin typeface="Bahnschrift Light" panose="020B0502040204020203" pitchFamily="34" charset="0"/>
+              </a:rPr>
+              <a:t> </a:t>
+            </a:r>
+            <a:r>
+              <a:rPr lang="en-US" sz="2800" dirty="0" smtClean="0">
+                <a:latin typeface="Bahnschrift Light" panose="020B0502040204020203" pitchFamily="34" charset="0"/>
+              </a:rPr>
+              <a:t>{</a:t>
+            </a:r>
+            <a:r>
+              <a:rPr lang="en-US" sz="2800" dirty="0">
+                <a:latin typeface="Bahnschrift Light" panose="020B0502040204020203" pitchFamily="34" charset="0"/>
+              </a:rPr>
+              <a:t>Data from </a:t>
+            </a:r>
+            <a:r>
+              <a:rPr lang="en-US" sz="2800" dirty="0" smtClean="0">
+                <a:latin typeface="Bahnschrift Light" panose="020B0502040204020203" pitchFamily="34" charset="0"/>
+              </a:rPr>
+              <a:t>Investing.Com vs Data from FRED}</a:t>
+            </a:r>
+            <a:endParaRPr lang="en-US" sz="2800" dirty="0">
+              <a:latin typeface="Bahnschrift Light" panose="020B0502040204020203" pitchFamily="34" charset="0"/>
+            </a:endParaRPr>
+          </a:p>
+        </p:txBody>
+      </p:sp>
     </p:spTree>
     <p:extLst>
       <p:ext uri="{BB962C8B-B14F-4D97-AF65-F5344CB8AC3E}">
-        <p14:creationId xmlns:p14="http://schemas.microsoft.com/office/powerpoint/2010/main" val="3119402187"/>
+        <p14:creationId xmlns:p14="http://schemas.microsoft.com/office/powerpoint/2010/main" val="4290876094"/>
       </p:ext>
     </p:extLst>
   </p:cSld>
@@ -8980,80 +9112,9 @@
           <a:chExt cx="0" cy="0"/>
         </a:xfrm>
       </p:grpSpPr>
-      <p:sp>
-        <p:nvSpPr>
-          <p:cNvPr id="2" name="TextBox 1"/>
-          <p:cNvSpPr txBox="1"/>
-          <p:nvPr/>
-        </p:nvSpPr>
-        <p:spPr>
-          <a:xfrm>
-            <a:off x="139700" y="-92765"/>
-            <a:ext cx="11862759" cy="830997"/>
-          </a:xfrm>
-          <a:prstGeom prst="rect">
-            <a:avLst/>
-          </a:prstGeom>
-          <a:noFill/>
-        </p:spPr>
-        <p:txBody>
-          <a:bodyPr wrap="square" rtlCol="0">
-            <a:spAutoFit/>
-          </a:bodyPr>
-          <a:lstStyle/>
-          <a:p>
-            <a:pPr algn="ctr"/>
-            <a:r>
-              <a:rPr lang="en-US" sz="2400" dirty="0">
-                <a:latin typeface="Bahnschrift Light" panose="020B0502040204020203" pitchFamily="34" charset="0"/>
-              </a:rPr>
-              <a:t>Visualization</a:t>
-            </a:r>
-            <a:r>
-              <a:rPr lang="en-US" sz="4800" dirty="0">
-                <a:latin typeface="Bahnschrift Light" panose="020B0502040204020203" pitchFamily="34" charset="0"/>
-              </a:rPr>
-              <a:t> </a:t>
-            </a:r>
-            <a:r>
-              <a:rPr lang="en-US" sz="2800" dirty="0" smtClean="0">
-                <a:latin typeface="Bahnschrift Light" panose="020B0502040204020203" pitchFamily="34" charset="0"/>
-              </a:rPr>
-              <a:t>{</a:t>
-            </a:r>
-            <a:r>
-              <a:rPr lang="en-US" sz="2800" dirty="0">
-                <a:latin typeface="Bahnschrift Light" panose="020B0502040204020203" pitchFamily="34" charset="0"/>
-              </a:rPr>
-              <a:t>Data from </a:t>
-            </a:r>
-            <a:r>
-              <a:rPr lang="en-US" sz="2800" dirty="0" smtClean="0">
-                <a:latin typeface="Bahnschrift Light" panose="020B0502040204020203" pitchFamily="34" charset="0"/>
-              </a:rPr>
-              <a:t>Investing.Com vs Data from </a:t>
-            </a:r>
-            <a:r>
-              <a:rPr lang="en-US" sz="2800" dirty="0" err="1" smtClean="0">
-                <a:latin typeface="Bahnschrift Light" panose="020B0502040204020203" pitchFamily="34" charset="0"/>
-              </a:rPr>
-              <a:t>WorldBank</a:t>
-            </a:r>
-            <a:r>
-              <a:rPr lang="en-US" sz="2800" dirty="0" smtClean="0">
-                <a:latin typeface="Bahnschrift Light" panose="020B0502040204020203" pitchFamily="34" charset="0"/>
-              </a:rPr>
-              <a:t>}</a:t>
-            </a:r>
-            <a:endParaRPr lang="en-US" sz="2800" dirty="0">
-              <a:latin typeface="Bahnschrift Light" panose="020B0502040204020203" pitchFamily="34" charset="0"/>
-            </a:endParaRPr>
-          </a:p>
-        </p:txBody>
-      </p:sp>
       <p:pic>
         <p:nvPicPr>
-          <p:cNvPr id="3" name="Picture 2"/>
+          <p:cNvPr id="2" name="Picture 1"/>
           <p:cNvPicPr>
             <a:picLocks noChangeAspect="1"/>
           </p:cNvPicPr>
@@ -9067,18 +9128,77 @@
         </p:blipFill>
         <p:spPr>
           <a:xfrm>
-            <a:off x="83641" y="954132"/>
-            <a:ext cx="12061484" cy="5599068"/>
+            <a:off x="-1" y="971550"/>
+            <a:ext cx="12002459" cy="5586050"/>
           </a:xfrm>
           <a:prstGeom prst="rect">
             <a:avLst/>
           </a:prstGeom>
         </p:spPr>
       </p:pic>
+      <p:sp>
+        <p:nvSpPr>
+          <p:cNvPr id="3" name="TextBox 2"/>
+          <p:cNvSpPr txBox="1"/>
+          <p:nvPr/>
+        </p:nvSpPr>
+        <p:spPr>
+          <a:xfrm>
+            <a:off x="139700" y="-92765"/>
+            <a:ext cx="11862759" cy="830997"/>
+          </a:xfrm>
+          <a:prstGeom prst="rect">
+            <a:avLst/>
+          </a:prstGeom>
+          <a:noFill/>
+        </p:spPr>
+        <p:txBody>
+          <a:bodyPr wrap="square" rtlCol="0">
+            <a:spAutoFit/>
+          </a:bodyPr>
+          <a:lstStyle/>
+          <a:p>
+            <a:pPr algn="ctr"/>
+            <a:r>
+              <a:rPr lang="en-US" sz="2400" dirty="0">
+                <a:latin typeface="Bahnschrift Light" panose="020B0502040204020203" pitchFamily="34" charset="0"/>
+              </a:rPr>
+              <a:t>Visualization</a:t>
+            </a:r>
+            <a:r>
+              <a:rPr lang="en-US" sz="4800" dirty="0">
+                <a:latin typeface="Bahnschrift Light" panose="020B0502040204020203" pitchFamily="34" charset="0"/>
+              </a:rPr>
+              <a:t> </a:t>
+            </a:r>
+            <a:r>
+              <a:rPr lang="en-US" sz="2800" dirty="0" smtClean="0">
+                <a:latin typeface="Bahnschrift Light" panose="020B0502040204020203" pitchFamily="34" charset="0"/>
+              </a:rPr>
+              <a:t>{</a:t>
+            </a:r>
+            <a:r>
+              <a:rPr lang="en-US" sz="2800" dirty="0">
+                <a:latin typeface="Bahnschrift Light" panose="020B0502040204020203" pitchFamily="34" charset="0"/>
+              </a:rPr>
+              <a:t>Data from </a:t>
+            </a:r>
+            <a:r>
+              <a:rPr lang="en-US" sz="2800" dirty="0" smtClean="0">
+                <a:latin typeface="Bahnschrift Light" panose="020B0502040204020203" pitchFamily="34" charset="0"/>
+              </a:rPr>
+              <a:t>Investing.Com vs Data from FRED}</a:t>
+            </a:r>
+            <a:endParaRPr lang="en-US" sz="2800" dirty="0">
+              <a:latin typeface="Bahnschrift Light" panose="020B0502040204020203" pitchFamily="34" charset="0"/>
+            </a:endParaRPr>
+          </a:p>
+        </p:txBody>
+      </p:sp>
     </p:spTree>
     <p:extLst>
       <p:ext uri="{BB962C8B-B14F-4D97-AF65-F5344CB8AC3E}">
-        <p14:creationId xmlns:p14="http://schemas.microsoft.com/office/powerpoint/2010/main" val="2187603829"/>
+        <p14:creationId xmlns:p14="http://schemas.microsoft.com/office/powerpoint/2010/main" val="4107495522"/>
       </p:ext>
     </p:extLst>
   </p:cSld>
@@ -9105,16 +9225,40 @@
           <a:chExt cx="0" cy="0"/>
         </a:xfrm>
       </p:grpSpPr>
-      <p:sp>
-        <p:nvSpPr>
-          <p:cNvPr id="2" name="TextBox 1"/>
+      <p:pic>
+        <p:nvPicPr>
+          <p:cNvPr id="2" name="Picture 1"/>
+          <p:cNvPicPr>
+            <a:picLocks noChangeAspect="1"/>
+          </p:cNvPicPr>
+          <p:nvPr/>
+        </p:nvPicPr>
+        <p:blipFill>
+          <a:blip r:embed="rId2"/>
+          <a:stretch>
+            <a:fillRect/>
+          </a:stretch>
+        </p:blipFill>
+        <p:spPr>
+          <a:xfrm>
+            <a:off x="139700" y="889000"/>
+            <a:ext cx="11857775" cy="5562600"/>
+          </a:xfrm>
+          <a:prstGeom prst="rect">
+            <a:avLst/>
+          </a:prstGeom>
+        </p:spPr>
+      </p:pic>
+      <p:sp>
+        <p:nvSpPr>
+          <p:cNvPr id="3" name="TextBox 2"/>
           <p:cNvSpPr txBox="1"/>
           <p:nvPr/>
         </p:nvSpPr>
         <p:spPr>
           <a:xfrm>
-            <a:off x="1549952" y="-3865"/>
-            <a:ext cx="8680174" cy="830997"/>
+            <a:off x="139700" y="-92765"/>
+            <a:ext cx="11862759" cy="830997"/>
           </a:xfrm>
           <a:prstGeom prst="rect">
             <a:avLst/>
@@ -9129,27 +9273,93 @@
           <a:p>
             <a:pPr algn="ctr"/>
             <a:r>
-              <a:rPr lang="en-US" sz="4800" dirty="0" smtClean="0">
-                <a:latin typeface="Bahnschrift Light" panose="020B0502040204020203" pitchFamily="34" charset="0"/>
-              </a:rPr>
-              <a:t>Result</a:t>
-            </a:r>
-            <a:endParaRPr lang="en-US" sz="4800" dirty="0">
+              <a:rPr lang="en-US" sz="2400" dirty="0">
+                <a:latin typeface="Bahnschrift Light" panose="020B0502040204020203" pitchFamily="34" charset="0"/>
+              </a:rPr>
+              <a:t>Visualization</a:t>
+            </a:r>
+            <a:r>
+              <a:rPr lang="en-US" sz="4800" dirty="0">
+                <a:latin typeface="Bahnschrift Light" panose="020B0502040204020203" pitchFamily="34" charset="0"/>
+              </a:rPr>
+              <a:t> </a:t>
+            </a:r>
+            <a:r>
+              <a:rPr lang="en-US" sz="2800" dirty="0" smtClean="0">
+                <a:latin typeface="Bahnschrift Light" panose="020B0502040204020203" pitchFamily="34" charset="0"/>
+              </a:rPr>
+              <a:t>{</a:t>
+            </a:r>
+            <a:r>
+              <a:rPr lang="en-US" sz="2800" dirty="0">
+                <a:latin typeface="Bahnschrift Light" panose="020B0502040204020203" pitchFamily="34" charset="0"/>
+              </a:rPr>
+              <a:t>Data from </a:t>
+            </a:r>
+            <a:r>
+              <a:rPr lang="en-US" sz="2800" dirty="0" smtClean="0">
+                <a:latin typeface="Bahnschrift Light" panose="020B0502040204020203" pitchFamily="34" charset="0"/>
+              </a:rPr>
+              <a:t>Investing.Com vs Data from </a:t>
+            </a:r>
+            <a:r>
+              <a:rPr lang="en-US" sz="2800" dirty="0" err="1" smtClean="0">
+                <a:latin typeface="Bahnschrift Light" panose="020B0502040204020203" pitchFamily="34" charset="0"/>
+              </a:rPr>
+              <a:t>WorldBank</a:t>
+            </a:r>
+            <a:r>
+              <a:rPr lang="en-US" sz="2800" dirty="0" smtClean="0">
+                <a:latin typeface="Bahnschrift Light" panose="020B0502040204020203" pitchFamily="34" charset="0"/>
+              </a:rPr>
+              <a:t>}</a:t>
+            </a:r>
+            <a:endParaRPr lang="en-US" sz="2800" dirty="0">
               <a:latin typeface="Bahnschrift Light" panose="020B0502040204020203" pitchFamily="34" charset="0"/>
             </a:endParaRPr>
           </a:p>
         </p:txBody>
       </p:sp>
-      <p:sp>
-        <p:nvSpPr>
-          <p:cNvPr id="3" name="TextBox 2"/>
+    </p:spTree>
+    <p:extLst>
+      <p:ext uri="{BB962C8B-B14F-4D97-AF65-F5344CB8AC3E}">
+        <p14:creationId xmlns:p14="http://schemas.microsoft.com/office/powerpoint/2010/main" val="2349401012"/>
+      </p:ext>
+    </p:extLst>
+  </p:cSld>
+  <p:clrMapOvr>
+    <a:masterClrMapping/>
+  </p:clrMapOvr>
+</p:sld>
+</file>
+
+<file path=ppt/slides/slide34.xml><?xml version="1.0" encoding="utf-8"?>
+<p:sld xmlns:a="http://schemas.openxmlformats.org/drawingml/2006/main" xmlns:r="http://schemas.openxmlformats.org/officeDocument/2006/relationships" xmlns:p="http://schemas.openxmlformats.org/presentationml/2006/main">
+  <p:cSld>
+    <p:spTree>
+      <p:nvGrpSpPr>
+        <p:cNvPr id="1" name=""/>
+        <p:cNvGrpSpPr/>
+        <p:nvPr/>
+      </p:nvGrpSpPr>
+      <p:grpSpPr>
+        <a:xfrm>
+          <a:off x="0" y="0"/>
+          <a:ext cx="0" cy="0"/>
+          <a:chOff x="0" y="0"/>
+          <a:chExt cx="0" cy="0"/>
+        </a:xfrm>
+      </p:grpSpPr>
+      <p:sp>
+        <p:nvSpPr>
+          <p:cNvPr id="2" name="TextBox 1"/>
           <p:cNvSpPr txBox="1"/>
           <p:nvPr/>
         </p:nvSpPr>
         <p:spPr>
           <a:xfrm>
-            <a:off x="909429" y="725557"/>
-            <a:ext cx="10257183" cy="4524315"/>
+            <a:off x="139700" y="-92765"/>
+            <a:ext cx="11862759" cy="830997"/>
           </a:xfrm>
           <a:prstGeom prst="rect">
             <a:avLst/>
@@ -9164,6 +9374,416 @@
           <a:p>
             <a:pPr algn="ctr"/>
             <a:r>
+              <a:rPr lang="en-US" sz="2400" dirty="0">
+                <a:latin typeface="Bahnschrift Light" panose="020B0502040204020203" pitchFamily="34" charset="0"/>
+              </a:rPr>
+              <a:t>Visualization</a:t>
+            </a:r>
+            <a:r>
+              <a:rPr lang="en-US" sz="4800" dirty="0">
+                <a:latin typeface="Bahnschrift Light" panose="020B0502040204020203" pitchFamily="34" charset="0"/>
+              </a:rPr>
+              <a:t> </a:t>
+            </a:r>
+            <a:r>
+              <a:rPr lang="en-US" sz="2800" dirty="0" smtClean="0">
+                <a:latin typeface="Bahnschrift Light" panose="020B0502040204020203" pitchFamily="34" charset="0"/>
+              </a:rPr>
+              <a:t>{</a:t>
+            </a:r>
+            <a:r>
+              <a:rPr lang="en-US" sz="2800" dirty="0">
+                <a:latin typeface="Bahnschrift Light" panose="020B0502040204020203" pitchFamily="34" charset="0"/>
+              </a:rPr>
+              <a:t>Data from </a:t>
+            </a:r>
+            <a:r>
+              <a:rPr lang="en-US" sz="2800" dirty="0" smtClean="0">
+                <a:latin typeface="Bahnschrift Light" panose="020B0502040204020203" pitchFamily="34" charset="0"/>
+              </a:rPr>
+              <a:t>Investing.Com vs Data from </a:t>
+            </a:r>
+            <a:r>
+              <a:rPr lang="en-US" sz="2800" dirty="0" err="1" smtClean="0">
+                <a:latin typeface="Bahnschrift Light" panose="020B0502040204020203" pitchFamily="34" charset="0"/>
+              </a:rPr>
+              <a:t>WorldBank</a:t>
+            </a:r>
+            <a:r>
+              <a:rPr lang="en-US" sz="2800" dirty="0" smtClean="0">
+                <a:latin typeface="Bahnschrift Light" panose="020B0502040204020203" pitchFamily="34" charset="0"/>
+              </a:rPr>
+              <a:t>}</a:t>
+            </a:r>
+            <a:endParaRPr lang="en-US" sz="2800" dirty="0">
+              <a:latin typeface="Bahnschrift Light" panose="020B0502040204020203" pitchFamily="34" charset="0"/>
+            </a:endParaRPr>
+          </a:p>
+        </p:txBody>
+      </p:sp>
+      <p:pic>
+        <p:nvPicPr>
+          <p:cNvPr id="3" name="Picture 2"/>
+          <p:cNvPicPr>
+            <a:picLocks noChangeAspect="1"/>
+          </p:cNvPicPr>
+          <p:nvPr/>
+        </p:nvPicPr>
+        <p:blipFill>
+          <a:blip r:embed="rId2"/>
+          <a:stretch>
+            <a:fillRect/>
+          </a:stretch>
+        </p:blipFill>
+        <p:spPr>
+          <a:xfrm>
+            <a:off x="139700" y="828674"/>
+            <a:ext cx="11904576" cy="5521325"/>
+          </a:xfrm>
+          <a:prstGeom prst="rect">
+            <a:avLst/>
+          </a:prstGeom>
+        </p:spPr>
+      </p:pic>
+    </p:spTree>
+    <p:extLst>
+      <p:ext uri="{BB962C8B-B14F-4D97-AF65-F5344CB8AC3E}">
+        <p14:creationId xmlns:p14="http://schemas.microsoft.com/office/powerpoint/2010/main" val="3094819070"/>
+      </p:ext>
+    </p:extLst>
+  </p:cSld>
+  <p:clrMapOvr>
+    <a:masterClrMapping/>
+  </p:clrMapOvr>
+</p:sld>
+</file>
+
+<file path=ppt/slides/slide35.xml><?xml version="1.0" encoding="utf-8"?>
+<p:sld xmlns:a="http://schemas.openxmlformats.org/drawingml/2006/main" xmlns:r="http://schemas.openxmlformats.org/officeDocument/2006/relationships" xmlns:p="http://schemas.openxmlformats.org/presentationml/2006/main">
+  <p:cSld>
+    <p:spTree>
+      <p:nvGrpSpPr>
+        <p:cNvPr id="1" name=""/>
+        <p:cNvGrpSpPr/>
+        <p:nvPr/>
+      </p:nvGrpSpPr>
+      <p:grpSpPr>
+        <a:xfrm>
+          <a:off x="0" y="0"/>
+          <a:ext cx="0" cy="0"/>
+          <a:chOff x="0" y="0"/>
+          <a:chExt cx="0" cy="0"/>
+        </a:xfrm>
+      </p:grpSpPr>
+      <p:sp>
+        <p:nvSpPr>
+          <p:cNvPr id="2" name="TextBox 1"/>
+          <p:cNvSpPr txBox="1"/>
+          <p:nvPr/>
+        </p:nvSpPr>
+        <p:spPr>
+          <a:xfrm>
+            <a:off x="139700" y="-92765"/>
+            <a:ext cx="11862759" cy="830997"/>
+          </a:xfrm>
+          <a:prstGeom prst="rect">
+            <a:avLst/>
+          </a:prstGeom>
+          <a:noFill/>
+        </p:spPr>
+        <p:txBody>
+          <a:bodyPr wrap="square" rtlCol="0">
+            <a:spAutoFit/>
+          </a:bodyPr>
+          <a:lstStyle/>
+          <a:p>
+            <a:pPr algn="ctr"/>
+            <a:r>
+              <a:rPr lang="en-US" sz="2400" dirty="0">
+                <a:latin typeface="Bahnschrift Light" panose="020B0502040204020203" pitchFamily="34" charset="0"/>
+              </a:rPr>
+              <a:t>Visualization</a:t>
+            </a:r>
+            <a:r>
+              <a:rPr lang="en-US" sz="4800" dirty="0">
+                <a:latin typeface="Bahnschrift Light" panose="020B0502040204020203" pitchFamily="34" charset="0"/>
+              </a:rPr>
+              <a:t> </a:t>
+            </a:r>
+            <a:r>
+              <a:rPr lang="en-US" sz="2800" dirty="0" smtClean="0">
+                <a:latin typeface="Bahnschrift Light" panose="020B0502040204020203" pitchFamily="34" charset="0"/>
+              </a:rPr>
+              <a:t>{</a:t>
+            </a:r>
+            <a:r>
+              <a:rPr lang="en-US" sz="2800" dirty="0">
+                <a:latin typeface="Bahnschrift Light" panose="020B0502040204020203" pitchFamily="34" charset="0"/>
+              </a:rPr>
+              <a:t>Data from </a:t>
+            </a:r>
+            <a:r>
+              <a:rPr lang="en-US" sz="2800" dirty="0" smtClean="0">
+                <a:latin typeface="Bahnschrift Light" panose="020B0502040204020203" pitchFamily="34" charset="0"/>
+              </a:rPr>
+              <a:t>Investing.Com vs Data from </a:t>
+            </a:r>
+            <a:r>
+              <a:rPr lang="en-US" sz="2800" dirty="0" err="1" smtClean="0">
+                <a:latin typeface="Bahnschrift Light" panose="020B0502040204020203" pitchFamily="34" charset="0"/>
+              </a:rPr>
+              <a:t>WorldBank</a:t>
+            </a:r>
+            <a:r>
+              <a:rPr lang="en-US" sz="2800" dirty="0" smtClean="0">
+                <a:latin typeface="Bahnschrift Light" panose="020B0502040204020203" pitchFamily="34" charset="0"/>
+              </a:rPr>
+              <a:t>}</a:t>
+            </a:r>
+            <a:endParaRPr lang="en-US" sz="2800" dirty="0">
+              <a:latin typeface="Bahnschrift Light" panose="020B0502040204020203" pitchFamily="34" charset="0"/>
+            </a:endParaRPr>
+          </a:p>
+        </p:txBody>
+      </p:sp>
+      <p:pic>
+        <p:nvPicPr>
+          <p:cNvPr id="4" name="Picture 3"/>
+          <p:cNvPicPr>
+            <a:picLocks noChangeAspect="1"/>
+          </p:cNvPicPr>
+          <p:nvPr/>
+        </p:nvPicPr>
+        <p:blipFill>
+          <a:blip r:embed="rId2"/>
+          <a:stretch>
+            <a:fillRect/>
+          </a:stretch>
+        </p:blipFill>
+        <p:spPr>
+          <a:xfrm>
+            <a:off x="139700" y="738232"/>
+            <a:ext cx="11936791" cy="5586368"/>
+          </a:xfrm>
+          <a:prstGeom prst="rect">
+            <a:avLst/>
+          </a:prstGeom>
+        </p:spPr>
+      </p:pic>
+    </p:spTree>
+    <p:extLst>
+      <p:ext uri="{BB962C8B-B14F-4D97-AF65-F5344CB8AC3E}">
+        <p14:creationId xmlns:p14="http://schemas.microsoft.com/office/powerpoint/2010/main" val="3119402187"/>
+      </p:ext>
+    </p:extLst>
+  </p:cSld>
+  <p:clrMapOvr>
+    <a:masterClrMapping/>
+  </p:clrMapOvr>
+</p:sld>
+</file>
+
+<file path=ppt/slides/slide36.xml><?xml version="1.0" encoding="utf-8"?>
+<p:sld xmlns:a="http://schemas.openxmlformats.org/drawingml/2006/main" xmlns:r="http://schemas.openxmlformats.org/officeDocument/2006/relationships" xmlns:p="http://schemas.openxmlformats.org/presentationml/2006/main">
+  <p:cSld>
+    <p:spTree>
+      <p:nvGrpSpPr>
+        <p:cNvPr id="1" name=""/>
+        <p:cNvGrpSpPr/>
+        <p:nvPr/>
+      </p:nvGrpSpPr>
+      <p:grpSpPr>
+        <a:xfrm>
+          <a:off x="0" y="0"/>
+          <a:ext cx="0" cy="0"/>
+          <a:chOff x="0" y="0"/>
+          <a:chExt cx="0" cy="0"/>
+        </a:xfrm>
+      </p:grpSpPr>
+      <p:sp>
+        <p:nvSpPr>
+          <p:cNvPr id="2" name="TextBox 1"/>
+          <p:cNvSpPr txBox="1"/>
+          <p:nvPr/>
+        </p:nvSpPr>
+        <p:spPr>
+          <a:xfrm>
+            <a:off x="139700" y="-92765"/>
+            <a:ext cx="11862759" cy="830997"/>
+          </a:xfrm>
+          <a:prstGeom prst="rect">
+            <a:avLst/>
+          </a:prstGeom>
+          <a:noFill/>
+        </p:spPr>
+        <p:txBody>
+          <a:bodyPr wrap="square" rtlCol="0">
+            <a:spAutoFit/>
+          </a:bodyPr>
+          <a:lstStyle/>
+          <a:p>
+            <a:pPr algn="ctr"/>
+            <a:r>
+              <a:rPr lang="en-US" sz="2400" dirty="0">
+                <a:latin typeface="Bahnschrift Light" panose="020B0502040204020203" pitchFamily="34" charset="0"/>
+              </a:rPr>
+              <a:t>Visualization</a:t>
+            </a:r>
+            <a:r>
+              <a:rPr lang="en-US" sz="4800" dirty="0">
+                <a:latin typeface="Bahnschrift Light" panose="020B0502040204020203" pitchFamily="34" charset="0"/>
+              </a:rPr>
+              <a:t> </a:t>
+            </a:r>
+            <a:r>
+              <a:rPr lang="en-US" sz="2800" dirty="0" smtClean="0">
+                <a:latin typeface="Bahnschrift Light" panose="020B0502040204020203" pitchFamily="34" charset="0"/>
+              </a:rPr>
+              <a:t>{</a:t>
+            </a:r>
+            <a:r>
+              <a:rPr lang="en-US" sz="2800" dirty="0">
+                <a:latin typeface="Bahnschrift Light" panose="020B0502040204020203" pitchFamily="34" charset="0"/>
+              </a:rPr>
+              <a:t>Data from </a:t>
+            </a:r>
+            <a:r>
+              <a:rPr lang="en-US" sz="2800" dirty="0" smtClean="0">
+                <a:latin typeface="Bahnschrift Light" panose="020B0502040204020203" pitchFamily="34" charset="0"/>
+              </a:rPr>
+              <a:t>Investing.Com vs Data from </a:t>
+            </a:r>
+            <a:r>
+              <a:rPr lang="en-US" sz="2800" dirty="0" err="1" smtClean="0">
+                <a:latin typeface="Bahnschrift Light" panose="020B0502040204020203" pitchFamily="34" charset="0"/>
+              </a:rPr>
+              <a:t>WorldBank</a:t>
+            </a:r>
+            <a:r>
+              <a:rPr lang="en-US" sz="2800" dirty="0" smtClean="0">
+                <a:latin typeface="Bahnschrift Light" panose="020B0502040204020203" pitchFamily="34" charset="0"/>
+              </a:rPr>
+              <a:t>}</a:t>
+            </a:r>
+            <a:endParaRPr lang="en-US" sz="2800" dirty="0">
+              <a:latin typeface="Bahnschrift Light" panose="020B0502040204020203" pitchFamily="34" charset="0"/>
+            </a:endParaRPr>
+          </a:p>
+        </p:txBody>
+      </p:sp>
+      <p:pic>
+        <p:nvPicPr>
+          <p:cNvPr id="3" name="Picture 2"/>
+          <p:cNvPicPr>
+            <a:picLocks noChangeAspect="1"/>
+          </p:cNvPicPr>
+          <p:nvPr/>
+        </p:nvPicPr>
+        <p:blipFill>
+          <a:blip r:embed="rId2"/>
+          <a:stretch>
+            <a:fillRect/>
+          </a:stretch>
+        </p:blipFill>
+        <p:spPr>
+          <a:xfrm>
+            <a:off x="83641" y="954132"/>
+            <a:ext cx="12061484" cy="5599068"/>
+          </a:xfrm>
+          <a:prstGeom prst="rect">
+            <a:avLst/>
+          </a:prstGeom>
+        </p:spPr>
+      </p:pic>
+    </p:spTree>
+    <p:extLst>
+      <p:ext uri="{BB962C8B-B14F-4D97-AF65-F5344CB8AC3E}">
+        <p14:creationId xmlns:p14="http://schemas.microsoft.com/office/powerpoint/2010/main" val="2187603829"/>
+      </p:ext>
+    </p:extLst>
+  </p:cSld>
+  <p:clrMapOvr>
+    <a:masterClrMapping/>
+  </p:clrMapOvr>
+</p:sld>
+</file>
+
+<file path=ppt/slides/slide37.xml><?xml version="1.0" encoding="utf-8"?>
+<p:sld xmlns:a="http://schemas.openxmlformats.org/drawingml/2006/main" xmlns:r="http://schemas.openxmlformats.org/officeDocument/2006/relationships" xmlns:p="http://schemas.openxmlformats.org/presentationml/2006/main">
+  <p:cSld>
+    <p:spTree>
+      <p:nvGrpSpPr>
+        <p:cNvPr id="1" name=""/>
+        <p:cNvGrpSpPr/>
+        <p:nvPr/>
+      </p:nvGrpSpPr>
+      <p:grpSpPr>
+        <a:xfrm>
+          <a:off x="0" y="0"/>
+          <a:ext cx="0" cy="0"/>
+          <a:chOff x="0" y="0"/>
+          <a:chExt cx="0" cy="0"/>
+        </a:xfrm>
+      </p:grpSpPr>
+      <p:sp>
+        <p:nvSpPr>
+          <p:cNvPr id="2" name="TextBox 1"/>
+          <p:cNvSpPr txBox="1"/>
+          <p:nvPr/>
+        </p:nvSpPr>
+        <p:spPr>
+          <a:xfrm>
+            <a:off x="1549952" y="-3865"/>
+            <a:ext cx="8680174" cy="830997"/>
+          </a:xfrm>
+          <a:prstGeom prst="rect">
+            <a:avLst/>
+          </a:prstGeom>
+          <a:noFill/>
+        </p:spPr>
+        <p:txBody>
+          <a:bodyPr wrap="square" rtlCol="0">
+            <a:spAutoFit/>
+          </a:bodyPr>
+          <a:lstStyle/>
+          <a:p>
+            <a:pPr algn="ctr"/>
+            <a:r>
+              <a:rPr lang="en-US" sz="4800" dirty="0" smtClean="0">
+                <a:latin typeface="Bahnschrift Light" panose="020B0502040204020203" pitchFamily="34" charset="0"/>
+              </a:rPr>
+              <a:t>Result</a:t>
+            </a:r>
+            <a:endParaRPr lang="en-US" sz="4800" dirty="0">
+              <a:latin typeface="Bahnschrift Light" panose="020B0502040204020203" pitchFamily="34" charset="0"/>
+            </a:endParaRPr>
+          </a:p>
+        </p:txBody>
+      </p:sp>
+      <p:sp>
+        <p:nvSpPr>
+          <p:cNvPr id="3" name="TextBox 2"/>
+          <p:cNvSpPr txBox="1"/>
+          <p:nvPr/>
+        </p:nvSpPr>
+        <p:spPr>
+          <a:xfrm>
+            <a:off x="909429" y="725557"/>
+            <a:ext cx="10257183" cy="4524315"/>
+          </a:xfrm>
+          <a:prstGeom prst="rect">
+            <a:avLst/>
+          </a:prstGeom>
+          <a:noFill/>
+        </p:spPr>
+        <p:txBody>
+          <a:bodyPr wrap="square" rtlCol="0">
+            <a:spAutoFit/>
+          </a:bodyPr>
+          <a:lstStyle/>
+          <a:p>
+            <a:pPr algn="ctr"/>
+            <a:r>
               <a:rPr lang="en-US" sz="3200" dirty="0" smtClean="0"/>
               <a:t>From the above analysis, on reviewing the MAE and MSE, RMSE, and R² values from all the models considered, it is apparently clear that “</a:t>
             </a:r>
@@ -9177,11 +9797,7 @@
             </a:r>
             <a:r>
               <a:rPr lang="en-US" sz="3200" b="1" dirty="0" smtClean="0"/>
-              <a:t>Random Forest Regressor (RFR</a:t>
-            </a:r>
-            <a:r>
-              <a:rPr lang="en-US" sz="3200" b="1" dirty="0" smtClean="0"/>
-              <a:t>)</a:t>
+              <a:t>Random Forest Regressor (RFR)</a:t>
             </a:r>
             <a:r>
               <a:rPr lang="en-US" sz="3200" dirty="0" smtClean="0"/>
@@ -9221,15 +9837,7 @@
             </a:r>
             <a:r>
               <a:rPr lang="en-US" sz="3200" dirty="0" smtClean="0"/>
-              <a:t>due to its robustness about being exposed to many </a:t>
-            </a:r>
-            <a:r>
-              <a:rPr lang="en-US" sz="3200" dirty="0" smtClean="0"/>
-              <a:t>hyperparameters </a:t>
-            </a:r>
-            <a:r>
-              <a:rPr lang="en-US" sz="3200" dirty="0" smtClean="0"/>
-              <a:t>for tuning.</a:t>
+              <a:t>due to its robustness about being exposed to many hyperparameters for tuning.</a:t>
             </a:r>
           </a:p>
           <a:p>
@@ -9258,7 +9866,7 @@
 </p:sld>
 </file>
 
-<file path=ppt/slides/slide34.xml><?xml version="1.0" encoding="utf-8"?>
+<file path=ppt/slides/slide38.xml><?xml version="1.0" encoding="utf-8"?>
 <p:sld xmlns:a="http://schemas.openxmlformats.org/drawingml/2006/main" xmlns:r="http://schemas.openxmlformats.org/officeDocument/2006/relationships" xmlns:p="http://schemas.openxmlformats.org/presentationml/2006/main">
   <p:cSld>
     <p:spTree>
@@ -9381,7 +9989,7 @@
 </p:sld>
 </file>
 
-<file path=ppt/slides/slide35.xml><?xml version="1.0" encoding="utf-8"?>
+<file path=ppt/slides/slide39.xml><?xml version="1.0" encoding="utf-8"?>
 <p:sld xmlns:a="http://schemas.openxmlformats.org/drawingml/2006/main" xmlns:r="http://schemas.openxmlformats.org/officeDocument/2006/relationships" xmlns:p="http://schemas.openxmlformats.org/presentationml/2006/main">
   <p:cSld>
     <p:spTree>
@@ -9501,78 +10109,6 @@
     <p:extLst>
       <p:ext uri="{BB962C8B-B14F-4D97-AF65-F5344CB8AC3E}">
         <p14:creationId xmlns:p14="http://schemas.microsoft.com/office/powerpoint/2010/main" val="685488599"/>
-      </p:ext>
-    </p:extLst>
-  </p:cSld>
-  <p:clrMapOvr>
-    <a:masterClrMapping/>
-  </p:clrMapOvr>
-  <p:timing>
-    <p:tnLst>
-      <p:par>
-        <p:cTn id="1" dur="indefinite" restart="never" nodeType="tmRoot"/>
-      </p:par>
-    </p:tnLst>
-  </p:timing>
-</p:sld>
-</file>
-
-<file path=ppt/slides/slide36.xml><?xml version="1.0" encoding="utf-8"?>
-<p:sld xmlns:a="http://schemas.openxmlformats.org/drawingml/2006/main" xmlns:r="http://schemas.openxmlformats.org/officeDocument/2006/relationships" xmlns:p="http://schemas.openxmlformats.org/presentationml/2006/main">
-  <p:cSld>
-    <p:spTree>
-      <p:nvGrpSpPr>
-        <p:cNvPr id="1" name=""/>
-        <p:cNvGrpSpPr/>
-        <p:nvPr/>
-      </p:nvGrpSpPr>
-      <p:grpSpPr>
-        <a:xfrm>
-          <a:off x="0" y="0"/>
-          <a:ext cx="0" cy="0"/>
-          <a:chOff x="0" y="0"/>
-          <a:chExt cx="0" cy="0"/>
-        </a:xfrm>
-      </p:grpSpPr>
-      <p:sp>
-        <p:nvSpPr>
-          <p:cNvPr id="2" name="TextBox 1"/>
-          <p:cNvSpPr txBox="1"/>
-          <p:nvPr/>
-        </p:nvSpPr>
-        <p:spPr>
-          <a:xfrm>
-            <a:off x="1143552" y="3120335"/>
-            <a:ext cx="8680174" cy="830997"/>
-          </a:xfrm>
-          <a:prstGeom prst="rect">
-            <a:avLst/>
-          </a:prstGeom>
-          <a:noFill/>
-        </p:spPr>
-        <p:txBody>
-          <a:bodyPr wrap="square" rtlCol="0">
-            <a:spAutoFit/>
-          </a:bodyPr>
-          <a:lstStyle/>
-          <a:p>
-            <a:pPr algn="ctr"/>
-            <a:r>
-              <a:rPr lang="en-US" sz="4800" dirty="0" smtClean="0">
-                <a:latin typeface="Bahnschrift Light" panose="020B0502040204020203" pitchFamily="34" charset="0"/>
-              </a:rPr>
-              <a:t>Thank you</a:t>
-            </a:r>
-            <a:endParaRPr lang="en-US" sz="4800" dirty="0">
-              <a:latin typeface="Bahnschrift Light" panose="020B0502040204020203" pitchFamily="34" charset="0"/>
-            </a:endParaRPr>
-          </a:p>
-        </p:txBody>
-      </p:sp>
-    </p:spTree>
-    <p:extLst>
-      <p:ext uri="{BB962C8B-B14F-4D97-AF65-F5344CB8AC3E}">
-        <p14:creationId xmlns:p14="http://schemas.microsoft.com/office/powerpoint/2010/main" val="372485860"/>
       </p:ext>
     </p:extLst>
   </p:cSld>
@@ -9685,6 +10221,78 @@
     <p:extLst>
       <p:ext uri="{BB962C8B-B14F-4D97-AF65-F5344CB8AC3E}">
         <p14:creationId xmlns:p14="http://schemas.microsoft.com/office/powerpoint/2010/main" val="3309370373"/>
+      </p:ext>
+    </p:extLst>
+  </p:cSld>
+  <p:clrMapOvr>
+    <a:masterClrMapping/>
+  </p:clrMapOvr>
+  <p:timing>
+    <p:tnLst>
+      <p:par>
+        <p:cTn id="1" dur="indefinite" restart="never" nodeType="tmRoot"/>
+      </p:par>
+    </p:tnLst>
+  </p:timing>
+</p:sld>
+</file>
+
+<file path=ppt/slides/slide40.xml><?xml version="1.0" encoding="utf-8"?>
+<p:sld xmlns:a="http://schemas.openxmlformats.org/drawingml/2006/main" xmlns:r="http://schemas.openxmlformats.org/officeDocument/2006/relationships" xmlns:p="http://schemas.openxmlformats.org/presentationml/2006/main">
+  <p:cSld>
+    <p:spTree>
+      <p:nvGrpSpPr>
+        <p:cNvPr id="1" name=""/>
+        <p:cNvGrpSpPr/>
+        <p:nvPr/>
+      </p:nvGrpSpPr>
+      <p:grpSpPr>
+        <a:xfrm>
+          <a:off x="0" y="0"/>
+          <a:ext cx="0" cy="0"/>
+          <a:chOff x="0" y="0"/>
+          <a:chExt cx="0" cy="0"/>
+        </a:xfrm>
+      </p:grpSpPr>
+      <p:sp>
+        <p:nvSpPr>
+          <p:cNvPr id="2" name="TextBox 1"/>
+          <p:cNvSpPr txBox="1"/>
+          <p:nvPr/>
+        </p:nvSpPr>
+        <p:spPr>
+          <a:xfrm>
+            <a:off x="1143552" y="3120335"/>
+            <a:ext cx="8680174" cy="830997"/>
+          </a:xfrm>
+          <a:prstGeom prst="rect">
+            <a:avLst/>
+          </a:prstGeom>
+          <a:noFill/>
+        </p:spPr>
+        <p:txBody>
+          <a:bodyPr wrap="square" rtlCol="0">
+            <a:spAutoFit/>
+          </a:bodyPr>
+          <a:lstStyle/>
+          <a:p>
+            <a:pPr algn="ctr"/>
+            <a:r>
+              <a:rPr lang="en-US" sz="4800" dirty="0" smtClean="0">
+                <a:latin typeface="Bahnschrift Light" panose="020B0502040204020203" pitchFamily="34" charset="0"/>
+              </a:rPr>
+              <a:t>Thank you</a:t>
+            </a:r>
+            <a:endParaRPr lang="en-US" sz="4800" dirty="0">
+              <a:latin typeface="Bahnschrift Light" panose="020B0502040204020203" pitchFamily="34" charset="0"/>
+            </a:endParaRPr>
+          </a:p>
+        </p:txBody>
+      </p:sp>
+    </p:spTree>
+    <p:extLst>
+      <p:ext uri="{BB962C8B-B14F-4D97-AF65-F5344CB8AC3E}">
+        <p14:creationId xmlns:p14="http://schemas.microsoft.com/office/powerpoint/2010/main" val="372485860"/>
       </p:ext>
     </p:extLst>
   </p:cSld>

--- a/MyBDAThesis/Akubue Simon - Thesis Presentation.pptx
+++ b/MyBDAThesis/Akubue Simon - Thesis Presentation.pptx
@@ -33,18 +33,10 @@
     <p:sldId id="308" r:id="rId27"/>
     <p:sldId id="320" r:id="rId28"/>
     <p:sldId id="321" r:id="rId29"/>
-    <p:sldId id="310" r:id="rId30"/>
-    <p:sldId id="311" r:id="rId31"/>
-    <p:sldId id="312" r:id="rId32"/>
-    <p:sldId id="313" r:id="rId33"/>
-    <p:sldId id="314" r:id="rId34"/>
-    <p:sldId id="315" r:id="rId35"/>
-    <p:sldId id="316" r:id="rId36"/>
-    <p:sldId id="317" r:id="rId37"/>
-    <p:sldId id="260" r:id="rId38"/>
-    <p:sldId id="272" r:id="rId39"/>
-    <p:sldId id="288" r:id="rId40"/>
-    <p:sldId id="268" r:id="rId41"/>
+    <p:sldId id="260" r:id="rId30"/>
+    <p:sldId id="272" r:id="rId31"/>
+    <p:sldId id="288" r:id="rId32"/>
+    <p:sldId id="268" r:id="rId33"/>
   </p:sldIdLst>
   <p:sldSz cx="12192000" cy="6858000"/>
   <p:notesSz cx="6858000" cy="9144000"/>
@@ -282,7 +274,7 @@
           <a:p>
             <a:fld id="{AC9F1F34-0473-412F-A52A-8045292EA46A}" type="datetimeFigureOut">
               <a:rPr lang="en-US" smtClean="0"/>
-              <a:t>12/12/2024</a:t>
+              <a:t>12/16/2024</a:t>
             </a:fld>
             <a:endParaRPr lang="en-US"/>
           </a:p>
@@ -452,7 +444,7 @@
           <a:p>
             <a:fld id="{AC9F1F34-0473-412F-A52A-8045292EA46A}" type="datetimeFigureOut">
               <a:rPr lang="en-US" smtClean="0"/>
-              <a:t>12/12/2024</a:t>
+              <a:t>12/16/2024</a:t>
             </a:fld>
             <a:endParaRPr lang="en-US"/>
           </a:p>
@@ -632,7 +624,7 @@
           <a:p>
             <a:fld id="{AC9F1F34-0473-412F-A52A-8045292EA46A}" type="datetimeFigureOut">
               <a:rPr lang="en-US" smtClean="0"/>
-              <a:t>12/12/2024</a:t>
+              <a:t>12/16/2024</a:t>
             </a:fld>
             <a:endParaRPr lang="en-US"/>
           </a:p>
@@ -802,7 +794,7 @@
           <a:p>
             <a:fld id="{AC9F1F34-0473-412F-A52A-8045292EA46A}" type="datetimeFigureOut">
               <a:rPr lang="en-US" smtClean="0"/>
-              <a:t>12/12/2024</a:t>
+              <a:t>12/16/2024</a:t>
             </a:fld>
             <a:endParaRPr lang="en-US"/>
           </a:p>
@@ -1048,7 +1040,7 @@
           <a:p>
             <a:fld id="{AC9F1F34-0473-412F-A52A-8045292EA46A}" type="datetimeFigureOut">
               <a:rPr lang="en-US" smtClean="0"/>
-              <a:t>12/12/2024</a:t>
+              <a:t>12/16/2024</a:t>
             </a:fld>
             <a:endParaRPr lang="en-US"/>
           </a:p>
@@ -1280,7 +1272,7 @@
           <a:p>
             <a:fld id="{AC9F1F34-0473-412F-A52A-8045292EA46A}" type="datetimeFigureOut">
               <a:rPr lang="en-US" smtClean="0"/>
-              <a:t>12/12/2024</a:t>
+              <a:t>12/16/2024</a:t>
             </a:fld>
             <a:endParaRPr lang="en-US"/>
           </a:p>
@@ -1647,7 +1639,7 @@
           <a:p>
             <a:fld id="{AC9F1F34-0473-412F-A52A-8045292EA46A}" type="datetimeFigureOut">
               <a:rPr lang="en-US" smtClean="0"/>
-              <a:t>12/12/2024</a:t>
+              <a:t>12/16/2024</a:t>
             </a:fld>
             <a:endParaRPr lang="en-US"/>
           </a:p>
@@ -1765,7 +1757,7 @@
           <a:p>
             <a:fld id="{AC9F1F34-0473-412F-A52A-8045292EA46A}" type="datetimeFigureOut">
               <a:rPr lang="en-US" smtClean="0"/>
-              <a:t>12/12/2024</a:t>
+              <a:t>12/16/2024</a:t>
             </a:fld>
             <a:endParaRPr lang="en-US"/>
           </a:p>
@@ -1860,7 +1852,7 @@
           <a:p>
             <a:fld id="{AC9F1F34-0473-412F-A52A-8045292EA46A}" type="datetimeFigureOut">
               <a:rPr lang="en-US" smtClean="0"/>
-              <a:t>12/12/2024</a:t>
+              <a:t>12/16/2024</a:t>
             </a:fld>
             <a:endParaRPr lang="en-US"/>
           </a:p>
@@ -2137,7 +2129,7 @@
           <a:p>
             <a:fld id="{AC9F1F34-0473-412F-A52A-8045292EA46A}" type="datetimeFigureOut">
               <a:rPr lang="en-US" smtClean="0"/>
-              <a:t>12/12/2024</a:t>
+              <a:t>12/16/2024</a:t>
             </a:fld>
             <a:endParaRPr lang="en-US"/>
           </a:p>
@@ -2390,7 +2382,7 @@
           <a:p>
             <a:fld id="{AC9F1F34-0473-412F-A52A-8045292EA46A}" type="datetimeFigureOut">
               <a:rPr lang="en-US" smtClean="0"/>
-              <a:t>12/12/2024</a:t>
+              <a:t>12/16/2024</a:t>
             </a:fld>
             <a:endParaRPr lang="en-US"/>
           </a:p>
@@ -2603,7 +2595,7 @@
           <a:p>
             <a:fld id="{AC9F1F34-0473-412F-A52A-8045292EA46A}" type="datetimeFigureOut">
               <a:rPr lang="en-US" smtClean="0"/>
-              <a:t>12/12/2024</a:t>
+              <a:t>12/16/2024</a:t>
             </a:fld>
             <a:endParaRPr lang="en-US"/>
           </a:p>
@@ -3105,11 +3097,7 @@
             </a:r>
             <a:r>
               <a:rPr lang="en-US" i="1" smtClean="0"/>
-              <a:t>18</a:t>
-            </a:r>
-            <a:r>
-              <a:rPr lang="en-US" i="1" smtClean="0"/>
-              <a:t>-Dec-2024</a:t>
+              <a:t>18-Dec-2024</a:t>
             </a:r>
             <a:endParaRPr lang="en-US" i="1" dirty="0"/>
           </a:p>
@@ -6002,31 +5990,7 @@
               <a:rPr lang="en-US" sz="2800" dirty="0" smtClean="0">
                 <a:latin typeface="Bahnschrift Light" panose="020B0502040204020203" pitchFamily="34" charset="0"/>
               </a:rPr>
-              <a:t>85</a:t>
-            </a:r>
-            <a:r>
-              <a:rPr lang="en-US" sz="2800" dirty="0" smtClean="0">
-                <a:latin typeface="Bahnschrift Light" panose="020B0502040204020203" pitchFamily="34" charset="0"/>
-              </a:rPr>
-              <a:t>% </a:t>
-            </a:r>
-            <a:r>
-              <a:rPr lang="en-US" sz="2800" dirty="0" smtClean="0">
-                <a:latin typeface="Bahnschrift Light" panose="020B0502040204020203" pitchFamily="34" charset="0"/>
-              </a:rPr>
-              <a:t>Train – </a:t>
-            </a:r>
-            <a:r>
-              <a:rPr lang="en-US" sz="2800" dirty="0" smtClean="0">
-                <a:latin typeface="Bahnschrift Light" panose="020B0502040204020203" pitchFamily="34" charset="0"/>
-              </a:rPr>
-              <a:t>15% </a:t>
-            </a:r>
-            <a:r>
-              <a:rPr lang="en-US" sz="2800" dirty="0" smtClean="0">
-                <a:latin typeface="Bahnschrift Light" panose="020B0502040204020203" pitchFamily="34" charset="0"/>
-              </a:rPr>
-              <a:t>Test Splitting, </a:t>
+              <a:t>85% Train – 15% Test Splitting, </a:t>
             </a:r>
             <a:r>
               <a:rPr lang="en-US" sz="2800" b="1" dirty="0" smtClean="0">
@@ -6192,19 +6156,7 @@
               <a:rPr lang="en-US" sz="2800" dirty="0" smtClean="0">
                 <a:latin typeface="Bahnschrift Light" panose="020B0502040204020203" pitchFamily="34" charset="0"/>
               </a:rPr>
-              <a:t> </a:t>
-            </a:r>
-            <a:r>
-              <a:rPr lang="en-US" sz="2800" dirty="0" smtClean="0">
-                <a:latin typeface="Bahnschrift Light" panose="020B0502040204020203" pitchFamily="34" charset="0"/>
-              </a:rPr>
-              <a:t>World Bank’s </a:t>
-            </a:r>
-            <a:r>
-              <a:rPr lang="en-US" sz="2800" dirty="0" smtClean="0">
-                <a:latin typeface="Bahnschrift Light" panose="020B0502040204020203" pitchFamily="34" charset="0"/>
-              </a:rPr>
-              <a:t>Macroeconomics data</a:t>
+              <a:t> World Bank’s Macroeconomics data</a:t>
             </a:r>
             <a:endParaRPr lang="en-US" sz="2800" dirty="0">
               <a:latin typeface="Bahnschrift Light" panose="020B0502040204020203" pitchFamily="34" charset="0"/>
@@ -6782,31 +6734,7 @@
               <a:rPr lang="en-US" sz="2800" dirty="0" smtClean="0">
                 <a:latin typeface="Bahnschrift Light" panose="020B0502040204020203" pitchFamily="34" charset="0"/>
               </a:rPr>
-              <a:t>85</a:t>
-            </a:r>
-            <a:r>
-              <a:rPr lang="en-US" sz="2800" dirty="0" smtClean="0">
-                <a:latin typeface="Bahnschrift Light" panose="020B0502040204020203" pitchFamily="34" charset="0"/>
-              </a:rPr>
-              <a:t>% </a:t>
-            </a:r>
-            <a:r>
-              <a:rPr lang="en-US" sz="2800" dirty="0" smtClean="0">
-                <a:latin typeface="Bahnschrift Light" panose="020B0502040204020203" pitchFamily="34" charset="0"/>
-              </a:rPr>
-              <a:t>Train – </a:t>
-            </a:r>
-            <a:r>
-              <a:rPr lang="en-US" sz="2800" dirty="0" smtClean="0">
-                <a:latin typeface="Bahnschrift Light" panose="020B0502040204020203" pitchFamily="34" charset="0"/>
-              </a:rPr>
-              <a:t>15% </a:t>
-            </a:r>
-            <a:r>
-              <a:rPr lang="en-US" sz="2800" dirty="0" smtClean="0">
-                <a:latin typeface="Bahnschrift Light" panose="020B0502040204020203" pitchFamily="34" charset="0"/>
-              </a:rPr>
-              <a:t>Test Splitting, </a:t>
+              <a:t>85% Train – 15% Test Splitting, </a:t>
             </a:r>
             <a:r>
               <a:rPr lang="en-US" sz="2800" b="1" dirty="0" smtClean="0">
@@ -6976,25 +6904,7 @@
               <a:rPr lang="en-US" sz="2800" dirty="0" smtClean="0">
                 <a:latin typeface="Bahnschrift Light" panose="020B0502040204020203" pitchFamily="34" charset="0"/>
               </a:rPr>
-              <a:t> </a:t>
-            </a:r>
-            <a:r>
-              <a:rPr lang="en-US" sz="2800" dirty="0" smtClean="0">
-                <a:latin typeface="Bahnschrift Light" panose="020B0502040204020203" pitchFamily="34" charset="0"/>
-              </a:rPr>
-              <a:t>World Bank</a:t>
-            </a:r>
-            <a:r>
-              <a:rPr lang="en-US" sz="2800" dirty="0" smtClean="0">
-                <a:latin typeface="Bahnschrift Light" panose="020B0502040204020203" pitchFamily="34" charset="0"/>
-              </a:rPr>
-              <a:t>’s </a:t>
-            </a:r>
-            <a:r>
-              <a:rPr lang="en-US" sz="2800" dirty="0" smtClean="0">
-                <a:latin typeface="Bahnschrift Light" panose="020B0502040204020203" pitchFamily="34" charset="0"/>
-              </a:rPr>
-              <a:t>Macroeconomics data</a:t>
+              <a:t> World Bank’s Macroeconomics data</a:t>
             </a:r>
             <a:endParaRPr lang="en-US" sz="2800" dirty="0">
               <a:latin typeface="Bahnschrift Light" panose="020B0502040204020203" pitchFamily="34" charset="0"/>
@@ -7149,13 +7059,7 @@
               <a:rPr lang="en-US" sz="2800" dirty="0" smtClean="0">
                 <a:latin typeface="Bahnschrift Light" panose="020B0502040204020203" pitchFamily="34" charset="0"/>
               </a:rPr>
-              <a:t> </a:t>
-            </a:r>
-            <a:r>
-              <a:rPr lang="en-US" sz="2800" dirty="0" smtClean="0">
-                <a:latin typeface="Bahnschrift Light" panose="020B0502040204020203" pitchFamily="34" charset="0"/>
-              </a:rPr>
-              <a:t>Macroeconomics data</a:t>
+              <a:t> Macroeconomics data</a:t>
             </a:r>
             <a:endParaRPr lang="en-US" sz="2800" dirty="0">
               <a:latin typeface="Bahnschrift Light" panose="020B0502040204020203" pitchFamily="34" charset="0"/>
@@ -8553,40 +8457,16 @@
           <a:chExt cx="0" cy="0"/>
         </a:xfrm>
       </p:grpSpPr>
-      <p:pic>
-        <p:nvPicPr>
-          <p:cNvPr id="2" name="Picture 1"/>
-          <p:cNvPicPr>
-            <a:picLocks noChangeAspect="1"/>
-          </p:cNvPicPr>
+      <p:sp>
+        <p:nvSpPr>
+          <p:cNvPr id="2" name="TextBox 1"/>
+          <p:cNvSpPr txBox="1"/>
           <p:nvPr/>
-        </p:nvPicPr>
-        <p:blipFill>
-          <a:blip r:embed="rId2"/>
-          <a:stretch>
-            <a:fillRect/>
-          </a:stretch>
-        </p:blipFill>
+        </p:nvSpPr>
         <p:spPr>
           <a:xfrm>
-            <a:off x="19050" y="738232"/>
-            <a:ext cx="12083644" cy="5675268"/>
-          </a:xfrm>
-          <a:prstGeom prst="rect">
-            <a:avLst/>
-          </a:prstGeom>
-        </p:spPr>
-      </p:pic>
-      <p:sp>
-        <p:nvSpPr>
-          <p:cNvPr id="3" name="TextBox 2"/>
-          <p:cNvSpPr txBox="1"/>
-          <p:nvPr/>
-        </p:nvSpPr>
-        <p:spPr>
-          <a:xfrm>
-            <a:off x="139700" y="-54665"/>
-            <a:ext cx="11862759" cy="830997"/>
+            <a:off x="1549952" y="-3865"/>
+            <a:ext cx="8680174" cy="830997"/>
           </a:xfrm>
           <a:prstGeom prst="rect">
             <a:avLst/>
@@ -8601,51 +8481,120 @@
           <a:p>
             <a:pPr algn="ctr"/>
             <a:r>
-              <a:rPr lang="en-US" sz="2400" dirty="0">
+              <a:rPr lang="en-US" sz="4800" dirty="0" smtClean="0">
                 <a:latin typeface="Bahnschrift Light" panose="020B0502040204020203" pitchFamily="34" charset="0"/>
               </a:rPr>
-              <a:t>Visualization</a:t>
-            </a:r>
-            <a:r>
-              <a:rPr lang="en-US" sz="4800" dirty="0">
-                <a:latin typeface="Bahnschrift Light" panose="020B0502040204020203" pitchFamily="34" charset="0"/>
-              </a:rPr>
-              <a:t> </a:t>
-            </a:r>
-            <a:r>
-              <a:rPr lang="en-US" sz="2800" dirty="0" smtClean="0">
-                <a:latin typeface="Bahnschrift Light" panose="020B0502040204020203" pitchFamily="34" charset="0"/>
-              </a:rPr>
-              <a:t>{</a:t>
-            </a:r>
-            <a:r>
-              <a:rPr lang="en-US" sz="2800" dirty="0">
-                <a:latin typeface="Bahnschrift Light" panose="020B0502040204020203" pitchFamily="34" charset="0"/>
-              </a:rPr>
-              <a:t>Data from </a:t>
-            </a:r>
-            <a:r>
-              <a:rPr lang="en-US" sz="2800" dirty="0" smtClean="0">
-                <a:latin typeface="Bahnschrift Light" panose="020B0502040204020203" pitchFamily="34" charset="0"/>
-              </a:rPr>
-              <a:t>Investing.Com vs Data from FRED}</a:t>
-            </a:r>
-            <a:endParaRPr lang="en-US" sz="2800" dirty="0">
+              <a:t>Result</a:t>
+            </a:r>
+            <a:endParaRPr lang="en-US" sz="4800" dirty="0">
               <a:latin typeface="Bahnschrift Light" panose="020B0502040204020203" pitchFamily="34" charset="0"/>
             </a:endParaRPr>
+          </a:p>
+        </p:txBody>
+      </p:sp>
+      <p:sp>
+        <p:nvSpPr>
+          <p:cNvPr id="3" name="TextBox 2"/>
+          <p:cNvSpPr txBox="1"/>
+          <p:nvPr/>
+        </p:nvSpPr>
+        <p:spPr>
+          <a:xfrm>
+            <a:off x="909429" y="725557"/>
+            <a:ext cx="10257183" cy="4524315"/>
+          </a:xfrm>
+          <a:prstGeom prst="rect">
+            <a:avLst/>
+          </a:prstGeom>
+          <a:noFill/>
+        </p:spPr>
+        <p:txBody>
+          <a:bodyPr wrap="square" rtlCol="0">
+            <a:spAutoFit/>
+          </a:bodyPr>
+          <a:lstStyle/>
+          <a:p>
+            <a:pPr algn="ctr"/>
+            <a:r>
+              <a:rPr lang="en-US" sz="3200" dirty="0" smtClean="0"/>
+              <a:t>From the above analysis, on reviewing the MAE and MSE, RMSE, and R² values from all the models considered, it is apparently clear that “</a:t>
+            </a:r>
+            <a:r>
+              <a:rPr lang="en-US" sz="3200" b="1" dirty="0" smtClean="0"/>
+              <a:t>Linear Regression</a:t>
+            </a:r>
+            <a:r>
+              <a:rPr lang="en-US" sz="3200" dirty="0" smtClean="0"/>
+              <a:t>”, “</a:t>
+            </a:r>
+            <a:r>
+              <a:rPr lang="en-US" sz="3200" b="1" dirty="0" smtClean="0"/>
+              <a:t>Random Forest Regressor (RFR)</a:t>
+            </a:r>
+            <a:r>
+              <a:rPr lang="en-US" sz="3200" dirty="0" smtClean="0"/>
+              <a:t>”, “</a:t>
+            </a:r>
+            <a:r>
+              <a:rPr lang="en-US" sz="3200" b="1" dirty="0"/>
+              <a:t>Ridge Regression</a:t>
+            </a:r>
+            <a:r>
+              <a:rPr lang="en-US" sz="3200" dirty="0"/>
+              <a:t>” </a:t>
+            </a:r>
+            <a:r>
+              <a:rPr lang="en-US" sz="3200" dirty="0" smtClean="0"/>
+              <a:t>and “</a:t>
+            </a:r>
+            <a:r>
+              <a:rPr lang="en-US" sz="3200" b="1" dirty="0" smtClean="0"/>
+              <a:t>Bayesian Ridge Regression</a:t>
+            </a:r>
+            <a:r>
+              <a:rPr lang="en-US" sz="3200" dirty="0" smtClean="0"/>
+              <a:t>” displayed wonderful results. However, I will be relying </a:t>
+            </a:r>
+            <a:r>
+              <a:rPr lang="en-US" sz="3200" dirty="0"/>
+              <a:t>more on “</a:t>
+            </a:r>
+            <a:r>
+              <a:rPr lang="en-US" sz="3200" b="1" dirty="0"/>
+              <a:t>Random Forest Regressor (RFR)</a:t>
+            </a:r>
+            <a:r>
+              <a:rPr lang="en-US" sz="3200" dirty="0"/>
+              <a:t>” </a:t>
+            </a:r>
+            <a:r>
+              <a:rPr lang="en-US" sz="3200" dirty="0" smtClean="0"/>
+              <a:t>due to its robustness about being exposed to many hyperparameters for tuning.</a:t>
+            </a:r>
+          </a:p>
+          <a:p>
+            <a:pPr algn="ctr"/>
+            <a:endParaRPr lang="en-US" sz="3200" dirty="0"/>
           </a:p>
         </p:txBody>
       </p:sp>
     </p:spTree>
     <p:extLst>
       <p:ext uri="{BB962C8B-B14F-4D97-AF65-F5344CB8AC3E}">
-        <p14:creationId xmlns:p14="http://schemas.microsoft.com/office/powerpoint/2010/main" val="231178457"/>
+        <p14:creationId xmlns:p14="http://schemas.microsoft.com/office/powerpoint/2010/main" val="375198924"/>
       </p:ext>
     </p:extLst>
   </p:cSld>
   <p:clrMapOvr>
     <a:masterClrMapping/>
   </p:clrMapOvr>
+  <p:timing>
+    <p:tnLst>
+      <p:par>
+        <p:cTn id="1" dur="indefinite" restart="never" nodeType="tmRoot"/>
+      </p:par>
+    </p:tnLst>
+  </p:timing>
 </p:sld>
 </file>
 
@@ -8886,40 +8835,16 @@
           <a:chExt cx="0" cy="0"/>
         </a:xfrm>
       </p:grpSpPr>
-      <p:pic>
-        <p:nvPicPr>
-          <p:cNvPr id="2" name="Picture 1"/>
-          <p:cNvPicPr>
-            <a:picLocks noChangeAspect="1"/>
-          </p:cNvPicPr>
+      <p:sp>
+        <p:nvSpPr>
+          <p:cNvPr id="2" name="TextBox 1"/>
+          <p:cNvSpPr txBox="1"/>
           <p:nvPr/>
-        </p:nvPicPr>
-        <p:blipFill>
-          <a:blip r:embed="rId2"/>
-          <a:stretch>
-            <a:fillRect/>
-          </a:stretch>
-        </p:blipFill>
+        </p:nvSpPr>
         <p:spPr>
           <a:xfrm>
-            <a:off x="25400" y="877932"/>
-            <a:ext cx="12101195" cy="5700668"/>
-          </a:xfrm>
-          <a:prstGeom prst="rect">
-            <a:avLst/>
-          </a:prstGeom>
-        </p:spPr>
-      </p:pic>
-      <p:sp>
-        <p:nvSpPr>
-          <p:cNvPr id="3" name="TextBox 2"/>
-          <p:cNvSpPr txBox="1"/>
-          <p:nvPr/>
-        </p:nvSpPr>
-        <p:spPr>
-          <a:xfrm>
-            <a:off x="139700" y="-92765"/>
-            <a:ext cx="11862759" cy="830997"/>
+            <a:off x="622852" y="275535"/>
+            <a:ext cx="10527748" cy="830997"/>
           </a:xfrm>
           <a:prstGeom prst="rect">
             <a:avLst/>
@@ -8934,51 +8859,85 @@
           <a:p>
             <a:pPr algn="ctr"/>
             <a:r>
-              <a:rPr lang="en-US" sz="2400" dirty="0">
-                <a:latin typeface="Bahnschrift Light" panose="020B0502040204020203" pitchFamily="34" charset="0"/>
-              </a:rPr>
-              <a:t>Visualization</a:t>
-            </a:r>
-            <a:r>
               <a:rPr lang="en-US" sz="4800" dirty="0">
                 <a:latin typeface="Bahnschrift Light" panose="020B0502040204020203" pitchFamily="34" charset="0"/>
               </a:rPr>
-              <a:t> </a:t>
-            </a:r>
-            <a:r>
-              <a:rPr lang="en-US" sz="2800" dirty="0" smtClean="0">
-                <a:latin typeface="Bahnschrift Light" panose="020B0502040204020203" pitchFamily="34" charset="0"/>
-              </a:rPr>
-              <a:t>{</a:t>
-            </a:r>
-            <a:r>
-              <a:rPr lang="en-US" sz="2800" dirty="0">
-                <a:latin typeface="Bahnschrift Light" panose="020B0502040204020203" pitchFamily="34" charset="0"/>
-              </a:rPr>
-              <a:t>Data from </a:t>
-            </a:r>
-            <a:r>
-              <a:rPr lang="en-US" sz="2800" dirty="0" smtClean="0">
-                <a:latin typeface="Bahnschrift Light" panose="020B0502040204020203" pitchFamily="34" charset="0"/>
-              </a:rPr>
-              <a:t>Investing.Com vs Data from FRED}</a:t>
-            </a:r>
-            <a:endParaRPr lang="en-US" sz="2800" dirty="0">
-              <a:latin typeface="Bahnschrift Light" panose="020B0502040204020203" pitchFamily="34" charset="0"/>
-            </a:endParaRPr>
+              <a:t>Random Forest Regressor (RFR)</a:t>
+            </a:r>
+          </a:p>
+        </p:txBody>
+      </p:sp>
+      <p:sp>
+        <p:nvSpPr>
+          <p:cNvPr id="3" name="TextBox 2"/>
+          <p:cNvSpPr txBox="1"/>
+          <p:nvPr/>
+        </p:nvSpPr>
+        <p:spPr>
+          <a:xfrm>
+            <a:off x="622852" y="1320800"/>
+            <a:ext cx="10718248" cy="5016758"/>
+          </a:xfrm>
+          <a:prstGeom prst="rect">
+            <a:avLst/>
+          </a:prstGeom>
+          <a:noFill/>
+        </p:spPr>
+        <p:txBody>
+          <a:bodyPr wrap="square" rtlCol="0">
+            <a:spAutoFit/>
+          </a:bodyPr>
+          <a:lstStyle/>
+          <a:p>
+            <a:pPr algn="just"/>
+            <a:r>
+              <a:rPr lang="en-US" sz="3200" dirty="0"/>
+              <a:t>Random Forest Regressor (RFR) is a supervised learning algorithm belonging to the ensemble learning family, specifically the random forest method, used for regression tasks. It's an extension of the Random Forest algorithm for classification</a:t>
+            </a:r>
+            <a:r>
+              <a:rPr lang="en-US" sz="3200" dirty="0" smtClean="0"/>
+              <a:t>.</a:t>
+            </a:r>
+          </a:p>
+          <a:p>
+            <a:pPr algn="just"/>
+            <a:r>
+              <a:rPr lang="en-US" sz="3200" dirty="0"/>
+              <a:t>Random Forest Regressor is known for its robustness, scalability, and ability to handle </a:t>
+            </a:r>
+            <a:r>
+              <a:rPr lang="en-US" sz="3200" b="1" i="1" dirty="0"/>
+              <a:t>high-dimensional data with a large number of features</a:t>
+            </a:r>
+            <a:r>
+              <a:rPr lang="en-US" sz="3200" dirty="0"/>
+              <a:t>. It often performs well across a wide range of regression problems and is less prone to overfitting compared to individual decision trees</a:t>
+            </a:r>
+            <a:r>
+              <a:rPr lang="en-US" sz="3200" dirty="0" smtClean="0"/>
+              <a:t>.</a:t>
+            </a:r>
+            <a:endParaRPr lang="en-US" dirty="0"/>
           </a:p>
         </p:txBody>
       </p:sp>
     </p:spTree>
     <p:extLst>
       <p:ext uri="{BB962C8B-B14F-4D97-AF65-F5344CB8AC3E}">
-        <p14:creationId xmlns:p14="http://schemas.microsoft.com/office/powerpoint/2010/main" val="215015445"/>
+        <p14:creationId xmlns:p14="http://schemas.microsoft.com/office/powerpoint/2010/main" val="4247388192"/>
       </p:ext>
     </p:extLst>
   </p:cSld>
   <p:clrMapOvr>
     <a:masterClrMapping/>
   </p:clrMapOvr>
+  <p:timing>
+    <p:tnLst>
+      <p:par>
+        <p:cTn id="1" dur="indefinite" restart="never" nodeType="tmRoot"/>
+      </p:par>
+    </p:tnLst>
+  </p:timing>
 </p:sld>
 </file>
 
@@ -8999,40 +8958,16 @@
           <a:chExt cx="0" cy="0"/>
         </a:xfrm>
       </p:grpSpPr>
-      <p:pic>
-        <p:nvPicPr>
-          <p:cNvPr id="2" name="Picture 1"/>
-          <p:cNvPicPr>
-            <a:picLocks noChangeAspect="1"/>
-          </p:cNvPicPr>
+      <p:sp>
+        <p:nvSpPr>
+          <p:cNvPr id="2" name="TextBox 1"/>
+          <p:cNvSpPr txBox="1"/>
           <p:nvPr/>
-        </p:nvPicPr>
-        <p:blipFill>
-          <a:blip r:embed="rId2"/>
-          <a:stretch>
-            <a:fillRect/>
-          </a:stretch>
-        </p:blipFill>
+        </p:nvSpPr>
         <p:spPr>
           <a:xfrm>
-            <a:off x="88900" y="789032"/>
-            <a:ext cx="12008310" cy="5726068"/>
-          </a:xfrm>
-          <a:prstGeom prst="rect">
-            <a:avLst/>
-          </a:prstGeom>
-        </p:spPr>
-      </p:pic>
-      <p:sp>
-        <p:nvSpPr>
-          <p:cNvPr id="3" name="TextBox 2"/>
-          <p:cNvSpPr txBox="1"/>
-          <p:nvPr/>
-        </p:nvSpPr>
-        <p:spPr>
-          <a:xfrm>
-            <a:off x="139700" y="-92765"/>
-            <a:ext cx="11862759" cy="830997"/>
+            <a:off x="1308100" y="88900"/>
+            <a:ext cx="9271000" cy="707886"/>
           </a:xfrm>
           <a:prstGeom prst="rect">
             <a:avLst/>
@@ -9047,51 +8982,98 @@
           <a:p>
             <a:pPr algn="ctr"/>
             <a:r>
-              <a:rPr lang="en-US" sz="2400" dirty="0">
+              <a:rPr lang="en-US" sz="4000" dirty="0" smtClean="0">
                 <a:latin typeface="Bahnschrift Light" panose="020B0502040204020203" pitchFamily="34" charset="0"/>
               </a:rPr>
-              <a:t>Visualization</a:t>
-            </a:r>
-            <a:r>
-              <a:rPr lang="en-US" sz="4800" dirty="0">
-                <a:latin typeface="Bahnschrift Light" panose="020B0502040204020203" pitchFamily="34" charset="0"/>
-              </a:rPr>
-              <a:t> </a:t>
-            </a:r>
-            <a:r>
-              <a:rPr lang="en-US" sz="2800" dirty="0" smtClean="0">
-                <a:latin typeface="Bahnschrift Light" panose="020B0502040204020203" pitchFamily="34" charset="0"/>
-              </a:rPr>
-              <a:t>{</a:t>
-            </a:r>
-            <a:r>
-              <a:rPr lang="en-US" sz="2800" dirty="0">
-                <a:latin typeface="Bahnschrift Light" panose="020B0502040204020203" pitchFamily="34" charset="0"/>
-              </a:rPr>
-              <a:t>Data from </a:t>
-            </a:r>
-            <a:r>
-              <a:rPr lang="en-US" sz="2800" dirty="0" smtClean="0">
-                <a:latin typeface="Bahnschrift Light" panose="020B0502040204020203" pitchFamily="34" charset="0"/>
-              </a:rPr>
-              <a:t>Investing.Com vs Data from FRED}</a:t>
-            </a:r>
-            <a:endParaRPr lang="en-US" sz="2800" dirty="0">
+              <a:t>Future Plans</a:t>
+            </a:r>
+            <a:endParaRPr lang="en-US" sz="4400" dirty="0">
               <a:latin typeface="Bahnschrift Light" panose="020B0502040204020203" pitchFamily="34" charset="0"/>
             </a:endParaRPr>
+          </a:p>
+        </p:txBody>
+      </p:sp>
+      <p:sp>
+        <p:nvSpPr>
+          <p:cNvPr id="3" name="TextBox 2"/>
+          <p:cNvSpPr txBox="1"/>
+          <p:nvPr/>
+        </p:nvSpPr>
+        <p:spPr>
+          <a:xfrm>
+            <a:off x="825500" y="927100"/>
+            <a:ext cx="10210800" cy="5016758"/>
+          </a:xfrm>
+          <a:prstGeom prst="rect">
+            <a:avLst/>
+          </a:prstGeom>
+          <a:noFill/>
+        </p:spPr>
+        <p:txBody>
+          <a:bodyPr wrap="square" rtlCol="0">
+            <a:spAutoFit/>
+          </a:bodyPr>
+          <a:lstStyle/>
+          <a:p>
+            <a:r>
+              <a:rPr lang="en-US" sz="3200" dirty="0" smtClean="0"/>
+              <a:t>I will also explore alternative source where I can access the Macroeconomics indices maintained at more frequent basis; possibly weekly, or even daily levels.</a:t>
+            </a:r>
+          </a:p>
+          <a:p>
+            <a:endParaRPr lang="en-US" sz="3200" dirty="0"/>
+          </a:p>
+          <a:p>
+            <a:r>
+              <a:rPr lang="en-US" sz="3200" dirty="0"/>
+              <a:t>I plan to improve on my model by adding more </a:t>
+            </a:r>
+            <a:r>
+              <a:rPr lang="en-US" sz="3200" dirty="0" smtClean="0"/>
+              <a:t>Technical </a:t>
+            </a:r>
+            <a:r>
+              <a:rPr lang="en-US" sz="3200" dirty="0"/>
+              <a:t>features.</a:t>
+            </a:r>
+          </a:p>
+          <a:p>
+            <a:endParaRPr lang="en-US" sz="3200" dirty="0" smtClean="0"/>
+          </a:p>
+          <a:p>
+            <a:r>
+              <a:rPr lang="en-US" sz="3200" dirty="0" smtClean="0"/>
+              <a:t>I will explore a way of automatically accessing the </a:t>
+            </a:r>
+            <a:r>
+              <a:rPr lang="en-US" sz="3200" dirty="0"/>
+              <a:t>Statistical </a:t>
+            </a:r>
+            <a:r>
+              <a:rPr lang="en-US" sz="3200" dirty="0" smtClean="0"/>
+              <a:t>data from a sources like Investing.Com or Tick Data Suite(TDS) whose data is as close as the live data.</a:t>
+            </a:r>
+            <a:endParaRPr lang="en-US" sz="3200" dirty="0"/>
           </a:p>
         </p:txBody>
       </p:sp>
     </p:spTree>
     <p:extLst>
       <p:ext uri="{BB962C8B-B14F-4D97-AF65-F5344CB8AC3E}">
-        <p14:creationId xmlns:p14="http://schemas.microsoft.com/office/powerpoint/2010/main" val="4290876094"/>
+        <p14:creationId xmlns:p14="http://schemas.microsoft.com/office/powerpoint/2010/main" val="685488599"/>
       </p:ext>
     </p:extLst>
   </p:cSld>
   <p:clrMapOvr>
     <a:masterClrMapping/>
   </p:clrMapOvr>
+  <p:timing>
+    <p:tnLst>
+      <p:par>
+        <p:cTn id="1" dur="indefinite" restart="never" nodeType="tmRoot"/>
+      </p:par>
+    </p:tnLst>
+  </p:timing>
 </p:sld>
 </file>
 
@@ -9112,244 +9094,6 @@
           <a:chExt cx="0" cy="0"/>
         </a:xfrm>
       </p:grpSpPr>
-      <p:pic>
-        <p:nvPicPr>
-          <p:cNvPr id="2" name="Picture 1"/>
-          <p:cNvPicPr>
-            <a:picLocks noChangeAspect="1"/>
-          </p:cNvPicPr>
-          <p:nvPr/>
-        </p:nvPicPr>
-        <p:blipFill>
-          <a:blip r:embed="rId2"/>
-          <a:stretch>
-            <a:fillRect/>
-          </a:stretch>
-        </p:blipFill>
-        <p:spPr>
-          <a:xfrm>
-            <a:off x="-1" y="971550"/>
-            <a:ext cx="12002459" cy="5586050"/>
-          </a:xfrm>
-          <a:prstGeom prst="rect">
-            <a:avLst/>
-          </a:prstGeom>
-        </p:spPr>
-      </p:pic>
-      <p:sp>
-        <p:nvSpPr>
-          <p:cNvPr id="3" name="TextBox 2"/>
-          <p:cNvSpPr txBox="1"/>
-          <p:nvPr/>
-        </p:nvSpPr>
-        <p:spPr>
-          <a:xfrm>
-            <a:off x="139700" y="-92765"/>
-            <a:ext cx="11862759" cy="830997"/>
-          </a:xfrm>
-          <a:prstGeom prst="rect">
-            <a:avLst/>
-          </a:prstGeom>
-          <a:noFill/>
-        </p:spPr>
-        <p:txBody>
-          <a:bodyPr wrap="square" rtlCol="0">
-            <a:spAutoFit/>
-          </a:bodyPr>
-          <a:lstStyle/>
-          <a:p>
-            <a:pPr algn="ctr"/>
-            <a:r>
-              <a:rPr lang="en-US" sz="2400" dirty="0">
-                <a:latin typeface="Bahnschrift Light" panose="020B0502040204020203" pitchFamily="34" charset="0"/>
-              </a:rPr>
-              <a:t>Visualization</a:t>
-            </a:r>
-            <a:r>
-              <a:rPr lang="en-US" sz="4800" dirty="0">
-                <a:latin typeface="Bahnschrift Light" panose="020B0502040204020203" pitchFamily="34" charset="0"/>
-              </a:rPr>
-              <a:t> </a:t>
-            </a:r>
-            <a:r>
-              <a:rPr lang="en-US" sz="2800" dirty="0" smtClean="0">
-                <a:latin typeface="Bahnschrift Light" panose="020B0502040204020203" pitchFamily="34" charset="0"/>
-              </a:rPr>
-              <a:t>{</a:t>
-            </a:r>
-            <a:r>
-              <a:rPr lang="en-US" sz="2800" dirty="0">
-                <a:latin typeface="Bahnschrift Light" panose="020B0502040204020203" pitchFamily="34" charset="0"/>
-              </a:rPr>
-              <a:t>Data from </a:t>
-            </a:r>
-            <a:r>
-              <a:rPr lang="en-US" sz="2800" dirty="0" smtClean="0">
-                <a:latin typeface="Bahnschrift Light" panose="020B0502040204020203" pitchFamily="34" charset="0"/>
-              </a:rPr>
-              <a:t>Investing.Com vs Data from FRED}</a:t>
-            </a:r>
-            <a:endParaRPr lang="en-US" sz="2800" dirty="0">
-              <a:latin typeface="Bahnschrift Light" panose="020B0502040204020203" pitchFamily="34" charset="0"/>
-            </a:endParaRPr>
-          </a:p>
-        </p:txBody>
-      </p:sp>
-    </p:spTree>
-    <p:extLst>
-      <p:ext uri="{BB962C8B-B14F-4D97-AF65-F5344CB8AC3E}">
-        <p14:creationId xmlns:p14="http://schemas.microsoft.com/office/powerpoint/2010/main" val="4107495522"/>
-      </p:ext>
-    </p:extLst>
-  </p:cSld>
-  <p:clrMapOvr>
-    <a:masterClrMapping/>
-  </p:clrMapOvr>
-</p:sld>
-</file>
-
-<file path=ppt/slides/slide33.xml><?xml version="1.0" encoding="utf-8"?>
-<p:sld xmlns:a="http://schemas.openxmlformats.org/drawingml/2006/main" xmlns:r="http://schemas.openxmlformats.org/officeDocument/2006/relationships" xmlns:p="http://schemas.openxmlformats.org/presentationml/2006/main">
-  <p:cSld>
-    <p:spTree>
-      <p:nvGrpSpPr>
-        <p:cNvPr id="1" name=""/>
-        <p:cNvGrpSpPr/>
-        <p:nvPr/>
-      </p:nvGrpSpPr>
-      <p:grpSpPr>
-        <a:xfrm>
-          <a:off x="0" y="0"/>
-          <a:ext cx="0" cy="0"/>
-          <a:chOff x="0" y="0"/>
-          <a:chExt cx="0" cy="0"/>
-        </a:xfrm>
-      </p:grpSpPr>
-      <p:pic>
-        <p:nvPicPr>
-          <p:cNvPr id="2" name="Picture 1"/>
-          <p:cNvPicPr>
-            <a:picLocks noChangeAspect="1"/>
-          </p:cNvPicPr>
-          <p:nvPr/>
-        </p:nvPicPr>
-        <p:blipFill>
-          <a:blip r:embed="rId2"/>
-          <a:stretch>
-            <a:fillRect/>
-          </a:stretch>
-        </p:blipFill>
-        <p:spPr>
-          <a:xfrm>
-            <a:off x="139700" y="889000"/>
-            <a:ext cx="11857775" cy="5562600"/>
-          </a:xfrm>
-          <a:prstGeom prst="rect">
-            <a:avLst/>
-          </a:prstGeom>
-        </p:spPr>
-      </p:pic>
-      <p:sp>
-        <p:nvSpPr>
-          <p:cNvPr id="3" name="TextBox 2"/>
-          <p:cNvSpPr txBox="1"/>
-          <p:nvPr/>
-        </p:nvSpPr>
-        <p:spPr>
-          <a:xfrm>
-            <a:off x="139700" y="-92765"/>
-            <a:ext cx="11862759" cy="830997"/>
-          </a:xfrm>
-          <a:prstGeom prst="rect">
-            <a:avLst/>
-          </a:prstGeom>
-          <a:noFill/>
-        </p:spPr>
-        <p:txBody>
-          <a:bodyPr wrap="square" rtlCol="0">
-            <a:spAutoFit/>
-          </a:bodyPr>
-          <a:lstStyle/>
-          <a:p>
-            <a:pPr algn="ctr"/>
-            <a:r>
-              <a:rPr lang="en-US" sz="2400" dirty="0">
-                <a:latin typeface="Bahnschrift Light" panose="020B0502040204020203" pitchFamily="34" charset="0"/>
-              </a:rPr>
-              <a:t>Visualization</a:t>
-            </a:r>
-            <a:r>
-              <a:rPr lang="en-US" sz="4800" dirty="0">
-                <a:latin typeface="Bahnschrift Light" panose="020B0502040204020203" pitchFamily="34" charset="0"/>
-              </a:rPr>
-              <a:t> </a:t>
-            </a:r>
-            <a:r>
-              <a:rPr lang="en-US" sz="2800" dirty="0" smtClean="0">
-                <a:latin typeface="Bahnschrift Light" panose="020B0502040204020203" pitchFamily="34" charset="0"/>
-              </a:rPr>
-              <a:t>{</a:t>
-            </a:r>
-            <a:r>
-              <a:rPr lang="en-US" sz="2800" dirty="0">
-                <a:latin typeface="Bahnschrift Light" panose="020B0502040204020203" pitchFamily="34" charset="0"/>
-              </a:rPr>
-              <a:t>Data from </a:t>
-            </a:r>
-            <a:r>
-              <a:rPr lang="en-US" sz="2800" dirty="0" smtClean="0">
-                <a:latin typeface="Bahnschrift Light" panose="020B0502040204020203" pitchFamily="34" charset="0"/>
-              </a:rPr>
-              <a:t>Investing.Com vs Data from </a:t>
-            </a:r>
-            <a:r>
-              <a:rPr lang="en-US" sz="2800" dirty="0" err="1" smtClean="0">
-                <a:latin typeface="Bahnschrift Light" panose="020B0502040204020203" pitchFamily="34" charset="0"/>
-              </a:rPr>
-              <a:t>WorldBank</a:t>
-            </a:r>
-            <a:r>
-              <a:rPr lang="en-US" sz="2800" dirty="0" smtClean="0">
-                <a:latin typeface="Bahnschrift Light" panose="020B0502040204020203" pitchFamily="34" charset="0"/>
-              </a:rPr>
-              <a:t>}</a:t>
-            </a:r>
-            <a:endParaRPr lang="en-US" sz="2800" dirty="0">
-              <a:latin typeface="Bahnschrift Light" panose="020B0502040204020203" pitchFamily="34" charset="0"/>
-            </a:endParaRPr>
-          </a:p>
-        </p:txBody>
-      </p:sp>
-    </p:spTree>
-    <p:extLst>
-      <p:ext uri="{BB962C8B-B14F-4D97-AF65-F5344CB8AC3E}">
-        <p14:creationId xmlns:p14="http://schemas.microsoft.com/office/powerpoint/2010/main" val="2349401012"/>
-      </p:ext>
-    </p:extLst>
-  </p:cSld>
-  <p:clrMapOvr>
-    <a:masterClrMapping/>
-  </p:clrMapOvr>
-</p:sld>
-</file>
-
-<file path=ppt/slides/slide34.xml><?xml version="1.0" encoding="utf-8"?>
-<p:sld xmlns:a="http://schemas.openxmlformats.org/drawingml/2006/main" xmlns:r="http://schemas.openxmlformats.org/officeDocument/2006/relationships" xmlns:p="http://schemas.openxmlformats.org/presentationml/2006/main">
-  <p:cSld>
-    <p:spTree>
-      <p:nvGrpSpPr>
-        <p:cNvPr id="1" name=""/>
-        <p:cNvGrpSpPr/>
-        <p:nvPr/>
-      </p:nvGrpSpPr>
-      <p:grpSpPr>
-        <a:xfrm>
-          <a:off x="0" y="0"/>
-          <a:ext cx="0" cy="0"/>
-          <a:chOff x="0" y="0"/>
-          <a:chExt cx="0" cy="0"/>
-        </a:xfrm>
-      </p:grpSpPr>
       <p:sp>
         <p:nvSpPr>
           <p:cNvPr id="2" name="TextBox 1"/>
@@ -9358,382 +9102,7 @@
         </p:nvSpPr>
         <p:spPr>
           <a:xfrm>
-            <a:off x="139700" y="-92765"/>
-            <a:ext cx="11862759" cy="830997"/>
-          </a:xfrm>
-          <a:prstGeom prst="rect">
-            <a:avLst/>
-          </a:prstGeom>
-          <a:noFill/>
-        </p:spPr>
-        <p:txBody>
-          <a:bodyPr wrap="square" rtlCol="0">
-            <a:spAutoFit/>
-          </a:bodyPr>
-          <a:lstStyle/>
-          <a:p>
-            <a:pPr algn="ctr"/>
-            <a:r>
-              <a:rPr lang="en-US" sz="2400" dirty="0">
-                <a:latin typeface="Bahnschrift Light" panose="020B0502040204020203" pitchFamily="34" charset="0"/>
-              </a:rPr>
-              <a:t>Visualization</a:t>
-            </a:r>
-            <a:r>
-              <a:rPr lang="en-US" sz="4800" dirty="0">
-                <a:latin typeface="Bahnschrift Light" panose="020B0502040204020203" pitchFamily="34" charset="0"/>
-              </a:rPr>
-              <a:t> </a:t>
-            </a:r>
-            <a:r>
-              <a:rPr lang="en-US" sz="2800" dirty="0" smtClean="0">
-                <a:latin typeface="Bahnschrift Light" panose="020B0502040204020203" pitchFamily="34" charset="0"/>
-              </a:rPr>
-              <a:t>{</a:t>
-            </a:r>
-            <a:r>
-              <a:rPr lang="en-US" sz="2800" dirty="0">
-                <a:latin typeface="Bahnschrift Light" panose="020B0502040204020203" pitchFamily="34" charset="0"/>
-              </a:rPr>
-              <a:t>Data from </a:t>
-            </a:r>
-            <a:r>
-              <a:rPr lang="en-US" sz="2800" dirty="0" smtClean="0">
-                <a:latin typeface="Bahnschrift Light" panose="020B0502040204020203" pitchFamily="34" charset="0"/>
-              </a:rPr>
-              <a:t>Investing.Com vs Data from </a:t>
-            </a:r>
-            <a:r>
-              <a:rPr lang="en-US" sz="2800" dirty="0" err="1" smtClean="0">
-                <a:latin typeface="Bahnschrift Light" panose="020B0502040204020203" pitchFamily="34" charset="0"/>
-              </a:rPr>
-              <a:t>WorldBank</a:t>
-            </a:r>
-            <a:r>
-              <a:rPr lang="en-US" sz="2800" dirty="0" smtClean="0">
-                <a:latin typeface="Bahnschrift Light" panose="020B0502040204020203" pitchFamily="34" charset="0"/>
-              </a:rPr>
-              <a:t>}</a:t>
-            </a:r>
-            <a:endParaRPr lang="en-US" sz="2800" dirty="0">
-              <a:latin typeface="Bahnschrift Light" panose="020B0502040204020203" pitchFamily="34" charset="0"/>
-            </a:endParaRPr>
-          </a:p>
-        </p:txBody>
-      </p:sp>
-      <p:pic>
-        <p:nvPicPr>
-          <p:cNvPr id="3" name="Picture 2"/>
-          <p:cNvPicPr>
-            <a:picLocks noChangeAspect="1"/>
-          </p:cNvPicPr>
-          <p:nvPr/>
-        </p:nvPicPr>
-        <p:blipFill>
-          <a:blip r:embed="rId2"/>
-          <a:stretch>
-            <a:fillRect/>
-          </a:stretch>
-        </p:blipFill>
-        <p:spPr>
-          <a:xfrm>
-            <a:off x="139700" y="828674"/>
-            <a:ext cx="11904576" cy="5521325"/>
-          </a:xfrm>
-          <a:prstGeom prst="rect">
-            <a:avLst/>
-          </a:prstGeom>
-        </p:spPr>
-      </p:pic>
-    </p:spTree>
-    <p:extLst>
-      <p:ext uri="{BB962C8B-B14F-4D97-AF65-F5344CB8AC3E}">
-        <p14:creationId xmlns:p14="http://schemas.microsoft.com/office/powerpoint/2010/main" val="3094819070"/>
-      </p:ext>
-    </p:extLst>
-  </p:cSld>
-  <p:clrMapOvr>
-    <a:masterClrMapping/>
-  </p:clrMapOvr>
-</p:sld>
-</file>
-
-<file path=ppt/slides/slide35.xml><?xml version="1.0" encoding="utf-8"?>
-<p:sld xmlns:a="http://schemas.openxmlformats.org/drawingml/2006/main" xmlns:r="http://schemas.openxmlformats.org/officeDocument/2006/relationships" xmlns:p="http://schemas.openxmlformats.org/presentationml/2006/main">
-  <p:cSld>
-    <p:spTree>
-      <p:nvGrpSpPr>
-        <p:cNvPr id="1" name=""/>
-        <p:cNvGrpSpPr/>
-        <p:nvPr/>
-      </p:nvGrpSpPr>
-      <p:grpSpPr>
-        <a:xfrm>
-          <a:off x="0" y="0"/>
-          <a:ext cx="0" cy="0"/>
-          <a:chOff x="0" y="0"/>
-          <a:chExt cx="0" cy="0"/>
-        </a:xfrm>
-      </p:grpSpPr>
-      <p:sp>
-        <p:nvSpPr>
-          <p:cNvPr id="2" name="TextBox 1"/>
-          <p:cNvSpPr txBox="1"/>
-          <p:nvPr/>
-        </p:nvSpPr>
-        <p:spPr>
-          <a:xfrm>
-            <a:off x="139700" y="-92765"/>
-            <a:ext cx="11862759" cy="830997"/>
-          </a:xfrm>
-          <a:prstGeom prst="rect">
-            <a:avLst/>
-          </a:prstGeom>
-          <a:noFill/>
-        </p:spPr>
-        <p:txBody>
-          <a:bodyPr wrap="square" rtlCol="0">
-            <a:spAutoFit/>
-          </a:bodyPr>
-          <a:lstStyle/>
-          <a:p>
-            <a:pPr algn="ctr"/>
-            <a:r>
-              <a:rPr lang="en-US" sz="2400" dirty="0">
-                <a:latin typeface="Bahnschrift Light" panose="020B0502040204020203" pitchFamily="34" charset="0"/>
-              </a:rPr>
-              <a:t>Visualization</a:t>
-            </a:r>
-            <a:r>
-              <a:rPr lang="en-US" sz="4800" dirty="0">
-                <a:latin typeface="Bahnschrift Light" panose="020B0502040204020203" pitchFamily="34" charset="0"/>
-              </a:rPr>
-              <a:t> </a:t>
-            </a:r>
-            <a:r>
-              <a:rPr lang="en-US" sz="2800" dirty="0" smtClean="0">
-                <a:latin typeface="Bahnschrift Light" panose="020B0502040204020203" pitchFamily="34" charset="0"/>
-              </a:rPr>
-              <a:t>{</a:t>
-            </a:r>
-            <a:r>
-              <a:rPr lang="en-US" sz="2800" dirty="0">
-                <a:latin typeface="Bahnschrift Light" panose="020B0502040204020203" pitchFamily="34" charset="0"/>
-              </a:rPr>
-              <a:t>Data from </a:t>
-            </a:r>
-            <a:r>
-              <a:rPr lang="en-US" sz="2800" dirty="0" smtClean="0">
-                <a:latin typeface="Bahnschrift Light" panose="020B0502040204020203" pitchFamily="34" charset="0"/>
-              </a:rPr>
-              <a:t>Investing.Com vs Data from </a:t>
-            </a:r>
-            <a:r>
-              <a:rPr lang="en-US" sz="2800" dirty="0" err="1" smtClean="0">
-                <a:latin typeface="Bahnschrift Light" panose="020B0502040204020203" pitchFamily="34" charset="0"/>
-              </a:rPr>
-              <a:t>WorldBank</a:t>
-            </a:r>
-            <a:r>
-              <a:rPr lang="en-US" sz="2800" dirty="0" smtClean="0">
-                <a:latin typeface="Bahnschrift Light" panose="020B0502040204020203" pitchFamily="34" charset="0"/>
-              </a:rPr>
-              <a:t>}</a:t>
-            </a:r>
-            <a:endParaRPr lang="en-US" sz="2800" dirty="0">
-              <a:latin typeface="Bahnschrift Light" panose="020B0502040204020203" pitchFamily="34" charset="0"/>
-            </a:endParaRPr>
-          </a:p>
-        </p:txBody>
-      </p:sp>
-      <p:pic>
-        <p:nvPicPr>
-          <p:cNvPr id="4" name="Picture 3"/>
-          <p:cNvPicPr>
-            <a:picLocks noChangeAspect="1"/>
-          </p:cNvPicPr>
-          <p:nvPr/>
-        </p:nvPicPr>
-        <p:blipFill>
-          <a:blip r:embed="rId2"/>
-          <a:stretch>
-            <a:fillRect/>
-          </a:stretch>
-        </p:blipFill>
-        <p:spPr>
-          <a:xfrm>
-            <a:off x="139700" y="738232"/>
-            <a:ext cx="11936791" cy="5586368"/>
-          </a:xfrm>
-          <a:prstGeom prst="rect">
-            <a:avLst/>
-          </a:prstGeom>
-        </p:spPr>
-      </p:pic>
-    </p:spTree>
-    <p:extLst>
-      <p:ext uri="{BB962C8B-B14F-4D97-AF65-F5344CB8AC3E}">
-        <p14:creationId xmlns:p14="http://schemas.microsoft.com/office/powerpoint/2010/main" val="3119402187"/>
-      </p:ext>
-    </p:extLst>
-  </p:cSld>
-  <p:clrMapOvr>
-    <a:masterClrMapping/>
-  </p:clrMapOvr>
-</p:sld>
-</file>
-
-<file path=ppt/slides/slide36.xml><?xml version="1.0" encoding="utf-8"?>
-<p:sld xmlns:a="http://schemas.openxmlformats.org/drawingml/2006/main" xmlns:r="http://schemas.openxmlformats.org/officeDocument/2006/relationships" xmlns:p="http://schemas.openxmlformats.org/presentationml/2006/main">
-  <p:cSld>
-    <p:spTree>
-      <p:nvGrpSpPr>
-        <p:cNvPr id="1" name=""/>
-        <p:cNvGrpSpPr/>
-        <p:nvPr/>
-      </p:nvGrpSpPr>
-      <p:grpSpPr>
-        <a:xfrm>
-          <a:off x="0" y="0"/>
-          <a:ext cx="0" cy="0"/>
-          <a:chOff x="0" y="0"/>
-          <a:chExt cx="0" cy="0"/>
-        </a:xfrm>
-      </p:grpSpPr>
-      <p:sp>
-        <p:nvSpPr>
-          <p:cNvPr id="2" name="TextBox 1"/>
-          <p:cNvSpPr txBox="1"/>
-          <p:nvPr/>
-        </p:nvSpPr>
-        <p:spPr>
-          <a:xfrm>
-            <a:off x="139700" y="-92765"/>
-            <a:ext cx="11862759" cy="830997"/>
-          </a:xfrm>
-          <a:prstGeom prst="rect">
-            <a:avLst/>
-          </a:prstGeom>
-          <a:noFill/>
-        </p:spPr>
-        <p:txBody>
-          <a:bodyPr wrap="square" rtlCol="0">
-            <a:spAutoFit/>
-          </a:bodyPr>
-          <a:lstStyle/>
-          <a:p>
-            <a:pPr algn="ctr"/>
-            <a:r>
-              <a:rPr lang="en-US" sz="2400" dirty="0">
-                <a:latin typeface="Bahnschrift Light" panose="020B0502040204020203" pitchFamily="34" charset="0"/>
-              </a:rPr>
-              <a:t>Visualization</a:t>
-            </a:r>
-            <a:r>
-              <a:rPr lang="en-US" sz="4800" dirty="0">
-                <a:latin typeface="Bahnschrift Light" panose="020B0502040204020203" pitchFamily="34" charset="0"/>
-              </a:rPr>
-              <a:t> </a:t>
-            </a:r>
-            <a:r>
-              <a:rPr lang="en-US" sz="2800" dirty="0" smtClean="0">
-                <a:latin typeface="Bahnschrift Light" panose="020B0502040204020203" pitchFamily="34" charset="0"/>
-              </a:rPr>
-              <a:t>{</a:t>
-            </a:r>
-            <a:r>
-              <a:rPr lang="en-US" sz="2800" dirty="0">
-                <a:latin typeface="Bahnschrift Light" panose="020B0502040204020203" pitchFamily="34" charset="0"/>
-              </a:rPr>
-              <a:t>Data from </a:t>
-            </a:r>
-            <a:r>
-              <a:rPr lang="en-US" sz="2800" dirty="0" smtClean="0">
-                <a:latin typeface="Bahnschrift Light" panose="020B0502040204020203" pitchFamily="34" charset="0"/>
-              </a:rPr>
-              <a:t>Investing.Com vs Data from </a:t>
-            </a:r>
-            <a:r>
-              <a:rPr lang="en-US" sz="2800" dirty="0" err="1" smtClean="0">
-                <a:latin typeface="Bahnschrift Light" panose="020B0502040204020203" pitchFamily="34" charset="0"/>
-              </a:rPr>
-              <a:t>WorldBank</a:t>
-            </a:r>
-            <a:r>
-              <a:rPr lang="en-US" sz="2800" dirty="0" smtClean="0">
-                <a:latin typeface="Bahnschrift Light" panose="020B0502040204020203" pitchFamily="34" charset="0"/>
-              </a:rPr>
-              <a:t>}</a:t>
-            </a:r>
-            <a:endParaRPr lang="en-US" sz="2800" dirty="0">
-              <a:latin typeface="Bahnschrift Light" panose="020B0502040204020203" pitchFamily="34" charset="0"/>
-            </a:endParaRPr>
-          </a:p>
-        </p:txBody>
-      </p:sp>
-      <p:pic>
-        <p:nvPicPr>
-          <p:cNvPr id="3" name="Picture 2"/>
-          <p:cNvPicPr>
-            <a:picLocks noChangeAspect="1"/>
-          </p:cNvPicPr>
-          <p:nvPr/>
-        </p:nvPicPr>
-        <p:blipFill>
-          <a:blip r:embed="rId2"/>
-          <a:stretch>
-            <a:fillRect/>
-          </a:stretch>
-        </p:blipFill>
-        <p:spPr>
-          <a:xfrm>
-            <a:off x="83641" y="954132"/>
-            <a:ext cx="12061484" cy="5599068"/>
-          </a:xfrm>
-          <a:prstGeom prst="rect">
-            <a:avLst/>
-          </a:prstGeom>
-        </p:spPr>
-      </p:pic>
-    </p:spTree>
-    <p:extLst>
-      <p:ext uri="{BB962C8B-B14F-4D97-AF65-F5344CB8AC3E}">
-        <p14:creationId xmlns:p14="http://schemas.microsoft.com/office/powerpoint/2010/main" val="2187603829"/>
-      </p:ext>
-    </p:extLst>
-  </p:cSld>
-  <p:clrMapOvr>
-    <a:masterClrMapping/>
-  </p:clrMapOvr>
-</p:sld>
-</file>
-
-<file path=ppt/slides/slide37.xml><?xml version="1.0" encoding="utf-8"?>
-<p:sld xmlns:a="http://schemas.openxmlformats.org/drawingml/2006/main" xmlns:r="http://schemas.openxmlformats.org/officeDocument/2006/relationships" xmlns:p="http://schemas.openxmlformats.org/presentationml/2006/main">
-  <p:cSld>
-    <p:spTree>
-      <p:nvGrpSpPr>
-        <p:cNvPr id="1" name=""/>
-        <p:cNvGrpSpPr/>
-        <p:nvPr/>
-      </p:nvGrpSpPr>
-      <p:grpSpPr>
-        <a:xfrm>
-          <a:off x="0" y="0"/>
-          <a:ext cx="0" cy="0"/>
-          <a:chOff x="0" y="0"/>
-          <a:chExt cx="0" cy="0"/>
-        </a:xfrm>
-      </p:grpSpPr>
-      <p:sp>
-        <p:nvSpPr>
-          <p:cNvPr id="2" name="TextBox 1"/>
-          <p:cNvSpPr txBox="1"/>
-          <p:nvPr/>
-        </p:nvSpPr>
-        <p:spPr>
-          <a:xfrm>
-            <a:off x="1549952" y="-3865"/>
+            <a:off x="1143552" y="3120335"/>
             <a:ext cx="8680174" cy="830997"/>
           </a:xfrm>
           <a:prstGeom prst="rect">
@@ -9752,7 +9121,7 @@
               <a:rPr lang="en-US" sz="4800" dirty="0" smtClean="0">
                 <a:latin typeface="Bahnschrift Light" panose="020B0502040204020203" pitchFamily="34" charset="0"/>
               </a:rPr>
-              <a:t>Result</a:t>
+              <a:t>Thank you</a:t>
             </a:r>
             <a:endParaRPr lang="en-US" sz="4800" dirty="0">
               <a:latin typeface="Bahnschrift Light" panose="020B0502040204020203" pitchFamily="34" charset="0"/>
@@ -9760,355 +9129,10 @@
           </a:p>
         </p:txBody>
       </p:sp>
-      <p:sp>
-        <p:nvSpPr>
-          <p:cNvPr id="3" name="TextBox 2"/>
-          <p:cNvSpPr txBox="1"/>
-          <p:nvPr/>
-        </p:nvSpPr>
-        <p:spPr>
-          <a:xfrm>
-            <a:off x="909429" y="725557"/>
-            <a:ext cx="10257183" cy="4524315"/>
-          </a:xfrm>
-          <a:prstGeom prst="rect">
-            <a:avLst/>
-          </a:prstGeom>
-          <a:noFill/>
-        </p:spPr>
-        <p:txBody>
-          <a:bodyPr wrap="square" rtlCol="0">
-            <a:spAutoFit/>
-          </a:bodyPr>
-          <a:lstStyle/>
-          <a:p>
-            <a:pPr algn="ctr"/>
-            <a:r>
-              <a:rPr lang="en-US" sz="3200" dirty="0" smtClean="0"/>
-              <a:t>From the above analysis, on reviewing the MAE and MSE, RMSE, and R² values from all the models considered, it is apparently clear that “</a:t>
-            </a:r>
-            <a:r>
-              <a:rPr lang="en-US" sz="3200" b="1" dirty="0" smtClean="0"/>
-              <a:t>Linear Regression</a:t>
-            </a:r>
-            <a:r>
-              <a:rPr lang="en-US" sz="3200" dirty="0" smtClean="0"/>
-              <a:t>”, “</a:t>
-            </a:r>
-            <a:r>
-              <a:rPr lang="en-US" sz="3200" b="1" dirty="0" smtClean="0"/>
-              <a:t>Random Forest Regressor (RFR)</a:t>
-            </a:r>
-            <a:r>
-              <a:rPr lang="en-US" sz="3200" dirty="0" smtClean="0"/>
-              <a:t>”, “</a:t>
-            </a:r>
-            <a:r>
-              <a:rPr lang="en-US" sz="3200" b="1" dirty="0"/>
-              <a:t>Ridge Regression</a:t>
-            </a:r>
-            <a:r>
-              <a:rPr lang="en-US" sz="3200" dirty="0"/>
-              <a:t>” </a:t>
-            </a:r>
-            <a:r>
-              <a:rPr lang="en-US" sz="3200" dirty="0" smtClean="0"/>
-              <a:t>and “</a:t>
-            </a:r>
-            <a:r>
-              <a:rPr lang="en-US" sz="3200" b="1" dirty="0" smtClean="0"/>
-              <a:t>Bayesian Ridge Regression</a:t>
-            </a:r>
-            <a:r>
-              <a:rPr lang="en-US" sz="3200" dirty="0" smtClean="0"/>
-              <a:t>” displayed wonderful results. However, I will be relying </a:t>
-            </a:r>
-            <a:r>
-              <a:rPr lang="en-US" sz="3200" dirty="0"/>
-              <a:t>more on “</a:t>
-            </a:r>
-            <a:r>
-              <a:rPr lang="en-US" sz="3200" b="1" dirty="0"/>
-              <a:t>Random Forest Regressor (RFR)</a:t>
-            </a:r>
-            <a:r>
-              <a:rPr lang="en-US" sz="3200" dirty="0"/>
-              <a:t>” </a:t>
-            </a:r>
-            <a:r>
-              <a:rPr lang="en-US" sz="3200" dirty="0" smtClean="0"/>
-              <a:t>due to its robustness about being exposed to many hyperparameters for tuning.</a:t>
-            </a:r>
-          </a:p>
-          <a:p>
-            <a:pPr algn="ctr"/>
-            <a:endParaRPr lang="en-US" sz="3200" dirty="0"/>
-          </a:p>
-        </p:txBody>
-      </p:sp>
     </p:spTree>
     <p:extLst>
       <p:ext uri="{BB962C8B-B14F-4D97-AF65-F5344CB8AC3E}">
-        <p14:creationId xmlns:p14="http://schemas.microsoft.com/office/powerpoint/2010/main" val="375198924"/>
-      </p:ext>
-    </p:extLst>
-  </p:cSld>
-  <p:clrMapOvr>
-    <a:masterClrMapping/>
-  </p:clrMapOvr>
-  <p:timing>
-    <p:tnLst>
-      <p:par>
-        <p:cTn id="1" dur="indefinite" restart="never" nodeType="tmRoot"/>
-      </p:par>
-    </p:tnLst>
-  </p:timing>
-</p:sld>
-</file>
-
-<file path=ppt/slides/slide38.xml><?xml version="1.0" encoding="utf-8"?>
-<p:sld xmlns:a="http://schemas.openxmlformats.org/drawingml/2006/main" xmlns:r="http://schemas.openxmlformats.org/officeDocument/2006/relationships" xmlns:p="http://schemas.openxmlformats.org/presentationml/2006/main">
-  <p:cSld>
-    <p:spTree>
-      <p:nvGrpSpPr>
-        <p:cNvPr id="1" name=""/>
-        <p:cNvGrpSpPr/>
-        <p:nvPr/>
-      </p:nvGrpSpPr>
-      <p:grpSpPr>
-        <a:xfrm>
-          <a:off x="0" y="0"/>
-          <a:ext cx="0" cy="0"/>
-          <a:chOff x="0" y="0"/>
-          <a:chExt cx="0" cy="0"/>
-        </a:xfrm>
-      </p:grpSpPr>
-      <p:sp>
-        <p:nvSpPr>
-          <p:cNvPr id="2" name="TextBox 1"/>
-          <p:cNvSpPr txBox="1"/>
-          <p:nvPr/>
-        </p:nvSpPr>
-        <p:spPr>
-          <a:xfrm>
-            <a:off x="622852" y="275535"/>
-            <a:ext cx="10527748" cy="830997"/>
-          </a:xfrm>
-          <a:prstGeom prst="rect">
-            <a:avLst/>
-          </a:prstGeom>
-          <a:noFill/>
-        </p:spPr>
-        <p:txBody>
-          <a:bodyPr wrap="square" rtlCol="0">
-            <a:spAutoFit/>
-          </a:bodyPr>
-          <a:lstStyle/>
-          <a:p>
-            <a:pPr algn="ctr"/>
-            <a:r>
-              <a:rPr lang="en-US" sz="4800" dirty="0">
-                <a:latin typeface="Bahnschrift Light" panose="020B0502040204020203" pitchFamily="34" charset="0"/>
-              </a:rPr>
-              <a:t>Random Forest Regressor (RFR)</a:t>
-            </a:r>
-          </a:p>
-        </p:txBody>
-      </p:sp>
-      <p:sp>
-        <p:nvSpPr>
-          <p:cNvPr id="3" name="TextBox 2"/>
-          <p:cNvSpPr txBox="1"/>
-          <p:nvPr/>
-        </p:nvSpPr>
-        <p:spPr>
-          <a:xfrm>
-            <a:off x="622852" y="1320800"/>
-            <a:ext cx="10718248" cy="5016758"/>
-          </a:xfrm>
-          <a:prstGeom prst="rect">
-            <a:avLst/>
-          </a:prstGeom>
-          <a:noFill/>
-        </p:spPr>
-        <p:txBody>
-          <a:bodyPr wrap="square" rtlCol="0">
-            <a:spAutoFit/>
-          </a:bodyPr>
-          <a:lstStyle/>
-          <a:p>
-            <a:pPr algn="just"/>
-            <a:r>
-              <a:rPr lang="en-US" sz="3200" dirty="0"/>
-              <a:t>Random Forest Regressor (RFR) is a supervised learning algorithm belonging to the ensemble learning family, specifically the random forest method, used for regression tasks. It's an extension of the Random Forest algorithm for classification</a:t>
-            </a:r>
-            <a:r>
-              <a:rPr lang="en-US" sz="3200" dirty="0" smtClean="0"/>
-              <a:t>.</a:t>
-            </a:r>
-          </a:p>
-          <a:p>
-            <a:pPr algn="just"/>
-            <a:r>
-              <a:rPr lang="en-US" sz="3200" dirty="0"/>
-              <a:t>Random Forest Regressor is known for its robustness, scalability, and ability to handle </a:t>
-            </a:r>
-            <a:r>
-              <a:rPr lang="en-US" sz="3200" b="1" i="1" dirty="0"/>
-              <a:t>high-dimensional data with a large number of features</a:t>
-            </a:r>
-            <a:r>
-              <a:rPr lang="en-US" sz="3200" dirty="0"/>
-              <a:t>. It often performs well across a wide range of regression problems and is less prone to overfitting compared to individual decision trees</a:t>
-            </a:r>
-            <a:r>
-              <a:rPr lang="en-US" sz="3200" dirty="0" smtClean="0"/>
-              <a:t>.</a:t>
-            </a:r>
-            <a:endParaRPr lang="en-US" dirty="0"/>
-          </a:p>
-        </p:txBody>
-      </p:sp>
-    </p:spTree>
-    <p:extLst>
-      <p:ext uri="{BB962C8B-B14F-4D97-AF65-F5344CB8AC3E}">
-        <p14:creationId xmlns:p14="http://schemas.microsoft.com/office/powerpoint/2010/main" val="4247388192"/>
-      </p:ext>
-    </p:extLst>
-  </p:cSld>
-  <p:clrMapOvr>
-    <a:masterClrMapping/>
-  </p:clrMapOvr>
-  <p:timing>
-    <p:tnLst>
-      <p:par>
-        <p:cTn id="1" dur="indefinite" restart="never" nodeType="tmRoot"/>
-      </p:par>
-    </p:tnLst>
-  </p:timing>
-</p:sld>
-</file>
-
-<file path=ppt/slides/slide39.xml><?xml version="1.0" encoding="utf-8"?>
-<p:sld xmlns:a="http://schemas.openxmlformats.org/drawingml/2006/main" xmlns:r="http://schemas.openxmlformats.org/officeDocument/2006/relationships" xmlns:p="http://schemas.openxmlformats.org/presentationml/2006/main">
-  <p:cSld>
-    <p:spTree>
-      <p:nvGrpSpPr>
-        <p:cNvPr id="1" name=""/>
-        <p:cNvGrpSpPr/>
-        <p:nvPr/>
-      </p:nvGrpSpPr>
-      <p:grpSpPr>
-        <a:xfrm>
-          <a:off x="0" y="0"/>
-          <a:ext cx="0" cy="0"/>
-          <a:chOff x="0" y="0"/>
-          <a:chExt cx="0" cy="0"/>
-        </a:xfrm>
-      </p:grpSpPr>
-      <p:sp>
-        <p:nvSpPr>
-          <p:cNvPr id="2" name="TextBox 1"/>
-          <p:cNvSpPr txBox="1"/>
-          <p:nvPr/>
-        </p:nvSpPr>
-        <p:spPr>
-          <a:xfrm>
-            <a:off x="1308100" y="88900"/>
-            <a:ext cx="9271000" cy="707886"/>
-          </a:xfrm>
-          <a:prstGeom prst="rect">
-            <a:avLst/>
-          </a:prstGeom>
-          <a:noFill/>
-        </p:spPr>
-        <p:txBody>
-          <a:bodyPr wrap="square" rtlCol="0">
-            <a:spAutoFit/>
-          </a:bodyPr>
-          <a:lstStyle/>
-          <a:p>
-            <a:pPr algn="ctr"/>
-            <a:r>
-              <a:rPr lang="en-US" sz="4000" dirty="0" smtClean="0">
-                <a:latin typeface="Bahnschrift Light" panose="020B0502040204020203" pitchFamily="34" charset="0"/>
-              </a:rPr>
-              <a:t>Future Plans</a:t>
-            </a:r>
-            <a:endParaRPr lang="en-US" sz="4400" dirty="0">
-              <a:latin typeface="Bahnschrift Light" panose="020B0502040204020203" pitchFamily="34" charset="0"/>
-            </a:endParaRPr>
-          </a:p>
-        </p:txBody>
-      </p:sp>
-      <p:sp>
-        <p:nvSpPr>
-          <p:cNvPr id="3" name="TextBox 2"/>
-          <p:cNvSpPr txBox="1"/>
-          <p:nvPr/>
-        </p:nvSpPr>
-        <p:spPr>
-          <a:xfrm>
-            <a:off x="825500" y="927100"/>
-            <a:ext cx="10210800" cy="5016758"/>
-          </a:xfrm>
-          <a:prstGeom prst="rect">
-            <a:avLst/>
-          </a:prstGeom>
-          <a:noFill/>
-        </p:spPr>
-        <p:txBody>
-          <a:bodyPr wrap="square" rtlCol="0">
-            <a:spAutoFit/>
-          </a:bodyPr>
-          <a:lstStyle/>
-          <a:p>
-            <a:r>
-              <a:rPr lang="en-US" sz="3200" dirty="0" smtClean="0"/>
-              <a:t>I will also explore alternative source where I can access the Macroeconomics indices maintained at more frequent basis; possibly weekly, or even daily levels.</a:t>
-            </a:r>
-          </a:p>
-          <a:p>
-            <a:endParaRPr lang="en-US" sz="3200" dirty="0"/>
-          </a:p>
-          <a:p>
-            <a:r>
-              <a:rPr lang="en-US" sz="3200" dirty="0"/>
-              <a:t>I plan to improve on my model by adding more </a:t>
-            </a:r>
-            <a:r>
-              <a:rPr lang="en-US" sz="3200" dirty="0" smtClean="0"/>
-              <a:t>Technical </a:t>
-            </a:r>
-            <a:r>
-              <a:rPr lang="en-US" sz="3200" dirty="0"/>
-              <a:t>features.</a:t>
-            </a:r>
-          </a:p>
-          <a:p>
-            <a:endParaRPr lang="en-US" sz="3200" dirty="0" smtClean="0"/>
-          </a:p>
-          <a:p>
-            <a:r>
-              <a:rPr lang="en-US" sz="3200" dirty="0" smtClean="0"/>
-              <a:t>I will explore a way of automatically accessing the </a:t>
-            </a:r>
-            <a:r>
-              <a:rPr lang="en-US" sz="3200" dirty="0"/>
-              <a:t>Statistical </a:t>
-            </a:r>
-            <a:r>
-              <a:rPr lang="en-US" sz="3200" dirty="0" smtClean="0"/>
-              <a:t>data from a sources like Investing.Com or Tick Data Suite(TDS) whose data is as close as the live data.</a:t>
-            </a:r>
-            <a:endParaRPr lang="en-US" sz="3200" dirty="0"/>
-          </a:p>
-        </p:txBody>
-      </p:sp>
-    </p:spTree>
-    <p:extLst>
-      <p:ext uri="{BB962C8B-B14F-4D97-AF65-F5344CB8AC3E}">
-        <p14:creationId xmlns:p14="http://schemas.microsoft.com/office/powerpoint/2010/main" val="685488599"/>
+        <p14:creationId xmlns:p14="http://schemas.microsoft.com/office/powerpoint/2010/main" val="372485860"/>
       </p:ext>
     </p:extLst>
   </p:cSld>
@@ -10221,78 +9245,6 @@
     <p:extLst>
       <p:ext uri="{BB962C8B-B14F-4D97-AF65-F5344CB8AC3E}">
         <p14:creationId xmlns:p14="http://schemas.microsoft.com/office/powerpoint/2010/main" val="3309370373"/>
-      </p:ext>
-    </p:extLst>
-  </p:cSld>
-  <p:clrMapOvr>
-    <a:masterClrMapping/>
-  </p:clrMapOvr>
-  <p:timing>
-    <p:tnLst>
-      <p:par>
-        <p:cTn id="1" dur="indefinite" restart="never" nodeType="tmRoot"/>
-      </p:par>
-    </p:tnLst>
-  </p:timing>
-</p:sld>
-</file>
-
-<file path=ppt/slides/slide40.xml><?xml version="1.0" encoding="utf-8"?>
-<p:sld xmlns:a="http://schemas.openxmlformats.org/drawingml/2006/main" xmlns:r="http://schemas.openxmlformats.org/officeDocument/2006/relationships" xmlns:p="http://schemas.openxmlformats.org/presentationml/2006/main">
-  <p:cSld>
-    <p:spTree>
-      <p:nvGrpSpPr>
-        <p:cNvPr id="1" name=""/>
-        <p:cNvGrpSpPr/>
-        <p:nvPr/>
-      </p:nvGrpSpPr>
-      <p:grpSpPr>
-        <a:xfrm>
-          <a:off x="0" y="0"/>
-          <a:ext cx="0" cy="0"/>
-          <a:chOff x="0" y="0"/>
-          <a:chExt cx="0" cy="0"/>
-        </a:xfrm>
-      </p:grpSpPr>
-      <p:sp>
-        <p:nvSpPr>
-          <p:cNvPr id="2" name="TextBox 1"/>
-          <p:cNvSpPr txBox="1"/>
-          <p:nvPr/>
-        </p:nvSpPr>
-        <p:spPr>
-          <a:xfrm>
-            <a:off x="1143552" y="3120335"/>
-            <a:ext cx="8680174" cy="830997"/>
-          </a:xfrm>
-          <a:prstGeom prst="rect">
-            <a:avLst/>
-          </a:prstGeom>
-          <a:noFill/>
-        </p:spPr>
-        <p:txBody>
-          <a:bodyPr wrap="square" rtlCol="0">
-            <a:spAutoFit/>
-          </a:bodyPr>
-          <a:lstStyle/>
-          <a:p>
-            <a:pPr algn="ctr"/>
-            <a:r>
-              <a:rPr lang="en-US" sz="4800" dirty="0" smtClean="0">
-                <a:latin typeface="Bahnschrift Light" panose="020B0502040204020203" pitchFamily="34" charset="0"/>
-              </a:rPr>
-              <a:t>Thank you</a:t>
-            </a:r>
-            <a:endParaRPr lang="en-US" sz="4800" dirty="0">
-              <a:latin typeface="Bahnschrift Light" panose="020B0502040204020203" pitchFamily="34" charset="0"/>
-            </a:endParaRPr>
-          </a:p>
-        </p:txBody>
-      </p:sp>
-    </p:spTree>
-    <p:extLst>
-      <p:ext uri="{BB962C8B-B14F-4D97-AF65-F5344CB8AC3E}">
-        <p14:creationId xmlns:p14="http://schemas.microsoft.com/office/powerpoint/2010/main" val="372485860"/>
       </p:ext>
     </p:extLst>
   </p:cSld>
